--- a/Slides/Module 06 Concurrency Patterns in Typescript.pptx
+++ b/Slides/Module 06 Concurrency Patterns in Typescript.pptx
@@ -21,24 +21,24 @@
     <p:sldId id="669" r:id="rId12"/>
     <p:sldId id="672" r:id="rId13"/>
     <p:sldId id="632" r:id="rId14"/>
-    <p:sldId id="680" r:id="rId15"/>
-    <p:sldId id="679" r:id="rId16"/>
-    <p:sldId id="661" r:id="rId17"/>
-    <p:sldId id="662" r:id="rId18"/>
-    <p:sldId id="677" r:id="rId19"/>
-    <p:sldId id="681" r:id="rId20"/>
-    <p:sldId id="682" r:id="rId21"/>
-    <p:sldId id="578" r:id="rId22"/>
-    <p:sldId id="673" r:id="rId23"/>
-    <p:sldId id="675" r:id="rId24"/>
-    <p:sldId id="676" r:id="rId25"/>
-    <p:sldId id="683" r:id="rId26"/>
-    <p:sldId id="684" r:id="rId27"/>
-    <p:sldId id="628" r:id="rId28"/>
-    <p:sldId id="594" r:id="rId29"/>
-    <p:sldId id="560" r:id="rId30"/>
-    <p:sldId id="645" r:id="rId31"/>
-    <p:sldId id="687" r:id="rId32"/>
+    <p:sldId id="645" r:id="rId15"/>
+    <p:sldId id="687" r:id="rId16"/>
+    <p:sldId id="680" r:id="rId17"/>
+    <p:sldId id="679" r:id="rId18"/>
+    <p:sldId id="661" r:id="rId19"/>
+    <p:sldId id="662" r:id="rId20"/>
+    <p:sldId id="677" r:id="rId21"/>
+    <p:sldId id="681" r:id="rId22"/>
+    <p:sldId id="682" r:id="rId23"/>
+    <p:sldId id="578" r:id="rId24"/>
+    <p:sldId id="673" r:id="rId25"/>
+    <p:sldId id="675" r:id="rId26"/>
+    <p:sldId id="676" r:id="rId27"/>
+    <p:sldId id="683" r:id="rId28"/>
+    <p:sldId id="684" r:id="rId29"/>
+    <p:sldId id="628" r:id="rId30"/>
+    <p:sldId id="594" r:id="rId31"/>
+    <p:sldId id="560" r:id="rId32"/>
     <p:sldId id="664" r:id="rId33"/>
     <p:sldId id="629" r:id="rId34"/>
     <p:sldId id="277" r:id="rId35"/>
@@ -366,6 +366,8 @@
             <p14:sldId id="669"/>
             <p14:sldId id="672"/>
             <p14:sldId id="632"/>
+            <p14:sldId id="645"/>
+            <p14:sldId id="687"/>
             <p14:sldId id="680"/>
             <p14:sldId id="679"/>
             <p14:sldId id="661"/>
@@ -382,8 +384,6 @@
             <p14:sldId id="628"/>
             <p14:sldId id="594"/>
             <p14:sldId id="560"/>
-            <p14:sldId id="645"/>
-            <p14:sldId id="687"/>
             <p14:sldId id="664"/>
             <p14:sldId id="629"/>
             <p14:sldId id="277"/>
@@ -754,6 +754,218 @@
   <p:cSld>
     <p:spTree>
       <p:nvGrpSpPr>
+        <p:cNvPr id="1" name="">
+          <a:extLst>
+            <a:ext uri="{FF2B5EF4-FFF2-40B4-BE49-F238E27FC236}">
+              <a16:creationId xmlns:a16="http://schemas.microsoft.com/office/drawing/2014/main" id="{6040CAFC-70A2-CF27-DF72-858484F3273C}"/>
+            </a:ext>
+          </a:extLst>
+        </p:cNvPr>
+        <p:cNvGrpSpPr/>
+        <p:nvPr/>
+      </p:nvGrpSpPr>
+      <p:grpSpPr>
+        <a:xfrm>
+          <a:off x="0" y="0"/>
+          <a:ext cx="0" cy="0"/>
+          <a:chOff x="0" y="0"/>
+          <a:chExt cx="0" cy="0"/>
+        </a:xfrm>
+      </p:grpSpPr>
+      <p:sp>
+        <p:nvSpPr>
+          <p:cNvPr id="2" name="Slide Image Placeholder 1">
+            <a:extLst>
+              <a:ext uri="{FF2B5EF4-FFF2-40B4-BE49-F238E27FC236}">
+                <a16:creationId xmlns:a16="http://schemas.microsoft.com/office/drawing/2014/main" id="{D468E248-B1BA-977E-C3DE-B18A8AF56E7E}"/>
+              </a:ext>
+            </a:extLst>
+          </p:cNvPr>
+          <p:cNvSpPr>
+            <a:spLocks noGrp="1" noRot="1" noChangeAspect="1"/>
+          </p:cNvSpPr>
+          <p:nvPr>
+            <p:ph type="sldImg"/>
+          </p:nvPr>
+        </p:nvSpPr>
+        <p:spPr/>
+      </p:sp>
+      <p:sp>
+        <p:nvSpPr>
+          <p:cNvPr id="3" name="Notes Placeholder 2">
+            <a:extLst>
+              <a:ext uri="{FF2B5EF4-FFF2-40B4-BE49-F238E27FC236}">
+                <a16:creationId xmlns:a16="http://schemas.microsoft.com/office/drawing/2014/main" id="{2F953900-A67C-EB3D-2C3E-CEA70B40B116}"/>
+              </a:ext>
+            </a:extLst>
+          </p:cNvPr>
+          <p:cNvSpPr>
+            <a:spLocks noGrp="1"/>
+          </p:cNvSpPr>
+          <p:nvPr>
+            <p:ph type="body" idx="1"/>
+          </p:nvPr>
+        </p:nvSpPr>
+        <p:spPr/>
+        <p:txBody>
+          <a:bodyPr/>
+          <a:lstStyle/>
+          <a:p>
+            <a:r>
+              <a:rPr lang="en-US" dirty="0"/>
+              <a:t>It is important to note that you can call </a:t>
+            </a:r>
+            <a:r>
+              <a:rPr lang="en-US" dirty="0" err="1"/>
+              <a:t>makeRequest</a:t>
+            </a:r>
+            <a:r>
+              <a:rPr lang="en-US" dirty="0"/>
+              <a:t> but it will be awaiting a future response. That promise was returned immediately back to the caller (whichever promise called the </a:t>
+            </a:r>
+            <a:r>
+              <a:rPr lang="en-US" dirty="0" err="1"/>
+              <a:t>makeRequest</a:t>
+            </a:r>
+            <a:r>
+              <a:rPr lang="en-US" dirty="0"/>
+              <a:t>) and that the caller’s thread continues on while </a:t>
+            </a:r>
+            <a:r>
+              <a:rPr lang="en-US" dirty="0" err="1"/>
+              <a:t>makeRequest</a:t>
+            </a:r>
+            <a:r>
+              <a:rPr lang="en-US" dirty="0"/>
+              <a:t> is waiting for a response, just as in our previous examples.</a:t>
+            </a:r>
+          </a:p>
+        </p:txBody>
+      </p:sp>
+    </p:spTree>
+    <p:extLst>
+      <p:ext uri="{BB962C8B-B14F-4D97-AF65-F5344CB8AC3E}">
+        <p14:creationId xmlns:p14="http://schemas.microsoft.com/office/powerpoint/2010/main" val="4196159738"/>
+      </p:ext>
+    </p:extLst>
+  </p:cSld>
+  <p:clrMapOvr>
+    <a:masterClrMapping/>
+  </p:clrMapOvr>
+</p:notes>
+</file>
+
+<file path=ppt/notesSlides/notesSlide12.xml><?xml version="1.0" encoding="utf-8"?>
+<p:notes xmlns:a="http://schemas.openxmlformats.org/drawingml/2006/main" xmlns:r="http://schemas.openxmlformats.org/officeDocument/2006/relationships" xmlns:p="http://schemas.openxmlformats.org/presentationml/2006/main">
+  <p:cSld>
+    <p:spTree>
+      <p:nvGrpSpPr>
+        <p:cNvPr id="1" name="">
+          <a:extLst>
+            <a:ext uri="{FF2B5EF4-FFF2-40B4-BE49-F238E27FC236}">
+              <a16:creationId xmlns:a16="http://schemas.microsoft.com/office/drawing/2014/main" id="{BA52DCA0-7665-BF41-EE6E-6EC73038DE53}"/>
+            </a:ext>
+          </a:extLst>
+        </p:cNvPr>
+        <p:cNvGrpSpPr/>
+        <p:nvPr/>
+      </p:nvGrpSpPr>
+      <p:grpSpPr>
+        <a:xfrm>
+          <a:off x="0" y="0"/>
+          <a:ext cx="0" cy="0"/>
+          <a:chOff x="0" y="0"/>
+          <a:chExt cx="0" cy="0"/>
+        </a:xfrm>
+      </p:grpSpPr>
+      <p:sp>
+        <p:nvSpPr>
+          <p:cNvPr id="2" name="Slide Image Placeholder 1">
+            <a:extLst>
+              <a:ext uri="{FF2B5EF4-FFF2-40B4-BE49-F238E27FC236}">
+                <a16:creationId xmlns:a16="http://schemas.microsoft.com/office/drawing/2014/main" id="{261D169D-4441-7E4A-9074-15DCC15CF407}"/>
+              </a:ext>
+            </a:extLst>
+          </p:cNvPr>
+          <p:cNvSpPr>
+            <a:spLocks noGrp="1" noRot="1" noChangeAspect="1"/>
+          </p:cNvSpPr>
+          <p:nvPr>
+            <p:ph type="sldImg"/>
+          </p:nvPr>
+        </p:nvSpPr>
+        <p:spPr/>
+      </p:sp>
+      <p:sp>
+        <p:nvSpPr>
+          <p:cNvPr id="3" name="Notes Placeholder 2">
+            <a:extLst>
+              <a:ext uri="{FF2B5EF4-FFF2-40B4-BE49-F238E27FC236}">
+                <a16:creationId xmlns:a16="http://schemas.microsoft.com/office/drawing/2014/main" id="{A0D1367F-3FE0-1391-F0DB-F1E87C3DADCF}"/>
+              </a:ext>
+            </a:extLst>
+          </p:cNvPr>
+          <p:cNvSpPr>
+            <a:spLocks noGrp="1"/>
+          </p:cNvSpPr>
+          <p:nvPr>
+            <p:ph type="body" idx="1"/>
+          </p:nvPr>
+        </p:nvSpPr>
+        <p:spPr/>
+        <p:txBody>
+          <a:bodyPr/>
+          <a:lstStyle/>
+          <a:p>
+            <a:r>
+              <a:rPr lang="en-US" dirty="0"/>
+              <a:t>It is important to note that you can call </a:t>
+            </a:r>
+            <a:r>
+              <a:rPr lang="en-US" dirty="0" err="1"/>
+              <a:t>makeRequest</a:t>
+            </a:r>
+            <a:r>
+              <a:rPr lang="en-US" dirty="0"/>
+              <a:t> but it will be awaiting a future response. That promise was returned immediately back to the caller (whichever promise called the </a:t>
+            </a:r>
+            <a:r>
+              <a:rPr lang="en-US" dirty="0" err="1"/>
+              <a:t>makeRequest</a:t>
+            </a:r>
+            <a:r>
+              <a:rPr lang="en-US" dirty="0"/>
+              <a:t>) and that the caller’s thread continues on while </a:t>
+            </a:r>
+            <a:r>
+              <a:rPr lang="en-US" dirty="0" err="1"/>
+              <a:t>makeRequest</a:t>
+            </a:r>
+            <a:r>
+              <a:rPr lang="en-US" dirty="0"/>
+              <a:t> is waiting for a response, just as in our previous examples.</a:t>
+            </a:r>
+          </a:p>
+        </p:txBody>
+      </p:sp>
+    </p:spTree>
+    <p:extLst>
+      <p:ext uri="{BB962C8B-B14F-4D97-AF65-F5344CB8AC3E}">
+        <p14:creationId xmlns:p14="http://schemas.microsoft.com/office/powerpoint/2010/main" val="1991718253"/>
+      </p:ext>
+    </p:extLst>
+  </p:cSld>
+  <p:clrMapOvr>
+    <a:masterClrMapping/>
+  </p:clrMapOvr>
+</p:notes>
+</file>
+
+<file path=ppt/notesSlides/notesSlide13.xml><?xml version="1.0" encoding="utf-8"?>
+<p:notes xmlns:a="http://schemas.openxmlformats.org/drawingml/2006/main" xmlns:r="http://schemas.openxmlformats.org/officeDocument/2006/relationships" xmlns:p="http://schemas.openxmlformats.org/presentationml/2006/main">
+  <p:cSld>
+    <p:spTree>
+      <p:nvGrpSpPr>
         <p:cNvPr id="1" name=""/>
         <p:cNvGrpSpPr/>
         <p:nvPr/>
@@ -861,7 +1073,7 @@
 </p:notes>
 </file>
 
-<file path=ppt/notesSlides/notesSlide12.xml><?xml version="1.0" encoding="utf-8"?>
+<file path=ppt/notesSlides/notesSlide14.xml><?xml version="1.0" encoding="utf-8"?>
 <p:notes xmlns:a="http://schemas.openxmlformats.org/drawingml/2006/main" xmlns:r="http://schemas.openxmlformats.org/officeDocument/2006/relationships" xmlns:p="http://schemas.openxmlformats.org/presentationml/2006/main">
   <p:cSld>
     <p:spTree>
@@ -951,152 +1163,6 @@
 </p:notes>
 </file>
 
-<file path=ppt/notesSlides/notesSlide13.xml><?xml version="1.0" encoding="utf-8"?>
-<p:notes xmlns:a="http://schemas.openxmlformats.org/drawingml/2006/main" xmlns:r="http://schemas.openxmlformats.org/officeDocument/2006/relationships" xmlns:p="http://schemas.openxmlformats.org/presentationml/2006/main">
-  <p:cSld>
-    <p:spTree>
-      <p:nvGrpSpPr>
-        <p:cNvPr id="1" name=""/>
-        <p:cNvGrpSpPr/>
-        <p:nvPr/>
-      </p:nvGrpSpPr>
-      <p:grpSpPr>
-        <a:xfrm>
-          <a:off x="0" y="0"/>
-          <a:ext cx="0" cy="0"/>
-          <a:chOff x="0" y="0"/>
-          <a:chExt cx="0" cy="0"/>
-        </a:xfrm>
-      </p:grpSpPr>
-      <p:sp>
-        <p:nvSpPr>
-          <p:cNvPr id="2" name="Slide Image Placeholder 1"/>
-          <p:cNvSpPr>
-            <a:spLocks noGrp="1" noRot="1" noChangeAspect="1"/>
-          </p:cNvSpPr>
-          <p:nvPr>
-            <p:ph type="sldImg"/>
-          </p:nvPr>
-        </p:nvSpPr>
-        <p:spPr/>
-      </p:sp>
-      <p:sp>
-        <p:nvSpPr>
-          <p:cNvPr id="3" name="Notes Placeholder 2"/>
-          <p:cNvSpPr>
-            <a:spLocks noGrp="1"/>
-          </p:cNvSpPr>
-          <p:nvPr>
-            <p:ph type="body" idx="1"/>
-          </p:nvPr>
-        </p:nvSpPr>
-        <p:spPr/>
-        <p:txBody>
-          <a:bodyPr/>
-          <a:lstStyle/>
-          <a:p>
-            <a:r>
-              <a:rPr lang="en-US" dirty="0"/>
-              <a:t>We should leverage concurrency whenever possible. </a:t>
-            </a:r>
-          </a:p>
-          <a:p>
-            <a:endParaRPr lang="en-US" dirty="0"/>
-          </a:p>
-          <a:p>
-            <a:r>
-              <a:rPr lang="en-US" dirty="0"/>
-              <a:t>(Time is average of 100 runs on Prof. Wand’s Lenovo X1)</a:t>
-            </a:r>
-          </a:p>
-          <a:p>
-            <a:endParaRPr lang="en-US" dirty="0"/>
-          </a:p>
-        </p:txBody>
-      </p:sp>
-    </p:spTree>
-    <p:extLst>
-      <p:ext uri="{BB962C8B-B14F-4D97-AF65-F5344CB8AC3E}">
-        <p14:creationId xmlns:p14="http://schemas.microsoft.com/office/powerpoint/2010/main" val="3972934259"/>
-      </p:ext>
-    </p:extLst>
-  </p:cSld>
-  <p:clrMapOvr>
-    <a:masterClrMapping/>
-  </p:clrMapOvr>
-</p:notes>
-</file>
-
-<file path=ppt/notesSlides/notesSlide14.xml><?xml version="1.0" encoding="utf-8"?>
-<p:notes xmlns:a="http://schemas.openxmlformats.org/drawingml/2006/main" xmlns:r="http://schemas.openxmlformats.org/officeDocument/2006/relationships" xmlns:p="http://schemas.openxmlformats.org/presentationml/2006/main">
-  <p:cSld>
-    <p:spTree>
-      <p:nvGrpSpPr>
-        <p:cNvPr id="1" name=""/>
-        <p:cNvGrpSpPr/>
-        <p:nvPr/>
-      </p:nvGrpSpPr>
-      <p:grpSpPr>
-        <a:xfrm>
-          <a:off x="0" y="0"/>
-          <a:ext cx="0" cy="0"/>
-          <a:chOff x="0" y="0"/>
-          <a:chExt cx="0" cy="0"/>
-        </a:xfrm>
-      </p:grpSpPr>
-      <p:sp>
-        <p:nvSpPr>
-          <p:cNvPr id="2" name="Slide Image Placeholder 1"/>
-          <p:cNvSpPr>
-            <a:spLocks noGrp="1" noRot="1" noChangeAspect="1"/>
-          </p:cNvSpPr>
-          <p:nvPr>
-            <p:ph type="sldImg"/>
-          </p:nvPr>
-        </p:nvSpPr>
-        <p:spPr/>
-      </p:sp>
-      <p:sp>
-        <p:nvSpPr>
-          <p:cNvPr id="3" name="Notes Placeholder 2"/>
-          <p:cNvSpPr>
-            <a:spLocks noGrp="1"/>
-          </p:cNvSpPr>
-          <p:nvPr>
-            <p:ph type="body" idx="1"/>
-          </p:nvPr>
-        </p:nvSpPr>
-        <p:spPr/>
-        <p:txBody>
-          <a:bodyPr/>
-          <a:lstStyle/>
-          <a:p>
-            <a:endParaRPr lang="en-US" dirty="0"/>
-          </a:p>
-          <a:p>
-            <a:endParaRPr lang="en-US" dirty="0"/>
-          </a:p>
-          <a:p>
-            <a:r>
-              <a:rPr lang="en-US" dirty="0"/>
-              <a:t>In both cases, there is at most one active promise (in green) at any time!  But the concurrent version "masks latency with concurrency", as we said way back on slide 1.</a:t>
-            </a:r>
-          </a:p>
-        </p:txBody>
-      </p:sp>
-    </p:spTree>
-    <p:extLst>
-      <p:ext uri="{BB962C8B-B14F-4D97-AF65-F5344CB8AC3E}">
-        <p14:creationId xmlns:p14="http://schemas.microsoft.com/office/powerpoint/2010/main" val="502165979"/>
-      </p:ext>
-    </p:extLst>
-  </p:cSld>
-  <p:clrMapOvr>
-    <a:masterClrMapping/>
-  </p:clrMapOvr>
-</p:notes>
-</file>
-
 <file path=ppt/notesSlides/notesSlide15.xml><?xml version="1.0" encoding="utf-8"?>
 <p:notes xmlns:a="http://schemas.openxmlformats.org/drawingml/2006/main" xmlns:r="http://schemas.openxmlformats.org/officeDocument/2006/relationships" xmlns:p="http://schemas.openxmlformats.org/presentationml/2006/main">
   <p:cSld>
@@ -1143,23 +1209,27 @@
           <a:p>
             <a:r>
               <a:rPr lang="en-US" dirty="0"/>
-              <a:t>In the examples so far, the arguments to the requests were independent of each other.  But there's no reason they have to be independent (except for </a:t>
-            </a:r>
-            <a:r>
-              <a:rPr lang="en-US" dirty="0" err="1"/>
-              <a:t>Promise.all</a:t>
-            </a:r>
+              <a:t>We should leverage concurrency whenever possible. </a:t>
+            </a:r>
+          </a:p>
+          <a:p>
+            <a:endParaRPr lang="en-US" dirty="0"/>
+          </a:p>
+          <a:p>
             <a:r>
               <a:rPr lang="en-US" dirty="0"/>
-              <a:t>).  You can make them any way you need to.</a:t>
-            </a:r>
+              <a:t>(Time is average of 100 runs on Prof. Wand’s Lenovo X1)</a:t>
+            </a:r>
+          </a:p>
+          <a:p>
+            <a:endParaRPr lang="en-US" dirty="0"/>
           </a:p>
         </p:txBody>
       </p:sp>
     </p:spTree>
     <p:extLst>
       <p:ext uri="{BB962C8B-B14F-4D97-AF65-F5344CB8AC3E}">
-        <p14:creationId xmlns:p14="http://schemas.microsoft.com/office/powerpoint/2010/main" val="3561040700"/>
+        <p14:creationId xmlns:p14="http://schemas.microsoft.com/office/powerpoint/2010/main" val="3972934259"/>
       </p:ext>
     </p:extLst>
   </p:cSld>
@@ -1213,21 +1283,15 @@
           <a:bodyPr/>
           <a:lstStyle/>
           <a:p>
-            <a:r>
-              <a:rPr lang="en-US" dirty="0" err="1"/>
-              <a:t>asyncs</a:t>
-            </a:r>
+            <a:endParaRPr lang="en-US" dirty="0"/>
+          </a:p>
+          <a:p>
+            <a:endParaRPr lang="en-US" dirty="0"/>
+          </a:p>
+          <a:p>
             <a:r>
               <a:rPr lang="en-US" dirty="0"/>
-              <a:t> play nicely with try/catch.   Here we've tweaked </a:t>
-            </a:r>
-            <a:r>
-              <a:rPr lang="en-US" dirty="0" err="1"/>
-              <a:t>fakeRequest</a:t>
-            </a:r>
-            <a:r>
-              <a:rPr lang="en-US" dirty="0"/>
-              <a:t> so that it will sometimes throw an error, and here's a wrapper that recovers from those errors (by returning 0).</a:t>
+              <a:t>In both cases, there is at most one active promise (in green) at any time!  But the concurrent version "masks latency with concurrency", as we said way back on slide 1.</a:t>
             </a:r>
           </a:p>
         </p:txBody>
@@ -1235,7 +1299,7 @@
     </p:spTree>
     <p:extLst>
       <p:ext uri="{BB962C8B-B14F-4D97-AF65-F5344CB8AC3E}">
-        <p14:creationId xmlns:p14="http://schemas.microsoft.com/office/powerpoint/2010/main" val="2700302133"/>
+        <p14:creationId xmlns:p14="http://schemas.microsoft.com/office/powerpoint/2010/main" val="502165979"/>
       </p:ext>
     </p:extLst>
   </p:cSld>
@@ -1291,6 +1355,154 @@
           <a:p>
             <a:r>
               <a:rPr lang="en-US" dirty="0"/>
+              <a:t>In the examples so far, the arguments to the requests were independent of each other.  But there's no reason they have to be independent (except for </a:t>
+            </a:r>
+            <a:r>
+              <a:rPr lang="en-US" dirty="0" err="1"/>
+              <a:t>Promise.all</a:t>
+            </a:r>
+            <a:r>
+              <a:rPr lang="en-US" dirty="0"/>
+              <a:t>).  You can make them any way you need to.</a:t>
+            </a:r>
+          </a:p>
+        </p:txBody>
+      </p:sp>
+    </p:spTree>
+    <p:extLst>
+      <p:ext uri="{BB962C8B-B14F-4D97-AF65-F5344CB8AC3E}">
+        <p14:creationId xmlns:p14="http://schemas.microsoft.com/office/powerpoint/2010/main" val="3561040700"/>
+      </p:ext>
+    </p:extLst>
+  </p:cSld>
+  <p:clrMapOvr>
+    <a:masterClrMapping/>
+  </p:clrMapOvr>
+</p:notes>
+</file>
+
+<file path=ppt/notesSlides/notesSlide18.xml><?xml version="1.0" encoding="utf-8"?>
+<p:notes xmlns:a="http://schemas.openxmlformats.org/drawingml/2006/main" xmlns:r="http://schemas.openxmlformats.org/officeDocument/2006/relationships" xmlns:p="http://schemas.openxmlformats.org/presentationml/2006/main">
+  <p:cSld>
+    <p:spTree>
+      <p:nvGrpSpPr>
+        <p:cNvPr id="1" name=""/>
+        <p:cNvGrpSpPr/>
+        <p:nvPr/>
+      </p:nvGrpSpPr>
+      <p:grpSpPr>
+        <a:xfrm>
+          <a:off x="0" y="0"/>
+          <a:ext cx="0" cy="0"/>
+          <a:chOff x="0" y="0"/>
+          <a:chExt cx="0" cy="0"/>
+        </a:xfrm>
+      </p:grpSpPr>
+      <p:sp>
+        <p:nvSpPr>
+          <p:cNvPr id="2" name="Slide Image Placeholder 1"/>
+          <p:cNvSpPr>
+            <a:spLocks noGrp="1" noRot="1" noChangeAspect="1"/>
+          </p:cNvSpPr>
+          <p:nvPr>
+            <p:ph type="sldImg"/>
+          </p:nvPr>
+        </p:nvSpPr>
+        <p:spPr/>
+      </p:sp>
+      <p:sp>
+        <p:nvSpPr>
+          <p:cNvPr id="3" name="Notes Placeholder 2"/>
+          <p:cNvSpPr>
+            <a:spLocks noGrp="1"/>
+          </p:cNvSpPr>
+          <p:nvPr>
+            <p:ph type="body" idx="1"/>
+          </p:nvPr>
+        </p:nvSpPr>
+        <p:spPr/>
+        <p:txBody>
+          <a:bodyPr/>
+          <a:lstStyle/>
+          <a:p>
+            <a:r>
+              <a:rPr lang="en-US" dirty="0" err="1"/>
+              <a:t>asyncs</a:t>
+            </a:r>
+            <a:r>
+              <a:rPr lang="en-US" dirty="0"/>
+              <a:t> play nicely with try/catch.   Here we've tweaked </a:t>
+            </a:r>
+            <a:r>
+              <a:rPr lang="en-US" dirty="0" err="1"/>
+              <a:t>fakeRequest</a:t>
+            </a:r>
+            <a:r>
+              <a:rPr lang="en-US" dirty="0"/>
+              <a:t> so that it will sometimes throw an error, and here's a wrapper that recovers from those errors (by returning 0).</a:t>
+            </a:r>
+          </a:p>
+        </p:txBody>
+      </p:sp>
+    </p:spTree>
+    <p:extLst>
+      <p:ext uri="{BB962C8B-B14F-4D97-AF65-F5344CB8AC3E}">
+        <p14:creationId xmlns:p14="http://schemas.microsoft.com/office/powerpoint/2010/main" val="2700302133"/>
+      </p:ext>
+    </p:extLst>
+  </p:cSld>
+  <p:clrMapOvr>
+    <a:masterClrMapping/>
+  </p:clrMapOvr>
+</p:notes>
+</file>
+
+<file path=ppt/notesSlides/notesSlide19.xml><?xml version="1.0" encoding="utf-8"?>
+<p:notes xmlns:a="http://schemas.openxmlformats.org/drawingml/2006/main" xmlns:r="http://schemas.openxmlformats.org/officeDocument/2006/relationships" xmlns:p="http://schemas.openxmlformats.org/presentationml/2006/main">
+  <p:cSld>
+    <p:spTree>
+      <p:nvGrpSpPr>
+        <p:cNvPr id="1" name=""/>
+        <p:cNvGrpSpPr/>
+        <p:nvPr/>
+      </p:nvGrpSpPr>
+      <p:grpSpPr>
+        <a:xfrm>
+          <a:off x="0" y="0"/>
+          <a:ext cx="0" cy="0"/>
+          <a:chOff x="0" y="0"/>
+          <a:chExt cx="0" cy="0"/>
+        </a:xfrm>
+      </p:grpSpPr>
+      <p:sp>
+        <p:nvSpPr>
+          <p:cNvPr id="2" name="Slide Image Placeholder 1"/>
+          <p:cNvSpPr>
+            <a:spLocks noGrp="1" noRot="1" noChangeAspect="1"/>
+          </p:cNvSpPr>
+          <p:nvPr>
+            <p:ph type="sldImg"/>
+          </p:nvPr>
+        </p:nvSpPr>
+        <p:spPr/>
+      </p:sp>
+      <p:sp>
+        <p:nvSpPr>
+          <p:cNvPr id="3" name="Notes Placeholder 2"/>
+          <p:cNvSpPr>
+            <a:spLocks noGrp="1"/>
+          </p:cNvSpPr>
+          <p:nvPr>
+            <p:ph type="body" idx="1"/>
+          </p:nvPr>
+        </p:nvSpPr>
+        <p:spPr/>
+        <p:txBody>
+          <a:bodyPr/>
+          <a:lstStyle/>
+          <a:p>
+            <a:r>
+              <a:rPr lang="en-US" dirty="0"/>
               <a:t>Let's change the subject.  How do you test an async function? To test an async function, make the second argument to ‘</a:t>
             </a:r>
             <a:r>
@@ -1415,7 +1627,94 @@
 </p:notes>
 </file>
 
-<file path=ppt/notesSlides/notesSlide18.xml><?xml version="1.0" encoding="utf-8"?>
+<file path=ppt/notesSlides/notesSlide2.xml><?xml version="1.0" encoding="utf-8"?>
+<p:notes xmlns:a="http://schemas.openxmlformats.org/drawingml/2006/main" xmlns:r="http://schemas.openxmlformats.org/officeDocument/2006/relationships" xmlns:p="http://schemas.openxmlformats.org/presentationml/2006/main">
+  <p:cSld>
+    <p:spTree>
+      <p:nvGrpSpPr>
+        <p:cNvPr id="1" name=""/>
+        <p:cNvGrpSpPr/>
+        <p:nvPr/>
+      </p:nvGrpSpPr>
+      <p:grpSpPr>
+        <a:xfrm>
+          <a:off x="0" y="0"/>
+          <a:ext cx="0" cy="0"/>
+          <a:chOff x="0" y="0"/>
+          <a:chExt cx="0" cy="0"/>
+        </a:xfrm>
+      </p:grpSpPr>
+      <p:sp>
+        <p:nvSpPr>
+          <p:cNvPr id="2" name="Slide Image Placeholder 1"/>
+          <p:cNvSpPr>
+            <a:spLocks noGrp="1" noRot="1" noChangeAspect="1"/>
+          </p:cNvSpPr>
+          <p:nvPr>
+            <p:ph type="sldImg"/>
+          </p:nvPr>
+        </p:nvSpPr>
+        <p:spPr/>
+      </p:sp>
+      <p:sp>
+        <p:nvSpPr>
+          <p:cNvPr id="3" name="Notes Placeholder 2"/>
+          <p:cNvSpPr>
+            <a:spLocks noGrp="1"/>
+          </p:cNvSpPr>
+          <p:nvPr>
+            <p:ph type="body" idx="1"/>
+          </p:nvPr>
+        </p:nvSpPr>
+        <p:spPr/>
+        <p:txBody>
+          <a:bodyPr/>
+          <a:lstStyle/>
+          <a:p>
+            <a:r>
+              <a:rPr lang="en-US" dirty="0"/>
+              <a:t>&lt;read slide&gt;</a:t>
+            </a:r>
+          </a:p>
+        </p:txBody>
+      </p:sp>
+      <p:sp>
+        <p:nvSpPr>
+          <p:cNvPr id="4" name="Slide Number Placeholder 3"/>
+          <p:cNvSpPr>
+            <a:spLocks noGrp="1"/>
+          </p:cNvSpPr>
+          <p:nvPr>
+            <p:ph type="sldNum" sz="quarter" idx="5"/>
+          </p:nvPr>
+        </p:nvSpPr>
+        <p:spPr/>
+        <p:txBody>
+          <a:bodyPr/>
+          <a:lstStyle/>
+          <a:p>
+            <a:fld id="{07937F07-1250-4CCE-B198-1B2887014F41}" type="slidenum">
+              <a:rPr lang="en-US" smtClean="0"/>
+              <a:t>2</a:t>
+            </a:fld>
+            <a:endParaRPr lang="en-US"/>
+          </a:p>
+        </p:txBody>
+      </p:sp>
+    </p:spTree>
+    <p:extLst>
+      <p:ext uri="{BB962C8B-B14F-4D97-AF65-F5344CB8AC3E}">
+        <p14:creationId xmlns:p14="http://schemas.microsoft.com/office/powerpoint/2010/main" val="3748055252"/>
+      </p:ext>
+    </p:extLst>
+  </p:cSld>
+  <p:clrMapOvr>
+    <a:masterClrMapping/>
+  </p:clrMapOvr>
+</p:notes>
+</file>
+
+<file path=ppt/notesSlides/notesSlide20.xml><?xml version="1.0" encoding="utf-8"?>
 <p:notes xmlns:a="http://schemas.openxmlformats.org/drawingml/2006/main" xmlns:r="http://schemas.openxmlformats.org/officeDocument/2006/relationships" xmlns:p="http://schemas.openxmlformats.org/presentationml/2006/main">
   <p:cSld>
     <p:spTree>
@@ -1501,7 +1800,7 @@
 </p:notes>
 </file>
 
-<file path=ppt/notesSlides/notesSlide19.xml><?xml version="1.0" encoding="utf-8"?>
+<file path=ppt/notesSlides/notesSlide21.xml><?xml version="1.0" encoding="utf-8"?>
 <p:notes xmlns:a="http://schemas.openxmlformats.org/drawingml/2006/main" xmlns:r="http://schemas.openxmlformats.org/officeDocument/2006/relationships" xmlns:p="http://schemas.openxmlformats.org/presentationml/2006/main">
   <p:cSld>
     <p:spTree>
@@ -1682,290 +1981,6 @@
 </p:notes>
 </file>
 
-<file path=ppt/notesSlides/notesSlide2.xml><?xml version="1.0" encoding="utf-8"?>
-<p:notes xmlns:a="http://schemas.openxmlformats.org/drawingml/2006/main" xmlns:r="http://schemas.openxmlformats.org/officeDocument/2006/relationships" xmlns:p="http://schemas.openxmlformats.org/presentationml/2006/main">
-  <p:cSld>
-    <p:spTree>
-      <p:nvGrpSpPr>
-        <p:cNvPr id="1" name=""/>
-        <p:cNvGrpSpPr/>
-        <p:nvPr/>
-      </p:nvGrpSpPr>
-      <p:grpSpPr>
-        <a:xfrm>
-          <a:off x="0" y="0"/>
-          <a:ext cx="0" cy="0"/>
-          <a:chOff x="0" y="0"/>
-          <a:chExt cx="0" cy="0"/>
-        </a:xfrm>
-      </p:grpSpPr>
-      <p:sp>
-        <p:nvSpPr>
-          <p:cNvPr id="2" name="Slide Image Placeholder 1"/>
-          <p:cNvSpPr>
-            <a:spLocks noGrp="1" noRot="1" noChangeAspect="1"/>
-          </p:cNvSpPr>
-          <p:nvPr>
-            <p:ph type="sldImg"/>
-          </p:nvPr>
-        </p:nvSpPr>
-        <p:spPr/>
-      </p:sp>
-      <p:sp>
-        <p:nvSpPr>
-          <p:cNvPr id="3" name="Notes Placeholder 2"/>
-          <p:cNvSpPr>
-            <a:spLocks noGrp="1"/>
-          </p:cNvSpPr>
-          <p:nvPr>
-            <p:ph type="body" idx="1"/>
-          </p:nvPr>
-        </p:nvSpPr>
-        <p:spPr/>
-        <p:txBody>
-          <a:bodyPr/>
-          <a:lstStyle/>
-          <a:p>
-            <a:r>
-              <a:rPr lang="en-US" dirty="0"/>
-              <a:t>&lt;read slide&gt;</a:t>
-            </a:r>
-          </a:p>
-        </p:txBody>
-      </p:sp>
-      <p:sp>
-        <p:nvSpPr>
-          <p:cNvPr id="4" name="Slide Number Placeholder 3"/>
-          <p:cNvSpPr>
-            <a:spLocks noGrp="1"/>
-          </p:cNvSpPr>
-          <p:nvPr>
-            <p:ph type="sldNum" sz="quarter" idx="5"/>
-          </p:nvPr>
-        </p:nvSpPr>
-        <p:spPr/>
-        <p:txBody>
-          <a:bodyPr/>
-          <a:lstStyle/>
-          <a:p>
-            <a:fld id="{07937F07-1250-4CCE-B198-1B2887014F41}" type="slidenum">
-              <a:rPr lang="en-US" smtClean="0"/>
-              <a:t>2</a:t>
-            </a:fld>
-            <a:endParaRPr lang="en-US"/>
-          </a:p>
-        </p:txBody>
-      </p:sp>
-    </p:spTree>
-    <p:extLst>
-      <p:ext uri="{BB962C8B-B14F-4D97-AF65-F5344CB8AC3E}">
-        <p14:creationId xmlns:p14="http://schemas.microsoft.com/office/powerpoint/2010/main" val="3748055252"/>
-      </p:ext>
-    </p:extLst>
-  </p:cSld>
-  <p:clrMapOvr>
-    <a:masterClrMapping/>
-  </p:clrMapOvr>
-</p:notes>
-</file>
-
-<file path=ppt/notesSlides/notesSlide20.xml><?xml version="1.0" encoding="utf-8"?>
-<p:notes xmlns:a="http://schemas.openxmlformats.org/drawingml/2006/main" xmlns:r="http://schemas.openxmlformats.org/officeDocument/2006/relationships" xmlns:p="http://schemas.openxmlformats.org/presentationml/2006/main">
-  <p:cSld>
-    <p:spTree>
-      <p:nvGrpSpPr>
-        <p:cNvPr id="1" name=""/>
-        <p:cNvGrpSpPr/>
-        <p:nvPr/>
-      </p:nvGrpSpPr>
-      <p:grpSpPr>
-        <a:xfrm>
-          <a:off x="0" y="0"/>
-          <a:ext cx="0" cy="0"/>
-          <a:chOff x="0" y="0"/>
-          <a:chExt cx="0" cy="0"/>
-        </a:xfrm>
-      </p:grpSpPr>
-      <p:sp>
-        <p:nvSpPr>
-          <p:cNvPr id="2" name="Slide Image Placeholder 1"/>
-          <p:cNvSpPr>
-            <a:spLocks noGrp="1" noRot="1" noChangeAspect="1"/>
-          </p:cNvSpPr>
-          <p:nvPr>
-            <p:ph type="sldImg"/>
-          </p:nvPr>
-        </p:nvSpPr>
-        <p:spPr/>
-      </p:sp>
-      <p:sp>
-        <p:nvSpPr>
-          <p:cNvPr id="3" name="Notes Placeholder 2"/>
-          <p:cNvSpPr>
-            <a:spLocks noGrp="1"/>
-          </p:cNvSpPr>
-          <p:nvPr>
-            <p:ph type="body" idx="1"/>
-          </p:nvPr>
-        </p:nvSpPr>
-        <p:spPr/>
-        <p:txBody>
-          <a:bodyPr/>
-          <a:lstStyle/>
-          <a:p>
-            <a:r>
-              <a:rPr lang="en-US" dirty="0"/>
-              <a:t>This example also illustrates another </a:t>
-            </a:r>
-            <a:r>
-              <a:rPr lang="en-US" dirty="0" err="1"/>
-              <a:t>antiPattern</a:t>
-            </a:r>
-            <a:r>
-              <a:rPr lang="en-US" dirty="0"/>
-              <a:t>:  an async function with no await.  As it turns out, an async function with no await returns a promise to its returned value-- in this case, a promise that just returns </a:t>
-            </a:r>
-            <a:r>
-              <a:rPr lang="en-US" b="1" dirty="0"/>
-              <a:t>void. </a:t>
-            </a:r>
-            <a:r>
-              <a:rPr lang="en-US" b="0" dirty="0"/>
-              <a:t>If your function doesn't call any async function, then it shouldn't be an async.  If your function calls one or </a:t>
-            </a:r>
-            <a:r>
-              <a:rPr lang="en-US" b="0" dirty="0" err="1"/>
-              <a:t>asyncs</a:t>
-            </a:r>
-            <a:r>
-              <a:rPr lang="en-US" b="0" dirty="0"/>
-              <a:t>, then it should await them (either with await or await(</a:t>
-            </a:r>
-            <a:r>
-              <a:rPr lang="en-US" b="0" dirty="0" err="1"/>
-              <a:t>Promise.all</a:t>
-            </a:r>
-            <a:r>
-              <a:rPr lang="en-US" b="0" dirty="0"/>
-              <a:t>(…)) .)</a:t>
-            </a:r>
-            <a:endParaRPr lang="en-US" dirty="0"/>
-          </a:p>
-        </p:txBody>
-      </p:sp>
-    </p:spTree>
-    <p:extLst>
-      <p:ext uri="{BB962C8B-B14F-4D97-AF65-F5344CB8AC3E}">
-        <p14:creationId xmlns:p14="http://schemas.microsoft.com/office/powerpoint/2010/main" val="986658760"/>
-      </p:ext>
-    </p:extLst>
-  </p:cSld>
-  <p:clrMapOvr>
-    <a:masterClrMapping/>
-  </p:clrMapOvr>
-</p:notes>
-</file>
-
-<file path=ppt/notesSlides/notesSlide21.xml><?xml version="1.0" encoding="utf-8"?>
-<p:notes xmlns:a="http://schemas.openxmlformats.org/drawingml/2006/main" xmlns:r="http://schemas.openxmlformats.org/officeDocument/2006/relationships" xmlns:p="http://schemas.openxmlformats.org/presentationml/2006/main">
-  <p:cSld>
-    <p:spTree>
-      <p:nvGrpSpPr>
-        <p:cNvPr id="1" name=""/>
-        <p:cNvGrpSpPr/>
-        <p:nvPr/>
-      </p:nvGrpSpPr>
-      <p:grpSpPr>
-        <a:xfrm>
-          <a:off x="0" y="0"/>
-          <a:ext cx="0" cy="0"/>
-          <a:chOff x="0" y="0"/>
-          <a:chExt cx="0" cy="0"/>
-        </a:xfrm>
-      </p:grpSpPr>
-      <p:sp>
-        <p:nvSpPr>
-          <p:cNvPr id="2" name="Slide Image Placeholder 1"/>
-          <p:cNvSpPr>
-            <a:spLocks noGrp="1" noRot="1" noChangeAspect="1"/>
-          </p:cNvSpPr>
-          <p:nvPr>
-            <p:ph type="sldImg"/>
-          </p:nvPr>
-        </p:nvSpPr>
-        <p:spPr/>
-      </p:sp>
-      <p:sp>
-        <p:nvSpPr>
-          <p:cNvPr id="3" name="Notes Placeholder 2"/>
-          <p:cNvSpPr>
-            <a:spLocks noGrp="1"/>
-          </p:cNvSpPr>
-          <p:nvPr>
-            <p:ph type="body" idx="1"/>
-          </p:nvPr>
-        </p:nvSpPr>
-        <p:spPr/>
-        <p:txBody>
-          <a:bodyPr/>
-          <a:lstStyle/>
-          <a:p>
-            <a:r>
-              <a:rPr lang="en-US" dirty="0"/>
-              <a:t>Before, we marked the critical sections in a single async function.  When we consider two or more </a:t>
-            </a:r>
-            <a:r>
-              <a:rPr lang="en-US" dirty="0" err="1"/>
-              <a:t>asyncs</a:t>
-            </a:r>
-            <a:r>
-              <a:rPr lang="en-US" dirty="0"/>
-              <a:t>, the story is a little more complicated-- the two green sections actually form a single critical section, so the 'f started' will *always* be followed immediately by the 'g started'.   (And if there was a side-effect at the start of </a:t>
-            </a:r>
-            <a:r>
-              <a:rPr lang="en-US" dirty="0" err="1"/>
-              <a:t>fakeRequest</a:t>
-            </a:r>
-            <a:r>
-              <a:rPr lang="en-US" dirty="0"/>
-              <a:t>, that would similarly follow immediately after the 'g started'.  But there isn't </a:t>
-            </a:r>
-            <a:r>
-              <a:rPr lang="en-US" dirty="0">
-                <a:sym typeface="Wingdings" panose="05000000000000000000" pitchFamily="2" charset="2"/>
-              </a:rPr>
-              <a:t> ) . </a:t>
-            </a:r>
-          </a:p>
-          <a:p>
-            <a:endParaRPr lang="en-US" dirty="0">
-              <a:sym typeface="Wingdings" panose="05000000000000000000" pitchFamily="2" charset="2"/>
-            </a:endParaRPr>
-          </a:p>
-          <a:p>
-            <a:r>
-              <a:rPr lang="en-US" dirty="0">
-                <a:sym typeface="Wingdings" panose="05000000000000000000" pitchFamily="2" charset="2"/>
-              </a:rPr>
-              <a:t>The 'g started' exposes this subtlety-- if it wasn't there, you'd never be able to tell the difference.  So don't do that.  Make sure that nothing you do before the first await in your async causes a visible side-effect (e.g. a console.log), unless you really want to track what's going on at this level of detail.</a:t>
-            </a:r>
-            <a:endParaRPr lang="en-US" dirty="0"/>
-          </a:p>
-        </p:txBody>
-      </p:sp>
-    </p:spTree>
-    <p:extLst>
-      <p:ext uri="{BB962C8B-B14F-4D97-AF65-F5344CB8AC3E}">
-        <p14:creationId xmlns:p14="http://schemas.microsoft.com/office/powerpoint/2010/main" val="3234752643"/>
-      </p:ext>
-    </p:extLst>
-  </p:cSld>
-  <p:clrMapOvr>
-    <a:masterClrMapping/>
-  </p:clrMapOvr>
-</p:notes>
-</file>
-
 <file path=ppt/notesSlides/notesSlide22.xml><?xml version="1.0" encoding="utf-8"?>
 <p:notes xmlns:a="http://schemas.openxmlformats.org/drawingml/2006/main" xmlns:r="http://schemas.openxmlformats.org/officeDocument/2006/relationships" xmlns:p="http://schemas.openxmlformats.org/presentationml/2006/main">
   <p:cSld>
@@ -2012,49 +2027,48 @@
           <a:p>
             <a:r>
               <a:rPr lang="en-US" dirty="0"/>
-              <a:t>&lt;read slide&gt;.  </a:t>
-            </a:r>
-          </a:p>
-          <a:p>
+              <a:t>This example also illustrates another </a:t>
+            </a:r>
+            <a:r>
+              <a:rPr lang="en-US" dirty="0" err="1"/>
+              <a:t>antiPattern</a:t>
+            </a:r>
             <a:r>
               <a:rPr lang="en-US" dirty="0"/>
-              <a:t>- JS Engine includes a  {single} call stack that keeps track of each function that it is being executed</a:t>
-            </a:r>
-          </a:p>
-          <a:p>
-            <a:r>
-              <a:rPr lang="en-US" dirty="0"/>
-              <a:t>- Asynchronous (heavy) tasks are outsourced to </a:t>
-            </a:r>
-            <a:r>
-              <a:rPr lang="en-US" dirty="0" err="1"/>
-              <a:t>WebAPI</a:t>
-            </a:r>
-            <a:r>
-              <a:rPr lang="en-US" dirty="0"/>
-              <a:t>. When those are completed, they are placed in a callback queue.</a:t>
-            </a:r>
-          </a:p>
-          <a:p>
-            <a:r>
-              <a:rPr lang="en-US" dirty="0"/>
-              <a:t>- Event loop picks up “awaiting” {completed} tasks from queue when call stack is empty (i.e., when it is done with everything it was working on – think run to completion) and processes them in the order they were added to queue (i.e., they were completed by </a:t>
-            </a:r>
-            <a:r>
-              <a:rPr lang="en-US" dirty="0" err="1"/>
-              <a:t>WebAPI</a:t>
-            </a:r>
-            <a:r>
-              <a:rPr lang="en-US" dirty="0"/>
-              <a:t>)</a:t>
-            </a:r>
+              <a:t>:  an async function with no await.  As it turns out, an async function with no await returns a promise to its returned value-- in this case, a promise that just returns </a:t>
+            </a:r>
+            <a:r>
+              <a:rPr lang="en-US" b="1" dirty="0"/>
+              <a:t>void. </a:t>
+            </a:r>
+            <a:r>
+              <a:rPr lang="en-US" b="0" dirty="0"/>
+              <a:t>If your function doesn't call any async function, then it shouldn't be an async.  If your function calls one or </a:t>
+            </a:r>
+            <a:r>
+              <a:rPr lang="en-US" b="0" dirty="0" err="1"/>
+              <a:t>asyncs</a:t>
+            </a:r>
+            <a:r>
+              <a:rPr lang="en-US" b="0" dirty="0"/>
+              <a:t>, then it should await them (either with await or await(</a:t>
+            </a:r>
+            <a:r>
+              <a:rPr lang="en-US" b="0" dirty="0" err="1"/>
+              <a:t>Promise.all</a:t>
+            </a:r>
+            <a:r>
+              <a:rPr lang="en-US" b="0" dirty="0"/>
+              <a:t>(…)) .)</a:t>
+            </a:r>
+            <a:endParaRPr lang="en-US" dirty="0"/>
           </a:p>
         </p:txBody>
       </p:sp>
     </p:spTree>
     <p:extLst>
       <p:ext uri="{BB962C8B-B14F-4D97-AF65-F5344CB8AC3E}">
-        <p14:creationId xmlns:p14="http://schemas.microsoft.com/office/powerpoint/2010/main" val="1823654806"/>
+        <p14:creationId xmlns:p14="http://schemas.microsoft.com/office/powerpoint/2010/main" val="986658760"/>
       </p:ext>
     </p:extLst>
   </p:cSld>
@@ -2110,21 +2124,51 @@
           <a:p>
             <a:r>
               <a:rPr lang="en-US" dirty="0"/>
-              <a:t>That concludes our tour of cooperative multiprocessing.</a:t>
-            </a:r>
-          </a:p>
-          <a:p>
+              <a:t>Before, we marked the critical sections in a single async function.  When we consider two or more </a:t>
+            </a:r>
+            <a:r>
+              <a:rPr lang="en-US" dirty="0" err="1"/>
+              <a:t>asyncs</a:t>
+            </a:r>
             <a:r>
               <a:rPr lang="en-US" dirty="0"/>
-              <a:t>But where does the non-blocking IO come from?</a:t>
-            </a:r>
+              <a:t>, the story is a little more complicated-- the two green sections actually form a single critical section, so the 'f started' will *always* be followed immediately by the 'g started'.   (And if there was a side-effect at the start of </a:t>
+            </a:r>
+            <a:r>
+              <a:rPr lang="en-US" dirty="0" err="1"/>
+              <a:t>fakeRequest</a:t>
+            </a:r>
+            <a:r>
+              <a:rPr lang="en-US" dirty="0"/>
+              <a:t>, that would similarly follow immediately after the 'g started'.  But there isn't </a:t>
+            </a:r>
+            <a:r>
+              <a:rPr lang="en-US" dirty="0">
+                <a:sym typeface="Wingdings" panose="05000000000000000000" pitchFamily="2" charset="2"/>
+              </a:rPr>
+              <a:t> ) . </a:t>
+            </a:r>
+          </a:p>
+          <a:p>
+            <a:endParaRPr lang="en-US" dirty="0">
+              <a:sym typeface="Wingdings" panose="05000000000000000000" pitchFamily="2" charset="2"/>
+            </a:endParaRPr>
+          </a:p>
+          <a:p>
+            <a:r>
+              <a:rPr lang="en-US" dirty="0">
+                <a:sym typeface="Wingdings" panose="05000000000000000000" pitchFamily="2" charset="2"/>
+              </a:rPr>
+              <a:t>The 'g started' exposes this subtlety-- if it wasn't there, you'd never be able to tell the difference.  So don't do that.  Make sure that nothing you do before the first await in your async causes a visible side-effect (e.g. a console.log), unless you really want to track what's going on at this level of detail.</a:t>
+            </a:r>
+            <a:endParaRPr lang="en-US" dirty="0"/>
           </a:p>
         </p:txBody>
       </p:sp>
     </p:spTree>
     <p:extLst>
       <p:ext uri="{BB962C8B-B14F-4D97-AF65-F5344CB8AC3E}">
-        <p14:creationId xmlns:p14="http://schemas.microsoft.com/office/powerpoint/2010/main" val="2058166584"/>
+        <p14:creationId xmlns:p14="http://schemas.microsoft.com/office/powerpoint/2010/main" val="3234752643"/>
       </p:ext>
     </p:extLst>
   </p:cSld>
@@ -2178,6 +2222,174 @@
           <a:bodyPr/>
           <a:lstStyle/>
           <a:p>
+            <a:r>
+              <a:rPr lang="en-US" dirty="0"/>
+              <a:t>&lt;read slide&gt;.  </a:t>
+            </a:r>
+          </a:p>
+          <a:p>
+            <a:r>
+              <a:rPr lang="en-US" dirty="0"/>
+              <a:t>- JS Engine includes a  {single} call stack that keeps track of each function that it is being executed</a:t>
+            </a:r>
+          </a:p>
+          <a:p>
+            <a:r>
+              <a:rPr lang="en-US" dirty="0"/>
+              <a:t>- Asynchronous (heavy) tasks are outsourced to </a:t>
+            </a:r>
+            <a:r>
+              <a:rPr lang="en-US" dirty="0" err="1"/>
+              <a:t>WebAPI</a:t>
+            </a:r>
+            <a:r>
+              <a:rPr lang="en-US" dirty="0"/>
+              <a:t>. When those are completed, they are placed in a callback queue.</a:t>
+            </a:r>
+          </a:p>
+          <a:p>
+            <a:r>
+              <a:rPr lang="en-US" dirty="0"/>
+              <a:t>- Event loop picks up “awaiting” {completed} tasks from queue when call stack is empty (i.e., when it is done with everything it was working on – think run to completion) and processes them in the order they were added to queue (i.e., they were completed by </a:t>
+            </a:r>
+            <a:r>
+              <a:rPr lang="en-US" dirty="0" err="1"/>
+              <a:t>WebAPI</a:t>
+            </a:r>
+            <a:r>
+              <a:rPr lang="en-US" dirty="0"/>
+              <a:t>)</a:t>
+            </a:r>
+          </a:p>
+        </p:txBody>
+      </p:sp>
+    </p:spTree>
+    <p:extLst>
+      <p:ext uri="{BB962C8B-B14F-4D97-AF65-F5344CB8AC3E}">
+        <p14:creationId xmlns:p14="http://schemas.microsoft.com/office/powerpoint/2010/main" val="1823654806"/>
+      </p:ext>
+    </p:extLst>
+  </p:cSld>
+  <p:clrMapOvr>
+    <a:masterClrMapping/>
+  </p:clrMapOvr>
+</p:notes>
+</file>
+
+<file path=ppt/notesSlides/notesSlide25.xml><?xml version="1.0" encoding="utf-8"?>
+<p:notes xmlns:a="http://schemas.openxmlformats.org/drawingml/2006/main" xmlns:r="http://schemas.openxmlformats.org/officeDocument/2006/relationships" xmlns:p="http://schemas.openxmlformats.org/presentationml/2006/main">
+  <p:cSld>
+    <p:spTree>
+      <p:nvGrpSpPr>
+        <p:cNvPr id="1" name=""/>
+        <p:cNvGrpSpPr/>
+        <p:nvPr/>
+      </p:nvGrpSpPr>
+      <p:grpSpPr>
+        <a:xfrm>
+          <a:off x="0" y="0"/>
+          <a:ext cx="0" cy="0"/>
+          <a:chOff x="0" y="0"/>
+          <a:chExt cx="0" cy="0"/>
+        </a:xfrm>
+      </p:grpSpPr>
+      <p:sp>
+        <p:nvSpPr>
+          <p:cNvPr id="2" name="Slide Image Placeholder 1"/>
+          <p:cNvSpPr>
+            <a:spLocks noGrp="1" noRot="1" noChangeAspect="1"/>
+          </p:cNvSpPr>
+          <p:nvPr>
+            <p:ph type="sldImg"/>
+          </p:nvPr>
+        </p:nvSpPr>
+        <p:spPr/>
+      </p:sp>
+      <p:sp>
+        <p:nvSpPr>
+          <p:cNvPr id="3" name="Notes Placeholder 2"/>
+          <p:cNvSpPr>
+            <a:spLocks noGrp="1"/>
+          </p:cNvSpPr>
+          <p:nvPr>
+            <p:ph type="body" idx="1"/>
+          </p:nvPr>
+        </p:nvSpPr>
+        <p:spPr/>
+        <p:txBody>
+          <a:bodyPr/>
+          <a:lstStyle/>
+          <a:p>
+            <a:r>
+              <a:rPr lang="en-US" dirty="0"/>
+              <a:t>That concludes our tour of cooperative multiprocessing.</a:t>
+            </a:r>
+          </a:p>
+          <a:p>
+            <a:r>
+              <a:rPr lang="en-US" dirty="0"/>
+              <a:t>But where does the non-blocking IO come from?</a:t>
+            </a:r>
+          </a:p>
+        </p:txBody>
+      </p:sp>
+    </p:spTree>
+    <p:extLst>
+      <p:ext uri="{BB962C8B-B14F-4D97-AF65-F5344CB8AC3E}">
+        <p14:creationId xmlns:p14="http://schemas.microsoft.com/office/powerpoint/2010/main" val="2058166584"/>
+      </p:ext>
+    </p:extLst>
+  </p:cSld>
+  <p:clrMapOvr>
+    <a:masterClrMapping/>
+  </p:clrMapOvr>
+</p:notes>
+</file>
+
+<file path=ppt/notesSlides/notesSlide26.xml><?xml version="1.0" encoding="utf-8"?>
+<p:notes xmlns:a="http://schemas.openxmlformats.org/drawingml/2006/main" xmlns:r="http://schemas.openxmlformats.org/officeDocument/2006/relationships" xmlns:p="http://schemas.openxmlformats.org/presentationml/2006/main">
+  <p:cSld>
+    <p:spTree>
+      <p:nvGrpSpPr>
+        <p:cNvPr id="1" name=""/>
+        <p:cNvGrpSpPr/>
+        <p:nvPr/>
+      </p:nvGrpSpPr>
+      <p:grpSpPr>
+        <a:xfrm>
+          <a:off x="0" y="0"/>
+          <a:ext cx="0" cy="0"/>
+          <a:chOff x="0" y="0"/>
+          <a:chExt cx="0" cy="0"/>
+        </a:xfrm>
+      </p:grpSpPr>
+      <p:sp>
+        <p:nvSpPr>
+          <p:cNvPr id="2" name="Slide Image Placeholder 1"/>
+          <p:cNvSpPr>
+            <a:spLocks noGrp="1" noRot="1" noChangeAspect="1"/>
+          </p:cNvSpPr>
+          <p:nvPr>
+            <p:ph type="sldImg"/>
+          </p:nvPr>
+        </p:nvSpPr>
+        <p:spPr/>
+      </p:sp>
+      <p:sp>
+        <p:nvSpPr>
+          <p:cNvPr id="3" name="Notes Placeholder 2"/>
+          <p:cNvSpPr>
+            <a:spLocks noGrp="1"/>
+          </p:cNvSpPr>
+          <p:nvPr>
+            <p:ph type="body" idx="1"/>
+          </p:nvPr>
+        </p:nvSpPr>
+        <p:spPr/>
+        <p:txBody>
+          <a:bodyPr/>
+          <a:lstStyle/>
+          <a:p>
             <a:pPr marL="0" marR="0" lvl="0" indent="0" defTabSz="228600" eaLnBrk="1" fontAlgn="auto" latinLnBrk="0" hangingPunct="1">
               <a:lnSpc>
                 <a:spcPct val="117999"/>
@@ -2213,218 +2425,6 @@
     <p:extLst>
       <p:ext uri="{BB962C8B-B14F-4D97-AF65-F5344CB8AC3E}">
         <p14:creationId xmlns:p14="http://schemas.microsoft.com/office/powerpoint/2010/main" val="1428143635"/>
-      </p:ext>
-    </p:extLst>
-  </p:cSld>
-  <p:clrMapOvr>
-    <a:masterClrMapping/>
-  </p:clrMapOvr>
-</p:notes>
-</file>
-
-<file path=ppt/notesSlides/notesSlide25.xml><?xml version="1.0" encoding="utf-8"?>
-<p:notes xmlns:a="http://schemas.openxmlformats.org/drawingml/2006/main" xmlns:r="http://schemas.openxmlformats.org/officeDocument/2006/relationships" xmlns:p="http://schemas.openxmlformats.org/presentationml/2006/main">
-  <p:cSld>
-    <p:spTree>
-      <p:nvGrpSpPr>
-        <p:cNvPr id="1" name="">
-          <a:extLst>
-            <a:ext uri="{FF2B5EF4-FFF2-40B4-BE49-F238E27FC236}">
-              <a16:creationId xmlns:a16="http://schemas.microsoft.com/office/drawing/2014/main" id="{6040CAFC-70A2-CF27-DF72-858484F3273C}"/>
-            </a:ext>
-          </a:extLst>
-        </p:cNvPr>
-        <p:cNvGrpSpPr/>
-        <p:nvPr/>
-      </p:nvGrpSpPr>
-      <p:grpSpPr>
-        <a:xfrm>
-          <a:off x="0" y="0"/>
-          <a:ext cx="0" cy="0"/>
-          <a:chOff x="0" y="0"/>
-          <a:chExt cx="0" cy="0"/>
-        </a:xfrm>
-      </p:grpSpPr>
-      <p:sp>
-        <p:nvSpPr>
-          <p:cNvPr id="2" name="Slide Image Placeholder 1">
-            <a:extLst>
-              <a:ext uri="{FF2B5EF4-FFF2-40B4-BE49-F238E27FC236}">
-                <a16:creationId xmlns:a16="http://schemas.microsoft.com/office/drawing/2014/main" id="{D468E248-B1BA-977E-C3DE-B18A8AF56E7E}"/>
-              </a:ext>
-            </a:extLst>
-          </p:cNvPr>
-          <p:cNvSpPr>
-            <a:spLocks noGrp="1" noRot="1" noChangeAspect="1"/>
-          </p:cNvSpPr>
-          <p:nvPr>
-            <p:ph type="sldImg"/>
-          </p:nvPr>
-        </p:nvSpPr>
-        <p:spPr/>
-      </p:sp>
-      <p:sp>
-        <p:nvSpPr>
-          <p:cNvPr id="3" name="Notes Placeholder 2">
-            <a:extLst>
-              <a:ext uri="{FF2B5EF4-FFF2-40B4-BE49-F238E27FC236}">
-                <a16:creationId xmlns:a16="http://schemas.microsoft.com/office/drawing/2014/main" id="{2F953900-A67C-EB3D-2C3E-CEA70B40B116}"/>
-              </a:ext>
-            </a:extLst>
-          </p:cNvPr>
-          <p:cNvSpPr>
-            <a:spLocks noGrp="1"/>
-          </p:cNvSpPr>
-          <p:nvPr>
-            <p:ph type="body" idx="1"/>
-          </p:nvPr>
-        </p:nvSpPr>
-        <p:spPr/>
-        <p:txBody>
-          <a:bodyPr/>
-          <a:lstStyle/>
-          <a:p>
-            <a:r>
-              <a:rPr lang="en-US" dirty="0"/>
-              <a:t>It is important to note that you can call </a:t>
-            </a:r>
-            <a:r>
-              <a:rPr lang="en-US" dirty="0" err="1"/>
-              <a:t>makeRequest</a:t>
-            </a:r>
-            <a:r>
-              <a:rPr lang="en-US" dirty="0"/>
-              <a:t> but it will be awaiting a future response. That promise was returned immediately back to the caller (whichever promise called the </a:t>
-            </a:r>
-            <a:r>
-              <a:rPr lang="en-US" dirty="0" err="1"/>
-              <a:t>makeRequest</a:t>
-            </a:r>
-            <a:r>
-              <a:rPr lang="en-US" dirty="0"/>
-              <a:t>) and that the caller’s thread continues on while </a:t>
-            </a:r>
-            <a:r>
-              <a:rPr lang="en-US" dirty="0" err="1"/>
-              <a:t>makeRequest</a:t>
-            </a:r>
-            <a:r>
-              <a:rPr lang="en-US" dirty="0"/>
-              <a:t> is waiting for a response, just as in our previous examples.</a:t>
-            </a:r>
-          </a:p>
-        </p:txBody>
-      </p:sp>
-    </p:spTree>
-    <p:extLst>
-      <p:ext uri="{BB962C8B-B14F-4D97-AF65-F5344CB8AC3E}">
-        <p14:creationId xmlns:p14="http://schemas.microsoft.com/office/powerpoint/2010/main" val="4196159738"/>
-      </p:ext>
-    </p:extLst>
-  </p:cSld>
-  <p:clrMapOvr>
-    <a:masterClrMapping/>
-  </p:clrMapOvr>
-</p:notes>
-</file>
-
-<file path=ppt/notesSlides/notesSlide26.xml><?xml version="1.0" encoding="utf-8"?>
-<p:notes xmlns:a="http://schemas.openxmlformats.org/drawingml/2006/main" xmlns:r="http://schemas.openxmlformats.org/officeDocument/2006/relationships" xmlns:p="http://schemas.openxmlformats.org/presentationml/2006/main">
-  <p:cSld>
-    <p:spTree>
-      <p:nvGrpSpPr>
-        <p:cNvPr id="1" name="">
-          <a:extLst>
-            <a:ext uri="{FF2B5EF4-FFF2-40B4-BE49-F238E27FC236}">
-              <a16:creationId xmlns:a16="http://schemas.microsoft.com/office/drawing/2014/main" id="{BA52DCA0-7665-BF41-EE6E-6EC73038DE53}"/>
-            </a:ext>
-          </a:extLst>
-        </p:cNvPr>
-        <p:cNvGrpSpPr/>
-        <p:nvPr/>
-      </p:nvGrpSpPr>
-      <p:grpSpPr>
-        <a:xfrm>
-          <a:off x="0" y="0"/>
-          <a:ext cx="0" cy="0"/>
-          <a:chOff x="0" y="0"/>
-          <a:chExt cx="0" cy="0"/>
-        </a:xfrm>
-      </p:grpSpPr>
-      <p:sp>
-        <p:nvSpPr>
-          <p:cNvPr id="2" name="Slide Image Placeholder 1">
-            <a:extLst>
-              <a:ext uri="{FF2B5EF4-FFF2-40B4-BE49-F238E27FC236}">
-                <a16:creationId xmlns:a16="http://schemas.microsoft.com/office/drawing/2014/main" id="{261D169D-4441-7E4A-9074-15DCC15CF407}"/>
-              </a:ext>
-            </a:extLst>
-          </p:cNvPr>
-          <p:cNvSpPr>
-            <a:spLocks noGrp="1" noRot="1" noChangeAspect="1"/>
-          </p:cNvSpPr>
-          <p:nvPr>
-            <p:ph type="sldImg"/>
-          </p:nvPr>
-        </p:nvSpPr>
-        <p:spPr/>
-      </p:sp>
-      <p:sp>
-        <p:nvSpPr>
-          <p:cNvPr id="3" name="Notes Placeholder 2">
-            <a:extLst>
-              <a:ext uri="{FF2B5EF4-FFF2-40B4-BE49-F238E27FC236}">
-                <a16:creationId xmlns:a16="http://schemas.microsoft.com/office/drawing/2014/main" id="{A0D1367F-3FE0-1391-F0DB-F1E87C3DADCF}"/>
-              </a:ext>
-            </a:extLst>
-          </p:cNvPr>
-          <p:cNvSpPr>
-            <a:spLocks noGrp="1"/>
-          </p:cNvSpPr>
-          <p:nvPr>
-            <p:ph type="body" idx="1"/>
-          </p:nvPr>
-        </p:nvSpPr>
-        <p:spPr/>
-        <p:txBody>
-          <a:bodyPr/>
-          <a:lstStyle/>
-          <a:p>
-            <a:r>
-              <a:rPr lang="en-US" dirty="0"/>
-              <a:t>It is important to note that you can call </a:t>
-            </a:r>
-            <a:r>
-              <a:rPr lang="en-US" dirty="0" err="1"/>
-              <a:t>makeRequest</a:t>
-            </a:r>
-            <a:r>
-              <a:rPr lang="en-US" dirty="0"/>
-              <a:t> but it will be awaiting a future response. That promise was returned immediately back to the caller (whichever promise called the </a:t>
-            </a:r>
-            <a:r>
-              <a:rPr lang="en-US" dirty="0" err="1"/>
-              <a:t>makeRequest</a:t>
-            </a:r>
-            <a:r>
-              <a:rPr lang="en-US" dirty="0"/>
-              <a:t>) and that the caller’s thread continues on while </a:t>
-            </a:r>
-            <a:r>
-              <a:rPr lang="en-US" dirty="0" err="1"/>
-              <a:t>makeRequest</a:t>
-            </a:r>
-            <a:r>
-              <a:rPr lang="en-US" dirty="0"/>
-              <a:t> is waiting for a response, just as in our previous examples.</a:t>
-            </a:r>
-          </a:p>
-        </p:txBody>
-      </p:sp>
-    </p:spTree>
-    <p:extLst>
-      <p:ext uri="{BB962C8B-B14F-4D97-AF65-F5344CB8AC3E}">
-        <p14:creationId xmlns:p14="http://schemas.microsoft.com/office/powerpoint/2010/main" val="1991718253"/>
       </p:ext>
     </p:extLst>
   </p:cSld>
@@ -3903,7 +3903,7 @@
                 <a:tabLst/>
                 <a:defRPr/>
               </a:pPr>
-              <a:t>9/14/2025</a:t>
+              <a:t>9/15/2025</a:t>
             </a:fld>
             <a:endParaRPr kumimoji="0" lang="en-US" sz="1200" b="0" i="0" u="none" strike="noStrike" kern="1200" cap="none" spc="0" normalizeH="0" baseline="0" noProof="0">
               <a:ln>
@@ -4387,7 +4387,7 @@
                 <a:tabLst/>
                 <a:defRPr/>
               </a:pPr>
-              <a:t>9/14/2025</a:t>
+              <a:t>9/15/2025</a:t>
             </a:fld>
             <a:endParaRPr kumimoji="0" lang="en-US" sz="1200" b="0" i="0" u="none" strike="noStrike" kern="1200" cap="none" spc="0" normalizeH="0" baseline="0" noProof="0">
               <a:ln>
@@ -4745,7 +4745,7 @@
                 <a:tabLst/>
                 <a:defRPr/>
               </a:pPr>
-              <a:t>9/14/2025</a:t>
+              <a:t>9/15/2025</a:t>
             </a:fld>
             <a:endParaRPr kumimoji="0" lang="en-US" sz="1200" b="0" i="0" u="none" strike="noStrike" kern="1200" cap="none" spc="0" normalizeH="0" baseline="0" noProof="0">
               <a:ln>
@@ -5113,7 +5113,7 @@
                 <a:tabLst/>
                 <a:defRPr/>
               </a:pPr>
-              <a:t>9/14/2025</a:t>
+              <a:t>9/15/2025</a:t>
             </a:fld>
             <a:endParaRPr kumimoji="0" lang="en-US" sz="1200" b="0" i="0" u="none" strike="noStrike" kern="1200" cap="none" spc="0" normalizeH="0" baseline="0" noProof="0">
               <a:ln>
@@ -6083,7 +6083,7 @@
                 <a:tabLst/>
                 <a:defRPr/>
               </a:pPr>
-              <a:t>9/14/2025</a:t>
+              <a:t>9/15/2025</a:t>
             </a:fld>
             <a:endParaRPr kumimoji="0" lang="en-US" sz="1200" b="0" i="0" u="none" strike="noStrike" kern="1200" cap="none" spc="0" normalizeH="0" baseline="0" noProof="0">
               <a:ln>
@@ -6509,7 +6509,7 @@
                 <a:tabLst/>
                 <a:defRPr/>
               </a:pPr>
-              <a:t>9/14/2025</a:t>
+              <a:t>9/15/2025</a:t>
             </a:fld>
             <a:endParaRPr kumimoji="0" lang="en-US" sz="1200" b="0" i="0" u="none" strike="noStrike" kern="1200" cap="none" spc="0" normalizeH="0" baseline="0" noProof="0">
               <a:ln>
@@ -6873,7 +6873,7 @@
                 <a:tabLst/>
                 <a:defRPr/>
               </a:pPr>
-              <a:t>9/14/2025</a:t>
+              <a:t>9/15/2025</a:t>
             </a:fld>
             <a:endParaRPr kumimoji="0" lang="en-US" sz="1200" b="0" i="0" u="none" strike="noStrike" kern="1200" cap="none" spc="0" normalizeH="0" baseline="0" noProof="0">
               <a:ln>
@@ -7400,7 +7400,7 @@
                 <a:tabLst/>
                 <a:defRPr/>
               </a:pPr>
-              <a:t>9/14/2025</a:t>
+              <a:t>9/15/2025</a:t>
             </a:fld>
             <a:endParaRPr kumimoji="0" lang="en-US" sz="1200" b="0" i="0" u="none" strike="noStrike" kern="1200" cap="none" spc="0" normalizeH="0" baseline="0" noProof="0">
               <a:ln>
@@ -7861,7 +7861,7 @@
                 <a:tabLst/>
                 <a:defRPr/>
               </a:pPr>
-              <a:t>9/14/2025</a:t>
+              <a:t>9/15/2025</a:t>
             </a:fld>
             <a:endParaRPr kumimoji="0" lang="en-US" sz="1200" b="0" i="0" u="none" strike="noStrike" kern="1200" cap="none" spc="0" normalizeH="0" baseline="0" noProof="0">
               <a:ln>
@@ -8469,7 +8469,7 @@
                 <a:tabLst/>
                 <a:defRPr/>
               </a:pPr>
-              <a:t>9/14/2025</a:t>
+              <a:t>9/15/2025</a:t>
             </a:fld>
             <a:endParaRPr kumimoji="0" lang="en-US" sz="1200" b="0" i="0" u="none" strike="noStrike" kern="1200" cap="none" spc="0" normalizeH="0" baseline="0" noProof="0">
               <a:ln>
@@ -8742,7 +8742,7 @@
                 <a:tabLst/>
                 <a:defRPr/>
               </a:pPr>
-              <a:t>9/14/2025</a:t>
+              <a:t>9/15/2025</a:t>
             </a:fld>
             <a:endParaRPr kumimoji="0" lang="en-US" sz="1200" b="0" i="0" u="none" strike="noStrike" kern="1200" cap="none" spc="0" normalizeH="0" baseline="0" noProof="0">
               <a:ln>
@@ -9213,7 +9213,7 @@
                 <a:tabLst/>
                 <a:defRPr/>
               </a:pPr>
-              <a:t>9/14/2025</a:t>
+              <a:t>9/15/2025</a:t>
             </a:fld>
             <a:endParaRPr kumimoji="0" lang="en-US" sz="1200" b="0" i="0" u="none" strike="noStrike" kern="1200" cap="none" spc="0" normalizeH="0" baseline="0" noProof="0">
               <a:ln>
@@ -9614,7 +9614,7 @@
                 <a:tabLst/>
                 <a:defRPr/>
               </a:pPr>
-              <a:t>9/14/2025</a:t>
+              <a:t>9/15/2025</a:t>
             </a:fld>
             <a:endParaRPr kumimoji="0" lang="en-US" sz="1200" b="0" i="0" u="none" strike="noStrike" kern="1200" cap="none" spc="0" normalizeH="0" baseline="0" noProof="0">
               <a:ln>
@@ -14230,6 +14230,1634 @@
   <p:cSld>
     <p:spTree>
       <p:nvGrpSpPr>
+        <p:cNvPr id="1" name="">
+          <a:extLst>
+            <a:ext uri="{FF2B5EF4-FFF2-40B4-BE49-F238E27FC236}">
+              <a16:creationId xmlns:a16="http://schemas.microsoft.com/office/drawing/2014/main" id="{69226FF4-569C-DD33-AED3-92AB22E9837D}"/>
+            </a:ext>
+          </a:extLst>
+        </p:cNvPr>
+        <p:cNvGrpSpPr/>
+        <p:nvPr/>
+      </p:nvGrpSpPr>
+      <p:grpSpPr>
+        <a:xfrm>
+          <a:off x="0" y="0"/>
+          <a:ext cx="0" cy="0"/>
+          <a:chOff x="0" y="0"/>
+          <a:chExt cx="0" cy="0"/>
+        </a:xfrm>
+      </p:grpSpPr>
+      <p:sp>
+        <p:nvSpPr>
+          <p:cNvPr id="2" name="Title 1">
+            <a:extLst>
+              <a:ext uri="{FF2B5EF4-FFF2-40B4-BE49-F238E27FC236}">
+                <a16:creationId xmlns:a16="http://schemas.microsoft.com/office/drawing/2014/main" id="{9D7B1A70-A661-CB73-EF38-5407A4860FD0}"/>
+              </a:ext>
+            </a:extLst>
+          </p:cNvPr>
+          <p:cNvSpPr>
+            <a:spLocks noGrp="1"/>
+          </p:cNvSpPr>
+          <p:nvPr>
+            <p:ph type="title"/>
+          </p:nvPr>
+        </p:nvSpPr>
+        <p:spPr/>
+        <p:txBody>
+          <a:bodyPr/>
+          <a:lstStyle/>
+          <a:p>
+            <a:r>
+              <a:rPr lang="en-US" dirty="0"/>
+              <a:t>Pattern for starting a concurrent computation using non-blocking I/O</a:t>
+            </a:r>
+          </a:p>
+        </p:txBody>
+      </p:sp>
+      <p:sp>
+        <p:nvSpPr>
+          <p:cNvPr id="3" name="Content Placeholder 2">
+            <a:extLst>
+              <a:ext uri="{FF2B5EF4-FFF2-40B4-BE49-F238E27FC236}">
+                <a16:creationId xmlns:a16="http://schemas.microsoft.com/office/drawing/2014/main" id="{20B54715-F78B-E47F-DD7F-09C6127E7987}"/>
+              </a:ext>
+            </a:extLst>
+          </p:cNvPr>
+          <p:cNvSpPr>
+            <a:spLocks noGrp="1"/>
+          </p:cNvSpPr>
+          <p:nvPr>
+            <p:ph idx="1"/>
+          </p:nvPr>
+        </p:nvSpPr>
+        <p:spPr>
+          <a:xfrm>
+            <a:off x="733302" y="3615328"/>
+            <a:ext cx="11155326" cy="2431337"/>
+          </a:xfrm>
+        </p:spPr>
+        <p:txBody>
+          <a:bodyPr>
+            <a:normAutofit/>
+          </a:bodyPr>
+          <a:lstStyle/>
+          <a:p>
+            <a:pPr marL="457200" indent="-457200">
+              <a:buFont typeface="+mj-lt"/>
+              <a:buAutoNum type="arabicPeriod"/>
+            </a:pPr>
+            <a:r>
+              <a:rPr lang="en-US" dirty="0"/>
+              <a:t>The first console.log is printed</a:t>
+            </a:r>
+          </a:p>
+          <a:p>
+            <a:pPr marL="457200" indent="-457200">
+              <a:buFont typeface="+mj-lt"/>
+              <a:buAutoNum type="arabicPeriod"/>
+            </a:pPr>
+            <a:r>
+              <a:rPr lang="en-US" dirty="0"/>
+              <a:t>The http request is sent, using non-blocking </a:t>
+            </a:r>
+            <a:r>
+              <a:rPr lang="en-US" dirty="0" err="1"/>
+              <a:t>i</a:t>
+            </a:r>
+            <a:r>
+              <a:rPr lang="en-US" dirty="0"/>
+              <a:t>/o</a:t>
+            </a:r>
+          </a:p>
+          <a:p>
+            <a:pPr marL="457200" indent="-457200">
+              <a:buFont typeface="+mj-lt"/>
+              <a:buAutoNum type="arabicPeriod"/>
+            </a:pPr>
+            <a:r>
+              <a:rPr lang="en-US" dirty="0"/>
+              <a:t>A promise is created to run the second console.log </a:t>
+            </a:r>
+            <a:r>
+              <a:rPr lang="en-US" i="1" dirty="0"/>
+              <a:t>after</a:t>
+            </a:r>
+            <a:r>
+              <a:rPr lang="en-US" dirty="0"/>
+              <a:t> the </a:t>
+            </a:r>
+            <a:r>
+              <a:rPr lang="en-US" dirty="0" err="1"/>
+              <a:t>axios.get</a:t>
+            </a:r>
+            <a:r>
+              <a:rPr lang="en-US" dirty="0"/>
+              <a:t> returns</a:t>
+            </a:r>
+          </a:p>
+          <a:p>
+            <a:pPr marL="457200" indent="-457200">
+              <a:buFont typeface="+mj-lt"/>
+              <a:buAutoNum type="arabicPeriod"/>
+            </a:pPr>
+            <a:r>
+              <a:rPr lang="en-US" dirty="0"/>
+              <a:t>The </a:t>
+            </a:r>
+            <a:r>
+              <a:rPr lang="en-US" dirty="0" err="1"/>
+              <a:t>makeRequest</a:t>
+            </a:r>
+            <a:r>
+              <a:rPr lang="en-US" dirty="0"/>
+              <a:t>() returns to its caller.</a:t>
+            </a:r>
+          </a:p>
+          <a:p>
+            <a:pPr marL="0" indent="0">
+              <a:buNone/>
+            </a:pPr>
+            <a:endParaRPr lang="en-US" dirty="0"/>
+          </a:p>
+          <a:p>
+            <a:endParaRPr lang="en-US" dirty="0"/>
+          </a:p>
+          <a:p>
+            <a:endParaRPr lang="en-US" dirty="0"/>
+          </a:p>
+          <a:p>
+            <a:endParaRPr lang="en-US" dirty="0"/>
+          </a:p>
+          <a:p>
+            <a:endParaRPr lang="en-US" dirty="0"/>
+          </a:p>
+          <a:p>
+            <a:endParaRPr lang="en-US" dirty="0"/>
+          </a:p>
+          <a:p>
+            <a:pPr marL="0" indent="0">
+              <a:buNone/>
+            </a:pPr>
+            <a:endParaRPr lang="en-US" dirty="0"/>
+          </a:p>
+        </p:txBody>
+      </p:sp>
+      <p:sp>
+        <p:nvSpPr>
+          <p:cNvPr id="4" name="Slide Number Placeholder 3">
+            <a:extLst>
+              <a:ext uri="{FF2B5EF4-FFF2-40B4-BE49-F238E27FC236}">
+                <a16:creationId xmlns:a16="http://schemas.microsoft.com/office/drawing/2014/main" id="{5B2A0953-C362-FE1E-C37A-5B96A0D3CAEE}"/>
+              </a:ext>
+            </a:extLst>
+          </p:cNvPr>
+          <p:cNvSpPr>
+            <a:spLocks noGrp="1"/>
+          </p:cNvSpPr>
+          <p:nvPr>
+            <p:ph type="sldNum" sz="quarter" idx="12"/>
+          </p:nvPr>
+        </p:nvSpPr>
+        <p:spPr/>
+        <p:txBody>
+          <a:bodyPr/>
+          <a:lstStyle/>
+          <a:p>
+            <a:pPr marL="0" marR="0" lvl="0" indent="0" algn="r" defTabSz="914400" rtl="0" eaLnBrk="1" fontAlgn="auto" latinLnBrk="0" hangingPunct="1">
+              <a:lnSpc>
+                <a:spcPct val="100000"/>
+              </a:lnSpc>
+              <a:spcBef>
+                <a:spcPts val="0"/>
+              </a:spcBef>
+              <a:spcAft>
+                <a:spcPts val="0"/>
+              </a:spcAft>
+              <a:buClrTx/>
+              <a:buSzTx/>
+              <a:buFontTx/>
+              <a:buNone/>
+              <a:tabLst/>
+              <a:defRPr/>
+            </a:pPr>
+            <a:fld id="{20F37917-FD3A-4669-9018-DA04BCDD3D75}" type="slidenum">
+              <a:rPr kumimoji="0" lang="en-US" sz="1200" b="0" i="0" u="none" strike="noStrike" kern="1200" cap="none" spc="0" normalizeH="0" baseline="0" noProof="0" smtClean="0">
+                <a:ln>
+                  <a:noFill/>
+                </a:ln>
+                <a:solidFill>
+                  <a:prstClr val="black">
+                    <a:tint val="75000"/>
+                  </a:prstClr>
+                </a:solidFill>
+                <a:effectLst/>
+                <a:uLnTx/>
+                <a:uFillTx/>
+                <a:latin typeface="Calibri" panose="020F0502020204030204"/>
+                <a:ea typeface="+mn-ea"/>
+                <a:cs typeface="+mn-cs"/>
+              </a:rPr>
+              <a:pPr marL="0" marR="0" lvl="0" indent="0" algn="r" defTabSz="914400" rtl="0" eaLnBrk="1" fontAlgn="auto" latinLnBrk="0" hangingPunct="1">
+                <a:lnSpc>
+                  <a:spcPct val="100000"/>
+                </a:lnSpc>
+                <a:spcBef>
+                  <a:spcPts val="0"/>
+                </a:spcBef>
+                <a:spcAft>
+                  <a:spcPts val="0"/>
+                </a:spcAft>
+                <a:buClrTx/>
+                <a:buSzTx/>
+                <a:buFontTx/>
+                <a:buNone/>
+                <a:tabLst/>
+                <a:defRPr/>
+              </a:pPr>
+              <a:t>14</a:t>
+            </a:fld>
+            <a:endParaRPr kumimoji="0" lang="en-US" sz="1200" b="0" i="0" u="none" strike="noStrike" kern="1200" cap="none" spc="0" normalizeH="0" baseline="0" noProof="0" dirty="0">
+              <a:ln>
+                <a:noFill/>
+              </a:ln>
+              <a:solidFill>
+                <a:prstClr val="black">
+                  <a:tint val="75000"/>
+                </a:prstClr>
+              </a:solidFill>
+              <a:effectLst/>
+              <a:uLnTx/>
+              <a:uFillTx/>
+              <a:latin typeface="Calibri" panose="020F0502020204030204"/>
+              <a:ea typeface="+mn-ea"/>
+              <a:cs typeface="+mn-cs"/>
+            </a:endParaRPr>
+          </a:p>
+        </p:txBody>
+      </p:sp>
+      <p:sp>
+        <p:nvSpPr>
+          <p:cNvPr id="9" name="TextBox 8">
+            <a:extLst>
+              <a:ext uri="{FF2B5EF4-FFF2-40B4-BE49-F238E27FC236}">
+                <a16:creationId xmlns:a16="http://schemas.microsoft.com/office/drawing/2014/main" id="{8E719419-CB3C-745D-5085-FE68A131A990}"/>
+              </a:ext>
+            </a:extLst>
+          </p:cNvPr>
+          <p:cNvSpPr txBox="1"/>
+          <p:nvPr/>
+        </p:nvSpPr>
+        <p:spPr>
+          <a:xfrm>
+            <a:off x="733302" y="1611457"/>
+            <a:ext cx="10620498" cy="1631216"/>
+          </a:xfrm>
+          <a:prstGeom prst="rect">
+            <a:avLst/>
+          </a:prstGeom>
+          <a:noFill/>
+          <a:ln w="12700" cap="flat" cmpd="sng" algn="ctr">
+            <a:noFill/>
+            <a:prstDash val="solid"/>
+            <a:miter lim="800000"/>
+          </a:ln>
+          <a:effectLst/>
+        </p:spPr>
+        <p:style>
+          <a:lnRef idx="2">
+            <a:schemeClr val="accent1">
+              <a:shade val="50000"/>
+            </a:schemeClr>
+          </a:lnRef>
+          <a:fillRef idx="1">
+            <a:schemeClr val="accent1"/>
+          </a:fillRef>
+          <a:effectRef idx="0">
+            <a:schemeClr val="accent1"/>
+          </a:effectRef>
+          <a:fontRef idx="minor">
+            <a:schemeClr val="lt1"/>
+          </a:fontRef>
+        </p:style>
+        <p:txBody>
+          <a:bodyPr wrap="square">
+            <a:spAutoFit/>
+          </a:bodyPr>
+          <a:lstStyle/>
+          <a:p>
+            <a:pPr algn="l"/>
+            <a:r>
+              <a:rPr lang="en-US" sz="2000" b="0" dirty="0">
+                <a:solidFill>
+                  <a:srgbClr val="0000FF"/>
+                </a:solidFill>
+                <a:effectLst/>
+                <a:latin typeface="Consolas" panose="020B0609020204030204" pitchFamily="49" charset="0"/>
+              </a:rPr>
+              <a:t>export</a:t>
+            </a:r>
+            <a:r>
+              <a:rPr lang="en-US" sz="2000" b="0" dirty="0">
+                <a:solidFill>
+                  <a:srgbClr val="000000"/>
+                </a:solidFill>
+                <a:effectLst/>
+                <a:latin typeface="Consolas" panose="020B0609020204030204" pitchFamily="49" charset="0"/>
+              </a:rPr>
+              <a:t> </a:t>
+            </a:r>
+            <a:r>
+              <a:rPr lang="en-US" sz="2000" b="0" dirty="0">
+                <a:solidFill>
+                  <a:srgbClr val="0000FF"/>
+                </a:solidFill>
+                <a:effectLst/>
+                <a:latin typeface="Consolas" panose="020B0609020204030204" pitchFamily="49" charset="0"/>
+              </a:rPr>
+              <a:t>async</a:t>
+            </a:r>
+            <a:r>
+              <a:rPr lang="en-US" sz="2000" b="0" dirty="0">
+                <a:solidFill>
+                  <a:srgbClr val="000000"/>
+                </a:solidFill>
+                <a:effectLst/>
+                <a:latin typeface="Consolas" panose="020B0609020204030204" pitchFamily="49" charset="0"/>
+              </a:rPr>
+              <a:t> </a:t>
+            </a:r>
+            <a:r>
+              <a:rPr lang="en-US" sz="2000" b="0" dirty="0">
+                <a:solidFill>
+                  <a:srgbClr val="0000FF"/>
+                </a:solidFill>
+                <a:effectLst/>
+                <a:latin typeface="Consolas" panose="020B0609020204030204" pitchFamily="49" charset="0"/>
+              </a:rPr>
+              <a:t>function</a:t>
+            </a:r>
+            <a:r>
+              <a:rPr lang="en-US" sz="2000" b="0" dirty="0">
+                <a:solidFill>
+                  <a:srgbClr val="000000"/>
+                </a:solidFill>
+                <a:effectLst/>
+                <a:latin typeface="Consolas" panose="020B0609020204030204" pitchFamily="49" charset="0"/>
+              </a:rPr>
+              <a:t> </a:t>
+            </a:r>
+            <a:r>
+              <a:rPr lang="en-US" sz="2000" b="0" dirty="0" err="1">
+                <a:solidFill>
+                  <a:srgbClr val="000000"/>
+                </a:solidFill>
+                <a:effectLst/>
+                <a:latin typeface="Consolas" panose="020B0609020204030204" pitchFamily="49" charset="0"/>
+              </a:rPr>
+              <a:t>makeRequest</a:t>
+            </a:r>
+            <a:r>
+              <a:rPr lang="en-US" sz="2000" b="0" dirty="0">
+                <a:solidFill>
+                  <a:srgbClr val="000000"/>
+                </a:solidFill>
+                <a:effectLst/>
+                <a:latin typeface="Consolas" panose="020B0609020204030204" pitchFamily="49" charset="0"/>
+              </a:rPr>
+              <a:t>(</a:t>
+            </a:r>
+            <a:r>
+              <a:rPr lang="en-US" sz="2000" b="0" dirty="0" err="1">
+                <a:solidFill>
+                  <a:srgbClr val="000000"/>
+                </a:solidFill>
+                <a:effectLst/>
+                <a:latin typeface="Consolas" panose="020B0609020204030204" pitchFamily="49" charset="0"/>
+              </a:rPr>
+              <a:t>requestNumber:number</a:t>
+            </a:r>
+            <a:r>
+              <a:rPr lang="en-US" sz="2000" b="0" dirty="0">
+                <a:solidFill>
+                  <a:srgbClr val="000000"/>
+                </a:solidFill>
+                <a:effectLst/>
+                <a:latin typeface="Consolas" panose="020B0609020204030204" pitchFamily="49" charset="0"/>
+              </a:rPr>
+              <a:t>) {</a:t>
+            </a:r>
+          </a:p>
+          <a:p>
+            <a:pPr algn="l"/>
+            <a:r>
+              <a:rPr lang="en-US" sz="2000" b="0" dirty="0">
+                <a:solidFill>
+                  <a:srgbClr val="000000"/>
+                </a:solidFill>
+                <a:effectLst/>
+                <a:latin typeface="Consolas" panose="020B0609020204030204" pitchFamily="49" charset="0"/>
+              </a:rPr>
+              <a:t>    console.log(</a:t>
+            </a:r>
+            <a:r>
+              <a:rPr lang="en-US" sz="2000" b="0" dirty="0">
+                <a:solidFill>
+                  <a:srgbClr val="A31515"/>
+                </a:solidFill>
+                <a:effectLst/>
+                <a:latin typeface="Consolas" panose="020B0609020204030204" pitchFamily="49" charset="0"/>
+              </a:rPr>
+              <a:t>`starting </a:t>
+            </a:r>
+            <a:r>
+              <a:rPr lang="en-US" sz="2000" b="0" dirty="0" err="1">
+                <a:solidFill>
+                  <a:srgbClr val="A31515"/>
+                </a:solidFill>
+                <a:effectLst/>
+                <a:latin typeface="Consolas" panose="020B0609020204030204" pitchFamily="49" charset="0"/>
+              </a:rPr>
+              <a:t>makeRequest</a:t>
+            </a:r>
+            <a:r>
+              <a:rPr lang="en-US" sz="2000" b="0" dirty="0">
+                <a:solidFill>
+                  <a:srgbClr val="A31515"/>
+                </a:solidFill>
+                <a:effectLst/>
+                <a:latin typeface="Consolas" panose="020B0609020204030204" pitchFamily="49" charset="0"/>
+              </a:rPr>
+              <a:t>(</a:t>
+            </a:r>
+            <a:r>
+              <a:rPr lang="en-US" sz="2000" b="0" dirty="0">
+                <a:solidFill>
+                  <a:srgbClr val="0000FF"/>
+                </a:solidFill>
+                <a:effectLst/>
+                <a:latin typeface="Consolas" panose="020B0609020204030204" pitchFamily="49" charset="0"/>
+              </a:rPr>
+              <a:t>${</a:t>
+            </a:r>
+            <a:r>
+              <a:rPr lang="en-US" sz="2000" b="0" dirty="0" err="1">
+                <a:solidFill>
+                  <a:srgbClr val="000000"/>
+                </a:solidFill>
+                <a:effectLst/>
+                <a:latin typeface="Consolas" panose="020B0609020204030204" pitchFamily="49" charset="0"/>
+              </a:rPr>
+              <a:t>requestNumber</a:t>
+            </a:r>
+            <a:r>
+              <a:rPr lang="en-US" sz="2000" b="0" dirty="0">
+                <a:solidFill>
+                  <a:srgbClr val="0000FF"/>
+                </a:solidFill>
+                <a:effectLst/>
+                <a:latin typeface="Consolas" panose="020B0609020204030204" pitchFamily="49" charset="0"/>
+              </a:rPr>
+              <a:t>}</a:t>
+            </a:r>
+            <a:r>
+              <a:rPr lang="en-US" sz="2000" b="0" dirty="0">
+                <a:solidFill>
+                  <a:srgbClr val="A31515"/>
+                </a:solidFill>
+                <a:effectLst/>
+                <a:latin typeface="Consolas" panose="020B0609020204030204" pitchFamily="49" charset="0"/>
+              </a:rPr>
+              <a:t>)`</a:t>
+            </a:r>
+            <a:r>
+              <a:rPr lang="en-US" sz="2000" b="0" dirty="0">
+                <a:solidFill>
+                  <a:srgbClr val="000000"/>
+                </a:solidFill>
+                <a:effectLst/>
+                <a:latin typeface="Consolas" panose="020B0609020204030204" pitchFamily="49" charset="0"/>
+              </a:rPr>
+              <a:t>);</a:t>
+            </a:r>
+          </a:p>
+          <a:p>
+            <a:pPr algn="l"/>
+            <a:r>
+              <a:rPr lang="en-US" sz="2000" b="0" dirty="0">
+                <a:solidFill>
+                  <a:srgbClr val="000000"/>
+                </a:solidFill>
+                <a:effectLst/>
+                <a:latin typeface="Consolas" panose="020B0609020204030204" pitchFamily="49" charset="0"/>
+              </a:rPr>
+              <a:t>    </a:t>
+            </a:r>
+            <a:r>
+              <a:rPr lang="en-US" sz="2000" b="0" dirty="0">
+                <a:solidFill>
+                  <a:srgbClr val="0000FF"/>
+                </a:solidFill>
+                <a:effectLst/>
+                <a:latin typeface="Consolas" panose="020B0609020204030204" pitchFamily="49" charset="0"/>
+              </a:rPr>
+              <a:t>const</a:t>
+            </a:r>
+            <a:r>
+              <a:rPr lang="en-US" sz="2000" b="0" dirty="0">
+                <a:solidFill>
+                  <a:srgbClr val="000000"/>
+                </a:solidFill>
+                <a:effectLst/>
+                <a:latin typeface="Consolas" panose="020B0609020204030204" pitchFamily="49" charset="0"/>
+              </a:rPr>
+              <a:t> response = </a:t>
+            </a:r>
+            <a:r>
+              <a:rPr lang="en-US" sz="2000" b="0" dirty="0">
+                <a:solidFill>
+                  <a:srgbClr val="0000FF"/>
+                </a:solidFill>
+                <a:effectLst/>
+                <a:latin typeface="Consolas" panose="020B0609020204030204" pitchFamily="49" charset="0"/>
+              </a:rPr>
+              <a:t>await</a:t>
+            </a:r>
+            <a:r>
+              <a:rPr lang="en-US" sz="2000" b="0" dirty="0">
+                <a:solidFill>
+                  <a:srgbClr val="000000"/>
+                </a:solidFill>
+                <a:effectLst/>
+                <a:latin typeface="Consolas" panose="020B0609020204030204" pitchFamily="49" charset="0"/>
+              </a:rPr>
+              <a:t> </a:t>
+            </a:r>
+            <a:r>
+              <a:rPr lang="en-US" sz="2000" b="0" dirty="0" err="1">
+                <a:solidFill>
+                  <a:srgbClr val="000000"/>
+                </a:solidFill>
+                <a:effectLst/>
+                <a:latin typeface="Consolas" panose="020B0609020204030204" pitchFamily="49" charset="0"/>
+              </a:rPr>
+              <a:t>axios.get</a:t>
+            </a:r>
+            <a:r>
+              <a:rPr lang="en-US" sz="2000" b="0" dirty="0">
+                <a:solidFill>
+                  <a:srgbClr val="000000"/>
+                </a:solidFill>
+                <a:effectLst/>
+                <a:latin typeface="Consolas" panose="020B0609020204030204" pitchFamily="49" charset="0"/>
+              </a:rPr>
+              <a:t>(</a:t>
+            </a:r>
+            <a:r>
+              <a:rPr lang="en-US" sz="2000" b="0" dirty="0">
+                <a:solidFill>
+                  <a:srgbClr val="A31515"/>
+                </a:solidFill>
+                <a:effectLst/>
+                <a:latin typeface="Consolas" panose="020B0609020204030204" pitchFamily="49" charset="0"/>
+              </a:rPr>
+              <a:t>'https://rest-</a:t>
+            </a:r>
+            <a:r>
+              <a:rPr lang="en-US" sz="2000" b="0" dirty="0" err="1">
+                <a:solidFill>
+                  <a:srgbClr val="A31515"/>
+                </a:solidFill>
+                <a:effectLst/>
+                <a:latin typeface="Consolas" panose="020B0609020204030204" pitchFamily="49" charset="0"/>
+              </a:rPr>
+              <a:t>example.covey.town</a:t>
+            </a:r>
+            <a:r>
+              <a:rPr lang="en-US" sz="2000" b="0" dirty="0">
+                <a:solidFill>
+                  <a:srgbClr val="A31515"/>
+                </a:solidFill>
+                <a:effectLst/>
+                <a:latin typeface="Consolas" panose="020B0609020204030204" pitchFamily="49" charset="0"/>
+              </a:rPr>
+              <a:t>'</a:t>
+            </a:r>
+            <a:r>
+              <a:rPr lang="en-US" sz="2000" b="0" dirty="0">
+                <a:solidFill>
+                  <a:srgbClr val="000000"/>
+                </a:solidFill>
+                <a:effectLst/>
+                <a:latin typeface="Consolas" panose="020B0609020204030204" pitchFamily="49" charset="0"/>
+              </a:rPr>
+              <a:t>);</a:t>
+            </a:r>
+          </a:p>
+          <a:p>
+            <a:pPr algn="l"/>
+            <a:r>
+              <a:rPr lang="en-US" sz="2000" b="0" dirty="0">
+                <a:solidFill>
+                  <a:srgbClr val="000000"/>
+                </a:solidFill>
+                <a:effectLst/>
+                <a:latin typeface="Consolas" panose="020B0609020204030204" pitchFamily="49" charset="0"/>
+              </a:rPr>
+              <a:t>    console.log(</a:t>
+            </a:r>
+            <a:r>
+              <a:rPr lang="en-US" sz="2000" b="0" dirty="0">
+                <a:solidFill>
+                  <a:srgbClr val="A31515"/>
+                </a:solidFill>
+                <a:effectLst/>
+                <a:latin typeface="Consolas" panose="020B0609020204030204" pitchFamily="49" charset="0"/>
+              </a:rPr>
+              <a:t>'request:'</a:t>
+            </a:r>
+            <a:r>
+              <a:rPr lang="en-US" sz="2000" b="0" dirty="0">
+                <a:solidFill>
+                  <a:srgbClr val="000000"/>
+                </a:solidFill>
+                <a:effectLst/>
+                <a:latin typeface="Consolas" panose="020B0609020204030204" pitchFamily="49" charset="0"/>
+              </a:rPr>
+              <a:t>, </a:t>
+            </a:r>
+            <a:r>
+              <a:rPr lang="en-US" sz="2000" b="0" dirty="0" err="1">
+                <a:solidFill>
+                  <a:srgbClr val="000000"/>
+                </a:solidFill>
+                <a:effectLst/>
+                <a:latin typeface="Consolas" panose="020B0609020204030204" pitchFamily="49" charset="0"/>
+              </a:rPr>
+              <a:t>requestNumber</a:t>
+            </a:r>
+            <a:r>
+              <a:rPr lang="en-US" sz="2000" b="0" dirty="0">
+                <a:solidFill>
+                  <a:srgbClr val="000000"/>
+                </a:solidFill>
+                <a:effectLst/>
+                <a:latin typeface="Consolas" panose="020B0609020204030204" pitchFamily="49" charset="0"/>
+              </a:rPr>
+              <a:t>, </a:t>
+            </a:r>
+            <a:r>
+              <a:rPr lang="en-US" sz="2000" b="0" dirty="0">
+                <a:solidFill>
+                  <a:srgbClr val="A31515"/>
+                </a:solidFill>
+                <a:effectLst/>
+                <a:latin typeface="Consolas" panose="020B0609020204030204" pitchFamily="49" charset="0"/>
+              </a:rPr>
+              <a:t>'\</a:t>
+            </a:r>
+            <a:r>
+              <a:rPr lang="en-US" sz="2000" b="0" dirty="0" err="1">
+                <a:solidFill>
+                  <a:srgbClr val="A31515"/>
+                </a:solidFill>
+                <a:effectLst/>
+                <a:latin typeface="Consolas" panose="020B0609020204030204" pitchFamily="49" charset="0"/>
+              </a:rPr>
+              <a:t>nresponse</a:t>
+            </a:r>
+            <a:r>
+              <a:rPr lang="en-US" sz="2000" b="0" dirty="0">
+                <a:solidFill>
+                  <a:srgbClr val="A31515"/>
+                </a:solidFill>
+                <a:effectLst/>
+                <a:latin typeface="Consolas" panose="020B0609020204030204" pitchFamily="49" charset="0"/>
+              </a:rPr>
+              <a:t>:'</a:t>
+            </a:r>
+            <a:r>
+              <a:rPr lang="en-US" sz="2000" b="0" dirty="0">
+                <a:solidFill>
+                  <a:srgbClr val="000000"/>
+                </a:solidFill>
+                <a:effectLst/>
+                <a:latin typeface="Consolas" panose="020B0609020204030204" pitchFamily="49" charset="0"/>
+              </a:rPr>
+              <a:t>, </a:t>
+            </a:r>
+            <a:r>
+              <a:rPr lang="en-US" sz="2000" b="0" dirty="0" err="1">
+                <a:solidFill>
+                  <a:srgbClr val="000000"/>
+                </a:solidFill>
+                <a:effectLst/>
+                <a:latin typeface="Consolas" panose="020B0609020204030204" pitchFamily="49" charset="0"/>
+              </a:rPr>
+              <a:t>response.data</a:t>
+            </a:r>
+            <a:r>
+              <a:rPr lang="en-US" sz="2000" b="0" dirty="0">
+                <a:solidFill>
+                  <a:srgbClr val="000000"/>
+                </a:solidFill>
+                <a:effectLst/>
+                <a:latin typeface="Consolas" panose="020B0609020204030204" pitchFamily="49" charset="0"/>
+              </a:rPr>
+              <a:t>);</a:t>
+            </a:r>
+          </a:p>
+          <a:p>
+            <a:pPr algn="l"/>
+            <a:r>
+              <a:rPr lang="en-US" sz="2000" b="0" dirty="0">
+                <a:solidFill>
+                  <a:srgbClr val="000000"/>
+                </a:solidFill>
+                <a:effectLst/>
+                <a:latin typeface="Consolas" panose="020B0609020204030204" pitchFamily="49" charset="0"/>
+              </a:rPr>
+              <a:t>}</a:t>
+            </a:r>
+          </a:p>
+        </p:txBody>
+      </p:sp>
+    </p:spTree>
+    <p:extLst>
+      <p:ext uri="{BB962C8B-B14F-4D97-AF65-F5344CB8AC3E}">
+        <p14:creationId xmlns:p14="http://schemas.microsoft.com/office/powerpoint/2010/main" val="50625937"/>
+      </p:ext>
+    </p:extLst>
+  </p:cSld>
+  <p:clrMapOvr>
+    <a:masterClrMapping/>
+  </p:clrMapOvr>
+</p:sld>
+</file>
+
+<file path=ppt/slides/slide15.xml><?xml version="1.0" encoding="utf-8"?>
+<p:sld xmlns:a="http://schemas.openxmlformats.org/drawingml/2006/main" xmlns:r="http://schemas.openxmlformats.org/officeDocument/2006/relationships" xmlns:p="http://schemas.openxmlformats.org/presentationml/2006/main">
+  <p:cSld>
+    <p:spTree>
+      <p:nvGrpSpPr>
+        <p:cNvPr id="1" name="">
+          <a:extLst>
+            <a:ext uri="{FF2B5EF4-FFF2-40B4-BE49-F238E27FC236}">
+              <a16:creationId xmlns:a16="http://schemas.microsoft.com/office/drawing/2014/main" id="{03FA627C-81B3-2732-376C-3DF84021D622}"/>
+            </a:ext>
+          </a:extLst>
+        </p:cNvPr>
+        <p:cNvGrpSpPr/>
+        <p:nvPr/>
+      </p:nvGrpSpPr>
+      <p:grpSpPr>
+        <a:xfrm>
+          <a:off x="0" y="0"/>
+          <a:ext cx="0" cy="0"/>
+          <a:chOff x="0" y="0"/>
+          <a:chExt cx="0" cy="0"/>
+        </a:xfrm>
+      </p:grpSpPr>
+      <p:sp>
+        <p:nvSpPr>
+          <p:cNvPr id="2" name="Title 1">
+            <a:extLst>
+              <a:ext uri="{FF2B5EF4-FFF2-40B4-BE49-F238E27FC236}">
+                <a16:creationId xmlns:a16="http://schemas.microsoft.com/office/drawing/2014/main" id="{AA9691CA-470E-0255-51F4-CC8BF4993552}"/>
+              </a:ext>
+            </a:extLst>
+          </p:cNvPr>
+          <p:cNvSpPr>
+            <a:spLocks noGrp="1"/>
+          </p:cNvSpPr>
+          <p:nvPr>
+            <p:ph type="title"/>
+          </p:nvPr>
+        </p:nvSpPr>
+        <p:spPr/>
+        <p:txBody>
+          <a:bodyPr/>
+          <a:lstStyle/>
+          <a:p>
+            <a:r>
+              <a:rPr lang="en-US" dirty="0"/>
+              <a:t>Pattern for starting a concurrent computation using non-blocking I/O</a:t>
+            </a:r>
+          </a:p>
+        </p:txBody>
+      </p:sp>
+      <p:sp>
+        <p:nvSpPr>
+          <p:cNvPr id="3" name="Content Placeholder 2">
+            <a:extLst>
+              <a:ext uri="{FF2B5EF4-FFF2-40B4-BE49-F238E27FC236}">
+                <a16:creationId xmlns:a16="http://schemas.microsoft.com/office/drawing/2014/main" id="{9D42814D-9EF7-9483-CDB5-0247C4D40674}"/>
+              </a:ext>
+            </a:extLst>
+          </p:cNvPr>
+          <p:cNvSpPr>
+            <a:spLocks noGrp="1"/>
+          </p:cNvSpPr>
+          <p:nvPr>
+            <p:ph idx="1"/>
+          </p:nvPr>
+        </p:nvSpPr>
+        <p:spPr>
+          <a:xfrm>
+            <a:off x="733302" y="3490384"/>
+            <a:ext cx="11155326" cy="2755213"/>
+          </a:xfrm>
+        </p:spPr>
+        <p:txBody>
+          <a:bodyPr>
+            <a:normAutofit fontScale="92500" lnSpcReduction="20000"/>
+          </a:bodyPr>
+          <a:lstStyle/>
+          <a:p>
+            <a:pPr marL="457200" indent="-457200">
+              <a:buFont typeface="+mj-lt"/>
+              <a:buAutoNum type="arabicPeriod"/>
+            </a:pPr>
+            <a:r>
+              <a:rPr lang="en-US" dirty="0"/>
+              <a:t>The first console.log is printed</a:t>
+            </a:r>
+          </a:p>
+          <a:p>
+            <a:pPr marL="457200" indent="-457200">
+              <a:buFont typeface="+mj-lt"/>
+              <a:buAutoNum type="arabicPeriod"/>
+            </a:pPr>
+            <a:r>
+              <a:rPr lang="en-US" dirty="0"/>
+              <a:t>The http request is sent, using non-blocking </a:t>
+            </a:r>
+            <a:r>
+              <a:rPr lang="en-US" dirty="0" err="1"/>
+              <a:t>i</a:t>
+            </a:r>
+            <a:r>
+              <a:rPr lang="en-US" dirty="0"/>
+              <a:t>/o</a:t>
+            </a:r>
+          </a:p>
+          <a:p>
+            <a:pPr marL="457200" indent="-457200">
+              <a:buFont typeface="+mj-lt"/>
+              <a:buAutoNum type="arabicPeriod"/>
+            </a:pPr>
+            <a:r>
+              <a:rPr lang="en-US" dirty="0"/>
+              <a:t>The browser goes about its business</a:t>
+            </a:r>
+          </a:p>
+          <a:p>
+            <a:pPr marL="457200" indent="-457200">
+              <a:buFont typeface="+mj-lt"/>
+              <a:buAutoNum type="arabicPeriod"/>
+            </a:pPr>
+            <a:r>
+              <a:rPr lang="en-US" dirty="0"/>
+              <a:t>Eventually, the </a:t>
+            </a:r>
+            <a:r>
+              <a:rPr lang="en-US" dirty="0" err="1"/>
+              <a:t>axios.get</a:t>
+            </a:r>
+            <a:r>
+              <a:rPr lang="en-US" dirty="0"/>
+              <a:t> returns.</a:t>
+            </a:r>
+          </a:p>
+          <a:p>
+            <a:pPr marL="457200" indent="-457200">
+              <a:buFont typeface="+mj-lt"/>
+              <a:buAutoNum type="arabicPeriod"/>
+            </a:pPr>
+            <a:r>
+              <a:rPr lang="en-US" dirty="0"/>
+              <a:t>Some time after that, the console.log is printed and the </a:t>
+            </a:r>
+            <a:r>
+              <a:rPr lang="en-US" dirty="0" err="1"/>
+              <a:t>makeRequest</a:t>
+            </a:r>
+            <a:r>
+              <a:rPr lang="en-US" dirty="0"/>
+              <a:t> concludes.</a:t>
+            </a:r>
+          </a:p>
+          <a:p>
+            <a:pPr marL="457200" indent="-457200">
+              <a:buFont typeface="+mj-lt"/>
+              <a:buAutoNum type="arabicPeriod"/>
+            </a:pPr>
+            <a:r>
+              <a:rPr lang="en-US" dirty="0"/>
+              <a:t>Any promises that are waiting for the result of this </a:t>
+            </a:r>
+            <a:r>
+              <a:rPr lang="en-US" dirty="0" err="1"/>
+              <a:t>makeRequest</a:t>
+            </a:r>
+            <a:r>
+              <a:rPr lang="en-US" dirty="0"/>
+              <a:t> become eligible for execution.</a:t>
+            </a:r>
+          </a:p>
+          <a:p>
+            <a:pPr marL="0" indent="0">
+              <a:buNone/>
+            </a:pPr>
+            <a:endParaRPr lang="en-US" dirty="0"/>
+          </a:p>
+          <a:p>
+            <a:endParaRPr lang="en-US" dirty="0"/>
+          </a:p>
+          <a:p>
+            <a:endParaRPr lang="en-US" dirty="0"/>
+          </a:p>
+          <a:p>
+            <a:endParaRPr lang="en-US" dirty="0"/>
+          </a:p>
+          <a:p>
+            <a:endParaRPr lang="en-US" dirty="0"/>
+          </a:p>
+          <a:p>
+            <a:endParaRPr lang="en-US" dirty="0"/>
+          </a:p>
+          <a:p>
+            <a:pPr marL="0" indent="0">
+              <a:buNone/>
+            </a:pPr>
+            <a:endParaRPr lang="en-US" dirty="0"/>
+          </a:p>
+        </p:txBody>
+      </p:sp>
+      <p:sp>
+        <p:nvSpPr>
+          <p:cNvPr id="4" name="Slide Number Placeholder 3">
+            <a:extLst>
+              <a:ext uri="{FF2B5EF4-FFF2-40B4-BE49-F238E27FC236}">
+                <a16:creationId xmlns:a16="http://schemas.microsoft.com/office/drawing/2014/main" id="{43B8A6EB-75B7-BE7A-9873-385535024123}"/>
+              </a:ext>
+            </a:extLst>
+          </p:cNvPr>
+          <p:cNvSpPr>
+            <a:spLocks noGrp="1"/>
+          </p:cNvSpPr>
+          <p:nvPr>
+            <p:ph type="sldNum" sz="quarter" idx="12"/>
+          </p:nvPr>
+        </p:nvSpPr>
+        <p:spPr/>
+        <p:txBody>
+          <a:bodyPr/>
+          <a:lstStyle/>
+          <a:p>
+            <a:pPr marL="0" marR="0" lvl="0" indent="0" algn="r" defTabSz="914400" rtl="0" eaLnBrk="1" fontAlgn="auto" latinLnBrk="0" hangingPunct="1">
+              <a:lnSpc>
+                <a:spcPct val="100000"/>
+              </a:lnSpc>
+              <a:spcBef>
+                <a:spcPts val="0"/>
+              </a:spcBef>
+              <a:spcAft>
+                <a:spcPts val="0"/>
+              </a:spcAft>
+              <a:buClrTx/>
+              <a:buSzTx/>
+              <a:buFontTx/>
+              <a:buNone/>
+              <a:tabLst/>
+              <a:defRPr/>
+            </a:pPr>
+            <a:fld id="{20F37917-FD3A-4669-9018-DA04BCDD3D75}" type="slidenum">
+              <a:rPr kumimoji="0" lang="en-US" sz="1200" b="0" i="0" u="none" strike="noStrike" kern="1200" cap="none" spc="0" normalizeH="0" baseline="0" noProof="0" smtClean="0">
+                <a:ln>
+                  <a:noFill/>
+                </a:ln>
+                <a:solidFill>
+                  <a:prstClr val="black">
+                    <a:tint val="75000"/>
+                  </a:prstClr>
+                </a:solidFill>
+                <a:effectLst/>
+                <a:uLnTx/>
+                <a:uFillTx/>
+                <a:latin typeface="Calibri" panose="020F0502020204030204"/>
+                <a:ea typeface="+mn-ea"/>
+                <a:cs typeface="+mn-cs"/>
+              </a:rPr>
+              <a:pPr marL="0" marR="0" lvl="0" indent="0" algn="r" defTabSz="914400" rtl="0" eaLnBrk="1" fontAlgn="auto" latinLnBrk="0" hangingPunct="1">
+                <a:lnSpc>
+                  <a:spcPct val="100000"/>
+                </a:lnSpc>
+                <a:spcBef>
+                  <a:spcPts val="0"/>
+                </a:spcBef>
+                <a:spcAft>
+                  <a:spcPts val="0"/>
+                </a:spcAft>
+                <a:buClrTx/>
+                <a:buSzTx/>
+                <a:buFontTx/>
+                <a:buNone/>
+                <a:tabLst/>
+                <a:defRPr/>
+              </a:pPr>
+              <a:t>15</a:t>
+            </a:fld>
+            <a:endParaRPr kumimoji="0" lang="en-US" sz="1200" b="0" i="0" u="none" strike="noStrike" kern="1200" cap="none" spc="0" normalizeH="0" baseline="0" noProof="0" dirty="0">
+              <a:ln>
+                <a:noFill/>
+              </a:ln>
+              <a:solidFill>
+                <a:prstClr val="black">
+                  <a:tint val="75000"/>
+                </a:prstClr>
+              </a:solidFill>
+              <a:effectLst/>
+              <a:uLnTx/>
+              <a:uFillTx/>
+              <a:latin typeface="Calibri" panose="020F0502020204030204"/>
+              <a:ea typeface="+mn-ea"/>
+              <a:cs typeface="+mn-cs"/>
+            </a:endParaRPr>
+          </a:p>
+        </p:txBody>
+      </p:sp>
+      <p:sp>
+        <p:nvSpPr>
+          <p:cNvPr id="9" name="TextBox 8">
+            <a:extLst>
+              <a:ext uri="{FF2B5EF4-FFF2-40B4-BE49-F238E27FC236}">
+                <a16:creationId xmlns:a16="http://schemas.microsoft.com/office/drawing/2014/main" id="{4625BB71-7766-8C90-ECB1-1D83B8007F99}"/>
+              </a:ext>
+            </a:extLst>
+          </p:cNvPr>
+          <p:cNvSpPr txBox="1"/>
+          <p:nvPr/>
+        </p:nvSpPr>
+        <p:spPr>
+          <a:xfrm>
+            <a:off x="733302" y="1611457"/>
+            <a:ext cx="10620498" cy="1631216"/>
+          </a:xfrm>
+          <a:prstGeom prst="rect">
+            <a:avLst/>
+          </a:prstGeom>
+          <a:noFill/>
+          <a:ln w="12700" cap="flat" cmpd="sng" algn="ctr">
+            <a:noFill/>
+            <a:prstDash val="solid"/>
+            <a:miter lim="800000"/>
+          </a:ln>
+          <a:effectLst/>
+        </p:spPr>
+        <p:style>
+          <a:lnRef idx="2">
+            <a:schemeClr val="accent1">
+              <a:shade val="50000"/>
+            </a:schemeClr>
+          </a:lnRef>
+          <a:fillRef idx="1">
+            <a:schemeClr val="accent1"/>
+          </a:fillRef>
+          <a:effectRef idx="0">
+            <a:schemeClr val="accent1"/>
+          </a:effectRef>
+          <a:fontRef idx="minor">
+            <a:schemeClr val="lt1"/>
+          </a:fontRef>
+        </p:style>
+        <p:txBody>
+          <a:bodyPr wrap="square">
+            <a:spAutoFit/>
+          </a:bodyPr>
+          <a:lstStyle/>
+          <a:p>
+            <a:pPr algn="l"/>
+            <a:r>
+              <a:rPr lang="en-US" sz="2000" b="0" dirty="0">
+                <a:solidFill>
+                  <a:srgbClr val="0000FF"/>
+                </a:solidFill>
+                <a:effectLst/>
+                <a:latin typeface="Consolas" panose="020B0609020204030204" pitchFamily="49" charset="0"/>
+              </a:rPr>
+              <a:t>export</a:t>
+            </a:r>
+            <a:r>
+              <a:rPr lang="en-US" sz="2000" b="0" dirty="0">
+                <a:solidFill>
+                  <a:srgbClr val="000000"/>
+                </a:solidFill>
+                <a:effectLst/>
+                <a:latin typeface="Consolas" panose="020B0609020204030204" pitchFamily="49" charset="0"/>
+              </a:rPr>
+              <a:t> </a:t>
+            </a:r>
+            <a:r>
+              <a:rPr lang="en-US" sz="2000" b="0" dirty="0">
+                <a:solidFill>
+                  <a:srgbClr val="0000FF"/>
+                </a:solidFill>
+                <a:effectLst/>
+                <a:latin typeface="Consolas" panose="020B0609020204030204" pitchFamily="49" charset="0"/>
+              </a:rPr>
+              <a:t>async</a:t>
+            </a:r>
+            <a:r>
+              <a:rPr lang="en-US" sz="2000" b="0" dirty="0">
+                <a:solidFill>
+                  <a:srgbClr val="000000"/>
+                </a:solidFill>
+                <a:effectLst/>
+                <a:latin typeface="Consolas" panose="020B0609020204030204" pitchFamily="49" charset="0"/>
+              </a:rPr>
+              <a:t> </a:t>
+            </a:r>
+            <a:r>
+              <a:rPr lang="en-US" sz="2000" b="0" dirty="0">
+                <a:solidFill>
+                  <a:srgbClr val="0000FF"/>
+                </a:solidFill>
+                <a:effectLst/>
+                <a:latin typeface="Consolas" panose="020B0609020204030204" pitchFamily="49" charset="0"/>
+              </a:rPr>
+              <a:t>function</a:t>
+            </a:r>
+            <a:r>
+              <a:rPr lang="en-US" sz="2000" b="0" dirty="0">
+                <a:solidFill>
+                  <a:srgbClr val="000000"/>
+                </a:solidFill>
+                <a:effectLst/>
+                <a:latin typeface="Consolas" panose="020B0609020204030204" pitchFamily="49" charset="0"/>
+              </a:rPr>
+              <a:t> </a:t>
+            </a:r>
+            <a:r>
+              <a:rPr lang="en-US" sz="2000" b="0" dirty="0" err="1">
+                <a:solidFill>
+                  <a:srgbClr val="000000"/>
+                </a:solidFill>
+                <a:effectLst/>
+                <a:latin typeface="Consolas" panose="020B0609020204030204" pitchFamily="49" charset="0"/>
+              </a:rPr>
+              <a:t>makeRequest</a:t>
+            </a:r>
+            <a:r>
+              <a:rPr lang="en-US" sz="2000" b="0" dirty="0">
+                <a:solidFill>
+                  <a:srgbClr val="000000"/>
+                </a:solidFill>
+                <a:effectLst/>
+                <a:latin typeface="Consolas" panose="020B0609020204030204" pitchFamily="49" charset="0"/>
+              </a:rPr>
+              <a:t>(</a:t>
+            </a:r>
+            <a:r>
+              <a:rPr lang="en-US" sz="2000" b="0" dirty="0" err="1">
+                <a:solidFill>
+                  <a:srgbClr val="000000"/>
+                </a:solidFill>
+                <a:effectLst/>
+                <a:latin typeface="Consolas" panose="020B0609020204030204" pitchFamily="49" charset="0"/>
+              </a:rPr>
+              <a:t>requestNumber:number</a:t>
+            </a:r>
+            <a:r>
+              <a:rPr lang="en-US" sz="2000" b="0" dirty="0">
+                <a:solidFill>
+                  <a:srgbClr val="000000"/>
+                </a:solidFill>
+                <a:effectLst/>
+                <a:latin typeface="Consolas" panose="020B0609020204030204" pitchFamily="49" charset="0"/>
+              </a:rPr>
+              <a:t>) {</a:t>
+            </a:r>
+          </a:p>
+          <a:p>
+            <a:pPr algn="l"/>
+            <a:r>
+              <a:rPr lang="en-US" sz="2000" b="0" dirty="0">
+                <a:solidFill>
+                  <a:srgbClr val="000000"/>
+                </a:solidFill>
+                <a:effectLst/>
+                <a:latin typeface="Consolas" panose="020B0609020204030204" pitchFamily="49" charset="0"/>
+              </a:rPr>
+              <a:t>    console.log(</a:t>
+            </a:r>
+            <a:r>
+              <a:rPr lang="en-US" sz="2000" b="0" dirty="0">
+                <a:solidFill>
+                  <a:srgbClr val="A31515"/>
+                </a:solidFill>
+                <a:effectLst/>
+                <a:latin typeface="Consolas" panose="020B0609020204030204" pitchFamily="49" charset="0"/>
+              </a:rPr>
+              <a:t>`starting </a:t>
+            </a:r>
+            <a:r>
+              <a:rPr lang="en-US" sz="2000" b="0" dirty="0" err="1">
+                <a:solidFill>
+                  <a:srgbClr val="A31515"/>
+                </a:solidFill>
+                <a:effectLst/>
+                <a:latin typeface="Consolas" panose="020B0609020204030204" pitchFamily="49" charset="0"/>
+              </a:rPr>
+              <a:t>makeRequest</a:t>
+            </a:r>
+            <a:r>
+              <a:rPr lang="en-US" sz="2000" b="0" dirty="0">
+                <a:solidFill>
+                  <a:srgbClr val="A31515"/>
+                </a:solidFill>
+                <a:effectLst/>
+                <a:latin typeface="Consolas" panose="020B0609020204030204" pitchFamily="49" charset="0"/>
+              </a:rPr>
+              <a:t>(</a:t>
+            </a:r>
+            <a:r>
+              <a:rPr lang="en-US" sz="2000" b="0" dirty="0">
+                <a:solidFill>
+                  <a:srgbClr val="0000FF"/>
+                </a:solidFill>
+                <a:effectLst/>
+                <a:latin typeface="Consolas" panose="020B0609020204030204" pitchFamily="49" charset="0"/>
+              </a:rPr>
+              <a:t>${</a:t>
+            </a:r>
+            <a:r>
+              <a:rPr lang="en-US" sz="2000" b="0" dirty="0" err="1">
+                <a:solidFill>
+                  <a:srgbClr val="000000"/>
+                </a:solidFill>
+                <a:effectLst/>
+                <a:latin typeface="Consolas" panose="020B0609020204030204" pitchFamily="49" charset="0"/>
+              </a:rPr>
+              <a:t>requestNumber</a:t>
+            </a:r>
+            <a:r>
+              <a:rPr lang="en-US" sz="2000" b="0" dirty="0">
+                <a:solidFill>
+                  <a:srgbClr val="0000FF"/>
+                </a:solidFill>
+                <a:effectLst/>
+                <a:latin typeface="Consolas" panose="020B0609020204030204" pitchFamily="49" charset="0"/>
+              </a:rPr>
+              <a:t>}</a:t>
+            </a:r>
+            <a:r>
+              <a:rPr lang="en-US" sz="2000" b="0" dirty="0">
+                <a:solidFill>
+                  <a:srgbClr val="A31515"/>
+                </a:solidFill>
+                <a:effectLst/>
+                <a:latin typeface="Consolas" panose="020B0609020204030204" pitchFamily="49" charset="0"/>
+              </a:rPr>
+              <a:t>)`</a:t>
+            </a:r>
+            <a:r>
+              <a:rPr lang="en-US" sz="2000" b="0" dirty="0">
+                <a:solidFill>
+                  <a:srgbClr val="000000"/>
+                </a:solidFill>
+                <a:effectLst/>
+                <a:latin typeface="Consolas" panose="020B0609020204030204" pitchFamily="49" charset="0"/>
+              </a:rPr>
+              <a:t>);</a:t>
+            </a:r>
+          </a:p>
+          <a:p>
+            <a:pPr algn="l"/>
+            <a:r>
+              <a:rPr lang="en-US" sz="2000" b="0" dirty="0">
+                <a:solidFill>
+                  <a:srgbClr val="000000"/>
+                </a:solidFill>
+                <a:effectLst/>
+                <a:latin typeface="Consolas" panose="020B0609020204030204" pitchFamily="49" charset="0"/>
+              </a:rPr>
+              <a:t>    </a:t>
+            </a:r>
+            <a:r>
+              <a:rPr lang="en-US" sz="2000" b="0" dirty="0">
+                <a:solidFill>
+                  <a:srgbClr val="0000FF"/>
+                </a:solidFill>
+                <a:effectLst/>
+                <a:latin typeface="Consolas" panose="020B0609020204030204" pitchFamily="49" charset="0"/>
+              </a:rPr>
+              <a:t>const</a:t>
+            </a:r>
+            <a:r>
+              <a:rPr lang="en-US" sz="2000" b="0" dirty="0">
+                <a:solidFill>
+                  <a:srgbClr val="000000"/>
+                </a:solidFill>
+                <a:effectLst/>
+                <a:latin typeface="Consolas" panose="020B0609020204030204" pitchFamily="49" charset="0"/>
+              </a:rPr>
+              <a:t> response = </a:t>
+            </a:r>
+            <a:r>
+              <a:rPr lang="en-US" sz="2000" b="0" dirty="0">
+                <a:solidFill>
+                  <a:srgbClr val="0000FF"/>
+                </a:solidFill>
+                <a:effectLst/>
+                <a:latin typeface="Consolas" panose="020B0609020204030204" pitchFamily="49" charset="0"/>
+              </a:rPr>
+              <a:t>await</a:t>
+            </a:r>
+            <a:r>
+              <a:rPr lang="en-US" sz="2000" b="0" dirty="0">
+                <a:solidFill>
+                  <a:srgbClr val="000000"/>
+                </a:solidFill>
+                <a:effectLst/>
+                <a:latin typeface="Consolas" panose="020B0609020204030204" pitchFamily="49" charset="0"/>
+              </a:rPr>
+              <a:t> </a:t>
+            </a:r>
+            <a:r>
+              <a:rPr lang="en-US" sz="2000" b="0" dirty="0" err="1">
+                <a:solidFill>
+                  <a:srgbClr val="000000"/>
+                </a:solidFill>
+                <a:effectLst/>
+                <a:latin typeface="Consolas" panose="020B0609020204030204" pitchFamily="49" charset="0"/>
+              </a:rPr>
+              <a:t>axios.get</a:t>
+            </a:r>
+            <a:r>
+              <a:rPr lang="en-US" sz="2000" b="0" dirty="0">
+                <a:solidFill>
+                  <a:srgbClr val="000000"/>
+                </a:solidFill>
+                <a:effectLst/>
+                <a:latin typeface="Consolas" panose="020B0609020204030204" pitchFamily="49" charset="0"/>
+              </a:rPr>
+              <a:t>(</a:t>
+            </a:r>
+            <a:r>
+              <a:rPr lang="en-US" sz="2000" b="0" dirty="0">
+                <a:solidFill>
+                  <a:srgbClr val="A31515"/>
+                </a:solidFill>
+                <a:effectLst/>
+                <a:latin typeface="Consolas" panose="020B0609020204030204" pitchFamily="49" charset="0"/>
+              </a:rPr>
+              <a:t>'https://rest-</a:t>
+            </a:r>
+            <a:r>
+              <a:rPr lang="en-US" sz="2000" b="0" dirty="0" err="1">
+                <a:solidFill>
+                  <a:srgbClr val="A31515"/>
+                </a:solidFill>
+                <a:effectLst/>
+                <a:latin typeface="Consolas" panose="020B0609020204030204" pitchFamily="49" charset="0"/>
+              </a:rPr>
+              <a:t>example.covey.town</a:t>
+            </a:r>
+            <a:r>
+              <a:rPr lang="en-US" sz="2000" b="0" dirty="0">
+                <a:solidFill>
+                  <a:srgbClr val="A31515"/>
+                </a:solidFill>
+                <a:effectLst/>
+                <a:latin typeface="Consolas" panose="020B0609020204030204" pitchFamily="49" charset="0"/>
+              </a:rPr>
+              <a:t>'</a:t>
+            </a:r>
+            <a:r>
+              <a:rPr lang="en-US" sz="2000" b="0" dirty="0">
+                <a:solidFill>
+                  <a:srgbClr val="000000"/>
+                </a:solidFill>
+                <a:effectLst/>
+                <a:latin typeface="Consolas" panose="020B0609020204030204" pitchFamily="49" charset="0"/>
+              </a:rPr>
+              <a:t>);</a:t>
+            </a:r>
+          </a:p>
+          <a:p>
+            <a:pPr algn="l"/>
+            <a:r>
+              <a:rPr lang="en-US" sz="2000" b="0" dirty="0">
+                <a:solidFill>
+                  <a:srgbClr val="000000"/>
+                </a:solidFill>
+                <a:effectLst/>
+                <a:latin typeface="Consolas" panose="020B0609020204030204" pitchFamily="49" charset="0"/>
+              </a:rPr>
+              <a:t>    console.log(</a:t>
+            </a:r>
+            <a:r>
+              <a:rPr lang="en-US" sz="2000" b="0" dirty="0">
+                <a:solidFill>
+                  <a:srgbClr val="A31515"/>
+                </a:solidFill>
+                <a:effectLst/>
+                <a:latin typeface="Consolas" panose="020B0609020204030204" pitchFamily="49" charset="0"/>
+              </a:rPr>
+              <a:t>'request:'</a:t>
+            </a:r>
+            <a:r>
+              <a:rPr lang="en-US" sz="2000" b="0" dirty="0">
+                <a:solidFill>
+                  <a:srgbClr val="000000"/>
+                </a:solidFill>
+                <a:effectLst/>
+                <a:latin typeface="Consolas" panose="020B0609020204030204" pitchFamily="49" charset="0"/>
+              </a:rPr>
+              <a:t>, </a:t>
+            </a:r>
+            <a:r>
+              <a:rPr lang="en-US" sz="2000" b="0" dirty="0" err="1">
+                <a:solidFill>
+                  <a:srgbClr val="000000"/>
+                </a:solidFill>
+                <a:effectLst/>
+                <a:latin typeface="Consolas" panose="020B0609020204030204" pitchFamily="49" charset="0"/>
+              </a:rPr>
+              <a:t>requestNumber</a:t>
+            </a:r>
+            <a:r>
+              <a:rPr lang="en-US" sz="2000" b="0" dirty="0">
+                <a:solidFill>
+                  <a:srgbClr val="000000"/>
+                </a:solidFill>
+                <a:effectLst/>
+                <a:latin typeface="Consolas" panose="020B0609020204030204" pitchFamily="49" charset="0"/>
+              </a:rPr>
+              <a:t>, </a:t>
+            </a:r>
+            <a:r>
+              <a:rPr lang="en-US" sz="2000" b="0" dirty="0">
+                <a:solidFill>
+                  <a:srgbClr val="A31515"/>
+                </a:solidFill>
+                <a:effectLst/>
+                <a:latin typeface="Consolas" panose="020B0609020204030204" pitchFamily="49" charset="0"/>
+              </a:rPr>
+              <a:t>'\</a:t>
+            </a:r>
+            <a:r>
+              <a:rPr lang="en-US" sz="2000" b="0" dirty="0" err="1">
+                <a:solidFill>
+                  <a:srgbClr val="A31515"/>
+                </a:solidFill>
+                <a:effectLst/>
+                <a:latin typeface="Consolas" panose="020B0609020204030204" pitchFamily="49" charset="0"/>
+              </a:rPr>
+              <a:t>nresponse</a:t>
+            </a:r>
+            <a:r>
+              <a:rPr lang="en-US" sz="2000" b="0" dirty="0">
+                <a:solidFill>
+                  <a:srgbClr val="A31515"/>
+                </a:solidFill>
+                <a:effectLst/>
+                <a:latin typeface="Consolas" panose="020B0609020204030204" pitchFamily="49" charset="0"/>
+              </a:rPr>
+              <a:t>:'</a:t>
+            </a:r>
+            <a:r>
+              <a:rPr lang="en-US" sz="2000" b="0" dirty="0">
+                <a:solidFill>
+                  <a:srgbClr val="000000"/>
+                </a:solidFill>
+                <a:effectLst/>
+                <a:latin typeface="Consolas" panose="020B0609020204030204" pitchFamily="49" charset="0"/>
+              </a:rPr>
+              <a:t>, </a:t>
+            </a:r>
+            <a:r>
+              <a:rPr lang="en-US" sz="2000" b="0" dirty="0" err="1">
+                <a:solidFill>
+                  <a:srgbClr val="000000"/>
+                </a:solidFill>
+                <a:effectLst/>
+                <a:latin typeface="Consolas" panose="020B0609020204030204" pitchFamily="49" charset="0"/>
+              </a:rPr>
+              <a:t>response.data</a:t>
+            </a:r>
+            <a:r>
+              <a:rPr lang="en-US" sz="2000" b="0" dirty="0">
+                <a:solidFill>
+                  <a:srgbClr val="000000"/>
+                </a:solidFill>
+                <a:effectLst/>
+                <a:latin typeface="Consolas" panose="020B0609020204030204" pitchFamily="49" charset="0"/>
+              </a:rPr>
+              <a:t>);</a:t>
+            </a:r>
+          </a:p>
+          <a:p>
+            <a:pPr algn="l"/>
+            <a:r>
+              <a:rPr lang="en-US" sz="2000" b="0" dirty="0">
+                <a:solidFill>
+                  <a:srgbClr val="000000"/>
+                </a:solidFill>
+                <a:effectLst/>
+                <a:latin typeface="Consolas" panose="020B0609020204030204" pitchFamily="49" charset="0"/>
+              </a:rPr>
+              <a:t>}</a:t>
+            </a:r>
+          </a:p>
+        </p:txBody>
+      </p:sp>
+      <p:sp>
+        <p:nvSpPr>
+          <p:cNvPr id="5" name="TextBox 4">
+            <a:extLst>
+              <a:ext uri="{FF2B5EF4-FFF2-40B4-BE49-F238E27FC236}">
+                <a16:creationId xmlns:a16="http://schemas.microsoft.com/office/drawing/2014/main" id="{C5E57914-2939-721E-6FBF-EF74F22EA9A7}"/>
+              </a:ext>
+            </a:extLst>
+          </p:cNvPr>
+          <p:cNvSpPr txBox="1"/>
+          <p:nvPr/>
+        </p:nvSpPr>
+        <p:spPr>
+          <a:xfrm>
+            <a:off x="9577137" y="148557"/>
+            <a:ext cx="2407744" cy="1215189"/>
+          </a:xfrm>
+          <a:prstGeom prst="rect">
+            <a:avLst/>
+          </a:prstGeom>
+          <a:solidFill>
+            <a:schemeClr val="accent4"/>
+          </a:solidFill>
+          <a:ln>
+            <a:noFill/>
+          </a:ln>
+        </p:spPr>
+        <p:style>
+          <a:lnRef idx="2">
+            <a:schemeClr val="accent1">
+              <a:shade val="50000"/>
+            </a:schemeClr>
+          </a:lnRef>
+          <a:fillRef idx="1">
+            <a:schemeClr val="accent1"/>
+          </a:fillRef>
+          <a:effectRef idx="0">
+            <a:schemeClr val="accent1"/>
+          </a:effectRef>
+          <a:fontRef idx="minor">
+            <a:schemeClr val="lt1"/>
+          </a:fontRef>
+        </p:style>
+        <p:txBody>
+          <a:bodyPr rot="0" spcFirstLastPara="0" vertOverflow="overflow" horzOverflow="overflow" vert="horz" wrap="square" lIns="91440" tIns="45720" rIns="91440" bIns="45720" numCol="1" spcCol="0" rtlCol="0" fromWordArt="0" anchor="ctr" anchorCtr="0" forceAA="0" compatLnSpc="1">
+            <a:prstTxWarp prst="textNoShape">
+              <a:avLst/>
+            </a:prstTxWarp>
+            <a:noAutofit/>
+          </a:bodyPr>
+          <a:lstStyle/>
+          <a:p>
+            <a:pPr algn="l"/>
+            <a:r>
+              <a:rPr lang="en-US" sz="2000" dirty="0">
+                <a:solidFill>
+                  <a:schemeClr val="tx1"/>
+                </a:solidFill>
+                <a:latin typeface="Verdana" panose="020B0604030504040204" pitchFamily="34" charset="0"/>
+                <a:ea typeface="Verdana" panose="020B0604030504040204" pitchFamily="34" charset="0"/>
+              </a:rPr>
+              <a:t>Maybe better?</a:t>
+            </a:r>
+          </a:p>
+        </p:txBody>
+      </p:sp>
+    </p:spTree>
+    <p:extLst>
+      <p:ext uri="{BB962C8B-B14F-4D97-AF65-F5344CB8AC3E}">
+        <p14:creationId xmlns:p14="http://schemas.microsoft.com/office/powerpoint/2010/main" val="3839594755"/>
+      </p:ext>
+    </p:extLst>
+  </p:cSld>
+  <p:clrMapOvr>
+    <a:masterClrMapping/>
+  </p:clrMapOvr>
+</p:sld>
+</file>
+
+<file path=ppt/slides/slide16.xml><?xml version="1.0" encoding="utf-8"?>
+<p:sld xmlns:a="http://schemas.openxmlformats.org/drawingml/2006/main" xmlns:r="http://schemas.openxmlformats.org/officeDocument/2006/relationships" xmlns:p="http://schemas.openxmlformats.org/presentationml/2006/main">
+  <p:cSld>
+    <p:spTree>
+      <p:nvGrpSpPr>
         <p:cNvPr id="1" name=""/>
         <p:cNvGrpSpPr/>
         <p:nvPr/>
@@ -14350,7 +15978,7 @@
                 <a:tabLst/>
                 <a:defRPr/>
               </a:pPr>
-              <a:t>14</a:t>
+              <a:t>16</a:t>
             </a:fld>
             <a:endParaRPr kumimoji="0" lang="en-US" sz="1200" b="0" i="0" u="none" strike="noStrike" kern="1200" cap="none" spc="0" normalizeH="0" baseline="0" noProof="0">
               <a:ln>
@@ -15703,7 +17331,7 @@
 </p:sld>
 </file>
 
-<file path=ppt/slides/slide15.xml><?xml version="1.0" encoding="utf-8"?>
+<file path=ppt/slides/slide17.xml><?xml version="1.0" encoding="utf-8"?>
 <p:sld xmlns:a="http://schemas.openxmlformats.org/drawingml/2006/main" xmlns:r="http://schemas.openxmlformats.org/officeDocument/2006/relationships" xmlns:p="http://schemas.openxmlformats.org/presentationml/2006/main">
   <p:cSld>
     <p:spTree>
@@ -15826,7 +17454,7 @@
                 <a:tabLst/>
                 <a:defRPr/>
               </a:pPr>
-              <a:t>15</a:t>
+              <a:t>17</a:t>
             </a:fld>
             <a:endParaRPr kumimoji="0" lang="en-US" sz="1200" b="0" i="0" u="none" strike="noStrike" kern="1200" cap="none" spc="0" normalizeH="0" baseline="0" noProof="0">
               <a:ln>
@@ -17186,7 +18814,7 @@
 </p:sld>
 </file>
 
-<file path=ppt/slides/slide16.xml><?xml version="1.0" encoding="utf-8"?>
+<file path=ppt/slides/slide18.xml><?xml version="1.0" encoding="utf-8"?>
 <p:sld xmlns:a="http://schemas.openxmlformats.org/drawingml/2006/main" xmlns:r="http://schemas.openxmlformats.org/officeDocument/2006/relationships" xmlns:p="http://schemas.openxmlformats.org/presentationml/2006/main">
   <p:cSld>
     <p:spTree>
@@ -17303,7 +18931,7 @@
                 <a:tabLst/>
                 <a:defRPr/>
               </a:pPr>
-              <a:t>16</a:t>
+              <a:t>18</a:t>
             </a:fld>
             <a:endParaRPr kumimoji="0" lang="en-US" sz="1200" b="0" i="0" u="none" strike="noStrike" kern="1200" cap="none" spc="0" normalizeH="0" baseline="0" noProof="0">
               <a:ln>
@@ -17563,7 +19191,7 @@
 </p:sld>
 </file>
 
-<file path=ppt/slides/slide17.xml><?xml version="1.0" encoding="utf-8"?>
+<file path=ppt/slides/slide19.xml><?xml version="1.0" encoding="utf-8"?>
 <p:sld xmlns:a="http://schemas.openxmlformats.org/drawingml/2006/main" xmlns:r="http://schemas.openxmlformats.org/officeDocument/2006/relationships" xmlns:p="http://schemas.openxmlformats.org/presentationml/2006/main">
   <p:cSld>
     <p:spTree>
@@ -17692,7 +19320,7 @@
                 <a:tabLst/>
                 <a:defRPr/>
               </a:pPr>
-              <a:t>17</a:t>
+              <a:t>19</a:t>
             </a:fld>
             <a:endParaRPr kumimoji="0" lang="en-US" sz="1200" b="0" i="0" u="none" strike="noStrike" kern="1200" cap="none" spc="0" normalizeH="0" baseline="0" noProof="0">
               <a:ln>
@@ -19281,7 +20909,160 @@
 </p:sld>
 </file>
 
-<file path=ppt/slides/slide18.xml><?xml version="1.0" encoding="utf-8"?>
+<file path=ppt/slides/slide2.xml><?xml version="1.0" encoding="utf-8"?>
+<p:sld xmlns:a="http://schemas.openxmlformats.org/drawingml/2006/main" xmlns:r="http://schemas.openxmlformats.org/officeDocument/2006/relationships" xmlns:p="http://schemas.openxmlformats.org/presentationml/2006/main">
+  <p:cSld>
+    <p:spTree>
+      <p:nvGrpSpPr>
+        <p:cNvPr id="1" name=""/>
+        <p:cNvGrpSpPr/>
+        <p:nvPr/>
+      </p:nvGrpSpPr>
+      <p:grpSpPr>
+        <a:xfrm>
+          <a:off x="0" y="0"/>
+          <a:ext cx="0" cy="0"/>
+          <a:chOff x="0" y="0"/>
+          <a:chExt cx="0" cy="0"/>
+        </a:xfrm>
+      </p:grpSpPr>
+      <p:sp>
+        <p:nvSpPr>
+          <p:cNvPr id="2" name="Title 1">
+            <a:extLst>
+              <a:ext uri="{FF2B5EF4-FFF2-40B4-BE49-F238E27FC236}">
+                <a16:creationId xmlns:a16="http://schemas.microsoft.com/office/drawing/2014/main" id="{E743D407-5B53-49A7-9907-E801EA7FFD8E}"/>
+              </a:ext>
+            </a:extLst>
+          </p:cNvPr>
+          <p:cNvSpPr>
+            <a:spLocks noGrp="1"/>
+          </p:cNvSpPr>
+          <p:nvPr>
+            <p:ph type="title"/>
+          </p:nvPr>
+        </p:nvSpPr>
+        <p:spPr/>
+        <p:txBody>
+          <a:bodyPr/>
+          <a:lstStyle/>
+          <a:p>
+            <a:r>
+              <a:rPr lang="en-US" dirty="0"/>
+              <a:t>Learning Goals for this Lesson</a:t>
+            </a:r>
+          </a:p>
+        </p:txBody>
+      </p:sp>
+      <p:sp>
+        <p:nvSpPr>
+          <p:cNvPr id="3" name="Content Placeholder 2">
+            <a:extLst>
+              <a:ext uri="{FF2B5EF4-FFF2-40B4-BE49-F238E27FC236}">
+                <a16:creationId xmlns:a16="http://schemas.microsoft.com/office/drawing/2014/main" id="{AC300E2B-BFD0-4090-AFC5-FE82683F997F}"/>
+              </a:ext>
+            </a:extLst>
+          </p:cNvPr>
+          <p:cNvSpPr>
+            <a:spLocks noGrp="1"/>
+          </p:cNvSpPr>
+          <p:nvPr>
+            <p:ph idx="1"/>
+          </p:nvPr>
+        </p:nvSpPr>
+        <p:spPr/>
+        <p:txBody>
+          <a:bodyPr>
+            <a:normAutofit lnSpcReduction="10000"/>
+          </a:bodyPr>
+          <a:lstStyle/>
+          <a:p>
+            <a:r>
+              <a:rPr lang="en-US" dirty="0"/>
+              <a:t>At the end of this lesson, you should be prepared to:</a:t>
+            </a:r>
+          </a:p>
+          <a:p>
+            <a:pPr lvl="1"/>
+            <a:r>
+              <a:rPr lang="en-US" dirty="0"/>
+              <a:t>Explain the difference between JS run-to-completion semantics and interrupt-based semantics.</a:t>
+            </a:r>
+          </a:p>
+          <a:p>
+            <a:pPr lvl="1"/>
+            <a:r>
+              <a:rPr lang="en-US" dirty="0"/>
+              <a:t>Given a simple program using async/await, work out the order in which the statements in the program will run.</a:t>
+            </a:r>
+          </a:p>
+          <a:p>
+            <a:pPr lvl="1"/>
+            <a:r>
+              <a:rPr lang="en-US" dirty="0"/>
+              <a:t>Write simple programs that create and manage promises using async/await</a:t>
+            </a:r>
+          </a:p>
+          <a:p>
+            <a:pPr lvl="1"/>
+            <a:r>
+              <a:rPr lang="en-US" dirty="0"/>
+              <a:t>Write simple programs to mask latency with concurrency by using non-blocking IO and </a:t>
+            </a:r>
+            <a:r>
+              <a:rPr lang="en-US" dirty="0" err="1"/>
+              <a:t>Promise.all</a:t>
+            </a:r>
+            <a:r>
+              <a:rPr lang="en-US" dirty="0"/>
+              <a:t> in TypeScript.</a:t>
+            </a:r>
+          </a:p>
+        </p:txBody>
+      </p:sp>
+      <p:sp>
+        <p:nvSpPr>
+          <p:cNvPr id="4" name="Slide Number Placeholder 3">
+            <a:extLst>
+              <a:ext uri="{FF2B5EF4-FFF2-40B4-BE49-F238E27FC236}">
+                <a16:creationId xmlns:a16="http://schemas.microsoft.com/office/drawing/2014/main" id="{B7BF3F82-6F96-41E0-9C15-23CE00076176}"/>
+              </a:ext>
+            </a:extLst>
+          </p:cNvPr>
+          <p:cNvSpPr>
+            <a:spLocks noGrp="1"/>
+          </p:cNvSpPr>
+          <p:nvPr>
+            <p:ph type="sldNum" sz="quarter" idx="12"/>
+          </p:nvPr>
+        </p:nvSpPr>
+        <p:spPr/>
+        <p:txBody>
+          <a:bodyPr/>
+          <a:lstStyle/>
+          <a:p>
+            <a:fld id="{20F37917-FD3A-4669-9018-DA04BCDD3D75}" type="slidenum">
+              <a:rPr lang="en-US" smtClean="0"/>
+              <a:t>2</a:t>
+            </a:fld>
+            <a:endParaRPr lang="en-US"/>
+          </a:p>
+        </p:txBody>
+      </p:sp>
+    </p:spTree>
+    <p:extLst>
+      <p:ext uri="{BB962C8B-B14F-4D97-AF65-F5344CB8AC3E}">
+        <p14:creationId xmlns:p14="http://schemas.microsoft.com/office/powerpoint/2010/main" val="1831664636"/>
+      </p:ext>
+    </p:extLst>
+  </p:cSld>
+  <p:clrMapOvr>
+    <a:masterClrMapping/>
+  </p:clrMapOvr>
+</p:sld>
+</file>
+
+<file path=ppt/slides/slide20.xml><?xml version="1.0" encoding="utf-8"?>
 <p:sld xmlns:a="http://schemas.openxmlformats.org/drawingml/2006/main" xmlns:r="http://schemas.openxmlformats.org/officeDocument/2006/relationships" xmlns:p="http://schemas.openxmlformats.org/presentationml/2006/main">
   <p:cSld>
     <p:spTree>
@@ -19398,7 +21179,7 @@
                 <a:tabLst/>
                 <a:defRPr/>
               </a:pPr>
-              <a:t>18</a:t>
+              <a:t>20</a:t>
             </a:fld>
             <a:endParaRPr kumimoji="0" lang="en-US" sz="1200" b="0" i="0" u="none" strike="noStrike" kern="1200" cap="none" spc="0" normalizeH="0" baseline="0" noProof="0">
               <a:ln>
@@ -20745,7 +22526,7 @@
 </p:sld>
 </file>
 
-<file path=ppt/slides/slide19.xml><?xml version="1.0" encoding="utf-8"?>
+<file path=ppt/slides/slide21.xml><?xml version="1.0" encoding="utf-8"?>
 <p:sld xmlns:a="http://schemas.openxmlformats.org/drawingml/2006/main" xmlns:r="http://schemas.openxmlformats.org/officeDocument/2006/relationships" xmlns:p="http://schemas.openxmlformats.org/presentationml/2006/main">
   <p:cSld>
     <p:spTree>
@@ -20862,7 +22643,7 @@
                 <a:tabLst/>
                 <a:defRPr/>
               </a:pPr>
-              <a:t>19</a:t>
+              <a:t>21</a:t>
             </a:fld>
             <a:endParaRPr kumimoji="0" lang="en-US" sz="1200" b="0" i="0" u="none" strike="noStrike" kern="1200" cap="none" spc="0" normalizeH="0" baseline="0" noProof="0">
               <a:ln>
@@ -21431,160 +23212,7 @@
 </p:sld>
 </file>
 
-<file path=ppt/slides/slide2.xml><?xml version="1.0" encoding="utf-8"?>
-<p:sld xmlns:a="http://schemas.openxmlformats.org/drawingml/2006/main" xmlns:r="http://schemas.openxmlformats.org/officeDocument/2006/relationships" xmlns:p="http://schemas.openxmlformats.org/presentationml/2006/main">
-  <p:cSld>
-    <p:spTree>
-      <p:nvGrpSpPr>
-        <p:cNvPr id="1" name=""/>
-        <p:cNvGrpSpPr/>
-        <p:nvPr/>
-      </p:nvGrpSpPr>
-      <p:grpSpPr>
-        <a:xfrm>
-          <a:off x="0" y="0"/>
-          <a:ext cx="0" cy="0"/>
-          <a:chOff x="0" y="0"/>
-          <a:chExt cx="0" cy="0"/>
-        </a:xfrm>
-      </p:grpSpPr>
-      <p:sp>
-        <p:nvSpPr>
-          <p:cNvPr id="2" name="Title 1">
-            <a:extLst>
-              <a:ext uri="{FF2B5EF4-FFF2-40B4-BE49-F238E27FC236}">
-                <a16:creationId xmlns:a16="http://schemas.microsoft.com/office/drawing/2014/main" id="{E743D407-5B53-49A7-9907-E801EA7FFD8E}"/>
-              </a:ext>
-            </a:extLst>
-          </p:cNvPr>
-          <p:cNvSpPr>
-            <a:spLocks noGrp="1"/>
-          </p:cNvSpPr>
-          <p:nvPr>
-            <p:ph type="title"/>
-          </p:nvPr>
-        </p:nvSpPr>
-        <p:spPr/>
-        <p:txBody>
-          <a:bodyPr/>
-          <a:lstStyle/>
-          <a:p>
-            <a:r>
-              <a:rPr lang="en-US" dirty="0"/>
-              <a:t>Learning Goals for this Lesson</a:t>
-            </a:r>
-          </a:p>
-        </p:txBody>
-      </p:sp>
-      <p:sp>
-        <p:nvSpPr>
-          <p:cNvPr id="3" name="Content Placeholder 2">
-            <a:extLst>
-              <a:ext uri="{FF2B5EF4-FFF2-40B4-BE49-F238E27FC236}">
-                <a16:creationId xmlns:a16="http://schemas.microsoft.com/office/drawing/2014/main" id="{AC300E2B-BFD0-4090-AFC5-FE82683F997F}"/>
-              </a:ext>
-            </a:extLst>
-          </p:cNvPr>
-          <p:cNvSpPr>
-            <a:spLocks noGrp="1"/>
-          </p:cNvSpPr>
-          <p:nvPr>
-            <p:ph idx="1"/>
-          </p:nvPr>
-        </p:nvSpPr>
-        <p:spPr/>
-        <p:txBody>
-          <a:bodyPr>
-            <a:normAutofit lnSpcReduction="10000"/>
-          </a:bodyPr>
-          <a:lstStyle/>
-          <a:p>
-            <a:r>
-              <a:rPr lang="en-US" dirty="0"/>
-              <a:t>At the end of this lesson, you should be prepared to:</a:t>
-            </a:r>
-          </a:p>
-          <a:p>
-            <a:pPr lvl="1"/>
-            <a:r>
-              <a:rPr lang="en-US" dirty="0"/>
-              <a:t>Explain the difference between JS run-to-completion semantics and interrupt-based semantics.</a:t>
-            </a:r>
-          </a:p>
-          <a:p>
-            <a:pPr lvl="1"/>
-            <a:r>
-              <a:rPr lang="en-US" dirty="0"/>
-              <a:t>Given a simple program using async/await, work out the order in which the statements in the program will run.</a:t>
-            </a:r>
-          </a:p>
-          <a:p>
-            <a:pPr lvl="1"/>
-            <a:r>
-              <a:rPr lang="en-US" dirty="0"/>
-              <a:t>Write simple programs that create and manage promises using async/await</a:t>
-            </a:r>
-          </a:p>
-          <a:p>
-            <a:pPr lvl="1"/>
-            <a:r>
-              <a:rPr lang="en-US" dirty="0"/>
-              <a:t>Write simple programs to mask latency with concurrency by using non-blocking IO and </a:t>
-            </a:r>
-            <a:r>
-              <a:rPr lang="en-US" dirty="0" err="1"/>
-              <a:t>Promise.all</a:t>
-            </a:r>
-            <a:r>
-              <a:rPr lang="en-US" dirty="0"/>
-              <a:t> in TypeScript.</a:t>
-            </a:r>
-          </a:p>
-        </p:txBody>
-      </p:sp>
-      <p:sp>
-        <p:nvSpPr>
-          <p:cNvPr id="4" name="Slide Number Placeholder 3">
-            <a:extLst>
-              <a:ext uri="{FF2B5EF4-FFF2-40B4-BE49-F238E27FC236}">
-                <a16:creationId xmlns:a16="http://schemas.microsoft.com/office/drawing/2014/main" id="{B7BF3F82-6F96-41E0-9C15-23CE00076176}"/>
-              </a:ext>
-            </a:extLst>
-          </p:cNvPr>
-          <p:cNvSpPr>
-            <a:spLocks noGrp="1"/>
-          </p:cNvSpPr>
-          <p:nvPr>
-            <p:ph type="sldNum" sz="quarter" idx="12"/>
-          </p:nvPr>
-        </p:nvSpPr>
-        <p:spPr/>
-        <p:txBody>
-          <a:bodyPr/>
-          <a:lstStyle/>
-          <a:p>
-            <a:fld id="{20F37917-FD3A-4669-9018-DA04BCDD3D75}" type="slidenum">
-              <a:rPr lang="en-US" smtClean="0"/>
-              <a:t>2</a:t>
-            </a:fld>
-            <a:endParaRPr lang="en-US"/>
-          </a:p>
-        </p:txBody>
-      </p:sp>
-    </p:spTree>
-    <p:extLst>
-      <p:ext uri="{BB962C8B-B14F-4D97-AF65-F5344CB8AC3E}">
-        <p14:creationId xmlns:p14="http://schemas.microsoft.com/office/powerpoint/2010/main" val="1831664636"/>
-      </p:ext>
-    </p:extLst>
-  </p:cSld>
-  <p:clrMapOvr>
-    <a:masterClrMapping/>
-  </p:clrMapOvr>
-</p:sld>
-</file>
-
-<file path=ppt/slides/slide20.xml><?xml version="1.0" encoding="utf-8"?>
+<file path=ppt/slides/slide22.xml><?xml version="1.0" encoding="utf-8"?>
 <p:sld xmlns:a="http://schemas.openxmlformats.org/drawingml/2006/main" xmlns:r="http://schemas.openxmlformats.org/officeDocument/2006/relationships" xmlns:p="http://schemas.openxmlformats.org/presentationml/2006/main">
   <p:cSld>
     <p:spTree>
@@ -21701,7 +23329,7 @@
                 <a:tabLst/>
                 <a:defRPr/>
               </a:pPr>
-              <a:t>20</a:t>
+              <a:t>22</a:t>
             </a:fld>
             <a:endParaRPr kumimoji="0" lang="en-US" sz="1200" b="0" i="0" u="none" strike="noStrike" kern="1200" cap="none" spc="0" normalizeH="0" baseline="0" noProof="0">
               <a:ln>
@@ -22648,7 +24276,7 @@
 </p:sld>
 </file>
 
-<file path=ppt/slides/slide21.xml><?xml version="1.0" encoding="utf-8"?>
+<file path=ppt/slides/slide23.xml><?xml version="1.0" encoding="utf-8"?>
 <p:sld xmlns:a="http://schemas.openxmlformats.org/drawingml/2006/main" xmlns:r="http://schemas.openxmlformats.org/officeDocument/2006/relationships" xmlns:p="http://schemas.openxmlformats.org/presentationml/2006/main">
   <p:cSld>
     <p:spTree>
@@ -22765,7 +24393,7 @@
                 <a:tabLst/>
                 <a:defRPr/>
               </a:pPr>
-              <a:t>21</a:t>
+              <a:t>23</a:t>
             </a:fld>
             <a:endParaRPr kumimoji="0" lang="en-US" sz="1200" b="0" i="0" u="none" strike="noStrike" kern="1200" cap="none" spc="0" normalizeH="0" baseline="0" noProof="0">
               <a:ln>
@@ -23498,7 +25126,7 @@
 </p:sld>
 </file>
 
-<file path=ppt/slides/slide22.xml><?xml version="1.0" encoding="utf-8"?>
+<file path=ppt/slides/slide24.xml><?xml version="1.0" encoding="utf-8"?>
 <p:sld xmlns:a="http://schemas.openxmlformats.org/drawingml/2006/main" xmlns:r="http://schemas.openxmlformats.org/officeDocument/2006/relationships" xmlns:p="http://schemas.openxmlformats.org/presentationml/2006/main">
   <p:cSld>
     <p:spTree>
@@ -23641,7 +25269,7 @@
                 <a:tabLst/>
                 <a:defRPr/>
               </a:pPr>
-              <a:t>22</a:t>
+              <a:t>24</a:t>
             </a:fld>
             <a:endParaRPr kumimoji="0" lang="en-US" sz="1200" b="0" i="0" u="none" strike="noStrike" kern="1200" cap="none" spc="0" normalizeH="0" baseline="0" noProof="0">
               <a:ln>
@@ -24750,7 +26378,7 @@
 </p:sld>
 </file>
 
-<file path=ppt/slides/slide23.xml><?xml version="1.0" encoding="utf-8"?>
+<file path=ppt/slides/slide25.xml><?xml version="1.0" encoding="utf-8"?>
 <p:sld xmlns:a="http://schemas.openxmlformats.org/drawingml/2006/main" xmlns:r="http://schemas.openxmlformats.org/officeDocument/2006/relationships" xmlns:p="http://schemas.openxmlformats.org/presentationml/2006/main">
   <p:cSld>
     <p:spTree>
@@ -24873,7 +26501,7 @@
                 <a:tabLst/>
                 <a:defRPr/>
               </a:pPr>
-              <a:t>23</a:t>
+              <a:t>25</a:t>
             </a:fld>
             <a:endParaRPr kumimoji="0" lang="en-US" sz="1200" b="0" i="0" u="none" strike="noStrike" kern="1200" cap="none" spc="0" normalizeH="0" baseline="0" noProof="0">
               <a:ln>
@@ -25400,7 +27028,7 @@
 </p:sld>
 </file>
 
-<file path=ppt/slides/slide24.xml><?xml version="1.0" encoding="utf-8"?>
+<file path=ppt/slides/slide26.xml><?xml version="1.0" encoding="utf-8"?>
 <p:sld xmlns:a="http://schemas.openxmlformats.org/drawingml/2006/main" xmlns:r="http://schemas.openxmlformats.org/officeDocument/2006/relationships" xmlns:p="http://schemas.openxmlformats.org/presentationml/2006/main">
   <p:cSld>
     <p:spTree>
@@ -25587,7 +27215,7 @@
                 <a:tabLst/>
                 <a:defRPr/>
               </a:pPr>
-              <a:t>24</a:t>
+              <a:t>26</a:t>
             </a:fld>
             <a:endParaRPr kumimoji="0" lang="en-US" sz="1200" b="0" i="0" u="none" strike="noStrike" kern="1200" cap="none" spc="0" normalizeH="0" baseline="0" noProof="0">
               <a:ln>
@@ -25678,7 +27306,7 @@
 </p:sld>
 </file>
 
-<file path=ppt/slides/slide25.xml><?xml version="1.0" encoding="utf-8"?>
+<file path=ppt/slides/slide27.xml><?xml version="1.0" encoding="utf-8"?>
 <p:sld xmlns:a="http://schemas.openxmlformats.org/drawingml/2006/main" xmlns:r="http://schemas.openxmlformats.org/officeDocument/2006/relationships" xmlns:p="http://schemas.openxmlformats.org/presentationml/2006/main">
   <p:cSld>
     <p:spTree>
@@ -26567,7 +28195,7 @@
                 <a:tabLst/>
                 <a:defRPr/>
               </a:pPr>
-              <a:t>25</a:t>
+              <a:t>27</a:t>
             </a:fld>
             <a:endParaRPr kumimoji="0" lang="en-US" sz="1200" b="0" i="0" u="none" strike="noStrike" kern="1200" cap="none" spc="0" normalizeH="0" baseline="0" noProof="0">
               <a:ln>
@@ -26601,7 +28229,7 @@
 </p:sld>
 </file>
 
-<file path=ppt/slides/slide26.xml><?xml version="1.0" encoding="utf-8"?>
+<file path=ppt/slides/slide28.xml><?xml version="1.0" encoding="utf-8"?>
 <p:sld xmlns:a="http://schemas.openxmlformats.org/drawingml/2006/main" xmlns:r="http://schemas.openxmlformats.org/officeDocument/2006/relationships" xmlns:p="http://schemas.openxmlformats.org/presentationml/2006/main">
   <p:cSld>
     <p:spTree>
@@ -26726,7 +28354,7 @@
                 <a:tabLst/>
                 <a:defRPr/>
               </a:pPr>
-              <a:t>26</a:t>
+              <a:t>28</a:t>
             </a:fld>
             <a:endParaRPr kumimoji="0" lang="en-US" sz="1200" b="0" i="0" u="none" strike="noStrike" kern="1200" cap="none" spc="0" normalizeH="0" baseline="0" noProof="0">
               <a:ln>
@@ -27894,7 +29522,7 @@
 </p:sld>
 </file>
 
-<file path=ppt/slides/slide27.xml><?xml version="1.0" encoding="utf-8"?>
+<file path=ppt/slides/slide29.xml><?xml version="1.0" encoding="utf-8"?>
 <p:sld xmlns:a="http://schemas.openxmlformats.org/drawingml/2006/main" xmlns:r="http://schemas.openxmlformats.org/officeDocument/2006/relationships" xmlns:p="http://schemas.openxmlformats.org/presentationml/2006/main">
   <p:cSld>
     <p:spTree>
@@ -28011,7 +29639,7 @@
                 <a:tabLst/>
                 <a:defRPr/>
               </a:pPr>
-              <a:t>27</a:t>
+              <a:t>29</a:t>
             </a:fld>
             <a:endParaRPr kumimoji="0" lang="en-US" sz="1200" b="0" i="0" u="none" strike="noStrike" kern="1200" cap="none" spc="0" normalizeH="0" baseline="0" noProof="0">
               <a:ln>
@@ -28300,831 +29928,6 @@
     <p:extLst>
       <p:ext uri="{BB962C8B-B14F-4D97-AF65-F5344CB8AC3E}">
         <p14:creationId xmlns:p14="http://schemas.microsoft.com/office/powerpoint/2010/main" val="3929508045"/>
-      </p:ext>
-    </p:extLst>
-  </p:cSld>
-  <p:clrMapOvr>
-    <a:masterClrMapping/>
-  </p:clrMapOvr>
-</p:sld>
-</file>
-
-<file path=ppt/slides/slide28.xml><?xml version="1.0" encoding="utf-8"?>
-<p:sld xmlns:a="http://schemas.openxmlformats.org/drawingml/2006/main" xmlns:r="http://schemas.openxmlformats.org/officeDocument/2006/relationships" xmlns:p="http://schemas.openxmlformats.org/presentationml/2006/main">
-  <p:cSld>
-    <p:spTree>
-      <p:nvGrpSpPr>
-        <p:cNvPr id="1" name=""/>
-        <p:cNvGrpSpPr/>
-        <p:nvPr/>
-      </p:nvGrpSpPr>
-      <p:grpSpPr>
-        <a:xfrm>
-          <a:off x="0" y="0"/>
-          <a:ext cx="0" cy="0"/>
-          <a:chOff x="0" y="0"/>
-          <a:chExt cx="0" cy="0"/>
-        </a:xfrm>
-      </p:grpSpPr>
-      <p:sp>
-        <p:nvSpPr>
-          <p:cNvPr id="3" name="Slide Number Placeholder 2">
-            <a:extLst>
-              <a:ext uri="{FF2B5EF4-FFF2-40B4-BE49-F238E27FC236}">
-                <a16:creationId xmlns:a16="http://schemas.microsoft.com/office/drawing/2014/main" id="{B7DD3DB5-27AA-2C60-D5C7-12889F0685C5}"/>
-              </a:ext>
-            </a:extLst>
-          </p:cNvPr>
-          <p:cNvSpPr>
-            <a:spLocks noGrp="1"/>
-          </p:cNvSpPr>
-          <p:nvPr>
-            <p:ph type="sldNum" sz="quarter" idx="12"/>
-          </p:nvPr>
-        </p:nvSpPr>
-        <p:spPr/>
-        <p:txBody>
-          <a:bodyPr/>
-          <a:lstStyle/>
-          <a:p>
-            <a:pPr marL="0" marR="0" lvl="0" indent="0" algn="r" defTabSz="914400" rtl="0" eaLnBrk="1" fontAlgn="auto" latinLnBrk="0" hangingPunct="1">
-              <a:lnSpc>
-                <a:spcPct val="100000"/>
-              </a:lnSpc>
-              <a:spcBef>
-                <a:spcPts val="0"/>
-              </a:spcBef>
-              <a:spcAft>
-                <a:spcPts val="0"/>
-              </a:spcAft>
-              <a:buClrTx/>
-              <a:buSzTx/>
-              <a:buFontTx/>
-              <a:buNone/>
-              <a:tabLst/>
-              <a:defRPr/>
-            </a:pPr>
-            <a:fld id="{20F37917-FD3A-4669-9018-DA04BCDD3D75}" type="slidenum">
-              <a:rPr kumimoji="0" lang="en-US" sz="1200" b="0" i="0" u="none" strike="noStrike" kern="1200" cap="none" spc="0" normalizeH="0" baseline="0" noProof="0" smtClean="0">
-                <a:ln>
-                  <a:noFill/>
-                </a:ln>
-                <a:solidFill>
-                  <a:prstClr val="black">
-                    <a:tint val="75000"/>
-                  </a:prstClr>
-                </a:solidFill>
-                <a:effectLst/>
-                <a:uLnTx/>
-                <a:uFillTx/>
-                <a:latin typeface="Calibri" panose="020F0502020204030204"/>
-                <a:ea typeface="+mn-ea"/>
-                <a:cs typeface="+mn-cs"/>
-              </a:rPr>
-              <a:pPr marL="0" marR="0" lvl="0" indent="0" algn="r" defTabSz="914400" rtl="0" eaLnBrk="1" fontAlgn="auto" latinLnBrk="0" hangingPunct="1">
-                <a:lnSpc>
-                  <a:spcPct val="100000"/>
-                </a:lnSpc>
-                <a:spcBef>
-                  <a:spcPts val="0"/>
-                </a:spcBef>
-                <a:spcAft>
-                  <a:spcPts val="0"/>
-                </a:spcAft>
-                <a:buClrTx/>
-                <a:buSzTx/>
-                <a:buFontTx/>
-                <a:buNone/>
-                <a:tabLst/>
-                <a:defRPr/>
-              </a:pPr>
-              <a:t>28</a:t>
-            </a:fld>
-            <a:endParaRPr kumimoji="0" lang="en-US" sz="1200" b="0" i="0" u="none" strike="noStrike" kern="1200" cap="none" spc="0" normalizeH="0" baseline="0" noProof="0">
-              <a:ln>
-                <a:noFill/>
-              </a:ln>
-              <a:solidFill>
-                <a:prstClr val="black">
-                  <a:tint val="75000"/>
-                </a:prstClr>
-              </a:solidFill>
-              <a:effectLst/>
-              <a:uLnTx/>
-              <a:uFillTx/>
-              <a:latin typeface="Calibri" panose="020F0502020204030204"/>
-              <a:ea typeface="+mn-ea"/>
-              <a:cs typeface="+mn-cs"/>
-            </a:endParaRPr>
-          </a:p>
-        </p:txBody>
-      </p:sp>
-      <p:sp>
-        <p:nvSpPr>
-          <p:cNvPr id="5" name="Title 4">
-            <a:extLst>
-              <a:ext uri="{FF2B5EF4-FFF2-40B4-BE49-F238E27FC236}">
-                <a16:creationId xmlns:a16="http://schemas.microsoft.com/office/drawing/2014/main" id="{C79F519B-B282-FFA4-D3A7-6E0C19BC95AE}"/>
-              </a:ext>
-            </a:extLst>
-          </p:cNvPr>
-          <p:cNvSpPr>
-            <a:spLocks noGrp="1"/>
-          </p:cNvSpPr>
-          <p:nvPr>
-            <p:ph type="title" idx="4294967295"/>
-          </p:nvPr>
-        </p:nvSpPr>
-        <p:spPr>
-          <a:xfrm>
-            <a:off x="1456871" y="1465627"/>
-            <a:ext cx="8958943" cy="3926745"/>
-          </a:xfrm>
-        </p:spPr>
-        <p:txBody>
-          <a:bodyPr>
-            <a:normAutofit/>
-          </a:bodyPr>
-          <a:lstStyle/>
-          <a:p>
-            <a:r>
-              <a:rPr lang="en-US" sz="3600" dirty="0">
-                <a:solidFill>
-                  <a:schemeClr val="accent1">
-                    <a:lumMod val="40000"/>
-                    <a:lumOff val="60000"/>
-                  </a:schemeClr>
-                </a:solidFill>
-              </a:rPr>
-              <a:t>We achieve this goal using two techniques:</a:t>
-            </a:r>
-            <a:br>
-              <a:rPr lang="en-US" sz="3600" dirty="0">
-                <a:solidFill>
-                  <a:schemeClr val="accent1">
-                    <a:lumMod val="40000"/>
-                    <a:lumOff val="60000"/>
-                  </a:schemeClr>
-                </a:solidFill>
-              </a:rPr>
-            </a:br>
-            <a:r>
-              <a:rPr lang="en-US" sz="3600" dirty="0">
-                <a:solidFill>
-                  <a:schemeClr val="accent1">
-                    <a:lumMod val="40000"/>
-                    <a:lumOff val="60000"/>
-                  </a:schemeClr>
-                </a:solidFill>
-              </a:rPr>
-              <a:t> </a:t>
-            </a:r>
-            <a:br>
-              <a:rPr lang="en-US" sz="3600" dirty="0">
-                <a:solidFill>
-                  <a:schemeClr val="accent1">
-                    <a:lumMod val="40000"/>
-                    <a:lumOff val="60000"/>
-                  </a:schemeClr>
-                </a:solidFill>
-              </a:rPr>
-            </a:br>
-            <a:r>
-              <a:rPr lang="en-US" sz="3600" dirty="0">
-                <a:solidFill>
-                  <a:schemeClr val="accent1">
-                    <a:lumMod val="40000"/>
-                    <a:lumOff val="60000"/>
-                  </a:schemeClr>
-                </a:solidFill>
-              </a:rPr>
-              <a:t>1. cooperative multiprocessing </a:t>
-            </a:r>
-            <a:br>
-              <a:rPr lang="en-US" sz="3600" dirty="0">
-                <a:solidFill>
-                  <a:schemeClr val="accent1">
-                    <a:lumMod val="40000"/>
-                    <a:lumOff val="60000"/>
-                  </a:schemeClr>
-                </a:solidFill>
-              </a:rPr>
-            </a:br>
-            <a:r>
-              <a:rPr lang="en-US" sz="3600" dirty="0">
-                <a:solidFill>
-                  <a:schemeClr val="accent1">
-                    <a:lumMod val="40000"/>
-                    <a:lumOff val="60000"/>
-                  </a:schemeClr>
-                </a:solidFill>
-              </a:rPr>
-              <a:t> </a:t>
-            </a:r>
-            <a:br>
-              <a:rPr lang="en-US" sz="3600" dirty="0">
-                <a:solidFill>
-                  <a:schemeClr val="accent1">
-                    <a:lumMod val="40000"/>
-                    <a:lumOff val="60000"/>
-                  </a:schemeClr>
-                </a:solidFill>
-              </a:rPr>
-            </a:br>
-            <a:r>
-              <a:rPr lang="en-US" sz="3600" dirty="0">
-                <a:solidFill>
-                  <a:schemeClr val="accent1">
-                    <a:lumMod val="40000"/>
-                    <a:lumOff val="60000"/>
-                  </a:schemeClr>
-                </a:solidFill>
-              </a:rPr>
-              <a:t>2. </a:t>
-            </a:r>
-            <a:r>
-              <a:rPr lang="en-US" sz="3600" dirty="0">
-                <a:solidFill>
-                  <a:schemeClr val="accent5">
-                    <a:lumMod val="75000"/>
-                  </a:schemeClr>
-                </a:solidFill>
-              </a:rPr>
-              <a:t>non-blocking IO </a:t>
-            </a:r>
-          </a:p>
-        </p:txBody>
-      </p:sp>
-      <p:sp>
-        <p:nvSpPr>
-          <p:cNvPr id="2" name="Arrow: Left 1">
-            <a:extLst>
-              <a:ext uri="{FF2B5EF4-FFF2-40B4-BE49-F238E27FC236}">
-                <a16:creationId xmlns:a16="http://schemas.microsoft.com/office/drawing/2014/main" id="{54338F1D-8D25-26AB-12F7-6AB5CC1889B6}"/>
-              </a:ext>
-            </a:extLst>
-          </p:cNvPr>
-          <p:cNvSpPr/>
-          <p:nvPr/>
-        </p:nvSpPr>
-        <p:spPr>
-          <a:xfrm>
-            <a:off x="7180035" y="4826277"/>
-            <a:ext cx="1787704" cy="365125"/>
-          </a:xfrm>
-          <a:prstGeom prst="leftArrow">
-            <a:avLst/>
-          </a:prstGeom>
-          <a:solidFill>
-            <a:srgbClr val="FFFF00"/>
-          </a:solidFill>
-          <a:ln>
-            <a:solidFill>
-              <a:srgbClr val="0070C0"/>
-            </a:solidFill>
-          </a:ln>
-        </p:spPr>
-        <p:style>
-          <a:lnRef idx="2">
-            <a:schemeClr val="accent1">
-              <a:shade val="50000"/>
-            </a:schemeClr>
-          </a:lnRef>
-          <a:fillRef idx="1">
-            <a:schemeClr val="accent1"/>
-          </a:fillRef>
-          <a:effectRef idx="0">
-            <a:schemeClr val="accent1"/>
-          </a:effectRef>
-          <a:fontRef idx="minor">
-            <a:schemeClr val="lt1"/>
-          </a:fontRef>
-        </p:style>
-        <p:txBody>
-          <a:bodyPr rtlCol="0" anchor="ctr"/>
-          <a:lstStyle/>
-          <a:p>
-            <a:pPr algn="l"/>
-            <a:endParaRPr lang="en-US" sz="2800" dirty="0" err="1">
-              <a:solidFill>
-                <a:schemeClr val="tx1"/>
-              </a:solidFill>
-            </a:endParaRPr>
-          </a:p>
-        </p:txBody>
-      </p:sp>
-      <p:sp>
-        <p:nvSpPr>
-          <p:cNvPr id="4" name="Title 1">
-            <a:extLst>
-              <a:ext uri="{FF2B5EF4-FFF2-40B4-BE49-F238E27FC236}">
-                <a16:creationId xmlns:a16="http://schemas.microsoft.com/office/drawing/2014/main" id="{C2A15C0C-ED91-0841-C6C1-F5B20B479F10}"/>
-              </a:ext>
-            </a:extLst>
-          </p:cNvPr>
-          <p:cNvSpPr txBox="1">
-            <a:spLocks/>
-          </p:cNvSpPr>
-          <p:nvPr/>
-        </p:nvSpPr>
-        <p:spPr>
-          <a:xfrm>
-            <a:off x="838200" y="136525"/>
-            <a:ext cx="10515600" cy="1325563"/>
-          </a:xfrm>
-          <a:prstGeom prst="rect">
-            <a:avLst/>
-          </a:prstGeom>
-        </p:spPr>
-        <p:txBody>
-          <a:bodyPr/>
-          <a:lstStyle>
-            <a:lvl1pPr algn="l" defTabSz="914400" rtl="0" eaLnBrk="1" latinLnBrk="0" hangingPunct="1">
-              <a:lnSpc>
-                <a:spcPct val="90000"/>
-              </a:lnSpc>
-              <a:spcBef>
-                <a:spcPct val="0"/>
-              </a:spcBef>
-              <a:buNone/>
-              <a:defRPr sz="4400" kern="1200">
-                <a:solidFill>
-                  <a:srgbClr val="0070C0"/>
-                </a:solidFill>
-                <a:latin typeface="Verdana" panose="020B0604030504040204" pitchFamily="34" charset="0"/>
-                <a:ea typeface="Verdana" panose="020B0604030504040204" pitchFamily="34" charset="0"/>
-                <a:cs typeface="+mj-cs"/>
-              </a:defRPr>
-            </a:lvl1pPr>
-          </a:lstStyle>
-          <a:p>
-            <a:r>
-              <a:rPr lang="en-US" sz="3600" dirty="0"/>
-              <a:t>But where does the non-blocking IO come from?</a:t>
-            </a:r>
-          </a:p>
-        </p:txBody>
-      </p:sp>
-      <p:cxnSp>
-        <p:nvCxnSpPr>
-          <p:cNvPr id="7" name="Straight Connector 6">
-            <a:extLst>
-              <a:ext uri="{FF2B5EF4-FFF2-40B4-BE49-F238E27FC236}">
-                <a16:creationId xmlns:a16="http://schemas.microsoft.com/office/drawing/2014/main" id="{C14AFAB6-0A8A-228F-42BF-62C6AFED3B3B}"/>
-              </a:ext>
-            </a:extLst>
-          </p:cNvPr>
-          <p:cNvCxnSpPr/>
-          <p:nvPr/>
-        </p:nvCxnSpPr>
-        <p:spPr>
-          <a:xfrm>
-            <a:off x="944217" y="1465627"/>
-            <a:ext cx="10187609" cy="0"/>
-          </a:xfrm>
-          <a:prstGeom prst="line">
-            <a:avLst/>
-          </a:prstGeom>
-          <a:ln w="12700">
-            <a:solidFill>
-              <a:schemeClr val="accent1"/>
-            </a:solidFill>
-            <a:headEnd type="none" w="med" len="med"/>
-            <a:tailEnd type="none" w="med" len="med"/>
-          </a:ln>
-        </p:spPr>
-        <p:style>
-          <a:lnRef idx="1">
-            <a:schemeClr val="accent1"/>
-          </a:lnRef>
-          <a:fillRef idx="0">
-            <a:schemeClr val="accent1"/>
-          </a:fillRef>
-          <a:effectRef idx="0">
-            <a:schemeClr val="accent1"/>
-          </a:effectRef>
-          <a:fontRef idx="minor">
-            <a:schemeClr val="tx1"/>
-          </a:fontRef>
-        </p:style>
-      </p:cxnSp>
-    </p:spTree>
-    <p:extLst>
-      <p:ext uri="{BB962C8B-B14F-4D97-AF65-F5344CB8AC3E}">
-        <p14:creationId xmlns:p14="http://schemas.microsoft.com/office/powerpoint/2010/main" val="2248217326"/>
-      </p:ext>
-    </p:extLst>
-  </p:cSld>
-  <p:clrMapOvr>
-    <a:masterClrMapping/>
-  </p:clrMapOvr>
-</p:sld>
-</file>
-
-<file path=ppt/slides/slide29.xml><?xml version="1.0" encoding="utf-8"?>
-<p:sld xmlns:a="http://schemas.openxmlformats.org/drawingml/2006/main" xmlns:r="http://schemas.openxmlformats.org/officeDocument/2006/relationships" xmlns:p="http://schemas.openxmlformats.org/presentationml/2006/main">
-  <p:cSld>
-    <p:spTree>
-      <p:nvGrpSpPr>
-        <p:cNvPr id="1" name=""/>
-        <p:cNvGrpSpPr/>
-        <p:nvPr/>
-      </p:nvGrpSpPr>
-      <p:grpSpPr>
-        <a:xfrm>
-          <a:off x="0" y="0"/>
-          <a:ext cx="0" cy="0"/>
-          <a:chOff x="0" y="0"/>
-          <a:chExt cx="0" cy="0"/>
-        </a:xfrm>
-      </p:grpSpPr>
-      <p:sp>
-        <p:nvSpPr>
-          <p:cNvPr id="2" name="Title 1">
-            <a:extLst>
-              <a:ext uri="{FF2B5EF4-FFF2-40B4-BE49-F238E27FC236}">
-                <a16:creationId xmlns:a16="http://schemas.microsoft.com/office/drawing/2014/main" id="{F0197F1B-AB6B-840B-6109-A5F224D49245}"/>
-              </a:ext>
-            </a:extLst>
-          </p:cNvPr>
-          <p:cNvSpPr>
-            <a:spLocks noGrp="1"/>
-          </p:cNvSpPr>
-          <p:nvPr>
-            <p:ph type="title"/>
-          </p:nvPr>
-        </p:nvSpPr>
-        <p:spPr/>
-        <p:txBody>
-          <a:bodyPr/>
-          <a:lstStyle/>
-          <a:p>
-            <a:r>
-              <a:rPr lang="en-US" dirty="0"/>
-              <a:t>Answer: JS/TS has some primitives for starting a non-blocking computation</a:t>
-            </a:r>
-          </a:p>
-        </p:txBody>
-      </p:sp>
-      <p:sp>
-        <p:nvSpPr>
-          <p:cNvPr id="3" name="Content Placeholder 2">
-            <a:extLst>
-              <a:ext uri="{FF2B5EF4-FFF2-40B4-BE49-F238E27FC236}">
-                <a16:creationId xmlns:a16="http://schemas.microsoft.com/office/drawing/2014/main" id="{2703E4AB-0914-33F5-4E7F-B4F98687C364}"/>
-              </a:ext>
-            </a:extLst>
-          </p:cNvPr>
-          <p:cNvSpPr>
-            <a:spLocks noGrp="1"/>
-          </p:cNvSpPr>
-          <p:nvPr>
-            <p:ph idx="1"/>
-          </p:nvPr>
-        </p:nvSpPr>
-        <p:spPr>
-          <a:xfrm>
-            <a:off x="838200" y="1500160"/>
-            <a:ext cx="7977810" cy="4403683"/>
-          </a:xfrm>
-        </p:spPr>
-        <p:txBody>
-          <a:bodyPr>
-            <a:normAutofit fontScale="92500" lnSpcReduction="10000"/>
-          </a:bodyPr>
-          <a:lstStyle/>
-          <a:p>
-            <a:r>
-              <a:rPr lang="en-US" dirty="0"/>
-              <a:t>These are things like http requests, I/O operations, or timers.</a:t>
-            </a:r>
-          </a:p>
-          <a:p>
-            <a:r>
-              <a:rPr lang="en-US" dirty="0"/>
-              <a:t>Each of these returns a promise that you can </a:t>
-            </a:r>
-            <a:r>
-              <a:rPr lang="en-US" b="1" dirty="0"/>
-              <a:t>await</a:t>
-            </a:r>
-            <a:r>
-              <a:rPr lang="en-US" dirty="0"/>
-              <a:t>.  The promise runs while it is pending, and produces the response from the http request, or the contents of the file, etc.</a:t>
-            </a:r>
-          </a:p>
-          <a:p>
-            <a:r>
-              <a:rPr lang="en-US" dirty="0"/>
-              <a:t>You will hardly ever call one of these primitives yourself; usually they are wrapped in a convenient procedure, e.g., we write</a:t>
-            </a:r>
-          </a:p>
-          <a:p>
-            <a:pPr marL="0" indent="0">
-              <a:buNone/>
-            </a:pPr>
-            <a:r>
-              <a:rPr lang="en-US" b="0" dirty="0">
-                <a:solidFill>
-                  <a:srgbClr val="0070C1"/>
-                </a:solidFill>
-                <a:effectLst/>
-                <a:latin typeface="Consolas" panose="020B0609020204030204" pitchFamily="49" charset="0"/>
-              </a:rPr>
-              <a:t>	</a:t>
-            </a:r>
-            <a:r>
-              <a:rPr lang="en-US" b="0" dirty="0" err="1">
-                <a:solidFill>
-                  <a:srgbClr val="0070C1"/>
-                </a:solidFill>
-                <a:effectLst/>
-                <a:latin typeface="Consolas" panose="020B0609020204030204" pitchFamily="49" charset="0"/>
-              </a:rPr>
-              <a:t>axios</a:t>
-            </a:r>
-            <a:r>
-              <a:rPr lang="en-US" b="0" dirty="0" err="1">
-                <a:solidFill>
-                  <a:srgbClr val="000000"/>
-                </a:solidFill>
-                <a:effectLst/>
-                <a:latin typeface="Consolas" panose="020B0609020204030204" pitchFamily="49" charset="0"/>
-              </a:rPr>
-              <a:t>.</a:t>
-            </a:r>
-            <a:r>
-              <a:rPr lang="en-US" b="0" dirty="0" err="1">
-                <a:solidFill>
-                  <a:srgbClr val="795E26"/>
-                </a:solidFill>
-                <a:effectLst/>
-                <a:latin typeface="Consolas" panose="020B0609020204030204" pitchFamily="49" charset="0"/>
-              </a:rPr>
-              <a:t>get</a:t>
-            </a:r>
-            <a:r>
-              <a:rPr lang="en-US" b="0" dirty="0">
-                <a:solidFill>
-                  <a:srgbClr val="000000"/>
-                </a:solidFill>
-                <a:effectLst/>
-                <a:latin typeface="Consolas" panose="020B0609020204030204" pitchFamily="49" charset="0"/>
-              </a:rPr>
-              <a:t>(</a:t>
-            </a:r>
-            <a:r>
-              <a:rPr lang="en-US" b="0" dirty="0">
-                <a:solidFill>
-                  <a:srgbClr val="A31515"/>
-                </a:solidFill>
-                <a:effectLst/>
-                <a:latin typeface="Consolas" panose="020B0609020204030204" pitchFamily="49" charset="0"/>
-              </a:rPr>
-              <a:t>'https://rest-</a:t>
-            </a:r>
-            <a:r>
-              <a:rPr lang="en-US" b="0" dirty="0" err="1">
-                <a:solidFill>
-                  <a:srgbClr val="A31515"/>
-                </a:solidFill>
-                <a:effectLst/>
-                <a:latin typeface="Consolas" panose="020B0609020204030204" pitchFamily="49" charset="0"/>
-              </a:rPr>
-              <a:t>example.covey.town</a:t>
-            </a:r>
-            <a:r>
-              <a:rPr lang="en-US" dirty="0">
-                <a:solidFill>
-                  <a:srgbClr val="A31515"/>
-                </a:solidFill>
-                <a:latin typeface="Consolas" panose="020B0609020204030204" pitchFamily="49" charset="0"/>
-              </a:rPr>
-              <a:t>’</a:t>
-            </a:r>
-            <a:r>
-              <a:rPr lang="en-US" b="0" dirty="0">
-                <a:solidFill>
-                  <a:srgbClr val="000000"/>
-                </a:solidFill>
-                <a:effectLst/>
-                <a:latin typeface="Consolas" panose="020B0609020204030204" pitchFamily="49" charset="0"/>
-              </a:rPr>
-              <a:t>)</a:t>
-            </a:r>
-          </a:p>
-          <a:p>
-            <a:pPr marL="0" indent="0">
-              <a:buNone/>
-            </a:pPr>
-            <a:r>
-              <a:rPr lang="en-US" dirty="0"/>
-              <a:t>  to make an http request, or </a:t>
-            </a:r>
-          </a:p>
-          <a:p>
-            <a:pPr marL="0" indent="0">
-              <a:buNone/>
-            </a:pPr>
-            <a:r>
-              <a:rPr lang="en-US" b="0" dirty="0">
-                <a:solidFill>
-                  <a:srgbClr val="267F99"/>
-                </a:solidFill>
-                <a:effectLst/>
-                <a:latin typeface="Consolas" panose="020B0609020204030204" pitchFamily="49" charset="0"/>
-              </a:rPr>
-              <a:t>	</a:t>
-            </a:r>
-            <a:r>
-              <a:rPr lang="en-US" b="0" dirty="0" err="1">
-                <a:solidFill>
-                  <a:srgbClr val="267F99"/>
-                </a:solidFill>
-                <a:effectLst/>
-                <a:latin typeface="Consolas" panose="020B0609020204030204" pitchFamily="49" charset="0"/>
-              </a:rPr>
-              <a:t>fs</a:t>
-            </a:r>
-            <a:r>
-              <a:rPr lang="en-US" b="0" dirty="0" err="1">
-                <a:solidFill>
-                  <a:srgbClr val="000000"/>
-                </a:solidFill>
-                <a:effectLst/>
-                <a:latin typeface="Consolas" panose="020B0609020204030204" pitchFamily="49" charset="0"/>
-              </a:rPr>
-              <a:t>.</a:t>
-            </a:r>
-            <a:r>
-              <a:rPr lang="en-US" b="0" dirty="0" err="1">
-                <a:solidFill>
-                  <a:srgbClr val="795E26"/>
-                </a:solidFill>
-                <a:effectLst/>
-                <a:latin typeface="Consolas" panose="020B0609020204030204" pitchFamily="49" charset="0"/>
-              </a:rPr>
-              <a:t>readFile</a:t>
-            </a:r>
-            <a:r>
-              <a:rPr lang="en-US" b="0" dirty="0">
-                <a:solidFill>
-                  <a:srgbClr val="000000"/>
-                </a:solidFill>
-                <a:effectLst/>
-                <a:latin typeface="Consolas" panose="020B0609020204030204" pitchFamily="49" charset="0"/>
-              </a:rPr>
-              <a:t>(</a:t>
-            </a:r>
-            <a:r>
-              <a:rPr lang="en-US" b="0" dirty="0">
-                <a:solidFill>
-                  <a:srgbClr val="001080"/>
-                </a:solidFill>
-                <a:effectLst/>
-                <a:latin typeface="Consolas" panose="020B0609020204030204" pitchFamily="49" charset="0"/>
-              </a:rPr>
-              <a:t>filename)</a:t>
-            </a:r>
-          </a:p>
-          <a:p>
-            <a:pPr marL="0" indent="0">
-              <a:buNone/>
-            </a:pPr>
-            <a:r>
-              <a:rPr lang="en-US" dirty="0"/>
-              <a:t>  to read the contents of a file.</a:t>
-            </a:r>
-          </a:p>
-        </p:txBody>
-      </p:sp>
-      <p:sp>
-        <p:nvSpPr>
-          <p:cNvPr id="4" name="Slide Number Placeholder 3">
-            <a:extLst>
-              <a:ext uri="{FF2B5EF4-FFF2-40B4-BE49-F238E27FC236}">
-                <a16:creationId xmlns:a16="http://schemas.microsoft.com/office/drawing/2014/main" id="{60F72ED1-8460-2361-2157-861495642043}"/>
-              </a:ext>
-            </a:extLst>
-          </p:cNvPr>
-          <p:cNvSpPr>
-            <a:spLocks noGrp="1"/>
-          </p:cNvSpPr>
-          <p:nvPr>
-            <p:ph type="sldNum" sz="quarter" idx="12"/>
-          </p:nvPr>
-        </p:nvSpPr>
-        <p:spPr/>
-        <p:txBody>
-          <a:bodyPr/>
-          <a:lstStyle/>
-          <a:p>
-            <a:pPr marL="0" marR="0" lvl="0" indent="0" algn="r" defTabSz="914400" rtl="0" eaLnBrk="1" fontAlgn="auto" latinLnBrk="0" hangingPunct="1">
-              <a:lnSpc>
-                <a:spcPct val="100000"/>
-              </a:lnSpc>
-              <a:spcBef>
-                <a:spcPts val="0"/>
-              </a:spcBef>
-              <a:spcAft>
-                <a:spcPts val="0"/>
-              </a:spcAft>
-              <a:buClrTx/>
-              <a:buSzTx/>
-              <a:buFontTx/>
-              <a:buNone/>
-              <a:tabLst/>
-              <a:defRPr/>
-            </a:pPr>
-            <a:fld id="{20F37917-FD3A-4669-9018-DA04BCDD3D75}" type="slidenum">
-              <a:rPr kumimoji="0" lang="en-US" sz="1200" b="0" i="0" u="none" strike="noStrike" kern="1200" cap="none" spc="0" normalizeH="0" baseline="0" noProof="0" smtClean="0">
-                <a:ln>
-                  <a:noFill/>
-                </a:ln>
-                <a:solidFill>
-                  <a:prstClr val="black">
-                    <a:tint val="75000"/>
-                  </a:prstClr>
-                </a:solidFill>
-                <a:effectLst/>
-                <a:uLnTx/>
-                <a:uFillTx/>
-                <a:latin typeface="Calibri" panose="020F0502020204030204"/>
-                <a:ea typeface="+mn-ea"/>
-                <a:cs typeface="+mn-cs"/>
-              </a:rPr>
-              <a:pPr marL="0" marR="0" lvl="0" indent="0" algn="r" defTabSz="914400" rtl="0" eaLnBrk="1" fontAlgn="auto" latinLnBrk="0" hangingPunct="1">
-                <a:lnSpc>
-                  <a:spcPct val="100000"/>
-                </a:lnSpc>
-                <a:spcBef>
-                  <a:spcPts val="0"/>
-                </a:spcBef>
-                <a:spcAft>
-                  <a:spcPts val="0"/>
-                </a:spcAft>
-                <a:buClrTx/>
-                <a:buSzTx/>
-                <a:buFontTx/>
-                <a:buNone/>
-                <a:tabLst/>
-                <a:defRPr/>
-              </a:pPr>
-              <a:t>29</a:t>
-            </a:fld>
-            <a:endParaRPr kumimoji="0" lang="en-US" sz="1200" b="0" i="0" u="none" strike="noStrike" kern="1200" cap="none" spc="0" normalizeH="0" baseline="0" noProof="0">
-              <a:ln>
-                <a:noFill/>
-              </a:ln>
-              <a:solidFill>
-                <a:prstClr val="black">
-                  <a:tint val="75000"/>
-                </a:prstClr>
-              </a:solidFill>
-              <a:effectLst/>
-              <a:uLnTx/>
-              <a:uFillTx/>
-              <a:latin typeface="Calibri" panose="020F0502020204030204"/>
-              <a:ea typeface="+mn-ea"/>
-              <a:cs typeface="+mn-cs"/>
-            </a:endParaRPr>
-          </a:p>
-        </p:txBody>
-      </p:sp>
-      <p:pic>
-        <p:nvPicPr>
-          <p:cNvPr id="5" name="Picture 4">
-            <a:extLst>
-              <a:ext uri="{FF2B5EF4-FFF2-40B4-BE49-F238E27FC236}">
-                <a16:creationId xmlns:a16="http://schemas.microsoft.com/office/drawing/2014/main" id="{D6522DE9-0421-F750-27F0-655F93E36D8C}"/>
-              </a:ext>
-            </a:extLst>
-          </p:cNvPr>
-          <p:cNvPicPr>
-            <a:picLocks noChangeAspect="1"/>
-          </p:cNvPicPr>
-          <p:nvPr/>
-        </p:nvPicPr>
-        <p:blipFill>
-          <a:blip r:embed="rId3"/>
-          <a:stretch>
-            <a:fillRect/>
-          </a:stretch>
-        </p:blipFill>
-        <p:spPr>
-          <a:xfrm>
-            <a:off x="8610600" y="3879850"/>
-            <a:ext cx="2876117" cy="2476500"/>
-          </a:xfrm>
-          <a:prstGeom prst="rect">
-            <a:avLst/>
-          </a:prstGeom>
-        </p:spPr>
-      </p:pic>
-    </p:spTree>
-    <p:extLst>
-      <p:ext uri="{BB962C8B-B14F-4D97-AF65-F5344CB8AC3E}">
-        <p14:creationId xmlns:p14="http://schemas.microsoft.com/office/powerpoint/2010/main" val="226957645"/>
       </p:ext>
     </p:extLst>
   </p:cSld>
@@ -31609,64 +32412,19 @@
                             </p:stCondLst>
                             <p:childTnLst>
                               <p:par>
-                                <p:cTn id="5" presetID="1" presetClass="entr" presetSubtype="0" fill="hold" nodeType="clickEffect">
-                                  <p:stCondLst>
-                                    <p:cond delay="0"/>
-                                  </p:stCondLst>
-                                  <p:childTnLst>
-                                    <p:set>
-                                      <p:cBhvr>
-                                        <p:cTn id="6" dur="1" fill="hold">
-                                          <p:stCondLst>
-                                            <p:cond delay="0"/>
-                                          </p:stCondLst>
-                                        </p:cTn>
-                                        <p:tgtEl>
-                                          <p:spTgt spid="4"/>
-                                        </p:tgtEl>
-                                        <p:attrNameLst>
-                                          <p:attrName>style.visibility</p:attrName>
-                                        </p:attrNameLst>
-                                      </p:cBhvr>
-                                      <p:to>
-                                        <p:strVal val="visible"/>
-                                      </p:to>
-                                    </p:set>
-                                  </p:childTnLst>
-                                </p:cTn>
-                              </p:par>
-                            </p:childTnLst>
-                          </p:cTn>
-                        </p:par>
-                      </p:childTnLst>
-                    </p:cTn>
-                  </p:par>
-                  <p:par>
-                    <p:cTn id="7" fill="hold">
-                      <p:stCondLst>
-                        <p:cond delay="indefinite"/>
-                      </p:stCondLst>
-                      <p:childTnLst>
-                        <p:par>
-                          <p:cTn id="8" fill="hold">
-                            <p:stCondLst>
-                              <p:cond delay="0"/>
-                            </p:stCondLst>
-                            <p:childTnLst>
-                              <p:par>
-                                <p:cTn id="9" presetID="1" presetClass="entr" presetSubtype="0" fill="hold" grpId="0" nodeType="clickEffect" nodePh="1">
+                                <p:cTn id="5" presetID="1" presetClass="entr" presetSubtype="0" fill="hold" grpId="0" nodeType="clickEffect" nodePh="1">
                                   <p:stCondLst>
                                     <p:cond delay="0"/>
                                   </p:stCondLst>
                                   <p:endCondLst>
                                     <p:cond evt="begin" delay="0">
-                                      <p:tn val="9"/>
+                                      <p:tn val="5"/>
                                     </p:cond>
                                   </p:endCondLst>
                                   <p:childTnLst>
                                     <p:set>
                                       <p:cBhvr>
-                                        <p:cTn id="10" dur="1" fill="hold">
+                                        <p:cTn id="6" dur="1" fill="hold">
                                           <p:stCondLst>
                                             <p:cond delay="0"/>
                                           </p:stCondLst>
@@ -31724,13 +32482,7 @@
   <p:cSld>
     <p:spTree>
       <p:nvGrpSpPr>
-        <p:cNvPr id="1" name="">
-          <a:extLst>
-            <a:ext uri="{FF2B5EF4-FFF2-40B4-BE49-F238E27FC236}">
-              <a16:creationId xmlns:a16="http://schemas.microsoft.com/office/drawing/2014/main" id="{69226FF4-569C-DD33-AED3-92AB22E9837D}"/>
-            </a:ext>
-          </a:extLst>
-        </p:cNvPr>
+        <p:cNvPr id="1" name=""/>
         <p:cNvGrpSpPr/>
         <p:nvPr/>
       </p:nvGrpSpPr>
@@ -31744,166 +32496,10 @@
       </p:grpSpPr>
       <p:sp>
         <p:nvSpPr>
-          <p:cNvPr id="2" name="Title 1">
+          <p:cNvPr id="3" name="Slide Number Placeholder 2">
             <a:extLst>
               <a:ext uri="{FF2B5EF4-FFF2-40B4-BE49-F238E27FC236}">
-                <a16:creationId xmlns:a16="http://schemas.microsoft.com/office/drawing/2014/main" id="{9D7B1A70-A661-CB73-EF38-5407A4860FD0}"/>
-              </a:ext>
-            </a:extLst>
-          </p:cNvPr>
-          <p:cNvSpPr>
-            <a:spLocks noGrp="1"/>
-          </p:cNvSpPr>
-          <p:nvPr>
-            <p:ph type="title"/>
-          </p:nvPr>
-        </p:nvSpPr>
-        <p:spPr/>
-        <p:txBody>
-          <a:bodyPr/>
-          <a:lstStyle/>
-          <a:p>
-            <a:r>
-              <a:rPr lang="en-US" dirty="0"/>
-              <a:t>Pattern for starting a concurrent computation using non-blocking I/O</a:t>
-            </a:r>
-          </a:p>
-        </p:txBody>
-      </p:sp>
-      <p:sp>
-        <p:nvSpPr>
-          <p:cNvPr id="3" name="Content Placeholder 2">
-            <a:extLst>
-              <a:ext uri="{FF2B5EF4-FFF2-40B4-BE49-F238E27FC236}">
-                <a16:creationId xmlns:a16="http://schemas.microsoft.com/office/drawing/2014/main" id="{20B54715-F78B-E47F-DD7F-09C6127E7987}"/>
-              </a:ext>
-            </a:extLst>
-          </p:cNvPr>
-          <p:cNvSpPr>
-            <a:spLocks noGrp="1"/>
-          </p:cNvSpPr>
-          <p:nvPr>
-            <p:ph idx="1"/>
-          </p:nvPr>
-        </p:nvSpPr>
-        <p:spPr>
-          <a:xfrm>
-            <a:off x="733302" y="3615328"/>
-            <a:ext cx="11155326" cy="2431337"/>
-          </a:xfrm>
-        </p:spPr>
-        <p:txBody>
-          <a:bodyPr>
-            <a:normAutofit/>
-          </a:bodyPr>
-          <a:lstStyle/>
-          <a:p>
-            <a:pPr marL="457200" indent="-457200">
-              <a:buFont typeface="+mj-lt"/>
-              <a:buAutoNum type="arabicPeriod"/>
-            </a:pPr>
-            <a:r>
-              <a:rPr lang="en-US" dirty="0"/>
-              <a:t>The first console.log is printed</a:t>
-            </a:r>
-          </a:p>
-          <a:p>
-            <a:pPr marL="457200" indent="-457200">
-              <a:buFont typeface="+mj-lt"/>
-              <a:buAutoNum type="arabicPeriod"/>
-            </a:pPr>
-            <a:r>
-              <a:rPr lang="en-US" dirty="0"/>
-              <a:t>The http request is sent, using non-blocking </a:t>
-            </a:r>
-            <a:r>
-              <a:rPr lang="en-US" dirty="0" err="1"/>
-              <a:t>i</a:t>
-            </a:r>
-            <a:r>
-              <a:rPr lang="en-US" dirty="0"/>
-              <a:t>/o</a:t>
-            </a:r>
-          </a:p>
-          <a:p>
-            <a:pPr marL="457200" indent="-457200">
-              <a:buFont typeface="+mj-lt"/>
-              <a:buAutoNum type="arabicPeriod"/>
-            </a:pPr>
-            <a:r>
-              <a:rPr lang="en-US" dirty="0"/>
-              <a:t>A promise is created to run the second console.log </a:t>
-            </a:r>
-            <a:r>
-              <a:rPr lang="en-US" i="1" dirty="0"/>
-              <a:t>after</a:t>
-            </a:r>
-            <a:r>
-              <a:rPr lang="en-US" dirty="0"/>
-              <a:t> the </a:t>
-            </a:r>
-            <a:r>
-              <a:rPr lang="en-US" dirty="0" err="1"/>
-              <a:t>axios.get</a:t>
-            </a:r>
-            <a:r>
-              <a:rPr lang="en-US" dirty="0"/>
-              <a:t> returns</a:t>
-            </a:r>
-          </a:p>
-          <a:p>
-            <a:pPr marL="457200" indent="-457200">
-              <a:buFont typeface="+mj-lt"/>
-              <a:buAutoNum type="arabicPeriod"/>
-            </a:pPr>
-            <a:r>
-              <a:rPr lang="en-US" dirty="0"/>
-              <a:t>The </a:t>
-            </a:r>
-            <a:r>
-              <a:rPr lang="en-US" dirty="0" err="1"/>
-              <a:t>makeRequest</a:t>
-            </a:r>
-            <a:r>
-              <a:rPr lang="en-US" dirty="0"/>
-              <a:t>() returns to its caller.</a:t>
-            </a:r>
-          </a:p>
-          <a:p>
-            <a:pPr marL="0" indent="0">
-              <a:buNone/>
-            </a:pPr>
-            <a:endParaRPr lang="en-US" dirty="0"/>
-          </a:p>
-          <a:p>
-            <a:endParaRPr lang="en-US" dirty="0"/>
-          </a:p>
-          <a:p>
-            <a:endParaRPr lang="en-US" dirty="0"/>
-          </a:p>
-          <a:p>
-            <a:endParaRPr lang="en-US" dirty="0"/>
-          </a:p>
-          <a:p>
-            <a:endParaRPr lang="en-US" dirty="0"/>
-          </a:p>
-          <a:p>
-            <a:endParaRPr lang="en-US" dirty="0"/>
-          </a:p>
-          <a:p>
-            <a:pPr marL="0" indent="0">
-              <a:buNone/>
-            </a:pPr>
-            <a:endParaRPr lang="en-US" dirty="0"/>
-          </a:p>
-        </p:txBody>
-      </p:sp>
-      <p:sp>
-        <p:nvSpPr>
-          <p:cNvPr id="4" name="Slide Number Placeholder 3">
-            <a:extLst>
-              <a:ext uri="{FF2B5EF4-FFF2-40B4-BE49-F238E27FC236}">
-                <a16:creationId xmlns:a16="http://schemas.microsoft.com/office/drawing/2014/main" id="{5B2A0953-C362-FE1E-C37A-5B96A0D3CAEE}"/>
+                <a16:creationId xmlns:a16="http://schemas.microsoft.com/office/drawing/2014/main" id="{B7DD3DB5-27AA-2C60-D5C7-12889F0685C5}"/>
               </a:ext>
             </a:extLst>
           </p:cNvPr>
@@ -31972,7 +32568,7 @@
               </a:pPr>
               <a:t>30</a:t>
             </a:fld>
-            <a:endParaRPr kumimoji="0" lang="en-US" sz="1200" b="0" i="0" u="none" strike="noStrike" kern="1200" cap="none" spc="0" normalizeH="0" baseline="0" noProof="0" dirty="0">
+            <a:endParaRPr kumimoji="0" lang="en-US" sz="1200" b="0" i="0" u="none" strike="noStrike" kern="1200" cap="none" spc="0" normalizeH="0" baseline="0" noProof="0">
               <a:ln>
                 <a:noFill/>
               </a:ln>
@@ -31993,31 +32589,168 @@
       </p:sp>
       <p:sp>
         <p:nvSpPr>
-          <p:cNvPr id="9" name="TextBox 8">
+          <p:cNvPr id="5" name="Title 4">
             <a:extLst>
               <a:ext uri="{FF2B5EF4-FFF2-40B4-BE49-F238E27FC236}">
-                <a16:creationId xmlns:a16="http://schemas.microsoft.com/office/drawing/2014/main" id="{8E719419-CB3C-745D-5085-FE68A131A990}"/>
+                <a16:creationId xmlns:a16="http://schemas.microsoft.com/office/drawing/2014/main" id="{C79F519B-B282-FFA4-D3A7-6E0C19BC95AE}"/>
               </a:ext>
             </a:extLst>
           </p:cNvPr>
-          <p:cNvSpPr txBox="1"/>
+          <p:cNvSpPr>
+            <a:spLocks noGrp="1"/>
+          </p:cNvSpPr>
+          <p:nvPr>
+            <p:ph type="title" idx="4294967295"/>
+          </p:nvPr>
+        </p:nvSpPr>
+        <p:spPr>
+          <a:xfrm>
+            <a:off x="1456871" y="1465627"/>
+            <a:ext cx="8958943" cy="3926745"/>
+          </a:xfrm>
+        </p:spPr>
+        <p:txBody>
+          <a:bodyPr>
+            <a:normAutofit/>
+          </a:bodyPr>
+          <a:lstStyle/>
+          <a:p>
+            <a:r>
+              <a:rPr lang="en-US" sz="3600" dirty="0">
+                <a:solidFill>
+                  <a:schemeClr val="accent1">
+                    <a:lumMod val="40000"/>
+                    <a:lumOff val="60000"/>
+                  </a:schemeClr>
+                </a:solidFill>
+              </a:rPr>
+              <a:t>We achieve this goal using two techniques:</a:t>
+            </a:r>
+            <a:br>
+              <a:rPr lang="en-US" sz="3600" dirty="0">
+                <a:solidFill>
+                  <a:schemeClr val="accent1">
+                    <a:lumMod val="40000"/>
+                    <a:lumOff val="60000"/>
+                  </a:schemeClr>
+                </a:solidFill>
+              </a:rPr>
+            </a:br>
+            <a:r>
+              <a:rPr lang="en-US" sz="3600" dirty="0">
+                <a:solidFill>
+                  <a:schemeClr val="accent1">
+                    <a:lumMod val="40000"/>
+                    <a:lumOff val="60000"/>
+                  </a:schemeClr>
+                </a:solidFill>
+              </a:rPr>
+              <a:t> </a:t>
+            </a:r>
+            <a:br>
+              <a:rPr lang="en-US" sz="3600" dirty="0">
+                <a:solidFill>
+                  <a:schemeClr val="accent1">
+                    <a:lumMod val="40000"/>
+                    <a:lumOff val="60000"/>
+                  </a:schemeClr>
+                </a:solidFill>
+              </a:rPr>
+            </a:br>
+            <a:r>
+              <a:rPr lang="en-US" sz="3600" dirty="0">
+                <a:solidFill>
+                  <a:schemeClr val="accent1">
+                    <a:lumMod val="40000"/>
+                    <a:lumOff val="60000"/>
+                  </a:schemeClr>
+                </a:solidFill>
+              </a:rPr>
+              <a:t>1. cooperative multiprocessing </a:t>
+            </a:r>
+            <a:br>
+              <a:rPr lang="en-US" sz="3600" dirty="0">
+                <a:solidFill>
+                  <a:schemeClr val="accent1">
+                    <a:lumMod val="40000"/>
+                    <a:lumOff val="60000"/>
+                  </a:schemeClr>
+                </a:solidFill>
+              </a:rPr>
+            </a:br>
+            <a:r>
+              <a:rPr lang="en-US" sz="3600" dirty="0">
+                <a:solidFill>
+                  <a:schemeClr val="accent1">
+                    <a:lumMod val="40000"/>
+                    <a:lumOff val="60000"/>
+                  </a:schemeClr>
+                </a:solidFill>
+              </a:rPr>
+              <a:t> </a:t>
+            </a:r>
+            <a:br>
+              <a:rPr lang="en-US" sz="3600" dirty="0">
+                <a:solidFill>
+                  <a:schemeClr val="accent1">
+                    <a:lumMod val="40000"/>
+                    <a:lumOff val="60000"/>
+                  </a:schemeClr>
+                </a:solidFill>
+              </a:rPr>
+            </a:br>
+            <a:r>
+              <a:rPr lang="en-US" sz="3600" dirty="0">
+                <a:solidFill>
+                  <a:schemeClr val="accent1">
+                    <a:lumMod val="40000"/>
+                    <a:lumOff val="60000"/>
+                  </a:schemeClr>
+                </a:solidFill>
+              </a:rPr>
+              <a:t>2. </a:t>
+            </a:r>
+            <a:r>
+              <a:rPr lang="en-US" sz="3600" dirty="0">
+                <a:solidFill>
+                  <a:schemeClr val="accent5">
+                    <a:lumMod val="75000"/>
+                  </a:schemeClr>
+                </a:solidFill>
+              </a:rPr>
+              <a:t>non-blocking IO </a:t>
+            </a:r>
+          </a:p>
+        </p:txBody>
+      </p:sp>
+      <p:sp>
+        <p:nvSpPr>
+          <p:cNvPr id="2" name="Arrow: Left 1">
+            <a:extLst>
+              <a:ext uri="{FF2B5EF4-FFF2-40B4-BE49-F238E27FC236}">
+                <a16:creationId xmlns:a16="http://schemas.microsoft.com/office/drawing/2014/main" id="{54338F1D-8D25-26AB-12F7-6AB5CC1889B6}"/>
+              </a:ext>
+            </a:extLst>
+          </p:cNvPr>
+          <p:cNvSpPr/>
           <p:nvPr/>
         </p:nvSpPr>
         <p:spPr>
           <a:xfrm>
-            <a:off x="733302" y="1611457"/>
-            <a:ext cx="10620498" cy="1631216"/>
+            <a:off x="7180035" y="4826277"/>
+            <a:ext cx="1787704" cy="365125"/>
           </a:xfrm>
-          <a:prstGeom prst="rect">
+          <a:prstGeom prst="leftArrow">
             <a:avLst/>
           </a:prstGeom>
-          <a:noFill/>
-          <a:ln w="12700" cap="flat" cmpd="sng" algn="ctr">
-            <a:noFill/>
-            <a:prstDash val="solid"/>
-            <a:miter lim="800000"/>
+          <a:solidFill>
+            <a:srgbClr val="FFFF00"/>
+          </a:solidFill>
+          <a:ln>
+            <a:solidFill>
+              <a:srgbClr val="0070C0"/>
+            </a:solidFill>
           </a:ln>
-          <a:effectLst/>
         </p:spPr>
         <p:style>
           <a:lnRef idx="2">
@@ -32036,451 +32769,117 @@
           </a:fontRef>
         </p:style>
         <p:txBody>
-          <a:bodyPr wrap="square">
-            <a:spAutoFit/>
-          </a:bodyPr>
+          <a:bodyPr rtlCol="0" anchor="ctr"/>
           <a:lstStyle/>
           <a:p>
             <a:pPr algn="l"/>
-            <a:r>
-              <a:rPr lang="en-US" sz="2000" b="0" dirty="0">
-                <a:solidFill>
-                  <a:srgbClr val="0000FF"/>
-                </a:solidFill>
-                <a:effectLst/>
-                <a:latin typeface="Consolas" panose="020B0609020204030204" pitchFamily="49" charset="0"/>
-              </a:rPr>
-              <a:t>export</a:t>
-            </a:r>
-            <a:r>
-              <a:rPr lang="en-US" sz="2000" b="0" dirty="0">
-                <a:solidFill>
-                  <a:srgbClr val="000000"/>
-                </a:solidFill>
-                <a:effectLst/>
-                <a:latin typeface="Consolas" panose="020B0609020204030204" pitchFamily="49" charset="0"/>
-              </a:rPr>
-              <a:t> </a:t>
-            </a:r>
-            <a:r>
-              <a:rPr lang="en-US" sz="2000" b="0" dirty="0">
-                <a:solidFill>
-                  <a:srgbClr val="0000FF"/>
-                </a:solidFill>
-                <a:effectLst/>
-                <a:latin typeface="Consolas" panose="020B0609020204030204" pitchFamily="49" charset="0"/>
-              </a:rPr>
-              <a:t>async</a:t>
-            </a:r>
-            <a:r>
-              <a:rPr lang="en-US" sz="2000" b="0" dirty="0">
-                <a:solidFill>
-                  <a:srgbClr val="000000"/>
-                </a:solidFill>
-                <a:effectLst/>
-                <a:latin typeface="Consolas" panose="020B0609020204030204" pitchFamily="49" charset="0"/>
-              </a:rPr>
-              <a:t> </a:t>
-            </a:r>
-            <a:r>
-              <a:rPr lang="en-US" sz="2000" b="0" dirty="0">
-                <a:solidFill>
-                  <a:srgbClr val="0000FF"/>
-                </a:solidFill>
-                <a:effectLst/>
-                <a:latin typeface="Consolas" panose="020B0609020204030204" pitchFamily="49" charset="0"/>
-              </a:rPr>
-              <a:t>function</a:t>
-            </a:r>
-            <a:r>
-              <a:rPr lang="en-US" sz="2000" b="0" dirty="0">
-                <a:solidFill>
-                  <a:srgbClr val="000000"/>
-                </a:solidFill>
-                <a:effectLst/>
-                <a:latin typeface="Consolas" panose="020B0609020204030204" pitchFamily="49" charset="0"/>
-              </a:rPr>
-              <a:t> </a:t>
-            </a:r>
-            <a:r>
-              <a:rPr lang="en-US" sz="2000" b="0" dirty="0" err="1">
-                <a:solidFill>
-                  <a:srgbClr val="000000"/>
-                </a:solidFill>
-                <a:effectLst/>
-                <a:latin typeface="Consolas" panose="020B0609020204030204" pitchFamily="49" charset="0"/>
-              </a:rPr>
-              <a:t>makeRequest</a:t>
-            </a:r>
-            <a:r>
-              <a:rPr lang="en-US" sz="2000" b="0" dirty="0">
-                <a:solidFill>
-                  <a:srgbClr val="000000"/>
-                </a:solidFill>
-                <a:effectLst/>
-                <a:latin typeface="Consolas" panose="020B0609020204030204" pitchFamily="49" charset="0"/>
-              </a:rPr>
-              <a:t>(</a:t>
-            </a:r>
-            <a:r>
-              <a:rPr lang="en-US" sz="2000" b="0" dirty="0" err="1">
-                <a:solidFill>
-                  <a:srgbClr val="000000"/>
-                </a:solidFill>
-                <a:effectLst/>
-                <a:latin typeface="Consolas" panose="020B0609020204030204" pitchFamily="49" charset="0"/>
-              </a:rPr>
-              <a:t>requestNumber:number</a:t>
-            </a:r>
-            <a:r>
-              <a:rPr lang="en-US" sz="2000" b="0" dirty="0">
-                <a:solidFill>
-                  <a:srgbClr val="000000"/>
-                </a:solidFill>
-                <a:effectLst/>
-                <a:latin typeface="Consolas" panose="020B0609020204030204" pitchFamily="49" charset="0"/>
-              </a:rPr>
-              <a:t>) {</a:t>
-            </a:r>
-          </a:p>
-          <a:p>
-            <a:pPr algn="l"/>
-            <a:r>
-              <a:rPr lang="en-US" sz="2000" b="0" dirty="0">
-                <a:solidFill>
-                  <a:srgbClr val="000000"/>
-                </a:solidFill>
-                <a:effectLst/>
-                <a:latin typeface="Consolas" panose="020B0609020204030204" pitchFamily="49" charset="0"/>
-              </a:rPr>
-              <a:t>    console.log(</a:t>
-            </a:r>
-            <a:r>
-              <a:rPr lang="en-US" sz="2000" b="0" dirty="0">
-                <a:solidFill>
-                  <a:srgbClr val="A31515"/>
-                </a:solidFill>
-                <a:effectLst/>
-                <a:latin typeface="Consolas" panose="020B0609020204030204" pitchFamily="49" charset="0"/>
-              </a:rPr>
-              <a:t>`starting </a:t>
-            </a:r>
-            <a:r>
-              <a:rPr lang="en-US" sz="2000" b="0" dirty="0" err="1">
-                <a:solidFill>
-                  <a:srgbClr val="A31515"/>
-                </a:solidFill>
-                <a:effectLst/>
-                <a:latin typeface="Consolas" panose="020B0609020204030204" pitchFamily="49" charset="0"/>
-              </a:rPr>
-              <a:t>makeRequest</a:t>
-            </a:r>
-            <a:r>
-              <a:rPr lang="en-US" sz="2000" b="0" dirty="0">
-                <a:solidFill>
-                  <a:srgbClr val="A31515"/>
-                </a:solidFill>
-                <a:effectLst/>
-                <a:latin typeface="Consolas" panose="020B0609020204030204" pitchFamily="49" charset="0"/>
-              </a:rPr>
-              <a:t>(</a:t>
-            </a:r>
-            <a:r>
-              <a:rPr lang="en-US" sz="2000" b="0" dirty="0">
-                <a:solidFill>
-                  <a:srgbClr val="0000FF"/>
-                </a:solidFill>
-                <a:effectLst/>
-                <a:latin typeface="Consolas" panose="020B0609020204030204" pitchFamily="49" charset="0"/>
-              </a:rPr>
-              <a:t>${</a:t>
-            </a:r>
-            <a:r>
-              <a:rPr lang="en-US" sz="2000" b="0" dirty="0" err="1">
-                <a:solidFill>
-                  <a:srgbClr val="000000"/>
-                </a:solidFill>
-                <a:effectLst/>
-                <a:latin typeface="Consolas" panose="020B0609020204030204" pitchFamily="49" charset="0"/>
-              </a:rPr>
-              <a:t>requestNumber</a:t>
-            </a:r>
-            <a:r>
-              <a:rPr lang="en-US" sz="2000" b="0" dirty="0">
-                <a:solidFill>
-                  <a:srgbClr val="0000FF"/>
-                </a:solidFill>
-                <a:effectLst/>
-                <a:latin typeface="Consolas" panose="020B0609020204030204" pitchFamily="49" charset="0"/>
-              </a:rPr>
-              <a:t>}</a:t>
-            </a:r>
-            <a:r>
-              <a:rPr lang="en-US" sz="2000" b="0" dirty="0">
-                <a:solidFill>
-                  <a:srgbClr val="A31515"/>
-                </a:solidFill>
-                <a:effectLst/>
-                <a:latin typeface="Consolas" panose="020B0609020204030204" pitchFamily="49" charset="0"/>
-              </a:rPr>
-              <a:t>)`</a:t>
-            </a:r>
-            <a:r>
-              <a:rPr lang="en-US" sz="2000" b="0" dirty="0">
-                <a:solidFill>
-                  <a:srgbClr val="000000"/>
-                </a:solidFill>
-                <a:effectLst/>
-                <a:latin typeface="Consolas" panose="020B0609020204030204" pitchFamily="49" charset="0"/>
-              </a:rPr>
-              <a:t>);</a:t>
-            </a:r>
-          </a:p>
-          <a:p>
-            <a:pPr algn="l"/>
-            <a:r>
-              <a:rPr lang="en-US" sz="2000" b="0" dirty="0">
-                <a:solidFill>
-                  <a:srgbClr val="000000"/>
-                </a:solidFill>
-                <a:effectLst/>
-                <a:latin typeface="Consolas" panose="020B0609020204030204" pitchFamily="49" charset="0"/>
-              </a:rPr>
-              <a:t>    </a:t>
-            </a:r>
-            <a:r>
-              <a:rPr lang="en-US" sz="2000" b="0" dirty="0">
-                <a:solidFill>
-                  <a:srgbClr val="0000FF"/>
-                </a:solidFill>
-                <a:effectLst/>
-                <a:latin typeface="Consolas" panose="020B0609020204030204" pitchFamily="49" charset="0"/>
-              </a:rPr>
-              <a:t>const</a:t>
-            </a:r>
-            <a:r>
-              <a:rPr lang="en-US" sz="2000" b="0" dirty="0">
-                <a:solidFill>
-                  <a:srgbClr val="000000"/>
-                </a:solidFill>
-                <a:effectLst/>
-                <a:latin typeface="Consolas" panose="020B0609020204030204" pitchFamily="49" charset="0"/>
-              </a:rPr>
-              <a:t> response = </a:t>
-            </a:r>
-            <a:r>
-              <a:rPr lang="en-US" sz="2000" b="0" dirty="0">
-                <a:solidFill>
-                  <a:srgbClr val="0000FF"/>
-                </a:solidFill>
-                <a:effectLst/>
-                <a:latin typeface="Consolas" panose="020B0609020204030204" pitchFamily="49" charset="0"/>
-              </a:rPr>
-              <a:t>await</a:t>
-            </a:r>
-            <a:r>
-              <a:rPr lang="en-US" sz="2000" b="0" dirty="0">
-                <a:solidFill>
-                  <a:srgbClr val="000000"/>
-                </a:solidFill>
-                <a:effectLst/>
-                <a:latin typeface="Consolas" panose="020B0609020204030204" pitchFamily="49" charset="0"/>
-              </a:rPr>
-              <a:t> </a:t>
-            </a:r>
-            <a:r>
-              <a:rPr lang="en-US" sz="2000" b="0" dirty="0" err="1">
-                <a:solidFill>
-                  <a:srgbClr val="000000"/>
-                </a:solidFill>
-                <a:effectLst/>
-                <a:latin typeface="Consolas" panose="020B0609020204030204" pitchFamily="49" charset="0"/>
-              </a:rPr>
-              <a:t>axios.get</a:t>
-            </a:r>
-            <a:r>
-              <a:rPr lang="en-US" sz="2000" b="0" dirty="0">
-                <a:solidFill>
-                  <a:srgbClr val="000000"/>
-                </a:solidFill>
-                <a:effectLst/>
-                <a:latin typeface="Consolas" panose="020B0609020204030204" pitchFamily="49" charset="0"/>
-              </a:rPr>
-              <a:t>(</a:t>
-            </a:r>
-            <a:r>
-              <a:rPr lang="en-US" sz="2000" b="0" dirty="0">
-                <a:solidFill>
-                  <a:srgbClr val="A31515"/>
-                </a:solidFill>
-                <a:effectLst/>
-                <a:latin typeface="Consolas" panose="020B0609020204030204" pitchFamily="49" charset="0"/>
-              </a:rPr>
-              <a:t>'https://rest-</a:t>
-            </a:r>
-            <a:r>
-              <a:rPr lang="en-US" sz="2000" b="0" dirty="0" err="1">
-                <a:solidFill>
-                  <a:srgbClr val="A31515"/>
-                </a:solidFill>
-                <a:effectLst/>
-                <a:latin typeface="Consolas" panose="020B0609020204030204" pitchFamily="49" charset="0"/>
-              </a:rPr>
-              <a:t>example.covey.town</a:t>
-            </a:r>
-            <a:r>
-              <a:rPr lang="en-US" sz="2000" b="0" dirty="0">
-                <a:solidFill>
-                  <a:srgbClr val="A31515"/>
-                </a:solidFill>
-                <a:effectLst/>
-                <a:latin typeface="Consolas" panose="020B0609020204030204" pitchFamily="49" charset="0"/>
-              </a:rPr>
-              <a:t>'</a:t>
-            </a:r>
-            <a:r>
-              <a:rPr lang="en-US" sz="2000" b="0" dirty="0">
-                <a:solidFill>
-                  <a:srgbClr val="000000"/>
-                </a:solidFill>
-                <a:effectLst/>
-                <a:latin typeface="Consolas" panose="020B0609020204030204" pitchFamily="49" charset="0"/>
-              </a:rPr>
-              <a:t>);</a:t>
-            </a:r>
-          </a:p>
-          <a:p>
-            <a:pPr algn="l"/>
-            <a:r>
-              <a:rPr lang="en-US" sz="2000" b="0" dirty="0">
-                <a:solidFill>
-                  <a:srgbClr val="000000"/>
-                </a:solidFill>
-                <a:effectLst/>
-                <a:latin typeface="Consolas" panose="020B0609020204030204" pitchFamily="49" charset="0"/>
-              </a:rPr>
-              <a:t>    console.log(</a:t>
-            </a:r>
-            <a:r>
-              <a:rPr lang="en-US" sz="2000" b="0" dirty="0">
-                <a:solidFill>
-                  <a:srgbClr val="A31515"/>
-                </a:solidFill>
-                <a:effectLst/>
-                <a:latin typeface="Consolas" panose="020B0609020204030204" pitchFamily="49" charset="0"/>
-              </a:rPr>
-              <a:t>'request:'</a:t>
-            </a:r>
-            <a:r>
-              <a:rPr lang="en-US" sz="2000" b="0" dirty="0">
-                <a:solidFill>
-                  <a:srgbClr val="000000"/>
-                </a:solidFill>
-                <a:effectLst/>
-                <a:latin typeface="Consolas" panose="020B0609020204030204" pitchFamily="49" charset="0"/>
-              </a:rPr>
-              <a:t>, </a:t>
-            </a:r>
-            <a:r>
-              <a:rPr lang="en-US" sz="2000" b="0" dirty="0" err="1">
-                <a:solidFill>
-                  <a:srgbClr val="000000"/>
-                </a:solidFill>
-                <a:effectLst/>
-                <a:latin typeface="Consolas" panose="020B0609020204030204" pitchFamily="49" charset="0"/>
-              </a:rPr>
-              <a:t>requestNumber</a:t>
-            </a:r>
-            <a:r>
-              <a:rPr lang="en-US" sz="2000" b="0" dirty="0">
-                <a:solidFill>
-                  <a:srgbClr val="000000"/>
-                </a:solidFill>
-                <a:effectLst/>
-                <a:latin typeface="Consolas" panose="020B0609020204030204" pitchFamily="49" charset="0"/>
-              </a:rPr>
-              <a:t>, </a:t>
-            </a:r>
-            <a:r>
-              <a:rPr lang="en-US" sz="2000" b="0" dirty="0">
-                <a:solidFill>
-                  <a:srgbClr val="A31515"/>
-                </a:solidFill>
-                <a:effectLst/>
-                <a:latin typeface="Consolas" panose="020B0609020204030204" pitchFamily="49" charset="0"/>
-              </a:rPr>
-              <a:t>'\</a:t>
-            </a:r>
-            <a:r>
-              <a:rPr lang="en-US" sz="2000" b="0" dirty="0" err="1">
-                <a:solidFill>
-                  <a:srgbClr val="A31515"/>
-                </a:solidFill>
-                <a:effectLst/>
-                <a:latin typeface="Consolas" panose="020B0609020204030204" pitchFamily="49" charset="0"/>
-              </a:rPr>
-              <a:t>nresponse</a:t>
-            </a:r>
-            <a:r>
-              <a:rPr lang="en-US" sz="2000" b="0" dirty="0">
-                <a:solidFill>
-                  <a:srgbClr val="A31515"/>
-                </a:solidFill>
-                <a:effectLst/>
-                <a:latin typeface="Consolas" panose="020B0609020204030204" pitchFamily="49" charset="0"/>
-              </a:rPr>
-              <a:t>:'</a:t>
-            </a:r>
-            <a:r>
-              <a:rPr lang="en-US" sz="2000" b="0" dirty="0">
-                <a:solidFill>
-                  <a:srgbClr val="000000"/>
-                </a:solidFill>
-                <a:effectLst/>
-                <a:latin typeface="Consolas" panose="020B0609020204030204" pitchFamily="49" charset="0"/>
-              </a:rPr>
-              <a:t>, </a:t>
-            </a:r>
-            <a:r>
-              <a:rPr lang="en-US" sz="2000" b="0" dirty="0" err="1">
-                <a:solidFill>
-                  <a:srgbClr val="000000"/>
-                </a:solidFill>
-                <a:effectLst/>
-                <a:latin typeface="Consolas" panose="020B0609020204030204" pitchFamily="49" charset="0"/>
-              </a:rPr>
-              <a:t>response.data</a:t>
-            </a:r>
-            <a:r>
-              <a:rPr lang="en-US" sz="2000" b="0" dirty="0">
-                <a:solidFill>
-                  <a:srgbClr val="000000"/>
-                </a:solidFill>
-                <a:effectLst/>
-                <a:latin typeface="Consolas" panose="020B0609020204030204" pitchFamily="49" charset="0"/>
-              </a:rPr>
-              <a:t>);</a:t>
-            </a:r>
-          </a:p>
-          <a:p>
-            <a:pPr algn="l"/>
-            <a:r>
-              <a:rPr lang="en-US" sz="2000" b="0" dirty="0">
-                <a:solidFill>
-                  <a:srgbClr val="000000"/>
-                </a:solidFill>
-                <a:effectLst/>
-                <a:latin typeface="Consolas" panose="020B0609020204030204" pitchFamily="49" charset="0"/>
-              </a:rPr>
-              <a:t>}</a:t>
-            </a:r>
+            <a:endParaRPr lang="en-US" sz="2800" dirty="0" err="1">
+              <a:solidFill>
+                <a:schemeClr val="tx1"/>
+              </a:solidFill>
+            </a:endParaRPr>
           </a:p>
         </p:txBody>
       </p:sp>
+      <p:sp>
+        <p:nvSpPr>
+          <p:cNvPr id="4" name="Title 1">
+            <a:extLst>
+              <a:ext uri="{FF2B5EF4-FFF2-40B4-BE49-F238E27FC236}">
+                <a16:creationId xmlns:a16="http://schemas.microsoft.com/office/drawing/2014/main" id="{C2A15C0C-ED91-0841-C6C1-F5B20B479F10}"/>
+              </a:ext>
+            </a:extLst>
+          </p:cNvPr>
+          <p:cNvSpPr txBox="1">
+            <a:spLocks/>
+          </p:cNvSpPr>
+          <p:nvPr/>
+        </p:nvSpPr>
+        <p:spPr>
+          <a:xfrm>
+            <a:off x="838200" y="136525"/>
+            <a:ext cx="10515600" cy="1325563"/>
+          </a:xfrm>
+          <a:prstGeom prst="rect">
+            <a:avLst/>
+          </a:prstGeom>
+        </p:spPr>
+        <p:txBody>
+          <a:bodyPr/>
+          <a:lstStyle>
+            <a:lvl1pPr algn="l" defTabSz="914400" rtl="0" eaLnBrk="1" latinLnBrk="0" hangingPunct="1">
+              <a:lnSpc>
+                <a:spcPct val="90000"/>
+              </a:lnSpc>
+              <a:spcBef>
+                <a:spcPct val="0"/>
+              </a:spcBef>
+              <a:buNone/>
+              <a:defRPr sz="4400" kern="1200">
+                <a:solidFill>
+                  <a:srgbClr val="0070C0"/>
+                </a:solidFill>
+                <a:latin typeface="Verdana" panose="020B0604030504040204" pitchFamily="34" charset="0"/>
+                <a:ea typeface="Verdana" panose="020B0604030504040204" pitchFamily="34" charset="0"/>
+                <a:cs typeface="+mj-cs"/>
+              </a:defRPr>
+            </a:lvl1pPr>
+          </a:lstStyle>
+          <a:p>
+            <a:r>
+              <a:rPr lang="en-US" sz="3600" dirty="0"/>
+              <a:t>But where does the non-blocking IO come from?</a:t>
+            </a:r>
+          </a:p>
+        </p:txBody>
+      </p:sp>
+      <p:cxnSp>
+        <p:nvCxnSpPr>
+          <p:cNvPr id="7" name="Straight Connector 6">
+            <a:extLst>
+              <a:ext uri="{FF2B5EF4-FFF2-40B4-BE49-F238E27FC236}">
+                <a16:creationId xmlns:a16="http://schemas.microsoft.com/office/drawing/2014/main" id="{C14AFAB6-0A8A-228F-42BF-62C6AFED3B3B}"/>
+              </a:ext>
+            </a:extLst>
+          </p:cNvPr>
+          <p:cNvCxnSpPr/>
+          <p:nvPr/>
+        </p:nvCxnSpPr>
+        <p:spPr>
+          <a:xfrm>
+            <a:off x="944217" y="1465627"/>
+            <a:ext cx="10187609" cy="0"/>
+          </a:xfrm>
+          <a:prstGeom prst="line">
+            <a:avLst/>
+          </a:prstGeom>
+          <a:ln w="12700">
+            <a:solidFill>
+              <a:schemeClr val="accent1"/>
+            </a:solidFill>
+            <a:headEnd type="none" w="med" len="med"/>
+            <a:tailEnd type="none" w="med" len="med"/>
+          </a:ln>
+        </p:spPr>
+        <p:style>
+          <a:lnRef idx="1">
+            <a:schemeClr val="accent1"/>
+          </a:lnRef>
+          <a:fillRef idx="0">
+            <a:schemeClr val="accent1"/>
+          </a:fillRef>
+          <a:effectRef idx="0">
+            <a:schemeClr val="accent1"/>
+          </a:effectRef>
+          <a:fontRef idx="minor">
+            <a:schemeClr val="tx1"/>
+          </a:fontRef>
+        </p:style>
+      </p:cxnSp>
     </p:spTree>
     <p:extLst>
       <p:ext uri="{BB962C8B-B14F-4D97-AF65-F5344CB8AC3E}">
-        <p14:creationId xmlns:p14="http://schemas.microsoft.com/office/powerpoint/2010/main" val="50625937"/>
+        <p14:creationId xmlns:p14="http://schemas.microsoft.com/office/powerpoint/2010/main" val="2248217326"/>
       </p:ext>
     </p:extLst>
   </p:cSld>
@@ -32495,13 +32894,7 @@
   <p:cSld>
     <p:spTree>
       <p:nvGrpSpPr>
-        <p:cNvPr id="1" name="">
-          <a:extLst>
-            <a:ext uri="{FF2B5EF4-FFF2-40B4-BE49-F238E27FC236}">
-              <a16:creationId xmlns:a16="http://schemas.microsoft.com/office/drawing/2014/main" id="{03FA627C-81B3-2732-376C-3DF84021D622}"/>
-            </a:ext>
-          </a:extLst>
-        </p:cNvPr>
+        <p:cNvPr id="1" name=""/>
         <p:cNvGrpSpPr/>
         <p:nvPr/>
       </p:nvGrpSpPr>
@@ -32518,7 +32911,7 @@
           <p:cNvPr id="2" name="Title 1">
             <a:extLst>
               <a:ext uri="{FF2B5EF4-FFF2-40B4-BE49-F238E27FC236}">
-                <a16:creationId xmlns:a16="http://schemas.microsoft.com/office/drawing/2014/main" id="{AA9691CA-470E-0255-51F4-CC8BF4993552}"/>
+                <a16:creationId xmlns:a16="http://schemas.microsoft.com/office/drawing/2014/main" id="{F0197F1B-AB6B-840B-6109-A5F224D49245}"/>
               </a:ext>
             </a:extLst>
           </p:cNvPr>
@@ -32536,7 +32929,7 @@
           <a:p>
             <a:r>
               <a:rPr lang="en-US" dirty="0"/>
-              <a:t>Pattern for starting a concurrent computation using non-blocking I/O</a:t>
+              <a:t>Answer: JS/TS has some primitives for starting a non-blocking computation</a:t>
             </a:r>
           </a:p>
         </p:txBody>
@@ -32546,7 +32939,7 @@
           <p:cNvPr id="3" name="Content Placeholder 2">
             <a:extLst>
               <a:ext uri="{FF2B5EF4-FFF2-40B4-BE49-F238E27FC236}">
-                <a16:creationId xmlns:a16="http://schemas.microsoft.com/office/drawing/2014/main" id="{9D42814D-9EF7-9483-CDB5-0247C4D40674}"/>
+                <a16:creationId xmlns:a16="http://schemas.microsoft.com/office/drawing/2014/main" id="{2703E4AB-0914-33F5-4E7F-B4F98687C364}"/>
               </a:ext>
             </a:extLst>
           </p:cNvPr>
@@ -32559,133 +32952,217 @@
         </p:nvSpPr>
         <p:spPr>
           <a:xfrm>
-            <a:off x="733302" y="3241826"/>
-            <a:ext cx="11155326" cy="2431337"/>
+            <a:off x="838200" y="1500160"/>
+            <a:ext cx="7977810" cy="4403683"/>
           </a:xfrm>
         </p:spPr>
         <p:txBody>
           <a:bodyPr>
-            <a:normAutofit fontScale="85000" lnSpcReduction="20000"/>
+            <a:normAutofit fontScale="92500" lnSpcReduction="10000"/>
           </a:bodyPr>
           <a:lstStyle/>
           <a:p>
-            <a:pPr marL="457200" indent="-457200">
-              <a:buFont typeface="+mj-lt"/>
-              <a:buAutoNum type="arabicPeriod"/>
-            </a:pPr>
             <a:r>
               <a:rPr lang="en-US" dirty="0"/>
-              <a:t>The first console.log is printed</a:t>
-            </a:r>
-          </a:p>
-          <a:p>
-            <a:pPr marL="457200" indent="-457200">
-              <a:buFont typeface="+mj-lt"/>
-              <a:buAutoNum type="arabicPeriod"/>
-            </a:pPr>
+              <a:t>These are things like http requests, I/O operations, or timers.</a:t>
+            </a:r>
+          </a:p>
+          <a:p>
             <a:r>
               <a:rPr lang="en-US" dirty="0"/>
-              <a:t>The http request is sent, using non-blocking </a:t>
-            </a:r>
-            <a:r>
-              <a:rPr lang="en-US" dirty="0" err="1"/>
-              <a:t>i</a:t>
+              <a:t>Each of these returns a promise that you can </a:t>
+            </a:r>
+            <a:r>
+              <a:rPr lang="en-US" b="1" dirty="0"/>
+              <a:t>await</a:t>
             </a:r>
             <a:r>
               <a:rPr lang="en-US" dirty="0"/>
-              <a:t>/o</a:t>
-            </a:r>
-          </a:p>
-          <a:p>
-            <a:pPr marL="457200" indent="-457200">
-              <a:buFont typeface="+mj-lt"/>
-              <a:buAutoNum type="arabicPeriod"/>
-            </a:pPr>
+              <a:t>.  The promise runs while it is pending, and produces the response from the http request, or the contents of the file, etc.</a:t>
+            </a:r>
+          </a:p>
+          <a:p>
             <a:r>
               <a:rPr lang="en-US" dirty="0"/>
-              <a:t>The browser goes about its business</a:t>
-            </a:r>
-          </a:p>
-          <a:p>
-            <a:pPr marL="457200" indent="-457200">
-              <a:buFont typeface="+mj-lt"/>
-              <a:buAutoNum type="arabicPeriod"/>
-            </a:pPr>
-            <a:r>
-              <a:rPr lang="en-US" dirty="0"/>
-              <a:t>Eventually, the </a:t>
-            </a:r>
-            <a:r>
-              <a:rPr lang="en-US" dirty="0" err="1"/>
-              <a:t>axios.get</a:t>
-            </a:r>
-            <a:r>
-              <a:rPr lang="en-US" dirty="0"/>
-              <a:t> returns.</a:t>
-            </a:r>
-          </a:p>
-          <a:p>
-            <a:pPr marL="457200" indent="-457200">
-              <a:buFont typeface="+mj-lt"/>
-              <a:buAutoNum type="arabicPeriod"/>
-            </a:pPr>
-            <a:r>
-              <a:rPr lang="en-US" dirty="0"/>
-              <a:t>Some time after that, the console.log is printed and the </a:t>
-            </a:r>
-            <a:r>
-              <a:rPr lang="en-US" dirty="0" err="1"/>
-              <a:t>makeRequest</a:t>
-            </a:r>
-            <a:r>
-              <a:rPr lang="en-US" dirty="0"/>
-              <a:t> concludes.</a:t>
-            </a:r>
-          </a:p>
-          <a:p>
-            <a:pPr marL="457200" indent="-457200">
-              <a:buFont typeface="+mj-lt"/>
-              <a:buAutoNum type="arabicPeriod"/>
-            </a:pPr>
-            <a:r>
-              <a:rPr lang="en-US" dirty="0"/>
-              <a:t>Any promises that are waiting for the result of </a:t>
-            </a:r>
-            <a:r>
-              <a:rPr lang="en-US" dirty="0" err="1"/>
-              <a:t>makeRequest</a:t>
-            </a:r>
-            <a:r>
-              <a:rPr lang="en-US" dirty="0"/>
-              <a:t> become eligible for execution.</a:t>
+              <a:t>You will hardly ever call one of these primitives yourself; usually they are wrapped in a convenient procedure, e.g., we write</a:t>
             </a:r>
           </a:p>
           <a:p>
             <a:pPr marL="0" indent="0">
               <a:buNone/>
             </a:pPr>
-            <a:endParaRPr lang="en-US" dirty="0"/>
-          </a:p>
-          <a:p>
-            <a:endParaRPr lang="en-US" dirty="0"/>
-          </a:p>
-          <a:p>
-            <a:endParaRPr lang="en-US" dirty="0"/>
-          </a:p>
-          <a:p>
-            <a:endParaRPr lang="en-US" dirty="0"/>
-          </a:p>
-          <a:p>
-            <a:endParaRPr lang="en-US" dirty="0"/>
-          </a:p>
-          <a:p>
-            <a:endParaRPr lang="en-US" dirty="0"/>
+            <a:r>
+              <a:rPr lang="en-US" b="0" dirty="0">
+                <a:solidFill>
+                  <a:srgbClr val="0070C1"/>
+                </a:solidFill>
+                <a:effectLst/>
+                <a:latin typeface="Consolas" panose="020B0609020204030204" pitchFamily="49" charset="0"/>
+              </a:rPr>
+              <a:t>	</a:t>
+            </a:r>
+            <a:r>
+              <a:rPr lang="en-US" b="0" dirty="0" err="1">
+                <a:solidFill>
+                  <a:srgbClr val="0070C1"/>
+                </a:solidFill>
+                <a:effectLst/>
+                <a:latin typeface="Consolas" panose="020B0609020204030204" pitchFamily="49" charset="0"/>
+              </a:rPr>
+              <a:t>axios</a:t>
+            </a:r>
+            <a:r>
+              <a:rPr lang="en-US" b="0" dirty="0" err="1">
+                <a:solidFill>
+                  <a:srgbClr val="000000"/>
+                </a:solidFill>
+                <a:effectLst/>
+                <a:latin typeface="Consolas" panose="020B0609020204030204" pitchFamily="49" charset="0"/>
+              </a:rPr>
+              <a:t>.</a:t>
+            </a:r>
+            <a:r>
+              <a:rPr lang="en-US" b="0" dirty="0" err="1">
+                <a:solidFill>
+                  <a:srgbClr val="795E26"/>
+                </a:solidFill>
+                <a:effectLst/>
+                <a:latin typeface="Consolas" panose="020B0609020204030204" pitchFamily="49" charset="0"/>
+              </a:rPr>
+              <a:t>get</a:t>
+            </a:r>
+            <a:r>
+              <a:rPr lang="en-US" b="0" dirty="0">
+                <a:solidFill>
+                  <a:srgbClr val="000000"/>
+                </a:solidFill>
+                <a:effectLst/>
+                <a:latin typeface="Consolas" panose="020B0609020204030204" pitchFamily="49" charset="0"/>
+              </a:rPr>
+              <a:t>(</a:t>
+            </a:r>
+            <a:r>
+              <a:rPr lang="en-US" b="0" dirty="0">
+                <a:solidFill>
+                  <a:srgbClr val="A31515"/>
+                </a:solidFill>
+                <a:effectLst/>
+                <a:latin typeface="Consolas" panose="020B0609020204030204" pitchFamily="49" charset="0"/>
+              </a:rPr>
+              <a:t>'https://rest-</a:t>
+            </a:r>
+            <a:r>
+              <a:rPr lang="en-US" b="0" dirty="0" err="1">
+                <a:solidFill>
+                  <a:srgbClr val="A31515"/>
+                </a:solidFill>
+                <a:effectLst/>
+                <a:latin typeface="Consolas" panose="020B0609020204030204" pitchFamily="49" charset="0"/>
+              </a:rPr>
+              <a:t>example.covey.town</a:t>
+            </a:r>
+            <a:r>
+              <a:rPr lang="en-US" dirty="0">
+                <a:solidFill>
+                  <a:srgbClr val="A31515"/>
+                </a:solidFill>
+                <a:latin typeface="Consolas" panose="020B0609020204030204" pitchFamily="49" charset="0"/>
+              </a:rPr>
+              <a:t>’</a:t>
+            </a:r>
+            <a:r>
+              <a:rPr lang="en-US" b="0" dirty="0">
+                <a:solidFill>
+                  <a:srgbClr val="000000"/>
+                </a:solidFill>
+                <a:effectLst/>
+                <a:latin typeface="Consolas" panose="020B0609020204030204" pitchFamily="49" charset="0"/>
+              </a:rPr>
+              <a:t>)</a:t>
+            </a:r>
           </a:p>
           <a:p>
             <a:pPr marL="0" indent="0">
               <a:buNone/>
             </a:pPr>
-            <a:endParaRPr lang="en-US" dirty="0"/>
+            <a:r>
+              <a:rPr lang="en-US" dirty="0"/>
+              <a:t>  to make an http request, or </a:t>
+            </a:r>
+          </a:p>
+          <a:p>
+            <a:pPr marL="0" indent="0">
+              <a:buNone/>
+            </a:pPr>
+            <a:r>
+              <a:rPr lang="en-US" b="0" dirty="0">
+                <a:solidFill>
+                  <a:srgbClr val="267F99"/>
+                </a:solidFill>
+                <a:effectLst/>
+                <a:latin typeface="Consolas" panose="020B0609020204030204" pitchFamily="49" charset="0"/>
+              </a:rPr>
+              <a:t>	</a:t>
+            </a:r>
+            <a:r>
+              <a:rPr lang="en-US" b="0" dirty="0" err="1">
+                <a:solidFill>
+                  <a:srgbClr val="267F99"/>
+                </a:solidFill>
+                <a:effectLst/>
+                <a:latin typeface="Consolas" panose="020B0609020204030204" pitchFamily="49" charset="0"/>
+              </a:rPr>
+              <a:t>fs</a:t>
+            </a:r>
+            <a:r>
+              <a:rPr lang="en-US" b="0" dirty="0" err="1">
+                <a:solidFill>
+                  <a:srgbClr val="000000"/>
+                </a:solidFill>
+                <a:effectLst/>
+                <a:latin typeface="Consolas" panose="020B0609020204030204" pitchFamily="49" charset="0"/>
+              </a:rPr>
+              <a:t>.</a:t>
+            </a:r>
+            <a:r>
+              <a:rPr lang="en-US" b="0" dirty="0" err="1">
+                <a:solidFill>
+                  <a:srgbClr val="795E26"/>
+                </a:solidFill>
+                <a:effectLst/>
+                <a:latin typeface="Consolas" panose="020B0609020204030204" pitchFamily="49" charset="0"/>
+              </a:rPr>
+              <a:t>readFile</a:t>
+            </a:r>
+            <a:r>
+              <a:rPr lang="en-US" b="0" dirty="0">
+                <a:solidFill>
+                  <a:srgbClr val="000000"/>
+                </a:solidFill>
+                <a:effectLst/>
+                <a:latin typeface="Consolas" panose="020B0609020204030204" pitchFamily="49" charset="0"/>
+              </a:rPr>
+              <a:t>(</a:t>
+            </a:r>
+            <a:r>
+              <a:rPr lang="en-US" b="0" dirty="0">
+                <a:solidFill>
+                  <a:srgbClr val="001080"/>
+                </a:solidFill>
+                <a:effectLst/>
+                <a:latin typeface="Consolas" panose="020B0609020204030204" pitchFamily="49" charset="0"/>
+              </a:rPr>
+              <a:t>filename)</a:t>
+            </a:r>
+          </a:p>
+          <a:p>
+            <a:pPr marL="0" indent="0">
+              <a:buNone/>
+            </a:pPr>
+            <a:r>
+              <a:rPr lang="en-US" dirty="0"/>
+              <a:t>  to read the contents of a file.</a:t>
+            </a:r>
           </a:p>
         </p:txBody>
       </p:sp>
@@ -32694,7 +33171,7 @@
           <p:cNvPr id="4" name="Slide Number Placeholder 3">
             <a:extLst>
               <a:ext uri="{FF2B5EF4-FFF2-40B4-BE49-F238E27FC236}">
-                <a16:creationId xmlns:a16="http://schemas.microsoft.com/office/drawing/2014/main" id="{43B8A6EB-75B7-BE7A-9873-385535024123}"/>
+                <a16:creationId xmlns:a16="http://schemas.microsoft.com/office/drawing/2014/main" id="{60F72ED1-8460-2361-2157-861495642043}"/>
               </a:ext>
             </a:extLst>
           </p:cNvPr>
@@ -32763,7 +33240,7 @@
               </a:pPr>
               <a:t>31</a:t>
             </a:fld>
-            <a:endParaRPr kumimoji="0" lang="en-US" sz="1200" b="0" i="0" u="none" strike="noStrike" kern="1200" cap="none" spc="0" normalizeH="0" baseline="0" noProof="0" dirty="0">
+            <a:endParaRPr kumimoji="0" lang="en-US" sz="1200" b="0" i="0" u="none" strike="noStrike" kern="1200" cap="none" spc="0" normalizeH="0" baseline="0" noProof="0">
               <a:ln>
                 <a:noFill/>
               </a:ln>
@@ -32782,562 +33259,40 @@
           </a:p>
         </p:txBody>
       </p:sp>
-      <p:sp>
-        <p:nvSpPr>
-          <p:cNvPr id="9" name="TextBox 8">
+      <p:pic>
+        <p:nvPicPr>
+          <p:cNvPr id="5" name="Picture 4">
             <a:extLst>
               <a:ext uri="{FF2B5EF4-FFF2-40B4-BE49-F238E27FC236}">
-                <a16:creationId xmlns:a16="http://schemas.microsoft.com/office/drawing/2014/main" id="{4625BB71-7766-8C90-ECB1-1D83B8007F99}"/>
+                <a16:creationId xmlns:a16="http://schemas.microsoft.com/office/drawing/2014/main" id="{D6522DE9-0421-F750-27F0-655F93E36D8C}"/>
               </a:ext>
             </a:extLst>
           </p:cNvPr>
-          <p:cNvSpPr txBox="1"/>
+          <p:cNvPicPr>
+            <a:picLocks noChangeAspect="1"/>
+          </p:cNvPicPr>
           <p:nvPr/>
-        </p:nvSpPr>
+        </p:nvPicPr>
+        <p:blipFill>
+          <a:blip r:embed="rId3"/>
+          <a:stretch>
+            <a:fillRect/>
+          </a:stretch>
+        </p:blipFill>
         <p:spPr>
           <a:xfrm>
-            <a:off x="733302" y="1611457"/>
-            <a:ext cx="10620498" cy="1631216"/>
+            <a:off x="8610600" y="3879850"/>
+            <a:ext cx="2876117" cy="2476500"/>
           </a:xfrm>
           <a:prstGeom prst="rect">
             <a:avLst/>
           </a:prstGeom>
-          <a:noFill/>
-          <a:ln w="12700" cap="flat" cmpd="sng" algn="ctr">
-            <a:noFill/>
-            <a:prstDash val="solid"/>
-            <a:miter lim="800000"/>
-          </a:ln>
-          <a:effectLst/>
         </p:spPr>
-        <p:style>
-          <a:lnRef idx="2">
-            <a:schemeClr val="accent1">
-              <a:shade val="50000"/>
-            </a:schemeClr>
-          </a:lnRef>
-          <a:fillRef idx="1">
-            <a:schemeClr val="accent1"/>
-          </a:fillRef>
-          <a:effectRef idx="0">
-            <a:schemeClr val="accent1"/>
-          </a:effectRef>
-          <a:fontRef idx="minor">
-            <a:schemeClr val="lt1"/>
-          </a:fontRef>
-        </p:style>
-        <p:txBody>
-          <a:bodyPr wrap="square">
-            <a:spAutoFit/>
-          </a:bodyPr>
-          <a:lstStyle/>
-          <a:p>
-            <a:pPr algn="l"/>
-            <a:r>
-              <a:rPr lang="en-US" sz="2000" b="0" dirty="0">
-                <a:solidFill>
-                  <a:srgbClr val="0000FF"/>
-                </a:solidFill>
-                <a:effectLst/>
-                <a:latin typeface="Consolas" panose="020B0609020204030204" pitchFamily="49" charset="0"/>
-              </a:rPr>
-              <a:t>export</a:t>
-            </a:r>
-            <a:r>
-              <a:rPr lang="en-US" sz="2000" b="0" dirty="0">
-                <a:solidFill>
-                  <a:srgbClr val="000000"/>
-                </a:solidFill>
-                <a:effectLst/>
-                <a:latin typeface="Consolas" panose="020B0609020204030204" pitchFamily="49" charset="0"/>
-              </a:rPr>
-              <a:t> </a:t>
-            </a:r>
-            <a:r>
-              <a:rPr lang="en-US" sz="2000" b="0" dirty="0">
-                <a:solidFill>
-                  <a:srgbClr val="0000FF"/>
-                </a:solidFill>
-                <a:effectLst/>
-                <a:latin typeface="Consolas" panose="020B0609020204030204" pitchFamily="49" charset="0"/>
-              </a:rPr>
-              <a:t>async</a:t>
-            </a:r>
-            <a:r>
-              <a:rPr lang="en-US" sz="2000" b="0" dirty="0">
-                <a:solidFill>
-                  <a:srgbClr val="000000"/>
-                </a:solidFill>
-                <a:effectLst/>
-                <a:latin typeface="Consolas" panose="020B0609020204030204" pitchFamily="49" charset="0"/>
-              </a:rPr>
-              <a:t> </a:t>
-            </a:r>
-            <a:r>
-              <a:rPr lang="en-US" sz="2000" b="0" dirty="0">
-                <a:solidFill>
-                  <a:srgbClr val="0000FF"/>
-                </a:solidFill>
-                <a:effectLst/>
-                <a:latin typeface="Consolas" panose="020B0609020204030204" pitchFamily="49" charset="0"/>
-              </a:rPr>
-              <a:t>function</a:t>
-            </a:r>
-            <a:r>
-              <a:rPr lang="en-US" sz="2000" b="0" dirty="0">
-                <a:solidFill>
-                  <a:srgbClr val="000000"/>
-                </a:solidFill>
-                <a:effectLst/>
-                <a:latin typeface="Consolas" panose="020B0609020204030204" pitchFamily="49" charset="0"/>
-              </a:rPr>
-              <a:t> </a:t>
-            </a:r>
-            <a:r>
-              <a:rPr lang="en-US" sz="2000" b="0" dirty="0" err="1">
-                <a:solidFill>
-                  <a:srgbClr val="000000"/>
-                </a:solidFill>
-                <a:effectLst/>
-                <a:latin typeface="Consolas" panose="020B0609020204030204" pitchFamily="49" charset="0"/>
-              </a:rPr>
-              <a:t>makeRequest</a:t>
-            </a:r>
-            <a:r>
-              <a:rPr lang="en-US" sz="2000" b="0" dirty="0">
-                <a:solidFill>
-                  <a:srgbClr val="000000"/>
-                </a:solidFill>
-                <a:effectLst/>
-                <a:latin typeface="Consolas" panose="020B0609020204030204" pitchFamily="49" charset="0"/>
-              </a:rPr>
-              <a:t>(</a:t>
-            </a:r>
-            <a:r>
-              <a:rPr lang="en-US" sz="2000" b="0" dirty="0" err="1">
-                <a:solidFill>
-                  <a:srgbClr val="000000"/>
-                </a:solidFill>
-                <a:effectLst/>
-                <a:latin typeface="Consolas" panose="020B0609020204030204" pitchFamily="49" charset="0"/>
-              </a:rPr>
-              <a:t>requestNumber:number</a:t>
-            </a:r>
-            <a:r>
-              <a:rPr lang="en-US" sz="2000" b="0" dirty="0">
-                <a:solidFill>
-                  <a:srgbClr val="000000"/>
-                </a:solidFill>
-                <a:effectLst/>
-                <a:latin typeface="Consolas" panose="020B0609020204030204" pitchFamily="49" charset="0"/>
-              </a:rPr>
-              <a:t>) {</a:t>
-            </a:r>
-          </a:p>
-          <a:p>
-            <a:pPr algn="l"/>
-            <a:r>
-              <a:rPr lang="en-US" sz="2000" b="0" dirty="0">
-                <a:solidFill>
-                  <a:srgbClr val="000000"/>
-                </a:solidFill>
-                <a:effectLst/>
-                <a:latin typeface="Consolas" panose="020B0609020204030204" pitchFamily="49" charset="0"/>
-              </a:rPr>
-              <a:t>    console.log(</a:t>
-            </a:r>
-            <a:r>
-              <a:rPr lang="en-US" sz="2000" b="0" dirty="0">
-                <a:solidFill>
-                  <a:srgbClr val="A31515"/>
-                </a:solidFill>
-                <a:effectLst/>
-                <a:latin typeface="Consolas" panose="020B0609020204030204" pitchFamily="49" charset="0"/>
-              </a:rPr>
-              <a:t>`starting </a:t>
-            </a:r>
-            <a:r>
-              <a:rPr lang="en-US" sz="2000" b="0" dirty="0" err="1">
-                <a:solidFill>
-                  <a:srgbClr val="A31515"/>
-                </a:solidFill>
-                <a:effectLst/>
-                <a:latin typeface="Consolas" panose="020B0609020204030204" pitchFamily="49" charset="0"/>
-              </a:rPr>
-              <a:t>makeRequest</a:t>
-            </a:r>
-            <a:r>
-              <a:rPr lang="en-US" sz="2000" b="0" dirty="0">
-                <a:solidFill>
-                  <a:srgbClr val="A31515"/>
-                </a:solidFill>
-                <a:effectLst/>
-                <a:latin typeface="Consolas" panose="020B0609020204030204" pitchFamily="49" charset="0"/>
-              </a:rPr>
-              <a:t>(</a:t>
-            </a:r>
-            <a:r>
-              <a:rPr lang="en-US" sz="2000" b="0" dirty="0">
-                <a:solidFill>
-                  <a:srgbClr val="0000FF"/>
-                </a:solidFill>
-                <a:effectLst/>
-                <a:latin typeface="Consolas" panose="020B0609020204030204" pitchFamily="49" charset="0"/>
-              </a:rPr>
-              <a:t>${</a:t>
-            </a:r>
-            <a:r>
-              <a:rPr lang="en-US" sz="2000" b="0" dirty="0" err="1">
-                <a:solidFill>
-                  <a:srgbClr val="000000"/>
-                </a:solidFill>
-                <a:effectLst/>
-                <a:latin typeface="Consolas" panose="020B0609020204030204" pitchFamily="49" charset="0"/>
-              </a:rPr>
-              <a:t>requestNumber</a:t>
-            </a:r>
-            <a:r>
-              <a:rPr lang="en-US" sz="2000" b="0" dirty="0">
-                <a:solidFill>
-                  <a:srgbClr val="0000FF"/>
-                </a:solidFill>
-                <a:effectLst/>
-                <a:latin typeface="Consolas" panose="020B0609020204030204" pitchFamily="49" charset="0"/>
-              </a:rPr>
-              <a:t>}</a:t>
-            </a:r>
-            <a:r>
-              <a:rPr lang="en-US" sz="2000" b="0" dirty="0">
-                <a:solidFill>
-                  <a:srgbClr val="A31515"/>
-                </a:solidFill>
-                <a:effectLst/>
-                <a:latin typeface="Consolas" panose="020B0609020204030204" pitchFamily="49" charset="0"/>
-              </a:rPr>
-              <a:t>)`</a:t>
-            </a:r>
-            <a:r>
-              <a:rPr lang="en-US" sz="2000" b="0" dirty="0">
-                <a:solidFill>
-                  <a:srgbClr val="000000"/>
-                </a:solidFill>
-                <a:effectLst/>
-                <a:latin typeface="Consolas" panose="020B0609020204030204" pitchFamily="49" charset="0"/>
-              </a:rPr>
-              <a:t>);</a:t>
-            </a:r>
-          </a:p>
-          <a:p>
-            <a:pPr algn="l"/>
-            <a:r>
-              <a:rPr lang="en-US" sz="2000" b="0" dirty="0">
-                <a:solidFill>
-                  <a:srgbClr val="000000"/>
-                </a:solidFill>
-                <a:effectLst/>
-                <a:latin typeface="Consolas" panose="020B0609020204030204" pitchFamily="49" charset="0"/>
-              </a:rPr>
-              <a:t>    </a:t>
-            </a:r>
-            <a:r>
-              <a:rPr lang="en-US" sz="2000" b="0" dirty="0">
-                <a:solidFill>
-                  <a:srgbClr val="0000FF"/>
-                </a:solidFill>
-                <a:effectLst/>
-                <a:latin typeface="Consolas" panose="020B0609020204030204" pitchFamily="49" charset="0"/>
-              </a:rPr>
-              <a:t>const</a:t>
-            </a:r>
-            <a:r>
-              <a:rPr lang="en-US" sz="2000" b="0" dirty="0">
-                <a:solidFill>
-                  <a:srgbClr val="000000"/>
-                </a:solidFill>
-                <a:effectLst/>
-                <a:latin typeface="Consolas" panose="020B0609020204030204" pitchFamily="49" charset="0"/>
-              </a:rPr>
-              <a:t> response = </a:t>
-            </a:r>
-            <a:r>
-              <a:rPr lang="en-US" sz="2000" b="0" dirty="0">
-                <a:solidFill>
-                  <a:srgbClr val="0000FF"/>
-                </a:solidFill>
-                <a:effectLst/>
-                <a:latin typeface="Consolas" panose="020B0609020204030204" pitchFamily="49" charset="0"/>
-              </a:rPr>
-              <a:t>await</a:t>
-            </a:r>
-            <a:r>
-              <a:rPr lang="en-US" sz="2000" b="0" dirty="0">
-                <a:solidFill>
-                  <a:srgbClr val="000000"/>
-                </a:solidFill>
-                <a:effectLst/>
-                <a:latin typeface="Consolas" panose="020B0609020204030204" pitchFamily="49" charset="0"/>
-              </a:rPr>
-              <a:t> </a:t>
-            </a:r>
-            <a:r>
-              <a:rPr lang="en-US" sz="2000" b="0" dirty="0" err="1">
-                <a:solidFill>
-                  <a:srgbClr val="000000"/>
-                </a:solidFill>
-                <a:effectLst/>
-                <a:latin typeface="Consolas" panose="020B0609020204030204" pitchFamily="49" charset="0"/>
-              </a:rPr>
-              <a:t>axios.get</a:t>
-            </a:r>
-            <a:r>
-              <a:rPr lang="en-US" sz="2000" b="0" dirty="0">
-                <a:solidFill>
-                  <a:srgbClr val="000000"/>
-                </a:solidFill>
-                <a:effectLst/>
-                <a:latin typeface="Consolas" panose="020B0609020204030204" pitchFamily="49" charset="0"/>
-              </a:rPr>
-              <a:t>(</a:t>
-            </a:r>
-            <a:r>
-              <a:rPr lang="en-US" sz="2000" b="0" dirty="0">
-                <a:solidFill>
-                  <a:srgbClr val="A31515"/>
-                </a:solidFill>
-                <a:effectLst/>
-                <a:latin typeface="Consolas" panose="020B0609020204030204" pitchFamily="49" charset="0"/>
-              </a:rPr>
-              <a:t>'https://rest-</a:t>
-            </a:r>
-            <a:r>
-              <a:rPr lang="en-US" sz="2000" b="0" dirty="0" err="1">
-                <a:solidFill>
-                  <a:srgbClr val="A31515"/>
-                </a:solidFill>
-                <a:effectLst/>
-                <a:latin typeface="Consolas" panose="020B0609020204030204" pitchFamily="49" charset="0"/>
-              </a:rPr>
-              <a:t>example.covey.town</a:t>
-            </a:r>
-            <a:r>
-              <a:rPr lang="en-US" sz="2000" b="0" dirty="0">
-                <a:solidFill>
-                  <a:srgbClr val="A31515"/>
-                </a:solidFill>
-                <a:effectLst/>
-                <a:latin typeface="Consolas" panose="020B0609020204030204" pitchFamily="49" charset="0"/>
-              </a:rPr>
-              <a:t>'</a:t>
-            </a:r>
-            <a:r>
-              <a:rPr lang="en-US" sz="2000" b="0" dirty="0">
-                <a:solidFill>
-                  <a:srgbClr val="000000"/>
-                </a:solidFill>
-                <a:effectLst/>
-                <a:latin typeface="Consolas" panose="020B0609020204030204" pitchFamily="49" charset="0"/>
-              </a:rPr>
-              <a:t>);</a:t>
-            </a:r>
-          </a:p>
-          <a:p>
-            <a:pPr algn="l"/>
-            <a:r>
-              <a:rPr lang="en-US" sz="2000" b="0" dirty="0">
-                <a:solidFill>
-                  <a:srgbClr val="000000"/>
-                </a:solidFill>
-                <a:effectLst/>
-                <a:latin typeface="Consolas" panose="020B0609020204030204" pitchFamily="49" charset="0"/>
-              </a:rPr>
-              <a:t>    console.log(</a:t>
-            </a:r>
-            <a:r>
-              <a:rPr lang="en-US" sz="2000" b="0" dirty="0">
-                <a:solidFill>
-                  <a:srgbClr val="A31515"/>
-                </a:solidFill>
-                <a:effectLst/>
-                <a:latin typeface="Consolas" panose="020B0609020204030204" pitchFamily="49" charset="0"/>
-              </a:rPr>
-              <a:t>'request:'</a:t>
-            </a:r>
-            <a:r>
-              <a:rPr lang="en-US" sz="2000" b="0" dirty="0">
-                <a:solidFill>
-                  <a:srgbClr val="000000"/>
-                </a:solidFill>
-                <a:effectLst/>
-                <a:latin typeface="Consolas" panose="020B0609020204030204" pitchFamily="49" charset="0"/>
-              </a:rPr>
-              <a:t>, </a:t>
-            </a:r>
-            <a:r>
-              <a:rPr lang="en-US" sz="2000" b="0" dirty="0" err="1">
-                <a:solidFill>
-                  <a:srgbClr val="000000"/>
-                </a:solidFill>
-                <a:effectLst/>
-                <a:latin typeface="Consolas" panose="020B0609020204030204" pitchFamily="49" charset="0"/>
-              </a:rPr>
-              <a:t>requestNumber</a:t>
-            </a:r>
-            <a:r>
-              <a:rPr lang="en-US" sz="2000" b="0" dirty="0">
-                <a:solidFill>
-                  <a:srgbClr val="000000"/>
-                </a:solidFill>
-                <a:effectLst/>
-                <a:latin typeface="Consolas" panose="020B0609020204030204" pitchFamily="49" charset="0"/>
-              </a:rPr>
-              <a:t>, </a:t>
-            </a:r>
-            <a:r>
-              <a:rPr lang="en-US" sz="2000" b="0" dirty="0">
-                <a:solidFill>
-                  <a:srgbClr val="A31515"/>
-                </a:solidFill>
-                <a:effectLst/>
-                <a:latin typeface="Consolas" panose="020B0609020204030204" pitchFamily="49" charset="0"/>
-              </a:rPr>
-              <a:t>'\</a:t>
-            </a:r>
-            <a:r>
-              <a:rPr lang="en-US" sz="2000" b="0" dirty="0" err="1">
-                <a:solidFill>
-                  <a:srgbClr val="A31515"/>
-                </a:solidFill>
-                <a:effectLst/>
-                <a:latin typeface="Consolas" panose="020B0609020204030204" pitchFamily="49" charset="0"/>
-              </a:rPr>
-              <a:t>nresponse</a:t>
-            </a:r>
-            <a:r>
-              <a:rPr lang="en-US" sz="2000" b="0" dirty="0">
-                <a:solidFill>
-                  <a:srgbClr val="A31515"/>
-                </a:solidFill>
-                <a:effectLst/>
-                <a:latin typeface="Consolas" panose="020B0609020204030204" pitchFamily="49" charset="0"/>
-              </a:rPr>
-              <a:t>:'</a:t>
-            </a:r>
-            <a:r>
-              <a:rPr lang="en-US" sz="2000" b="0" dirty="0">
-                <a:solidFill>
-                  <a:srgbClr val="000000"/>
-                </a:solidFill>
-                <a:effectLst/>
-                <a:latin typeface="Consolas" panose="020B0609020204030204" pitchFamily="49" charset="0"/>
-              </a:rPr>
-              <a:t>, </a:t>
-            </a:r>
-            <a:r>
-              <a:rPr lang="en-US" sz="2000" b="0" dirty="0" err="1">
-                <a:solidFill>
-                  <a:srgbClr val="000000"/>
-                </a:solidFill>
-                <a:effectLst/>
-                <a:latin typeface="Consolas" panose="020B0609020204030204" pitchFamily="49" charset="0"/>
-              </a:rPr>
-              <a:t>response.data</a:t>
-            </a:r>
-            <a:r>
-              <a:rPr lang="en-US" sz="2000" b="0" dirty="0">
-                <a:solidFill>
-                  <a:srgbClr val="000000"/>
-                </a:solidFill>
-                <a:effectLst/>
-                <a:latin typeface="Consolas" panose="020B0609020204030204" pitchFamily="49" charset="0"/>
-              </a:rPr>
-              <a:t>);</a:t>
-            </a:r>
-          </a:p>
-          <a:p>
-            <a:pPr algn="l"/>
-            <a:r>
-              <a:rPr lang="en-US" sz="2000" b="0" dirty="0">
-                <a:solidFill>
-                  <a:srgbClr val="000000"/>
-                </a:solidFill>
-                <a:effectLst/>
-                <a:latin typeface="Consolas" panose="020B0609020204030204" pitchFamily="49" charset="0"/>
-              </a:rPr>
-              <a:t>}</a:t>
-            </a:r>
-          </a:p>
-        </p:txBody>
-      </p:sp>
-      <p:sp>
-        <p:nvSpPr>
-          <p:cNvPr id="5" name="TextBox 4">
-            <a:extLst>
-              <a:ext uri="{FF2B5EF4-FFF2-40B4-BE49-F238E27FC236}">
-                <a16:creationId xmlns:a16="http://schemas.microsoft.com/office/drawing/2014/main" id="{C5E57914-2939-721E-6FBF-EF74F22EA9A7}"/>
-              </a:ext>
-            </a:extLst>
-          </p:cNvPr>
-          <p:cNvSpPr txBox="1"/>
-          <p:nvPr/>
-        </p:nvSpPr>
-        <p:spPr>
-          <a:xfrm>
-            <a:off x="9577137" y="148557"/>
-            <a:ext cx="2407744" cy="1215189"/>
-          </a:xfrm>
-          <a:prstGeom prst="rect">
-            <a:avLst/>
-          </a:prstGeom>
-          <a:solidFill>
-            <a:schemeClr val="accent4"/>
-          </a:solidFill>
-          <a:ln>
-            <a:noFill/>
-          </a:ln>
-        </p:spPr>
-        <p:style>
-          <a:lnRef idx="2">
-            <a:schemeClr val="accent1">
-              <a:shade val="50000"/>
-            </a:schemeClr>
-          </a:lnRef>
-          <a:fillRef idx="1">
-            <a:schemeClr val="accent1"/>
-          </a:fillRef>
-          <a:effectRef idx="0">
-            <a:schemeClr val="accent1"/>
-          </a:effectRef>
-          <a:fontRef idx="minor">
-            <a:schemeClr val="lt1"/>
-          </a:fontRef>
-        </p:style>
-        <p:txBody>
-          <a:bodyPr rot="0" spcFirstLastPara="0" vertOverflow="overflow" horzOverflow="overflow" vert="horz" wrap="square" lIns="91440" tIns="45720" rIns="91440" bIns="45720" numCol="1" spcCol="0" rtlCol="0" fromWordArt="0" anchor="ctr" anchorCtr="0" forceAA="0" compatLnSpc="1">
-            <a:prstTxWarp prst="textNoShape">
-              <a:avLst/>
-            </a:prstTxWarp>
-            <a:noAutofit/>
-          </a:bodyPr>
-          <a:lstStyle/>
-          <a:p>
-            <a:pPr algn="l"/>
-            <a:r>
-              <a:rPr lang="en-US" sz="2000" dirty="0">
-                <a:solidFill>
-                  <a:schemeClr val="tx1"/>
-                </a:solidFill>
-                <a:latin typeface="Verdana" panose="020B0604030504040204" pitchFamily="34" charset="0"/>
-                <a:ea typeface="Verdana" panose="020B0604030504040204" pitchFamily="34" charset="0"/>
-              </a:rPr>
-              <a:t>Maybe better?</a:t>
-            </a:r>
-          </a:p>
-        </p:txBody>
-      </p:sp>
+      </p:pic>
     </p:spTree>
     <p:extLst>
       <p:ext uri="{BB962C8B-B14F-4D97-AF65-F5344CB8AC3E}">
-        <p14:creationId xmlns:p14="http://schemas.microsoft.com/office/powerpoint/2010/main" val="3839594755"/>
+        <p14:creationId xmlns:p14="http://schemas.microsoft.com/office/powerpoint/2010/main" val="226957645"/>
       </p:ext>
     </p:extLst>
   </p:cSld>

--- a/Slides/Module 06 Concurrency Patterns in Typescript.pptx
+++ b/Slides/Module 06 Concurrency Patterns in Typescript.pptx
@@ -5,7 +5,7 @@
     <p:sldMasterId id="2147483703" r:id="rId1"/>
   </p:sldMasterIdLst>
   <p:notesMasterIdLst>
-    <p:notesMasterId r:id="rId41"/>
+    <p:notesMasterId r:id="rId40"/>
   </p:notesMasterIdLst>
   <p:sldIdLst>
     <p:sldId id="485" r:id="rId2"/>
@@ -21,32 +21,31 @@
     <p:sldId id="669" r:id="rId12"/>
     <p:sldId id="672" r:id="rId13"/>
     <p:sldId id="632" r:id="rId14"/>
-    <p:sldId id="645" r:id="rId15"/>
-    <p:sldId id="687" r:id="rId16"/>
-    <p:sldId id="680" r:id="rId17"/>
-    <p:sldId id="679" r:id="rId18"/>
-    <p:sldId id="661" r:id="rId19"/>
-    <p:sldId id="662" r:id="rId20"/>
-    <p:sldId id="677" r:id="rId21"/>
-    <p:sldId id="681" r:id="rId22"/>
-    <p:sldId id="682" r:id="rId23"/>
-    <p:sldId id="578" r:id="rId24"/>
-    <p:sldId id="673" r:id="rId25"/>
-    <p:sldId id="675" r:id="rId26"/>
-    <p:sldId id="676" r:id="rId27"/>
-    <p:sldId id="683" r:id="rId28"/>
-    <p:sldId id="684" r:id="rId29"/>
-    <p:sldId id="628" r:id="rId30"/>
-    <p:sldId id="594" r:id="rId31"/>
-    <p:sldId id="560" r:id="rId32"/>
-    <p:sldId id="664" r:id="rId33"/>
-    <p:sldId id="629" r:id="rId34"/>
-    <p:sldId id="277" r:id="rId35"/>
-    <p:sldId id="544" r:id="rId36"/>
+    <p:sldId id="687" r:id="rId15"/>
+    <p:sldId id="680" r:id="rId16"/>
+    <p:sldId id="679" r:id="rId17"/>
+    <p:sldId id="661" r:id="rId18"/>
+    <p:sldId id="662" r:id="rId19"/>
+    <p:sldId id="677" r:id="rId20"/>
+    <p:sldId id="681" r:id="rId21"/>
+    <p:sldId id="682" r:id="rId22"/>
+    <p:sldId id="578" r:id="rId23"/>
+    <p:sldId id="673" r:id="rId24"/>
+    <p:sldId id="675" r:id="rId25"/>
+    <p:sldId id="676" r:id="rId26"/>
+    <p:sldId id="683" r:id="rId27"/>
+    <p:sldId id="684" r:id="rId28"/>
+    <p:sldId id="628" r:id="rId29"/>
+    <p:sldId id="594" r:id="rId30"/>
+    <p:sldId id="560" r:id="rId31"/>
+    <p:sldId id="664" r:id="rId32"/>
+    <p:sldId id="629" r:id="rId33"/>
+    <p:sldId id="277" r:id="rId34"/>
+    <p:sldId id="544" r:id="rId35"/>
+    <p:sldId id="550" r:id="rId36"/>
     <p:sldId id="499" r:id="rId37"/>
-    <p:sldId id="550" r:id="rId38"/>
-    <p:sldId id="546" r:id="rId39"/>
-    <p:sldId id="604" r:id="rId40"/>
+    <p:sldId id="546" r:id="rId38"/>
+    <p:sldId id="604" r:id="rId39"/>
   </p:sldIdLst>
   <p:sldSz cx="12192000" cy="6858000"/>
   <p:notesSz cx="6858000" cy="9144000"/>
@@ -366,7 +365,6 @@
             <p14:sldId id="669"/>
             <p14:sldId id="672"/>
             <p14:sldId id="632"/>
-            <p14:sldId id="645"/>
             <p14:sldId id="687"/>
             <p14:sldId id="680"/>
             <p14:sldId id="679"/>
@@ -388,8 +386,8 @@
             <p14:sldId id="629"/>
             <p14:sldId id="277"/>
             <p14:sldId id="544"/>
+            <p14:sldId id="550"/>
             <p14:sldId id="499"/>
-            <p14:sldId id="550"/>
             <p14:sldId id="546"/>
             <p14:sldId id="604"/>
           </p14:sldIdLst>
@@ -757,112 +755,6 @@
         <p:cNvPr id="1" name="">
           <a:extLst>
             <a:ext uri="{FF2B5EF4-FFF2-40B4-BE49-F238E27FC236}">
-              <a16:creationId xmlns:a16="http://schemas.microsoft.com/office/drawing/2014/main" id="{6040CAFC-70A2-CF27-DF72-858484F3273C}"/>
-            </a:ext>
-          </a:extLst>
-        </p:cNvPr>
-        <p:cNvGrpSpPr/>
-        <p:nvPr/>
-      </p:nvGrpSpPr>
-      <p:grpSpPr>
-        <a:xfrm>
-          <a:off x="0" y="0"/>
-          <a:ext cx="0" cy="0"/>
-          <a:chOff x="0" y="0"/>
-          <a:chExt cx="0" cy="0"/>
-        </a:xfrm>
-      </p:grpSpPr>
-      <p:sp>
-        <p:nvSpPr>
-          <p:cNvPr id="2" name="Slide Image Placeholder 1">
-            <a:extLst>
-              <a:ext uri="{FF2B5EF4-FFF2-40B4-BE49-F238E27FC236}">
-                <a16:creationId xmlns:a16="http://schemas.microsoft.com/office/drawing/2014/main" id="{D468E248-B1BA-977E-C3DE-B18A8AF56E7E}"/>
-              </a:ext>
-            </a:extLst>
-          </p:cNvPr>
-          <p:cNvSpPr>
-            <a:spLocks noGrp="1" noRot="1" noChangeAspect="1"/>
-          </p:cNvSpPr>
-          <p:nvPr>
-            <p:ph type="sldImg"/>
-          </p:nvPr>
-        </p:nvSpPr>
-        <p:spPr/>
-      </p:sp>
-      <p:sp>
-        <p:nvSpPr>
-          <p:cNvPr id="3" name="Notes Placeholder 2">
-            <a:extLst>
-              <a:ext uri="{FF2B5EF4-FFF2-40B4-BE49-F238E27FC236}">
-                <a16:creationId xmlns:a16="http://schemas.microsoft.com/office/drawing/2014/main" id="{2F953900-A67C-EB3D-2C3E-CEA70B40B116}"/>
-              </a:ext>
-            </a:extLst>
-          </p:cNvPr>
-          <p:cNvSpPr>
-            <a:spLocks noGrp="1"/>
-          </p:cNvSpPr>
-          <p:nvPr>
-            <p:ph type="body" idx="1"/>
-          </p:nvPr>
-        </p:nvSpPr>
-        <p:spPr/>
-        <p:txBody>
-          <a:bodyPr/>
-          <a:lstStyle/>
-          <a:p>
-            <a:r>
-              <a:rPr lang="en-US" dirty="0"/>
-              <a:t>It is important to note that you can call </a:t>
-            </a:r>
-            <a:r>
-              <a:rPr lang="en-US" dirty="0" err="1"/>
-              <a:t>makeRequest</a:t>
-            </a:r>
-            <a:r>
-              <a:rPr lang="en-US" dirty="0"/>
-              <a:t> but it will be awaiting a future response. That promise was returned immediately back to the caller (whichever promise called the </a:t>
-            </a:r>
-            <a:r>
-              <a:rPr lang="en-US" dirty="0" err="1"/>
-              <a:t>makeRequest</a:t>
-            </a:r>
-            <a:r>
-              <a:rPr lang="en-US" dirty="0"/>
-              <a:t>) and that the caller’s thread continues on while </a:t>
-            </a:r>
-            <a:r>
-              <a:rPr lang="en-US" dirty="0" err="1"/>
-              <a:t>makeRequest</a:t>
-            </a:r>
-            <a:r>
-              <a:rPr lang="en-US" dirty="0"/>
-              <a:t> is waiting for a response, just as in our previous examples.</a:t>
-            </a:r>
-          </a:p>
-        </p:txBody>
-      </p:sp>
-    </p:spTree>
-    <p:extLst>
-      <p:ext uri="{BB962C8B-B14F-4D97-AF65-F5344CB8AC3E}">
-        <p14:creationId xmlns:p14="http://schemas.microsoft.com/office/powerpoint/2010/main" val="4196159738"/>
-      </p:ext>
-    </p:extLst>
-  </p:cSld>
-  <p:clrMapOvr>
-    <a:masterClrMapping/>
-  </p:clrMapOvr>
-</p:notes>
-</file>
-
-<file path=ppt/notesSlides/notesSlide12.xml><?xml version="1.0" encoding="utf-8"?>
-<p:notes xmlns:a="http://schemas.openxmlformats.org/drawingml/2006/main" xmlns:r="http://schemas.openxmlformats.org/officeDocument/2006/relationships" xmlns:p="http://schemas.openxmlformats.org/presentationml/2006/main">
-  <p:cSld>
-    <p:spTree>
-      <p:nvGrpSpPr>
-        <p:cNvPr id="1" name="">
-          <a:extLst>
-            <a:ext uri="{FF2B5EF4-FFF2-40B4-BE49-F238E27FC236}">
               <a16:creationId xmlns:a16="http://schemas.microsoft.com/office/drawing/2014/main" id="{BA52DCA0-7665-BF41-EE6E-6EC73038DE53}"/>
             </a:ext>
           </a:extLst>
@@ -961,7 +853,7 @@
 </p:notes>
 </file>
 
-<file path=ppt/notesSlides/notesSlide13.xml><?xml version="1.0" encoding="utf-8"?>
+<file path=ppt/notesSlides/notesSlide12.xml><?xml version="1.0" encoding="utf-8"?>
 <p:notes xmlns:a="http://schemas.openxmlformats.org/drawingml/2006/main" xmlns:r="http://schemas.openxmlformats.org/officeDocument/2006/relationships" xmlns:p="http://schemas.openxmlformats.org/presentationml/2006/main">
   <p:cSld>
     <p:spTree>
@@ -1073,7 +965,7 @@
 </p:notes>
 </file>
 
-<file path=ppt/notesSlides/notesSlide14.xml><?xml version="1.0" encoding="utf-8"?>
+<file path=ppt/notesSlides/notesSlide13.xml><?xml version="1.0" encoding="utf-8"?>
 <p:notes xmlns:a="http://schemas.openxmlformats.org/drawingml/2006/main" xmlns:r="http://schemas.openxmlformats.org/officeDocument/2006/relationships" xmlns:p="http://schemas.openxmlformats.org/presentationml/2006/main">
   <p:cSld>
     <p:spTree>
@@ -1163,6 +1055,82 @@
 </p:notes>
 </file>
 
+<file path=ppt/notesSlides/notesSlide14.xml><?xml version="1.0" encoding="utf-8"?>
+<p:notes xmlns:a="http://schemas.openxmlformats.org/drawingml/2006/main" xmlns:r="http://schemas.openxmlformats.org/officeDocument/2006/relationships" xmlns:p="http://schemas.openxmlformats.org/presentationml/2006/main">
+  <p:cSld>
+    <p:spTree>
+      <p:nvGrpSpPr>
+        <p:cNvPr id="1" name=""/>
+        <p:cNvGrpSpPr/>
+        <p:nvPr/>
+      </p:nvGrpSpPr>
+      <p:grpSpPr>
+        <a:xfrm>
+          <a:off x="0" y="0"/>
+          <a:ext cx="0" cy="0"/>
+          <a:chOff x="0" y="0"/>
+          <a:chExt cx="0" cy="0"/>
+        </a:xfrm>
+      </p:grpSpPr>
+      <p:sp>
+        <p:nvSpPr>
+          <p:cNvPr id="2" name="Slide Image Placeholder 1"/>
+          <p:cNvSpPr>
+            <a:spLocks noGrp="1" noRot="1" noChangeAspect="1"/>
+          </p:cNvSpPr>
+          <p:nvPr>
+            <p:ph type="sldImg"/>
+          </p:nvPr>
+        </p:nvSpPr>
+        <p:spPr/>
+      </p:sp>
+      <p:sp>
+        <p:nvSpPr>
+          <p:cNvPr id="3" name="Notes Placeholder 2"/>
+          <p:cNvSpPr>
+            <a:spLocks noGrp="1"/>
+          </p:cNvSpPr>
+          <p:nvPr>
+            <p:ph type="body" idx="1"/>
+          </p:nvPr>
+        </p:nvSpPr>
+        <p:spPr/>
+        <p:txBody>
+          <a:bodyPr/>
+          <a:lstStyle/>
+          <a:p>
+            <a:r>
+              <a:rPr lang="en-US" dirty="0"/>
+              <a:t>We should leverage concurrency whenever possible. </a:t>
+            </a:r>
+          </a:p>
+          <a:p>
+            <a:endParaRPr lang="en-US" dirty="0"/>
+          </a:p>
+          <a:p>
+            <a:r>
+              <a:rPr lang="en-US" dirty="0"/>
+              <a:t>(Time is average of 100 runs on Prof. Wand’s Lenovo X1)</a:t>
+            </a:r>
+          </a:p>
+          <a:p>
+            <a:endParaRPr lang="en-US" dirty="0"/>
+          </a:p>
+        </p:txBody>
+      </p:sp>
+    </p:spTree>
+    <p:extLst>
+      <p:ext uri="{BB962C8B-B14F-4D97-AF65-F5344CB8AC3E}">
+        <p14:creationId xmlns:p14="http://schemas.microsoft.com/office/powerpoint/2010/main" val="3972934259"/>
+      </p:ext>
+    </p:extLst>
+  </p:cSld>
+  <p:clrMapOvr>
+    <a:masterClrMapping/>
+  </p:clrMapOvr>
+</p:notes>
+</file>
+
 <file path=ppt/notesSlides/notesSlide15.xml><?xml version="1.0" encoding="utf-8"?>
 <p:notes xmlns:a="http://schemas.openxmlformats.org/drawingml/2006/main" xmlns:r="http://schemas.openxmlformats.org/officeDocument/2006/relationships" xmlns:p="http://schemas.openxmlformats.org/presentationml/2006/main">
   <p:cSld>
@@ -1207,29 +1175,23 @@
           <a:bodyPr/>
           <a:lstStyle/>
           <a:p>
+            <a:endParaRPr lang="en-US" dirty="0"/>
+          </a:p>
+          <a:p>
+            <a:endParaRPr lang="en-US" dirty="0"/>
+          </a:p>
+          <a:p>
             <a:r>
               <a:rPr lang="en-US" dirty="0"/>
-              <a:t>We should leverage concurrency whenever possible. </a:t>
-            </a:r>
-          </a:p>
-          <a:p>
-            <a:endParaRPr lang="en-US" dirty="0"/>
-          </a:p>
-          <a:p>
-            <a:r>
-              <a:rPr lang="en-US" dirty="0"/>
-              <a:t>(Time is average of 100 runs on Prof. Wand’s Lenovo X1)</a:t>
-            </a:r>
-          </a:p>
-          <a:p>
-            <a:endParaRPr lang="en-US" dirty="0"/>
+              <a:t>In both cases, there is at most one active promise (in green) at any time!  But the concurrent version "masks latency with concurrency", as we said way back on slide 1.</a:t>
+            </a:r>
           </a:p>
         </p:txBody>
       </p:sp>
     </p:spTree>
     <p:extLst>
       <p:ext uri="{BB962C8B-B14F-4D97-AF65-F5344CB8AC3E}">
-        <p14:creationId xmlns:p14="http://schemas.microsoft.com/office/powerpoint/2010/main" val="3972934259"/>
+        <p14:creationId xmlns:p14="http://schemas.microsoft.com/office/powerpoint/2010/main" val="502165979"/>
       </p:ext>
     </p:extLst>
   </p:cSld>
@@ -1283,15 +1245,17 @@
           <a:bodyPr/>
           <a:lstStyle/>
           <a:p>
-            <a:endParaRPr lang="en-US" dirty="0"/>
-          </a:p>
-          <a:p>
-            <a:endParaRPr lang="en-US" dirty="0"/>
-          </a:p>
-          <a:p>
             <a:r>
               <a:rPr lang="en-US" dirty="0"/>
-              <a:t>In both cases, there is at most one active promise (in green) at any time!  But the concurrent version "masks latency with concurrency", as we said way back on slide 1.</a:t>
+              <a:t>In the examples so far, the arguments to the requests were independent of each other.  But there's no reason they have to be independent (except for </a:t>
+            </a:r>
+            <a:r>
+              <a:rPr lang="en-US" dirty="0" err="1"/>
+              <a:t>Promise.all</a:t>
+            </a:r>
+            <a:r>
+              <a:rPr lang="en-US" dirty="0"/>
+              <a:t>).  You can make them any way you need to.</a:t>
             </a:r>
           </a:p>
         </p:txBody>
@@ -1299,7 +1263,7 @@
     </p:spTree>
     <p:extLst>
       <p:ext uri="{BB962C8B-B14F-4D97-AF65-F5344CB8AC3E}">
-        <p14:creationId xmlns:p14="http://schemas.microsoft.com/office/powerpoint/2010/main" val="502165979"/>
+        <p14:creationId xmlns:p14="http://schemas.microsoft.com/office/powerpoint/2010/main" val="3561040700"/>
       </p:ext>
     </p:extLst>
   </p:cSld>
@@ -1354,16 +1318,20 @@
           <a:lstStyle/>
           <a:p>
             <a:r>
+              <a:rPr lang="en-US" dirty="0" err="1"/>
+              <a:t>asyncs</a:t>
+            </a:r>
+            <a:r>
               <a:rPr lang="en-US" dirty="0"/>
-              <a:t>In the examples so far, the arguments to the requests were independent of each other.  But there's no reason they have to be independent (except for </a:t>
+              <a:t> play nicely with try/catch.   Here we've tweaked </a:t>
             </a:r>
             <a:r>
               <a:rPr lang="en-US" dirty="0" err="1"/>
-              <a:t>Promise.all</a:t>
+              <a:t>fakeRequest</a:t>
             </a:r>
             <a:r>
               <a:rPr lang="en-US" dirty="0"/>
-              <a:t>).  You can make them any way you need to.</a:t>
+              <a:t> so that it will sometimes throw an error, and here's a wrapper that recovers from those errors (by returning 0).</a:t>
             </a:r>
           </a:p>
         </p:txBody>
@@ -1371,7 +1339,7 @@
     </p:spTree>
     <p:extLst>
       <p:ext uri="{BB962C8B-B14F-4D97-AF65-F5344CB8AC3E}">
-        <p14:creationId xmlns:p14="http://schemas.microsoft.com/office/powerpoint/2010/main" val="3561040700"/>
+        <p14:creationId xmlns:p14="http://schemas.microsoft.com/office/powerpoint/2010/main" val="2700302133"/>
       </p:ext>
     </p:extLst>
   </p:cSld>
@@ -1426,82 +1394,6 @@
           <a:lstStyle/>
           <a:p>
             <a:r>
-              <a:rPr lang="en-US" dirty="0" err="1"/>
-              <a:t>asyncs</a:t>
-            </a:r>
-            <a:r>
-              <a:rPr lang="en-US" dirty="0"/>
-              <a:t> play nicely with try/catch.   Here we've tweaked </a:t>
-            </a:r>
-            <a:r>
-              <a:rPr lang="en-US" dirty="0" err="1"/>
-              <a:t>fakeRequest</a:t>
-            </a:r>
-            <a:r>
-              <a:rPr lang="en-US" dirty="0"/>
-              <a:t> so that it will sometimes throw an error, and here's a wrapper that recovers from those errors (by returning 0).</a:t>
-            </a:r>
-          </a:p>
-        </p:txBody>
-      </p:sp>
-    </p:spTree>
-    <p:extLst>
-      <p:ext uri="{BB962C8B-B14F-4D97-AF65-F5344CB8AC3E}">
-        <p14:creationId xmlns:p14="http://schemas.microsoft.com/office/powerpoint/2010/main" val="2700302133"/>
-      </p:ext>
-    </p:extLst>
-  </p:cSld>
-  <p:clrMapOvr>
-    <a:masterClrMapping/>
-  </p:clrMapOvr>
-</p:notes>
-</file>
-
-<file path=ppt/notesSlides/notesSlide19.xml><?xml version="1.0" encoding="utf-8"?>
-<p:notes xmlns:a="http://schemas.openxmlformats.org/drawingml/2006/main" xmlns:r="http://schemas.openxmlformats.org/officeDocument/2006/relationships" xmlns:p="http://schemas.openxmlformats.org/presentationml/2006/main">
-  <p:cSld>
-    <p:spTree>
-      <p:nvGrpSpPr>
-        <p:cNvPr id="1" name=""/>
-        <p:cNvGrpSpPr/>
-        <p:nvPr/>
-      </p:nvGrpSpPr>
-      <p:grpSpPr>
-        <a:xfrm>
-          <a:off x="0" y="0"/>
-          <a:ext cx="0" cy="0"/>
-          <a:chOff x="0" y="0"/>
-          <a:chExt cx="0" cy="0"/>
-        </a:xfrm>
-      </p:grpSpPr>
-      <p:sp>
-        <p:nvSpPr>
-          <p:cNvPr id="2" name="Slide Image Placeholder 1"/>
-          <p:cNvSpPr>
-            <a:spLocks noGrp="1" noRot="1" noChangeAspect="1"/>
-          </p:cNvSpPr>
-          <p:nvPr>
-            <p:ph type="sldImg"/>
-          </p:nvPr>
-        </p:nvSpPr>
-        <p:spPr/>
-      </p:sp>
-      <p:sp>
-        <p:nvSpPr>
-          <p:cNvPr id="3" name="Notes Placeholder 2"/>
-          <p:cNvSpPr>
-            <a:spLocks noGrp="1"/>
-          </p:cNvSpPr>
-          <p:nvPr>
-            <p:ph type="body" idx="1"/>
-          </p:nvPr>
-        </p:nvSpPr>
-        <p:spPr/>
-        <p:txBody>
-          <a:bodyPr/>
-          <a:lstStyle/>
-          <a:p>
-            <a:r>
               <a:rPr lang="en-US" dirty="0"/>
               <a:t>Let's change the subject.  How do you test an async function? To test an async function, make the second argument to ‘</a:t>
             </a:r>
@@ -1627,94 +1519,7 @@
 </p:notes>
 </file>
 
-<file path=ppt/notesSlides/notesSlide2.xml><?xml version="1.0" encoding="utf-8"?>
-<p:notes xmlns:a="http://schemas.openxmlformats.org/drawingml/2006/main" xmlns:r="http://schemas.openxmlformats.org/officeDocument/2006/relationships" xmlns:p="http://schemas.openxmlformats.org/presentationml/2006/main">
-  <p:cSld>
-    <p:spTree>
-      <p:nvGrpSpPr>
-        <p:cNvPr id="1" name=""/>
-        <p:cNvGrpSpPr/>
-        <p:nvPr/>
-      </p:nvGrpSpPr>
-      <p:grpSpPr>
-        <a:xfrm>
-          <a:off x="0" y="0"/>
-          <a:ext cx="0" cy="0"/>
-          <a:chOff x="0" y="0"/>
-          <a:chExt cx="0" cy="0"/>
-        </a:xfrm>
-      </p:grpSpPr>
-      <p:sp>
-        <p:nvSpPr>
-          <p:cNvPr id="2" name="Slide Image Placeholder 1"/>
-          <p:cNvSpPr>
-            <a:spLocks noGrp="1" noRot="1" noChangeAspect="1"/>
-          </p:cNvSpPr>
-          <p:nvPr>
-            <p:ph type="sldImg"/>
-          </p:nvPr>
-        </p:nvSpPr>
-        <p:spPr/>
-      </p:sp>
-      <p:sp>
-        <p:nvSpPr>
-          <p:cNvPr id="3" name="Notes Placeholder 2"/>
-          <p:cNvSpPr>
-            <a:spLocks noGrp="1"/>
-          </p:cNvSpPr>
-          <p:nvPr>
-            <p:ph type="body" idx="1"/>
-          </p:nvPr>
-        </p:nvSpPr>
-        <p:spPr/>
-        <p:txBody>
-          <a:bodyPr/>
-          <a:lstStyle/>
-          <a:p>
-            <a:r>
-              <a:rPr lang="en-US" dirty="0"/>
-              <a:t>&lt;read slide&gt;</a:t>
-            </a:r>
-          </a:p>
-        </p:txBody>
-      </p:sp>
-      <p:sp>
-        <p:nvSpPr>
-          <p:cNvPr id="4" name="Slide Number Placeholder 3"/>
-          <p:cNvSpPr>
-            <a:spLocks noGrp="1"/>
-          </p:cNvSpPr>
-          <p:nvPr>
-            <p:ph type="sldNum" sz="quarter" idx="5"/>
-          </p:nvPr>
-        </p:nvSpPr>
-        <p:spPr/>
-        <p:txBody>
-          <a:bodyPr/>
-          <a:lstStyle/>
-          <a:p>
-            <a:fld id="{07937F07-1250-4CCE-B198-1B2887014F41}" type="slidenum">
-              <a:rPr lang="en-US" smtClean="0"/>
-              <a:t>2</a:t>
-            </a:fld>
-            <a:endParaRPr lang="en-US"/>
-          </a:p>
-        </p:txBody>
-      </p:sp>
-    </p:spTree>
-    <p:extLst>
-      <p:ext uri="{BB962C8B-B14F-4D97-AF65-F5344CB8AC3E}">
-        <p14:creationId xmlns:p14="http://schemas.microsoft.com/office/powerpoint/2010/main" val="3748055252"/>
-      </p:ext>
-    </p:extLst>
-  </p:cSld>
-  <p:clrMapOvr>
-    <a:masterClrMapping/>
-  </p:clrMapOvr>
-</p:notes>
-</file>
-
-<file path=ppt/notesSlides/notesSlide20.xml><?xml version="1.0" encoding="utf-8"?>
+<file path=ppt/notesSlides/notesSlide19.xml><?xml version="1.0" encoding="utf-8"?>
 <p:notes xmlns:a="http://schemas.openxmlformats.org/drawingml/2006/main" xmlns:r="http://schemas.openxmlformats.org/officeDocument/2006/relationships" xmlns:p="http://schemas.openxmlformats.org/presentationml/2006/main">
   <p:cSld>
     <p:spTree>
@@ -1800,7 +1605,94 @@
 </p:notes>
 </file>
 
-<file path=ppt/notesSlides/notesSlide21.xml><?xml version="1.0" encoding="utf-8"?>
+<file path=ppt/notesSlides/notesSlide2.xml><?xml version="1.0" encoding="utf-8"?>
+<p:notes xmlns:a="http://schemas.openxmlformats.org/drawingml/2006/main" xmlns:r="http://schemas.openxmlformats.org/officeDocument/2006/relationships" xmlns:p="http://schemas.openxmlformats.org/presentationml/2006/main">
+  <p:cSld>
+    <p:spTree>
+      <p:nvGrpSpPr>
+        <p:cNvPr id="1" name=""/>
+        <p:cNvGrpSpPr/>
+        <p:nvPr/>
+      </p:nvGrpSpPr>
+      <p:grpSpPr>
+        <a:xfrm>
+          <a:off x="0" y="0"/>
+          <a:ext cx="0" cy="0"/>
+          <a:chOff x="0" y="0"/>
+          <a:chExt cx="0" cy="0"/>
+        </a:xfrm>
+      </p:grpSpPr>
+      <p:sp>
+        <p:nvSpPr>
+          <p:cNvPr id="2" name="Slide Image Placeholder 1"/>
+          <p:cNvSpPr>
+            <a:spLocks noGrp="1" noRot="1" noChangeAspect="1"/>
+          </p:cNvSpPr>
+          <p:nvPr>
+            <p:ph type="sldImg"/>
+          </p:nvPr>
+        </p:nvSpPr>
+        <p:spPr/>
+      </p:sp>
+      <p:sp>
+        <p:nvSpPr>
+          <p:cNvPr id="3" name="Notes Placeholder 2"/>
+          <p:cNvSpPr>
+            <a:spLocks noGrp="1"/>
+          </p:cNvSpPr>
+          <p:nvPr>
+            <p:ph type="body" idx="1"/>
+          </p:nvPr>
+        </p:nvSpPr>
+        <p:spPr/>
+        <p:txBody>
+          <a:bodyPr/>
+          <a:lstStyle/>
+          <a:p>
+            <a:r>
+              <a:rPr lang="en-US" dirty="0"/>
+              <a:t>&lt;read slide&gt;</a:t>
+            </a:r>
+          </a:p>
+        </p:txBody>
+      </p:sp>
+      <p:sp>
+        <p:nvSpPr>
+          <p:cNvPr id="4" name="Slide Number Placeholder 3"/>
+          <p:cNvSpPr>
+            <a:spLocks noGrp="1"/>
+          </p:cNvSpPr>
+          <p:nvPr>
+            <p:ph type="sldNum" sz="quarter" idx="5"/>
+          </p:nvPr>
+        </p:nvSpPr>
+        <p:spPr/>
+        <p:txBody>
+          <a:bodyPr/>
+          <a:lstStyle/>
+          <a:p>
+            <a:fld id="{07937F07-1250-4CCE-B198-1B2887014F41}" type="slidenum">
+              <a:rPr lang="en-US" smtClean="0"/>
+              <a:t>2</a:t>
+            </a:fld>
+            <a:endParaRPr lang="en-US"/>
+          </a:p>
+        </p:txBody>
+      </p:sp>
+    </p:spTree>
+    <p:extLst>
+      <p:ext uri="{BB962C8B-B14F-4D97-AF65-F5344CB8AC3E}">
+        <p14:creationId xmlns:p14="http://schemas.microsoft.com/office/powerpoint/2010/main" val="3748055252"/>
+      </p:ext>
+    </p:extLst>
+  </p:cSld>
+  <p:clrMapOvr>
+    <a:masterClrMapping/>
+  </p:clrMapOvr>
+</p:notes>
+</file>
+
+<file path=ppt/notesSlides/notesSlide20.xml><?xml version="1.0" encoding="utf-8"?>
 <p:notes xmlns:a="http://schemas.openxmlformats.org/drawingml/2006/main" xmlns:r="http://schemas.openxmlformats.org/officeDocument/2006/relationships" xmlns:p="http://schemas.openxmlformats.org/presentationml/2006/main">
   <p:cSld>
     <p:spTree>
@@ -1981,6 +1873,103 @@
 </p:notes>
 </file>
 
+<file path=ppt/notesSlides/notesSlide21.xml><?xml version="1.0" encoding="utf-8"?>
+<p:notes xmlns:a="http://schemas.openxmlformats.org/drawingml/2006/main" xmlns:r="http://schemas.openxmlformats.org/officeDocument/2006/relationships" xmlns:p="http://schemas.openxmlformats.org/presentationml/2006/main">
+  <p:cSld>
+    <p:spTree>
+      <p:nvGrpSpPr>
+        <p:cNvPr id="1" name=""/>
+        <p:cNvGrpSpPr/>
+        <p:nvPr/>
+      </p:nvGrpSpPr>
+      <p:grpSpPr>
+        <a:xfrm>
+          <a:off x="0" y="0"/>
+          <a:ext cx="0" cy="0"/>
+          <a:chOff x="0" y="0"/>
+          <a:chExt cx="0" cy="0"/>
+        </a:xfrm>
+      </p:grpSpPr>
+      <p:sp>
+        <p:nvSpPr>
+          <p:cNvPr id="2" name="Slide Image Placeholder 1"/>
+          <p:cNvSpPr>
+            <a:spLocks noGrp="1" noRot="1" noChangeAspect="1"/>
+          </p:cNvSpPr>
+          <p:nvPr>
+            <p:ph type="sldImg"/>
+          </p:nvPr>
+        </p:nvSpPr>
+        <p:spPr/>
+      </p:sp>
+      <p:sp>
+        <p:nvSpPr>
+          <p:cNvPr id="3" name="Notes Placeholder 2"/>
+          <p:cNvSpPr>
+            <a:spLocks noGrp="1"/>
+          </p:cNvSpPr>
+          <p:nvPr>
+            <p:ph type="body" idx="1"/>
+          </p:nvPr>
+        </p:nvSpPr>
+        <p:spPr/>
+        <p:txBody>
+          <a:bodyPr/>
+          <a:lstStyle/>
+          <a:p>
+            <a:r>
+              <a:rPr lang="en-US" dirty="0"/>
+              <a:t>This example also illustrates another </a:t>
+            </a:r>
+            <a:r>
+              <a:rPr lang="en-US" dirty="0" err="1"/>
+              <a:t>antiPattern</a:t>
+            </a:r>
+            <a:r>
+              <a:rPr lang="en-US" dirty="0"/>
+              <a:t>:  an async function with no await.  As it turns out, an async function with no await returns a promise to its returned value-- in this case, a promise that just returns </a:t>
+            </a:r>
+            <a:r>
+              <a:rPr lang="en-US" b="1" dirty="0"/>
+              <a:t>void. </a:t>
+            </a:r>
+            <a:r>
+              <a:rPr lang="en-US" b="0" dirty="0"/>
+              <a:t>If your function doesn't call any async function, then it shouldn't be an async.  If your function calls one or </a:t>
+            </a:r>
+            <a:r>
+              <a:rPr lang="en-US" b="0" dirty="0" err="1"/>
+              <a:t>asyncs</a:t>
+            </a:r>
+            <a:r>
+              <a:rPr lang="en-US" b="0" dirty="0"/>
+              <a:t>, then it should await them (either with await or await(</a:t>
+            </a:r>
+            <a:r>
+              <a:rPr lang="en-US" b="0" dirty="0" err="1"/>
+              <a:t>Promise.all</a:t>
+            </a:r>
+            <a:r>
+              <a:rPr lang="en-US" b="0" dirty="0"/>
+              <a:t>(…)) .)</a:t>
+            </a:r>
+            <a:endParaRPr lang="en-US" dirty="0"/>
+          </a:p>
+        </p:txBody>
+      </p:sp>
+    </p:spTree>
+    <p:extLst>
+      <p:ext uri="{BB962C8B-B14F-4D97-AF65-F5344CB8AC3E}">
+        <p14:creationId xmlns:p14="http://schemas.microsoft.com/office/powerpoint/2010/main" val="986658760"/>
+      </p:ext>
+    </p:extLst>
+  </p:cSld>
+  <p:clrMapOvr>
+    <a:masterClrMapping/>
+  </p:clrMapOvr>
+</p:notes>
+</file>
+
 <file path=ppt/notesSlides/notesSlide22.xml><?xml version="1.0" encoding="utf-8"?>
 <p:notes xmlns:a="http://schemas.openxmlformats.org/drawingml/2006/main" xmlns:r="http://schemas.openxmlformats.org/officeDocument/2006/relationships" xmlns:p="http://schemas.openxmlformats.org/presentationml/2006/main">
   <p:cSld>
@@ -2027,39 +2016,42 @@
           <a:p>
             <a:r>
               <a:rPr lang="en-US" dirty="0"/>
-              <a:t>This example also illustrates another </a:t>
+              <a:t>Before, we marked the critical sections in a single async function.  When we consider two or more </a:t>
             </a:r>
             <a:r>
               <a:rPr lang="en-US" dirty="0" err="1"/>
-              <a:t>antiPattern</a:t>
+              <a:t>asyncs</a:t>
             </a:r>
             <a:r>
               <a:rPr lang="en-US" dirty="0"/>
-              <a:t>:  an async function with no await.  As it turns out, an async function with no await returns a promise to its returned value-- in this case, a promise that just returns </a:t>
-            </a:r>
-            <a:r>
-              <a:rPr lang="en-US" b="1" dirty="0"/>
-              <a:t>void. </a:t>
-            </a:r>
-            <a:r>
-              <a:rPr lang="en-US" b="0" dirty="0"/>
-              <a:t>If your function doesn't call any async function, then it shouldn't be an async.  If your function calls one or </a:t>
-            </a:r>
-            <a:r>
-              <a:rPr lang="en-US" b="0" dirty="0" err="1"/>
-              <a:t>asyncs</a:t>
-            </a:r>
-            <a:r>
-              <a:rPr lang="en-US" b="0" dirty="0"/>
-              <a:t>, then it should await them (either with await or await(</a:t>
-            </a:r>
-            <a:r>
-              <a:rPr lang="en-US" b="0" dirty="0" err="1"/>
-              <a:t>Promise.all</a:t>
-            </a:r>
-            <a:r>
-              <a:rPr lang="en-US" b="0" dirty="0"/>
-              <a:t>(…)) .)</a:t>
+              <a:t>, the story is a little more complicated-- the two green sections actually form a single critical section, so the 'f started' will *always* be followed immediately by the 'g started'.   (And if there was a side-effect at the start of </a:t>
+            </a:r>
+            <a:r>
+              <a:rPr lang="en-US" dirty="0" err="1"/>
+              <a:t>fakeRequest</a:t>
+            </a:r>
+            <a:r>
+              <a:rPr lang="en-US" dirty="0"/>
+              <a:t>, that would similarly follow immediately after the 'g started'.  But there isn't </a:t>
+            </a:r>
+            <a:r>
+              <a:rPr lang="en-US" dirty="0">
+                <a:sym typeface="Wingdings" panose="05000000000000000000" pitchFamily="2" charset="2"/>
+              </a:rPr>
+              <a:t> ) . </a:t>
+            </a:r>
+          </a:p>
+          <a:p>
+            <a:endParaRPr lang="en-US" dirty="0">
+              <a:sym typeface="Wingdings" panose="05000000000000000000" pitchFamily="2" charset="2"/>
+            </a:endParaRPr>
+          </a:p>
+          <a:p>
+            <a:r>
+              <a:rPr lang="en-US" dirty="0">
+                <a:sym typeface="Wingdings" panose="05000000000000000000" pitchFamily="2" charset="2"/>
+              </a:rPr>
+              <a:t>The 'g started' exposes this subtlety-- if it wasn't there, you'd never be able to tell the difference.  So don't do that.  Make sure that nothing you do before the first await in your async causes a visible side-effect (e.g. a console.log), unless you really want to track what's going on at this level of detail.</a:t>
             </a:r>
             <a:endParaRPr lang="en-US" dirty="0"/>
           </a:p>
@@ -2068,7 +2060,7 @@
     </p:spTree>
     <p:extLst>
       <p:ext uri="{BB962C8B-B14F-4D97-AF65-F5344CB8AC3E}">
-        <p14:creationId xmlns:p14="http://schemas.microsoft.com/office/powerpoint/2010/main" val="986658760"/>
+        <p14:creationId xmlns:p14="http://schemas.microsoft.com/office/powerpoint/2010/main" val="3234752643"/>
       </p:ext>
     </p:extLst>
   </p:cSld>
@@ -2124,51 +2116,49 @@
           <a:p>
             <a:r>
               <a:rPr lang="en-US" dirty="0"/>
-              <a:t>Before, we marked the critical sections in a single async function.  When we consider two or more </a:t>
+              <a:t>&lt;read slide&gt;.  </a:t>
+            </a:r>
+          </a:p>
+          <a:p>
+            <a:r>
+              <a:rPr lang="en-US" dirty="0"/>
+              <a:t>- JS Engine includes a  {single} call stack that keeps track of each function that it is being executed</a:t>
+            </a:r>
+          </a:p>
+          <a:p>
+            <a:r>
+              <a:rPr lang="en-US" dirty="0"/>
+              <a:t>- Asynchronous (heavy) tasks are outsourced to </a:t>
             </a:r>
             <a:r>
               <a:rPr lang="en-US" dirty="0" err="1"/>
-              <a:t>asyncs</a:t>
+              <a:t>WebAPI</a:t>
             </a:r>
             <a:r>
               <a:rPr lang="en-US" dirty="0"/>
-              <a:t>, the story is a little more complicated-- the two green sections actually form a single critical section, so the 'f started' will *always* be followed immediately by the 'g started'.   (And if there was a side-effect at the start of </a:t>
+              <a:t>. When those are completed, they are placed in a callback queue.</a:t>
+            </a:r>
+          </a:p>
+          <a:p>
+            <a:r>
+              <a:rPr lang="en-US" dirty="0"/>
+              <a:t>- Event loop picks up “awaiting” {completed} tasks from queue when call stack is empty (i.e., when it is done with everything it was working on – think run to completion) and processes them in the order they were added to queue (i.e., they were completed by </a:t>
             </a:r>
             <a:r>
               <a:rPr lang="en-US" dirty="0" err="1"/>
-              <a:t>fakeRequest</a:t>
+              <a:t>WebAPI</a:t>
             </a:r>
             <a:r>
               <a:rPr lang="en-US" dirty="0"/>
-              <a:t>, that would similarly follow immediately after the 'g started'.  But there isn't </a:t>
-            </a:r>
-            <a:r>
-              <a:rPr lang="en-US" dirty="0">
-                <a:sym typeface="Wingdings" panose="05000000000000000000" pitchFamily="2" charset="2"/>
-              </a:rPr>
-              <a:t> ) . </a:t>
-            </a:r>
-          </a:p>
-          <a:p>
-            <a:endParaRPr lang="en-US" dirty="0">
-              <a:sym typeface="Wingdings" panose="05000000000000000000" pitchFamily="2" charset="2"/>
-            </a:endParaRPr>
-          </a:p>
-          <a:p>
-            <a:r>
-              <a:rPr lang="en-US" dirty="0">
-                <a:sym typeface="Wingdings" panose="05000000000000000000" pitchFamily="2" charset="2"/>
-              </a:rPr>
-              <a:t>The 'g started' exposes this subtlety-- if it wasn't there, you'd never be able to tell the difference.  So don't do that.  Make sure that nothing you do before the first await in your async causes a visible side-effect (e.g. a console.log), unless you really want to track what's going on at this level of detail.</a:t>
-            </a:r>
-            <a:endParaRPr lang="en-US" dirty="0"/>
+              <a:t>)</a:t>
+            </a:r>
           </a:p>
         </p:txBody>
       </p:sp>
     </p:spTree>
     <p:extLst>
       <p:ext uri="{BB962C8B-B14F-4D97-AF65-F5344CB8AC3E}">
-        <p14:creationId xmlns:p14="http://schemas.microsoft.com/office/powerpoint/2010/main" val="3234752643"/>
+        <p14:creationId xmlns:p14="http://schemas.microsoft.com/office/powerpoint/2010/main" val="1823654806"/>
       </p:ext>
     </p:extLst>
   </p:cSld>
@@ -2224,41 +2214,13 @@
           <a:p>
             <a:r>
               <a:rPr lang="en-US" dirty="0"/>
-              <a:t>&lt;read slide&gt;.  </a:t>
+              <a:t>That concludes our tour of cooperative multiprocessing.</a:t>
             </a:r>
           </a:p>
           <a:p>
             <a:r>
               <a:rPr lang="en-US" dirty="0"/>
-              <a:t>- JS Engine includes a  {single} call stack that keeps track of each function that it is being executed</a:t>
-            </a:r>
-          </a:p>
-          <a:p>
-            <a:r>
-              <a:rPr lang="en-US" dirty="0"/>
-              <a:t>- Asynchronous (heavy) tasks are outsourced to </a:t>
-            </a:r>
-            <a:r>
-              <a:rPr lang="en-US" dirty="0" err="1"/>
-              <a:t>WebAPI</a:t>
-            </a:r>
-            <a:r>
-              <a:rPr lang="en-US" dirty="0"/>
-              <a:t>. When those are completed, they are placed in a callback queue.</a:t>
-            </a:r>
-          </a:p>
-          <a:p>
-            <a:r>
-              <a:rPr lang="en-US" dirty="0"/>
-              <a:t>- Event loop picks up “awaiting” {completed} tasks from queue when call stack is empty (i.e., when it is done with everything it was working on – think run to completion) and processes them in the order they were added to queue (i.e., they were completed by </a:t>
-            </a:r>
-            <a:r>
-              <a:rPr lang="en-US" dirty="0" err="1"/>
-              <a:t>WebAPI</a:t>
-            </a:r>
-            <a:r>
-              <a:rPr lang="en-US" dirty="0"/>
-              <a:t>)</a:t>
+              <a:t>But where does the non-blocking IO come from?</a:t>
             </a:r>
           </a:p>
         </p:txBody>
@@ -2266,7 +2228,7 @@
     </p:spTree>
     <p:extLst>
       <p:ext uri="{BB962C8B-B14F-4D97-AF65-F5344CB8AC3E}">
-        <p14:creationId xmlns:p14="http://schemas.microsoft.com/office/powerpoint/2010/main" val="1823654806"/>
+        <p14:creationId xmlns:p14="http://schemas.microsoft.com/office/powerpoint/2010/main" val="2058166584"/>
       </p:ext>
     </p:extLst>
   </p:cSld>
@@ -2320,23 +2282,41 @@
           <a:bodyPr/>
           <a:lstStyle/>
           <a:p>
+            <a:pPr marL="0" marR="0" lvl="0" indent="0" defTabSz="228600" eaLnBrk="1" fontAlgn="auto" latinLnBrk="0" hangingPunct="1">
+              <a:lnSpc>
+                <a:spcPct val="117999"/>
+              </a:lnSpc>
+              <a:spcBef>
+                <a:spcPts val="0"/>
+              </a:spcBef>
+              <a:spcAft>
+                <a:spcPts val="0"/>
+              </a:spcAft>
+              <a:buClrTx/>
+              <a:buSzTx/>
+              <a:buFontTx/>
+              <a:buNone/>
+              <a:tabLst/>
+              <a:defRPr/>
+            </a:pPr>
             <a:r>
               <a:rPr lang="en-US" dirty="0"/>
-              <a:t>That concludes our tour of cooperative multiprocessing.</a:t>
-            </a:r>
-          </a:p>
-          <a:p>
-            <a:r>
-              <a:rPr lang="en-US" dirty="0"/>
-              <a:t>But where does the non-blocking IO come from?</a:t>
-            </a:r>
+              <a:t>This is what we said back on the slide with the stork, where we said "</a:t>
+            </a:r>
+            <a:r>
+              <a:rPr lang="en-US" sz="1100" dirty="0"/>
+              <a:t>Some typescript libraries have API procedures that return promises"</a:t>
+            </a:r>
+          </a:p>
+          <a:p>
+            <a:endParaRPr lang="en-US" dirty="0"/>
           </a:p>
         </p:txBody>
       </p:sp>
     </p:spTree>
     <p:extLst>
       <p:ext uri="{BB962C8B-B14F-4D97-AF65-F5344CB8AC3E}">
-        <p14:creationId xmlns:p14="http://schemas.microsoft.com/office/powerpoint/2010/main" val="2058166584"/>
+        <p14:creationId xmlns:p14="http://schemas.microsoft.com/office/powerpoint/2010/main" val="1428143635"/>
       </p:ext>
     </p:extLst>
   </p:cSld>
@@ -2390,41 +2370,99 @@
           <a:bodyPr/>
           <a:lstStyle/>
           <a:p>
-            <a:pPr marL="0" marR="0" lvl="0" indent="0" defTabSz="228600" eaLnBrk="1" fontAlgn="auto" latinLnBrk="0" hangingPunct="1">
-              <a:lnSpc>
-                <a:spcPct val="117999"/>
-              </a:lnSpc>
-              <a:spcBef>
-                <a:spcPts val="0"/>
-              </a:spcBef>
-              <a:spcAft>
-                <a:spcPts val="0"/>
-              </a:spcAft>
-              <a:buClrTx/>
-              <a:buSzTx/>
-              <a:buFontTx/>
-              <a:buNone/>
-              <a:tabLst/>
-              <a:defRPr/>
-            </a:pPr>
+            <a:r>
+              <a:rPr lang="en-US" dirty="0" err="1"/>
+              <a:t>Javascript</a:t>
+            </a:r>
             <a:r>
               <a:rPr lang="en-US" dirty="0"/>
-              <a:t>This is what we said back on the slide with the stork, where we said "</a:t>
-            </a:r>
-            <a:r>
-              <a:rPr lang="en-US" sz="1100" dirty="0"/>
-              <a:t>Some typescript libraries have API procedures that return promises"</a:t>
+              <a:t> is a single threaded language. This means it has one call stack and one memory heap. It uses </a:t>
+            </a:r>
+            <a:r>
+              <a:rPr lang="en-US" dirty="0" err="1"/>
+              <a:t>WebAPI</a:t>
+            </a:r>
+            <a:r>
+              <a:rPr lang="en-US" dirty="0"/>
+              <a:t> to work asynchronously.</a:t>
             </a:r>
           </a:p>
           <a:p>
             <a:endParaRPr lang="en-US" dirty="0"/>
+          </a:p>
+          <a:p>
+            <a:r>
+              <a:rPr lang="en-US" dirty="0"/>
+              <a:t>How do we get asynchronous code with </a:t>
+            </a:r>
+            <a:r>
+              <a:rPr lang="en-US" dirty="0" err="1"/>
+              <a:t>Javascript</a:t>
+            </a:r>
+            <a:r>
+              <a:rPr lang="en-US" dirty="0"/>
+              <a:t> then?</a:t>
+            </a:r>
+          </a:p>
+          <a:p>
+            <a:r>
+              <a:rPr lang="en-US" dirty="0"/>
+              <a:t>Well, we can thank the </a:t>
+            </a:r>
+            <a:r>
+              <a:rPr lang="en-US" dirty="0" err="1"/>
+              <a:t>Javascript</a:t>
+            </a:r>
+            <a:r>
+              <a:rPr lang="en-US" dirty="0"/>
+              <a:t> engine (V8, </a:t>
+            </a:r>
+            <a:r>
+              <a:rPr lang="en-US" dirty="0" err="1"/>
+              <a:t>Spidermonkey</a:t>
+            </a:r>
+            <a:r>
+              <a:rPr lang="en-US" dirty="0"/>
+              <a:t>, </a:t>
+            </a:r>
+            <a:r>
+              <a:rPr lang="en-US" dirty="0" err="1"/>
+              <a:t>JavaScriptCore</a:t>
+            </a:r>
+            <a:r>
+              <a:rPr lang="en-US" dirty="0"/>
+              <a:t>, etc...) for that, which has Web API that handle these tasks in the background. The call stack recognizes functions of the Web API and hands them off to be handled by the browser. Once those tasks are finished by the browser, they return and are pushed into a queue (callbacks go in </a:t>
+            </a:r>
+            <a:r>
+              <a:rPr lang="en-US" dirty="0" err="1"/>
+              <a:t>Macrotask</a:t>
+            </a:r>
+            <a:r>
+              <a:rPr lang="en-US" dirty="0"/>
+              <a:t> queue and promises go into microtask queue)</a:t>
+            </a:r>
+          </a:p>
+          <a:p>
+            <a:r>
+              <a:rPr lang="en-US" dirty="0"/>
+              <a:t>Then they are picked up by the event loop one by one and added onto the call stack.</a:t>
+            </a:r>
+          </a:p>
+          <a:p>
+            <a:endParaRPr lang="en-US" dirty="0"/>
+          </a:p>
+          <a:p>
+            <a:r>
+              <a:rPr lang="en-US" dirty="0"/>
+              <a:t>Try this http://latentflip.com/loupe </a:t>
+            </a:r>
           </a:p>
         </p:txBody>
       </p:sp>
     </p:spTree>
     <p:extLst>
       <p:ext uri="{BB962C8B-B14F-4D97-AF65-F5344CB8AC3E}">
-        <p14:creationId xmlns:p14="http://schemas.microsoft.com/office/powerpoint/2010/main" val="1428143635"/>
+        <p14:creationId xmlns:p14="http://schemas.microsoft.com/office/powerpoint/2010/main" val="116908980"/>
       </p:ext>
     </p:extLst>
   </p:cSld>
@@ -2478,99 +2516,44 @@
           <a:bodyPr/>
           <a:lstStyle/>
           <a:p>
-            <a:r>
-              <a:rPr lang="en-US" dirty="0" err="1"/>
-              <a:t>Javascript</a:t>
-            </a:r>
-            <a:r>
-              <a:rPr lang="en-US" dirty="0"/>
-              <a:t> is a single threaded language. This means it has one call stack and one memory heap. It uses </a:t>
-            </a:r>
-            <a:r>
-              <a:rPr lang="en-US" dirty="0" err="1"/>
-              <a:t>WebAPI</a:t>
-            </a:r>
-            <a:r>
-              <a:rPr lang="en-US" dirty="0"/>
-              <a:t> to work asynchronously.</a:t>
-            </a:r>
-          </a:p>
-          <a:p>
-            <a:endParaRPr lang="en-US" dirty="0"/>
-          </a:p>
-          <a:p>
-            <a:r>
-              <a:rPr lang="en-US" dirty="0"/>
-              <a:t>How do we get asynchronous code with </a:t>
-            </a:r>
-            <a:r>
-              <a:rPr lang="en-US" dirty="0" err="1"/>
-              <a:t>Javascript</a:t>
-            </a:r>
-            <a:r>
-              <a:rPr lang="en-US" dirty="0"/>
-              <a:t> then?</a:t>
-            </a:r>
-          </a:p>
-          <a:p>
-            <a:r>
-              <a:rPr lang="en-US" dirty="0"/>
-              <a:t>Well, we can thank the </a:t>
-            </a:r>
-            <a:r>
-              <a:rPr lang="en-US" dirty="0" err="1"/>
-              <a:t>Javascript</a:t>
-            </a:r>
-            <a:r>
-              <a:rPr lang="en-US" dirty="0"/>
-              <a:t> engine (V8, </a:t>
-            </a:r>
-            <a:r>
-              <a:rPr lang="en-US" dirty="0" err="1"/>
-              <a:t>Spidermonkey</a:t>
-            </a:r>
-            <a:r>
-              <a:rPr lang="en-US" dirty="0"/>
-              <a:t>, </a:t>
-            </a:r>
-            <a:r>
-              <a:rPr lang="en-US" dirty="0" err="1"/>
-              <a:t>JavaScriptCore</a:t>
-            </a:r>
-            <a:r>
-              <a:rPr lang="en-US" dirty="0"/>
-              <a:t>, etc...) for that, which has Web API that handle these tasks in the background. The call stack recognizes functions of the Web API and hands them off to be handled by the browser. Once those tasks are finished by the browser, they return and are pushed into a queue (callbacks go in </a:t>
-            </a:r>
-            <a:r>
-              <a:rPr lang="en-US" dirty="0" err="1"/>
-              <a:t>Macrotask</a:t>
-            </a:r>
-            <a:r>
-              <a:rPr lang="en-US" dirty="0"/>
-              <a:t> queue and promises go into microtask queue)</a:t>
-            </a:r>
-          </a:p>
-          <a:p>
-            <a:r>
-              <a:rPr lang="en-US" dirty="0"/>
-              <a:t>Then they are picked up by the event loop one by one and added onto the call stack.</a:t>
-            </a:r>
-          </a:p>
-          <a:p>
-            <a:endParaRPr lang="en-US" dirty="0"/>
-          </a:p>
-          <a:p>
-            <a:r>
-              <a:rPr lang="en-US" dirty="0"/>
-              <a:t>Try this http://latentflip.com/loupe </a:t>
-            </a:r>
+            <a:pPr algn="l"/>
+            <a:r>
+              <a:rPr lang="en-US" dirty="0">
+                <a:solidFill>
+                  <a:schemeClr val="tx1"/>
+                </a:solidFill>
+              </a:rPr>
+              <a:t>Courtesy of </a:t>
+            </a:r>
+            <a:r>
+              <a:rPr lang="en-US" dirty="0">
+                <a:solidFill>
+                  <a:schemeClr val="tx1"/>
+                </a:solidFill>
+                <a:hlinkClick r:id="rId3"/>
+              </a:rPr>
+              <a:t>https://dev.to/lydiahallie/javascript-visualized-event-loop-3dif</a:t>
+            </a:r>
+            <a:endParaRPr lang="en-US" dirty="0">
+              <a:solidFill>
+                <a:schemeClr val="tx1"/>
+              </a:solidFill>
+            </a:endParaRPr>
+          </a:p>
+          <a:p>
+            <a:pPr algn="l"/>
+            <a:endParaRPr lang="en-US" dirty="0">
+              <a:solidFill>
+                <a:schemeClr val="tx1"/>
+              </a:solidFill>
+            </a:endParaRPr>
           </a:p>
         </p:txBody>
       </p:sp>
     </p:spTree>
     <p:extLst>
       <p:ext uri="{BB962C8B-B14F-4D97-AF65-F5344CB8AC3E}">
-        <p14:creationId xmlns:p14="http://schemas.microsoft.com/office/powerpoint/2010/main" val="116908980"/>
+        <p14:creationId xmlns:p14="http://schemas.microsoft.com/office/powerpoint/2010/main" val="3636221697"/>
       </p:ext>
     </p:extLst>
   </p:cSld>
@@ -2624,44 +2607,14 @@
           <a:bodyPr/>
           <a:lstStyle/>
           <a:p>
-            <a:pPr algn="l"/>
-            <a:r>
-              <a:rPr lang="en-US" dirty="0">
-                <a:solidFill>
-                  <a:schemeClr val="tx1"/>
-                </a:solidFill>
-              </a:rPr>
-              <a:t>Courtesy of </a:t>
-            </a:r>
-            <a:r>
-              <a:rPr lang="en-US" dirty="0">
-                <a:solidFill>
-                  <a:schemeClr val="tx1"/>
-                </a:solidFill>
-                <a:hlinkClick r:id="rId3"/>
-              </a:rPr>
-              <a:t>https://dev.to/lydiahallie/javascript-visualized-event-loop-3dif</a:t>
-            </a:r>
-            <a:endParaRPr lang="en-US" dirty="0">
-              <a:solidFill>
-                <a:schemeClr val="tx1"/>
-              </a:solidFill>
-            </a:endParaRPr>
-          </a:p>
-          <a:p>
-            <a:pPr algn="l"/>
-            <a:endParaRPr lang="en-US" dirty="0">
-              <a:solidFill>
-                <a:schemeClr val="tx1"/>
-              </a:solidFill>
-            </a:endParaRPr>
+            <a:endParaRPr lang="en-US" dirty="0"/>
           </a:p>
         </p:txBody>
       </p:sp>
     </p:spTree>
     <p:extLst>
       <p:ext uri="{BB962C8B-B14F-4D97-AF65-F5344CB8AC3E}">
-        <p14:creationId xmlns:p14="http://schemas.microsoft.com/office/powerpoint/2010/main" val="3636221697"/>
+        <p14:creationId xmlns:p14="http://schemas.microsoft.com/office/powerpoint/2010/main" val="358283542"/>
       </p:ext>
     </p:extLst>
   </p:cSld>
@@ -2715,14 +2668,42 @@
           <a:bodyPr/>
           <a:lstStyle/>
           <a:p>
-            <a:endParaRPr lang="en-US" dirty="0"/>
+            <a:r>
+              <a:rPr lang="en-US" dirty="0"/>
+              <a:t>Promises enforce the order of operations only through the .then. The code in the ‘then’ won’t run until the promise is resolved.  Note that every .then() is a choice point, allowing the runtime to switch to some other task.</a:t>
+            </a:r>
+          </a:p>
+          <a:p>
+            <a:br>
+              <a:rPr lang="en-US" dirty="0"/>
+            </a:br>
+            <a:r>
+              <a:rPr lang="en-US" dirty="0"/>
+              <a:t>(build through example, explaining the possible orders of results. Point out that we should never depend on the order of results we hear back form google/</a:t>
+            </a:r>
+            <a:r>
+              <a:rPr lang="en-US" dirty="0" err="1"/>
+              <a:t>facebook</a:t>
+            </a:r>
+            <a:r>
+              <a:rPr lang="en-US" dirty="0"/>
+              <a:t>/</a:t>
+            </a:r>
+            <a:r>
+              <a:rPr lang="en-US" dirty="0" err="1"/>
+              <a:t>coveytown</a:t>
+            </a:r>
+            <a:r>
+              <a:rPr lang="en-US" dirty="0"/>
+              <a:t> because it is non-deterministic. You might happen to see 9/10 times one ordering, but there is no guarantee)</a:t>
+            </a:r>
           </a:p>
         </p:txBody>
       </p:sp>
     </p:spTree>
     <p:extLst>
       <p:ext uri="{BB962C8B-B14F-4D97-AF65-F5344CB8AC3E}">
-        <p14:creationId xmlns:p14="http://schemas.microsoft.com/office/powerpoint/2010/main" val="358283542"/>
+        <p14:creationId xmlns:p14="http://schemas.microsoft.com/office/powerpoint/2010/main" val="939291855"/>
       </p:ext>
     </p:extLst>
   </p:cSld>
@@ -2876,10 +2857,7 @@
           <a:bodyPr/>
           <a:lstStyle/>
           <a:p>
-            <a:r>
-              <a:rPr lang="en-US" dirty="0"/>
-              <a:t>Promises </a:t>
-            </a:r>
+            <a:endParaRPr lang="en-US" dirty="0"/>
           </a:p>
         </p:txBody>
       </p:sp>
@@ -2942,40 +2920,46 @@
           <a:p>
             <a:r>
               <a:rPr lang="en-US" dirty="0"/>
-              <a:t>Promises enforce the order of operations only through the .then. The code in the ‘then’ won’t run until the promise is resolved.</a:t>
-            </a:r>
-          </a:p>
-          <a:p>
-            <a:br>
+              <a:t>You can still have a data race with async await.  Here's an example where the printed value of x depends on which of the two promises returns first:  if </a:t>
+            </a:r>
+            <a:r>
+              <a:rPr lang="en-US" dirty="0" err="1"/>
+              <a:t>asyncDouble</a:t>
+            </a:r>
+            <a:r>
               <a:rPr lang="en-US" dirty="0"/>
-            </a:br>
+              <a:t> returns first, then the result will be 22 (10*2 + 1 + 1).  If </a:t>
+            </a:r>
+            <a:r>
+              <a:rPr lang="en-US" dirty="0" err="1"/>
+              <a:t>asyncIncrementTwice</a:t>
+            </a:r>
             <a:r>
               <a:rPr lang="en-US" dirty="0"/>
-              <a:t>(build through example, explaining the possible orders of results. Point out that we should never depend on the order of results we hear back form google/</a:t>
-            </a:r>
-            <a:r>
-              <a:rPr lang="en-US" dirty="0" err="1"/>
-              <a:t>facebook</a:t>
-            </a:r>
+              <a:t> returns first, then the result will be 24 (10+1+1)*2 .  But 25 is impossible!</a:t>
+            </a:r>
+          </a:p>
+          <a:p>
+            <a:endParaRPr lang="en-US" dirty="0"/>
+          </a:p>
+          <a:p>
             <a:r>
               <a:rPr lang="en-US" dirty="0"/>
-              <a:t>/</a:t>
-            </a:r>
-            <a:r>
-              <a:rPr lang="en-US" dirty="0" err="1"/>
-              <a:t>coveytown</a:t>
-            </a:r>
-            <a:r>
-              <a:rPr lang="en-US" dirty="0"/>
-              <a:t> because it is non-deterministic. You might happen to see 9/10 times one ordering, but there is no guarantee)</a:t>
-            </a:r>
+              <a:t>[Note: I always get 22.  Not sure why….]</a:t>
+            </a:r>
+          </a:p>
+          <a:p>
+            <a:endParaRPr lang="en-US" dirty="0"/>
+          </a:p>
+          <a:p>
+            <a:endParaRPr lang="en-US" dirty="0"/>
           </a:p>
         </p:txBody>
       </p:sp>
     </p:spTree>
     <p:extLst>
       <p:ext uri="{BB962C8B-B14F-4D97-AF65-F5344CB8AC3E}">
-        <p14:creationId xmlns:p14="http://schemas.microsoft.com/office/powerpoint/2010/main" val="939291855"/>
+        <p14:creationId xmlns:p14="http://schemas.microsoft.com/office/powerpoint/2010/main" val="3094308994"/>
       </p:ext>
     </p:extLst>
   </p:cSld>
@@ -3031,92 +3015,6 @@
           <a:p>
             <a:r>
               <a:rPr lang="en-US" dirty="0"/>
-              <a:t>You can still have a data race with async await.  Here's the same program we looked at before.  Here the printed value of x depends on which of the two promises returns first:  if </a:t>
-            </a:r>
-            <a:r>
-              <a:rPr lang="en-US" dirty="0" err="1"/>
-              <a:t>asyncDouble</a:t>
-            </a:r>
-            <a:r>
-              <a:rPr lang="en-US" dirty="0"/>
-              <a:t> returns first, then the result will be 22 (10*2 + 1 + 1).  If </a:t>
-            </a:r>
-            <a:r>
-              <a:rPr lang="en-US" dirty="0" err="1"/>
-              <a:t>asyncIncrementTwice</a:t>
-            </a:r>
-            <a:r>
-              <a:rPr lang="en-US" dirty="0"/>
-              <a:t> returns first, then the result will be 24 (10+1+1)*2 .  But 25 is impossible!</a:t>
-            </a:r>
-          </a:p>
-          <a:p>
-            <a:endParaRPr lang="en-US" dirty="0"/>
-          </a:p>
-          <a:p>
-            <a:endParaRPr lang="en-US" dirty="0"/>
-          </a:p>
-        </p:txBody>
-      </p:sp>
-    </p:spTree>
-    <p:extLst>
-      <p:ext uri="{BB962C8B-B14F-4D97-AF65-F5344CB8AC3E}">
-        <p14:creationId xmlns:p14="http://schemas.microsoft.com/office/powerpoint/2010/main" val="3094308994"/>
-      </p:ext>
-    </p:extLst>
-  </p:cSld>
-  <p:clrMapOvr>
-    <a:masterClrMapping/>
-  </p:clrMapOvr>
-</p:notes>
-</file>
-
-<file path=ppt/notesSlides/notesSlide33.xml><?xml version="1.0" encoding="utf-8"?>
-<p:notes xmlns:a="http://schemas.openxmlformats.org/drawingml/2006/main" xmlns:r="http://schemas.openxmlformats.org/officeDocument/2006/relationships" xmlns:p="http://schemas.openxmlformats.org/presentationml/2006/main">
-  <p:cSld>
-    <p:spTree>
-      <p:nvGrpSpPr>
-        <p:cNvPr id="1" name=""/>
-        <p:cNvGrpSpPr/>
-        <p:nvPr/>
-      </p:nvGrpSpPr>
-      <p:grpSpPr>
-        <a:xfrm>
-          <a:off x="0" y="0"/>
-          <a:ext cx="0" cy="0"/>
-          <a:chOff x="0" y="0"/>
-          <a:chExt cx="0" cy="0"/>
-        </a:xfrm>
-      </p:grpSpPr>
-      <p:sp>
-        <p:nvSpPr>
-          <p:cNvPr id="2" name="Slide Image Placeholder 1"/>
-          <p:cNvSpPr>
-            <a:spLocks noGrp="1" noRot="1" noChangeAspect="1"/>
-          </p:cNvSpPr>
-          <p:nvPr>
-            <p:ph type="sldImg"/>
-          </p:nvPr>
-        </p:nvSpPr>
-        <p:spPr/>
-      </p:sp>
-      <p:sp>
-        <p:nvSpPr>
-          <p:cNvPr id="3" name="Notes Placeholder 2"/>
-          <p:cNvSpPr>
-            <a:spLocks noGrp="1"/>
-          </p:cNvSpPr>
-          <p:nvPr>
-            <p:ph type="body" idx="1"/>
-          </p:nvPr>
-        </p:nvSpPr>
-        <p:spPr/>
-        <p:txBody>
-          <a:bodyPr/>
-          <a:lstStyle/>
-          <a:p>
-            <a:r>
-              <a:rPr lang="en-US" dirty="0"/>
               <a:t>&lt;read slide&gt;</a:t>
             </a:r>
           </a:p>
@@ -3139,7 +3037,7 @@
           <a:p>
             <a:fld id="{07937F07-1250-4CCE-B198-1B2887014F41}" type="slidenum">
               <a:rPr lang="en-US" smtClean="0"/>
-              <a:t>39</a:t>
+              <a:t>38</a:t>
             </a:fld>
             <a:endParaRPr lang="en-US"/>
           </a:p>
@@ -10383,7 +10281,7 @@
           <a:p>
             <a:r>
               <a:rPr lang="en-US" dirty="0"/>
-              <a:t>This is not Java!</a:t>
+              <a:t>Java vs. JS/TS</a:t>
             </a:r>
           </a:p>
         </p:txBody>
@@ -11436,7 +11334,7 @@
                   <a:schemeClr val="tx1"/>
                 </a:solidFill>
               </a:rPr>
-              <a:t>/data-races/dataRace2.ts</a:t>
+              <a:t>/slides/dataRace2.ts</a:t>
             </a:r>
           </a:p>
         </p:txBody>
@@ -11477,7 +11375,7 @@
           <a:p>
             <a:r>
               <a:rPr lang="en-US" sz="2000" dirty="0"/>
-              <a:t>So the output would be BAC.</a:t>
+              <a:t>So the output could be BAC.</a:t>
             </a:r>
           </a:p>
           <a:p>
@@ -11498,6 +11396,85 @@
   <p:clrMapOvr>
     <a:masterClrMapping/>
   </p:clrMapOvr>
+  <p:timing>
+    <p:tnLst>
+      <p:par>
+        <p:cTn id="1" dur="indefinite" restart="never" nodeType="tmRoot">
+          <p:childTnLst>
+            <p:seq concurrent="1" nextAc="seek">
+              <p:cTn id="2" dur="indefinite" nodeType="mainSeq">
+                <p:childTnLst>
+                  <p:par>
+                    <p:cTn id="3" fill="hold">
+                      <p:stCondLst>
+                        <p:cond delay="indefinite"/>
+                      </p:stCondLst>
+                      <p:childTnLst>
+                        <p:par>
+                          <p:cTn id="4" fill="hold">
+                            <p:stCondLst>
+                              <p:cond delay="0"/>
+                            </p:stCondLst>
+                            <p:childTnLst>
+                              <p:par>
+                                <p:cTn id="5" presetID="1" presetClass="entr" presetSubtype="0" fill="hold" nodeType="clickEffect">
+                                  <p:stCondLst>
+                                    <p:cond delay="0"/>
+                                  </p:stCondLst>
+                                  <p:childTnLst>
+                                    <p:set>
+                                      <p:cBhvr>
+                                        <p:cTn id="6" dur="1" fill="hold">
+                                          <p:stCondLst>
+                                            <p:cond delay="0"/>
+                                          </p:stCondLst>
+                                        </p:cTn>
+                                        <p:tgtEl>
+                                          <p:spTgt spid="5">
+                                            <p:txEl>
+                                              <p:pRg st="2" end="2"/>
+                                            </p:txEl>
+                                          </p:spTgt>
+                                        </p:tgtEl>
+                                        <p:attrNameLst>
+                                          <p:attrName>style.visibility</p:attrName>
+                                        </p:attrNameLst>
+                                      </p:cBhvr>
+                                      <p:to>
+                                        <p:strVal val="visible"/>
+                                      </p:to>
+                                    </p:set>
+                                  </p:childTnLst>
+                                </p:cTn>
+                              </p:par>
+                            </p:childTnLst>
+                          </p:cTn>
+                        </p:par>
+                      </p:childTnLst>
+                    </p:cTn>
+                  </p:par>
+                </p:childTnLst>
+              </p:cTn>
+              <p:prevCondLst>
+                <p:cond evt="onPrev" delay="0">
+                  <p:tgtEl>
+                    <p:sldTgt/>
+                  </p:tgtEl>
+                </p:cond>
+              </p:prevCondLst>
+              <p:nextCondLst>
+                <p:cond evt="onNext" delay="0">
+                  <p:tgtEl>
+                    <p:sldTgt/>
+                  </p:tgtEl>
+                </p:cond>
+              </p:nextCondLst>
+            </p:seq>
+          </p:childTnLst>
+        </p:cTn>
+      </p:par>
+    </p:tnLst>
+  </p:timing>
 </p:sld>
 </file>
 
@@ -13636,7 +13613,7 @@
                   <a:schemeClr val="tx1"/>
                 </a:solidFill>
               </a:rPr>
-              <a:t>/XXXXX/</a:t>
+              <a:t>/Slides/</a:t>
             </a:r>
             <a:r>
               <a:rPr lang="en-US" sz="2400" dirty="0" err="1">
@@ -14233,777 +14210,6 @@
         <p:cNvPr id="1" name="">
           <a:extLst>
             <a:ext uri="{FF2B5EF4-FFF2-40B4-BE49-F238E27FC236}">
-              <a16:creationId xmlns:a16="http://schemas.microsoft.com/office/drawing/2014/main" id="{69226FF4-569C-DD33-AED3-92AB22E9837D}"/>
-            </a:ext>
-          </a:extLst>
-        </p:cNvPr>
-        <p:cNvGrpSpPr/>
-        <p:nvPr/>
-      </p:nvGrpSpPr>
-      <p:grpSpPr>
-        <a:xfrm>
-          <a:off x="0" y="0"/>
-          <a:ext cx="0" cy="0"/>
-          <a:chOff x="0" y="0"/>
-          <a:chExt cx="0" cy="0"/>
-        </a:xfrm>
-      </p:grpSpPr>
-      <p:sp>
-        <p:nvSpPr>
-          <p:cNvPr id="2" name="Title 1">
-            <a:extLst>
-              <a:ext uri="{FF2B5EF4-FFF2-40B4-BE49-F238E27FC236}">
-                <a16:creationId xmlns:a16="http://schemas.microsoft.com/office/drawing/2014/main" id="{9D7B1A70-A661-CB73-EF38-5407A4860FD0}"/>
-              </a:ext>
-            </a:extLst>
-          </p:cNvPr>
-          <p:cNvSpPr>
-            <a:spLocks noGrp="1"/>
-          </p:cNvSpPr>
-          <p:nvPr>
-            <p:ph type="title"/>
-          </p:nvPr>
-        </p:nvSpPr>
-        <p:spPr/>
-        <p:txBody>
-          <a:bodyPr/>
-          <a:lstStyle/>
-          <a:p>
-            <a:r>
-              <a:rPr lang="en-US" dirty="0"/>
-              <a:t>Pattern for starting a concurrent computation using non-blocking I/O</a:t>
-            </a:r>
-          </a:p>
-        </p:txBody>
-      </p:sp>
-      <p:sp>
-        <p:nvSpPr>
-          <p:cNvPr id="3" name="Content Placeholder 2">
-            <a:extLst>
-              <a:ext uri="{FF2B5EF4-FFF2-40B4-BE49-F238E27FC236}">
-                <a16:creationId xmlns:a16="http://schemas.microsoft.com/office/drawing/2014/main" id="{20B54715-F78B-E47F-DD7F-09C6127E7987}"/>
-              </a:ext>
-            </a:extLst>
-          </p:cNvPr>
-          <p:cNvSpPr>
-            <a:spLocks noGrp="1"/>
-          </p:cNvSpPr>
-          <p:nvPr>
-            <p:ph idx="1"/>
-          </p:nvPr>
-        </p:nvSpPr>
-        <p:spPr>
-          <a:xfrm>
-            <a:off x="733302" y="3615328"/>
-            <a:ext cx="11155326" cy="2431337"/>
-          </a:xfrm>
-        </p:spPr>
-        <p:txBody>
-          <a:bodyPr>
-            <a:normAutofit/>
-          </a:bodyPr>
-          <a:lstStyle/>
-          <a:p>
-            <a:pPr marL="457200" indent="-457200">
-              <a:buFont typeface="+mj-lt"/>
-              <a:buAutoNum type="arabicPeriod"/>
-            </a:pPr>
-            <a:r>
-              <a:rPr lang="en-US" dirty="0"/>
-              <a:t>The first console.log is printed</a:t>
-            </a:r>
-          </a:p>
-          <a:p>
-            <a:pPr marL="457200" indent="-457200">
-              <a:buFont typeface="+mj-lt"/>
-              <a:buAutoNum type="arabicPeriod"/>
-            </a:pPr>
-            <a:r>
-              <a:rPr lang="en-US" dirty="0"/>
-              <a:t>The http request is sent, using non-blocking </a:t>
-            </a:r>
-            <a:r>
-              <a:rPr lang="en-US" dirty="0" err="1"/>
-              <a:t>i</a:t>
-            </a:r>
-            <a:r>
-              <a:rPr lang="en-US" dirty="0"/>
-              <a:t>/o</a:t>
-            </a:r>
-          </a:p>
-          <a:p>
-            <a:pPr marL="457200" indent="-457200">
-              <a:buFont typeface="+mj-lt"/>
-              <a:buAutoNum type="arabicPeriod"/>
-            </a:pPr>
-            <a:r>
-              <a:rPr lang="en-US" dirty="0"/>
-              <a:t>A promise is created to run the second console.log </a:t>
-            </a:r>
-            <a:r>
-              <a:rPr lang="en-US" i="1" dirty="0"/>
-              <a:t>after</a:t>
-            </a:r>
-            <a:r>
-              <a:rPr lang="en-US" dirty="0"/>
-              <a:t> the </a:t>
-            </a:r>
-            <a:r>
-              <a:rPr lang="en-US" dirty="0" err="1"/>
-              <a:t>axios.get</a:t>
-            </a:r>
-            <a:r>
-              <a:rPr lang="en-US" dirty="0"/>
-              <a:t> returns</a:t>
-            </a:r>
-          </a:p>
-          <a:p>
-            <a:pPr marL="457200" indent="-457200">
-              <a:buFont typeface="+mj-lt"/>
-              <a:buAutoNum type="arabicPeriod"/>
-            </a:pPr>
-            <a:r>
-              <a:rPr lang="en-US" dirty="0"/>
-              <a:t>The </a:t>
-            </a:r>
-            <a:r>
-              <a:rPr lang="en-US" dirty="0" err="1"/>
-              <a:t>makeRequest</a:t>
-            </a:r>
-            <a:r>
-              <a:rPr lang="en-US" dirty="0"/>
-              <a:t>() returns to its caller.</a:t>
-            </a:r>
-          </a:p>
-          <a:p>
-            <a:pPr marL="0" indent="0">
-              <a:buNone/>
-            </a:pPr>
-            <a:endParaRPr lang="en-US" dirty="0"/>
-          </a:p>
-          <a:p>
-            <a:endParaRPr lang="en-US" dirty="0"/>
-          </a:p>
-          <a:p>
-            <a:endParaRPr lang="en-US" dirty="0"/>
-          </a:p>
-          <a:p>
-            <a:endParaRPr lang="en-US" dirty="0"/>
-          </a:p>
-          <a:p>
-            <a:endParaRPr lang="en-US" dirty="0"/>
-          </a:p>
-          <a:p>
-            <a:endParaRPr lang="en-US" dirty="0"/>
-          </a:p>
-          <a:p>
-            <a:pPr marL="0" indent="0">
-              <a:buNone/>
-            </a:pPr>
-            <a:endParaRPr lang="en-US" dirty="0"/>
-          </a:p>
-        </p:txBody>
-      </p:sp>
-      <p:sp>
-        <p:nvSpPr>
-          <p:cNvPr id="4" name="Slide Number Placeholder 3">
-            <a:extLst>
-              <a:ext uri="{FF2B5EF4-FFF2-40B4-BE49-F238E27FC236}">
-                <a16:creationId xmlns:a16="http://schemas.microsoft.com/office/drawing/2014/main" id="{5B2A0953-C362-FE1E-C37A-5B96A0D3CAEE}"/>
-              </a:ext>
-            </a:extLst>
-          </p:cNvPr>
-          <p:cNvSpPr>
-            <a:spLocks noGrp="1"/>
-          </p:cNvSpPr>
-          <p:nvPr>
-            <p:ph type="sldNum" sz="quarter" idx="12"/>
-          </p:nvPr>
-        </p:nvSpPr>
-        <p:spPr/>
-        <p:txBody>
-          <a:bodyPr/>
-          <a:lstStyle/>
-          <a:p>
-            <a:pPr marL="0" marR="0" lvl="0" indent="0" algn="r" defTabSz="914400" rtl="0" eaLnBrk="1" fontAlgn="auto" latinLnBrk="0" hangingPunct="1">
-              <a:lnSpc>
-                <a:spcPct val="100000"/>
-              </a:lnSpc>
-              <a:spcBef>
-                <a:spcPts val="0"/>
-              </a:spcBef>
-              <a:spcAft>
-                <a:spcPts val="0"/>
-              </a:spcAft>
-              <a:buClrTx/>
-              <a:buSzTx/>
-              <a:buFontTx/>
-              <a:buNone/>
-              <a:tabLst/>
-              <a:defRPr/>
-            </a:pPr>
-            <a:fld id="{20F37917-FD3A-4669-9018-DA04BCDD3D75}" type="slidenum">
-              <a:rPr kumimoji="0" lang="en-US" sz="1200" b="0" i="0" u="none" strike="noStrike" kern="1200" cap="none" spc="0" normalizeH="0" baseline="0" noProof="0" smtClean="0">
-                <a:ln>
-                  <a:noFill/>
-                </a:ln>
-                <a:solidFill>
-                  <a:prstClr val="black">
-                    <a:tint val="75000"/>
-                  </a:prstClr>
-                </a:solidFill>
-                <a:effectLst/>
-                <a:uLnTx/>
-                <a:uFillTx/>
-                <a:latin typeface="Calibri" panose="020F0502020204030204"/>
-                <a:ea typeface="+mn-ea"/>
-                <a:cs typeface="+mn-cs"/>
-              </a:rPr>
-              <a:pPr marL="0" marR="0" lvl="0" indent="0" algn="r" defTabSz="914400" rtl="0" eaLnBrk="1" fontAlgn="auto" latinLnBrk="0" hangingPunct="1">
-                <a:lnSpc>
-                  <a:spcPct val="100000"/>
-                </a:lnSpc>
-                <a:spcBef>
-                  <a:spcPts val="0"/>
-                </a:spcBef>
-                <a:spcAft>
-                  <a:spcPts val="0"/>
-                </a:spcAft>
-                <a:buClrTx/>
-                <a:buSzTx/>
-                <a:buFontTx/>
-                <a:buNone/>
-                <a:tabLst/>
-                <a:defRPr/>
-              </a:pPr>
-              <a:t>14</a:t>
-            </a:fld>
-            <a:endParaRPr kumimoji="0" lang="en-US" sz="1200" b="0" i="0" u="none" strike="noStrike" kern="1200" cap="none" spc="0" normalizeH="0" baseline="0" noProof="0" dirty="0">
-              <a:ln>
-                <a:noFill/>
-              </a:ln>
-              <a:solidFill>
-                <a:prstClr val="black">
-                  <a:tint val="75000"/>
-                </a:prstClr>
-              </a:solidFill>
-              <a:effectLst/>
-              <a:uLnTx/>
-              <a:uFillTx/>
-              <a:latin typeface="Calibri" panose="020F0502020204030204"/>
-              <a:ea typeface="+mn-ea"/>
-              <a:cs typeface="+mn-cs"/>
-            </a:endParaRPr>
-          </a:p>
-        </p:txBody>
-      </p:sp>
-      <p:sp>
-        <p:nvSpPr>
-          <p:cNvPr id="9" name="TextBox 8">
-            <a:extLst>
-              <a:ext uri="{FF2B5EF4-FFF2-40B4-BE49-F238E27FC236}">
-                <a16:creationId xmlns:a16="http://schemas.microsoft.com/office/drawing/2014/main" id="{8E719419-CB3C-745D-5085-FE68A131A990}"/>
-              </a:ext>
-            </a:extLst>
-          </p:cNvPr>
-          <p:cNvSpPr txBox="1"/>
-          <p:nvPr/>
-        </p:nvSpPr>
-        <p:spPr>
-          <a:xfrm>
-            <a:off x="733302" y="1611457"/>
-            <a:ext cx="10620498" cy="1631216"/>
-          </a:xfrm>
-          <a:prstGeom prst="rect">
-            <a:avLst/>
-          </a:prstGeom>
-          <a:noFill/>
-          <a:ln w="12700" cap="flat" cmpd="sng" algn="ctr">
-            <a:noFill/>
-            <a:prstDash val="solid"/>
-            <a:miter lim="800000"/>
-          </a:ln>
-          <a:effectLst/>
-        </p:spPr>
-        <p:style>
-          <a:lnRef idx="2">
-            <a:schemeClr val="accent1">
-              <a:shade val="50000"/>
-            </a:schemeClr>
-          </a:lnRef>
-          <a:fillRef idx="1">
-            <a:schemeClr val="accent1"/>
-          </a:fillRef>
-          <a:effectRef idx="0">
-            <a:schemeClr val="accent1"/>
-          </a:effectRef>
-          <a:fontRef idx="minor">
-            <a:schemeClr val="lt1"/>
-          </a:fontRef>
-        </p:style>
-        <p:txBody>
-          <a:bodyPr wrap="square">
-            <a:spAutoFit/>
-          </a:bodyPr>
-          <a:lstStyle/>
-          <a:p>
-            <a:pPr algn="l"/>
-            <a:r>
-              <a:rPr lang="en-US" sz="2000" b="0" dirty="0">
-                <a:solidFill>
-                  <a:srgbClr val="0000FF"/>
-                </a:solidFill>
-                <a:effectLst/>
-                <a:latin typeface="Consolas" panose="020B0609020204030204" pitchFamily="49" charset="0"/>
-              </a:rPr>
-              <a:t>export</a:t>
-            </a:r>
-            <a:r>
-              <a:rPr lang="en-US" sz="2000" b="0" dirty="0">
-                <a:solidFill>
-                  <a:srgbClr val="000000"/>
-                </a:solidFill>
-                <a:effectLst/>
-                <a:latin typeface="Consolas" panose="020B0609020204030204" pitchFamily="49" charset="0"/>
-              </a:rPr>
-              <a:t> </a:t>
-            </a:r>
-            <a:r>
-              <a:rPr lang="en-US" sz="2000" b="0" dirty="0">
-                <a:solidFill>
-                  <a:srgbClr val="0000FF"/>
-                </a:solidFill>
-                <a:effectLst/>
-                <a:latin typeface="Consolas" panose="020B0609020204030204" pitchFamily="49" charset="0"/>
-              </a:rPr>
-              <a:t>async</a:t>
-            </a:r>
-            <a:r>
-              <a:rPr lang="en-US" sz="2000" b="0" dirty="0">
-                <a:solidFill>
-                  <a:srgbClr val="000000"/>
-                </a:solidFill>
-                <a:effectLst/>
-                <a:latin typeface="Consolas" panose="020B0609020204030204" pitchFamily="49" charset="0"/>
-              </a:rPr>
-              <a:t> </a:t>
-            </a:r>
-            <a:r>
-              <a:rPr lang="en-US" sz="2000" b="0" dirty="0">
-                <a:solidFill>
-                  <a:srgbClr val="0000FF"/>
-                </a:solidFill>
-                <a:effectLst/>
-                <a:latin typeface="Consolas" panose="020B0609020204030204" pitchFamily="49" charset="0"/>
-              </a:rPr>
-              <a:t>function</a:t>
-            </a:r>
-            <a:r>
-              <a:rPr lang="en-US" sz="2000" b="0" dirty="0">
-                <a:solidFill>
-                  <a:srgbClr val="000000"/>
-                </a:solidFill>
-                <a:effectLst/>
-                <a:latin typeface="Consolas" panose="020B0609020204030204" pitchFamily="49" charset="0"/>
-              </a:rPr>
-              <a:t> </a:t>
-            </a:r>
-            <a:r>
-              <a:rPr lang="en-US" sz="2000" b="0" dirty="0" err="1">
-                <a:solidFill>
-                  <a:srgbClr val="000000"/>
-                </a:solidFill>
-                <a:effectLst/>
-                <a:latin typeface="Consolas" panose="020B0609020204030204" pitchFamily="49" charset="0"/>
-              </a:rPr>
-              <a:t>makeRequest</a:t>
-            </a:r>
-            <a:r>
-              <a:rPr lang="en-US" sz="2000" b="0" dirty="0">
-                <a:solidFill>
-                  <a:srgbClr val="000000"/>
-                </a:solidFill>
-                <a:effectLst/>
-                <a:latin typeface="Consolas" panose="020B0609020204030204" pitchFamily="49" charset="0"/>
-              </a:rPr>
-              <a:t>(</a:t>
-            </a:r>
-            <a:r>
-              <a:rPr lang="en-US" sz="2000" b="0" dirty="0" err="1">
-                <a:solidFill>
-                  <a:srgbClr val="000000"/>
-                </a:solidFill>
-                <a:effectLst/>
-                <a:latin typeface="Consolas" panose="020B0609020204030204" pitchFamily="49" charset="0"/>
-              </a:rPr>
-              <a:t>requestNumber:number</a:t>
-            </a:r>
-            <a:r>
-              <a:rPr lang="en-US" sz="2000" b="0" dirty="0">
-                <a:solidFill>
-                  <a:srgbClr val="000000"/>
-                </a:solidFill>
-                <a:effectLst/>
-                <a:latin typeface="Consolas" panose="020B0609020204030204" pitchFamily="49" charset="0"/>
-              </a:rPr>
-              <a:t>) {</a:t>
-            </a:r>
-          </a:p>
-          <a:p>
-            <a:pPr algn="l"/>
-            <a:r>
-              <a:rPr lang="en-US" sz="2000" b="0" dirty="0">
-                <a:solidFill>
-                  <a:srgbClr val="000000"/>
-                </a:solidFill>
-                <a:effectLst/>
-                <a:latin typeface="Consolas" panose="020B0609020204030204" pitchFamily="49" charset="0"/>
-              </a:rPr>
-              <a:t>    console.log(</a:t>
-            </a:r>
-            <a:r>
-              <a:rPr lang="en-US" sz="2000" b="0" dirty="0">
-                <a:solidFill>
-                  <a:srgbClr val="A31515"/>
-                </a:solidFill>
-                <a:effectLst/>
-                <a:latin typeface="Consolas" panose="020B0609020204030204" pitchFamily="49" charset="0"/>
-              </a:rPr>
-              <a:t>`starting </a:t>
-            </a:r>
-            <a:r>
-              <a:rPr lang="en-US" sz="2000" b="0" dirty="0" err="1">
-                <a:solidFill>
-                  <a:srgbClr val="A31515"/>
-                </a:solidFill>
-                <a:effectLst/>
-                <a:latin typeface="Consolas" panose="020B0609020204030204" pitchFamily="49" charset="0"/>
-              </a:rPr>
-              <a:t>makeRequest</a:t>
-            </a:r>
-            <a:r>
-              <a:rPr lang="en-US" sz="2000" b="0" dirty="0">
-                <a:solidFill>
-                  <a:srgbClr val="A31515"/>
-                </a:solidFill>
-                <a:effectLst/>
-                <a:latin typeface="Consolas" panose="020B0609020204030204" pitchFamily="49" charset="0"/>
-              </a:rPr>
-              <a:t>(</a:t>
-            </a:r>
-            <a:r>
-              <a:rPr lang="en-US" sz="2000" b="0" dirty="0">
-                <a:solidFill>
-                  <a:srgbClr val="0000FF"/>
-                </a:solidFill>
-                <a:effectLst/>
-                <a:latin typeface="Consolas" panose="020B0609020204030204" pitchFamily="49" charset="0"/>
-              </a:rPr>
-              <a:t>${</a:t>
-            </a:r>
-            <a:r>
-              <a:rPr lang="en-US" sz="2000" b="0" dirty="0" err="1">
-                <a:solidFill>
-                  <a:srgbClr val="000000"/>
-                </a:solidFill>
-                <a:effectLst/>
-                <a:latin typeface="Consolas" panose="020B0609020204030204" pitchFamily="49" charset="0"/>
-              </a:rPr>
-              <a:t>requestNumber</a:t>
-            </a:r>
-            <a:r>
-              <a:rPr lang="en-US" sz="2000" b="0" dirty="0">
-                <a:solidFill>
-                  <a:srgbClr val="0000FF"/>
-                </a:solidFill>
-                <a:effectLst/>
-                <a:latin typeface="Consolas" panose="020B0609020204030204" pitchFamily="49" charset="0"/>
-              </a:rPr>
-              <a:t>}</a:t>
-            </a:r>
-            <a:r>
-              <a:rPr lang="en-US" sz="2000" b="0" dirty="0">
-                <a:solidFill>
-                  <a:srgbClr val="A31515"/>
-                </a:solidFill>
-                <a:effectLst/>
-                <a:latin typeface="Consolas" panose="020B0609020204030204" pitchFamily="49" charset="0"/>
-              </a:rPr>
-              <a:t>)`</a:t>
-            </a:r>
-            <a:r>
-              <a:rPr lang="en-US" sz="2000" b="0" dirty="0">
-                <a:solidFill>
-                  <a:srgbClr val="000000"/>
-                </a:solidFill>
-                <a:effectLst/>
-                <a:latin typeface="Consolas" panose="020B0609020204030204" pitchFamily="49" charset="0"/>
-              </a:rPr>
-              <a:t>);</a:t>
-            </a:r>
-          </a:p>
-          <a:p>
-            <a:pPr algn="l"/>
-            <a:r>
-              <a:rPr lang="en-US" sz="2000" b="0" dirty="0">
-                <a:solidFill>
-                  <a:srgbClr val="000000"/>
-                </a:solidFill>
-                <a:effectLst/>
-                <a:latin typeface="Consolas" panose="020B0609020204030204" pitchFamily="49" charset="0"/>
-              </a:rPr>
-              <a:t>    </a:t>
-            </a:r>
-            <a:r>
-              <a:rPr lang="en-US" sz="2000" b="0" dirty="0">
-                <a:solidFill>
-                  <a:srgbClr val="0000FF"/>
-                </a:solidFill>
-                <a:effectLst/>
-                <a:latin typeface="Consolas" panose="020B0609020204030204" pitchFamily="49" charset="0"/>
-              </a:rPr>
-              <a:t>const</a:t>
-            </a:r>
-            <a:r>
-              <a:rPr lang="en-US" sz="2000" b="0" dirty="0">
-                <a:solidFill>
-                  <a:srgbClr val="000000"/>
-                </a:solidFill>
-                <a:effectLst/>
-                <a:latin typeface="Consolas" panose="020B0609020204030204" pitchFamily="49" charset="0"/>
-              </a:rPr>
-              <a:t> response = </a:t>
-            </a:r>
-            <a:r>
-              <a:rPr lang="en-US" sz="2000" b="0" dirty="0">
-                <a:solidFill>
-                  <a:srgbClr val="0000FF"/>
-                </a:solidFill>
-                <a:effectLst/>
-                <a:latin typeface="Consolas" panose="020B0609020204030204" pitchFamily="49" charset="0"/>
-              </a:rPr>
-              <a:t>await</a:t>
-            </a:r>
-            <a:r>
-              <a:rPr lang="en-US" sz="2000" b="0" dirty="0">
-                <a:solidFill>
-                  <a:srgbClr val="000000"/>
-                </a:solidFill>
-                <a:effectLst/>
-                <a:latin typeface="Consolas" panose="020B0609020204030204" pitchFamily="49" charset="0"/>
-              </a:rPr>
-              <a:t> </a:t>
-            </a:r>
-            <a:r>
-              <a:rPr lang="en-US" sz="2000" b="0" dirty="0" err="1">
-                <a:solidFill>
-                  <a:srgbClr val="000000"/>
-                </a:solidFill>
-                <a:effectLst/>
-                <a:latin typeface="Consolas" panose="020B0609020204030204" pitchFamily="49" charset="0"/>
-              </a:rPr>
-              <a:t>axios.get</a:t>
-            </a:r>
-            <a:r>
-              <a:rPr lang="en-US" sz="2000" b="0" dirty="0">
-                <a:solidFill>
-                  <a:srgbClr val="000000"/>
-                </a:solidFill>
-                <a:effectLst/>
-                <a:latin typeface="Consolas" panose="020B0609020204030204" pitchFamily="49" charset="0"/>
-              </a:rPr>
-              <a:t>(</a:t>
-            </a:r>
-            <a:r>
-              <a:rPr lang="en-US" sz="2000" b="0" dirty="0">
-                <a:solidFill>
-                  <a:srgbClr val="A31515"/>
-                </a:solidFill>
-                <a:effectLst/>
-                <a:latin typeface="Consolas" panose="020B0609020204030204" pitchFamily="49" charset="0"/>
-              </a:rPr>
-              <a:t>'https://rest-</a:t>
-            </a:r>
-            <a:r>
-              <a:rPr lang="en-US" sz="2000" b="0" dirty="0" err="1">
-                <a:solidFill>
-                  <a:srgbClr val="A31515"/>
-                </a:solidFill>
-                <a:effectLst/>
-                <a:latin typeface="Consolas" panose="020B0609020204030204" pitchFamily="49" charset="0"/>
-              </a:rPr>
-              <a:t>example.covey.town</a:t>
-            </a:r>
-            <a:r>
-              <a:rPr lang="en-US" sz="2000" b="0" dirty="0">
-                <a:solidFill>
-                  <a:srgbClr val="A31515"/>
-                </a:solidFill>
-                <a:effectLst/>
-                <a:latin typeface="Consolas" panose="020B0609020204030204" pitchFamily="49" charset="0"/>
-              </a:rPr>
-              <a:t>'</a:t>
-            </a:r>
-            <a:r>
-              <a:rPr lang="en-US" sz="2000" b="0" dirty="0">
-                <a:solidFill>
-                  <a:srgbClr val="000000"/>
-                </a:solidFill>
-                <a:effectLst/>
-                <a:latin typeface="Consolas" panose="020B0609020204030204" pitchFamily="49" charset="0"/>
-              </a:rPr>
-              <a:t>);</a:t>
-            </a:r>
-          </a:p>
-          <a:p>
-            <a:pPr algn="l"/>
-            <a:r>
-              <a:rPr lang="en-US" sz="2000" b="0" dirty="0">
-                <a:solidFill>
-                  <a:srgbClr val="000000"/>
-                </a:solidFill>
-                <a:effectLst/>
-                <a:latin typeface="Consolas" panose="020B0609020204030204" pitchFamily="49" charset="0"/>
-              </a:rPr>
-              <a:t>    console.log(</a:t>
-            </a:r>
-            <a:r>
-              <a:rPr lang="en-US" sz="2000" b="0" dirty="0">
-                <a:solidFill>
-                  <a:srgbClr val="A31515"/>
-                </a:solidFill>
-                <a:effectLst/>
-                <a:latin typeface="Consolas" panose="020B0609020204030204" pitchFamily="49" charset="0"/>
-              </a:rPr>
-              <a:t>'request:'</a:t>
-            </a:r>
-            <a:r>
-              <a:rPr lang="en-US" sz="2000" b="0" dirty="0">
-                <a:solidFill>
-                  <a:srgbClr val="000000"/>
-                </a:solidFill>
-                <a:effectLst/>
-                <a:latin typeface="Consolas" panose="020B0609020204030204" pitchFamily="49" charset="0"/>
-              </a:rPr>
-              <a:t>, </a:t>
-            </a:r>
-            <a:r>
-              <a:rPr lang="en-US" sz="2000" b="0" dirty="0" err="1">
-                <a:solidFill>
-                  <a:srgbClr val="000000"/>
-                </a:solidFill>
-                <a:effectLst/>
-                <a:latin typeface="Consolas" panose="020B0609020204030204" pitchFamily="49" charset="0"/>
-              </a:rPr>
-              <a:t>requestNumber</a:t>
-            </a:r>
-            <a:r>
-              <a:rPr lang="en-US" sz="2000" b="0" dirty="0">
-                <a:solidFill>
-                  <a:srgbClr val="000000"/>
-                </a:solidFill>
-                <a:effectLst/>
-                <a:latin typeface="Consolas" panose="020B0609020204030204" pitchFamily="49" charset="0"/>
-              </a:rPr>
-              <a:t>, </a:t>
-            </a:r>
-            <a:r>
-              <a:rPr lang="en-US" sz="2000" b="0" dirty="0">
-                <a:solidFill>
-                  <a:srgbClr val="A31515"/>
-                </a:solidFill>
-                <a:effectLst/>
-                <a:latin typeface="Consolas" panose="020B0609020204030204" pitchFamily="49" charset="0"/>
-              </a:rPr>
-              <a:t>'\</a:t>
-            </a:r>
-            <a:r>
-              <a:rPr lang="en-US" sz="2000" b="0" dirty="0" err="1">
-                <a:solidFill>
-                  <a:srgbClr val="A31515"/>
-                </a:solidFill>
-                <a:effectLst/>
-                <a:latin typeface="Consolas" panose="020B0609020204030204" pitchFamily="49" charset="0"/>
-              </a:rPr>
-              <a:t>nresponse</a:t>
-            </a:r>
-            <a:r>
-              <a:rPr lang="en-US" sz="2000" b="0" dirty="0">
-                <a:solidFill>
-                  <a:srgbClr val="A31515"/>
-                </a:solidFill>
-                <a:effectLst/>
-                <a:latin typeface="Consolas" panose="020B0609020204030204" pitchFamily="49" charset="0"/>
-              </a:rPr>
-              <a:t>:'</a:t>
-            </a:r>
-            <a:r>
-              <a:rPr lang="en-US" sz="2000" b="0" dirty="0">
-                <a:solidFill>
-                  <a:srgbClr val="000000"/>
-                </a:solidFill>
-                <a:effectLst/>
-                <a:latin typeface="Consolas" panose="020B0609020204030204" pitchFamily="49" charset="0"/>
-              </a:rPr>
-              <a:t>, </a:t>
-            </a:r>
-            <a:r>
-              <a:rPr lang="en-US" sz="2000" b="0" dirty="0" err="1">
-                <a:solidFill>
-                  <a:srgbClr val="000000"/>
-                </a:solidFill>
-                <a:effectLst/>
-                <a:latin typeface="Consolas" panose="020B0609020204030204" pitchFamily="49" charset="0"/>
-              </a:rPr>
-              <a:t>response.data</a:t>
-            </a:r>
-            <a:r>
-              <a:rPr lang="en-US" sz="2000" b="0" dirty="0">
-                <a:solidFill>
-                  <a:srgbClr val="000000"/>
-                </a:solidFill>
-                <a:effectLst/>
-                <a:latin typeface="Consolas" panose="020B0609020204030204" pitchFamily="49" charset="0"/>
-              </a:rPr>
-              <a:t>);</a:t>
-            </a:r>
-          </a:p>
-          <a:p>
-            <a:pPr algn="l"/>
-            <a:r>
-              <a:rPr lang="en-US" sz="2000" b="0" dirty="0">
-                <a:solidFill>
-                  <a:srgbClr val="000000"/>
-                </a:solidFill>
-                <a:effectLst/>
-                <a:latin typeface="Consolas" panose="020B0609020204030204" pitchFamily="49" charset="0"/>
-              </a:rPr>
-              <a:t>}</a:t>
-            </a:r>
-          </a:p>
-        </p:txBody>
-      </p:sp>
-    </p:spTree>
-    <p:extLst>
-      <p:ext uri="{BB962C8B-B14F-4D97-AF65-F5344CB8AC3E}">
-        <p14:creationId xmlns:p14="http://schemas.microsoft.com/office/powerpoint/2010/main" val="50625937"/>
-      </p:ext>
-    </p:extLst>
-  </p:cSld>
-  <p:clrMapOvr>
-    <a:masterClrMapping/>
-  </p:clrMapOvr>
-</p:sld>
-</file>
-
-<file path=ppt/slides/slide15.xml><?xml version="1.0" encoding="utf-8"?>
-<p:sld xmlns:a="http://schemas.openxmlformats.org/drawingml/2006/main" xmlns:r="http://schemas.openxmlformats.org/officeDocument/2006/relationships" xmlns:p="http://schemas.openxmlformats.org/presentationml/2006/main">
-  <p:cSld>
-    <p:spTree>
-      <p:nvGrpSpPr>
-        <p:cNvPr id="1" name="">
-          <a:extLst>
-            <a:ext uri="{FF2B5EF4-FFF2-40B4-BE49-F238E27FC236}">
               <a16:creationId xmlns:a16="http://schemas.microsoft.com/office/drawing/2014/main" id="{03FA627C-81B3-2732-376C-3DF84021D622}"/>
             </a:ext>
           </a:extLst>
@@ -15267,7 +14473,7 @@
                 <a:tabLst/>
                 <a:defRPr/>
               </a:pPr>
-              <a:t>15</a:t>
+              <a:t>14</a:t>
             </a:fld>
             <a:endParaRPr kumimoji="0" lang="en-US" sz="1200" b="0" i="0" u="none" strike="noStrike" kern="1200" cap="none" spc="0" normalizeH="0" baseline="0" noProof="0" dirty="0">
               <a:ln>
@@ -15774,72 +14980,6 @@
           </a:p>
         </p:txBody>
       </p:sp>
-      <p:sp>
-        <p:nvSpPr>
-          <p:cNvPr id="5" name="TextBox 4">
-            <a:extLst>
-              <a:ext uri="{FF2B5EF4-FFF2-40B4-BE49-F238E27FC236}">
-                <a16:creationId xmlns:a16="http://schemas.microsoft.com/office/drawing/2014/main" id="{C5E57914-2939-721E-6FBF-EF74F22EA9A7}"/>
-              </a:ext>
-            </a:extLst>
-          </p:cNvPr>
-          <p:cNvSpPr txBox="1"/>
-          <p:nvPr/>
-        </p:nvSpPr>
-        <p:spPr>
-          <a:xfrm>
-            <a:off x="9577137" y="148557"/>
-            <a:ext cx="2407744" cy="1215189"/>
-          </a:xfrm>
-          <a:prstGeom prst="rect">
-            <a:avLst/>
-          </a:prstGeom>
-          <a:solidFill>
-            <a:schemeClr val="accent4"/>
-          </a:solidFill>
-          <a:ln>
-            <a:noFill/>
-          </a:ln>
-        </p:spPr>
-        <p:style>
-          <a:lnRef idx="2">
-            <a:schemeClr val="accent1">
-              <a:shade val="50000"/>
-            </a:schemeClr>
-          </a:lnRef>
-          <a:fillRef idx="1">
-            <a:schemeClr val="accent1"/>
-          </a:fillRef>
-          <a:effectRef idx="0">
-            <a:schemeClr val="accent1"/>
-          </a:effectRef>
-          <a:fontRef idx="minor">
-            <a:schemeClr val="lt1"/>
-          </a:fontRef>
-        </p:style>
-        <p:txBody>
-          <a:bodyPr rot="0" spcFirstLastPara="0" vertOverflow="overflow" horzOverflow="overflow" vert="horz" wrap="square" lIns="91440" tIns="45720" rIns="91440" bIns="45720" numCol="1" spcCol="0" rtlCol="0" fromWordArt="0" anchor="ctr" anchorCtr="0" forceAA="0" compatLnSpc="1">
-            <a:prstTxWarp prst="textNoShape">
-              <a:avLst/>
-            </a:prstTxWarp>
-            <a:noAutofit/>
-          </a:bodyPr>
-          <a:lstStyle/>
-          <a:p>
-            <a:pPr algn="l"/>
-            <a:r>
-              <a:rPr lang="en-US" sz="2000" dirty="0">
-                <a:solidFill>
-                  <a:schemeClr val="tx1"/>
-                </a:solidFill>
-                <a:latin typeface="Verdana" panose="020B0604030504040204" pitchFamily="34" charset="0"/>
-                <a:ea typeface="Verdana" panose="020B0604030504040204" pitchFamily="34" charset="0"/>
-              </a:rPr>
-              <a:t>Maybe better?</a:t>
-            </a:r>
-          </a:p>
-        </p:txBody>
-      </p:sp>
     </p:spTree>
     <p:extLst>
       <p:ext uri="{BB962C8B-B14F-4D97-AF65-F5344CB8AC3E}">
@@ -15853,7 +14993,7 @@
 </p:sld>
 </file>
 
-<file path=ppt/slides/slide16.xml><?xml version="1.0" encoding="utf-8"?>
+<file path=ppt/slides/slide15.xml><?xml version="1.0" encoding="utf-8"?>
 <p:sld xmlns:a="http://schemas.openxmlformats.org/drawingml/2006/main" xmlns:r="http://schemas.openxmlformats.org/officeDocument/2006/relationships" xmlns:p="http://schemas.openxmlformats.org/presentationml/2006/main">
   <p:cSld>
     <p:spTree>
@@ -15978,7 +15118,7 @@
                 <a:tabLst/>
                 <a:defRPr/>
               </a:pPr>
-              <a:t>16</a:t>
+              <a:t>15</a:t>
             </a:fld>
             <a:endParaRPr kumimoji="0" lang="en-US" sz="1200" b="0" i="0" u="none" strike="noStrike" kern="1200" cap="none" spc="0" normalizeH="0" baseline="0" noProof="0">
               <a:ln>
@@ -16844,6 +15984,91 @@
           <a:p>
             <a:pPr algn="l"/>
             <a:endParaRPr lang="en-US" sz="2800" dirty="0" err="1">
+              <a:solidFill>
+                <a:schemeClr val="tx1"/>
+              </a:solidFill>
+            </a:endParaRPr>
+          </a:p>
+        </p:txBody>
+      </p:sp>
+      <p:sp>
+        <p:nvSpPr>
+          <p:cNvPr id="4" name="Rectangle: Rounded Corners 3">
+            <a:extLst>
+              <a:ext uri="{FF2B5EF4-FFF2-40B4-BE49-F238E27FC236}">
+                <a16:creationId xmlns:a16="http://schemas.microsoft.com/office/drawing/2014/main" id="{96E20820-F3F8-F753-CE7F-B002FECF2E4E}"/>
+              </a:ext>
+            </a:extLst>
+          </p:cNvPr>
+          <p:cNvSpPr/>
+          <p:nvPr/>
+        </p:nvSpPr>
+        <p:spPr>
+          <a:xfrm>
+            <a:off x="5798634" y="906135"/>
+            <a:ext cx="5589882" cy="601981"/>
+          </a:xfrm>
+          <a:prstGeom prst="roundRect">
+            <a:avLst/>
+          </a:prstGeom>
+          <a:solidFill>
+            <a:schemeClr val="accent6">
+              <a:lumMod val="20000"/>
+              <a:lumOff val="80000"/>
+            </a:schemeClr>
+          </a:solidFill>
+          <a:ln>
+            <a:solidFill>
+              <a:srgbClr val="0070C0"/>
+            </a:solidFill>
+          </a:ln>
+        </p:spPr>
+        <p:style>
+          <a:lnRef idx="2">
+            <a:schemeClr val="accent1">
+              <a:shade val="50000"/>
+            </a:schemeClr>
+          </a:lnRef>
+          <a:fillRef idx="1">
+            <a:schemeClr val="accent1"/>
+          </a:fillRef>
+          <a:effectRef idx="0">
+            <a:schemeClr val="accent1"/>
+          </a:effectRef>
+          <a:fontRef idx="minor">
+            <a:schemeClr val="lt1"/>
+          </a:fontRef>
+        </p:style>
+        <p:txBody>
+          <a:bodyPr rtlCol="0" anchor="ctr"/>
+          <a:lstStyle/>
+          <a:p>
+            <a:pPr algn="ctr"/>
+            <a:r>
+              <a:rPr lang="en-US" sz="2400" dirty="0" err="1">
+                <a:solidFill>
+                  <a:schemeClr val="tx1"/>
+                </a:solidFill>
+              </a:rPr>
+              <a:t>src</a:t>
+            </a:r>
+            <a:r>
+              <a:rPr lang="en-US" sz="2400" dirty="0">
+                <a:solidFill>
+                  <a:schemeClr val="tx1"/>
+                </a:solidFill>
+              </a:rPr>
+              <a:t>/Slides/</a:t>
+            </a:r>
+            <a:r>
+              <a:rPr lang="en-US" sz="2400" dirty="0" err="1">
+                <a:solidFill>
+                  <a:schemeClr val="tx1"/>
+                </a:solidFill>
+              </a:rPr>
+              <a:t>threeRequestsConcurrently.ts</a:t>
+            </a:r>
+            <a:endParaRPr lang="en-US" sz="2400" dirty="0">
               <a:solidFill>
                 <a:schemeClr val="tx1"/>
               </a:solidFill>
@@ -17331,7 +16556,7 @@
 </p:sld>
 </file>
 
-<file path=ppt/slides/slide17.xml><?xml version="1.0" encoding="utf-8"?>
+<file path=ppt/slides/slide16.xml><?xml version="1.0" encoding="utf-8"?>
 <p:sld xmlns:a="http://schemas.openxmlformats.org/drawingml/2006/main" xmlns:r="http://schemas.openxmlformats.org/officeDocument/2006/relationships" xmlns:p="http://schemas.openxmlformats.org/presentationml/2006/main">
   <p:cSld>
     <p:spTree>
@@ -17454,7 +16679,7 @@
                 <a:tabLst/>
                 <a:defRPr/>
               </a:pPr>
-              <a:t>17</a:t>
+              <a:t>16</a:t>
             </a:fld>
             <a:endParaRPr kumimoji="0" lang="en-US" sz="1200" b="0" i="0" u="none" strike="noStrike" kern="1200" cap="none" spc="0" normalizeH="0" baseline="0" noProof="0">
               <a:ln>
@@ -18388,7 +17613,7 @@
                   <a:schemeClr val="tx1"/>
                 </a:solidFill>
               </a:rPr>
-              <a:t>/XXXXX/</a:t>
+              <a:t>/Slides/</a:t>
             </a:r>
             <a:r>
               <a:rPr lang="en-US" sz="2400" dirty="0" err="1">
@@ -18814,7 +18039,7 @@
 </p:sld>
 </file>
 
-<file path=ppt/slides/slide18.xml><?xml version="1.0" encoding="utf-8"?>
+<file path=ppt/slides/slide17.xml><?xml version="1.0" encoding="utf-8"?>
 <p:sld xmlns:a="http://schemas.openxmlformats.org/drawingml/2006/main" xmlns:r="http://schemas.openxmlformats.org/officeDocument/2006/relationships" xmlns:p="http://schemas.openxmlformats.org/presentationml/2006/main">
   <p:cSld>
     <p:spTree>
@@ -18931,7 +18156,7 @@
                 <a:tabLst/>
                 <a:defRPr/>
               </a:pPr>
-              <a:t>18</a:t>
+              <a:t>17</a:t>
             </a:fld>
             <a:endParaRPr kumimoji="0" lang="en-US" sz="1200" b="0" i="0" u="none" strike="noStrike" kern="1200" cap="none" spc="0" normalizeH="0" baseline="0" noProof="0">
               <a:ln>
@@ -19011,7 +18236,7 @@
                 </a:solidFill>
                 <a:latin typeface="Lucida Console" panose="020B0609040504020204" pitchFamily="49" charset="0"/>
               </a:rPr>
-              <a:t>npx</a:t>
+              <a:t>tsx</a:t>
             </a:r>
             <a:r>
               <a:rPr lang="en-US" sz="2000" dirty="0">
@@ -19021,24 +18246,6 @@
                 <a:latin typeface="Lucida Console" panose="020B0609040504020204" pitchFamily="49" charset="0"/>
               </a:rPr>
               <a:t> </a:t>
-            </a:r>
-            <a:r>
-              <a:rPr lang="en-US" sz="2000" dirty="0" err="1">
-                <a:solidFill>
-                  <a:prstClr val="black"/>
-                </a:solidFill>
-                <a:latin typeface="Lucida Console" panose="020B0609040504020204" pitchFamily="49" charset="0"/>
-              </a:rPr>
-              <a:t>ts</a:t>
-            </a:r>
-            <a:r>
-              <a:rPr lang="en-US" sz="2000" dirty="0">
-                <a:solidFill>
-                  <a:prstClr val="black"/>
-                </a:solidFill>
-                <a:latin typeface="Lucida Console" panose="020B0609040504020204" pitchFamily="49" charset="0"/>
-              </a:rPr>
-              <a:t>-node </a:t>
             </a:r>
             <a:r>
               <a:rPr lang="en-US" sz="2000" dirty="0" err="1">
@@ -19065,7 +18272,7 @@
                 </a:solidFill>
                 <a:latin typeface="Lucida Console" panose="020B0609040504020204" pitchFamily="49" charset="0"/>
               </a:rPr>
-              <a:t>After 100 runs of length 10</a:t>
+              <a:t>After 100 runs of length 10 with delay 100ms</a:t>
             </a:r>
           </a:p>
           <a:p>
@@ -19086,7 +18293,7 @@
                 </a:solidFill>
                 <a:latin typeface="Lucida Console" panose="020B0609040504020204" pitchFamily="49" charset="0"/>
               </a:rPr>
-              <a:t>: min = 23  avg = 34 max = 190 milliseconds</a:t>
+              <a:t>: min = 107  avg = 109 max = 115 msec</a:t>
             </a:r>
           </a:p>
           <a:p>
@@ -19107,73 +18314,7 @@
                 </a:solidFill>
                 <a:latin typeface="Lucida Console" panose="020B0609040504020204" pitchFamily="49" charset="0"/>
               </a:rPr>
-              <a:t>    : min = 210  avg = 237 max = 812 milliseconds</a:t>
-            </a:r>
-          </a:p>
-        </p:txBody>
-      </p:sp>
-      <p:sp>
-        <p:nvSpPr>
-          <p:cNvPr id="4" name="TextBox 3">
-            <a:extLst>
-              <a:ext uri="{FF2B5EF4-FFF2-40B4-BE49-F238E27FC236}">
-                <a16:creationId xmlns:a16="http://schemas.microsoft.com/office/drawing/2014/main" id="{501A8F5B-F448-DDF2-CEF7-03E764BA1716}"/>
-              </a:ext>
-            </a:extLst>
-          </p:cNvPr>
-          <p:cNvSpPr txBox="1"/>
-          <p:nvPr/>
-        </p:nvSpPr>
-        <p:spPr>
-          <a:xfrm>
-            <a:off x="4529959" y="3951890"/>
-            <a:ext cx="3037489" cy="1755227"/>
-          </a:xfrm>
-          <a:prstGeom prst="rect">
-            <a:avLst/>
-          </a:prstGeom>
-          <a:solidFill>
-            <a:srgbClr val="FFFF00"/>
-          </a:solidFill>
-          <a:ln>
-            <a:noFill/>
-          </a:ln>
-        </p:spPr>
-        <p:style>
-          <a:lnRef idx="2">
-            <a:schemeClr val="accent1">
-              <a:shade val="50000"/>
-            </a:schemeClr>
-          </a:lnRef>
-          <a:fillRef idx="1">
-            <a:schemeClr val="accent1"/>
-          </a:fillRef>
-          <a:effectRef idx="0">
-            <a:schemeClr val="accent1"/>
-          </a:effectRef>
-          <a:fontRef idx="minor">
-            <a:schemeClr val="lt1"/>
-          </a:fontRef>
-        </p:style>
-        <p:txBody>
-          <a:bodyPr rot="0" spcFirstLastPara="0" vertOverflow="overflow" horzOverflow="overflow" vert="horz" wrap="square" lIns="91440" tIns="45720" rIns="91440" bIns="45720" numCol="1" spcCol="0" rtlCol="0" fromWordArt="0" anchor="ctr" anchorCtr="0" forceAA="0" compatLnSpc="1">
-            <a:prstTxWarp prst="textNoShape">
-              <a:avLst/>
-            </a:prstTxWarp>
-            <a:noAutofit/>
-          </a:bodyPr>
-          <a:lstStyle/>
-          <a:p>
-            <a:pPr algn="l"/>
-            <a:r>
-              <a:rPr lang="en-US" sz="2000" dirty="0">
-                <a:solidFill>
-                  <a:schemeClr val="tx1"/>
-                </a:solidFill>
-                <a:latin typeface="Verdana" panose="020B0604030504040204" pitchFamily="34" charset="0"/>
-                <a:ea typeface="Verdana" panose="020B0604030504040204" pitchFamily="34" charset="0"/>
-              </a:rPr>
-              <a:t>Need to redo with this semester's examples</a:t>
+              <a:t>    : min = 1085  avg = 1093 max = 1103 msec</a:t>
             </a:r>
           </a:p>
         </p:txBody>
@@ -19191,7 +18332,7 @@
 </p:sld>
 </file>
 
-<file path=ppt/slides/slide19.xml><?xml version="1.0" encoding="utf-8"?>
+<file path=ppt/slides/slide18.xml><?xml version="1.0" encoding="utf-8"?>
 <p:sld xmlns:a="http://schemas.openxmlformats.org/drawingml/2006/main" xmlns:r="http://schemas.openxmlformats.org/officeDocument/2006/relationships" xmlns:p="http://schemas.openxmlformats.org/presentationml/2006/main">
   <p:cSld>
     <p:spTree>
@@ -19320,7 +18461,7 @@
                 <a:tabLst/>
                 <a:defRPr/>
               </a:pPr>
-              <a:t>19</a:t>
+              <a:t>18</a:t>
             </a:fld>
             <a:endParaRPr kumimoji="0" lang="en-US" sz="1200" b="0" i="0" u="none" strike="noStrike" kern="1200" cap="none" spc="0" normalizeH="0" baseline="0" noProof="0">
               <a:ln>
@@ -20909,160 +20050,7 @@
 </p:sld>
 </file>
 
-<file path=ppt/slides/slide2.xml><?xml version="1.0" encoding="utf-8"?>
-<p:sld xmlns:a="http://schemas.openxmlformats.org/drawingml/2006/main" xmlns:r="http://schemas.openxmlformats.org/officeDocument/2006/relationships" xmlns:p="http://schemas.openxmlformats.org/presentationml/2006/main">
-  <p:cSld>
-    <p:spTree>
-      <p:nvGrpSpPr>
-        <p:cNvPr id="1" name=""/>
-        <p:cNvGrpSpPr/>
-        <p:nvPr/>
-      </p:nvGrpSpPr>
-      <p:grpSpPr>
-        <a:xfrm>
-          <a:off x="0" y="0"/>
-          <a:ext cx="0" cy="0"/>
-          <a:chOff x="0" y="0"/>
-          <a:chExt cx="0" cy="0"/>
-        </a:xfrm>
-      </p:grpSpPr>
-      <p:sp>
-        <p:nvSpPr>
-          <p:cNvPr id="2" name="Title 1">
-            <a:extLst>
-              <a:ext uri="{FF2B5EF4-FFF2-40B4-BE49-F238E27FC236}">
-                <a16:creationId xmlns:a16="http://schemas.microsoft.com/office/drawing/2014/main" id="{E743D407-5B53-49A7-9907-E801EA7FFD8E}"/>
-              </a:ext>
-            </a:extLst>
-          </p:cNvPr>
-          <p:cNvSpPr>
-            <a:spLocks noGrp="1"/>
-          </p:cNvSpPr>
-          <p:nvPr>
-            <p:ph type="title"/>
-          </p:nvPr>
-        </p:nvSpPr>
-        <p:spPr/>
-        <p:txBody>
-          <a:bodyPr/>
-          <a:lstStyle/>
-          <a:p>
-            <a:r>
-              <a:rPr lang="en-US" dirty="0"/>
-              <a:t>Learning Goals for this Lesson</a:t>
-            </a:r>
-          </a:p>
-        </p:txBody>
-      </p:sp>
-      <p:sp>
-        <p:nvSpPr>
-          <p:cNvPr id="3" name="Content Placeholder 2">
-            <a:extLst>
-              <a:ext uri="{FF2B5EF4-FFF2-40B4-BE49-F238E27FC236}">
-                <a16:creationId xmlns:a16="http://schemas.microsoft.com/office/drawing/2014/main" id="{AC300E2B-BFD0-4090-AFC5-FE82683F997F}"/>
-              </a:ext>
-            </a:extLst>
-          </p:cNvPr>
-          <p:cNvSpPr>
-            <a:spLocks noGrp="1"/>
-          </p:cNvSpPr>
-          <p:nvPr>
-            <p:ph idx="1"/>
-          </p:nvPr>
-        </p:nvSpPr>
-        <p:spPr/>
-        <p:txBody>
-          <a:bodyPr>
-            <a:normAutofit lnSpcReduction="10000"/>
-          </a:bodyPr>
-          <a:lstStyle/>
-          <a:p>
-            <a:r>
-              <a:rPr lang="en-US" dirty="0"/>
-              <a:t>At the end of this lesson, you should be prepared to:</a:t>
-            </a:r>
-          </a:p>
-          <a:p>
-            <a:pPr lvl="1"/>
-            <a:r>
-              <a:rPr lang="en-US" dirty="0"/>
-              <a:t>Explain the difference between JS run-to-completion semantics and interrupt-based semantics.</a:t>
-            </a:r>
-          </a:p>
-          <a:p>
-            <a:pPr lvl="1"/>
-            <a:r>
-              <a:rPr lang="en-US" dirty="0"/>
-              <a:t>Given a simple program using async/await, work out the order in which the statements in the program will run.</a:t>
-            </a:r>
-          </a:p>
-          <a:p>
-            <a:pPr lvl="1"/>
-            <a:r>
-              <a:rPr lang="en-US" dirty="0"/>
-              <a:t>Write simple programs that create and manage promises using async/await</a:t>
-            </a:r>
-          </a:p>
-          <a:p>
-            <a:pPr lvl="1"/>
-            <a:r>
-              <a:rPr lang="en-US" dirty="0"/>
-              <a:t>Write simple programs to mask latency with concurrency by using non-blocking IO and </a:t>
-            </a:r>
-            <a:r>
-              <a:rPr lang="en-US" dirty="0" err="1"/>
-              <a:t>Promise.all</a:t>
-            </a:r>
-            <a:r>
-              <a:rPr lang="en-US" dirty="0"/>
-              <a:t> in TypeScript.</a:t>
-            </a:r>
-          </a:p>
-        </p:txBody>
-      </p:sp>
-      <p:sp>
-        <p:nvSpPr>
-          <p:cNvPr id="4" name="Slide Number Placeholder 3">
-            <a:extLst>
-              <a:ext uri="{FF2B5EF4-FFF2-40B4-BE49-F238E27FC236}">
-                <a16:creationId xmlns:a16="http://schemas.microsoft.com/office/drawing/2014/main" id="{B7BF3F82-6F96-41E0-9C15-23CE00076176}"/>
-              </a:ext>
-            </a:extLst>
-          </p:cNvPr>
-          <p:cNvSpPr>
-            <a:spLocks noGrp="1"/>
-          </p:cNvSpPr>
-          <p:nvPr>
-            <p:ph type="sldNum" sz="quarter" idx="12"/>
-          </p:nvPr>
-        </p:nvSpPr>
-        <p:spPr/>
-        <p:txBody>
-          <a:bodyPr/>
-          <a:lstStyle/>
-          <a:p>
-            <a:fld id="{20F37917-FD3A-4669-9018-DA04BCDD3D75}" type="slidenum">
-              <a:rPr lang="en-US" smtClean="0"/>
-              <a:t>2</a:t>
-            </a:fld>
-            <a:endParaRPr lang="en-US"/>
-          </a:p>
-        </p:txBody>
-      </p:sp>
-    </p:spTree>
-    <p:extLst>
-      <p:ext uri="{BB962C8B-B14F-4D97-AF65-F5344CB8AC3E}">
-        <p14:creationId xmlns:p14="http://schemas.microsoft.com/office/powerpoint/2010/main" val="1831664636"/>
-      </p:ext>
-    </p:extLst>
-  </p:cSld>
-  <p:clrMapOvr>
-    <a:masterClrMapping/>
-  </p:clrMapOvr>
-</p:sld>
-</file>
-
-<file path=ppt/slides/slide20.xml><?xml version="1.0" encoding="utf-8"?>
+<file path=ppt/slides/slide19.xml><?xml version="1.0" encoding="utf-8"?>
 <p:sld xmlns:a="http://schemas.openxmlformats.org/drawingml/2006/main" xmlns:r="http://schemas.openxmlformats.org/officeDocument/2006/relationships" xmlns:p="http://schemas.openxmlformats.org/presentationml/2006/main">
   <p:cSld>
     <p:spTree>
@@ -21179,7 +20167,7 @@
                 <a:tabLst/>
                 <a:defRPr/>
               </a:pPr>
-              <a:t>20</a:t>
+              <a:t>19</a:t>
             </a:fld>
             <a:endParaRPr kumimoji="0" lang="en-US" sz="1200" b="0" i="0" u="none" strike="noStrike" kern="1200" cap="none" spc="0" normalizeH="0" baseline="0" noProof="0">
               <a:ln>
@@ -21214,7 +20202,7 @@
         </p:nvSpPr>
         <p:spPr>
           <a:xfrm>
-            <a:off x="96252" y="1439663"/>
+            <a:off x="96252" y="1472817"/>
             <a:ext cx="10719601" cy="3675646"/>
           </a:xfrm>
           <a:prstGeom prst="rect">
@@ -22432,6 +21420,91 @@
               </a:rPr>
               <a:t>3080.99 msec</a:t>
             </a:r>
+          </a:p>
+        </p:txBody>
+      </p:sp>
+      <p:sp>
+        <p:nvSpPr>
+          <p:cNvPr id="6" name="Rectangle: Rounded Corners 5">
+            <a:extLst>
+              <a:ext uri="{FF2B5EF4-FFF2-40B4-BE49-F238E27FC236}">
+                <a16:creationId xmlns:a16="http://schemas.microsoft.com/office/drawing/2014/main" id="{E7327235-4F4D-134F-DFF0-8BB6AD19BE88}"/>
+              </a:ext>
+            </a:extLst>
+          </p:cNvPr>
+          <p:cNvSpPr/>
+          <p:nvPr/>
+        </p:nvSpPr>
+        <p:spPr>
+          <a:xfrm>
+            <a:off x="915080" y="5391129"/>
+            <a:ext cx="5180920" cy="601981"/>
+          </a:xfrm>
+          <a:prstGeom prst="roundRect">
+            <a:avLst/>
+          </a:prstGeom>
+          <a:solidFill>
+            <a:schemeClr val="accent6">
+              <a:lumMod val="20000"/>
+              <a:lumOff val="80000"/>
+            </a:schemeClr>
+          </a:solidFill>
+          <a:ln>
+            <a:solidFill>
+              <a:srgbClr val="0070C0"/>
+            </a:solidFill>
+          </a:ln>
+        </p:spPr>
+        <p:style>
+          <a:lnRef idx="2">
+            <a:schemeClr val="accent1">
+              <a:shade val="50000"/>
+            </a:schemeClr>
+          </a:lnRef>
+          <a:fillRef idx="1">
+            <a:schemeClr val="accent1"/>
+          </a:fillRef>
+          <a:effectRef idx="0">
+            <a:schemeClr val="accent1"/>
+          </a:effectRef>
+          <a:fontRef idx="minor">
+            <a:schemeClr val="lt1"/>
+          </a:fontRef>
+        </p:style>
+        <p:txBody>
+          <a:bodyPr rtlCol="0" anchor="ctr"/>
+          <a:lstStyle/>
+          <a:p>
+            <a:pPr algn="ctr"/>
+            <a:r>
+              <a:rPr lang="en-US" sz="2400" dirty="0" err="1">
+                <a:solidFill>
+                  <a:schemeClr val="tx1"/>
+                </a:solidFill>
+              </a:rPr>
+              <a:t>src</a:t>
+            </a:r>
+            <a:r>
+              <a:rPr lang="en-US" sz="2400" dirty="0">
+                <a:solidFill>
+                  <a:schemeClr val="tx1"/>
+                </a:solidFill>
+              </a:rPr>
+              <a:t>/Slides/</a:t>
+            </a:r>
+            <a:r>
+              <a:rPr lang="en-US" sz="2400" dirty="0" err="1">
+                <a:solidFill>
+                  <a:schemeClr val="tx1"/>
+                </a:solidFill>
+              </a:rPr>
+              <a:t>threeRequestsChained.ts</a:t>
+            </a:r>
+            <a:endParaRPr lang="en-US" sz="2400" dirty="0">
+              <a:solidFill>
+                <a:schemeClr val="tx1"/>
+              </a:solidFill>
+            </a:endParaRPr>
           </a:p>
         </p:txBody>
       </p:sp>
@@ -22526,7 +21599,160 @@
 </p:sld>
 </file>
 
-<file path=ppt/slides/slide21.xml><?xml version="1.0" encoding="utf-8"?>
+<file path=ppt/slides/slide2.xml><?xml version="1.0" encoding="utf-8"?>
+<p:sld xmlns:a="http://schemas.openxmlformats.org/drawingml/2006/main" xmlns:r="http://schemas.openxmlformats.org/officeDocument/2006/relationships" xmlns:p="http://schemas.openxmlformats.org/presentationml/2006/main">
+  <p:cSld>
+    <p:spTree>
+      <p:nvGrpSpPr>
+        <p:cNvPr id="1" name=""/>
+        <p:cNvGrpSpPr/>
+        <p:nvPr/>
+      </p:nvGrpSpPr>
+      <p:grpSpPr>
+        <a:xfrm>
+          <a:off x="0" y="0"/>
+          <a:ext cx="0" cy="0"/>
+          <a:chOff x="0" y="0"/>
+          <a:chExt cx="0" cy="0"/>
+        </a:xfrm>
+      </p:grpSpPr>
+      <p:sp>
+        <p:nvSpPr>
+          <p:cNvPr id="2" name="Title 1">
+            <a:extLst>
+              <a:ext uri="{FF2B5EF4-FFF2-40B4-BE49-F238E27FC236}">
+                <a16:creationId xmlns:a16="http://schemas.microsoft.com/office/drawing/2014/main" id="{E743D407-5B53-49A7-9907-E801EA7FFD8E}"/>
+              </a:ext>
+            </a:extLst>
+          </p:cNvPr>
+          <p:cNvSpPr>
+            <a:spLocks noGrp="1"/>
+          </p:cNvSpPr>
+          <p:nvPr>
+            <p:ph type="title"/>
+          </p:nvPr>
+        </p:nvSpPr>
+        <p:spPr/>
+        <p:txBody>
+          <a:bodyPr/>
+          <a:lstStyle/>
+          <a:p>
+            <a:r>
+              <a:rPr lang="en-US" dirty="0"/>
+              <a:t>Learning Goals for this Lesson</a:t>
+            </a:r>
+          </a:p>
+        </p:txBody>
+      </p:sp>
+      <p:sp>
+        <p:nvSpPr>
+          <p:cNvPr id="3" name="Content Placeholder 2">
+            <a:extLst>
+              <a:ext uri="{FF2B5EF4-FFF2-40B4-BE49-F238E27FC236}">
+                <a16:creationId xmlns:a16="http://schemas.microsoft.com/office/drawing/2014/main" id="{AC300E2B-BFD0-4090-AFC5-FE82683F997F}"/>
+              </a:ext>
+            </a:extLst>
+          </p:cNvPr>
+          <p:cNvSpPr>
+            <a:spLocks noGrp="1"/>
+          </p:cNvSpPr>
+          <p:nvPr>
+            <p:ph idx="1"/>
+          </p:nvPr>
+        </p:nvSpPr>
+        <p:spPr/>
+        <p:txBody>
+          <a:bodyPr>
+            <a:normAutofit lnSpcReduction="10000"/>
+          </a:bodyPr>
+          <a:lstStyle/>
+          <a:p>
+            <a:r>
+              <a:rPr lang="en-US" dirty="0"/>
+              <a:t>At the end of this lesson, you should be prepared to:</a:t>
+            </a:r>
+          </a:p>
+          <a:p>
+            <a:pPr lvl="1"/>
+            <a:r>
+              <a:rPr lang="en-US" dirty="0"/>
+              <a:t>Explain the difference between JS run-to-completion semantics and interrupt-based semantics.</a:t>
+            </a:r>
+          </a:p>
+          <a:p>
+            <a:pPr lvl="1"/>
+            <a:r>
+              <a:rPr lang="en-US" dirty="0"/>
+              <a:t>Given a simple program using async/await, work out the order in which the statements in the program will run.</a:t>
+            </a:r>
+          </a:p>
+          <a:p>
+            <a:pPr lvl="1"/>
+            <a:r>
+              <a:rPr lang="en-US" dirty="0"/>
+              <a:t>Write simple programs that create and manage promises using async/await</a:t>
+            </a:r>
+          </a:p>
+          <a:p>
+            <a:pPr lvl="1"/>
+            <a:r>
+              <a:rPr lang="en-US" dirty="0"/>
+              <a:t>Write simple programs to mask latency with concurrency by using non-blocking IO and </a:t>
+            </a:r>
+            <a:r>
+              <a:rPr lang="en-US" dirty="0" err="1"/>
+              <a:t>Promise.all</a:t>
+            </a:r>
+            <a:r>
+              <a:rPr lang="en-US" dirty="0"/>
+              <a:t> in TypeScript.</a:t>
+            </a:r>
+          </a:p>
+        </p:txBody>
+      </p:sp>
+      <p:sp>
+        <p:nvSpPr>
+          <p:cNvPr id="4" name="Slide Number Placeholder 3">
+            <a:extLst>
+              <a:ext uri="{FF2B5EF4-FFF2-40B4-BE49-F238E27FC236}">
+                <a16:creationId xmlns:a16="http://schemas.microsoft.com/office/drawing/2014/main" id="{B7BF3F82-6F96-41E0-9C15-23CE00076176}"/>
+              </a:ext>
+            </a:extLst>
+          </p:cNvPr>
+          <p:cNvSpPr>
+            <a:spLocks noGrp="1"/>
+          </p:cNvSpPr>
+          <p:nvPr>
+            <p:ph type="sldNum" sz="quarter" idx="12"/>
+          </p:nvPr>
+        </p:nvSpPr>
+        <p:spPr/>
+        <p:txBody>
+          <a:bodyPr/>
+          <a:lstStyle/>
+          <a:p>
+            <a:fld id="{20F37917-FD3A-4669-9018-DA04BCDD3D75}" type="slidenum">
+              <a:rPr lang="en-US" smtClean="0"/>
+              <a:t>2</a:t>
+            </a:fld>
+            <a:endParaRPr lang="en-US"/>
+          </a:p>
+        </p:txBody>
+      </p:sp>
+    </p:spTree>
+    <p:extLst>
+      <p:ext uri="{BB962C8B-B14F-4D97-AF65-F5344CB8AC3E}">
+        <p14:creationId xmlns:p14="http://schemas.microsoft.com/office/powerpoint/2010/main" val="1831664636"/>
+      </p:ext>
+    </p:extLst>
+  </p:cSld>
+  <p:clrMapOvr>
+    <a:masterClrMapping/>
+  </p:clrMapOvr>
+</p:sld>
+</file>
+
+<file path=ppt/slides/slide20.xml><?xml version="1.0" encoding="utf-8"?>
 <p:sld xmlns:a="http://schemas.openxmlformats.org/drawingml/2006/main" xmlns:r="http://schemas.openxmlformats.org/officeDocument/2006/relationships" xmlns:p="http://schemas.openxmlformats.org/presentationml/2006/main">
   <p:cSld>
     <p:spTree>
@@ -22643,7 +21869,7 @@
                 <a:tabLst/>
                 <a:defRPr/>
               </a:pPr>
-              <a:t>21</a:t>
+              <a:t>20</a:t>
             </a:fld>
             <a:endParaRPr kumimoji="0" lang="en-US" sz="1200" b="0" i="0" u="none" strike="noStrike" kern="1200" cap="none" spc="0" normalizeH="0" baseline="0" noProof="0">
               <a:ln>
@@ -23199,6 +22425,91 @@
           </a:p>
         </p:txBody>
       </p:sp>
+      <p:sp>
+        <p:nvSpPr>
+          <p:cNvPr id="4" name="Rectangle: Rounded Corners 3">
+            <a:extLst>
+              <a:ext uri="{FF2B5EF4-FFF2-40B4-BE49-F238E27FC236}">
+                <a16:creationId xmlns:a16="http://schemas.microsoft.com/office/drawing/2014/main" id="{C7108A02-3D83-0BE9-4385-6767443E92F9}"/>
+              </a:ext>
+            </a:extLst>
+          </p:cNvPr>
+          <p:cNvSpPr/>
+          <p:nvPr/>
+        </p:nvSpPr>
+        <p:spPr>
+          <a:xfrm>
+            <a:off x="5392295" y="4203988"/>
+            <a:ext cx="5180920" cy="601981"/>
+          </a:xfrm>
+          <a:prstGeom prst="roundRect">
+            <a:avLst/>
+          </a:prstGeom>
+          <a:solidFill>
+            <a:schemeClr val="accent6">
+              <a:lumMod val="20000"/>
+              <a:lumOff val="80000"/>
+            </a:schemeClr>
+          </a:solidFill>
+          <a:ln>
+            <a:solidFill>
+              <a:srgbClr val="0070C0"/>
+            </a:solidFill>
+          </a:ln>
+        </p:spPr>
+        <p:style>
+          <a:lnRef idx="2">
+            <a:schemeClr val="accent1">
+              <a:shade val="50000"/>
+            </a:schemeClr>
+          </a:lnRef>
+          <a:fillRef idx="1">
+            <a:schemeClr val="accent1"/>
+          </a:fillRef>
+          <a:effectRef idx="0">
+            <a:schemeClr val="accent1"/>
+          </a:effectRef>
+          <a:fontRef idx="minor">
+            <a:schemeClr val="lt1"/>
+          </a:fontRef>
+        </p:style>
+        <p:txBody>
+          <a:bodyPr rtlCol="0" anchor="ctr"/>
+          <a:lstStyle/>
+          <a:p>
+            <a:pPr algn="ctr"/>
+            <a:r>
+              <a:rPr lang="en-US" sz="2400" dirty="0" err="1">
+                <a:solidFill>
+                  <a:schemeClr val="tx1"/>
+                </a:solidFill>
+              </a:rPr>
+              <a:t>src</a:t>
+            </a:r>
+            <a:r>
+              <a:rPr lang="en-US" sz="2400" dirty="0">
+                <a:solidFill>
+                  <a:schemeClr val="tx1"/>
+                </a:solidFill>
+              </a:rPr>
+              <a:t>/Slides/</a:t>
+            </a:r>
+            <a:r>
+              <a:rPr lang="en-US" sz="2400" dirty="0" err="1">
+                <a:solidFill>
+                  <a:schemeClr val="tx1"/>
+                </a:solidFill>
+              </a:rPr>
+              <a:t>tryCatchExample.ts</a:t>
+            </a:r>
+            <a:endParaRPr lang="en-US" sz="2400" dirty="0">
+              <a:solidFill>
+                <a:schemeClr val="tx1"/>
+              </a:solidFill>
+            </a:endParaRPr>
+          </a:p>
+        </p:txBody>
+      </p:sp>
     </p:spTree>
     <p:extLst>
       <p:ext uri="{BB962C8B-B14F-4D97-AF65-F5344CB8AC3E}">
@@ -23212,7 +22523,7 @@
 </p:sld>
 </file>
 
-<file path=ppt/slides/slide22.xml><?xml version="1.0" encoding="utf-8"?>
+<file path=ppt/slides/slide21.xml><?xml version="1.0" encoding="utf-8"?>
 <p:sld xmlns:a="http://schemas.openxmlformats.org/drawingml/2006/main" xmlns:r="http://schemas.openxmlformats.org/officeDocument/2006/relationships" xmlns:p="http://schemas.openxmlformats.org/presentationml/2006/main">
   <p:cSld>
     <p:spTree>
@@ -23329,7 +22640,7 @@
                 <a:tabLst/>
                 <a:defRPr/>
               </a:pPr>
-              <a:t>22</a:t>
+              <a:t>21</a:t>
             </a:fld>
             <a:endParaRPr kumimoji="0" lang="en-US" sz="1200" b="0" i="0" u="none" strike="noStrike" kern="1200" cap="none" spc="0" normalizeH="0" baseline="0" noProof="0">
               <a:ln>
@@ -24276,7 +23587,7 @@
 </p:sld>
 </file>
 
-<file path=ppt/slides/slide23.xml><?xml version="1.0" encoding="utf-8"?>
+<file path=ppt/slides/slide22.xml><?xml version="1.0" encoding="utf-8"?>
 <p:sld xmlns:a="http://schemas.openxmlformats.org/drawingml/2006/main" xmlns:r="http://schemas.openxmlformats.org/officeDocument/2006/relationships" xmlns:p="http://schemas.openxmlformats.org/presentationml/2006/main">
   <p:cSld>
     <p:spTree>
@@ -24393,7 +23704,7 @@
                 <a:tabLst/>
                 <a:defRPr/>
               </a:pPr>
-              <a:t>23</a:t>
+              <a:t>22</a:t>
             </a:fld>
             <a:endParaRPr kumimoji="0" lang="en-US" sz="1200" b="0" i="0" u="none" strike="noStrike" kern="1200" cap="none" spc="0" normalizeH="0" baseline="0" noProof="0">
               <a:ln>
@@ -25095,7 +24406,7 @@
                   <a:schemeClr val="tx1"/>
                 </a:solidFill>
               </a:rPr>
-              <a:t>/XXX/jest-</a:t>
+              <a:t>/Slides/jest-</a:t>
             </a:r>
             <a:r>
               <a:rPr lang="en-US" sz="2400" dirty="0" err="1">
@@ -25126,7 +24437,7 @@
 </p:sld>
 </file>
 
-<file path=ppt/slides/slide24.xml><?xml version="1.0" encoding="utf-8"?>
+<file path=ppt/slides/slide23.xml><?xml version="1.0" encoding="utf-8"?>
 <p:sld xmlns:a="http://schemas.openxmlformats.org/drawingml/2006/main" xmlns:r="http://schemas.openxmlformats.org/officeDocument/2006/relationships" xmlns:p="http://schemas.openxmlformats.org/presentationml/2006/main">
   <p:cSld>
     <p:spTree>
@@ -25269,7 +24580,7 @@
                 <a:tabLst/>
                 <a:defRPr/>
               </a:pPr>
-              <a:t>24</a:t>
+              <a:t>23</a:t>
             </a:fld>
             <a:endParaRPr kumimoji="0" lang="en-US" sz="1200" b="0" i="0" u="none" strike="noStrike" kern="1200" cap="none" spc="0" normalizeH="0" baseline="0" noProof="0">
               <a:ln>
@@ -26119,7 +25430,7 @@
                   <a:schemeClr val="tx1"/>
                 </a:solidFill>
               </a:rPr>
-              <a:t>/XXXXX/</a:t>
+              <a:t>/Slides/</a:t>
             </a:r>
             <a:r>
               <a:rPr lang="en-US" sz="2400" dirty="0" err="1">
@@ -26378,7 +25689,7 @@
 </p:sld>
 </file>
 
-<file path=ppt/slides/slide25.xml><?xml version="1.0" encoding="utf-8"?>
+<file path=ppt/slides/slide24.xml><?xml version="1.0" encoding="utf-8"?>
 <p:sld xmlns:a="http://schemas.openxmlformats.org/drawingml/2006/main" xmlns:r="http://schemas.openxmlformats.org/officeDocument/2006/relationships" xmlns:p="http://schemas.openxmlformats.org/presentationml/2006/main">
   <p:cSld>
     <p:spTree>
@@ -26501,7 +25812,7 @@
                 <a:tabLst/>
                 <a:defRPr/>
               </a:pPr>
-              <a:t>25</a:t>
+              <a:t>24</a:t>
             </a:fld>
             <a:endParaRPr kumimoji="0" lang="en-US" sz="1200" b="0" i="0" u="none" strike="noStrike" kern="1200" cap="none" spc="0" normalizeH="0" baseline="0" noProof="0">
               <a:ln>
@@ -27028,7 +26339,7 @@
 </p:sld>
 </file>
 
-<file path=ppt/slides/slide26.xml><?xml version="1.0" encoding="utf-8"?>
+<file path=ppt/slides/slide25.xml><?xml version="1.0" encoding="utf-8"?>
 <p:sld xmlns:a="http://schemas.openxmlformats.org/drawingml/2006/main" xmlns:r="http://schemas.openxmlformats.org/officeDocument/2006/relationships" xmlns:p="http://schemas.openxmlformats.org/presentationml/2006/main">
   <p:cSld>
     <p:spTree>
@@ -27215,7 +26526,7 @@
                 <a:tabLst/>
                 <a:defRPr/>
               </a:pPr>
-              <a:t>26</a:t>
+              <a:t>25</a:t>
             </a:fld>
             <a:endParaRPr kumimoji="0" lang="en-US" sz="1200" b="0" i="0" u="none" strike="noStrike" kern="1200" cap="none" spc="0" normalizeH="0" baseline="0" noProof="0">
               <a:ln>
@@ -27306,7 +26617,7 @@
 </p:sld>
 </file>
 
-<file path=ppt/slides/slide27.xml><?xml version="1.0" encoding="utf-8"?>
+<file path=ppt/slides/slide26.xml><?xml version="1.0" encoding="utf-8"?>
 <p:sld xmlns:a="http://schemas.openxmlformats.org/drawingml/2006/main" xmlns:r="http://schemas.openxmlformats.org/officeDocument/2006/relationships" xmlns:p="http://schemas.openxmlformats.org/presentationml/2006/main">
   <p:cSld>
     <p:spTree>
@@ -28195,7 +27506,7 @@
                 <a:tabLst/>
                 <a:defRPr/>
               </a:pPr>
-              <a:t>27</a:t>
+              <a:t>26</a:t>
             </a:fld>
             <a:endParaRPr kumimoji="0" lang="en-US" sz="1200" b="0" i="0" u="none" strike="noStrike" kern="1200" cap="none" spc="0" normalizeH="0" baseline="0" noProof="0">
               <a:ln>
@@ -28216,6 +27527,91 @@
           </a:p>
         </p:txBody>
       </p:sp>
+      <p:sp>
+        <p:nvSpPr>
+          <p:cNvPr id="5" name="Rectangle: Rounded Corners 4">
+            <a:extLst>
+              <a:ext uri="{FF2B5EF4-FFF2-40B4-BE49-F238E27FC236}">
+                <a16:creationId xmlns:a16="http://schemas.microsoft.com/office/drawing/2014/main" id="{D71F20BD-32DB-08D0-DF0A-F124A57FD915}"/>
+              </a:ext>
+            </a:extLst>
+          </p:cNvPr>
+          <p:cNvSpPr/>
+          <p:nvPr/>
+        </p:nvSpPr>
+        <p:spPr>
+          <a:xfrm>
+            <a:off x="6763601" y="136525"/>
+            <a:ext cx="5180920" cy="601981"/>
+          </a:xfrm>
+          <a:prstGeom prst="roundRect">
+            <a:avLst/>
+          </a:prstGeom>
+          <a:solidFill>
+            <a:schemeClr val="accent6">
+              <a:lumMod val="20000"/>
+              <a:lumOff val="80000"/>
+            </a:schemeClr>
+          </a:solidFill>
+          <a:ln>
+            <a:solidFill>
+              <a:srgbClr val="0070C0"/>
+            </a:solidFill>
+          </a:ln>
+        </p:spPr>
+        <p:style>
+          <a:lnRef idx="2">
+            <a:schemeClr val="accent1">
+              <a:shade val="50000"/>
+            </a:schemeClr>
+          </a:lnRef>
+          <a:fillRef idx="1">
+            <a:schemeClr val="accent1"/>
+          </a:fillRef>
+          <a:effectRef idx="0">
+            <a:schemeClr val="accent1"/>
+          </a:effectRef>
+          <a:fontRef idx="minor">
+            <a:schemeClr val="lt1"/>
+          </a:fontRef>
+        </p:style>
+        <p:txBody>
+          <a:bodyPr rtlCol="0" anchor="ctr"/>
+          <a:lstStyle/>
+          <a:p>
+            <a:pPr algn="ctr"/>
+            <a:r>
+              <a:rPr lang="en-US" sz="2400" dirty="0" err="1">
+                <a:solidFill>
+                  <a:schemeClr val="tx1"/>
+                </a:solidFill>
+              </a:rPr>
+              <a:t>src</a:t>
+            </a:r>
+            <a:r>
+              <a:rPr lang="en-US" sz="2400" dirty="0">
+                <a:solidFill>
+                  <a:schemeClr val="tx1"/>
+                </a:solidFill>
+              </a:rPr>
+              <a:t>/Slides/</a:t>
+            </a:r>
+            <a:r>
+              <a:rPr lang="en-US" sz="2400" dirty="0" err="1">
+                <a:solidFill>
+                  <a:schemeClr val="tx1"/>
+                </a:solidFill>
+              </a:rPr>
+              <a:t>oneRequestNoAwait.ts</a:t>
+            </a:r>
+            <a:endParaRPr lang="en-US" sz="2400" dirty="0">
+              <a:solidFill>
+                <a:schemeClr val="tx1"/>
+              </a:solidFill>
+            </a:endParaRPr>
+          </a:p>
+        </p:txBody>
+      </p:sp>
     </p:spTree>
     <p:extLst>
       <p:ext uri="{BB962C8B-B14F-4D97-AF65-F5344CB8AC3E}">
@@ -28229,7 +27625,7 @@
 </p:sld>
 </file>
 
-<file path=ppt/slides/slide28.xml><?xml version="1.0" encoding="utf-8"?>
+<file path=ppt/slides/slide27.xml><?xml version="1.0" encoding="utf-8"?>
 <p:sld xmlns:a="http://schemas.openxmlformats.org/drawingml/2006/main" xmlns:r="http://schemas.openxmlformats.org/officeDocument/2006/relationships" xmlns:p="http://schemas.openxmlformats.org/presentationml/2006/main">
   <p:cSld>
     <p:spTree>
@@ -28354,7 +27750,7 @@
                 <a:tabLst/>
                 <a:defRPr/>
               </a:pPr>
-              <a:t>28</a:t>
+              <a:t>27</a:t>
             </a:fld>
             <a:endParaRPr kumimoji="0" lang="en-US" sz="1200" b="0" i="0" u="none" strike="noStrike" kern="1200" cap="none" spc="0" normalizeH="0" baseline="0" noProof="0">
               <a:ln>
@@ -29522,7 +28918,7 @@
 </p:sld>
 </file>
 
-<file path=ppt/slides/slide29.xml><?xml version="1.0" encoding="utf-8"?>
+<file path=ppt/slides/slide28.xml><?xml version="1.0" encoding="utf-8"?>
 <p:sld xmlns:a="http://schemas.openxmlformats.org/drawingml/2006/main" xmlns:r="http://schemas.openxmlformats.org/officeDocument/2006/relationships" xmlns:p="http://schemas.openxmlformats.org/presentationml/2006/main">
   <p:cSld>
     <p:spTree>
@@ -29639,7 +29035,7 @@
                 <a:tabLst/>
                 <a:defRPr/>
               </a:pPr>
-              <a:t>29</a:t>
+              <a:t>28</a:t>
             </a:fld>
             <a:endParaRPr kumimoji="0" lang="en-US" sz="1200" b="0" i="0" u="none" strike="noStrike" kern="1200" cap="none" spc="0" normalizeH="0" baseline="0" noProof="0">
               <a:ln>
@@ -29937,6 +29333,418 @@
 </p:sld>
 </file>
 
+<file path=ppt/slides/slide29.xml><?xml version="1.0" encoding="utf-8"?>
+<p:sld xmlns:a="http://schemas.openxmlformats.org/drawingml/2006/main" xmlns:r="http://schemas.openxmlformats.org/officeDocument/2006/relationships" xmlns:p="http://schemas.openxmlformats.org/presentationml/2006/main">
+  <p:cSld>
+    <p:spTree>
+      <p:nvGrpSpPr>
+        <p:cNvPr id="1" name=""/>
+        <p:cNvGrpSpPr/>
+        <p:nvPr/>
+      </p:nvGrpSpPr>
+      <p:grpSpPr>
+        <a:xfrm>
+          <a:off x="0" y="0"/>
+          <a:ext cx="0" cy="0"/>
+          <a:chOff x="0" y="0"/>
+          <a:chExt cx="0" cy="0"/>
+        </a:xfrm>
+      </p:grpSpPr>
+      <p:sp>
+        <p:nvSpPr>
+          <p:cNvPr id="3" name="Slide Number Placeholder 2">
+            <a:extLst>
+              <a:ext uri="{FF2B5EF4-FFF2-40B4-BE49-F238E27FC236}">
+                <a16:creationId xmlns:a16="http://schemas.microsoft.com/office/drawing/2014/main" id="{B7DD3DB5-27AA-2C60-D5C7-12889F0685C5}"/>
+              </a:ext>
+            </a:extLst>
+          </p:cNvPr>
+          <p:cNvSpPr>
+            <a:spLocks noGrp="1"/>
+          </p:cNvSpPr>
+          <p:nvPr>
+            <p:ph type="sldNum" sz="quarter" idx="12"/>
+          </p:nvPr>
+        </p:nvSpPr>
+        <p:spPr/>
+        <p:txBody>
+          <a:bodyPr/>
+          <a:lstStyle/>
+          <a:p>
+            <a:pPr marL="0" marR="0" lvl="0" indent="0" algn="r" defTabSz="914400" rtl="0" eaLnBrk="1" fontAlgn="auto" latinLnBrk="0" hangingPunct="1">
+              <a:lnSpc>
+                <a:spcPct val="100000"/>
+              </a:lnSpc>
+              <a:spcBef>
+                <a:spcPts val="0"/>
+              </a:spcBef>
+              <a:spcAft>
+                <a:spcPts val="0"/>
+              </a:spcAft>
+              <a:buClrTx/>
+              <a:buSzTx/>
+              <a:buFontTx/>
+              <a:buNone/>
+              <a:tabLst/>
+              <a:defRPr/>
+            </a:pPr>
+            <a:fld id="{20F37917-FD3A-4669-9018-DA04BCDD3D75}" type="slidenum">
+              <a:rPr kumimoji="0" lang="en-US" sz="1200" b="0" i="0" u="none" strike="noStrike" kern="1200" cap="none" spc="0" normalizeH="0" baseline="0" noProof="0" smtClean="0">
+                <a:ln>
+                  <a:noFill/>
+                </a:ln>
+                <a:solidFill>
+                  <a:prstClr val="black">
+                    <a:tint val="75000"/>
+                  </a:prstClr>
+                </a:solidFill>
+                <a:effectLst/>
+                <a:uLnTx/>
+                <a:uFillTx/>
+                <a:latin typeface="Calibri" panose="020F0502020204030204"/>
+                <a:ea typeface="+mn-ea"/>
+                <a:cs typeface="+mn-cs"/>
+              </a:rPr>
+              <a:pPr marL="0" marR="0" lvl="0" indent="0" algn="r" defTabSz="914400" rtl="0" eaLnBrk="1" fontAlgn="auto" latinLnBrk="0" hangingPunct="1">
+                <a:lnSpc>
+                  <a:spcPct val="100000"/>
+                </a:lnSpc>
+                <a:spcBef>
+                  <a:spcPts val="0"/>
+                </a:spcBef>
+                <a:spcAft>
+                  <a:spcPts val="0"/>
+                </a:spcAft>
+                <a:buClrTx/>
+                <a:buSzTx/>
+                <a:buFontTx/>
+                <a:buNone/>
+                <a:tabLst/>
+                <a:defRPr/>
+              </a:pPr>
+              <a:t>29</a:t>
+            </a:fld>
+            <a:endParaRPr kumimoji="0" lang="en-US" sz="1200" b="0" i="0" u="none" strike="noStrike" kern="1200" cap="none" spc="0" normalizeH="0" baseline="0" noProof="0">
+              <a:ln>
+                <a:noFill/>
+              </a:ln>
+              <a:solidFill>
+                <a:prstClr val="black">
+                  <a:tint val="75000"/>
+                </a:prstClr>
+              </a:solidFill>
+              <a:effectLst/>
+              <a:uLnTx/>
+              <a:uFillTx/>
+              <a:latin typeface="Calibri" panose="020F0502020204030204"/>
+              <a:ea typeface="+mn-ea"/>
+              <a:cs typeface="+mn-cs"/>
+            </a:endParaRPr>
+          </a:p>
+        </p:txBody>
+      </p:sp>
+      <p:sp>
+        <p:nvSpPr>
+          <p:cNvPr id="5" name="Title 4">
+            <a:extLst>
+              <a:ext uri="{FF2B5EF4-FFF2-40B4-BE49-F238E27FC236}">
+                <a16:creationId xmlns:a16="http://schemas.microsoft.com/office/drawing/2014/main" id="{C79F519B-B282-FFA4-D3A7-6E0C19BC95AE}"/>
+              </a:ext>
+            </a:extLst>
+          </p:cNvPr>
+          <p:cNvSpPr>
+            <a:spLocks noGrp="1"/>
+          </p:cNvSpPr>
+          <p:nvPr>
+            <p:ph type="title" idx="4294967295"/>
+          </p:nvPr>
+        </p:nvSpPr>
+        <p:spPr>
+          <a:xfrm>
+            <a:off x="1456871" y="1465627"/>
+            <a:ext cx="8958943" cy="3926745"/>
+          </a:xfrm>
+        </p:spPr>
+        <p:txBody>
+          <a:bodyPr>
+            <a:normAutofit/>
+          </a:bodyPr>
+          <a:lstStyle/>
+          <a:p>
+            <a:r>
+              <a:rPr lang="en-US" sz="3600" dirty="0">
+                <a:solidFill>
+                  <a:schemeClr val="accent1">
+                    <a:lumMod val="40000"/>
+                    <a:lumOff val="60000"/>
+                  </a:schemeClr>
+                </a:solidFill>
+              </a:rPr>
+              <a:t>We achieve this goal using two techniques:</a:t>
+            </a:r>
+            <a:br>
+              <a:rPr lang="en-US" sz="3600" dirty="0">
+                <a:solidFill>
+                  <a:schemeClr val="accent1">
+                    <a:lumMod val="40000"/>
+                    <a:lumOff val="60000"/>
+                  </a:schemeClr>
+                </a:solidFill>
+              </a:rPr>
+            </a:br>
+            <a:r>
+              <a:rPr lang="en-US" sz="3600" dirty="0">
+                <a:solidFill>
+                  <a:schemeClr val="accent1">
+                    <a:lumMod val="40000"/>
+                    <a:lumOff val="60000"/>
+                  </a:schemeClr>
+                </a:solidFill>
+              </a:rPr>
+              <a:t> </a:t>
+            </a:r>
+            <a:br>
+              <a:rPr lang="en-US" sz="3600" dirty="0">
+                <a:solidFill>
+                  <a:schemeClr val="accent1">
+                    <a:lumMod val="40000"/>
+                    <a:lumOff val="60000"/>
+                  </a:schemeClr>
+                </a:solidFill>
+              </a:rPr>
+            </a:br>
+            <a:r>
+              <a:rPr lang="en-US" sz="3600" dirty="0">
+                <a:solidFill>
+                  <a:schemeClr val="accent1">
+                    <a:lumMod val="40000"/>
+                    <a:lumOff val="60000"/>
+                  </a:schemeClr>
+                </a:solidFill>
+              </a:rPr>
+              <a:t>1. cooperative multiprocessing </a:t>
+            </a:r>
+            <a:br>
+              <a:rPr lang="en-US" sz="3600" dirty="0">
+                <a:solidFill>
+                  <a:schemeClr val="accent1">
+                    <a:lumMod val="40000"/>
+                    <a:lumOff val="60000"/>
+                  </a:schemeClr>
+                </a:solidFill>
+              </a:rPr>
+            </a:br>
+            <a:r>
+              <a:rPr lang="en-US" sz="3600" dirty="0">
+                <a:solidFill>
+                  <a:schemeClr val="accent1">
+                    <a:lumMod val="40000"/>
+                    <a:lumOff val="60000"/>
+                  </a:schemeClr>
+                </a:solidFill>
+              </a:rPr>
+              <a:t> </a:t>
+            </a:r>
+            <a:br>
+              <a:rPr lang="en-US" sz="3600" dirty="0">
+                <a:solidFill>
+                  <a:schemeClr val="accent1">
+                    <a:lumMod val="40000"/>
+                    <a:lumOff val="60000"/>
+                  </a:schemeClr>
+                </a:solidFill>
+              </a:rPr>
+            </a:br>
+            <a:r>
+              <a:rPr lang="en-US" sz="3600" dirty="0">
+                <a:solidFill>
+                  <a:schemeClr val="accent1">
+                    <a:lumMod val="40000"/>
+                    <a:lumOff val="60000"/>
+                  </a:schemeClr>
+                </a:solidFill>
+              </a:rPr>
+              <a:t>2. </a:t>
+            </a:r>
+            <a:r>
+              <a:rPr lang="en-US" sz="3600" dirty="0">
+                <a:solidFill>
+                  <a:schemeClr val="accent5">
+                    <a:lumMod val="75000"/>
+                  </a:schemeClr>
+                </a:solidFill>
+              </a:rPr>
+              <a:t>non-blocking IO </a:t>
+            </a:r>
+          </a:p>
+        </p:txBody>
+      </p:sp>
+      <p:sp>
+        <p:nvSpPr>
+          <p:cNvPr id="2" name="Arrow: Left 1">
+            <a:extLst>
+              <a:ext uri="{FF2B5EF4-FFF2-40B4-BE49-F238E27FC236}">
+                <a16:creationId xmlns:a16="http://schemas.microsoft.com/office/drawing/2014/main" id="{54338F1D-8D25-26AB-12F7-6AB5CC1889B6}"/>
+              </a:ext>
+            </a:extLst>
+          </p:cNvPr>
+          <p:cNvSpPr/>
+          <p:nvPr/>
+        </p:nvSpPr>
+        <p:spPr>
+          <a:xfrm>
+            <a:off x="7180035" y="4826277"/>
+            <a:ext cx="1787704" cy="365125"/>
+          </a:xfrm>
+          <a:prstGeom prst="leftArrow">
+            <a:avLst/>
+          </a:prstGeom>
+          <a:solidFill>
+            <a:srgbClr val="FFFF00"/>
+          </a:solidFill>
+          <a:ln>
+            <a:solidFill>
+              <a:srgbClr val="0070C0"/>
+            </a:solidFill>
+          </a:ln>
+        </p:spPr>
+        <p:style>
+          <a:lnRef idx="2">
+            <a:schemeClr val="accent1">
+              <a:shade val="50000"/>
+            </a:schemeClr>
+          </a:lnRef>
+          <a:fillRef idx="1">
+            <a:schemeClr val="accent1"/>
+          </a:fillRef>
+          <a:effectRef idx="0">
+            <a:schemeClr val="accent1"/>
+          </a:effectRef>
+          <a:fontRef idx="minor">
+            <a:schemeClr val="lt1"/>
+          </a:fontRef>
+        </p:style>
+        <p:txBody>
+          <a:bodyPr rtlCol="0" anchor="ctr"/>
+          <a:lstStyle/>
+          <a:p>
+            <a:pPr algn="l"/>
+            <a:endParaRPr lang="en-US" sz="2800" dirty="0" err="1">
+              <a:solidFill>
+                <a:schemeClr val="tx1"/>
+              </a:solidFill>
+            </a:endParaRPr>
+          </a:p>
+        </p:txBody>
+      </p:sp>
+      <p:sp>
+        <p:nvSpPr>
+          <p:cNvPr id="4" name="Title 1">
+            <a:extLst>
+              <a:ext uri="{FF2B5EF4-FFF2-40B4-BE49-F238E27FC236}">
+                <a16:creationId xmlns:a16="http://schemas.microsoft.com/office/drawing/2014/main" id="{C2A15C0C-ED91-0841-C6C1-F5B20B479F10}"/>
+              </a:ext>
+            </a:extLst>
+          </p:cNvPr>
+          <p:cNvSpPr txBox="1">
+            <a:spLocks/>
+          </p:cNvSpPr>
+          <p:nvPr/>
+        </p:nvSpPr>
+        <p:spPr>
+          <a:xfrm>
+            <a:off x="838200" y="136525"/>
+            <a:ext cx="10515600" cy="1325563"/>
+          </a:xfrm>
+          <a:prstGeom prst="rect">
+            <a:avLst/>
+          </a:prstGeom>
+        </p:spPr>
+        <p:txBody>
+          <a:bodyPr/>
+          <a:lstStyle>
+            <a:lvl1pPr algn="l" defTabSz="914400" rtl="0" eaLnBrk="1" latinLnBrk="0" hangingPunct="1">
+              <a:lnSpc>
+                <a:spcPct val="90000"/>
+              </a:lnSpc>
+              <a:spcBef>
+                <a:spcPct val="0"/>
+              </a:spcBef>
+              <a:buNone/>
+              <a:defRPr sz="4400" kern="1200">
+                <a:solidFill>
+                  <a:srgbClr val="0070C0"/>
+                </a:solidFill>
+                <a:latin typeface="Verdana" panose="020B0604030504040204" pitchFamily="34" charset="0"/>
+                <a:ea typeface="Verdana" panose="020B0604030504040204" pitchFamily="34" charset="0"/>
+                <a:cs typeface="+mj-cs"/>
+              </a:defRPr>
+            </a:lvl1pPr>
+          </a:lstStyle>
+          <a:p>
+            <a:r>
+              <a:rPr lang="en-US" sz="3600" dirty="0"/>
+              <a:t>But where does the non-blocking IO come from?</a:t>
+            </a:r>
+          </a:p>
+        </p:txBody>
+      </p:sp>
+      <p:cxnSp>
+        <p:nvCxnSpPr>
+          <p:cNvPr id="7" name="Straight Connector 6">
+            <a:extLst>
+              <a:ext uri="{FF2B5EF4-FFF2-40B4-BE49-F238E27FC236}">
+                <a16:creationId xmlns:a16="http://schemas.microsoft.com/office/drawing/2014/main" id="{C14AFAB6-0A8A-228F-42BF-62C6AFED3B3B}"/>
+              </a:ext>
+            </a:extLst>
+          </p:cNvPr>
+          <p:cNvCxnSpPr/>
+          <p:nvPr/>
+        </p:nvCxnSpPr>
+        <p:spPr>
+          <a:xfrm>
+            <a:off x="944217" y="1465627"/>
+            <a:ext cx="10187609" cy="0"/>
+          </a:xfrm>
+          <a:prstGeom prst="line">
+            <a:avLst/>
+          </a:prstGeom>
+          <a:ln w="12700">
+            <a:solidFill>
+              <a:schemeClr val="accent1"/>
+            </a:solidFill>
+            <a:headEnd type="none" w="med" len="med"/>
+            <a:tailEnd type="none" w="med" len="med"/>
+          </a:ln>
+        </p:spPr>
+        <p:style>
+          <a:lnRef idx="1">
+            <a:schemeClr val="accent1"/>
+          </a:lnRef>
+          <a:fillRef idx="0">
+            <a:schemeClr val="accent1"/>
+          </a:fillRef>
+          <a:effectRef idx="0">
+            <a:schemeClr val="accent1"/>
+          </a:effectRef>
+          <a:fontRef idx="minor">
+            <a:schemeClr val="tx1"/>
+          </a:fontRef>
+        </p:style>
+      </p:cxnSp>
+    </p:spTree>
+    <p:extLst>
+      <p:ext uri="{BB962C8B-B14F-4D97-AF65-F5344CB8AC3E}">
+        <p14:creationId xmlns:p14="http://schemas.microsoft.com/office/powerpoint/2010/main" val="2248217326"/>
+      </p:ext>
+    </p:extLst>
+  </p:cSld>
+  <p:clrMapOvr>
+    <a:masterClrMapping/>
+  </p:clrMapOvr>
+</p:sld>
+</file>
+
 <file path=ppt/slides/slide3.xml><?xml version="1.0" encoding="utf-8"?>
 <p:sld xmlns:a="http://schemas.openxmlformats.org/drawingml/2006/main" xmlns:r="http://schemas.openxmlformats.org/officeDocument/2006/relationships" xmlns:p="http://schemas.openxmlformats.org/presentationml/2006/main">
   <p:cSld>
@@ -30105,7 +29913,7 @@
           </a:prstGeom>
           <a:extLst>
             <a:ext uri="{C572A759-6A51-4108-AA02-DFA0A04FC94B}">
-              <ma14:wrappingTextBoxFlag xmlns="" xmlns:m="http://schemas.openxmlformats.org/officeDocument/2006/math" xmlns:a14="http://schemas.microsoft.com/office/drawing/2010/main" xmlns:ma14="http://schemas.microsoft.com/office/mac/drawingml/2011/main" val="1"/>
+              <ma14:wrappingTextBoxFlag xmlns:ma14="http://schemas.microsoft.com/office/mac/drawingml/2011/main" xmlns:a14="http://schemas.microsoft.com/office/drawing/2010/main" xmlns:m="http://schemas.openxmlformats.org/officeDocument/2006/math" xmlns="" val="1"/>
             </a:ext>
           </a:extLst>
         </p:spPr>
@@ -30495,7 +30303,7 @@
               </a:effectLst>
               <a:extLst>
                 <a:ext uri="{C572A759-6A51-4108-AA02-DFA0A04FC94B}">
-                  <ma14:wrappingTextBoxFlag xmlns="" xmlns:m="http://schemas.openxmlformats.org/officeDocument/2006/math" xmlns:a14="http://schemas.microsoft.com/office/drawing/2010/main" xmlns:ma14="http://schemas.microsoft.com/office/mac/drawingml/2011/main" val="1"/>
+                  <ma14:wrappingTextBoxFlag xmlns:ma14="http://schemas.microsoft.com/office/mac/drawingml/2011/main" xmlns:a14="http://schemas.microsoft.com/office/drawing/2010/main" xmlns:m="http://schemas.openxmlformats.org/officeDocument/2006/math" xmlns="" val="1"/>
                 </a:ext>
               </a:extLst>
             </p:spPr>
@@ -30565,7 +30373,7 @@
               </a:effectLst>
               <a:extLst>
                 <a:ext uri="{C572A759-6A51-4108-AA02-DFA0A04FC94B}">
-                  <ma14:wrappingTextBoxFlag xmlns="" xmlns:m="http://schemas.openxmlformats.org/officeDocument/2006/math" xmlns:a14="http://schemas.microsoft.com/office/drawing/2010/main" xmlns:ma14="http://schemas.microsoft.com/office/mac/drawingml/2011/main" val="1"/>
+                  <ma14:wrappingTextBoxFlag xmlns:ma14="http://schemas.microsoft.com/office/mac/drawingml/2011/main" xmlns:a14="http://schemas.microsoft.com/office/drawing/2010/main" xmlns:m="http://schemas.openxmlformats.org/officeDocument/2006/math" xmlns="" val="1"/>
                 </a:ext>
               </a:extLst>
             </p:spPr>
@@ -30633,7 +30441,7 @@
               </a:effectLst>
               <a:extLst>
                 <a:ext uri="{C572A759-6A51-4108-AA02-DFA0A04FC94B}">
-                  <ma14:wrappingTextBoxFlag xmlns="" xmlns:m="http://schemas.openxmlformats.org/officeDocument/2006/math" xmlns:a14="http://schemas.microsoft.com/office/drawing/2010/main" xmlns:ma14="http://schemas.microsoft.com/office/mac/drawingml/2011/main" val="1"/>
+                  <ma14:wrappingTextBoxFlag xmlns:ma14="http://schemas.microsoft.com/office/mac/drawingml/2011/main" xmlns:a14="http://schemas.microsoft.com/office/drawing/2010/main" xmlns:m="http://schemas.openxmlformats.org/officeDocument/2006/math" xmlns="" val="1"/>
                 </a:ext>
               </a:extLst>
             </p:spPr>
@@ -30721,7 +30529,7 @@
                 </a:effectLst>
                 <a:extLst>
                   <a:ext uri="{C572A759-6A51-4108-AA02-DFA0A04FC94B}">
-                    <ma14:wrappingTextBoxFlag xmlns="" xmlns:m="http://schemas.openxmlformats.org/officeDocument/2006/math" xmlns:a14="http://schemas.microsoft.com/office/drawing/2010/main" xmlns:ma14="http://schemas.microsoft.com/office/mac/drawingml/2011/main" val="1"/>
+                    <ma14:wrappingTextBoxFlag xmlns:ma14="http://schemas.microsoft.com/office/mac/drawingml/2011/main" xmlns:a14="http://schemas.microsoft.com/office/drawing/2010/main" xmlns:m="http://schemas.openxmlformats.org/officeDocument/2006/math" xmlns="" val="1"/>
                   </a:ext>
                 </a:extLst>
               </p:spPr>
@@ -30899,7 +30707,7 @@
                   <a:effectLst/>
                   <a:extLst>
                     <a:ext uri="{C572A759-6A51-4108-AA02-DFA0A04FC94B}">
-                      <ma14:wrappingTextBoxFlag xmlns="" xmlns:m="http://schemas.openxmlformats.org/officeDocument/2006/math" xmlns:a14="http://schemas.microsoft.com/office/drawing/2010/main" xmlns:ma14="http://schemas.microsoft.com/office/mac/drawingml/2011/main" val="1"/>
+                      <ma14:wrappingTextBoxFlag xmlns:ma14="http://schemas.microsoft.com/office/mac/drawingml/2011/main" xmlns:a14="http://schemas.microsoft.com/office/drawing/2010/main" xmlns:m="http://schemas.openxmlformats.org/officeDocument/2006/math" xmlns="" val="1"/>
                     </a:ext>
                   </a:extLst>
                 </p:spPr>
@@ -31099,7 +30907,7 @@
                   <a:effectLst/>
                   <a:extLst>
                     <a:ext uri="{C572A759-6A51-4108-AA02-DFA0A04FC94B}">
-                      <ma14:wrappingTextBoxFlag xmlns="" xmlns:m="http://schemas.openxmlformats.org/officeDocument/2006/math" xmlns:a14="http://schemas.microsoft.com/office/drawing/2010/main" xmlns:ma14="http://schemas.microsoft.com/office/mac/drawingml/2011/main" val="1"/>
+                      <ma14:wrappingTextBoxFlag xmlns:ma14="http://schemas.microsoft.com/office/mac/drawingml/2011/main" xmlns:a14="http://schemas.microsoft.com/office/drawing/2010/main" xmlns:m="http://schemas.openxmlformats.org/officeDocument/2006/math" xmlns="" val="1"/>
                     </a:ext>
                   </a:extLst>
                 </p:spPr>
@@ -31189,7 +30997,7 @@
                 </a:effectLst>
                 <a:extLst>
                   <a:ext uri="{C572A759-6A51-4108-AA02-DFA0A04FC94B}">
-                    <ma14:wrappingTextBoxFlag xmlns="" xmlns:m="http://schemas.openxmlformats.org/officeDocument/2006/math" xmlns:a14="http://schemas.microsoft.com/office/drawing/2010/main" xmlns:ma14="http://schemas.microsoft.com/office/mac/drawingml/2011/main" val="1"/>
+                    <ma14:wrappingTextBoxFlag xmlns:ma14="http://schemas.microsoft.com/office/mac/drawingml/2011/main" xmlns:a14="http://schemas.microsoft.com/office/drawing/2010/main" xmlns:m="http://schemas.openxmlformats.org/officeDocument/2006/math" xmlns="" val="1"/>
                   </a:ext>
                 </a:extLst>
               </p:spPr>
@@ -31367,7 +31175,7 @@
                   <a:effectLst/>
                   <a:extLst>
                     <a:ext uri="{C572A759-6A51-4108-AA02-DFA0A04FC94B}">
-                      <ma14:wrappingTextBoxFlag xmlns="" xmlns:m="http://schemas.openxmlformats.org/officeDocument/2006/math" xmlns:a14="http://schemas.microsoft.com/office/drawing/2010/main" xmlns:ma14="http://schemas.microsoft.com/office/mac/drawingml/2011/main" val="1"/>
+                      <ma14:wrappingTextBoxFlag xmlns:ma14="http://schemas.microsoft.com/office/mac/drawingml/2011/main" xmlns:a14="http://schemas.microsoft.com/office/drawing/2010/main" xmlns:m="http://schemas.openxmlformats.org/officeDocument/2006/math" xmlns="" val="1"/>
                     </a:ext>
                   </a:extLst>
                 </p:spPr>
@@ -31457,7 +31265,7 @@
                 </a:effectLst>
                 <a:extLst>
                   <a:ext uri="{C572A759-6A51-4108-AA02-DFA0A04FC94B}">
-                    <ma14:wrappingTextBoxFlag xmlns="" xmlns:m="http://schemas.openxmlformats.org/officeDocument/2006/math" xmlns:a14="http://schemas.microsoft.com/office/drawing/2010/main" xmlns:ma14="http://schemas.microsoft.com/office/mac/drawingml/2011/main" val="1"/>
+                    <ma14:wrappingTextBoxFlag xmlns:ma14="http://schemas.microsoft.com/office/mac/drawingml/2011/main" xmlns:a14="http://schemas.microsoft.com/office/drawing/2010/main" xmlns:m="http://schemas.openxmlformats.org/officeDocument/2006/math" xmlns="" val="1"/>
                   </a:ext>
                 </a:extLst>
               </p:spPr>
@@ -31635,7 +31443,7 @@
                   <a:effectLst/>
                   <a:extLst>
                     <a:ext uri="{C572A759-6A51-4108-AA02-DFA0A04FC94B}">
-                      <ma14:wrappingTextBoxFlag xmlns="" xmlns:m="http://schemas.openxmlformats.org/officeDocument/2006/math" xmlns:a14="http://schemas.microsoft.com/office/drawing/2010/main" xmlns:ma14="http://schemas.microsoft.com/office/mac/drawingml/2011/main" val="1"/>
+                      <ma14:wrappingTextBoxFlag xmlns:ma14="http://schemas.microsoft.com/office/mac/drawingml/2011/main" xmlns:a14="http://schemas.microsoft.com/office/drawing/2010/main" xmlns:m="http://schemas.openxmlformats.org/officeDocument/2006/math" xmlns="" val="1"/>
                     </a:ext>
                   </a:extLst>
                 </p:spPr>
@@ -31706,7 +31514,7 @@
             </a:effectLst>
             <a:extLst>
               <a:ext uri="{C572A759-6A51-4108-AA02-DFA0A04FC94B}">
-                <ma14:wrappingTextBoxFlag xmlns="" xmlns:m="http://schemas.openxmlformats.org/officeDocument/2006/math" xmlns:a14="http://schemas.microsoft.com/office/drawing/2010/main" xmlns:ma14="http://schemas.microsoft.com/office/mac/drawingml/2011/main" val="1"/>
+                <ma14:wrappingTextBoxFlag xmlns:ma14="http://schemas.microsoft.com/office/mac/drawingml/2011/main" xmlns:a14="http://schemas.microsoft.com/office/drawing/2010/main" xmlns:m="http://schemas.openxmlformats.org/officeDocument/2006/math" xmlns="" val="1"/>
               </a:ext>
             </a:extLst>
           </p:spPr>
@@ -31933,7 +31741,7 @@
           </a:prstGeom>
           <a:extLst>
             <a:ext uri="{C572A759-6A51-4108-AA02-DFA0A04FC94B}">
-              <ma14:wrappingTextBoxFlag xmlns="" xmlns:m="http://schemas.openxmlformats.org/officeDocument/2006/math" xmlns:a14="http://schemas.microsoft.com/office/drawing/2010/main" xmlns:ma14="http://schemas.microsoft.com/office/mac/drawingml/2011/main" val="1"/>
+              <ma14:wrappingTextBoxFlag xmlns:ma14="http://schemas.microsoft.com/office/mac/drawingml/2011/main" xmlns:a14="http://schemas.microsoft.com/office/drawing/2010/main" xmlns:m="http://schemas.openxmlformats.org/officeDocument/2006/math" xmlns="" val="1"/>
             </a:ext>
           </a:extLst>
         </p:spPr>
@@ -32496,418 +32304,6 @@
       </p:grpSpPr>
       <p:sp>
         <p:nvSpPr>
-          <p:cNvPr id="3" name="Slide Number Placeholder 2">
-            <a:extLst>
-              <a:ext uri="{FF2B5EF4-FFF2-40B4-BE49-F238E27FC236}">
-                <a16:creationId xmlns:a16="http://schemas.microsoft.com/office/drawing/2014/main" id="{B7DD3DB5-27AA-2C60-D5C7-12889F0685C5}"/>
-              </a:ext>
-            </a:extLst>
-          </p:cNvPr>
-          <p:cNvSpPr>
-            <a:spLocks noGrp="1"/>
-          </p:cNvSpPr>
-          <p:nvPr>
-            <p:ph type="sldNum" sz="quarter" idx="12"/>
-          </p:nvPr>
-        </p:nvSpPr>
-        <p:spPr/>
-        <p:txBody>
-          <a:bodyPr/>
-          <a:lstStyle/>
-          <a:p>
-            <a:pPr marL="0" marR="0" lvl="0" indent="0" algn="r" defTabSz="914400" rtl="0" eaLnBrk="1" fontAlgn="auto" latinLnBrk="0" hangingPunct="1">
-              <a:lnSpc>
-                <a:spcPct val="100000"/>
-              </a:lnSpc>
-              <a:spcBef>
-                <a:spcPts val="0"/>
-              </a:spcBef>
-              <a:spcAft>
-                <a:spcPts val="0"/>
-              </a:spcAft>
-              <a:buClrTx/>
-              <a:buSzTx/>
-              <a:buFontTx/>
-              <a:buNone/>
-              <a:tabLst/>
-              <a:defRPr/>
-            </a:pPr>
-            <a:fld id="{20F37917-FD3A-4669-9018-DA04BCDD3D75}" type="slidenum">
-              <a:rPr kumimoji="0" lang="en-US" sz="1200" b="0" i="0" u="none" strike="noStrike" kern="1200" cap="none" spc="0" normalizeH="0" baseline="0" noProof="0" smtClean="0">
-                <a:ln>
-                  <a:noFill/>
-                </a:ln>
-                <a:solidFill>
-                  <a:prstClr val="black">
-                    <a:tint val="75000"/>
-                  </a:prstClr>
-                </a:solidFill>
-                <a:effectLst/>
-                <a:uLnTx/>
-                <a:uFillTx/>
-                <a:latin typeface="Calibri" panose="020F0502020204030204"/>
-                <a:ea typeface="+mn-ea"/>
-                <a:cs typeface="+mn-cs"/>
-              </a:rPr>
-              <a:pPr marL="0" marR="0" lvl="0" indent="0" algn="r" defTabSz="914400" rtl="0" eaLnBrk="1" fontAlgn="auto" latinLnBrk="0" hangingPunct="1">
-                <a:lnSpc>
-                  <a:spcPct val="100000"/>
-                </a:lnSpc>
-                <a:spcBef>
-                  <a:spcPts val="0"/>
-                </a:spcBef>
-                <a:spcAft>
-                  <a:spcPts val="0"/>
-                </a:spcAft>
-                <a:buClrTx/>
-                <a:buSzTx/>
-                <a:buFontTx/>
-                <a:buNone/>
-                <a:tabLst/>
-                <a:defRPr/>
-              </a:pPr>
-              <a:t>30</a:t>
-            </a:fld>
-            <a:endParaRPr kumimoji="0" lang="en-US" sz="1200" b="0" i="0" u="none" strike="noStrike" kern="1200" cap="none" spc="0" normalizeH="0" baseline="0" noProof="0">
-              <a:ln>
-                <a:noFill/>
-              </a:ln>
-              <a:solidFill>
-                <a:prstClr val="black">
-                  <a:tint val="75000"/>
-                </a:prstClr>
-              </a:solidFill>
-              <a:effectLst/>
-              <a:uLnTx/>
-              <a:uFillTx/>
-              <a:latin typeface="Calibri" panose="020F0502020204030204"/>
-              <a:ea typeface="+mn-ea"/>
-              <a:cs typeface="+mn-cs"/>
-            </a:endParaRPr>
-          </a:p>
-        </p:txBody>
-      </p:sp>
-      <p:sp>
-        <p:nvSpPr>
-          <p:cNvPr id="5" name="Title 4">
-            <a:extLst>
-              <a:ext uri="{FF2B5EF4-FFF2-40B4-BE49-F238E27FC236}">
-                <a16:creationId xmlns:a16="http://schemas.microsoft.com/office/drawing/2014/main" id="{C79F519B-B282-FFA4-D3A7-6E0C19BC95AE}"/>
-              </a:ext>
-            </a:extLst>
-          </p:cNvPr>
-          <p:cNvSpPr>
-            <a:spLocks noGrp="1"/>
-          </p:cNvSpPr>
-          <p:nvPr>
-            <p:ph type="title" idx="4294967295"/>
-          </p:nvPr>
-        </p:nvSpPr>
-        <p:spPr>
-          <a:xfrm>
-            <a:off x="1456871" y="1465627"/>
-            <a:ext cx="8958943" cy="3926745"/>
-          </a:xfrm>
-        </p:spPr>
-        <p:txBody>
-          <a:bodyPr>
-            <a:normAutofit/>
-          </a:bodyPr>
-          <a:lstStyle/>
-          <a:p>
-            <a:r>
-              <a:rPr lang="en-US" sz="3600" dirty="0">
-                <a:solidFill>
-                  <a:schemeClr val="accent1">
-                    <a:lumMod val="40000"/>
-                    <a:lumOff val="60000"/>
-                  </a:schemeClr>
-                </a:solidFill>
-              </a:rPr>
-              <a:t>We achieve this goal using two techniques:</a:t>
-            </a:r>
-            <a:br>
-              <a:rPr lang="en-US" sz="3600" dirty="0">
-                <a:solidFill>
-                  <a:schemeClr val="accent1">
-                    <a:lumMod val="40000"/>
-                    <a:lumOff val="60000"/>
-                  </a:schemeClr>
-                </a:solidFill>
-              </a:rPr>
-            </a:br>
-            <a:r>
-              <a:rPr lang="en-US" sz="3600" dirty="0">
-                <a:solidFill>
-                  <a:schemeClr val="accent1">
-                    <a:lumMod val="40000"/>
-                    <a:lumOff val="60000"/>
-                  </a:schemeClr>
-                </a:solidFill>
-              </a:rPr>
-              <a:t> </a:t>
-            </a:r>
-            <a:br>
-              <a:rPr lang="en-US" sz="3600" dirty="0">
-                <a:solidFill>
-                  <a:schemeClr val="accent1">
-                    <a:lumMod val="40000"/>
-                    <a:lumOff val="60000"/>
-                  </a:schemeClr>
-                </a:solidFill>
-              </a:rPr>
-            </a:br>
-            <a:r>
-              <a:rPr lang="en-US" sz="3600" dirty="0">
-                <a:solidFill>
-                  <a:schemeClr val="accent1">
-                    <a:lumMod val="40000"/>
-                    <a:lumOff val="60000"/>
-                  </a:schemeClr>
-                </a:solidFill>
-              </a:rPr>
-              <a:t>1. cooperative multiprocessing </a:t>
-            </a:r>
-            <a:br>
-              <a:rPr lang="en-US" sz="3600" dirty="0">
-                <a:solidFill>
-                  <a:schemeClr val="accent1">
-                    <a:lumMod val="40000"/>
-                    <a:lumOff val="60000"/>
-                  </a:schemeClr>
-                </a:solidFill>
-              </a:rPr>
-            </a:br>
-            <a:r>
-              <a:rPr lang="en-US" sz="3600" dirty="0">
-                <a:solidFill>
-                  <a:schemeClr val="accent1">
-                    <a:lumMod val="40000"/>
-                    <a:lumOff val="60000"/>
-                  </a:schemeClr>
-                </a:solidFill>
-              </a:rPr>
-              <a:t> </a:t>
-            </a:r>
-            <a:br>
-              <a:rPr lang="en-US" sz="3600" dirty="0">
-                <a:solidFill>
-                  <a:schemeClr val="accent1">
-                    <a:lumMod val="40000"/>
-                    <a:lumOff val="60000"/>
-                  </a:schemeClr>
-                </a:solidFill>
-              </a:rPr>
-            </a:br>
-            <a:r>
-              <a:rPr lang="en-US" sz="3600" dirty="0">
-                <a:solidFill>
-                  <a:schemeClr val="accent1">
-                    <a:lumMod val="40000"/>
-                    <a:lumOff val="60000"/>
-                  </a:schemeClr>
-                </a:solidFill>
-              </a:rPr>
-              <a:t>2. </a:t>
-            </a:r>
-            <a:r>
-              <a:rPr lang="en-US" sz="3600" dirty="0">
-                <a:solidFill>
-                  <a:schemeClr val="accent5">
-                    <a:lumMod val="75000"/>
-                  </a:schemeClr>
-                </a:solidFill>
-              </a:rPr>
-              <a:t>non-blocking IO </a:t>
-            </a:r>
-          </a:p>
-        </p:txBody>
-      </p:sp>
-      <p:sp>
-        <p:nvSpPr>
-          <p:cNvPr id="2" name="Arrow: Left 1">
-            <a:extLst>
-              <a:ext uri="{FF2B5EF4-FFF2-40B4-BE49-F238E27FC236}">
-                <a16:creationId xmlns:a16="http://schemas.microsoft.com/office/drawing/2014/main" id="{54338F1D-8D25-26AB-12F7-6AB5CC1889B6}"/>
-              </a:ext>
-            </a:extLst>
-          </p:cNvPr>
-          <p:cNvSpPr/>
-          <p:nvPr/>
-        </p:nvSpPr>
-        <p:spPr>
-          <a:xfrm>
-            <a:off x="7180035" y="4826277"/>
-            <a:ext cx="1787704" cy="365125"/>
-          </a:xfrm>
-          <a:prstGeom prst="leftArrow">
-            <a:avLst/>
-          </a:prstGeom>
-          <a:solidFill>
-            <a:srgbClr val="FFFF00"/>
-          </a:solidFill>
-          <a:ln>
-            <a:solidFill>
-              <a:srgbClr val="0070C0"/>
-            </a:solidFill>
-          </a:ln>
-        </p:spPr>
-        <p:style>
-          <a:lnRef idx="2">
-            <a:schemeClr val="accent1">
-              <a:shade val="50000"/>
-            </a:schemeClr>
-          </a:lnRef>
-          <a:fillRef idx="1">
-            <a:schemeClr val="accent1"/>
-          </a:fillRef>
-          <a:effectRef idx="0">
-            <a:schemeClr val="accent1"/>
-          </a:effectRef>
-          <a:fontRef idx="minor">
-            <a:schemeClr val="lt1"/>
-          </a:fontRef>
-        </p:style>
-        <p:txBody>
-          <a:bodyPr rtlCol="0" anchor="ctr"/>
-          <a:lstStyle/>
-          <a:p>
-            <a:pPr algn="l"/>
-            <a:endParaRPr lang="en-US" sz="2800" dirty="0" err="1">
-              <a:solidFill>
-                <a:schemeClr val="tx1"/>
-              </a:solidFill>
-            </a:endParaRPr>
-          </a:p>
-        </p:txBody>
-      </p:sp>
-      <p:sp>
-        <p:nvSpPr>
-          <p:cNvPr id="4" name="Title 1">
-            <a:extLst>
-              <a:ext uri="{FF2B5EF4-FFF2-40B4-BE49-F238E27FC236}">
-                <a16:creationId xmlns:a16="http://schemas.microsoft.com/office/drawing/2014/main" id="{C2A15C0C-ED91-0841-C6C1-F5B20B479F10}"/>
-              </a:ext>
-            </a:extLst>
-          </p:cNvPr>
-          <p:cNvSpPr txBox="1">
-            <a:spLocks/>
-          </p:cNvSpPr>
-          <p:nvPr/>
-        </p:nvSpPr>
-        <p:spPr>
-          <a:xfrm>
-            <a:off x="838200" y="136525"/>
-            <a:ext cx="10515600" cy="1325563"/>
-          </a:xfrm>
-          <a:prstGeom prst="rect">
-            <a:avLst/>
-          </a:prstGeom>
-        </p:spPr>
-        <p:txBody>
-          <a:bodyPr/>
-          <a:lstStyle>
-            <a:lvl1pPr algn="l" defTabSz="914400" rtl="0" eaLnBrk="1" latinLnBrk="0" hangingPunct="1">
-              <a:lnSpc>
-                <a:spcPct val="90000"/>
-              </a:lnSpc>
-              <a:spcBef>
-                <a:spcPct val="0"/>
-              </a:spcBef>
-              <a:buNone/>
-              <a:defRPr sz="4400" kern="1200">
-                <a:solidFill>
-                  <a:srgbClr val="0070C0"/>
-                </a:solidFill>
-                <a:latin typeface="Verdana" panose="020B0604030504040204" pitchFamily="34" charset="0"/>
-                <a:ea typeface="Verdana" panose="020B0604030504040204" pitchFamily="34" charset="0"/>
-                <a:cs typeface="+mj-cs"/>
-              </a:defRPr>
-            </a:lvl1pPr>
-          </a:lstStyle>
-          <a:p>
-            <a:r>
-              <a:rPr lang="en-US" sz="3600" dirty="0"/>
-              <a:t>But where does the non-blocking IO come from?</a:t>
-            </a:r>
-          </a:p>
-        </p:txBody>
-      </p:sp>
-      <p:cxnSp>
-        <p:nvCxnSpPr>
-          <p:cNvPr id="7" name="Straight Connector 6">
-            <a:extLst>
-              <a:ext uri="{FF2B5EF4-FFF2-40B4-BE49-F238E27FC236}">
-                <a16:creationId xmlns:a16="http://schemas.microsoft.com/office/drawing/2014/main" id="{C14AFAB6-0A8A-228F-42BF-62C6AFED3B3B}"/>
-              </a:ext>
-            </a:extLst>
-          </p:cNvPr>
-          <p:cNvCxnSpPr/>
-          <p:nvPr/>
-        </p:nvCxnSpPr>
-        <p:spPr>
-          <a:xfrm>
-            <a:off x="944217" y="1465627"/>
-            <a:ext cx="10187609" cy="0"/>
-          </a:xfrm>
-          <a:prstGeom prst="line">
-            <a:avLst/>
-          </a:prstGeom>
-          <a:ln w="12700">
-            <a:solidFill>
-              <a:schemeClr val="accent1"/>
-            </a:solidFill>
-            <a:headEnd type="none" w="med" len="med"/>
-            <a:tailEnd type="none" w="med" len="med"/>
-          </a:ln>
-        </p:spPr>
-        <p:style>
-          <a:lnRef idx="1">
-            <a:schemeClr val="accent1"/>
-          </a:lnRef>
-          <a:fillRef idx="0">
-            <a:schemeClr val="accent1"/>
-          </a:fillRef>
-          <a:effectRef idx="0">
-            <a:schemeClr val="accent1"/>
-          </a:effectRef>
-          <a:fontRef idx="minor">
-            <a:schemeClr val="tx1"/>
-          </a:fontRef>
-        </p:style>
-      </p:cxnSp>
-    </p:spTree>
-    <p:extLst>
-      <p:ext uri="{BB962C8B-B14F-4D97-AF65-F5344CB8AC3E}">
-        <p14:creationId xmlns:p14="http://schemas.microsoft.com/office/powerpoint/2010/main" val="2248217326"/>
-      </p:ext>
-    </p:extLst>
-  </p:cSld>
-  <p:clrMapOvr>
-    <a:masterClrMapping/>
-  </p:clrMapOvr>
-</p:sld>
-</file>
-
-<file path=ppt/slides/slide31.xml><?xml version="1.0" encoding="utf-8"?>
-<p:sld xmlns:a="http://schemas.openxmlformats.org/drawingml/2006/main" xmlns:r="http://schemas.openxmlformats.org/officeDocument/2006/relationships" xmlns:p="http://schemas.openxmlformats.org/presentationml/2006/main">
-  <p:cSld>
-    <p:spTree>
-      <p:nvGrpSpPr>
-        <p:cNvPr id="1" name=""/>
-        <p:cNvGrpSpPr/>
-        <p:nvPr/>
-      </p:nvGrpSpPr>
-      <p:grpSpPr>
-        <a:xfrm>
-          <a:off x="0" y="0"/>
-          <a:ext cx="0" cy="0"/>
-          <a:chOff x="0" y="0"/>
-          <a:chExt cx="0" cy="0"/>
-        </a:xfrm>
-      </p:grpSpPr>
-      <p:sp>
-        <p:nvSpPr>
           <p:cNvPr id="2" name="Title 1">
             <a:extLst>
               <a:ext uri="{FF2B5EF4-FFF2-40B4-BE49-F238E27FC236}">
@@ -33238,7 +32634,7 @@
                 <a:tabLst/>
                 <a:defRPr/>
               </a:pPr>
-              <a:t>31</a:t>
+              <a:t>30</a:t>
             </a:fld>
             <a:endParaRPr kumimoji="0" lang="en-US" sz="1200" b="0" i="0" u="none" strike="noStrike" kern="1200" cap="none" spc="0" normalizeH="0" baseline="0" noProof="0">
               <a:ln>
@@ -33302,7 +32698,7 @@
 </p:sld>
 </file>
 
-<file path=ppt/slides/slide32.xml><?xml version="1.0" encoding="utf-8"?>
+<file path=ppt/slides/slide31.xml><?xml version="1.0" encoding="utf-8"?>
 <p:sld xmlns:a="http://schemas.openxmlformats.org/drawingml/2006/main" xmlns:r="http://schemas.openxmlformats.org/officeDocument/2006/relationships" xmlns:p="http://schemas.openxmlformats.org/presentationml/2006/main">
   <p:cSld>
     <p:spTree>
@@ -33419,7 +32815,7 @@
                 <a:tabLst/>
                 <a:defRPr/>
               </a:pPr>
-              <a:t>32</a:t>
+              <a:t>31</a:t>
             </a:fld>
             <a:endParaRPr kumimoji="0" lang="en-US" sz="1200" b="0" i="0" u="none" strike="noStrike" kern="1200" cap="none" spc="0" normalizeH="0" baseline="0" noProof="0">
               <a:ln>
@@ -33552,7 +32948,7 @@
 </p:sld>
 </file>
 
-<file path=ppt/slides/slide33.xml><?xml version="1.0" encoding="utf-8"?>
+<file path=ppt/slides/slide32.xml><?xml version="1.0" encoding="utf-8"?>
 <p:sld xmlns:a="http://schemas.openxmlformats.org/drawingml/2006/main" xmlns:r="http://schemas.openxmlformats.org/officeDocument/2006/relationships" xmlns:p="http://schemas.openxmlformats.org/presentationml/2006/main">
   <p:cSld>
     <p:spTree>
@@ -33669,7 +33065,7 @@
                 <a:tabLst/>
                 <a:defRPr/>
               </a:pPr>
-              <a:t>33</a:t>
+              <a:t>32</a:t>
             </a:fld>
             <a:endParaRPr kumimoji="0" lang="en-US" sz="1200" b="0" i="0" u="none" strike="noStrike" kern="1200" cap="none" spc="0" normalizeH="0" baseline="0" noProof="0">
               <a:ln>
@@ -33927,7 +33323,7 @@
 </p:sld>
 </file>
 
-<file path=ppt/slides/slide34.xml><?xml version="1.0" encoding="utf-8"?>
+<file path=ppt/slides/slide33.xml><?xml version="1.0" encoding="utf-8"?>
 <p:sld xmlns:a="http://schemas.openxmlformats.org/drawingml/2006/main" xmlns:r="http://schemas.openxmlformats.org/officeDocument/2006/relationships" xmlns:p="http://schemas.openxmlformats.org/presentationml/2006/main">
   <p:cSld>
     <p:spTree>
@@ -34077,7 +33473,7 @@
 </p:sld>
 </file>
 
-<file path=ppt/slides/slide35.xml><?xml version="1.0" encoding="utf-8"?>
+<file path=ppt/slides/slide34.xml><?xml version="1.0" encoding="utf-8"?>
 <p:sld xmlns:a="http://schemas.openxmlformats.org/drawingml/2006/main" xmlns:r="http://schemas.openxmlformats.org/officeDocument/2006/relationships" xmlns:p="http://schemas.openxmlformats.org/presentationml/2006/main">
   <p:cSld>
     <p:spTree>
@@ -34194,7 +33590,7 @@
                 <a:tabLst/>
                 <a:defRPr/>
               </a:pPr>
-              <a:t>35</a:t>
+              <a:t>34</a:t>
             </a:fld>
             <a:endParaRPr kumimoji="0" lang="en-US" sz="1200" b="0" i="0" u="none" strike="noStrike" kern="1200" cap="none" spc="0" normalizeH="0" baseline="0" noProof="0">
               <a:ln>
@@ -34219,6 +33615,1015 @@
     <p:extLst>
       <p:ext uri="{BB962C8B-B14F-4D97-AF65-F5344CB8AC3E}">
         <p14:creationId xmlns:p14="http://schemas.microsoft.com/office/powerpoint/2010/main" val="1899805603"/>
+      </p:ext>
+    </p:extLst>
+  </p:cSld>
+  <p:clrMapOvr>
+    <a:masterClrMapping/>
+  </p:clrMapOvr>
+</p:sld>
+</file>
+
+<file path=ppt/slides/slide35.xml><?xml version="1.0" encoding="utf-8"?>
+<p:sld xmlns:a="http://schemas.openxmlformats.org/drawingml/2006/main" xmlns:r="http://schemas.openxmlformats.org/officeDocument/2006/relationships" xmlns:p="http://schemas.openxmlformats.org/presentationml/2006/main">
+  <p:cSld>
+    <p:spTree>
+      <p:nvGrpSpPr>
+        <p:cNvPr id="1" name=""/>
+        <p:cNvGrpSpPr/>
+        <p:nvPr/>
+      </p:nvGrpSpPr>
+      <p:grpSpPr>
+        <a:xfrm>
+          <a:off x="0" y="0"/>
+          <a:ext cx="0" cy="0"/>
+          <a:chOff x="0" y="0"/>
+          <a:chExt cx="0" cy="0"/>
+        </a:xfrm>
+      </p:grpSpPr>
+      <p:sp>
+        <p:nvSpPr>
+          <p:cNvPr id="268" name="Making lots of requests"/>
+          <p:cNvSpPr txBox="1">
+            <a:spLocks noGrp="1"/>
+          </p:cNvSpPr>
+          <p:nvPr>
+            <p:ph type="title"/>
+          </p:nvPr>
+        </p:nvSpPr>
+        <p:spPr>
+          <a:prstGeom prst="rect">
+            <a:avLst/>
+          </a:prstGeom>
+        </p:spPr>
+        <p:txBody>
+          <a:bodyPr/>
+          <a:lstStyle/>
+          <a:p>
+            <a:r>
+              <a:rPr lang="en-US" dirty="0"/>
+              <a:t>Promises Enforce Ordering Through “Then”</a:t>
+            </a:r>
+            <a:endParaRPr dirty="0"/>
+          </a:p>
+        </p:txBody>
+      </p:sp>
+      <p:sp>
+        <p:nvSpPr>
+          <p:cNvPr id="4" name="Content Placeholder 3">
+            <a:extLst>
+              <a:ext uri="{FF2B5EF4-FFF2-40B4-BE49-F238E27FC236}">
+                <a16:creationId xmlns:a16="http://schemas.microsoft.com/office/drawing/2014/main" id="{508E961F-D555-45D3-2A10-EE51F1D7A125}"/>
+              </a:ext>
+            </a:extLst>
+          </p:cNvPr>
+          <p:cNvSpPr>
+            <a:spLocks noGrp="1"/>
+          </p:cNvSpPr>
+          <p:nvPr>
+            <p:ph idx="1"/>
+          </p:nvPr>
+        </p:nvSpPr>
+        <p:spPr/>
+        <p:txBody>
+          <a:bodyPr>
+            <a:normAutofit/>
+          </a:bodyPr>
+          <a:lstStyle/>
+          <a:p>
+            <a:r>
+              <a:rPr lang="en-US" sz="1600" b="1" dirty="0" err="1"/>
+              <a:t>axios.get</a:t>
+            </a:r>
+            <a:r>
+              <a:rPr lang="en-US" sz="1600" b="1" dirty="0"/>
+              <a:t> </a:t>
+            </a:r>
+            <a:r>
+              <a:rPr lang="en-US" sz="1600" dirty="0"/>
+              <a:t>returns a promise.  </a:t>
+            </a:r>
+          </a:p>
+          <a:p>
+            <a:r>
+              <a:rPr lang="en-US" sz="1600" b="1" dirty="0" err="1"/>
+              <a:t>p.then</a:t>
+            </a:r>
+            <a:r>
+              <a:rPr lang="en-US" sz="1600" b="1" dirty="0"/>
+              <a:t> </a:t>
+            </a:r>
+            <a:r>
+              <a:rPr lang="en-US" sz="1600" dirty="0"/>
+              <a:t>mutates that promise so that the then block is not run until after the original promise returns.</a:t>
+            </a:r>
+          </a:p>
+          <a:p>
+            <a:r>
+              <a:rPr lang="en-US" sz="1600" dirty="0"/>
+              <a:t>The resulting promise isn’t completed until the then block finishes.</a:t>
+            </a:r>
+          </a:p>
+          <a:p>
+            <a:r>
+              <a:rPr lang="en-US" sz="1600" dirty="0"/>
+              <a:t>You can chain .</a:t>
+            </a:r>
+            <a:r>
+              <a:rPr lang="en-US" sz="1600" b="1" dirty="0" err="1"/>
+              <a:t>then</a:t>
+            </a:r>
+            <a:r>
+              <a:rPr lang="en-US" sz="1600" dirty="0" err="1"/>
+              <a:t>’s</a:t>
+            </a:r>
+            <a:r>
+              <a:rPr lang="en-US" sz="1600" dirty="0"/>
+              <a:t>, to get things that look like </a:t>
+            </a:r>
+            <a:r>
+              <a:rPr lang="en-US" sz="1600" dirty="0" err="1"/>
+              <a:t>p.then</a:t>
+            </a:r>
+            <a:r>
+              <a:rPr lang="en-US" sz="1600" dirty="0"/>
+              <a:t>().then().then()</a:t>
+            </a:r>
+          </a:p>
+          <a:p>
+            <a:r>
+              <a:rPr lang="en-US" sz="1600" dirty="0"/>
+              <a:t>Each </a:t>
+            </a:r>
+            <a:r>
+              <a:rPr lang="en-US" sz="1600" b="1" dirty="0"/>
+              <a:t>then</a:t>
+            </a:r>
+            <a:r>
+              <a:rPr lang="en-US" sz="1600" dirty="0"/>
+              <a:t> is a pause point.</a:t>
+            </a:r>
+          </a:p>
+        </p:txBody>
+      </p:sp>
+      <p:sp>
+        <p:nvSpPr>
+          <p:cNvPr id="270" name="console.log('Making a requests');…"/>
+          <p:cNvSpPr txBox="1"/>
+          <p:nvPr/>
+        </p:nvSpPr>
+        <p:spPr>
+          <a:xfrm>
+            <a:off x="933370" y="1631794"/>
+            <a:ext cx="6024716" cy="3744615"/>
+          </a:xfrm>
+          <a:prstGeom prst="rect">
+            <a:avLst/>
+          </a:prstGeom>
+          <a:ln w="12700">
+            <a:miter lim="400000"/>
+          </a:ln>
+          <a:extLst>
+            <a:ext uri="{C572A759-6A51-4108-AA02-DFA0A04FC94B}">
+              <ma14:wrappingTextBoxFlag xmlns="" xmlns:m="http://schemas.openxmlformats.org/officeDocument/2006/math" xmlns:a14="http://schemas.microsoft.com/office/drawing/2010/main" xmlns:ma14="http://schemas.microsoft.com/office/mac/drawingml/2011/main" val="1"/>
+            </a:ext>
+          </a:extLst>
+        </p:spPr>
+        <p:txBody>
+          <a:bodyPr wrap="square" lIns="25400" tIns="25400" rIns="25400" bIns="25400" anchor="ctr">
+            <a:spAutoFit/>
+          </a:bodyPr>
+          <a:lstStyle/>
+          <a:p>
+            <a:pPr algn="l" defTabSz="228600">
+              <a:defRPr sz="2600" b="1">
+                <a:solidFill>
+                  <a:srgbClr val="018001"/>
+                </a:solidFill>
+                <a:latin typeface="Courier"/>
+                <a:ea typeface="Courier"/>
+                <a:cs typeface="Courier"/>
+                <a:sym typeface="Courier"/>
+              </a:defRPr>
+            </a:pPr>
+            <a:r>
+              <a:rPr lang="en-US" sz="1600" i="1" dirty="0">
+                <a:solidFill>
+                  <a:srgbClr val="66187A"/>
+                </a:solidFill>
+              </a:rPr>
+              <a:t>1. </a:t>
+            </a:r>
+            <a:r>
+              <a:rPr sz="1600" i="1" dirty="0" err="1">
+                <a:solidFill>
+                  <a:srgbClr val="66187A"/>
+                </a:solidFill>
+              </a:rPr>
+              <a:t>console</a:t>
+            </a:r>
+            <a:r>
+              <a:rPr sz="1600" dirty="0" err="1">
+                <a:solidFill>
+                  <a:srgbClr val="000000"/>
+                </a:solidFill>
+              </a:rPr>
+              <a:t>.</a:t>
+            </a:r>
+            <a:r>
+              <a:rPr sz="1600" dirty="0" err="1">
+                <a:solidFill>
+                  <a:srgbClr val="7A7A43"/>
+                </a:solidFill>
+              </a:rPr>
+              <a:t>log</a:t>
+            </a:r>
+            <a:r>
+              <a:rPr sz="1600" dirty="0">
+                <a:solidFill>
+                  <a:srgbClr val="000000"/>
+                </a:solidFill>
+              </a:rPr>
+              <a:t>(</a:t>
+            </a:r>
+            <a:r>
+              <a:rPr sz="1600" dirty="0"/>
+              <a:t>'Making requests'</a:t>
+            </a:r>
+            <a:r>
+              <a:rPr sz="1600" dirty="0">
+                <a:solidFill>
+                  <a:srgbClr val="000000"/>
+                </a:solidFill>
+              </a:rPr>
+              <a:t>);</a:t>
+            </a:r>
+          </a:p>
+          <a:p>
+            <a:pPr algn="l" defTabSz="228600">
+              <a:defRPr sz="2600" b="1">
+                <a:solidFill>
+                  <a:srgbClr val="018001"/>
+                </a:solidFill>
+                <a:latin typeface="Courier"/>
+                <a:ea typeface="Courier"/>
+                <a:cs typeface="Courier"/>
+                <a:sym typeface="Courier"/>
+              </a:defRPr>
+            </a:pPr>
+            <a:r>
+              <a:rPr lang="en-US" sz="1600" i="1" dirty="0">
+                <a:solidFill>
+                  <a:srgbClr val="66187A"/>
+                </a:solidFill>
+              </a:rPr>
+              <a:t>2. </a:t>
+            </a:r>
+            <a:r>
+              <a:rPr sz="1600" i="1" dirty="0" err="1">
+                <a:solidFill>
+                  <a:srgbClr val="66187A"/>
+                </a:solidFill>
+              </a:rPr>
+              <a:t>axios</a:t>
+            </a:r>
+            <a:r>
+              <a:rPr sz="1600" dirty="0" err="1">
+                <a:solidFill>
+                  <a:srgbClr val="000000"/>
+                </a:solidFill>
+              </a:rPr>
+              <a:t>.</a:t>
+            </a:r>
+            <a:r>
+              <a:rPr sz="1600" dirty="0" err="1">
+                <a:solidFill>
+                  <a:srgbClr val="7A7A43"/>
+                </a:solidFill>
+              </a:rPr>
+              <a:t>get</a:t>
+            </a:r>
+            <a:r>
+              <a:rPr sz="1600" dirty="0">
+                <a:solidFill>
+                  <a:srgbClr val="000000"/>
+                </a:solidFill>
+              </a:rPr>
+              <a:t>(</a:t>
+            </a:r>
+            <a:r>
+              <a:rPr sz="1600" dirty="0"/>
+              <a:t>'https://rest-</a:t>
+            </a:r>
+            <a:r>
+              <a:rPr sz="1600" dirty="0" err="1"/>
+              <a:t>example.covey.town</a:t>
+            </a:r>
+            <a:r>
+              <a:rPr sz="1600" dirty="0"/>
+              <a:t>/'</a:t>
+            </a:r>
+            <a:r>
+              <a:rPr sz="1600" dirty="0">
+                <a:solidFill>
+                  <a:srgbClr val="000000"/>
+                </a:solidFill>
+              </a:rPr>
+              <a:t>)</a:t>
+            </a:r>
+          </a:p>
+          <a:p>
+            <a:pPr algn="l" defTabSz="228600">
+              <a:defRPr sz="2600">
+                <a:solidFill>
+                  <a:srgbClr val="000000"/>
+                </a:solidFill>
+                <a:latin typeface="Courier"/>
+                <a:ea typeface="Courier"/>
+                <a:cs typeface="Courier"/>
+                <a:sym typeface="Courier"/>
+              </a:defRPr>
+            </a:pPr>
+            <a:r>
+              <a:rPr lang="en-US" sz="1600" dirty="0"/>
+              <a:t>	</a:t>
+            </a:r>
+            <a:r>
+              <a:rPr sz="1600" dirty="0"/>
+              <a:t>  .</a:t>
+            </a:r>
+            <a:r>
+              <a:rPr sz="1600" dirty="0">
+                <a:solidFill>
+                  <a:srgbClr val="7A7A43"/>
+                </a:solidFill>
+                <a:highlight>
+                  <a:srgbClr val="FFFF00"/>
+                </a:highlight>
+              </a:rPr>
+              <a:t>then</a:t>
+            </a:r>
+            <a:r>
+              <a:rPr sz="1600" dirty="0"/>
+              <a:t>((response) =&gt;{</a:t>
+            </a:r>
+          </a:p>
+          <a:p>
+            <a:pPr algn="l" defTabSz="228600">
+              <a:defRPr sz="2600" b="1">
+                <a:solidFill>
+                  <a:srgbClr val="018001"/>
+                </a:solidFill>
+                <a:latin typeface="Courier"/>
+                <a:ea typeface="Courier"/>
+                <a:cs typeface="Courier"/>
+                <a:sym typeface="Courier"/>
+              </a:defRPr>
+            </a:pPr>
+            <a:r>
+              <a:rPr sz="1600" dirty="0">
+                <a:solidFill>
+                  <a:srgbClr val="000000"/>
+                </a:solidFill>
+              </a:rPr>
+              <a:t>  </a:t>
+            </a:r>
+            <a:r>
+              <a:rPr lang="en-US" sz="1600" dirty="0">
+                <a:solidFill>
+                  <a:srgbClr val="000000"/>
+                </a:solidFill>
+              </a:rPr>
+              <a:t>			</a:t>
+            </a:r>
+            <a:r>
+              <a:rPr sz="1600" i="1" dirty="0" err="1">
+                <a:solidFill>
+                  <a:srgbClr val="66187A"/>
+                </a:solidFill>
+              </a:rPr>
+              <a:t>console</a:t>
+            </a:r>
+            <a:r>
+              <a:rPr sz="1600" dirty="0" err="1">
+                <a:solidFill>
+                  <a:srgbClr val="000000"/>
+                </a:solidFill>
+              </a:rPr>
+              <a:t>.</a:t>
+            </a:r>
+            <a:r>
+              <a:rPr sz="1600" dirty="0" err="1">
+                <a:solidFill>
+                  <a:srgbClr val="7A7A43"/>
+                </a:solidFill>
+              </a:rPr>
+              <a:t>log</a:t>
+            </a:r>
+            <a:r>
+              <a:rPr sz="1600" dirty="0">
+                <a:solidFill>
+                  <a:srgbClr val="000000"/>
+                </a:solidFill>
+              </a:rPr>
+              <a:t>(</a:t>
+            </a:r>
+            <a:r>
+              <a:rPr sz="1600" dirty="0"/>
+              <a:t>'Heard back from server'</a:t>
+            </a:r>
+            <a:r>
+              <a:rPr sz="1600" dirty="0">
+                <a:solidFill>
+                  <a:srgbClr val="000000"/>
+                </a:solidFill>
+              </a:rPr>
+              <a:t>);</a:t>
+            </a:r>
+          </a:p>
+          <a:p>
+            <a:pPr algn="l" defTabSz="228600">
+              <a:defRPr sz="2600">
+                <a:solidFill>
+                  <a:srgbClr val="000000"/>
+                </a:solidFill>
+                <a:latin typeface="Courier"/>
+                <a:ea typeface="Courier"/>
+                <a:cs typeface="Courier"/>
+                <a:sym typeface="Courier"/>
+              </a:defRPr>
+            </a:pPr>
+            <a:r>
+              <a:rPr sz="1600" dirty="0"/>
+              <a:t>  </a:t>
+            </a:r>
+            <a:r>
+              <a:rPr lang="en-US" sz="1600" dirty="0"/>
+              <a:t>			</a:t>
+            </a:r>
+            <a:r>
+              <a:rPr sz="1600" b="1" i="1" dirty="0" err="1">
+                <a:solidFill>
+                  <a:srgbClr val="66187A"/>
+                </a:solidFill>
+              </a:rPr>
+              <a:t>console</a:t>
+            </a:r>
+            <a:r>
+              <a:rPr sz="1600" dirty="0" err="1"/>
+              <a:t>.</a:t>
+            </a:r>
+            <a:r>
+              <a:rPr sz="1600" dirty="0" err="1">
+                <a:solidFill>
+                  <a:srgbClr val="7A7A43"/>
+                </a:solidFill>
+              </a:rPr>
+              <a:t>log</a:t>
+            </a:r>
+            <a:r>
+              <a:rPr sz="1600" dirty="0"/>
+              <a:t>(</a:t>
+            </a:r>
+            <a:r>
+              <a:rPr sz="1600" dirty="0" err="1"/>
+              <a:t>response.</a:t>
+            </a:r>
+            <a:r>
+              <a:rPr sz="1600" b="1" dirty="0" err="1">
+                <a:solidFill>
+                  <a:srgbClr val="66187A"/>
+                </a:solidFill>
+              </a:rPr>
+              <a:t>data</a:t>
+            </a:r>
+            <a:r>
+              <a:rPr sz="1600" dirty="0"/>
+              <a:t>);</a:t>
+            </a:r>
+          </a:p>
+          <a:p>
+            <a:pPr algn="l" defTabSz="228600">
+              <a:defRPr sz="2600">
+                <a:solidFill>
+                  <a:srgbClr val="000000"/>
+                </a:solidFill>
+                <a:latin typeface="Courier"/>
+                <a:ea typeface="Courier"/>
+                <a:cs typeface="Courier"/>
+                <a:sym typeface="Courier"/>
+              </a:defRPr>
+            </a:pPr>
+            <a:r>
+              <a:rPr lang="en-US" sz="1600" dirty="0"/>
+              <a:t>	 </a:t>
+            </a:r>
+            <a:r>
+              <a:rPr sz="1600" dirty="0"/>
+              <a:t>});</a:t>
+            </a:r>
+          </a:p>
+          <a:p>
+            <a:pPr algn="l" defTabSz="228600">
+              <a:defRPr sz="2600" b="1">
+                <a:solidFill>
+                  <a:srgbClr val="018001"/>
+                </a:solidFill>
+                <a:latin typeface="Courier"/>
+                <a:ea typeface="Courier"/>
+                <a:cs typeface="Courier"/>
+                <a:sym typeface="Courier"/>
+              </a:defRPr>
+            </a:pPr>
+            <a:r>
+              <a:rPr lang="en-US" sz="1600" i="1" dirty="0">
+                <a:solidFill>
+                  <a:srgbClr val="66187A"/>
+                </a:solidFill>
+              </a:rPr>
+              <a:t>3. </a:t>
+            </a:r>
+            <a:r>
+              <a:rPr sz="1600" i="1" dirty="0" err="1">
+                <a:solidFill>
+                  <a:srgbClr val="66187A"/>
+                </a:solidFill>
+              </a:rPr>
+              <a:t>axios</a:t>
+            </a:r>
+            <a:r>
+              <a:rPr sz="1600" dirty="0" err="1">
+                <a:solidFill>
+                  <a:srgbClr val="000000"/>
+                </a:solidFill>
+              </a:rPr>
+              <a:t>.</a:t>
+            </a:r>
+            <a:r>
+              <a:rPr sz="1600" dirty="0" err="1">
+                <a:solidFill>
+                  <a:srgbClr val="7A7A43"/>
+                </a:solidFill>
+              </a:rPr>
+              <a:t>get</a:t>
+            </a:r>
+            <a:r>
+              <a:rPr sz="1600" dirty="0">
+                <a:solidFill>
+                  <a:srgbClr val="000000"/>
+                </a:solidFill>
+              </a:rPr>
+              <a:t>(</a:t>
+            </a:r>
+            <a:r>
+              <a:rPr sz="1600" dirty="0"/>
+              <a:t>'https://</a:t>
+            </a:r>
+            <a:r>
+              <a:rPr sz="1600" dirty="0" err="1"/>
+              <a:t>www.google.com</a:t>
+            </a:r>
+            <a:r>
+              <a:rPr sz="1600" dirty="0"/>
+              <a:t>/'</a:t>
+            </a:r>
+            <a:r>
+              <a:rPr sz="1600" dirty="0">
+                <a:solidFill>
+                  <a:srgbClr val="000000"/>
+                </a:solidFill>
+              </a:rPr>
+              <a:t>)</a:t>
+            </a:r>
+          </a:p>
+          <a:p>
+            <a:pPr algn="l" defTabSz="228600">
+              <a:defRPr sz="2600">
+                <a:solidFill>
+                  <a:srgbClr val="000000"/>
+                </a:solidFill>
+                <a:latin typeface="Courier"/>
+                <a:ea typeface="Courier"/>
+                <a:cs typeface="Courier"/>
+                <a:sym typeface="Courier"/>
+              </a:defRPr>
+            </a:pPr>
+            <a:r>
+              <a:rPr sz="1600" dirty="0"/>
+              <a:t>  </a:t>
+            </a:r>
+            <a:r>
+              <a:rPr lang="en-US" sz="1600" dirty="0"/>
+              <a:t>		</a:t>
+            </a:r>
+            <a:r>
+              <a:rPr sz="1600" dirty="0"/>
+              <a:t>.</a:t>
+            </a:r>
+            <a:r>
+              <a:rPr sz="1600" dirty="0">
+                <a:solidFill>
+                  <a:srgbClr val="7A7A43"/>
+                </a:solidFill>
+                <a:highlight>
+                  <a:srgbClr val="FFFF00"/>
+                </a:highlight>
+              </a:rPr>
+              <a:t>then</a:t>
+            </a:r>
+            <a:r>
+              <a:rPr sz="1600" dirty="0"/>
+              <a:t>((response) =&gt;{</a:t>
+            </a:r>
+          </a:p>
+          <a:p>
+            <a:pPr algn="l" defTabSz="228600">
+              <a:defRPr sz="2600" b="1">
+                <a:solidFill>
+                  <a:srgbClr val="018001"/>
+                </a:solidFill>
+                <a:latin typeface="Courier"/>
+                <a:ea typeface="Courier"/>
+                <a:cs typeface="Courier"/>
+                <a:sym typeface="Courier"/>
+              </a:defRPr>
+            </a:pPr>
+            <a:r>
+              <a:rPr sz="1600" dirty="0">
+                <a:solidFill>
+                  <a:srgbClr val="000000"/>
+                </a:solidFill>
+              </a:rPr>
+              <a:t>   </a:t>
+            </a:r>
+            <a:r>
+              <a:rPr lang="en-US" sz="1600" dirty="0">
+                <a:solidFill>
+                  <a:srgbClr val="000000"/>
+                </a:solidFill>
+              </a:rPr>
+              <a:t>		</a:t>
+            </a:r>
+            <a:r>
+              <a:rPr sz="1600" dirty="0">
+                <a:solidFill>
+                  <a:srgbClr val="000000"/>
+                </a:solidFill>
+              </a:rPr>
+              <a:t> </a:t>
+            </a:r>
+            <a:r>
+              <a:rPr sz="1600" i="1" dirty="0" err="1">
+                <a:solidFill>
+                  <a:srgbClr val="66187A"/>
+                </a:solidFill>
+              </a:rPr>
+              <a:t>console</a:t>
+            </a:r>
+            <a:r>
+              <a:rPr sz="1600" dirty="0" err="1">
+                <a:solidFill>
+                  <a:srgbClr val="000000"/>
+                </a:solidFill>
+              </a:rPr>
+              <a:t>.</a:t>
+            </a:r>
+            <a:r>
+              <a:rPr sz="1600" dirty="0" err="1">
+                <a:solidFill>
+                  <a:srgbClr val="7A7A43"/>
+                </a:solidFill>
+              </a:rPr>
+              <a:t>log</a:t>
+            </a:r>
+            <a:r>
+              <a:rPr sz="1600" dirty="0">
+                <a:solidFill>
+                  <a:srgbClr val="000000"/>
+                </a:solidFill>
+              </a:rPr>
+              <a:t>(</a:t>
+            </a:r>
+            <a:r>
+              <a:rPr sz="1600" dirty="0"/>
+              <a:t>'Heard back from Google'</a:t>
+            </a:r>
+            <a:r>
+              <a:rPr sz="1600" dirty="0">
+                <a:solidFill>
+                  <a:srgbClr val="000000"/>
+                </a:solidFill>
+              </a:rPr>
+              <a:t>);</a:t>
+            </a:r>
+          </a:p>
+          <a:p>
+            <a:pPr algn="l" defTabSz="228600">
+              <a:defRPr sz="2600">
+                <a:solidFill>
+                  <a:srgbClr val="000000"/>
+                </a:solidFill>
+                <a:latin typeface="Courier"/>
+                <a:ea typeface="Courier"/>
+                <a:cs typeface="Courier"/>
+                <a:sym typeface="Courier"/>
+              </a:defRPr>
+            </a:pPr>
+            <a:r>
+              <a:rPr sz="1600" dirty="0"/>
+              <a:t>  </a:t>
+            </a:r>
+            <a:r>
+              <a:rPr lang="en-US" sz="1600" dirty="0"/>
+              <a:t>		</a:t>
+            </a:r>
+            <a:r>
+              <a:rPr sz="1600" dirty="0"/>
+              <a:t>});</a:t>
+            </a:r>
+          </a:p>
+          <a:p>
+            <a:pPr algn="l" defTabSz="228600">
+              <a:defRPr sz="2600" b="1">
+                <a:solidFill>
+                  <a:srgbClr val="018001"/>
+                </a:solidFill>
+                <a:latin typeface="Courier"/>
+                <a:ea typeface="Courier"/>
+                <a:cs typeface="Courier"/>
+                <a:sym typeface="Courier"/>
+              </a:defRPr>
+            </a:pPr>
+            <a:r>
+              <a:rPr lang="en-US" sz="1600" i="1" dirty="0">
+                <a:solidFill>
+                  <a:srgbClr val="66187A"/>
+                </a:solidFill>
+              </a:rPr>
+              <a:t>4. </a:t>
+            </a:r>
+            <a:r>
+              <a:rPr sz="1600" i="1" dirty="0" err="1">
+                <a:solidFill>
+                  <a:srgbClr val="66187A"/>
+                </a:solidFill>
+              </a:rPr>
+              <a:t>axios</a:t>
+            </a:r>
+            <a:r>
+              <a:rPr sz="1600" dirty="0" err="1">
+                <a:solidFill>
+                  <a:srgbClr val="000000"/>
+                </a:solidFill>
+              </a:rPr>
+              <a:t>.</a:t>
+            </a:r>
+            <a:r>
+              <a:rPr sz="1600" dirty="0" err="1">
+                <a:solidFill>
+                  <a:srgbClr val="7A7A43"/>
+                </a:solidFill>
+              </a:rPr>
+              <a:t>get</a:t>
+            </a:r>
+            <a:r>
+              <a:rPr sz="1600" dirty="0">
+                <a:solidFill>
+                  <a:srgbClr val="000000"/>
+                </a:solidFill>
+              </a:rPr>
+              <a:t>(</a:t>
+            </a:r>
+            <a:r>
+              <a:rPr sz="1600" dirty="0"/>
+              <a:t>'https://</a:t>
+            </a:r>
+            <a:r>
+              <a:rPr sz="1600" dirty="0" err="1"/>
+              <a:t>www.facebook.com</a:t>
+            </a:r>
+            <a:r>
+              <a:rPr sz="1600" dirty="0"/>
+              <a:t>/'</a:t>
+            </a:r>
+            <a:r>
+              <a:rPr sz="1600" dirty="0">
+                <a:solidFill>
+                  <a:srgbClr val="000000"/>
+                </a:solidFill>
+              </a:rPr>
+              <a:t>)</a:t>
+            </a:r>
+          </a:p>
+          <a:p>
+            <a:pPr algn="l" defTabSz="228600">
+              <a:defRPr sz="2600">
+                <a:solidFill>
+                  <a:srgbClr val="000000"/>
+                </a:solidFill>
+                <a:latin typeface="Courier"/>
+                <a:ea typeface="Courier"/>
+                <a:cs typeface="Courier"/>
+                <a:sym typeface="Courier"/>
+              </a:defRPr>
+            </a:pPr>
+            <a:r>
+              <a:rPr sz="1600" dirty="0"/>
+              <a:t>  </a:t>
+            </a:r>
+            <a:r>
+              <a:rPr lang="en-US" sz="1600" dirty="0"/>
+              <a:t>		</a:t>
+            </a:r>
+            <a:r>
+              <a:rPr sz="1600" dirty="0"/>
+              <a:t>.</a:t>
+            </a:r>
+            <a:r>
+              <a:rPr sz="1600" dirty="0">
+                <a:solidFill>
+                  <a:srgbClr val="7A7A43"/>
+                </a:solidFill>
+                <a:highlight>
+                  <a:srgbClr val="FFFF00"/>
+                </a:highlight>
+              </a:rPr>
+              <a:t>then</a:t>
+            </a:r>
+            <a:r>
+              <a:rPr sz="1600" dirty="0"/>
+              <a:t>((response) =&gt;{</a:t>
+            </a:r>
+          </a:p>
+          <a:p>
+            <a:pPr algn="l" defTabSz="228600">
+              <a:defRPr sz="2600" b="1">
+                <a:solidFill>
+                  <a:srgbClr val="018001"/>
+                </a:solidFill>
+                <a:latin typeface="Courier"/>
+                <a:ea typeface="Courier"/>
+                <a:cs typeface="Courier"/>
+                <a:sym typeface="Courier"/>
+              </a:defRPr>
+            </a:pPr>
+            <a:r>
+              <a:rPr sz="1600" dirty="0">
+                <a:solidFill>
+                  <a:srgbClr val="000000"/>
+                </a:solidFill>
+              </a:rPr>
+              <a:t>    </a:t>
+            </a:r>
+            <a:r>
+              <a:rPr lang="en-US" sz="1600" dirty="0">
+                <a:solidFill>
+                  <a:srgbClr val="000000"/>
+                </a:solidFill>
+              </a:rPr>
+              <a:t>		</a:t>
+            </a:r>
+            <a:r>
+              <a:rPr sz="1600" i="1" dirty="0" err="1">
+                <a:solidFill>
+                  <a:srgbClr val="66187A"/>
+                </a:solidFill>
+              </a:rPr>
+              <a:t>console</a:t>
+            </a:r>
+            <a:r>
+              <a:rPr sz="1600" dirty="0" err="1">
+                <a:solidFill>
+                  <a:srgbClr val="000000"/>
+                </a:solidFill>
+              </a:rPr>
+              <a:t>.</a:t>
+            </a:r>
+            <a:r>
+              <a:rPr sz="1600" dirty="0" err="1">
+                <a:solidFill>
+                  <a:srgbClr val="7A7A43"/>
+                </a:solidFill>
+              </a:rPr>
+              <a:t>log</a:t>
+            </a:r>
+            <a:r>
+              <a:rPr sz="1600" dirty="0">
+                <a:solidFill>
+                  <a:srgbClr val="000000"/>
+                </a:solidFill>
+              </a:rPr>
+              <a:t>(</a:t>
+            </a:r>
+            <a:r>
+              <a:rPr sz="1600" dirty="0"/>
+              <a:t>'Heard back from Facebook'</a:t>
+            </a:r>
+            <a:r>
+              <a:rPr sz="1600" dirty="0">
+                <a:solidFill>
+                  <a:srgbClr val="000000"/>
+                </a:solidFill>
+              </a:rPr>
+              <a:t>);</a:t>
+            </a:r>
+          </a:p>
+          <a:p>
+            <a:pPr algn="l" defTabSz="228600">
+              <a:defRPr sz="2600">
+                <a:solidFill>
+                  <a:srgbClr val="000000"/>
+                </a:solidFill>
+                <a:latin typeface="Courier"/>
+                <a:ea typeface="Courier"/>
+                <a:cs typeface="Courier"/>
+                <a:sym typeface="Courier"/>
+              </a:defRPr>
+            </a:pPr>
+            <a:r>
+              <a:rPr sz="1600" dirty="0"/>
+              <a:t>  </a:t>
+            </a:r>
+            <a:r>
+              <a:rPr lang="en-US" sz="1600" dirty="0"/>
+              <a:t>		</a:t>
+            </a:r>
+            <a:r>
+              <a:rPr sz="1600" dirty="0"/>
+              <a:t>});</a:t>
+            </a:r>
+          </a:p>
+          <a:p>
+            <a:pPr algn="l" defTabSz="228600">
+              <a:defRPr sz="2600" b="1">
+                <a:solidFill>
+                  <a:srgbClr val="018001"/>
+                </a:solidFill>
+                <a:latin typeface="Courier"/>
+                <a:ea typeface="Courier"/>
+                <a:cs typeface="Courier"/>
+                <a:sym typeface="Courier"/>
+              </a:defRPr>
+            </a:pPr>
+            <a:r>
+              <a:rPr lang="en-US" sz="1600" i="1" dirty="0">
+                <a:solidFill>
+                  <a:srgbClr val="66187A"/>
+                </a:solidFill>
+              </a:rPr>
+              <a:t>5. </a:t>
+            </a:r>
+            <a:r>
+              <a:rPr sz="1600" i="1" dirty="0" err="1">
+                <a:solidFill>
+                  <a:srgbClr val="66187A"/>
+                </a:solidFill>
+              </a:rPr>
+              <a:t>console</a:t>
+            </a:r>
+            <a:r>
+              <a:rPr sz="1600" dirty="0" err="1">
+                <a:solidFill>
+                  <a:srgbClr val="000000"/>
+                </a:solidFill>
+              </a:rPr>
+              <a:t>.</a:t>
+            </a:r>
+            <a:r>
+              <a:rPr sz="1600" dirty="0" err="1">
+                <a:solidFill>
+                  <a:srgbClr val="7A7A43"/>
+                </a:solidFill>
+              </a:rPr>
+              <a:t>log</a:t>
+            </a:r>
+            <a:r>
+              <a:rPr sz="1600" dirty="0">
+                <a:solidFill>
+                  <a:srgbClr val="000000"/>
+                </a:solidFill>
+              </a:rPr>
+              <a:t>(</a:t>
+            </a:r>
+            <a:r>
+              <a:rPr sz="1600" dirty="0"/>
+              <a:t>'Requests sent!'</a:t>
+            </a:r>
+            <a:r>
+              <a:rPr sz="1600" dirty="0">
+                <a:solidFill>
+                  <a:srgbClr val="000000"/>
+                </a:solidFill>
+              </a:rPr>
+              <a:t>);</a:t>
+            </a:r>
+          </a:p>
+        </p:txBody>
+      </p:sp>
+    </p:spTree>
+    <p:extLst>
+      <p:ext uri="{BB962C8B-B14F-4D97-AF65-F5344CB8AC3E}">
+        <p14:creationId xmlns:p14="http://schemas.microsoft.com/office/powerpoint/2010/main" val="1315621785"/>
       </p:ext>
     </p:extLst>
   </p:cSld>
@@ -35261,1015 +35666,6 @@
       </p:grpSpPr>
       <p:sp>
         <p:nvSpPr>
-          <p:cNvPr id="268" name="Making lots of requests"/>
-          <p:cNvSpPr txBox="1">
-            <a:spLocks noGrp="1"/>
-          </p:cNvSpPr>
-          <p:nvPr>
-            <p:ph type="title"/>
-          </p:nvPr>
-        </p:nvSpPr>
-        <p:spPr>
-          <a:prstGeom prst="rect">
-            <a:avLst/>
-          </a:prstGeom>
-        </p:spPr>
-        <p:txBody>
-          <a:bodyPr/>
-          <a:lstStyle/>
-          <a:p>
-            <a:r>
-              <a:rPr lang="en-US" dirty="0"/>
-              <a:t>Promises Enforce Ordering Through “Then”</a:t>
-            </a:r>
-            <a:endParaRPr dirty="0"/>
-          </a:p>
-        </p:txBody>
-      </p:sp>
-      <p:sp>
-        <p:nvSpPr>
-          <p:cNvPr id="4" name="Content Placeholder 3">
-            <a:extLst>
-              <a:ext uri="{FF2B5EF4-FFF2-40B4-BE49-F238E27FC236}">
-                <a16:creationId xmlns:a16="http://schemas.microsoft.com/office/drawing/2014/main" id="{508E961F-D555-45D3-2A10-EE51F1D7A125}"/>
-              </a:ext>
-            </a:extLst>
-          </p:cNvPr>
-          <p:cNvSpPr>
-            <a:spLocks noGrp="1"/>
-          </p:cNvSpPr>
-          <p:nvPr>
-            <p:ph idx="1"/>
-          </p:nvPr>
-        </p:nvSpPr>
-        <p:spPr/>
-        <p:txBody>
-          <a:bodyPr>
-            <a:normAutofit/>
-          </a:bodyPr>
-          <a:lstStyle/>
-          <a:p>
-            <a:r>
-              <a:rPr lang="en-US" sz="1600" b="1" dirty="0" err="1"/>
-              <a:t>axios.get</a:t>
-            </a:r>
-            <a:r>
-              <a:rPr lang="en-US" sz="1600" b="1" dirty="0"/>
-              <a:t> </a:t>
-            </a:r>
-            <a:r>
-              <a:rPr lang="en-US" sz="1600" dirty="0"/>
-              <a:t>returns a promise.  </a:t>
-            </a:r>
-          </a:p>
-          <a:p>
-            <a:r>
-              <a:rPr lang="en-US" sz="1600" b="1" dirty="0" err="1"/>
-              <a:t>p.then</a:t>
-            </a:r>
-            <a:r>
-              <a:rPr lang="en-US" sz="1600" b="1" dirty="0"/>
-              <a:t> </a:t>
-            </a:r>
-            <a:r>
-              <a:rPr lang="en-US" sz="1600" dirty="0"/>
-              <a:t>mutates that promise so that the then block is not run until after the original promise returns.</a:t>
-            </a:r>
-          </a:p>
-          <a:p>
-            <a:r>
-              <a:rPr lang="en-US" sz="1600" dirty="0"/>
-              <a:t>The resulting promise isn’t completed until the then block finishes.</a:t>
-            </a:r>
-          </a:p>
-          <a:p>
-            <a:r>
-              <a:rPr lang="en-US" sz="1600" dirty="0"/>
-              <a:t>You can chain .</a:t>
-            </a:r>
-            <a:r>
-              <a:rPr lang="en-US" sz="1600" b="1" dirty="0" err="1"/>
-              <a:t>then</a:t>
-            </a:r>
-            <a:r>
-              <a:rPr lang="en-US" sz="1600" dirty="0" err="1"/>
-              <a:t>’s</a:t>
-            </a:r>
-            <a:r>
-              <a:rPr lang="en-US" sz="1600" dirty="0"/>
-              <a:t>, to get things that look like </a:t>
-            </a:r>
-            <a:r>
-              <a:rPr lang="en-US" sz="1600" dirty="0" err="1"/>
-              <a:t>p.then</a:t>
-            </a:r>
-            <a:r>
-              <a:rPr lang="en-US" sz="1600" dirty="0"/>
-              <a:t>().then().then()</a:t>
-            </a:r>
-          </a:p>
-          <a:p>
-            <a:r>
-              <a:rPr lang="en-US" sz="1600" dirty="0"/>
-              <a:t>Each </a:t>
-            </a:r>
-            <a:r>
-              <a:rPr lang="en-US" sz="1600" b="1" dirty="0"/>
-              <a:t>then</a:t>
-            </a:r>
-            <a:r>
-              <a:rPr lang="en-US" sz="1600" dirty="0"/>
-              <a:t> is a pause point.</a:t>
-            </a:r>
-          </a:p>
-        </p:txBody>
-      </p:sp>
-      <p:sp>
-        <p:nvSpPr>
-          <p:cNvPr id="270" name="console.log('Making a requests');…"/>
-          <p:cNvSpPr txBox="1"/>
-          <p:nvPr/>
-        </p:nvSpPr>
-        <p:spPr>
-          <a:xfrm>
-            <a:off x="933370" y="1631794"/>
-            <a:ext cx="6024716" cy="3744615"/>
-          </a:xfrm>
-          <a:prstGeom prst="rect">
-            <a:avLst/>
-          </a:prstGeom>
-          <a:ln w="12700">
-            <a:miter lim="400000"/>
-          </a:ln>
-          <a:extLst>
-            <a:ext uri="{C572A759-6A51-4108-AA02-DFA0A04FC94B}">
-              <ma14:wrappingTextBoxFlag xmlns:ma14="http://schemas.microsoft.com/office/mac/drawingml/2011/main" xmlns:a14="http://schemas.microsoft.com/office/drawing/2010/main" xmlns:m="http://schemas.openxmlformats.org/officeDocument/2006/math" xmlns="" val="1"/>
-            </a:ext>
-          </a:extLst>
-        </p:spPr>
-        <p:txBody>
-          <a:bodyPr wrap="square" lIns="25400" tIns="25400" rIns="25400" bIns="25400" anchor="ctr">
-            <a:spAutoFit/>
-          </a:bodyPr>
-          <a:lstStyle/>
-          <a:p>
-            <a:pPr algn="l" defTabSz="228600">
-              <a:defRPr sz="2600" b="1">
-                <a:solidFill>
-                  <a:srgbClr val="018001"/>
-                </a:solidFill>
-                <a:latin typeface="Courier"/>
-                <a:ea typeface="Courier"/>
-                <a:cs typeface="Courier"/>
-                <a:sym typeface="Courier"/>
-              </a:defRPr>
-            </a:pPr>
-            <a:r>
-              <a:rPr lang="en-US" sz="1600" i="1" dirty="0">
-                <a:solidFill>
-                  <a:srgbClr val="66187A"/>
-                </a:solidFill>
-              </a:rPr>
-              <a:t>1. </a:t>
-            </a:r>
-            <a:r>
-              <a:rPr sz="1600" i="1" dirty="0" err="1">
-                <a:solidFill>
-                  <a:srgbClr val="66187A"/>
-                </a:solidFill>
-              </a:rPr>
-              <a:t>console</a:t>
-            </a:r>
-            <a:r>
-              <a:rPr sz="1600" dirty="0" err="1">
-                <a:solidFill>
-                  <a:srgbClr val="000000"/>
-                </a:solidFill>
-              </a:rPr>
-              <a:t>.</a:t>
-            </a:r>
-            <a:r>
-              <a:rPr sz="1600" dirty="0" err="1">
-                <a:solidFill>
-                  <a:srgbClr val="7A7A43"/>
-                </a:solidFill>
-              </a:rPr>
-              <a:t>log</a:t>
-            </a:r>
-            <a:r>
-              <a:rPr sz="1600" dirty="0">
-                <a:solidFill>
-                  <a:srgbClr val="000000"/>
-                </a:solidFill>
-              </a:rPr>
-              <a:t>(</a:t>
-            </a:r>
-            <a:r>
-              <a:rPr sz="1600" dirty="0"/>
-              <a:t>'Making requests'</a:t>
-            </a:r>
-            <a:r>
-              <a:rPr sz="1600" dirty="0">
-                <a:solidFill>
-                  <a:srgbClr val="000000"/>
-                </a:solidFill>
-              </a:rPr>
-              <a:t>);</a:t>
-            </a:r>
-          </a:p>
-          <a:p>
-            <a:pPr algn="l" defTabSz="228600">
-              <a:defRPr sz="2600" b="1">
-                <a:solidFill>
-                  <a:srgbClr val="018001"/>
-                </a:solidFill>
-                <a:latin typeface="Courier"/>
-                <a:ea typeface="Courier"/>
-                <a:cs typeface="Courier"/>
-                <a:sym typeface="Courier"/>
-              </a:defRPr>
-            </a:pPr>
-            <a:r>
-              <a:rPr lang="en-US" sz="1600" i="1" dirty="0">
-                <a:solidFill>
-                  <a:srgbClr val="66187A"/>
-                </a:solidFill>
-              </a:rPr>
-              <a:t>2. </a:t>
-            </a:r>
-            <a:r>
-              <a:rPr sz="1600" i="1" dirty="0" err="1">
-                <a:solidFill>
-                  <a:srgbClr val="66187A"/>
-                </a:solidFill>
-              </a:rPr>
-              <a:t>axios</a:t>
-            </a:r>
-            <a:r>
-              <a:rPr sz="1600" dirty="0" err="1">
-                <a:solidFill>
-                  <a:srgbClr val="000000"/>
-                </a:solidFill>
-              </a:rPr>
-              <a:t>.</a:t>
-            </a:r>
-            <a:r>
-              <a:rPr sz="1600" dirty="0" err="1">
-                <a:solidFill>
-                  <a:srgbClr val="7A7A43"/>
-                </a:solidFill>
-              </a:rPr>
-              <a:t>get</a:t>
-            </a:r>
-            <a:r>
-              <a:rPr sz="1600" dirty="0">
-                <a:solidFill>
-                  <a:srgbClr val="000000"/>
-                </a:solidFill>
-              </a:rPr>
-              <a:t>(</a:t>
-            </a:r>
-            <a:r>
-              <a:rPr sz="1600" dirty="0"/>
-              <a:t>'https://rest-</a:t>
-            </a:r>
-            <a:r>
-              <a:rPr sz="1600" dirty="0" err="1"/>
-              <a:t>example.covey.town</a:t>
-            </a:r>
-            <a:r>
-              <a:rPr sz="1600" dirty="0"/>
-              <a:t>/'</a:t>
-            </a:r>
-            <a:r>
-              <a:rPr sz="1600" dirty="0">
-                <a:solidFill>
-                  <a:srgbClr val="000000"/>
-                </a:solidFill>
-              </a:rPr>
-              <a:t>)</a:t>
-            </a:r>
-          </a:p>
-          <a:p>
-            <a:pPr algn="l" defTabSz="228600">
-              <a:defRPr sz="2600">
-                <a:solidFill>
-                  <a:srgbClr val="000000"/>
-                </a:solidFill>
-                <a:latin typeface="Courier"/>
-                <a:ea typeface="Courier"/>
-                <a:cs typeface="Courier"/>
-                <a:sym typeface="Courier"/>
-              </a:defRPr>
-            </a:pPr>
-            <a:r>
-              <a:rPr lang="en-US" sz="1600" dirty="0"/>
-              <a:t>	</a:t>
-            </a:r>
-            <a:r>
-              <a:rPr sz="1600" dirty="0"/>
-              <a:t>  .</a:t>
-            </a:r>
-            <a:r>
-              <a:rPr sz="1600" dirty="0">
-                <a:solidFill>
-                  <a:srgbClr val="7A7A43"/>
-                </a:solidFill>
-                <a:highlight>
-                  <a:srgbClr val="FFFF00"/>
-                </a:highlight>
-              </a:rPr>
-              <a:t>then</a:t>
-            </a:r>
-            <a:r>
-              <a:rPr sz="1600" dirty="0"/>
-              <a:t>((response) =&gt;{</a:t>
-            </a:r>
-          </a:p>
-          <a:p>
-            <a:pPr algn="l" defTabSz="228600">
-              <a:defRPr sz="2600" b="1">
-                <a:solidFill>
-                  <a:srgbClr val="018001"/>
-                </a:solidFill>
-                <a:latin typeface="Courier"/>
-                <a:ea typeface="Courier"/>
-                <a:cs typeface="Courier"/>
-                <a:sym typeface="Courier"/>
-              </a:defRPr>
-            </a:pPr>
-            <a:r>
-              <a:rPr sz="1600" dirty="0">
-                <a:solidFill>
-                  <a:srgbClr val="000000"/>
-                </a:solidFill>
-              </a:rPr>
-              <a:t>  </a:t>
-            </a:r>
-            <a:r>
-              <a:rPr lang="en-US" sz="1600" dirty="0">
-                <a:solidFill>
-                  <a:srgbClr val="000000"/>
-                </a:solidFill>
-              </a:rPr>
-              <a:t>			</a:t>
-            </a:r>
-            <a:r>
-              <a:rPr sz="1600" i="1" dirty="0" err="1">
-                <a:solidFill>
-                  <a:srgbClr val="66187A"/>
-                </a:solidFill>
-              </a:rPr>
-              <a:t>console</a:t>
-            </a:r>
-            <a:r>
-              <a:rPr sz="1600" dirty="0" err="1">
-                <a:solidFill>
-                  <a:srgbClr val="000000"/>
-                </a:solidFill>
-              </a:rPr>
-              <a:t>.</a:t>
-            </a:r>
-            <a:r>
-              <a:rPr sz="1600" dirty="0" err="1">
-                <a:solidFill>
-                  <a:srgbClr val="7A7A43"/>
-                </a:solidFill>
-              </a:rPr>
-              <a:t>log</a:t>
-            </a:r>
-            <a:r>
-              <a:rPr sz="1600" dirty="0">
-                <a:solidFill>
-                  <a:srgbClr val="000000"/>
-                </a:solidFill>
-              </a:rPr>
-              <a:t>(</a:t>
-            </a:r>
-            <a:r>
-              <a:rPr sz="1600" dirty="0"/>
-              <a:t>'Heard back from server'</a:t>
-            </a:r>
-            <a:r>
-              <a:rPr sz="1600" dirty="0">
-                <a:solidFill>
-                  <a:srgbClr val="000000"/>
-                </a:solidFill>
-              </a:rPr>
-              <a:t>);</a:t>
-            </a:r>
-          </a:p>
-          <a:p>
-            <a:pPr algn="l" defTabSz="228600">
-              <a:defRPr sz="2600">
-                <a:solidFill>
-                  <a:srgbClr val="000000"/>
-                </a:solidFill>
-                <a:latin typeface="Courier"/>
-                <a:ea typeface="Courier"/>
-                <a:cs typeface="Courier"/>
-                <a:sym typeface="Courier"/>
-              </a:defRPr>
-            </a:pPr>
-            <a:r>
-              <a:rPr sz="1600" dirty="0"/>
-              <a:t>  </a:t>
-            </a:r>
-            <a:r>
-              <a:rPr lang="en-US" sz="1600" dirty="0"/>
-              <a:t>			</a:t>
-            </a:r>
-            <a:r>
-              <a:rPr sz="1600" b="1" i="1" dirty="0" err="1">
-                <a:solidFill>
-                  <a:srgbClr val="66187A"/>
-                </a:solidFill>
-              </a:rPr>
-              <a:t>console</a:t>
-            </a:r>
-            <a:r>
-              <a:rPr sz="1600" dirty="0" err="1"/>
-              <a:t>.</a:t>
-            </a:r>
-            <a:r>
-              <a:rPr sz="1600" dirty="0" err="1">
-                <a:solidFill>
-                  <a:srgbClr val="7A7A43"/>
-                </a:solidFill>
-              </a:rPr>
-              <a:t>log</a:t>
-            </a:r>
-            <a:r>
-              <a:rPr sz="1600" dirty="0"/>
-              <a:t>(</a:t>
-            </a:r>
-            <a:r>
-              <a:rPr sz="1600" dirty="0" err="1"/>
-              <a:t>response.</a:t>
-            </a:r>
-            <a:r>
-              <a:rPr sz="1600" b="1" dirty="0" err="1">
-                <a:solidFill>
-                  <a:srgbClr val="66187A"/>
-                </a:solidFill>
-              </a:rPr>
-              <a:t>data</a:t>
-            </a:r>
-            <a:r>
-              <a:rPr sz="1600" dirty="0"/>
-              <a:t>);</a:t>
-            </a:r>
-          </a:p>
-          <a:p>
-            <a:pPr algn="l" defTabSz="228600">
-              <a:defRPr sz="2600">
-                <a:solidFill>
-                  <a:srgbClr val="000000"/>
-                </a:solidFill>
-                <a:latin typeface="Courier"/>
-                <a:ea typeface="Courier"/>
-                <a:cs typeface="Courier"/>
-                <a:sym typeface="Courier"/>
-              </a:defRPr>
-            </a:pPr>
-            <a:r>
-              <a:rPr lang="en-US" sz="1600" dirty="0"/>
-              <a:t>	 </a:t>
-            </a:r>
-            <a:r>
-              <a:rPr sz="1600" dirty="0"/>
-              <a:t>});</a:t>
-            </a:r>
-          </a:p>
-          <a:p>
-            <a:pPr algn="l" defTabSz="228600">
-              <a:defRPr sz="2600" b="1">
-                <a:solidFill>
-                  <a:srgbClr val="018001"/>
-                </a:solidFill>
-                <a:latin typeface="Courier"/>
-                <a:ea typeface="Courier"/>
-                <a:cs typeface="Courier"/>
-                <a:sym typeface="Courier"/>
-              </a:defRPr>
-            </a:pPr>
-            <a:r>
-              <a:rPr lang="en-US" sz="1600" i="1" dirty="0">
-                <a:solidFill>
-                  <a:srgbClr val="66187A"/>
-                </a:solidFill>
-              </a:rPr>
-              <a:t>3. </a:t>
-            </a:r>
-            <a:r>
-              <a:rPr sz="1600" i="1" dirty="0" err="1">
-                <a:solidFill>
-                  <a:srgbClr val="66187A"/>
-                </a:solidFill>
-              </a:rPr>
-              <a:t>axios</a:t>
-            </a:r>
-            <a:r>
-              <a:rPr sz="1600" dirty="0" err="1">
-                <a:solidFill>
-                  <a:srgbClr val="000000"/>
-                </a:solidFill>
-              </a:rPr>
-              <a:t>.</a:t>
-            </a:r>
-            <a:r>
-              <a:rPr sz="1600" dirty="0" err="1">
-                <a:solidFill>
-                  <a:srgbClr val="7A7A43"/>
-                </a:solidFill>
-              </a:rPr>
-              <a:t>get</a:t>
-            </a:r>
-            <a:r>
-              <a:rPr sz="1600" dirty="0">
-                <a:solidFill>
-                  <a:srgbClr val="000000"/>
-                </a:solidFill>
-              </a:rPr>
-              <a:t>(</a:t>
-            </a:r>
-            <a:r>
-              <a:rPr sz="1600" dirty="0"/>
-              <a:t>'https://</a:t>
-            </a:r>
-            <a:r>
-              <a:rPr sz="1600" dirty="0" err="1"/>
-              <a:t>www.google.com</a:t>
-            </a:r>
-            <a:r>
-              <a:rPr sz="1600" dirty="0"/>
-              <a:t>/'</a:t>
-            </a:r>
-            <a:r>
-              <a:rPr sz="1600" dirty="0">
-                <a:solidFill>
-                  <a:srgbClr val="000000"/>
-                </a:solidFill>
-              </a:rPr>
-              <a:t>)</a:t>
-            </a:r>
-          </a:p>
-          <a:p>
-            <a:pPr algn="l" defTabSz="228600">
-              <a:defRPr sz="2600">
-                <a:solidFill>
-                  <a:srgbClr val="000000"/>
-                </a:solidFill>
-                <a:latin typeface="Courier"/>
-                <a:ea typeface="Courier"/>
-                <a:cs typeface="Courier"/>
-                <a:sym typeface="Courier"/>
-              </a:defRPr>
-            </a:pPr>
-            <a:r>
-              <a:rPr sz="1600" dirty="0"/>
-              <a:t>  </a:t>
-            </a:r>
-            <a:r>
-              <a:rPr lang="en-US" sz="1600" dirty="0"/>
-              <a:t>		</a:t>
-            </a:r>
-            <a:r>
-              <a:rPr sz="1600" dirty="0"/>
-              <a:t>.</a:t>
-            </a:r>
-            <a:r>
-              <a:rPr sz="1600" dirty="0">
-                <a:solidFill>
-                  <a:srgbClr val="7A7A43"/>
-                </a:solidFill>
-                <a:highlight>
-                  <a:srgbClr val="FFFF00"/>
-                </a:highlight>
-              </a:rPr>
-              <a:t>then</a:t>
-            </a:r>
-            <a:r>
-              <a:rPr sz="1600" dirty="0"/>
-              <a:t>((response) =&gt;{</a:t>
-            </a:r>
-          </a:p>
-          <a:p>
-            <a:pPr algn="l" defTabSz="228600">
-              <a:defRPr sz="2600" b="1">
-                <a:solidFill>
-                  <a:srgbClr val="018001"/>
-                </a:solidFill>
-                <a:latin typeface="Courier"/>
-                <a:ea typeface="Courier"/>
-                <a:cs typeface="Courier"/>
-                <a:sym typeface="Courier"/>
-              </a:defRPr>
-            </a:pPr>
-            <a:r>
-              <a:rPr sz="1600" dirty="0">
-                <a:solidFill>
-                  <a:srgbClr val="000000"/>
-                </a:solidFill>
-              </a:rPr>
-              <a:t>   </a:t>
-            </a:r>
-            <a:r>
-              <a:rPr lang="en-US" sz="1600" dirty="0">
-                <a:solidFill>
-                  <a:srgbClr val="000000"/>
-                </a:solidFill>
-              </a:rPr>
-              <a:t>		</a:t>
-            </a:r>
-            <a:r>
-              <a:rPr sz="1600" dirty="0">
-                <a:solidFill>
-                  <a:srgbClr val="000000"/>
-                </a:solidFill>
-              </a:rPr>
-              <a:t> </a:t>
-            </a:r>
-            <a:r>
-              <a:rPr sz="1600" i="1" dirty="0" err="1">
-                <a:solidFill>
-                  <a:srgbClr val="66187A"/>
-                </a:solidFill>
-              </a:rPr>
-              <a:t>console</a:t>
-            </a:r>
-            <a:r>
-              <a:rPr sz="1600" dirty="0" err="1">
-                <a:solidFill>
-                  <a:srgbClr val="000000"/>
-                </a:solidFill>
-              </a:rPr>
-              <a:t>.</a:t>
-            </a:r>
-            <a:r>
-              <a:rPr sz="1600" dirty="0" err="1">
-                <a:solidFill>
-                  <a:srgbClr val="7A7A43"/>
-                </a:solidFill>
-              </a:rPr>
-              <a:t>log</a:t>
-            </a:r>
-            <a:r>
-              <a:rPr sz="1600" dirty="0">
-                <a:solidFill>
-                  <a:srgbClr val="000000"/>
-                </a:solidFill>
-              </a:rPr>
-              <a:t>(</a:t>
-            </a:r>
-            <a:r>
-              <a:rPr sz="1600" dirty="0"/>
-              <a:t>'Heard back from Google'</a:t>
-            </a:r>
-            <a:r>
-              <a:rPr sz="1600" dirty="0">
-                <a:solidFill>
-                  <a:srgbClr val="000000"/>
-                </a:solidFill>
-              </a:rPr>
-              <a:t>);</a:t>
-            </a:r>
-          </a:p>
-          <a:p>
-            <a:pPr algn="l" defTabSz="228600">
-              <a:defRPr sz="2600">
-                <a:solidFill>
-                  <a:srgbClr val="000000"/>
-                </a:solidFill>
-                <a:latin typeface="Courier"/>
-                <a:ea typeface="Courier"/>
-                <a:cs typeface="Courier"/>
-                <a:sym typeface="Courier"/>
-              </a:defRPr>
-            </a:pPr>
-            <a:r>
-              <a:rPr sz="1600" dirty="0"/>
-              <a:t>  </a:t>
-            </a:r>
-            <a:r>
-              <a:rPr lang="en-US" sz="1600" dirty="0"/>
-              <a:t>		</a:t>
-            </a:r>
-            <a:r>
-              <a:rPr sz="1600" dirty="0"/>
-              <a:t>});</a:t>
-            </a:r>
-          </a:p>
-          <a:p>
-            <a:pPr algn="l" defTabSz="228600">
-              <a:defRPr sz="2600" b="1">
-                <a:solidFill>
-                  <a:srgbClr val="018001"/>
-                </a:solidFill>
-                <a:latin typeface="Courier"/>
-                <a:ea typeface="Courier"/>
-                <a:cs typeface="Courier"/>
-                <a:sym typeface="Courier"/>
-              </a:defRPr>
-            </a:pPr>
-            <a:r>
-              <a:rPr lang="en-US" sz="1600" i="1" dirty="0">
-                <a:solidFill>
-                  <a:srgbClr val="66187A"/>
-                </a:solidFill>
-              </a:rPr>
-              <a:t>4. </a:t>
-            </a:r>
-            <a:r>
-              <a:rPr sz="1600" i="1" dirty="0" err="1">
-                <a:solidFill>
-                  <a:srgbClr val="66187A"/>
-                </a:solidFill>
-              </a:rPr>
-              <a:t>axios</a:t>
-            </a:r>
-            <a:r>
-              <a:rPr sz="1600" dirty="0" err="1">
-                <a:solidFill>
-                  <a:srgbClr val="000000"/>
-                </a:solidFill>
-              </a:rPr>
-              <a:t>.</a:t>
-            </a:r>
-            <a:r>
-              <a:rPr sz="1600" dirty="0" err="1">
-                <a:solidFill>
-                  <a:srgbClr val="7A7A43"/>
-                </a:solidFill>
-              </a:rPr>
-              <a:t>get</a:t>
-            </a:r>
-            <a:r>
-              <a:rPr sz="1600" dirty="0">
-                <a:solidFill>
-                  <a:srgbClr val="000000"/>
-                </a:solidFill>
-              </a:rPr>
-              <a:t>(</a:t>
-            </a:r>
-            <a:r>
-              <a:rPr sz="1600" dirty="0"/>
-              <a:t>'https://</a:t>
-            </a:r>
-            <a:r>
-              <a:rPr sz="1600" dirty="0" err="1"/>
-              <a:t>www.facebook.com</a:t>
-            </a:r>
-            <a:r>
-              <a:rPr sz="1600" dirty="0"/>
-              <a:t>/'</a:t>
-            </a:r>
-            <a:r>
-              <a:rPr sz="1600" dirty="0">
-                <a:solidFill>
-                  <a:srgbClr val="000000"/>
-                </a:solidFill>
-              </a:rPr>
-              <a:t>)</a:t>
-            </a:r>
-          </a:p>
-          <a:p>
-            <a:pPr algn="l" defTabSz="228600">
-              <a:defRPr sz="2600">
-                <a:solidFill>
-                  <a:srgbClr val="000000"/>
-                </a:solidFill>
-                <a:latin typeface="Courier"/>
-                <a:ea typeface="Courier"/>
-                <a:cs typeface="Courier"/>
-                <a:sym typeface="Courier"/>
-              </a:defRPr>
-            </a:pPr>
-            <a:r>
-              <a:rPr sz="1600" dirty="0"/>
-              <a:t>  </a:t>
-            </a:r>
-            <a:r>
-              <a:rPr lang="en-US" sz="1600" dirty="0"/>
-              <a:t>		</a:t>
-            </a:r>
-            <a:r>
-              <a:rPr sz="1600" dirty="0"/>
-              <a:t>.</a:t>
-            </a:r>
-            <a:r>
-              <a:rPr sz="1600" dirty="0">
-                <a:solidFill>
-                  <a:srgbClr val="7A7A43"/>
-                </a:solidFill>
-                <a:highlight>
-                  <a:srgbClr val="FFFF00"/>
-                </a:highlight>
-              </a:rPr>
-              <a:t>then</a:t>
-            </a:r>
-            <a:r>
-              <a:rPr sz="1600" dirty="0"/>
-              <a:t>((response) =&gt;{</a:t>
-            </a:r>
-          </a:p>
-          <a:p>
-            <a:pPr algn="l" defTabSz="228600">
-              <a:defRPr sz="2600" b="1">
-                <a:solidFill>
-                  <a:srgbClr val="018001"/>
-                </a:solidFill>
-                <a:latin typeface="Courier"/>
-                <a:ea typeface="Courier"/>
-                <a:cs typeface="Courier"/>
-                <a:sym typeface="Courier"/>
-              </a:defRPr>
-            </a:pPr>
-            <a:r>
-              <a:rPr sz="1600" dirty="0">
-                <a:solidFill>
-                  <a:srgbClr val="000000"/>
-                </a:solidFill>
-              </a:rPr>
-              <a:t>    </a:t>
-            </a:r>
-            <a:r>
-              <a:rPr lang="en-US" sz="1600" dirty="0">
-                <a:solidFill>
-                  <a:srgbClr val="000000"/>
-                </a:solidFill>
-              </a:rPr>
-              <a:t>		</a:t>
-            </a:r>
-            <a:r>
-              <a:rPr sz="1600" i="1" dirty="0" err="1">
-                <a:solidFill>
-                  <a:srgbClr val="66187A"/>
-                </a:solidFill>
-              </a:rPr>
-              <a:t>console</a:t>
-            </a:r>
-            <a:r>
-              <a:rPr sz="1600" dirty="0" err="1">
-                <a:solidFill>
-                  <a:srgbClr val="000000"/>
-                </a:solidFill>
-              </a:rPr>
-              <a:t>.</a:t>
-            </a:r>
-            <a:r>
-              <a:rPr sz="1600" dirty="0" err="1">
-                <a:solidFill>
-                  <a:srgbClr val="7A7A43"/>
-                </a:solidFill>
-              </a:rPr>
-              <a:t>log</a:t>
-            </a:r>
-            <a:r>
-              <a:rPr sz="1600" dirty="0">
-                <a:solidFill>
-                  <a:srgbClr val="000000"/>
-                </a:solidFill>
-              </a:rPr>
-              <a:t>(</a:t>
-            </a:r>
-            <a:r>
-              <a:rPr sz="1600" dirty="0"/>
-              <a:t>'Heard back from Facebook'</a:t>
-            </a:r>
-            <a:r>
-              <a:rPr sz="1600" dirty="0">
-                <a:solidFill>
-                  <a:srgbClr val="000000"/>
-                </a:solidFill>
-              </a:rPr>
-              <a:t>);</a:t>
-            </a:r>
-          </a:p>
-          <a:p>
-            <a:pPr algn="l" defTabSz="228600">
-              <a:defRPr sz="2600">
-                <a:solidFill>
-                  <a:srgbClr val="000000"/>
-                </a:solidFill>
-                <a:latin typeface="Courier"/>
-                <a:ea typeface="Courier"/>
-                <a:cs typeface="Courier"/>
-                <a:sym typeface="Courier"/>
-              </a:defRPr>
-            </a:pPr>
-            <a:r>
-              <a:rPr sz="1600" dirty="0"/>
-              <a:t>  </a:t>
-            </a:r>
-            <a:r>
-              <a:rPr lang="en-US" sz="1600" dirty="0"/>
-              <a:t>		</a:t>
-            </a:r>
-            <a:r>
-              <a:rPr sz="1600" dirty="0"/>
-              <a:t>});</a:t>
-            </a:r>
-          </a:p>
-          <a:p>
-            <a:pPr algn="l" defTabSz="228600">
-              <a:defRPr sz="2600" b="1">
-                <a:solidFill>
-                  <a:srgbClr val="018001"/>
-                </a:solidFill>
-                <a:latin typeface="Courier"/>
-                <a:ea typeface="Courier"/>
-                <a:cs typeface="Courier"/>
-                <a:sym typeface="Courier"/>
-              </a:defRPr>
-            </a:pPr>
-            <a:r>
-              <a:rPr lang="en-US" sz="1600" i="1" dirty="0">
-                <a:solidFill>
-                  <a:srgbClr val="66187A"/>
-                </a:solidFill>
-              </a:rPr>
-              <a:t>5. </a:t>
-            </a:r>
-            <a:r>
-              <a:rPr sz="1600" i="1" dirty="0" err="1">
-                <a:solidFill>
-                  <a:srgbClr val="66187A"/>
-                </a:solidFill>
-              </a:rPr>
-              <a:t>console</a:t>
-            </a:r>
-            <a:r>
-              <a:rPr sz="1600" dirty="0" err="1">
-                <a:solidFill>
-                  <a:srgbClr val="000000"/>
-                </a:solidFill>
-              </a:rPr>
-              <a:t>.</a:t>
-            </a:r>
-            <a:r>
-              <a:rPr sz="1600" dirty="0" err="1">
-                <a:solidFill>
-                  <a:srgbClr val="7A7A43"/>
-                </a:solidFill>
-              </a:rPr>
-              <a:t>log</a:t>
-            </a:r>
-            <a:r>
-              <a:rPr sz="1600" dirty="0">
-                <a:solidFill>
-                  <a:srgbClr val="000000"/>
-                </a:solidFill>
-              </a:rPr>
-              <a:t>(</a:t>
-            </a:r>
-            <a:r>
-              <a:rPr sz="1600" dirty="0"/>
-              <a:t>'Requests sent!'</a:t>
-            </a:r>
-            <a:r>
-              <a:rPr sz="1600" dirty="0">
-                <a:solidFill>
-                  <a:srgbClr val="000000"/>
-                </a:solidFill>
-              </a:rPr>
-              <a:t>);</a:t>
-            </a:r>
-          </a:p>
-        </p:txBody>
-      </p:sp>
-    </p:spTree>
-    <p:extLst>
-      <p:ext uri="{BB962C8B-B14F-4D97-AF65-F5344CB8AC3E}">
-        <p14:creationId xmlns:p14="http://schemas.microsoft.com/office/powerpoint/2010/main" val="1315621785"/>
-      </p:ext>
-    </p:extLst>
-  </p:cSld>
-  <p:clrMapOvr>
-    <a:masterClrMapping/>
-  </p:clrMapOvr>
-</p:sld>
-</file>
-
-<file path=ppt/slides/slide38.xml><?xml version="1.0" encoding="utf-8"?>
-<p:sld xmlns:a="http://schemas.openxmlformats.org/drawingml/2006/main" xmlns:r="http://schemas.openxmlformats.org/officeDocument/2006/relationships" xmlns:p="http://schemas.openxmlformats.org/presentationml/2006/main">
-  <p:cSld>
-    <p:spTree>
-      <p:nvGrpSpPr>
-        <p:cNvPr id="1" name=""/>
-        <p:cNvGrpSpPr/>
-        <p:nvPr/>
-      </p:nvGrpSpPr>
-      <p:grpSpPr>
-        <a:xfrm>
-          <a:off x="0" y="0"/>
-          <a:ext cx="0" cy="0"/>
-          <a:chOff x="0" y="0"/>
-          <a:chExt cx="0" cy="0"/>
-        </a:xfrm>
-      </p:grpSpPr>
-      <p:sp>
-        <p:nvSpPr>
           <p:cNvPr id="2" name="Title 1">
             <a:extLst>
               <a:ext uri="{FF2B5EF4-FFF2-40B4-BE49-F238E27FC236}">
@@ -36393,7 +35789,7 @@
                 <a:tabLst/>
                 <a:defRPr/>
               </a:pPr>
-              <a:t>38</a:t>
+              <a:t>37</a:t>
             </a:fld>
             <a:endParaRPr kumimoji="0" lang="en-US" sz="1200" b="0" i="0" u="none" strike="noStrike" kern="1200" cap="none" spc="0" normalizeH="0" baseline="0" noProof="0">
               <a:ln>
@@ -37575,7 +36971,7 @@
                   <a:schemeClr val="tx1"/>
                 </a:solidFill>
               </a:rPr>
-              <a:t>/data-races/</a:t>
+              <a:t>/Slides/</a:t>
             </a:r>
             <a:r>
               <a:rPr lang="en-US" sz="2400" dirty="0" err="1">
@@ -37606,7 +37002,7 @@
 </p:sld>
 </file>
 
-<file path=ppt/slides/slide39.xml><?xml version="1.0" encoding="utf-8"?>
+<file path=ppt/slides/slide38.xml><?xml version="1.0" encoding="utf-8"?>
 <p:sld xmlns:a="http://schemas.openxmlformats.org/drawingml/2006/main" xmlns:r="http://schemas.openxmlformats.org/officeDocument/2006/relationships" xmlns:p="http://schemas.openxmlformats.org/presentationml/2006/main">
   <p:cSld>
     <p:spTree>
@@ -37745,7 +37141,7 @@
           <a:p>
             <a:fld id="{20F37917-FD3A-4669-9018-DA04BCDD3D75}" type="slidenum">
               <a:rPr lang="en-US" smtClean="0"/>
-              <a:t>39</a:t>
+              <a:t>38</a:t>
             </a:fld>
             <a:endParaRPr lang="en-US"/>
           </a:p>

--- a/Slides/Module 06 Concurrency Patterns in Typescript.pptx
+++ b/Slides/Module 06 Concurrency Patterns in Typescript.pptx
@@ -5,7 +5,7 @@
     <p:sldMasterId id="2147483703" r:id="rId1"/>
   </p:sldMasterIdLst>
   <p:notesMasterIdLst>
-    <p:notesMasterId r:id="rId40"/>
+    <p:notesMasterId r:id="rId39"/>
   </p:notesMasterIdLst>
   <p:sldIdLst>
     <p:sldId id="485" r:id="rId2"/>
@@ -33,19 +33,18 @@
     <p:sldId id="673" r:id="rId24"/>
     <p:sldId id="675" r:id="rId25"/>
     <p:sldId id="676" r:id="rId26"/>
-    <p:sldId id="683" r:id="rId27"/>
-    <p:sldId id="684" r:id="rId28"/>
-    <p:sldId id="628" r:id="rId29"/>
-    <p:sldId id="594" r:id="rId30"/>
-    <p:sldId id="560" r:id="rId31"/>
-    <p:sldId id="664" r:id="rId32"/>
-    <p:sldId id="629" r:id="rId33"/>
-    <p:sldId id="277" r:id="rId34"/>
-    <p:sldId id="544" r:id="rId35"/>
-    <p:sldId id="550" r:id="rId36"/>
-    <p:sldId id="499" r:id="rId37"/>
-    <p:sldId id="546" r:id="rId38"/>
-    <p:sldId id="604" r:id="rId39"/>
+    <p:sldId id="684" r:id="rId27"/>
+    <p:sldId id="628" r:id="rId28"/>
+    <p:sldId id="594" r:id="rId29"/>
+    <p:sldId id="560" r:id="rId30"/>
+    <p:sldId id="664" r:id="rId31"/>
+    <p:sldId id="629" r:id="rId32"/>
+    <p:sldId id="277" r:id="rId33"/>
+    <p:sldId id="544" r:id="rId34"/>
+    <p:sldId id="550" r:id="rId35"/>
+    <p:sldId id="499" r:id="rId36"/>
+    <p:sldId id="546" r:id="rId37"/>
+    <p:sldId id="604" r:id="rId38"/>
   </p:sldIdLst>
   <p:sldSz cx="12192000" cy="6858000"/>
   <p:notesSz cx="6858000" cy="9144000"/>
@@ -377,7 +376,6 @@
             <p14:sldId id="673"/>
             <p14:sldId id="675"/>
             <p14:sldId id="676"/>
-            <p14:sldId id="683"/>
             <p14:sldId id="684"/>
             <p14:sldId id="628"/>
             <p14:sldId id="594"/>
@@ -391,9 +389,6 @@
             <p14:sldId id="546"/>
             <p14:sldId id="604"/>
           </p14:sldIdLst>
-        </p14:section>
-        <p14:section name="Old Extras" id="{9A48D14A-4C03-4C14-9A04-AA72EA5B3E14}">
-          <p14:sldIdLst/>
         </p14:section>
       </p14:sectionLst>
     </p:ext>
@@ -725,6 +720,70 @@
           <a:p>
             <a:r>
               <a:rPr lang="en-US" dirty="0"/>
+              <a:t>run to completion means that if you start executing a task (or async) function then it must complete unless it awaits on something</a:t>
+            </a:r>
+          </a:p>
+        </p:txBody>
+      </p:sp>
+    </p:spTree>
+    <p:extLst>
+      <p:ext uri="{BB962C8B-B14F-4D97-AF65-F5344CB8AC3E}">
+        <p14:creationId xmlns:p14="http://schemas.microsoft.com/office/powerpoint/2010/main" val="2776060960"/>
+      </p:ext>
+    </p:extLst>
+  </p:cSld>
+  <p:clrMapOvr>
+    <a:masterClrMapping/>
+  </p:clrMapOvr>
+</p:notes>
+</file>
+
+<file path=ppt/notesSlides/notesSlide11.xml><?xml version="1.0" encoding="utf-8"?>
+<p:notes xmlns:a="http://schemas.openxmlformats.org/drawingml/2006/main" xmlns:r="http://schemas.openxmlformats.org/officeDocument/2006/relationships" xmlns:p="http://schemas.openxmlformats.org/presentationml/2006/main">
+  <p:cSld>
+    <p:spTree>
+      <p:nvGrpSpPr>
+        <p:cNvPr id="1" name=""/>
+        <p:cNvGrpSpPr/>
+        <p:nvPr/>
+      </p:nvGrpSpPr>
+      <p:grpSpPr>
+        <a:xfrm>
+          <a:off x="0" y="0"/>
+          <a:ext cx="0" cy="0"/>
+          <a:chOff x="0" y="0"/>
+          <a:chExt cx="0" cy="0"/>
+        </a:xfrm>
+      </p:grpSpPr>
+      <p:sp>
+        <p:nvSpPr>
+          <p:cNvPr id="2" name="Slide Image Placeholder 1"/>
+          <p:cNvSpPr>
+            <a:spLocks noGrp="1" noRot="1" noChangeAspect="1"/>
+          </p:cNvSpPr>
+          <p:nvPr>
+            <p:ph type="sldImg"/>
+          </p:nvPr>
+        </p:nvSpPr>
+        <p:spPr/>
+      </p:sp>
+      <p:sp>
+        <p:nvSpPr>
+          <p:cNvPr id="3" name="Notes Placeholder 2"/>
+          <p:cNvSpPr>
+            <a:spLocks noGrp="1"/>
+          </p:cNvSpPr>
+          <p:nvPr>
+            <p:ph type="body" idx="1"/>
+          </p:nvPr>
+        </p:nvSpPr>
+        <p:spPr/>
+        <p:txBody>
+          <a:bodyPr/>
+          <a:lstStyle/>
+          <a:p>
+            <a:r>
+              <a:rPr lang="en-US" dirty="0"/>
               <a:t>Review the code.  main() waits for the request to return, and then continues. </a:t>
             </a:r>
             <a:br>
@@ -747,7 +806,7 @@
 </p:notes>
 </file>
 
-<file path=ppt/notesSlides/notesSlide11.xml><?xml version="1.0" encoding="utf-8"?>
+<file path=ppt/notesSlides/notesSlide12.xml><?xml version="1.0" encoding="utf-8"?>
 <p:notes xmlns:a="http://schemas.openxmlformats.org/drawingml/2006/main" xmlns:r="http://schemas.openxmlformats.org/officeDocument/2006/relationships" xmlns:p="http://schemas.openxmlformats.org/presentationml/2006/main">
   <p:cSld>
     <p:spTree>
@@ -853,7 +912,7 @@
 </p:notes>
 </file>
 
-<file path=ppt/notesSlides/notesSlide12.xml><?xml version="1.0" encoding="utf-8"?>
+<file path=ppt/notesSlides/notesSlide13.xml><?xml version="1.0" encoding="utf-8"?>
 <p:notes xmlns:a="http://schemas.openxmlformats.org/drawingml/2006/main" xmlns:r="http://schemas.openxmlformats.org/officeDocument/2006/relationships" xmlns:p="http://schemas.openxmlformats.org/presentationml/2006/main">
   <p:cSld>
     <p:spTree>
@@ -965,7 +1024,7 @@
 </p:notes>
 </file>
 
-<file path=ppt/notesSlides/notesSlide13.xml><?xml version="1.0" encoding="utf-8"?>
+<file path=ppt/notesSlides/notesSlide14.xml><?xml version="1.0" encoding="utf-8"?>
 <p:notes xmlns:a="http://schemas.openxmlformats.org/drawingml/2006/main" xmlns:r="http://schemas.openxmlformats.org/officeDocument/2006/relationships" xmlns:p="http://schemas.openxmlformats.org/presentationml/2006/main">
   <p:cSld>
     <p:spTree>
@@ -1055,82 +1114,6 @@
 </p:notes>
 </file>
 
-<file path=ppt/notesSlides/notesSlide14.xml><?xml version="1.0" encoding="utf-8"?>
-<p:notes xmlns:a="http://schemas.openxmlformats.org/drawingml/2006/main" xmlns:r="http://schemas.openxmlformats.org/officeDocument/2006/relationships" xmlns:p="http://schemas.openxmlformats.org/presentationml/2006/main">
-  <p:cSld>
-    <p:spTree>
-      <p:nvGrpSpPr>
-        <p:cNvPr id="1" name=""/>
-        <p:cNvGrpSpPr/>
-        <p:nvPr/>
-      </p:nvGrpSpPr>
-      <p:grpSpPr>
-        <a:xfrm>
-          <a:off x="0" y="0"/>
-          <a:ext cx="0" cy="0"/>
-          <a:chOff x="0" y="0"/>
-          <a:chExt cx="0" cy="0"/>
-        </a:xfrm>
-      </p:grpSpPr>
-      <p:sp>
-        <p:nvSpPr>
-          <p:cNvPr id="2" name="Slide Image Placeholder 1"/>
-          <p:cNvSpPr>
-            <a:spLocks noGrp="1" noRot="1" noChangeAspect="1"/>
-          </p:cNvSpPr>
-          <p:nvPr>
-            <p:ph type="sldImg"/>
-          </p:nvPr>
-        </p:nvSpPr>
-        <p:spPr/>
-      </p:sp>
-      <p:sp>
-        <p:nvSpPr>
-          <p:cNvPr id="3" name="Notes Placeholder 2"/>
-          <p:cNvSpPr>
-            <a:spLocks noGrp="1"/>
-          </p:cNvSpPr>
-          <p:nvPr>
-            <p:ph type="body" idx="1"/>
-          </p:nvPr>
-        </p:nvSpPr>
-        <p:spPr/>
-        <p:txBody>
-          <a:bodyPr/>
-          <a:lstStyle/>
-          <a:p>
-            <a:r>
-              <a:rPr lang="en-US" dirty="0"/>
-              <a:t>We should leverage concurrency whenever possible. </a:t>
-            </a:r>
-          </a:p>
-          <a:p>
-            <a:endParaRPr lang="en-US" dirty="0"/>
-          </a:p>
-          <a:p>
-            <a:r>
-              <a:rPr lang="en-US" dirty="0"/>
-              <a:t>(Time is average of 100 runs on Prof. Wand’s Lenovo X1)</a:t>
-            </a:r>
-          </a:p>
-          <a:p>
-            <a:endParaRPr lang="en-US" dirty="0"/>
-          </a:p>
-        </p:txBody>
-      </p:sp>
-    </p:spTree>
-    <p:extLst>
-      <p:ext uri="{BB962C8B-B14F-4D97-AF65-F5344CB8AC3E}">
-        <p14:creationId xmlns:p14="http://schemas.microsoft.com/office/powerpoint/2010/main" val="3972934259"/>
-      </p:ext>
-    </p:extLst>
-  </p:cSld>
-  <p:clrMapOvr>
-    <a:masterClrMapping/>
-  </p:clrMapOvr>
-</p:notes>
-</file>
-
 <file path=ppt/notesSlides/notesSlide15.xml><?xml version="1.0" encoding="utf-8"?>
 <p:notes xmlns:a="http://schemas.openxmlformats.org/drawingml/2006/main" xmlns:r="http://schemas.openxmlformats.org/officeDocument/2006/relationships" xmlns:p="http://schemas.openxmlformats.org/presentationml/2006/main">
   <p:cSld>
@@ -1175,23 +1158,29 @@
           <a:bodyPr/>
           <a:lstStyle/>
           <a:p>
+            <a:r>
+              <a:rPr lang="en-US" dirty="0"/>
+              <a:t>We should leverage concurrency whenever possible. </a:t>
+            </a:r>
+          </a:p>
+          <a:p>
             <a:endParaRPr lang="en-US" dirty="0"/>
           </a:p>
           <a:p>
+            <a:r>
+              <a:rPr lang="en-US" dirty="0"/>
+              <a:t>(Time is average of 100 runs on Prof. Wand’s Lenovo X1)</a:t>
+            </a:r>
+          </a:p>
+          <a:p>
             <a:endParaRPr lang="en-US" dirty="0"/>
-          </a:p>
-          <a:p>
-            <a:r>
-              <a:rPr lang="en-US" dirty="0"/>
-              <a:t>In both cases, there is at most one active promise (in green) at any time!  But the concurrent version "masks latency with concurrency", as we said way back on slide 1.</a:t>
-            </a:r>
           </a:p>
         </p:txBody>
       </p:sp>
     </p:spTree>
     <p:extLst>
       <p:ext uri="{BB962C8B-B14F-4D97-AF65-F5344CB8AC3E}">
-        <p14:creationId xmlns:p14="http://schemas.microsoft.com/office/powerpoint/2010/main" val="502165979"/>
+        <p14:creationId xmlns:p14="http://schemas.microsoft.com/office/powerpoint/2010/main" val="3972934259"/>
       </p:ext>
     </p:extLst>
   </p:cSld>
@@ -1245,17 +1234,15 @@
           <a:bodyPr/>
           <a:lstStyle/>
           <a:p>
+            <a:endParaRPr lang="en-US" dirty="0"/>
+          </a:p>
+          <a:p>
+            <a:endParaRPr lang="en-US" dirty="0"/>
+          </a:p>
+          <a:p>
             <a:r>
               <a:rPr lang="en-US" dirty="0"/>
-              <a:t>In the examples so far, the arguments to the requests were independent of each other.  But there's no reason they have to be independent (except for </a:t>
-            </a:r>
-            <a:r>
-              <a:rPr lang="en-US" dirty="0" err="1"/>
-              <a:t>Promise.all</a:t>
-            </a:r>
-            <a:r>
-              <a:rPr lang="en-US" dirty="0"/>
-              <a:t>).  You can make them any way you need to.</a:t>
+              <a:t>In both cases, there is at most one active promise (in green) at any time!  But the concurrent version "masks latency with concurrency", as we said way back on slide 1.</a:t>
             </a:r>
           </a:p>
         </p:txBody>
@@ -1263,7 +1250,7 @@
     </p:spTree>
     <p:extLst>
       <p:ext uri="{BB962C8B-B14F-4D97-AF65-F5344CB8AC3E}">
-        <p14:creationId xmlns:p14="http://schemas.microsoft.com/office/powerpoint/2010/main" val="3561040700"/>
+        <p14:creationId xmlns:p14="http://schemas.microsoft.com/office/powerpoint/2010/main" val="502165979"/>
       </p:ext>
     </p:extLst>
   </p:cSld>
@@ -1318,20 +1305,16 @@
           <a:lstStyle/>
           <a:p>
             <a:r>
+              <a:rPr lang="en-US" dirty="0"/>
+              <a:t>In the examples so far, the arguments to the requests were independent of each other.  But there's no reason they have to be independent (except for </a:t>
+            </a:r>
+            <a:r>
               <a:rPr lang="en-US" dirty="0" err="1"/>
-              <a:t>asyncs</a:t>
+              <a:t>Promise.all</a:t>
             </a:r>
             <a:r>
               <a:rPr lang="en-US" dirty="0"/>
-              <a:t> play nicely with try/catch.   Here we've tweaked </a:t>
-            </a:r>
-            <a:r>
-              <a:rPr lang="en-US" dirty="0" err="1"/>
-              <a:t>fakeRequest</a:t>
-            </a:r>
-            <a:r>
-              <a:rPr lang="en-US" dirty="0"/>
-              <a:t> so that it will sometimes throw an error, and here's a wrapper that recovers from those errors (by returning 0).</a:t>
+              <a:t>).  You can make them any way you need to.</a:t>
             </a:r>
           </a:p>
         </p:txBody>
@@ -1339,7 +1322,7 @@
     </p:spTree>
     <p:extLst>
       <p:ext uri="{BB962C8B-B14F-4D97-AF65-F5344CB8AC3E}">
-        <p14:creationId xmlns:p14="http://schemas.microsoft.com/office/powerpoint/2010/main" val="2700302133"/>
+        <p14:creationId xmlns:p14="http://schemas.microsoft.com/office/powerpoint/2010/main" val="3561040700"/>
       </p:ext>
     </p:extLst>
   </p:cSld>
@@ -1394,6 +1377,82 @@
           <a:lstStyle/>
           <a:p>
             <a:r>
+              <a:rPr lang="en-US" dirty="0" err="1"/>
+              <a:t>asyncs</a:t>
+            </a:r>
+            <a:r>
+              <a:rPr lang="en-US" dirty="0"/>
+              <a:t> play nicely with try/catch.   Here we've tweaked </a:t>
+            </a:r>
+            <a:r>
+              <a:rPr lang="en-US" dirty="0" err="1"/>
+              <a:t>fakeRequest</a:t>
+            </a:r>
+            <a:r>
+              <a:rPr lang="en-US" dirty="0"/>
+              <a:t> so that it will sometimes throw an error, and here's a wrapper that recovers from those errors (by returning 0).</a:t>
+            </a:r>
+          </a:p>
+        </p:txBody>
+      </p:sp>
+    </p:spTree>
+    <p:extLst>
+      <p:ext uri="{BB962C8B-B14F-4D97-AF65-F5344CB8AC3E}">
+        <p14:creationId xmlns:p14="http://schemas.microsoft.com/office/powerpoint/2010/main" val="2700302133"/>
+      </p:ext>
+    </p:extLst>
+  </p:cSld>
+  <p:clrMapOvr>
+    <a:masterClrMapping/>
+  </p:clrMapOvr>
+</p:notes>
+</file>
+
+<file path=ppt/notesSlides/notesSlide19.xml><?xml version="1.0" encoding="utf-8"?>
+<p:notes xmlns:a="http://schemas.openxmlformats.org/drawingml/2006/main" xmlns:r="http://schemas.openxmlformats.org/officeDocument/2006/relationships" xmlns:p="http://schemas.openxmlformats.org/presentationml/2006/main">
+  <p:cSld>
+    <p:spTree>
+      <p:nvGrpSpPr>
+        <p:cNvPr id="1" name=""/>
+        <p:cNvGrpSpPr/>
+        <p:nvPr/>
+      </p:nvGrpSpPr>
+      <p:grpSpPr>
+        <a:xfrm>
+          <a:off x="0" y="0"/>
+          <a:ext cx="0" cy="0"/>
+          <a:chOff x="0" y="0"/>
+          <a:chExt cx="0" cy="0"/>
+        </a:xfrm>
+      </p:grpSpPr>
+      <p:sp>
+        <p:nvSpPr>
+          <p:cNvPr id="2" name="Slide Image Placeholder 1"/>
+          <p:cNvSpPr>
+            <a:spLocks noGrp="1" noRot="1" noChangeAspect="1"/>
+          </p:cNvSpPr>
+          <p:nvPr>
+            <p:ph type="sldImg"/>
+          </p:nvPr>
+        </p:nvSpPr>
+        <p:spPr/>
+      </p:sp>
+      <p:sp>
+        <p:nvSpPr>
+          <p:cNvPr id="3" name="Notes Placeholder 2"/>
+          <p:cNvSpPr>
+            <a:spLocks noGrp="1"/>
+          </p:cNvSpPr>
+          <p:nvPr>
+            <p:ph type="body" idx="1"/>
+          </p:nvPr>
+        </p:nvSpPr>
+        <p:spPr/>
+        <p:txBody>
+          <a:bodyPr/>
+          <a:lstStyle/>
+          <a:p>
+            <a:r>
               <a:rPr lang="en-US" dirty="0"/>
               <a:t>Let's change the subject.  How do you test an async function? To test an async function, make the second argument to ‘</a:t>
             </a:r>
@@ -1519,7 +1578,94 @@
 </p:notes>
 </file>
 
-<file path=ppt/notesSlides/notesSlide19.xml><?xml version="1.0" encoding="utf-8"?>
+<file path=ppt/notesSlides/notesSlide2.xml><?xml version="1.0" encoding="utf-8"?>
+<p:notes xmlns:a="http://schemas.openxmlformats.org/drawingml/2006/main" xmlns:r="http://schemas.openxmlformats.org/officeDocument/2006/relationships" xmlns:p="http://schemas.openxmlformats.org/presentationml/2006/main">
+  <p:cSld>
+    <p:spTree>
+      <p:nvGrpSpPr>
+        <p:cNvPr id="1" name=""/>
+        <p:cNvGrpSpPr/>
+        <p:nvPr/>
+      </p:nvGrpSpPr>
+      <p:grpSpPr>
+        <a:xfrm>
+          <a:off x="0" y="0"/>
+          <a:ext cx="0" cy="0"/>
+          <a:chOff x="0" y="0"/>
+          <a:chExt cx="0" cy="0"/>
+        </a:xfrm>
+      </p:grpSpPr>
+      <p:sp>
+        <p:nvSpPr>
+          <p:cNvPr id="2" name="Slide Image Placeholder 1"/>
+          <p:cNvSpPr>
+            <a:spLocks noGrp="1" noRot="1" noChangeAspect="1"/>
+          </p:cNvSpPr>
+          <p:nvPr>
+            <p:ph type="sldImg"/>
+          </p:nvPr>
+        </p:nvSpPr>
+        <p:spPr/>
+      </p:sp>
+      <p:sp>
+        <p:nvSpPr>
+          <p:cNvPr id="3" name="Notes Placeholder 2"/>
+          <p:cNvSpPr>
+            <a:spLocks noGrp="1"/>
+          </p:cNvSpPr>
+          <p:nvPr>
+            <p:ph type="body" idx="1"/>
+          </p:nvPr>
+        </p:nvSpPr>
+        <p:spPr/>
+        <p:txBody>
+          <a:bodyPr/>
+          <a:lstStyle/>
+          <a:p>
+            <a:r>
+              <a:rPr lang="en-US" dirty="0"/>
+              <a:t>&lt;read slide&gt;</a:t>
+            </a:r>
+          </a:p>
+        </p:txBody>
+      </p:sp>
+      <p:sp>
+        <p:nvSpPr>
+          <p:cNvPr id="4" name="Slide Number Placeholder 3"/>
+          <p:cNvSpPr>
+            <a:spLocks noGrp="1"/>
+          </p:cNvSpPr>
+          <p:nvPr>
+            <p:ph type="sldNum" sz="quarter" idx="5"/>
+          </p:nvPr>
+        </p:nvSpPr>
+        <p:spPr/>
+        <p:txBody>
+          <a:bodyPr/>
+          <a:lstStyle/>
+          <a:p>
+            <a:fld id="{07937F07-1250-4CCE-B198-1B2887014F41}" type="slidenum">
+              <a:rPr lang="en-US" smtClean="0"/>
+              <a:t>2</a:t>
+            </a:fld>
+            <a:endParaRPr lang="en-US"/>
+          </a:p>
+        </p:txBody>
+      </p:sp>
+    </p:spTree>
+    <p:extLst>
+      <p:ext uri="{BB962C8B-B14F-4D97-AF65-F5344CB8AC3E}">
+        <p14:creationId xmlns:p14="http://schemas.microsoft.com/office/powerpoint/2010/main" val="3748055252"/>
+      </p:ext>
+    </p:extLst>
+  </p:cSld>
+  <p:clrMapOvr>
+    <a:masterClrMapping/>
+  </p:clrMapOvr>
+</p:notes>
+</file>
+
+<file path=ppt/notesSlides/notesSlide20.xml><?xml version="1.0" encoding="utf-8"?>
 <p:notes xmlns:a="http://schemas.openxmlformats.org/drawingml/2006/main" xmlns:r="http://schemas.openxmlformats.org/officeDocument/2006/relationships" xmlns:p="http://schemas.openxmlformats.org/presentationml/2006/main">
   <p:cSld>
     <p:spTree>
@@ -1605,94 +1751,7 @@
 </p:notes>
 </file>
 
-<file path=ppt/notesSlides/notesSlide2.xml><?xml version="1.0" encoding="utf-8"?>
-<p:notes xmlns:a="http://schemas.openxmlformats.org/drawingml/2006/main" xmlns:r="http://schemas.openxmlformats.org/officeDocument/2006/relationships" xmlns:p="http://schemas.openxmlformats.org/presentationml/2006/main">
-  <p:cSld>
-    <p:spTree>
-      <p:nvGrpSpPr>
-        <p:cNvPr id="1" name=""/>
-        <p:cNvGrpSpPr/>
-        <p:nvPr/>
-      </p:nvGrpSpPr>
-      <p:grpSpPr>
-        <a:xfrm>
-          <a:off x="0" y="0"/>
-          <a:ext cx="0" cy="0"/>
-          <a:chOff x="0" y="0"/>
-          <a:chExt cx="0" cy="0"/>
-        </a:xfrm>
-      </p:grpSpPr>
-      <p:sp>
-        <p:nvSpPr>
-          <p:cNvPr id="2" name="Slide Image Placeholder 1"/>
-          <p:cNvSpPr>
-            <a:spLocks noGrp="1" noRot="1" noChangeAspect="1"/>
-          </p:cNvSpPr>
-          <p:nvPr>
-            <p:ph type="sldImg"/>
-          </p:nvPr>
-        </p:nvSpPr>
-        <p:spPr/>
-      </p:sp>
-      <p:sp>
-        <p:nvSpPr>
-          <p:cNvPr id="3" name="Notes Placeholder 2"/>
-          <p:cNvSpPr>
-            <a:spLocks noGrp="1"/>
-          </p:cNvSpPr>
-          <p:nvPr>
-            <p:ph type="body" idx="1"/>
-          </p:nvPr>
-        </p:nvSpPr>
-        <p:spPr/>
-        <p:txBody>
-          <a:bodyPr/>
-          <a:lstStyle/>
-          <a:p>
-            <a:r>
-              <a:rPr lang="en-US" dirty="0"/>
-              <a:t>&lt;read slide&gt;</a:t>
-            </a:r>
-          </a:p>
-        </p:txBody>
-      </p:sp>
-      <p:sp>
-        <p:nvSpPr>
-          <p:cNvPr id="4" name="Slide Number Placeholder 3"/>
-          <p:cNvSpPr>
-            <a:spLocks noGrp="1"/>
-          </p:cNvSpPr>
-          <p:nvPr>
-            <p:ph type="sldNum" sz="quarter" idx="5"/>
-          </p:nvPr>
-        </p:nvSpPr>
-        <p:spPr/>
-        <p:txBody>
-          <a:bodyPr/>
-          <a:lstStyle/>
-          <a:p>
-            <a:fld id="{07937F07-1250-4CCE-B198-1B2887014F41}" type="slidenum">
-              <a:rPr lang="en-US" smtClean="0"/>
-              <a:t>2</a:t>
-            </a:fld>
-            <a:endParaRPr lang="en-US"/>
-          </a:p>
-        </p:txBody>
-      </p:sp>
-    </p:spTree>
-    <p:extLst>
-      <p:ext uri="{BB962C8B-B14F-4D97-AF65-F5344CB8AC3E}">
-        <p14:creationId xmlns:p14="http://schemas.microsoft.com/office/powerpoint/2010/main" val="3748055252"/>
-      </p:ext>
-    </p:extLst>
-  </p:cSld>
-  <p:clrMapOvr>
-    <a:masterClrMapping/>
-  </p:clrMapOvr>
-</p:notes>
-</file>
-
-<file path=ppt/notesSlides/notesSlide20.xml><?xml version="1.0" encoding="utf-8"?>
+<file path=ppt/notesSlides/notesSlide21.xml><?xml version="1.0" encoding="utf-8"?>
 <p:notes xmlns:a="http://schemas.openxmlformats.org/drawingml/2006/main" xmlns:r="http://schemas.openxmlformats.org/officeDocument/2006/relationships" xmlns:p="http://schemas.openxmlformats.org/presentationml/2006/main">
   <p:cSld>
     <p:spTree>
@@ -1873,103 +1932,6 @@
 </p:notes>
 </file>
 
-<file path=ppt/notesSlides/notesSlide21.xml><?xml version="1.0" encoding="utf-8"?>
-<p:notes xmlns:a="http://schemas.openxmlformats.org/drawingml/2006/main" xmlns:r="http://schemas.openxmlformats.org/officeDocument/2006/relationships" xmlns:p="http://schemas.openxmlformats.org/presentationml/2006/main">
-  <p:cSld>
-    <p:spTree>
-      <p:nvGrpSpPr>
-        <p:cNvPr id="1" name=""/>
-        <p:cNvGrpSpPr/>
-        <p:nvPr/>
-      </p:nvGrpSpPr>
-      <p:grpSpPr>
-        <a:xfrm>
-          <a:off x="0" y="0"/>
-          <a:ext cx="0" cy="0"/>
-          <a:chOff x="0" y="0"/>
-          <a:chExt cx="0" cy="0"/>
-        </a:xfrm>
-      </p:grpSpPr>
-      <p:sp>
-        <p:nvSpPr>
-          <p:cNvPr id="2" name="Slide Image Placeholder 1"/>
-          <p:cNvSpPr>
-            <a:spLocks noGrp="1" noRot="1" noChangeAspect="1"/>
-          </p:cNvSpPr>
-          <p:nvPr>
-            <p:ph type="sldImg"/>
-          </p:nvPr>
-        </p:nvSpPr>
-        <p:spPr/>
-      </p:sp>
-      <p:sp>
-        <p:nvSpPr>
-          <p:cNvPr id="3" name="Notes Placeholder 2"/>
-          <p:cNvSpPr>
-            <a:spLocks noGrp="1"/>
-          </p:cNvSpPr>
-          <p:nvPr>
-            <p:ph type="body" idx="1"/>
-          </p:nvPr>
-        </p:nvSpPr>
-        <p:spPr/>
-        <p:txBody>
-          <a:bodyPr/>
-          <a:lstStyle/>
-          <a:p>
-            <a:r>
-              <a:rPr lang="en-US" dirty="0"/>
-              <a:t>This example also illustrates another </a:t>
-            </a:r>
-            <a:r>
-              <a:rPr lang="en-US" dirty="0" err="1"/>
-              <a:t>antiPattern</a:t>
-            </a:r>
-            <a:r>
-              <a:rPr lang="en-US" dirty="0"/>
-              <a:t>:  an async function with no await.  As it turns out, an async function with no await returns a promise to its returned value-- in this case, a promise that just returns </a:t>
-            </a:r>
-            <a:r>
-              <a:rPr lang="en-US" b="1" dirty="0"/>
-              <a:t>void. </a:t>
-            </a:r>
-            <a:r>
-              <a:rPr lang="en-US" b="0" dirty="0"/>
-              <a:t>If your function doesn't call any async function, then it shouldn't be an async.  If your function calls one or </a:t>
-            </a:r>
-            <a:r>
-              <a:rPr lang="en-US" b="0" dirty="0" err="1"/>
-              <a:t>asyncs</a:t>
-            </a:r>
-            <a:r>
-              <a:rPr lang="en-US" b="0" dirty="0"/>
-              <a:t>, then it should await them (either with await or await(</a:t>
-            </a:r>
-            <a:r>
-              <a:rPr lang="en-US" b="0" dirty="0" err="1"/>
-              <a:t>Promise.all</a:t>
-            </a:r>
-            <a:r>
-              <a:rPr lang="en-US" b="0" dirty="0"/>
-              <a:t>(…)) .)</a:t>
-            </a:r>
-            <a:endParaRPr lang="en-US" dirty="0"/>
-          </a:p>
-        </p:txBody>
-      </p:sp>
-    </p:spTree>
-    <p:extLst>
-      <p:ext uri="{BB962C8B-B14F-4D97-AF65-F5344CB8AC3E}">
-        <p14:creationId xmlns:p14="http://schemas.microsoft.com/office/powerpoint/2010/main" val="986658760"/>
-      </p:ext>
-    </p:extLst>
-  </p:cSld>
-  <p:clrMapOvr>
-    <a:masterClrMapping/>
-  </p:clrMapOvr>
-</p:notes>
-</file>
-
 <file path=ppt/notesSlides/notesSlide22.xml><?xml version="1.0" encoding="utf-8"?>
 <p:notes xmlns:a="http://schemas.openxmlformats.org/drawingml/2006/main" xmlns:r="http://schemas.openxmlformats.org/officeDocument/2006/relationships" xmlns:p="http://schemas.openxmlformats.org/presentationml/2006/main">
   <p:cSld>
@@ -3037,7 +2999,7 @@
           <a:p>
             <a:fld id="{07937F07-1250-4CCE-B198-1B2887014F41}" type="slidenum">
               <a:rPr lang="en-US" smtClean="0"/>
-              <a:t>38</a:t>
+              <a:t>37</a:t>
             </a:fld>
             <a:endParaRPr lang="en-US"/>
           </a:p>
@@ -3248,10 +3210,16 @@
           <a:p>
             <a:r>
               <a:rPr lang="en-US" dirty="0"/>
-              <a:t>By disallowing interrupts everywhere but at the pause points, we avoid almost all of the data races you may have learned about in your operating systems class.   Each grey box is a critical section, and your program consists of a set of critical sections.  Each green box is uninterruptible!!</a:t>
-            </a:r>
-          </a:p>
-          <a:p>
+              <a:t>Here's a typical async function.  It calls another async function, waits for that function to return, and then does something with the answer.  The "cooperative multiprocessing" means that while this function is waiting for the other function to return, the runtime can switch to some other task.  But there can be no interruptions while we are executing the code in </a:t>
+            </a:r>
+            <a:r>
+              <a:rPr lang="en-US" b="1" dirty="0"/>
+              <a:t>this</a:t>
+            </a:r>
+            <a:r>
+              <a:rPr lang="en-US" b="0" dirty="0"/>
+              <a:t> function.  Let's look at that idea in more detail.</a:t>
+            </a:r>
             <a:endParaRPr lang="en-US" dirty="0"/>
           </a:p>
         </p:txBody>
@@ -3259,7 +3227,7 @@
     </p:spTree>
     <p:extLst>
       <p:ext uri="{BB962C8B-B14F-4D97-AF65-F5344CB8AC3E}">
-        <p14:creationId xmlns:p14="http://schemas.microsoft.com/office/powerpoint/2010/main" val="3214472609"/>
+        <p14:creationId xmlns:p14="http://schemas.microsoft.com/office/powerpoint/2010/main" val="4008493160"/>
       </p:ext>
     </p:extLst>
   </p:cSld>
@@ -3314,69 +3282,9 @@
           <a:lstStyle/>
           <a:p>
             <a:r>
-              <a:rPr lang="en-US" b="0" dirty="0">
-                <a:solidFill>
-                  <a:srgbClr val="008000"/>
-                </a:solidFill>
-                <a:effectLst/>
-                <a:latin typeface="Consolas" panose="020B0609020204030204" pitchFamily="49" charset="0"/>
-              </a:rPr>
-              <a:t>In an interrupt-based model, it is possible that statement the print A runs *between* the print B and the print C.  Not for us!</a:t>
-            </a:r>
-          </a:p>
-          <a:p>
-            <a:endParaRPr lang="en-US" b="0" dirty="0">
-              <a:solidFill>
-                <a:srgbClr val="008000"/>
-              </a:solidFill>
-              <a:effectLst/>
-              <a:latin typeface="Consolas" panose="020B0609020204030204" pitchFamily="49" charset="0"/>
-            </a:endParaRPr>
-          </a:p>
-          <a:p>
-            <a:r>
-              <a:rPr lang="en-US" b="0" dirty="0">
-                <a:solidFill>
-                  <a:srgbClr val="008000"/>
-                </a:solidFill>
-                <a:effectLst/>
-                <a:latin typeface="Consolas" panose="020B0609020204030204" pitchFamily="49" charset="0"/>
-              </a:rPr>
-              <a:t>(Don't worry about the details of the run() procedure-- we'll explain that soon).</a:t>
-            </a:r>
-          </a:p>
-          <a:p>
-            <a:endParaRPr lang="en-US" dirty="0"/>
-          </a:p>
-          <a:p>
-            <a:endParaRPr lang="en-US" b="0" dirty="0">
-              <a:solidFill>
-                <a:srgbClr val="000000"/>
-              </a:solidFill>
-              <a:effectLst/>
-              <a:latin typeface="Consolas" panose="020B0609020204030204" pitchFamily="49" charset="0"/>
-            </a:endParaRPr>
-          </a:p>
-          <a:p>
-            <a:br>
-              <a:rPr lang="en-US" b="0" dirty="0">
-                <a:solidFill>
-                  <a:srgbClr val="000000"/>
-                </a:solidFill>
-                <a:effectLst/>
-                <a:latin typeface="Consolas" panose="020B0609020204030204" pitchFamily="49" charset="0"/>
-              </a:rPr>
-            </a:br>
-            <a:endParaRPr lang="en-US" b="0" dirty="0">
-              <a:solidFill>
-                <a:srgbClr val="000000"/>
-              </a:solidFill>
-              <a:effectLst/>
-              <a:latin typeface="Consolas" panose="020B0609020204030204" pitchFamily="49" charset="0"/>
-            </a:endParaRPr>
-          </a:p>
-          <a:p>
-            <a:endParaRPr lang="en-US" dirty="0"/>
+              <a:rPr lang="en-US" dirty="0"/>
+              <a:t>By disallowing interrupts everywhere but at the pause points, we avoid almost all of the data races you may have learned about in your operating systems class.   Each grey box is a critical section, and your program consists of a set of critical sections.  Each green box is uninterruptible!!</a:t>
+            </a:r>
           </a:p>
           <a:p>
             <a:endParaRPr lang="en-US" dirty="0"/>
@@ -3386,7 +3294,7 @@
     </p:spTree>
     <p:extLst>
       <p:ext uri="{BB962C8B-B14F-4D97-AF65-F5344CB8AC3E}">
-        <p14:creationId xmlns:p14="http://schemas.microsoft.com/office/powerpoint/2010/main" val="3282751170"/>
+        <p14:creationId xmlns:p14="http://schemas.microsoft.com/office/powerpoint/2010/main" val="3214472609"/>
       </p:ext>
     </p:extLst>
   </p:cSld>
@@ -3441,90 +3349,79 @@
           <a:lstStyle/>
           <a:p>
             <a:r>
-              <a:rPr lang="en-US" dirty="0"/>
-              <a:t>An async function yields or pauses in exactly two places in its code.  What happens at those places?</a:t>
+              <a:rPr lang="en-US" b="0" dirty="0">
+                <a:solidFill>
+                  <a:srgbClr val="008000"/>
+                </a:solidFill>
+                <a:effectLst/>
+                <a:latin typeface="Consolas" panose="020B0609020204030204" pitchFamily="49" charset="0"/>
+              </a:rPr>
+              <a:t>In an interrupt-based model, it is possible that statement the print A runs *between* the print B and the print C.  Not for us!</a:t>
+            </a:r>
+          </a:p>
+          <a:p>
+            <a:endParaRPr lang="en-US" b="0" dirty="0">
+              <a:solidFill>
+                <a:srgbClr val="008000"/>
+              </a:solidFill>
+              <a:effectLst/>
+              <a:latin typeface="Consolas" panose="020B0609020204030204" pitchFamily="49" charset="0"/>
+            </a:endParaRPr>
+          </a:p>
+          <a:p>
+            <a:r>
+              <a:rPr lang="en-US" b="0" dirty="0">
+                <a:solidFill>
+                  <a:srgbClr val="008000"/>
+                </a:solidFill>
+                <a:effectLst/>
+                <a:latin typeface="Consolas" panose="020B0609020204030204" pitchFamily="49" charset="0"/>
+              </a:rPr>
+              <a:t>(Don't worry about the details of the run() procedure-- we'll explain that soon).</a:t>
             </a:r>
           </a:p>
           <a:p>
             <a:endParaRPr lang="en-US" dirty="0"/>
           </a:p>
           <a:p>
-            <a:r>
-              <a:rPr lang="en-US" dirty="0"/>
-              <a:t>When </a:t>
-            </a:r>
-            <a:r>
-              <a:rPr lang="en-US" dirty="0" err="1"/>
-              <a:t>someFunction</a:t>
-            </a:r>
-            <a:r>
-              <a:rPr lang="en-US" dirty="0"/>
-              <a:t> yields at the first location, it informs the runtime that </a:t>
-            </a:r>
-            <a:r>
-              <a:rPr lang="en-US" dirty="0" err="1"/>
-              <a:t>someOtherAsyncFunction</a:t>
-            </a:r>
-            <a:r>
-              <a:rPr lang="en-US" dirty="0"/>
-              <a:t>(j) is ready to run, and that </a:t>
-            </a:r>
-            <a:r>
-              <a:rPr lang="en-US" dirty="0" err="1"/>
-              <a:t>someFunction</a:t>
-            </a:r>
-            <a:r>
-              <a:rPr lang="en-US" dirty="0"/>
-              <a:t> will be ready to resume its execution only when </a:t>
-            </a:r>
-            <a:r>
-              <a:rPr lang="en-US" dirty="0" err="1"/>
-              <a:t>someOtherAsyncFunction</a:t>
-            </a:r>
-            <a:r>
-              <a:rPr lang="en-US" dirty="0"/>
-              <a:t>(j) returns a value.  The runtime can then switch to any process that is ready.  That might be the call to </a:t>
-            </a:r>
-            <a:r>
-              <a:rPr lang="en-US" dirty="0" err="1"/>
-              <a:t>someOtherAsync</a:t>
-            </a:r>
-            <a:r>
-              <a:rPr lang="en-US" dirty="0"/>
-              <a:t> function, but it might be something else.</a:t>
-            </a:r>
+            <a:endParaRPr lang="en-US" b="0" dirty="0">
+              <a:solidFill>
+                <a:srgbClr val="000000"/>
+              </a:solidFill>
+              <a:effectLst/>
+              <a:latin typeface="Consolas" panose="020B0609020204030204" pitchFamily="49" charset="0"/>
+            </a:endParaRPr>
+          </a:p>
+          <a:p>
+            <a:br>
+              <a:rPr lang="en-US" b="0" dirty="0">
+                <a:solidFill>
+                  <a:srgbClr val="000000"/>
+                </a:solidFill>
+                <a:effectLst/>
+                <a:latin typeface="Consolas" panose="020B0609020204030204" pitchFamily="49" charset="0"/>
+              </a:rPr>
+            </a:br>
+            <a:endParaRPr lang="en-US" b="0" dirty="0">
+              <a:solidFill>
+                <a:srgbClr val="000000"/>
+              </a:solidFill>
+              <a:effectLst/>
+              <a:latin typeface="Consolas" panose="020B0609020204030204" pitchFamily="49" charset="0"/>
+            </a:endParaRPr>
           </a:p>
           <a:p>
             <a:endParaRPr lang="en-US" dirty="0"/>
           </a:p>
           <a:p>
-            <a:r>
-              <a:rPr lang="en-US" dirty="0"/>
-              <a:t>When </a:t>
-            </a:r>
-            <a:r>
-              <a:rPr lang="en-US" dirty="0" err="1"/>
-              <a:t>someFunction</a:t>
-            </a:r>
-            <a:r>
-              <a:rPr lang="en-US" dirty="0"/>
-              <a:t> yields at the second location, it informs the runtime that it is ready to return to its caller, and it gives the runtime permission to switch to any process that is ready.  It might be the caller of </a:t>
-            </a:r>
-            <a:r>
-              <a:rPr lang="en-US" dirty="0" err="1"/>
-              <a:t>someFunction</a:t>
-            </a:r>
-            <a:r>
-              <a:rPr lang="en-US" dirty="0"/>
-              <a:t>, or it might be something else.</a:t>
-            </a:r>
+            <a:endParaRPr lang="en-US" dirty="0"/>
           </a:p>
         </p:txBody>
       </p:sp>
     </p:spTree>
     <p:extLst>
       <p:ext uri="{BB962C8B-B14F-4D97-AF65-F5344CB8AC3E}">
-        <p14:creationId xmlns:p14="http://schemas.microsoft.com/office/powerpoint/2010/main" val="1748066163"/>
+        <p14:creationId xmlns:p14="http://schemas.microsoft.com/office/powerpoint/2010/main" val="3282751170"/>
       </p:ext>
     </p:extLst>
   </p:cSld>
@@ -3580,7 +3477,81 @@
           <a:p>
             <a:r>
               <a:rPr lang="en-US" dirty="0"/>
-              <a:t>run to completion means that if you start executing a task (or async) function then it must complete unless it awaits on something</a:t>
+              <a:t>An async function yields or pauses in exactly two places in its code.  What happens at those places?</a:t>
+            </a:r>
+          </a:p>
+          <a:p>
+            <a:endParaRPr lang="en-US" dirty="0"/>
+          </a:p>
+          <a:p>
+            <a:r>
+              <a:rPr lang="en-US" dirty="0"/>
+              <a:t>When </a:t>
+            </a:r>
+            <a:r>
+              <a:rPr lang="en-US" dirty="0" err="1"/>
+              <a:t>someFunction</a:t>
+            </a:r>
+            <a:r>
+              <a:rPr lang="en-US" dirty="0"/>
+              <a:t> yields at the first location, it informs the runtime that </a:t>
+            </a:r>
+            <a:r>
+              <a:rPr lang="en-US" dirty="0" err="1"/>
+              <a:t>someOtherAsyncFunction</a:t>
+            </a:r>
+            <a:r>
+              <a:rPr lang="en-US" dirty="0"/>
+              <a:t>(j) is ready to run, and that </a:t>
+            </a:r>
+            <a:r>
+              <a:rPr lang="en-US" dirty="0" err="1"/>
+              <a:t>someFunction</a:t>
+            </a:r>
+            <a:r>
+              <a:rPr lang="en-US" dirty="0"/>
+              <a:t> will be ready to resume its execution only when </a:t>
+            </a:r>
+            <a:r>
+              <a:rPr lang="en-US" dirty="0" err="1"/>
+              <a:t>someOtherAsyncFunction</a:t>
+            </a:r>
+            <a:r>
+              <a:rPr lang="en-US" dirty="0"/>
+              <a:t>(j) returns a value.  The runtime can then switch to any process that is ready.  That might be the call to </a:t>
+            </a:r>
+            <a:r>
+              <a:rPr lang="en-US" dirty="0" err="1"/>
+              <a:t>someOtherAsync</a:t>
+            </a:r>
+            <a:r>
+              <a:rPr lang="en-US" dirty="0"/>
+              <a:t> function, but it might be something else.</a:t>
+            </a:r>
+          </a:p>
+          <a:p>
+            <a:endParaRPr lang="en-US" dirty="0"/>
+          </a:p>
+          <a:p>
+            <a:r>
+              <a:rPr lang="en-US" dirty="0"/>
+              <a:t>When </a:t>
+            </a:r>
+            <a:r>
+              <a:rPr lang="en-US" dirty="0" err="1"/>
+              <a:t>someFunction</a:t>
+            </a:r>
+            <a:r>
+              <a:rPr lang="en-US" dirty="0"/>
+              <a:t> yields at the second location, it informs the runtime that it is ready to return to its caller, and it gives the runtime permission to switch to any process that is ready.  It might be the caller of </a:t>
+            </a:r>
+            <a:r>
+              <a:rPr lang="en-US" dirty="0" err="1"/>
+              <a:t>someFunction</a:t>
+            </a:r>
+            <a:r>
+              <a:rPr lang="en-US" dirty="0"/>
+              <a:t>, or it might be something else.</a:t>
             </a:r>
           </a:p>
         </p:txBody>
@@ -3588,7 +3559,7 @@
     </p:spTree>
     <p:extLst>
       <p:ext uri="{BB962C8B-B14F-4D97-AF65-F5344CB8AC3E}">
-        <p14:creationId xmlns:p14="http://schemas.microsoft.com/office/powerpoint/2010/main" val="2776060960"/>
+        <p14:creationId xmlns:p14="http://schemas.microsoft.com/office/powerpoint/2010/main" val="1748066163"/>
       </p:ext>
     </p:extLst>
   </p:cSld>
@@ -3801,7 +3772,7 @@
                 <a:tabLst/>
                 <a:defRPr/>
               </a:pPr>
-              <a:t>9/15/2025</a:t>
+              <a:t>9/17/2025</a:t>
             </a:fld>
             <a:endParaRPr kumimoji="0" lang="en-US" sz="1200" b="0" i="0" u="none" strike="noStrike" kern="1200" cap="none" spc="0" normalizeH="0" baseline="0" noProof="0">
               <a:ln>
@@ -4285,7 +4256,7 @@
                 <a:tabLst/>
                 <a:defRPr/>
               </a:pPr>
-              <a:t>9/15/2025</a:t>
+              <a:t>9/17/2025</a:t>
             </a:fld>
             <a:endParaRPr kumimoji="0" lang="en-US" sz="1200" b="0" i="0" u="none" strike="noStrike" kern="1200" cap="none" spc="0" normalizeH="0" baseline="0" noProof="0">
               <a:ln>
@@ -4643,7 +4614,7 @@
                 <a:tabLst/>
                 <a:defRPr/>
               </a:pPr>
-              <a:t>9/15/2025</a:t>
+              <a:t>9/17/2025</a:t>
             </a:fld>
             <a:endParaRPr kumimoji="0" lang="en-US" sz="1200" b="0" i="0" u="none" strike="noStrike" kern="1200" cap="none" spc="0" normalizeH="0" baseline="0" noProof="0">
               <a:ln>
@@ -5011,7 +4982,7 @@
                 <a:tabLst/>
                 <a:defRPr/>
               </a:pPr>
-              <a:t>9/15/2025</a:t>
+              <a:t>9/17/2025</a:t>
             </a:fld>
             <a:endParaRPr kumimoji="0" lang="en-US" sz="1200" b="0" i="0" u="none" strike="noStrike" kern="1200" cap="none" spc="0" normalizeH="0" baseline="0" noProof="0">
               <a:ln>
@@ -5981,7 +5952,7 @@
                 <a:tabLst/>
                 <a:defRPr/>
               </a:pPr>
-              <a:t>9/15/2025</a:t>
+              <a:t>9/17/2025</a:t>
             </a:fld>
             <a:endParaRPr kumimoji="0" lang="en-US" sz="1200" b="0" i="0" u="none" strike="noStrike" kern="1200" cap="none" spc="0" normalizeH="0" baseline="0" noProof="0">
               <a:ln>
@@ -6407,7 +6378,7 @@
                 <a:tabLst/>
                 <a:defRPr/>
               </a:pPr>
-              <a:t>9/15/2025</a:t>
+              <a:t>9/17/2025</a:t>
             </a:fld>
             <a:endParaRPr kumimoji="0" lang="en-US" sz="1200" b="0" i="0" u="none" strike="noStrike" kern="1200" cap="none" spc="0" normalizeH="0" baseline="0" noProof="0">
               <a:ln>
@@ -6771,7 +6742,7 @@
                 <a:tabLst/>
                 <a:defRPr/>
               </a:pPr>
-              <a:t>9/15/2025</a:t>
+              <a:t>9/17/2025</a:t>
             </a:fld>
             <a:endParaRPr kumimoji="0" lang="en-US" sz="1200" b="0" i="0" u="none" strike="noStrike" kern="1200" cap="none" spc="0" normalizeH="0" baseline="0" noProof="0">
               <a:ln>
@@ -7298,7 +7269,7 @@
                 <a:tabLst/>
                 <a:defRPr/>
               </a:pPr>
-              <a:t>9/15/2025</a:t>
+              <a:t>9/17/2025</a:t>
             </a:fld>
             <a:endParaRPr kumimoji="0" lang="en-US" sz="1200" b="0" i="0" u="none" strike="noStrike" kern="1200" cap="none" spc="0" normalizeH="0" baseline="0" noProof="0">
               <a:ln>
@@ -7759,7 +7730,7 @@
                 <a:tabLst/>
                 <a:defRPr/>
               </a:pPr>
-              <a:t>9/15/2025</a:t>
+              <a:t>9/17/2025</a:t>
             </a:fld>
             <a:endParaRPr kumimoji="0" lang="en-US" sz="1200" b="0" i="0" u="none" strike="noStrike" kern="1200" cap="none" spc="0" normalizeH="0" baseline="0" noProof="0">
               <a:ln>
@@ -8367,7 +8338,7 @@
                 <a:tabLst/>
                 <a:defRPr/>
               </a:pPr>
-              <a:t>9/15/2025</a:t>
+              <a:t>9/17/2025</a:t>
             </a:fld>
             <a:endParaRPr kumimoji="0" lang="en-US" sz="1200" b="0" i="0" u="none" strike="noStrike" kern="1200" cap="none" spc="0" normalizeH="0" baseline="0" noProof="0">
               <a:ln>
@@ -8640,7 +8611,7 @@
                 <a:tabLst/>
                 <a:defRPr/>
               </a:pPr>
-              <a:t>9/15/2025</a:t>
+              <a:t>9/17/2025</a:t>
             </a:fld>
             <a:endParaRPr kumimoji="0" lang="en-US" sz="1200" b="0" i="0" u="none" strike="noStrike" kern="1200" cap="none" spc="0" normalizeH="0" baseline="0" noProof="0">
               <a:ln>
@@ -9111,7 +9082,7 @@
                 <a:tabLst/>
                 <a:defRPr/>
               </a:pPr>
-              <a:t>9/15/2025</a:t>
+              <a:t>9/17/2025</a:t>
             </a:fld>
             <a:endParaRPr kumimoji="0" lang="en-US" sz="1200" b="0" i="0" u="none" strike="noStrike" kern="1200" cap="none" spc="0" normalizeH="0" baseline="0" noProof="0">
               <a:ln>
@@ -9512,7 +9483,7 @@
                 <a:tabLst/>
                 <a:defRPr/>
               </a:pPr>
-              <a:t>9/15/2025</a:t>
+              <a:t>9/17/2025</a:t>
             </a:fld>
             <a:endParaRPr kumimoji="0" lang="en-US" sz="1200" b="0" i="0" u="none" strike="noStrike" kern="1200" cap="none" spc="0" normalizeH="0" baseline="0" noProof="0">
               <a:ln>
@@ -26639,7 +26610,7 @@
           <p:cNvPr id="2" name="Title 1">
             <a:extLst>
               <a:ext uri="{FF2B5EF4-FFF2-40B4-BE49-F238E27FC236}">
-                <a16:creationId xmlns:a16="http://schemas.microsoft.com/office/drawing/2014/main" id="{C95143EA-9B8C-0797-2510-7BC626EACB21}"/>
+                <a16:creationId xmlns:a16="http://schemas.microsoft.com/office/drawing/2014/main" id="{7E3C3C71-F774-1710-A3D1-D12E7FEC9D88}"/>
               </a:ext>
             </a:extLst>
           </p:cNvPr>
@@ -26656,781 +26627,17 @@
           <a:lstStyle/>
           <a:p>
             <a:r>
+              <a:rPr lang="en-US" dirty="0" err="1"/>
+              <a:t>AntiPattern</a:t>
+            </a:r>
+            <a:r>
               <a:rPr lang="en-US" dirty="0"/>
-              <a:t>AntiPattern1a: async with no await</a:t>
-            </a:r>
-          </a:p>
-        </p:txBody>
-      </p:sp>
-      <p:sp>
-        <p:nvSpPr>
-          <p:cNvPr id="3" name="Content Placeholder 2">
-            <a:extLst>
-              <a:ext uri="{FF2B5EF4-FFF2-40B4-BE49-F238E27FC236}">
-                <a16:creationId xmlns:a16="http://schemas.microsoft.com/office/drawing/2014/main" id="{28D56449-1DCF-3FDB-310F-6893AA37A752}"/>
-              </a:ext>
-            </a:extLst>
-          </p:cNvPr>
-          <p:cNvSpPr>
-            <a:spLocks noGrp="1"/>
-          </p:cNvSpPr>
-          <p:nvPr>
-            <p:ph idx="1"/>
-          </p:nvPr>
-        </p:nvSpPr>
-        <p:spPr>
-          <a:xfrm>
-            <a:off x="838199" y="1500160"/>
-            <a:ext cx="9871841" cy="4351338"/>
-          </a:xfrm>
-        </p:spPr>
-        <p:txBody>
-          <a:bodyPr/>
-          <a:lstStyle/>
-          <a:p>
-            <a:pPr marL="0" marR="0" lvl="0" indent="0" algn="l" defTabSz="1219169" rtl="0" eaLnBrk="1" fontAlgn="auto" latinLnBrk="0" hangingPunct="0">
-              <a:lnSpc>
-                <a:spcPct val="100000"/>
-              </a:lnSpc>
-              <a:spcBef>
-                <a:spcPts val="0"/>
-              </a:spcBef>
-              <a:spcAft>
-                <a:spcPts val="0"/>
-              </a:spcAft>
-              <a:buClrTx/>
-              <a:buSzTx/>
-              <a:buFontTx/>
-              <a:buNone/>
-              <a:tabLst/>
-              <a:defRPr/>
-            </a:pPr>
-            <a:r>
-              <a:rPr kumimoji="0" lang="en-US" sz="2000" b="0" i="0" u="none" strike="noStrike" kern="0" cap="none" spc="0" normalizeH="0" baseline="0" noProof="0" dirty="0">
-                <a:ln>
-                  <a:noFill/>
-                </a:ln>
-                <a:solidFill>
-                  <a:srgbClr val="0000FF"/>
-                </a:solidFill>
-                <a:effectLst/>
-                <a:uLnTx/>
-                <a:uFillTx/>
-                <a:latin typeface="Consolas" panose="020B0609020204030204" pitchFamily="49" charset="0"/>
-                <a:ea typeface="+mn-ea"/>
-                <a:cs typeface="+mn-cs"/>
-                <a:sym typeface="Helvetica Neue"/>
-              </a:rPr>
-              <a:t>async</a:t>
-            </a:r>
-            <a:r>
-              <a:rPr kumimoji="0" lang="en-US" sz="2000" b="0" i="0" u="none" strike="noStrike" kern="0" cap="none" spc="0" normalizeH="0" baseline="0" noProof="0" dirty="0">
-                <a:ln>
-                  <a:noFill/>
-                </a:ln>
-                <a:solidFill>
-                  <a:srgbClr val="000000"/>
-                </a:solidFill>
-                <a:effectLst/>
-                <a:uLnTx/>
-                <a:uFillTx/>
-                <a:latin typeface="Consolas" panose="020B0609020204030204" pitchFamily="49" charset="0"/>
-                <a:ea typeface="+mn-ea"/>
-                <a:cs typeface="+mn-cs"/>
-                <a:sym typeface="Helvetica Neue"/>
-              </a:rPr>
-              <a:t> </a:t>
-            </a:r>
-            <a:r>
-              <a:rPr kumimoji="0" lang="en-US" sz="2000" b="0" i="0" u="none" strike="noStrike" kern="0" cap="none" spc="0" normalizeH="0" baseline="0" noProof="0" dirty="0">
-                <a:ln>
-                  <a:noFill/>
-                </a:ln>
-                <a:solidFill>
-                  <a:srgbClr val="0000FF"/>
-                </a:solidFill>
-                <a:effectLst/>
-                <a:uLnTx/>
-                <a:uFillTx/>
-                <a:latin typeface="Consolas" panose="020B0609020204030204" pitchFamily="49" charset="0"/>
-                <a:ea typeface="+mn-ea"/>
-                <a:cs typeface="+mn-cs"/>
-                <a:sym typeface="Helvetica Neue"/>
-              </a:rPr>
-              <a:t>function</a:t>
-            </a:r>
-            <a:r>
-              <a:rPr kumimoji="0" lang="en-US" sz="2000" b="0" i="0" u="none" strike="noStrike" kern="0" cap="none" spc="0" normalizeH="0" baseline="0" noProof="0" dirty="0">
-                <a:ln>
-                  <a:noFill/>
-                </a:ln>
-                <a:solidFill>
-                  <a:srgbClr val="000000"/>
-                </a:solidFill>
-                <a:effectLst/>
-                <a:uLnTx/>
-                <a:uFillTx/>
-                <a:latin typeface="Consolas" panose="020B0609020204030204" pitchFamily="49" charset="0"/>
-                <a:ea typeface="+mn-ea"/>
-                <a:cs typeface="+mn-cs"/>
-                <a:sym typeface="Helvetica Neue"/>
-              </a:rPr>
-              <a:t> main() {</a:t>
-            </a:r>
-          </a:p>
-          <a:p>
-            <a:pPr marL="0" marR="0" lvl="0" indent="0" algn="l" defTabSz="1219169" rtl="0" eaLnBrk="1" fontAlgn="auto" latinLnBrk="0" hangingPunct="0">
-              <a:lnSpc>
-                <a:spcPct val="100000"/>
-              </a:lnSpc>
-              <a:spcBef>
-                <a:spcPts val="0"/>
-              </a:spcBef>
-              <a:spcAft>
-                <a:spcPts val="0"/>
-              </a:spcAft>
-              <a:buClrTx/>
-              <a:buSzTx/>
-              <a:buFontTx/>
-              <a:buNone/>
-              <a:tabLst/>
-              <a:defRPr/>
-            </a:pPr>
-            <a:r>
-              <a:rPr kumimoji="0" lang="en-US" sz="2000" b="0" i="0" u="none" strike="noStrike" kern="0" cap="none" spc="0" normalizeH="0" baseline="0" noProof="0" dirty="0">
-                <a:ln>
-                  <a:noFill/>
-                </a:ln>
-                <a:solidFill>
-                  <a:srgbClr val="000000"/>
-                </a:solidFill>
-                <a:effectLst/>
-                <a:uLnTx/>
-                <a:uFillTx/>
-                <a:latin typeface="Consolas" panose="020B0609020204030204" pitchFamily="49" charset="0"/>
-                <a:ea typeface="+mn-ea"/>
-                <a:cs typeface="+mn-cs"/>
-                <a:sym typeface="Helvetica Neue"/>
-              </a:rPr>
-              <a:t>    console.log(</a:t>
-            </a:r>
-            <a:r>
-              <a:rPr kumimoji="0" lang="en-US" sz="2000" b="0" i="0" u="none" strike="noStrike" kern="0" cap="none" spc="0" normalizeH="0" baseline="0" noProof="0" dirty="0">
-                <a:ln>
-                  <a:noFill/>
-                </a:ln>
-                <a:solidFill>
-                  <a:srgbClr val="A31515"/>
-                </a:solidFill>
-                <a:effectLst/>
-                <a:uLnTx/>
-                <a:uFillTx/>
-                <a:latin typeface="Consolas" panose="020B0609020204030204" pitchFamily="49" charset="0"/>
-                <a:ea typeface="+mn-ea"/>
-                <a:cs typeface="+mn-cs"/>
-                <a:sym typeface="Helvetica Neue"/>
-              </a:rPr>
-              <a:t>'main started'</a:t>
-            </a:r>
-            <a:r>
-              <a:rPr kumimoji="0" lang="en-US" sz="2000" b="0" i="0" u="none" strike="noStrike" kern="0" cap="none" spc="0" normalizeH="0" baseline="0" noProof="0" dirty="0">
-                <a:ln>
-                  <a:noFill/>
-                </a:ln>
-                <a:solidFill>
-                  <a:srgbClr val="000000"/>
-                </a:solidFill>
-                <a:effectLst/>
-                <a:uLnTx/>
-                <a:uFillTx/>
-                <a:latin typeface="Consolas" panose="020B0609020204030204" pitchFamily="49" charset="0"/>
-                <a:ea typeface="+mn-ea"/>
-                <a:cs typeface="+mn-cs"/>
-                <a:sym typeface="Helvetica Neue"/>
-              </a:rPr>
-              <a:t>);</a:t>
-            </a:r>
-          </a:p>
-          <a:p>
-            <a:pPr marL="0" marR="0" lvl="0" indent="0" algn="l" defTabSz="1219169" rtl="0" eaLnBrk="1" fontAlgn="auto" latinLnBrk="0" hangingPunct="0">
-              <a:lnSpc>
-                <a:spcPct val="100000"/>
-              </a:lnSpc>
-              <a:spcBef>
-                <a:spcPts val="0"/>
-              </a:spcBef>
-              <a:spcAft>
-                <a:spcPts val="0"/>
-              </a:spcAft>
-              <a:buClrTx/>
-              <a:buSzTx/>
-              <a:buFontTx/>
-              <a:buNone/>
-              <a:tabLst/>
-              <a:defRPr/>
-            </a:pPr>
-            <a:r>
-              <a:rPr kumimoji="0" lang="en-US" sz="2000" b="0" i="0" u="none" strike="noStrike" kern="0" cap="none" spc="0" normalizeH="0" baseline="0" noProof="0" dirty="0">
-                <a:ln>
-                  <a:noFill/>
-                </a:ln>
-                <a:solidFill>
-                  <a:srgbClr val="000000"/>
-                </a:solidFill>
-                <a:effectLst/>
-                <a:uLnTx/>
-                <a:uFillTx/>
-                <a:latin typeface="Consolas" panose="020B0609020204030204" pitchFamily="49" charset="0"/>
-                <a:ea typeface="+mn-ea"/>
-                <a:cs typeface="+mn-cs"/>
-                <a:sym typeface="Helvetica Neue"/>
-              </a:rPr>
-              <a:t>    </a:t>
-            </a:r>
-            <a:r>
-              <a:rPr kumimoji="0" lang="en-US" sz="2000" b="0" i="0" u="none" strike="noStrike" kern="0" cap="none" spc="0" normalizeH="0" baseline="0" noProof="0" dirty="0">
-                <a:ln>
-                  <a:noFill/>
-                </a:ln>
-                <a:solidFill>
-                  <a:srgbClr val="0000FF"/>
-                </a:solidFill>
-                <a:effectLst/>
-                <a:uLnTx/>
-                <a:uFillTx/>
-                <a:latin typeface="Consolas" panose="020B0609020204030204" pitchFamily="49" charset="0"/>
-                <a:ea typeface="+mn-ea"/>
-                <a:cs typeface="+mn-cs"/>
-                <a:sym typeface="Helvetica Neue"/>
-              </a:rPr>
-              <a:t>const</a:t>
-            </a:r>
-            <a:r>
-              <a:rPr kumimoji="0" lang="en-US" sz="2000" b="0" i="0" u="none" strike="noStrike" kern="0" cap="none" spc="0" normalizeH="0" baseline="0" noProof="0" dirty="0">
-                <a:ln>
-                  <a:noFill/>
-                </a:ln>
-                <a:solidFill>
-                  <a:srgbClr val="000000"/>
-                </a:solidFill>
-                <a:effectLst/>
-                <a:uLnTx/>
-                <a:uFillTx/>
-                <a:latin typeface="Consolas" panose="020B0609020204030204" pitchFamily="49" charset="0"/>
-                <a:ea typeface="+mn-ea"/>
-                <a:cs typeface="+mn-cs"/>
-                <a:sym typeface="Helvetica Neue"/>
-              </a:rPr>
-              <a:t> request = </a:t>
-            </a:r>
-            <a:r>
-              <a:rPr kumimoji="0" lang="en-US" sz="2000" b="0" i="0" u="none" strike="noStrike" kern="0" cap="none" spc="0" normalizeH="0" baseline="0" noProof="0" dirty="0">
-                <a:ln>
-                  <a:noFill/>
-                </a:ln>
-                <a:solidFill>
-                  <a:srgbClr val="098658"/>
-                </a:solidFill>
-                <a:effectLst/>
-                <a:uLnTx/>
-                <a:uFillTx/>
-                <a:latin typeface="Consolas" panose="020B0609020204030204" pitchFamily="49" charset="0"/>
-                <a:ea typeface="+mn-ea"/>
-                <a:cs typeface="+mn-cs"/>
-                <a:sym typeface="Helvetica Neue"/>
-              </a:rPr>
-              <a:t>32</a:t>
-            </a:r>
-            <a:endParaRPr kumimoji="0" lang="en-US" sz="2000" b="0" i="0" u="none" strike="noStrike" kern="0" cap="none" spc="0" normalizeH="0" baseline="0" noProof="0" dirty="0">
-              <a:ln>
-                <a:noFill/>
-              </a:ln>
-              <a:solidFill>
-                <a:srgbClr val="000000"/>
-              </a:solidFill>
-              <a:effectLst/>
-              <a:uLnTx/>
-              <a:uFillTx/>
-              <a:latin typeface="Consolas" panose="020B0609020204030204" pitchFamily="49" charset="0"/>
-              <a:ea typeface="+mn-ea"/>
-              <a:cs typeface="+mn-cs"/>
-              <a:sym typeface="Helvetica Neue"/>
-            </a:endParaRPr>
-          </a:p>
-          <a:p>
-            <a:pPr marL="0" marR="0" lvl="0" indent="0" algn="l" defTabSz="1219169" rtl="0" eaLnBrk="1" fontAlgn="auto" latinLnBrk="0" hangingPunct="0">
-              <a:lnSpc>
-                <a:spcPct val="100000"/>
-              </a:lnSpc>
-              <a:spcBef>
-                <a:spcPts val="0"/>
-              </a:spcBef>
-              <a:spcAft>
-                <a:spcPts val="0"/>
-              </a:spcAft>
-              <a:buClrTx/>
-              <a:buSzTx/>
-              <a:buFontTx/>
-              <a:buNone/>
-              <a:tabLst/>
-              <a:defRPr/>
-            </a:pPr>
-            <a:r>
-              <a:rPr kumimoji="0" lang="en-US" sz="2000" b="0" i="0" u="none" strike="noStrike" kern="0" cap="none" spc="0" normalizeH="0" baseline="0" noProof="0" dirty="0">
-                <a:ln>
-                  <a:noFill/>
-                </a:ln>
-                <a:solidFill>
-                  <a:srgbClr val="000000"/>
-                </a:solidFill>
-                <a:effectLst/>
-                <a:uLnTx/>
-                <a:uFillTx/>
-                <a:latin typeface="Consolas" panose="020B0609020204030204" pitchFamily="49" charset="0"/>
-                <a:ea typeface="+mn-ea"/>
-                <a:cs typeface="+mn-cs"/>
-                <a:sym typeface="Helvetica Neue"/>
-              </a:rPr>
-              <a:t>    </a:t>
-            </a:r>
-            <a:r>
-              <a:rPr kumimoji="0" lang="en-US" sz="2000" b="0" i="0" u="none" strike="noStrike" kern="0" cap="none" spc="0" normalizeH="0" baseline="0" noProof="0" dirty="0">
-                <a:ln>
-                  <a:noFill/>
-                </a:ln>
-                <a:solidFill>
-                  <a:srgbClr val="0000FF"/>
-                </a:solidFill>
-                <a:effectLst/>
-                <a:uLnTx/>
-                <a:uFillTx/>
-                <a:latin typeface="Consolas" panose="020B0609020204030204" pitchFamily="49" charset="0"/>
-                <a:ea typeface="+mn-ea"/>
-                <a:cs typeface="+mn-cs"/>
-                <a:sym typeface="Helvetica Neue"/>
-              </a:rPr>
-              <a:t>const</a:t>
-            </a:r>
-            <a:r>
-              <a:rPr kumimoji="0" lang="en-US" sz="2000" b="0" i="0" u="none" strike="noStrike" kern="0" cap="none" spc="0" normalizeH="0" baseline="0" noProof="0" dirty="0">
-                <a:ln>
-                  <a:noFill/>
-                </a:ln>
-                <a:solidFill>
-                  <a:srgbClr val="000000"/>
-                </a:solidFill>
-                <a:effectLst/>
-                <a:uLnTx/>
-                <a:uFillTx/>
-                <a:latin typeface="Consolas" panose="020B0609020204030204" pitchFamily="49" charset="0"/>
-                <a:ea typeface="+mn-ea"/>
-                <a:cs typeface="+mn-cs"/>
-                <a:sym typeface="Helvetica Neue"/>
-              </a:rPr>
-              <a:t> res = </a:t>
-            </a:r>
-            <a:r>
-              <a:rPr kumimoji="0" lang="en-US" sz="2000" b="0" i="0" u="none" strike="noStrike" kern="0" cap="none" spc="0" normalizeH="0" baseline="0" noProof="0" dirty="0" err="1">
-                <a:ln>
-                  <a:noFill/>
-                </a:ln>
-                <a:solidFill>
-                  <a:srgbClr val="000000"/>
-                </a:solidFill>
-                <a:effectLst/>
-                <a:uLnTx/>
-                <a:uFillTx/>
-                <a:latin typeface="Consolas" panose="020B0609020204030204" pitchFamily="49" charset="0"/>
-                <a:ea typeface="+mn-ea"/>
-                <a:cs typeface="+mn-cs"/>
-                <a:sym typeface="Helvetica Neue"/>
-              </a:rPr>
-              <a:t>fakeRequest</a:t>
-            </a:r>
-            <a:r>
-              <a:rPr kumimoji="0" lang="en-US" sz="2000" b="0" i="0" u="none" strike="noStrike" kern="0" cap="none" spc="0" normalizeH="0" baseline="0" noProof="0" dirty="0">
-                <a:ln>
-                  <a:noFill/>
-                </a:ln>
-                <a:solidFill>
-                  <a:srgbClr val="000000"/>
-                </a:solidFill>
-                <a:effectLst/>
-                <a:uLnTx/>
-                <a:uFillTx/>
-                <a:latin typeface="Consolas" panose="020B0609020204030204" pitchFamily="49" charset="0"/>
-                <a:ea typeface="+mn-ea"/>
-                <a:cs typeface="+mn-cs"/>
-                <a:sym typeface="Helvetica Neue"/>
-              </a:rPr>
-              <a:t>(request);</a:t>
-            </a:r>
-          </a:p>
-          <a:p>
-            <a:pPr marL="0" marR="0" lvl="0" indent="0" algn="l" defTabSz="1219169" rtl="0" eaLnBrk="1" fontAlgn="auto" latinLnBrk="0" hangingPunct="0">
-              <a:lnSpc>
-                <a:spcPct val="100000"/>
-              </a:lnSpc>
-              <a:spcBef>
-                <a:spcPts val="0"/>
-              </a:spcBef>
-              <a:spcAft>
-                <a:spcPts val="0"/>
-              </a:spcAft>
-              <a:buClrTx/>
-              <a:buSzTx/>
-              <a:buFontTx/>
-              <a:buNone/>
-              <a:tabLst/>
-              <a:defRPr/>
-            </a:pPr>
-            <a:r>
-              <a:rPr kumimoji="0" lang="en-US" sz="2000" b="0" i="0" u="none" strike="noStrike" kern="0" cap="none" spc="0" normalizeH="0" baseline="0" noProof="0" dirty="0">
-                <a:ln>
-                  <a:noFill/>
-                </a:ln>
-                <a:solidFill>
-                  <a:srgbClr val="000000"/>
-                </a:solidFill>
-                <a:effectLst/>
-                <a:uLnTx/>
-                <a:uFillTx/>
-                <a:latin typeface="Consolas" panose="020B0609020204030204" pitchFamily="49" charset="0"/>
-                <a:ea typeface="+mn-ea"/>
-                <a:cs typeface="+mn-cs"/>
-                <a:sym typeface="Helvetica Neue"/>
-              </a:rPr>
-              <a:t>    console.log(</a:t>
-            </a:r>
-            <a:r>
-              <a:rPr kumimoji="0" lang="en-US" sz="2000" b="0" i="0" u="none" strike="noStrike" kern="0" cap="none" spc="0" normalizeH="0" baseline="0" noProof="0" dirty="0">
-                <a:ln>
-                  <a:noFill/>
-                </a:ln>
-                <a:solidFill>
-                  <a:srgbClr val="A31515"/>
-                </a:solidFill>
-                <a:effectLst/>
-                <a:uLnTx/>
-                <a:uFillTx/>
-                <a:latin typeface="Consolas" panose="020B0609020204030204" pitchFamily="49" charset="0"/>
-                <a:ea typeface="+mn-ea"/>
-                <a:cs typeface="+mn-cs"/>
-                <a:sym typeface="Helvetica Neue"/>
-              </a:rPr>
-              <a:t>`</a:t>
-            </a:r>
-            <a:r>
-              <a:rPr kumimoji="0" lang="en-US" sz="2000" b="0" i="0" u="none" strike="noStrike" kern="0" cap="none" spc="0" normalizeH="0" baseline="0" noProof="0" dirty="0" err="1">
-                <a:ln>
-                  <a:noFill/>
-                </a:ln>
-                <a:solidFill>
-                  <a:srgbClr val="A31515"/>
-                </a:solidFill>
-                <a:effectLst/>
-                <a:uLnTx/>
-                <a:uFillTx/>
-                <a:latin typeface="Consolas" panose="020B0609020204030204" pitchFamily="49" charset="0"/>
-                <a:ea typeface="+mn-ea"/>
-                <a:cs typeface="+mn-cs"/>
-                <a:sym typeface="Helvetica Neue"/>
-              </a:rPr>
-              <a:t>fakeRequest</a:t>
-            </a:r>
-            <a:r>
-              <a:rPr kumimoji="0" lang="en-US" sz="2000" b="0" i="0" u="none" strike="noStrike" kern="0" cap="none" spc="0" normalizeH="0" baseline="0" noProof="0" dirty="0">
-                <a:ln>
-                  <a:noFill/>
-                </a:ln>
-                <a:solidFill>
-                  <a:srgbClr val="A31515"/>
-                </a:solidFill>
-                <a:effectLst/>
-                <a:uLnTx/>
-                <a:uFillTx/>
-                <a:latin typeface="Consolas" panose="020B0609020204030204" pitchFamily="49" charset="0"/>
-                <a:ea typeface="+mn-ea"/>
-                <a:cs typeface="+mn-cs"/>
-                <a:sym typeface="Helvetica Neue"/>
-              </a:rPr>
-              <a:t>(</a:t>
-            </a:r>
-            <a:r>
-              <a:rPr kumimoji="0" lang="en-US" sz="2000" b="0" i="0" u="none" strike="noStrike" kern="0" cap="none" spc="0" normalizeH="0" baseline="0" noProof="0" dirty="0">
-                <a:ln>
-                  <a:noFill/>
-                </a:ln>
-                <a:solidFill>
-                  <a:srgbClr val="0000FF"/>
-                </a:solidFill>
-                <a:effectLst/>
-                <a:uLnTx/>
-                <a:uFillTx/>
-                <a:latin typeface="Consolas" panose="020B0609020204030204" pitchFamily="49" charset="0"/>
-                <a:ea typeface="+mn-ea"/>
-                <a:cs typeface="+mn-cs"/>
-                <a:sym typeface="Helvetica Neue"/>
-              </a:rPr>
-              <a:t>${</a:t>
-            </a:r>
-            <a:r>
-              <a:rPr kumimoji="0" lang="en-US" sz="2000" b="0" i="0" u="none" strike="noStrike" kern="0" cap="none" spc="0" normalizeH="0" baseline="0" noProof="0" dirty="0">
-                <a:ln>
-                  <a:noFill/>
-                </a:ln>
-                <a:solidFill>
-                  <a:srgbClr val="000000"/>
-                </a:solidFill>
-                <a:effectLst/>
-                <a:uLnTx/>
-                <a:uFillTx/>
-                <a:latin typeface="Consolas" panose="020B0609020204030204" pitchFamily="49" charset="0"/>
-                <a:ea typeface="+mn-ea"/>
-                <a:cs typeface="+mn-cs"/>
-                <a:sym typeface="Helvetica Neue"/>
-              </a:rPr>
-              <a:t>request</a:t>
-            </a:r>
-            <a:r>
-              <a:rPr kumimoji="0" lang="en-US" sz="2000" b="0" i="0" u="none" strike="noStrike" kern="0" cap="none" spc="0" normalizeH="0" baseline="0" noProof="0" dirty="0">
-                <a:ln>
-                  <a:noFill/>
-                </a:ln>
-                <a:solidFill>
-                  <a:srgbClr val="0000FF"/>
-                </a:solidFill>
-                <a:effectLst/>
-                <a:uLnTx/>
-                <a:uFillTx/>
-                <a:latin typeface="Consolas" panose="020B0609020204030204" pitchFamily="49" charset="0"/>
-                <a:ea typeface="+mn-ea"/>
-                <a:cs typeface="+mn-cs"/>
-                <a:sym typeface="Helvetica Neue"/>
-              </a:rPr>
-              <a:t>}</a:t>
-            </a:r>
-            <a:r>
-              <a:rPr kumimoji="0" lang="en-US" sz="2000" b="0" i="0" u="none" strike="noStrike" kern="0" cap="none" spc="0" normalizeH="0" baseline="0" noProof="0" dirty="0">
-                <a:ln>
-                  <a:noFill/>
-                </a:ln>
-                <a:solidFill>
-                  <a:srgbClr val="A31515"/>
-                </a:solidFill>
-                <a:effectLst/>
-                <a:uLnTx/>
-                <a:uFillTx/>
-                <a:latin typeface="Consolas" panose="020B0609020204030204" pitchFamily="49" charset="0"/>
-                <a:ea typeface="+mn-ea"/>
-                <a:cs typeface="+mn-cs"/>
-                <a:sym typeface="Helvetica Neue"/>
-              </a:rPr>
-              <a:t>) returned: </a:t>
-            </a:r>
-            <a:r>
-              <a:rPr kumimoji="0" lang="en-US" sz="2000" b="0" i="0" u="none" strike="noStrike" kern="0" cap="none" spc="0" normalizeH="0" baseline="0" noProof="0" dirty="0">
-                <a:ln>
-                  <a:noFill/>
-                </a:ln>
-                <a:solidFill>
-                  <a:srgbClr val="0000FF"/>
-                </a:solidFill>
-                <a:effectLst/>
-                <a:uLnTx/>
-                <a:uFillTx/>
-                <a:latin typeface="Consolas" panose="020B0609020204030204" pitchFamily="49" charset="0"/>
-                <a:ea typeface="+mn-ea"/>
-                <a:cs typeface="+mn-cs"/>
-                <a:sym typeface="Helvetica Neue"/>
-              </a:rPr>
-              <a:t>${</a:t>
-            </a:r>
-            <a:r>
-              <a:rPr kumimoji="0" lang="en-US" sz="2000" b="0" i="0" u="none" strike="noStrike" kern="0" cap="none" spc="0" normalizeH="0" baseline="0" noProof="0" dirty="0">
-                <a:ln>
-                  <a:noFill/>
-                </a:ln>
-                <a:solidFill>
-                  <a:srgbClr val="000000"/>
-                </a:solidFill>
-                <a:effectLst/>
-                <a:uLnTx/>
-                <a:uFillTx/>
-                <a:latin typeface="Consolas" panose="020B0609020204030204" pitchFamily="49" charset="0"/>
-                <a:ea typeface="+mn-ea"/>
-                <a:cs typeface="+mn-cs"/>
-                <a:sym typeface="Helvetica Neue"/>
-              </a:rPr>
-              <a:t>res</a:t>
-            </a:r>
-            <a:r>
-              <a:rPr kumimoji="0" lang="en-US" sz="2000" b="0" i="0" u="none" strike="noStrike" kern="0" cap="none" spc="0" normalizeH="0" baseline="0" noProof="0" dirty="0">
-                <a:ln>
-                  <a:noFill/>
-                </a:ln>
-                <a:solidFill>
-                  <a:srgbClr val="0000FF"/>
-                </a:solidFill>
-                <a:effectLst/>
-                <a:uLnTx/>
-                <a:uFillTx/>
-                <a:latin typeface="Consolas" panose="020B0609020204030204" pitchFamily="49" charset="0"/>
-                <a:ea typeface="+mn-ea"/>
-                <a:cs typeface="+mn-cs"/>
-                <a:sym typeface="Helvetica Neue"/>
-              </a:rPr>
-              <a:t>}</a:t>
-            </a:r>
-            <a:r>
-              <a:rPr kumimoji="0" lang="en-US" sz="2000" b="0" i="0" u="none" strike="noStrike" kern="0" cap="none" spc="0" normalizeH="0" baseline="0" noProof="0" dirty="0">
-                <a:ln>
-                  <a:noFill/>
-                </a:ln>
-                <a:solidFill>
-                  <a:srgbClr val="A31515"/>
-                </a:solidFill>
-                <a:effectLst/>
-                <a:uLnTx/>
-                <a:uFillTx/>
-                <a:latin typeface="Consolas" panose="020B0609020204030204" pitchFamily="49" charset="0"/>
-                <a:ea typeface="+mn-ea"/>
-                <a:cs typeface="+mn-cs"/>
-                <a:sym typeface="Helvetica Neue"/>
-              </a:rPr>
-              <a:t>`</a:t>
-            </a:r>
-            <a:r>
-              <a:rPr kumimoji="0" lang="en-US" sz="2000" b="0" i="0" u="none" strike="noStrike" kern="0" cap="none" spc="0" normalizeH="0" baseline="0" noProof="0" dirty="0">
-                <a:ln>
-                  <a:noFill/>
-                </a:ln>
-                <a:solidFill>
-                  <a:srgbClr val="000000"/>
-                </a:solidFill>
-                <a:effectLst/>
-                <a:uLnTx/>
-                <a:uFillTx/>
-                <a:latin typeface="Consolas" panose="020B0609020204030204" pitchFamily="49" charset="0"/>
-                <a:ea typeface="+mn-ea"/>
-                <a:cs typeface="+mn-cs"/>
-                <a:sym typeface="Helvetica Neue"/>
-              </a:rPr>
-              <a:t>);</a:t>
-            </a:r>
-          </a:p>
-          <a:p>
-            <a:pPr marL="0" marR="0" lvl="0" indent="0" algn="l" defTabSz="1219169" rtl="0" eaLnBrk="1" fontAlgn="auto" latinLnBrk="0" hangingPunct="0">
-              <a:lnSpc>
-                <a:spcPct val="100000"/>
-              </a:lnSpc>
-              <a:spcBef>
-                <a:spcPts val="0"/>
-              </a:spcBef>
-              <a:spcAft>
-                <a:spcPts val="0"/>
-              </a:spcAft>
-              <a:buClrTx/>
-              <a:buSzTx/>
-              <a:buFontTx/>
-              <a:buNone/>
-              <a:tabLst/>
-              <a:defRPr/>
-            </a:pPr>
-            <a:r>
-              <a:rPr kumimoji="0" lang="en-US" sz="2000" b="0" i="0" u="none" strike="noStrike" kern="0" cap="none" spc="0" normalizeH="0" baseline="0" noProof="0" dirty="0">
-                <a:ln>
-                  <a:noFill/>
-                </a:ln>
-                <a:solidFill>
-                  <a:srgbClr val="000000"/>
-                </a:solidFill>
-                <a:effectLst/>
-                <a:uLnTx/>
-                <a:uFillTx/>
-                <a:latin typeface="Consolas" panose="020B0609020204030204" pitchFamily="49" charset="0"/>
-                <a:ea typeface="+mn-ea"/>
-                <a:cs typeface="+mn-cs"/>
-                <a:sym typeface="Helvetica Neue"/>
-              </a:rPr>
-              <a:t>    console.log(</a:t>
-            </a:r>
-            <a:r>
-              <a:rPr kumimoji="0" lang="en-US" sz="2000" b="0" i="0" u="none" strike="noStrike" kern="0" cap="none" spc="0" normalizeH="0" baseline="0" noProof="0" dirty="0">
-                <a:ln>
-                  <a:noFill/>
-                </a:ln>
-                <a:solidFill>
-                  <a:srgbClr val="A31515"/>
-                </a:solidFill>
-                <a:effectLst/>
-                <a:uLnTx/>
-                <a:uFillTx/>
-                <a:latin typeface="Consolas" panose="020B0609020204030204" pitchFamily="49" charset="0"/>
-                <a:ea typeface="+mn-ea"/>
-                <a:cs typeface="+mn-cs"/>
-                <a:sym typeface="Helvetica Neue"/>
-              </a:rPr>
-              <a:t>'main done'</a:t>
-            </a:r>
-            <a:r>
-              <a:rPr kumimoji="0" lang="en-US" sz="2000" b="0" i="0" u="none" strike="noStrike" kern="0" cap="none" spc="0" normalizeH="0" baseline="0" noProof="0" dirty="0">
-                <a:ln>
-                  <a:noFill/>
-                </a:ln>
-                <a:solidFill>
-                  <a:srgbClr val="000000"/>
-                </a:solidFill>
-                <a:effectLst/>
-                <a:uLnTx/>
-                <a:uFillTx/>
-                <a:latin typeface="Consolas" panose="020B0609020204030204" pitchFamily="49" charset="0"/>
-                <a:ea typeface="+mn-ea"/>
-                <a:cs typeface="+mn-cs"/>
-                <a:sym typeface="Helvetica Neue"/>
-              </a:rPr>
-              <a:t>);</a:t>
-            </a:r>
-          </a:p>
-          <a:p>
-            <a:pPr marL="0" marR="0" lvl="0" indent="0" algn="l" defTabSz="1219169" rtl="0" eaLnBrk="1" fontAlgn="auto" latinLnBrk="0" hangingPunct="0">
-              <a:lnSpc>
-                <a:spcPct val="100000"/>
-              </a:lnSpc>
-              <a:spcBef>
-                <a:spcPts val="0"/>
-              </a:spcBef>
-              <a:spcAft>
-                <a:spcPts val="0"/>
-              </a:spcAft>
-              <a:buClrTx/>
-              <a:buSzTx/>
-              <a:buFontTx/>
-              <a:buNone/>
-              <a:tabLst/>
-              <a:defRPr/>
-            </a:pPr>
-            <a:r>
-              <a:rPr kumimoji="0" lang="en-US" sz="2000" b="0" i="0" u="none" strike="noStrike" kern="0" cap="none" spc="0" normalizeH="0" baseline="0" noProof="0" dirty="0">
-                <a:ln>
-                  <a:noFill/>
-                </a:ln>
-                <a:solidFill>
-                  <a:srgbClr val="000000"/>
-                </a:solidFill>
-                <a:effectLst/>
-                <a:uLnTx/>
-                <a:uFillTx/>
-                <a:latin typeface="Consolas" panose="020B0609020204030204" pitchFamily="49" charset="0"/>
-                <a:ea typeface="+mn-ea"/>
-                <a:cs typeface="+mn-cs"/>
-                <a:sym typeface="Helvetica Neue"/>
-              </a:rPr>
-              <a:t>}</a:t>
-            </a:r>
-          </a:p>
-          <a:p>
-            <a:endParaRPr lang="en-US" dirty="0"/>
+              <a:t> 2: Side-effect before </a:t>
+            </a:r>
+            <a:r>
+              <a:rPr lang="en-US" b="1" dirty="0"/>
+              <a:t>await</a:t>
+            </a:r>
           </a:p>
         </p:txBody>
       </p:sp>
@@ -27439,7 +26646,7 @@
           <p:cNvPr id="4" name="Slide Number Placeholder 3">
             <a:extLst>
               <a:ext uri="{FF2B5EF4-FFF2-40B4-BE49-F238E27FC236}">
-                <a16:creationId xmlns:a16="http://schemas.microsoft.com/office/drawing/2014/main" id="{44E9E064-70D6-F269-FC5D-0708F7361734}"/>
+                <a16:creationId xmlns:a16="http://schemas.microsoft.com/office/drawing/2014/main" id="{A9E8AE3D-F9F1-A80A-92FB-EF7AA9EA5372}"/>
               </a:ext>
             </a:extLst>
           </p:cNvPr>
@@ -27507,250 +26714,6 @@
                 <a:defRPr/>
               </a:pPr>
               <a:t>26</a:t>
-            </a:fld>
-            <a:endParaRPr kumimoji="0" lang="en-US" sz="1200" b="0" i="0" u="none" strike="noStrike" kern="1200" cap="none" spc="0" normalizeH="0" baseline="0" noProof="0">
-              <a:ln>
-                <a:noFill/>
-              </a:ln>
-              <a:solidFill>
-                <a:prstClr val="black">
-                  <a:tint val="75000"/>
-                </a:prstClr>
-              </a:solidFill>
-              <a:effectLst/>
-              <a:uLnTx/>
-              <a:uFillTx/>
-              <a:latin typeface="Calibri" panose="020F0502020204030204"/>
-              <a:ea typeface="+mn-ea"/>
-              <a:cs typeface="+mn-cs"/>
-            </a:endParaRPr>
-          </a:p>
-        </p:txBody>
-      </p:sp>
-      <p:sp>
-        <p:nvSpPr>
-          <p:cNvPr id="5" name="Rectangle: Rounded Corners 4">
-            <a:extLst>
-              <a:ext uri="{FF2B5EF4-FFF2-40B4-BE49-F238E27FC236}">
-                <a16:creationId xmlns:a16="http://schemas.microsoft.com/office/drawing/2014/main" id="{D71F20BD-32DB-08D0-DF0A-F124A57FD915}"/>
-              </a:ext>
-            </a:extLst>
-          </p:cNvPr>
-          <p:cNvSpPr/>
-          <p:nvPr/>
-        </p:nvSpPr>
-        <p:spPr>
-          <a:xfrm>
-            <a:off x="6763601" y="136525"/>
-            <a:ext cx="5180920" cy="601981"/>
-          </a:xfrm>
-          <a:prstGeom prst="roundRect">
-            <a:avLst/>
-          </a:prstGeom>
-          <a:solidFill>
-            <a:schemeClr val="accent6">
-              <a:lumMod val="20000"/>
-              <a:lumOff val="80000"/>
-            </a:schemeClr>
-          </a:solidFill>
-          <a:ln>
-            <a:solidFill>
-              <a:srgbClr val="0070C0"/>
-            </a:solidFill>
-          </a:ln>
-        </p:spPr>
-        <p:style>
-          <a:lnRef idx="2">
-            <a:schemeClr val="accent1">
-              <a:shade val="50000"/>
-            </a:schemeClr>
-          </a:lnRef>
-          <a:fillRef idx="1">
-            <a:schemeClr val="accent1"/>
-          </a:fillRef>
-          <a:effectRef idx="0">
-            <a:schemeClr val="accent1"/>
-          </a:effectRef>
-          <a:fontRef idx="minor">
-            <a:schemeClr val="lt1"/>
-          </a:fontRef>
-        </p:style>
-        <p:txBody>
-          <a:bodyPr rtlCol="0" anchor="ctr"/>
-          <a:lstStyle/>
-          <a:p>
-            <a:pPr algn="ctr"/>
-            <a:r>
-              <a:rPr lang="en-US" sz="2400" dirty="0" err="1">
-                <a:solidFill>
-                  <a:schemeClr val="tx1"/>
-                </a:solidFill>
-              </a:rPr>
-              <a:t>src</a:t>
-            </a:r>
-            <a:r>
-              <a:rPr lang="en-US" sz="2400" dirty="0">
-                <a:solidFill>
-                  <a:schemeClr val="tx1"/>
-                </a:solidFill>
-              </a:rPr>
-              <a:t>/Slides/</a:t>
-            </a:r>
-            <a:r>
-              <a:rPr lang="en-US" sz="2400" dirty="0" err="1">
-                <a:solidFill>
-                  <a:schemeClr val="tx1"/>
-                </a:solidFill>
-              </a:rPr>
-              <a:t>oneRequestNoAwait.ts</a:t>
-            </a:r>
-            <a:endParaRPr lang="en-US" sz="2400" dirty="0">
-              <a:solidFill>
-                <a:schemeClr val="tx1"/>
-              </a:solidFill>
-            </a:endParaRPr>
-          </a:p>
-        </p:txBody>
-      </p:sp>
-    </p:spTree>
-    <p:extLst>
-      <p:ext uri="{BB962C8B-B14F-4D97-AF65-F5344CB8AC3E}">
-        <p14:creationId xmlns:p14="http://schemas.microsoft.com/office/powerpoint/2010/main" val="1941022130"/>
-      </p:ext>
-    </p:extLst>
-  </p:cSld>
-  <p:clrMapOvr>
-    <a:masterClrMapping/>
-  </p:clrMapOvr>
-</p:sld>
-</file>
-
-<file path=ppt/slides/slide27.xml><?xml version="1.0" encoding="utf-8"?>
-<p:sld xmlns:a="http://schemas.openxmlformats.org/drawingml/2006/main" xmlns:r="http://schemas.openxmlformats.org/officeDocument/2006/relationships" xmlns:p="http://schemas.openxmlformats.org/presentationml/2006/main">
-  <p:cSld>
-    <p:spTree>
-      <p:nvGrpSpPr>
-        <p:cNvPr id="1" name=""/>
-        <p:cNvGrpSpPr/>
-        <p:nvPr/>
-      </p:nvGrpSpPr>
-      <p:grpSpPr>
-        <a:xfrm>
-          <a:off x="0" y="0"/>
-          <a:ext cx="0" cy="0"/>
-          <a:chOff x="0" y="0"/>
-          <a:chExt cx="0" cy="0"/>
-        </a:xfrm>
-      </p:grpSpPr>
-      <p:sp>
-        <p:nvSpPr>
-          <p:cNvPr id="2" name="Title 1">
-            <a:extLst>
-              <a:ext uri="{FF2B5EF4-FFF2-40B4-BE49-F238E27FC236}">
-                <a16:creationId xmlns:a16="http://schemas.microsoft.com/office/drawing/2014/main" id="{7E3C3C71-F774-1710-A3D1-D12E7FEC9D88}"/>
-              </a:ext>
-            </a:extLst>
-          </p:cNvPr>
-          <p:cNvSpPr>
-            <a:spLocks noGrp="1"/>
-          </p:cNvSpPr>
-          <p:nvPr>
-            <p:ph type="title"/>
-          </p:nvPr>
-        </p:nvSpPr>
-        <p:spPr/>
-        <p:txBody>
-          <a:bodyPr/>
-          <a:lstStyle/>
-          <a:p>
-            <a:r>
-              <a:rPr lang="en-US" dirty="0" err="1"/>
-              <a:t>AntiPattern</a:t>
-            </a:r>
-            <a:r>
-              <a:rPr lang="en-US" dirty="0"/>
-              <a:t> 2: Side-effect before </a:t>
-            </a:r>
-            <a:r>
-              <a:rPr lang="en-US" b="1" dirty="0"/>
-              <a:t>await</a:t>
-            </a:r>
-          </a:p>
-        </p:txBody>
-      </p:sp>
-      <p:sp>
-        <p:nvSpPr>
-          <p:cNvPr id="4" name="Slide Number Placeholder 3">
-            <a:extLst>
-              <a:ext uri="{FF2B5EF4-FFF2-40B4-BE49-F238E27FC236}">
-                <a16:creationId xmlns:a16="http://schemas.microsoft.com/office/drawing/2014/main" id="{A9E8AE3D-F9F1-A80A-92FB-EF7AA9EA5372}"/>
-              </a:ext>
-            </a:extLst>
-          </p:cNvPr>
-          <p:cNvSpPr>
-            <a:spLocks noGrp="1"/>
-          </p:cNvSpPr>
-          <p:nvPr>
-            <p:ph type="sldNum" sz="quarter" idx="12"/>
-          </p:nvPr>
-        </p:nvSpPr>
-        <p:spPr/>
-        <p:txBody>
-          <a:bodyPr/>
-          <a:lstStyle/>
-          <a:p>
-            <a:pPr marL="0" marR="0" lvl="0" indent="0" algn="r" defTabSz="914400" rtl="0" eaLnBrk="1" fontAlgn="auto" latinLnBrk="0" hangingPunct="1">
-              <a:lnSpc>
-                <a:spcPct val="100000"/>
-              </a:lnSpc>
-              <a:spcBef>
-                <a:spcPts val="0"/>
-              </a:spcBef>
-              <a:spcAft>
-                <a:spcPts val="0"/>
-              </a:spcAft>
-              <a:buClrTx/>
-              <a:buSzTx/>
-              <a:buFontTx/>
-              <a:buNone/>
-              <a:tabLst/>
-              <a:defRPr/>
-            </a:pPr>
-            <a:fld id="{20F37917-FD3A-4669-9018-DA04BCDD3D75}" type="slidenum">
-              <a:rPr kumimoji="0" lang="en-US" sz="1200" b="0" i="0" u="none" strike="noStrike" kern="1200" cap="none" spc="0" normalizeH="0" baseline="0" noProof="0" smtClean="0">
-                <a:ln>
-                  <a:noFill/>
-                </a:ln>
-                <a:solidFill>
-                  <a:prstClr val="black">
-                    <a:tint val="75000"/>
-                  </a:prstClr>
-                </a:solidFill>
-                <a:effectLst/>
-                <a:uLnTx/>
-                <a:uFillTx/>
-                <a:latin typeface="Calibri" panose="020F0502020204030204"/>
-                <a:ea typeface="+mn-ea"/>
-                <a:cs typeface="+mn-cs"/>
-              </a:rPr>
-              <a:pPr marL="0" marR="0" lvl="0" indent="0" algn="r" defTabSz="914400" rtl="0" eaLnBrk="1" fontAlgn="auto" latinLnBrk="0" hangingPunct="1">
-                <a:lnSpc>
-                  <a:spcPct val="100000"/>
-                </a:lnSpc>
-                <a:spcBef>
-                  <a:spcPts val="0"/>
-                </a:spcBef>
-                <a:spcAft>
-                  <a:spcPts val="0"/>
-                </a:spcAft>
-                <a:buClrTx/>
-                <a:buSzTx/>
-                <a:buFontTx/>
-                <a:buNone/>
-                <a:tabLst/>
-                <a:defRPr/>
-              </a:pPr>
-              <a:t>27</a:t>
             </a:fld>
             <a:endParaRPr kumimoji="0" lang="en-US" sz="1200" b="0" i="0" u="none" strike="noStrike" kern="1200" cap="none" spc="0" normalizeH="0" baseline="0" noProof="0">
               <a:ln>
@@ -28918,7 +27881,7 @@
 </p:sld>
 </file>
 
-<file path=ppt/slides/slide28.xml><?xml version="1.0" encoding="utf-8"?>
+<file path=ppt/slides/slide27.xml><?xml version="1.0" encoding="utf-8"?>
 <p:sld xmlns:a="http://schemas.openxmlformats.org/drawingml/2006/main" xmlns:r="http://schemas.openxmlformats.org/officeDocument/2006/relationships" xmlns:p="http://schemas.openxmlformats.org/presentationml/2006/main">
   <p:cSld>
     <p:spTree>
@@ -29035,7 +27998,7 @@
                 <a:tabLst/>
                 <a:defRPr/>
               </a:pPr>
-              <a:t>28</a:t>
+              <a:t>27</a:t>
             </a:fld>
             <a:endParaRPr kumimoji="0" lang="en-US" sz="1200" b="0" i="0" u="none" strike="noStrike" kern="1200" cap="none" spc="0" normalizeH="0" baseline="0" noProof="0">
               <a:ln>
@@ -29333,7 +28296,7 @@
 </p:sld>
 </file>
 
-<file path=ppt/slides/slide29.xml><?xml version="1.0" encoding="utf-8"?>
+<file path=ppt/slides/slide28.xml><?xml version="1.0" encoding="utf-8"?>
 <p:sld xmlns:a="http://schemas.openxmlformats.org/drawingml/2006/main" xmlns:r="http://schemas.openxmlformats.org/officeDocument/2006/relationships" xmlns:p="http://schemas.openxmlformats.org/presentationml/2006/main">
   <p:cSld>
     <p:spTree>
@@ -29422,7 +28385,7 @@
                 <a:tabLst/>
                 <a:defRPr/>
               </a:pPr>
-              <a:t>29</a:t>
+              <a:t>28</a:t>
             </a:fld>
             <a:endParaRPr kumimoji="0" lang="en-US" sz="1200" b="0" i="0" u="none" strike="noStrike" kern="1200" cap="none" spc="0" normalizeH="0" baseline="0" noProof="0">
               <a:ln>
@@ -29745,6 +28708,419 @@
 </p:sld>
 </file>
 
+<file path=ppt/slides/slide29.xml><?xml version="1.0" encoding="utf-8"?>
+<p:sld xmlns:a="http://schemas.openxmlformats.org/drawingml/2006/main" xmlns:r="http://schemas.openxmlformats.org/officeDocument/2006/relationships" xmlns:p="http://schemas.openxmlformats.org/presentationml/2006/main">
+  <p:cSld>
+    <p:spTree>
+      <p:nvGrpSpPr>
+        <p:cNvPr id="1" name=""/>
+        <p:cNvGrpSpPr/>
+        <p:nvPr/>
+      </p:nvGrpSpPr>
+      <p:grpSpPr>
+        <a:xfrm>
+          <a:off x="0" y="0"/>
+          <a:ext cx="0" cy="0"/>
+          <a:chOff x="0" y="0"/>
+          <a:chExt cx="0" cy="0"/>
+        </a:xfrm>
+      </p:grpSpPr>
+      <p:sp>
+        <p:nvSpPr>
+          <p:cNvPr id="2" name="Title 1">
+            <a:extLst>
+              <a:ext uri="{FF2B5EF4-FFF2-40B4-BE49-F238E27FC236}">
+                <a16:creationId xmlns:a16="http://schemas.microsoft.com/office/drawing/2014/main" id="{F0197F1B-AB6B-840B-6109-A5F224D49245}"/>
+              </a:ext>
+            </a:extLst>
+          </p:cNvPr>
+          <p:cNvSpPr>
+            <a:spLocks noGrp="1"/>
+          </p:cNvSpPr>
+          <p:nvPr>
+            <p:ph type="title"/>
+          </p:nvPr>
+        </p:nvSpPr>
+        <p:spPr/>
+        <p:txBody>
+          <a:bodyPr/>
+          <a:lstStyle/>
+          <a:p>
+            <a:r>
+              <a:rPr lang="en-US" dirty="0"/>
+              <a:t>Answer: JS/TS has some primitives for starting a non-blocking computation</a:t>
+            </a:r>
+          </a:p>
+        </p:txBody>
+      </p:sp>
+      <p:sp>
+        <p:nvSpPr>
+          <p:cNvPr id="3" name="Content Placeholder 2">
+            <a:extLst>
+              <a:ext uri="{FF2B5EF4-FFF2-40B4-BE49-F238E27FC236}">
+                <a16:creationId xmlns:a16="http://schemas.microsoft.com/office/drawing/2014/main" id="{2703E4AB-0914-33F5-4E7F-B4F98687C364}"/>
+              </a:ext>
+            </a:extLst>
+          </p:cNvPr>
+          <p:cNvSpPr>
+            <a:spLocks noGrp="1"/>
+          </p:cNvSpPr>
+          <p:nvPr>
+            <p:ph idx="1"/>
+          </p:nvPr>
+        </p:nvSpPr>
+        <p:spPr>
+          <a:xfrm>
+            <a:off x="838200" y="1500160"/>
+            <a:ext cx="7977810" cy="4403683"/>
+          </a:xfrm>
+        </p:spPr>
+        <p:txBody>
+          <a:bodyPr>
+            <a:normAutofit fontScale="92500" lnSpcReduction="10000"/>
+          </a:bodyPr>
+          <a:lstStyle/>
+          <a:p>
+            <a:r>
+              <a:rPr lang="en-US" dirty="0"/>
+              <a:t>These are things like http requests, I/O operations, or timers.</a:t>
+            </a:r>
+          </a:p>
+          <a:p>
+            <a:r>
+              <a:rPr lang="en-US" dirty="0"/>
+              <a:t>Each of these returns a promise that you can </a:t>
+            </a:r>
+            <a:r>
+              <a:rPr lang="en-US" b="1" dirty="0"/>
+              <a:t>await</a:t>
+            </a:r>
+            <a:r>
+              <a:rPr lang="en-US" dirty="0"/>
+              <a:t>.  The promise runs while it is pending, and produces the response from the http request, or the contents of the file, etc.</a:t>
+            </a:r>
+          </a:p>
+          <a:p>
+            <a:r>
+              <a:rPr lang="en-US" dirty="0"/>
+              <a:t>You will hardly ever call one of these primitives yourself; usually they are wrapped in a convenient procedure, e.g., we write</a:t>
+            </a:r>
+          </a:p>
+          <a:p>
+            <a:pPr marL="0" indent="0">
+              <a:buNone/>
+            </a:pPr>
+            <a:r>
+              <a:rPr lang="en-US" b="0" dirty="0">
+                <a:solidFill>
+                  <a:srgbClr val="0070C1"/>
+                </a:solidFill>
+                <a:effectLst/>
+                <a:latin typeface="Consolas" panose="020B0609020204030204" pitchFamily="49" charset="0"/>
+              </a:rPr>
+              <a:t>	</a:t>
+            </a:r>
+            <a:r>
+              <a:rPr lang="en-US" b="0" dirty="0" err="1">
+                <a:solidFill>
+                  <a:srgbClr val="0070C1"/>
+                </a:solidFill>
+                <a:effectLst/>
+                <a:latin typeface="Consolas" panose="020B0609020204030204" pitchFamily="49" charset="0"/>
+              </a:rPr>
+              <a:t>axios</a:t>
+            </a:r>
+            <a:r>
+              <a:rPr lang="en-US" b="0" dirty="0" err="1">
+                <a:solidFill>
+                  <a:srgbClr val="000000"/>
+                </a:solidFill>
+                <a:effectLst/>
+                <a:latin typeface="Consolas" panose="020B0609020204030204" pitchFamily="49" charset="0"/>
+              </a:rPr>
+              <a:t>.</a:t>
+            </a:r>
+            <a:r>
+              <a:rPr lang="en-US" b="0" dirty="0" err="1">
+                <a:solidFill>
+                  <a:srgbClr val="795E26"/>
+                </a:solidFill>
+                <a:effectLst/>
+                <a:latin typeface="Consolas" panose="020B0609020204030204" pitchFamily="49" charset="0"/>
+              </a:rPr>
+              <a:t>get</a:t>
+            </a:r>
+            <a:r>
+              <a:rPr lang="en-US" b="0" dirty="0">
+                <a:solidFill>
+                  <a:srgbClr val="000000"/>
+                </a:solidFill>
+                <a:effectLst/>
+                <a:latin typeface="Consolas" panose="020B0609020204030204" pitchFamily="49" charset="0"/>
+              </a:rPr>
+              <a:t>(</a:t>
+            </a:r>
+            <a:r>
+              <a:rPr lang="en-US" b="0" dirty="0">
+                <a:solidFill>
+                  <a:srgbClr val="A31515"/>
+                </a:solidFill>
+                <a:effectLst/>
+                <a:latin typeface="Consolas" panose="020B0609020204030204" pitchFamily="49" charset="0"/>
+              </a:rPr>
+              <a:t>'https://rest-</a:t>
+            </a:r>
+            <a:r>
+              <a:rPr lang="en-US" b="0" dirty="0" err="1">
+                <a:solidFill>
+                  <a:srgbClr val="A31515"/>
+                </a:solidFill>
+                <a:effectLst/>
+                <a:latin typeface="Consolas" panose="020B0609020204030204" pitchFamily="49" charset="0"/>
+              </a:rPr>
+              <a:t>example.covey.town</a:t>
+            </a:r>
+            <a:r>
+              <a:rPr lang="en-US" dirty="0">
+                <a:solidFill>
+                  <a:srgbClr val="A31515"/>
+                </a:solidFill>
+                <a:latin typeface="Consolas" panose="020B0609020204030204" pitchFamily="49" charset="0"/>
+              </a:rPr>
+              <a:t>’</a:t>
+            </a:r>
+            <a:r>
+              <a:rPr lang="en-US" b="0" dirty="0">
+                <a:solidFill>
+                  <a:srgbClr val="000000"/>
+                </a:solidFill>
+                <a:effectLst/>
+                <a:latin typeface="Consolas" panose="020B0609020204030204" pitchFamily="49" charset="0"/>
+              </a:rPr>
+              <a:t>)</a:t>
+            </a:r>
+          </a:p>
+          <a:p>
+            <a:pPr marL="0" indent="0">
+              <a:buNone/>
+            </a:pPr>
+            <a:r>
+              <a:rPr lang="en-US" dirty="0"/>
+              <a:t>  to make an http request, or </a:t>
+            </a:r>
+          </a:p>
+          <a:p>
+            <a:pPr marL="0" indent="0">
+              <a:buNone/>
+            </a:pPr>
+            <a:r>
+              <a:rPr lang="en-US" b="0" dirty="0">
+                <a:solidFill>
+                  <a:srgbClr val="267F99"/>
+                </a:solidFill>
+                <a:effectLst/>
+                <a:latin typeface="Consolas" panose="020B0609020204030204" pitchFamily="49" charset="0"/>
+              </a:rPr>
+              <a:t>	</a:t>
+            </a:r>
+            <a:r>
+              <a:rPr lang="en-US" b="0" dirty="0" err="1">
+                <a:solidFill>
+                  <a:srgbClr val="267F99"/>
+                </a:solidFill>
+                <a:effectLst/>
+                <a:latin typeface="Consolas" panose="020B0609020204030204" pitchFamily="49" charset="0"/>
+              </a:rPr>
+              <a:t>fs</a:t>
+            </a:r>
+            <a:r>
+              <a:rPr lang="en-US" b="0" dirty="0" err="1">
+                <a:solidFill>
+                  <a:srgbClr val="000000"/>
+                </a:solidFill>
+                <a:effectLst/>
+                <a:latin typeface="Consolas" panose="020B0609020204030204" pitchFamily="49" charset="0"/>
+              </a:rPr>
+              <a:t>.</a:t>
+            </a:r>
+            <a:r>
+              <a:rPr lang="en-US" b="0" dirty="0" err="1">
+                <a:solidFill>
+                  <a:srgbClr val="795E26"/>
+                </a:solidFill>
+                <a:effectLst/>
+                <a:latin typeface="Consolas" panose="020B0609020204030204" pitchFamily="49" charset="0"/>
+              </a:rPr>
+              <a:t>readFile</a:t>
+            </a:r>
+            <a:r>
+              <a:rPr lang="en-US" b="0" dirty="0">
+                <a:solidFill>
+                  <a:srgbClr val="000000"/>
+                </a:solidFill>
+                <a:effectLst/>
+                <a:latin typeface="Consolas" panose="020B0609020204030204" pitchFamily="49" charset="0"/>
+              </a:rPr>
+              <a:t>(</a:t>
+            </a:r>
+            <a:r>
+              <a:rPr lang="en-US" b="0" dirty="0">
+                <a:solidFill>
+                  <a:srgbClr val="001080"/>
+                </a:solidFill>
+                <a:effectLst/>
+                <a:latin typeface="Consolas" panose="020B0609020204030204" pitchFamily="49" charset="0"/>
+              </a:rPr>
+              <a:t>filename)</a:t>
+            </a:r>
+          </a:p>
+          <a:p>
+            <a:pPr marL="0" indent="0">
+              <a:buNone/>
+            </a:pPr>
+            <a:r>
+              <a:rPr lang="en-US" dirty="0"/>
+              <a:t>  to read the contents of a file.</a:t>
+            </a:r>
+          </a:p>
+        </p:txBody>
+      </p:sp>
+      <p:sp>
+        <p:nvSpPr>
+          <p:cNvPr id="4" name="Slide Number Placeholder 3">
+            <a:extLst>
+              <a:ext uri="{FF2B5EF4-FFF2-40B4-BE49-F238E27FC236}">
+                <a16:creationId xmlns:a16="http://schemas.microsoft.com/office/drawing/2014/main" id="{60F72ED1-8460-2361-2157-861495642043}"/>
+              </a:ext>
+            </a:extLst>
+          </p:cNvPr>
+          <p:cNvSpPr>
+            <a:spLocks noGrp="1"/>
+          </p:cNvSpPr>
+          <p:nvPr>
+            <p:ph type="sldNum" sz="quarter" idx="12"/>
+          </p:nvPr>
+        </p:nvSpPr>
+        <p:spPr/>
+        <p:txBody>
+          <a:bodyPr/>
+          <a:lstStyle/>
+          <a:p>
+            <a:pPr marL="0" marR="0" lvl="0" indent="0" algn="r" defTabSz="914400" rtl="0" eaLnBrk="1" fontAlgn="auto" latinLnBrk="0" hangingPunct="1">
+              <a:lnSpc>
+                <a:spcPct val="100000"/>
+              </a:lnSpc>
+              <a:spcBef>
+                <a:spcPts val="0"/>
+              </a:spcBef>
+              <a:spcAft>
+                <a:spcPts val="0"/>
+              </a:spcAft>
+              <a:buClrTx/>
+              <a:buSzTx/>
+              <a:buFontTx/>
+              <a:buNone/>
+              <a:tabLst/>
+              <a:defRPr/>
+            </a:pPr>
+            <a:fld id="{20F37917-FD3A-4669-9018-DA04BCDD3D75}" type="slidenum">
+              <a:rPr kumimoji="0" lang="en-US" sz="1200" b="0" i="0" u="none" strike="noStrike" kern="1200" cap="none" spc="0" normalizeH="0" baseline="0" noProof="0" smtClean="0">
+                <a:ln>
+                  <a:noFill/>
+                </a:ln>
+                <a:solidFill>
+                  <a:prstClr val="black">
+                    <a:tint val="75000"/>
+                  </a:prstClr>
+                </a:solidFill>
+                <a:effectLst/>
+                <a:uLnTx/>
+                <a:uFillTx/>
+                <a:latin typeface="Calibri" panose="020F0502020204030204"/>
+                <a:ea typeface="+mn-ea"/>
+                <a:cs typeface="+mn-cs"/>
+              </a:rPr>
+              <a:pPr marL="0" marR="0" lvl="0" indent="0" algn="r" defTabSz="914400" rtl="0" eaLnBrk="1" fontAlgn="auto" latinLnBrk="0" hangingPunct="1">
+                <a:lnSpc>
+                  <a:spcPct val="100000"/>
+                </a:lnSpc>
+                <a:spcBef>
+                  <a:spcPts val="0"/>
+                </a:spcBef>
+                <a:spcAft>
+                  <a:spcPts val="0"/>
+                </a:spcAft>
+                <a:buClrTx/>
+                <a:buSzTx/>
+                <a:buFontTx/>
+                <a:buNone/>
+                <a:tabLst/>
+                <a:defRPr/>
+              </a:pPr>
+              <a:t>29</a:t>
+            </a:fld>
+            <a:endParaRPr kumimoji="0" lang="en-US" sz="1200" b="0" i="0" u="none" strike="noStrike" kern="1200" cap="none" spc="0" normalizeH="0" baseline="0" noProof="0">
+              <a:ln>
+                <a:noFill/>
+              </a:ln>
+              <a:solidFill>
+                <a:prstClr val="black">
+                  <a:tint val="75000"/>
+                </a:prstClr>
+              </a:solidFill>
+              <a:effectLst/>
+              <a:uLnTx/>
+              <a:uFillTx/>
+              <a:latin typeface="Calibri" panose="020F0502020204030204"/>
+              <a:ea typeface="+mn-ea"/>
+              <a:cs typeface="+mn-cs"/>
+            </a:endParaRPr>
+          </a:p>
+        </p:txBody>
+      </p:sp>
+      <p:pic>
+        <p:nvPicPr>
+          <p:cNvPr id="5" name="Picture 4">
+            <a:extLst>
+              <a:ext uri="{FF2B5EF4-FFF2-40B4-BE49-F238E27FC236}">
+                <a16:creationId xmlns:a16="http://schemas.microsoft.com/office/drawing/2014/main" id="{D6522DE9-0421-F750-27F0-655F93E36D8C}"/>
+              </a:ext>
+            </a:extLst>
+          </p:cNvPr>
+          <p:cNvPicPr>
+            <a:picLocks noChangeAspect="1"/>
+          </p:cNvPicPr>
+          <p:nvPr/>
+        </p:nvPicPr>
+        <p:blipFill>
+          <a:blip r:embed="rId3"/>
+          <a:stretch>
+            <a:fillRect/>
+          </a:stretch>
+        </p:blipFill>
+        <p:spPr>
+          <a:xfrm>
+            <a:off x="8610600" y="3879850"/>
+            <a:ext cx="2876117" cy="2476500"/>
+          </a:xfrm>
+          <a:prstGeom prst="rect">
+            <a:avLst/>
+          </a:prstGeom>
+        </p:spPr>
+      </p:pic>
+    </p:spTree>
+    <p:extLst>
+      <p:ext uri="{BB962C8B-B14F-4D97-AF65-F5344CB8AC3E}">
+        <p14:creationId xmlns:p14="http://schemas.microsoft.com/office/powerpoint/2010/main" val="226957645"/>
+      </p:ext>
+    </p:extLst>
+  </p:cSld>
+  <p:clrMapOvr>
+    <a:masterClrMapping/>
+  </p:clrMapOvr>
+</p:sld>
+</file>
+
 <file path=ppt/slides/slide3.xml><?xml version="1.0" encoding="utf-8"?>
 <p:sld xmlns:a="http://schemas.openxmlformats.org/drawingml/2006/main" xmlns:r="http://schemas.openxmlformats.org/officeDocument/2006/relationships" xmlns:p="http://schemas.openxmlformats.org/presentationml/2006/main">
   <p:cSld>
@@ -29913,7 +29289,7 @@
           </a:prstGeom>
           <a:extLst>
             <a:ext uri="{C572A759-6A51-4108-AA02-DFA0A04FC94B}">
-              <ma14:wrappingTextBoxFlag xmlns:ma14="http://schemas.microsoft.com/office/mac/drawingml/2011/main" xmlns:a14="http://schemas.microsoft.com/office/drawing/2010/main" xmlns:m="http://schemas.openxmlformats.org/officeDocument/2006/math" xmlns="" val="1"/>
+              <ma14:wrappingTextBoxFlag xmlns="" xmlns:m="http://schemas.openxmlformats.org/officeDocument/2006/math" xmlns:a14="http://schemas.microsoft.com/office/drawing/2010/main" xmlns:ma14="http://schemas.microsoft.com/office/mac/drawingml/2011/main" val="1"/>
             </a:ext>
           </a:extLst>
         </p:spPr>
@@ -30303,7 +29679,7 @@
               </a:effectLst>
               <a:extLst>
                 <a:ext uri="{C572A759-6A51-4108-AA02-DFA0A04FC94B}">
-                  <ma14:wrappingTextBoxFlag xmlns:ma14="http://schemas.microsoft.com/office/mac/drawingml/2011/main" xmlns:a14="http://schemas.microsoft.com/office/drawing/2010/main" xmlns:m="http://schemas.openxmlformats.org/officeDocument/2006/math" xmlns="" val="1"/>
+                  <ma14:wrappingTextBoxFlag xmlns="" xmlns:m="http://schemas.openxmlformats.org/officeDocument/2006/math" xmlns:a14="http://schemas.microsoft.com/office/drawing/2010/main" xmlns:ma14="http://schemas.microsoft.com/office/mac/drawingml/2011/main" val="1"/>
                 </a:ext>
               </a:extLst>
             </p:spPr>
@@ -30373,7 +29749,7 @@
               </a:effectLst>
               <a:extLst>
                 <a:ext uri="{C572A759-6A51-4108-AA02-DFA0A04FC94B}">
-                  <ma14:wrappingTextBoxFlag xmlns:ma14="http://schemas.microsoft.com/office/mac/drawingml/2011/main" xmlns:a14="http://schemas.microsoft.com/office/drawing/2010/main" xmlns:m="http://schemas.openxmlformats.org/officeDocument/2006/math" xmlns="" val="1"/>
+                  <ma14:wrappingTextBoxFlag xmlns="" xmlns:m="http://schemas.openxmlformats.org/officeDocument/2006/math" xmlns:a14="http://schemas.microsoft.com/office/drawing/2010/main" xmlns:ma14="http://schemas.microsoft.com/office/mac/drawingml/2011/main" val="1"/>
                 </a:ext>
               </a:extLst>
             </p:spPr>
@@ -30441,7 +29817,7 @@
               </a:effectLst>
               <a:extLst>
                 <a:ext uri="{C572A759-6A51-4108-AA02-DFA0A04FC94B}">
-                  <ma14:wrappingTextBoxFlag xmlns:ma14="http://schemas.microsoft.com/office/mac/drawingml/2011/main" xmlns:a14="http://schemas.microsoft.com/office/drawing/2010/main" xmlns:m="http://schemas.openxmlformats.org/officeDocument/2006/math" xmlns="" val="1"/>
+                  <ma14:wrappingTextBoxFlag xmlns="" xmlns:m="http://schemas.openxmlformats.org/officeDocument/2006/math" xmlns:a14="http://schemas.microsoft.com/office/drawing/2010/main" xmlns:ma14="http://schemas.microsoft.com/office/mac/drawingml/2011/main" val="1"/>
                 </a:ext>
               </a:extLst>
             </p:spPr>
@@ -30529,7 +29905,7 @@
                 </a:effectLst>
                 <a:extLst>
                   <a:ext uri="{C572A759-6A51-4108-AA02-DFA0A04FC94B}">
-                    <ma14:wrappingTextBoxFlag xmlns:ma14="http://schemas.microsoft.com/office/mac/drawingml/2011/main" xmlns:a14="http://schemas.microsoft.com/office/drawing/2010/main" xmlns:m="http://schemas.openxmlformats.org/officeDocument/2006/math" xmlns="" val="1"/>
+                    <ma14:wrappingTextBoxFlag xmlns="" xmlns:m="http://schemas.openxmlformats.org/officeDocument/2006/math" xmlns:a14="http://schemas.microsoft.com/office/drawing/2010/main" xmlns:ma14="http://schemas.microsoft.com/office/mac/drawingml/2011/main" val="1"/>
                   </a:ext>
                 </a:extLst>
               </p:spPr>
@@ -30707,7 +30083,7 @@
                   <a:effectLst/>
                   <a:extLst>
                     <a:ext uri="{C572A759-6A51-4108-AA02-DFA0A04FC94B}">
-                      <ma14:wrappingTextBoxFlag xmlns:ma14="http://schemas.microsoft.com/office/mac/drawingml/2011/main" xmlns:a14="http://schemas.microsoft.com/office/drawing/2010/main" xmlns:m="http://schemas.openxmlformats.org/officeDocument/2006/math" xmlns="" val="1"/>
+                      <ma14:wrappingTextBoxFlag xmlns="" xmlns:m="http://schemas.openxmlformats.org/officeDocument/2006/math" xmlns:a14="http://schemas.microsoft.com/office/drawing/2010/main" xmlns:ma14="http://schemas.microsoft.com/office/mac/drawingml/2011/main" val="1"/>
                     </a:ext>
                   </a:extLst>
                 </p:spPr>
@@ -30907,7 +30283,7 @@
                   <a:effectLst/>
                   <a:extLst>
                     <a:ext uri="{C572A759-6A51-4108-AA02-DFA0A04FC94B}">
-                      <ma14:wrappingTextBoxFlag xmlns:ma14="http://schemas.microsoft.com/office/mac/drawingml/2011/main" xmlns:a14="http://schemas.microsoft.com/office/drawing/2010/main" xmlns:m="http://schemas.openxmlformats.org/officeDocument/2006/math" xmlns="" val="1"/>
+                      <ma14:wrappingTextBoxFlag xmlns="" xmlns:m="http://schemas.openxmlformats.org/officeDocument/2006/math" xmlns:a14="http://schemas.microsoft.com/office/drawing/2010/main" xmlns:ma14="http://schemas.microsoft.com/office/mac/drawingml/2011/main" val="1"/>
                     </a:ext>
                   </a:extLst>
                 </p:spPr>
@@ -30997,7 +30373,7 @@
                 </a:effectLst>
                 <a:extLst>
                   <a:ext uri="{C572A759-6A51-4108-AA02-DFA0A04FC94B}">
-                    <ma14:wrappingTextBoxFlag xmlns:ma14="http://schemas.microsoft.com/office/mac/drawingml/2011/main" xmlns:a14="http://schemas.microsoft.com/office/drawing/2010/main" xmlns:m="http://schemas.openxmlformats.org/officeDocument/2006/math" xmlns="" val="1"/>
+                    <ma14:wrappingTextBoxFlag xmlns="" xmlns:m="http://schemas.openxmlformats.org/officeDocument/2006/math" xmlns:a14="http://schemas.microsoft.com/office/drawing/2010/main" xmlns:ma14="http://schemas.microsoft.com/office/mac/drawingml/2011/main" val="1"/>
                   </a:ext>
                 </a:extLst>
               </p:spPr>
@@ -31175,7 +30551,7 @@
                   <a:effectLst/>
                   <a:extLst>
                     <a:ext uri="{C572A759-6A51-4108-AA02-DFA0A04FC94B}">
-                      <ma14:wrappingTextBoxFlag xmlns:ma14="http://schemas.microsoft.com/office/mac/drawingml/2011/main" xmlns:a14="http://schemas.microsoft.com/office/drawing/2010/main" xmlns:m="http://schemas.openxmlformats.org/officeDocument/2006/math" xmlns="" val="1"/>
+                      <ma14:wrappingTextBoxFlag xmlns="" xmlns:m="http://schemas.openxmlformats.org/officeDocument/2006/math" xmlns:a14="http://schemas.microsoft.com/office/drawing/2010/main" xmlns:ma14="http://schemas.microsoft.com/office/mac/drawingml/2011/main" val="1"/>
                     </a:ext>
                   </a:extLst>
                 </p:spPr>
@@ -31265,7 +30641,7 @@
                 </a:effectLst>
                 <a:extLst>
                   <a:ext uri="{C572A759-6A51-4108-AA02-DFA0A04FC94B}">
-                    <ma14:wrappingTextBoxFlag xmlns:ma14="http://schemas.microsoft.com/office/mac/drawingml/2011/main" xmlns:a14="http://schemas.microsoft.com/office/drawing/2010/main" xmlns:m="http://schemas.openxmlformats.org/officeDocument/2006/math" xmlns="" val="1"/>
+                    <ma14:wrappingTextBoxFlag xmlns="" xmlns:m="http://schemas.openxmlformats.org/officeDocument/2006/math" xmlns:a14="http://schemas.microsoft.com/office/drawing/2010/main" xmlns:ma14="http://schemas.microsoft.com/office/mac/drawingml/2011/main" val="1"/>
                   </a:ext>
                 </a:extLst>
               </p:spPr>
@@ -31443,7 +30819,7 @@
                   <a:effectLst/>
                   <a:extLst>
                     <a:ext uri="{C572A759-6A51-4108-AA02-DFA0A04FC94B}">
-                      <ma14:wrappingTextBoxFlag xmlns:ma14="http://schemas.microsoft.com/office/mac/drawingml/2011/main" xmlns:a14="http://schemas.microsoft.com/office/drawing/2010/main" xmlns:m="http://schemas.openxmlformats.org/officeDocument/2006/math" xmlns="" val="1"/>
+                      <ma14:wrappingTextBoxFlag xmlns="" xmlns:m="http://schemas.openxmlformats.org/officeDocument/2006/math" xmlns:a14="http://schemas.microsoft.com/office/drawing/2010/main" xmlns:ma14="http://schemas.microsoft.com/office/mac/drawingml/2011/main" val="1"/>
                     </a:ext>
                   </a:extLst>
                 </p:spPr>
@@ -31514,7 +30890,7 @@
             </a:effectLst>
             <a:extLst>
               <a:ext uri="{C572A759-6A51-4108-AA02-DFA0A04FC94B}">
-                <ma14:wrappingTextBoxFlag xmlns:ma14="http://schemas.microsoft.com/office/mac/drawingml/2011/main" xmlns:a14="http://schemas.microsoft.com/office/drawing/2010/main" xmlns:m="http://schemas.openxmlformats.org/officeDocument/2006/math" xmlns="" val="1"/>
+                <ma14:wrappingTextBoxFlag xmlns="" xmlns:m="http://schemas.openxmlformats.org/officeDocument/2006/math" xmlns:a14="http://schemas.microsoft.com/office/drawing/2010/main" xmlns:ma14="http://schemas.microsoft.com/office/mac/drawingml/2011/main" val="1"/>
               </a:ext>
             </a:extLst>
           </p:spPr>
@@ -31741,7 +31117,7 @@
           </a:prstGeom>
           <a:extLst>
             <a:ext uri="{C572A759-6A51-4108-AA02-DFA0A04FC94B}">
-              <ma14:wrappingTextBoxFlag xmlns:ma14="http://schemas.microsoft.com/office/mac/drawingml/2011/main" xmlns:a14="http://schemas.microsoft.com/office/drawing/2010/main" xmlns:m="http://schemas.openxmlformats.org/officeDocument/2006/math" xmlns="" val="1"/>
+              <ma14:wrappingTextBoxFlag xmlns="" xmlns:m="http://schemas.openxmlformats.org/officeDocument/2006/math" xmlns:a14="http://schemas.microsoft.com/office/drawing/2010/main" xmlns:ma14="http://schemas.microsoft.com/office/mac/drawingml/2011/main" val="1"/>
             </a:ext>
           </a:extLst>
         </p:spPr>
@@ -32307,7 +31683,7 @@
           <p:cNvPr id="2" name="Title 1">
             <a:extLst>
               <a:ext uri="{FF2B5EF4-FFF2-40B4-BE49-F238E27FC236}">
-                <a16:creationId xmlns:a16="http://schemas.microsoft.com/office/drawing/2014/main" id="{F0197F1B-AB6B-840B-6109-A5F224D49245}"/>
+                <a16:creationId xmlns:a16="http://schemas.microsoft.com/office/drawing/2014/main" id="{29121F2F-6CF4-38E5-4111-58D01708C3D0}"/>
               </a:ext>
             </a:extLst>
           </p:cNvPr>
@@ -32325,239 +31701,7 @@
           <a:p>
             <a:r>
               <a:rPr lang="en-US" dirty="0"/>
-              <a:t>Answer: JS/TS has some primitives for starting a non-blocking computation</a:t>
-            </a:r>
-          </a:p>
-        </p:txBody>
-      </p:sp>
-      <p:sp>
-        <p:nvSpPr>
-          <p:cNvPr id="3" name="Content Placeholder 2">
-            <a:extLst>
-              <a:ext uri="{FF2B5EF4-FFF2-40B4-BE49-F238E27FC236}">
-                <a16:creationId xmlns:a16="http://schemas.microsoft.com/office/drawing/2014/main" id="{2703E4AB-0914-33F5-4E7F-B4F98687C364}"/>
-              </a:ext>
-            </a:extLst>
-          </p:cNvPr>
-          <p:cNvSpPr>
-            <a:spLocks noGrp="1"/>
-          </p:cNvSpPr>
-          <p:nvPr>
-            <p:ph idx="1"/>
-          </p:nvPr>
-        </p:nvSpPr>
-        <p:spPr>
-          <a:xfrm>
-            <a:off x="838200" y="1500160"/>
-            <a:ext cx="7977810" cy="4403683"/>
-          </a:xfrm>
-        </p:spPr>
-        <p:txBody>
-          <a:bodyPr>
-            <a:normAutofit fontScale="92500" lnSpcReduction="10000"/>
-          </a:bodyPr>
-          <a:lstStyle/>
-          <a:p>
-            <a:r>
-              <a:rPr lang="en-US" dirty="0"/>
-              <a:t>These are things like http requests, I/O operations, or timers.</a:t>
-            </a:r>
-          </a:p>
-          <a:p>
-            <a:r>
-              <a:rPr lang="en-US" dirty="0"/>
-              <a:t>Each of these returns a promise that you can </a:t>
-            </a:r>
-            <a:r>
-              <a:rPr lang="en-US" b="1" dirty="0"/>
-              <a:t>await</a:t>
-            </a:r>
-            <a:r>
-              <a:rPr lang="en-US" dirty="0"/>
-              <a:t>.  The promise runs while it is pending, and produces the response from the http request, or the contents of the file, etc.</a:t>
-            </a:r>
-          </a:p>
-          <a:p>
-            <a:r>
-              <a:rPr lang="en-US" dirty="0"/>
-              <a:t>You will hardly ever call one of these primitives yourself; usually they are wrapped in a convenient procedure, e.g., we write</a:t>
-            </a:r>
-          </a:p>
-          <a:p>
-            <a:pPr marL="0" indent="0">
-              <a:buNone/>
-            </a:pPr>
-            <a:r>
-              <a:rPr lang="en-US" b="0" dirty="0">
-                <a:solidFill>
-                  <a:srgbClr val="0070C1"/>
-                </a:solidFill>
-                <a:effectLst/>
-                <a:latin typeface="Consolas" panose="020B0609020204030204" pitchFamily="49" charset="0"/>
-              </a:rPr>
-              <a:t>	</a:t>
-            </a:r>
-            <a:r>
-              <a:rPr lang="en-US" b="0" dirty="0" err="1">
-                <a:solidFill>
-                  <a:srgbClr val="0070C1"/>
-                </a:solidFill>
-                <a:effectLst/>
-                <a:latin typeface="Consolas" panose="020B0609020204030204" pitchFamily="49" charset="0"/>
-              </a:rPr>
-              <a:t>axios</a:t>
-            </a:r>
-            <a:r>
-              <a:rPr lang="en-US" b="0" dirty="0" err="1">
-                <a:solidFill>
-                  <a:srgbClr val="000000"/>
-                </a:solidFill>
-                <a:effectLst/>
-                <a:latin typeface="Consolas" panose="020B0609020204030204" pitchFamily="49" charset="0"/>
-              </a:rPr>
-              <a:t>.</a:t>
-            </a:r>
-            <a:r>
-              <a:rPr lang="en-US" b="0" dirty="0" err="1">
-                <a:solidFill>
-                  <a:srgbClr val="795E26"/>
-                </a:solidFill>
-                <a:effectLst/>
-                <a:latin typeface="Consolas" panose="020B0609020204030204" pitchFamily="49" charset="0"/>
-              </a:rPr>
-              <a:t>get</a:t>
-            </a:r>
-            <a:r>
-              <a:rPr lang="en-US" b="0" dirty="0">
-                <a:solidFill>
-                  <a:srgbClr val="000000"/>
-                </a:solidFill>
-                <a:effectLst/>
-                <a:latin typeface="Consolas" panose="020B0609020204030204" pitchFamily="49" charset="0"/>
-              </a:rPr>
-              <a:t>(</a:t>
-            </a:r>
-            <a:r>
-              <a:rPr lang="en-US" b="0" dirty="0">
-                <a:solidFill>
-                  <a:srgbClr val="A31515"/>
-                </a:solidFill>
-                <a:effectLst/>
-                <a:latin typeface="Consolas" panose="020B0609020204030204" pitchFamily="49" charset="0"/>
-              </a:rPr>
-              <a:t>'https://rest-</a:t>
-            </a:r>
-            <a:r>
-              <a:rPr lang="en-US" b="0" dirty="0" err="1">
-                <a:solidFill>
-                  <a:srgbClr val="A31515"/>
-                </a:solidFill>
-                <a:effectLst/>
-                <a:latin typeface="Consolas" panose="020B0609020204030204" pitchFamily="49" charset="0"/>
-              </a:rPr>
-              <a:t>example.covey.town</a:t>
-            </a:r>
-            <a:r>
-              <a:rPr lang="en-US" dirty="0">
-                <a:solidFill>
-                  <a:srgbClr val="A31515"/>
-                </a:solidFill>
-                <a:latin typeface="Consolas" panose="020B0609020204030204" pitchFamily="49" charset="0"/>
-              </a:rPr>
-              <a:t>’</a:t>
-            </a:r>
-            <a:r>
-              <a:rPr lang="en-US" b="0" dirty="0">
-                <a:solidFill>
-                  <a:srgbClr val="000000"/>
-                </a:solidFill>
-                <a:effectLst/>
-                <a:latin typeface="Consolas" panose="020B0609020204030204" pitchFamily="49" charset="0"/>
-              </a:rPr>
-              <a:t>)</a:t>
-            </a:r>
-          </a:p>
-          <a:p>
-            <a:pPr marL="0" indent="0">
-              <a:buNone/>
-            </a:pPr>
-            <a:r>
-              <a:rPr lang="en-US" dirty="0"/>
-              <a:t>  to make an http request, or </a:t>
-            </a:r>
-          </a:p>
-          <a:p>
-            <a:pPr marL="0" indent="0">
-              <a:buNone/>
-            </a:pPr>
-            <a:r>
-              <a:rPr lang="en-US" b="0" dirty="0">
-                <a:solidFill>
-                  <a:srgbClr val="267F99"/>
-                </a:solidFill>
-                <a:effectLst/>
-                <a:latin typeface="Consolas" panose="020B0609020204030204" pitchFamily="49" charset="0"/>
-              </a:rPr>
-              <a:t>	</a:t>
-            </a:r>
-            <a:r>
-              <a:rPr lang="en-US" b="0" dirty="0" err="1">
-                <a:solidFill>
-                  <a:srgbClr val="267F99"/>
-                </a:solidFill>
-                <a:effectLst/>
-                <a:latin typeface="Consolas" panose="020B0609020204030204" pitchFamily="49" charset="0"/>
-              </a:rPr>
-              <a:t>fs</a:t>
-            </a:r>
-            <a:r>
-              <a:rPr lang="en-US" b="0" dirty="0" err="1">
-                <a:solidFill>
-                  <a:srgbClr val="000000"/>
-                </a:solidFill>
-                <a:effectLst/>
-                <a:latin typeface="Consolas" panose="020B0609020204030204" pitchFamily="49" charset="0"/>
-              </a:rPr>
-              <a:t>.</a:t>
-            </a:r>
-            <a:r>
-              <a:rPr lang="en-US" b="0" dirty="0" err="1">
-                <a:solidFill>
-                  <a:srgbClr val="795E26"/>
-                </a:solidFill>
-                <a:effectLst/>
-                <a:latin typeface="Consolas" panose="020B0609020204030204" pitchFamily="49" charset="0"/>
-              </a:rPr>
-              <a:t>readFile</a:t>
-            </a:r>
-            <a:r>
-              <a:rPr lang="en-US" b="0" dirty="0">
-                <a:solidFill>
-                  <a:srgbClr val="000000"/>
-                </a:solidFill>
-                <a:effectLst/>
-                <a:latin typeface="Consolas" panose="020B0609020204030204" pitchFamily="49" charset="0"/>
-              </a:rPr>
-              <a:t>(</a:t>
-            </a:r>
-            <a:r>
-              <a:rPr lang="en-US" b="0" dirty="0">
-                <a:solidFill>
-                  <a:srgbClr val="001080"/>
-                </a:solidFill>
-                <a:effectLst/>
-                <a:latin typeface="Consolas" panose="020B0609020204030204" pitchFamily="49" charset="0"/>
-              </a:rPr>
-              <a:t>filename)</a:t>
-            </a:r>
-          </a:p>
-          <a:p>
-            <a:pPr marL="0" indent="0">
-              <a:buNone/>
-            </a:pPr>
-            <a:r>
-              <a:rPr lang="en-US" dirty="0"/>
-              <a:t>  to read the contents of a file.</a:t>
+              <a:t>Let’s put it all together</a:t>
             </a:r>
           </a:p>
         </p:txBody>
@@ -32567,7 +31711,7 @@
           <p:cNvPr id="4" name="Slide Number Placeholder 3">
             <a:extLst>
               <a:ext uri="{FF2B5EF4-FFF2-40B4-BE49-F238E27FC236}">
-                <a16:creationId xmlns:a16="http://schemas.microsoft.com/office/drawing/2014/main" id="{60F72ED1-8460-2361-2157-861495642043}"/>
+                <a16:creationId xmlns:a16="http://schemas.microsoft.com/office/drawing/2014/main" id="{04664315-99D5-1896-D0BB-CD09B9541421}"/>
               </a:ext>
             </a:extLst>
           </p:cNvPr>
@@ -32635,187 +31779,6 @@
                 <a:defRPr/>
               </a:pPr>
               <a:t>30</a:t>
-            </a:fld>
-            <a:endParaRPr kumimoji="0" lang="en-US" sz="1200" b="0" i="0" u="none" strike="noStrike" kern="1200" cap="none" spc="0" normalizeH="0" baseline="0" noProof="0">
-              <a:ln>
-                <a:noFill/>
-              </a:ln>
-              <a:solidFill>
-                <a:prstClr val="black">
-                  <a:tint val="75000"/>
-                </a:prstClr>
-              </a:solidFill>
-              <a:effectLst/>
-              <a:uLnTx/>
-              <a:uFillTx/>
-              <a:latin typeface="Calibri" panose="020F0502020204030204"/>
-              <a:ea typeface="+mn-ea"/>
-              <a:cs typeface="+mn-cs"/>
-            </a:endParaRPr>
-          </a:p>
-        </p:txBody>
-      </p:sp>
-      <p:pic>
-        <p:nvPicPr>
-          <p:cNvPr id="5" name="Picture 4">
-            <a:extLst>
-              <a:ext uri="{FF2B5EF4-FFF2-40B4-BE49-F238E27FC236}">
-                <a16:creationId xmlns:a16="http://schemas.microsoft.com/office/drawing/2014/main" id="{D6522DE9-0421-F750-27F0-655F93E36D8C}"/>
-              </a:ext>
-            </a:extLst>
-          </p:cNvPr>
-          <p:cNvPicPr>
-            <a:picLocks noChangeAspect="1"/>
-          </p:cNvPicPr>
-          <p:nvPr/>
-        </p:nvPicPr>
-        <p:blipFill>
-          <a:blip r:embed="rId3"/>
-          <a:stretch>
-            <a:fillRect/>
-          </a:stretch>
-        </p:blipFill>
-        <p:spPr>
-          <a:xfrm>
-            <a:off x="8610600" y="3879850"/>
-            <a:ext cx="2876117" cy="2476500"/>
-          </a:xfrm>
-          <a:prstGeom prst="rect">
-            <a:avLst/>
-          </a:prstGeom>
-        </p:spPr>
-      </p:pic>
-    </p:spTree>
-    <p:extLst>
-      <p:ext uri="{BB962C8B-B14F-4D97-AF65-F5344CB8AC3E}">
-        <p14:creationId xmlns:p14="http://schemas.microsoft.com/office/powerpoint/2010/main" val="226957645"/>
-      </p:ext>
-    </p:extLst>
-  </p:cSld>
-  <p:clrMapOvr>
-    <a:masterClrMapping/>
-  </p:clrMapOvr>
-</p:sld>
-</file>
-
-<file path=ppt/slides/slide31.xml><?xml version="1.0" encoding="utf-8"?>
-<p:sld xmlns:a="http://schemas.openxmlformats.org/drawingml/2006/main" xmlns:r="http://schemas.openxmlformats.org/officeDocument/2006/relationships" xmlns:p="http://schemas.openxmlformats.org/presentationml/2006/main">
-  <p:cSld>
-    <p:spTree>
-      <p:nvGrpSpPr>
-        <p:cNvPr id="1" name=""/>
-        <p:cNvGrpSpPr/>
-        <p:nvPr/>
-      </p:nvGrpSpPr>
-      <p:grpSpPr>
-        <a:xfrm>
-          <a:off x="0" y="0"/>
-          <a:ext cx="0" cy="0"/>
-          <a:chOff x="0" y="0"/>
-          <a:chExt cx="0" cy="0"/>
-        </a:xfrm>
-      </p:grpSpPr>
-      <p:sp>
-        <p:nvSpPr>
-          <p:cNvPr id="2" name="Title 1">
-            <a:extLst>
-              <a:ext uri="{FF2B5EF4-FFF2-40B4-BE49-F238E27FC236}">
-                <a16:creationId xmlns:a16="http://schemas.microsoft.com/office/drawing/2014/main" id="{29121F2F-6CF4-38E5-4111-58D01708C3D0}"/>
-              </a:ext>
-            </a:extLst>
-          </p:cNvPr>
-          <p:cNvSpPr>
-            <a:spLocks noGrp="1"/>
-          </p:cNvSpPr>
-          <p:nvPr>
-            <p:ph type="title"/>
-          </p:nvPr>
-        </p:nvSpPr>
-        <p:spPr/>
-        <p:txBody>
-          <a:bodyPr/>
-          <a:lstStyle/>
-          <a:p>
-            <a:r>
-              <a:rPr lang="en-US" dirty="0"/>
-              <a:t>Let’s put it all together</a:t>
-            </a:r>
-          </a:p>
-        </p:txBody>
-      </p:sp>
-      <p:sp>
-        <p:nvSpPr>
-          <p:cNvPr id="4" name="Slide Number Placeholder 3">
-            <a:extLst>
-              <a:ext uri="{FF2B5EF4-FFF2-40B4-BE49-F238E27FC236}">
-                <a16:creationId xmlns:a16="http://schemas.microsoft.com/office/drawing/2014/main" id="{04664315-99D5-1896-D0BB-CD09B9541421}"/>
-              </a:ext>
-            </a:extLst>
-          </p:cNvPr>
-          <p:cNvSpPr>
-            <a:spLocks noGrp="1"/>
-          </p:cNvSpPr>
-          <p:nvPr>
-            <p:ph type="sldNum" sz="quarter" idx="12"/>
-          </p:nvPr>
-        </p:nvSpPr>
-        <p:spPr/>
-        <p:txBody>
-          <a:bodyPr/>
-          <a:lstStyle/>
-          <a:p>
-            <a:pPr marL="0" marR="0" lvl="0" indent="0" algn="r" defTabSz="914400" rtl="0" eaLnBrk="1" fontAlgn="auto" latinLnBrk="0" hangingPunct="1">
-              <a:lnSpc>
-                <a:spcPct val="100000"/>
-              </a:lnSpc>
-              <a:spcBef>
-                <a:spcPts val="0"/>
-              </a:spcBef>
-              <a:spcAft>
-                <a:spcPts val="0"/>
-              </a:spcAft>
-              <a:buClrTx/>
-              <a:buSzTx/>
-              <a:buFontTx/>
-              <a:buNone/>
-              <a:tabLst/>
-              <a:defRPr/>
-            </a:pPr>
-            <a:fld id="{20F37917-FD3A-4669-9018-DA04BCDD3D75}" type="slidenum">
-              <a:rPr kumimoji="0" lang="en-US" sz="1200" b="0" i="0" u="none" strike="noStrike" kern="1200" cap="none" spc="0" normalizeH="0" baseline="0" noProof="0" smtClean="0">
-                <a:ln>
-                  <a:noFill/>
-                </a:ln>
-                <a:solidFill>
-                  <a:prstClr val="black">
-                    <a:tint val="75000"/>
-                  </a:prstClr>
-                </a:solidFill>
-                <a:effectLst/>
-                <a:uLnTx/>
-                <a:uFillTx/>
-                <a:latin typeface="Calibri" panose="020F0502020204030204"/>
-                <a:ea typeface="+mn-ea"/>
-                <a:cs typeface="+mn-cs"/>
-              </a:rPr>
-              <a:pPr marL="0" marR="0" lvl="0" indent="0" algn="r" defTabSz="914400" rtl="0" eaLnBrk="1" fontAlgn="auto" latinLnBrk="0" hangingPunct="1">
-                <a:lnSpc>
-                  <a:spcPct val="100000"/>
-                </a:lnSpc>
-                <a:spcBef>
-                  <a:spcPts val="0"/>
-                </a:spcBef>
-                <a:spcAft>
-                  <a:spcPts val="0"/>
-                </a:spcAft>
-                <a:buClrTx/>
-                <a:buSzTx/>
-                <a:buFontTx/>
-                <a:buNone/>
-                <a:tabLst/>
-                <a:defRPr/>
-              </a:pPr>
-              <a:t>31</a:t>
             </a:fld>
             <a:endParaRPr kumimoji="0" lang="en-US" sz="1200" b="0" i="0" u="none" strike="noStrike" kern="1200" cap="none" spc="0" normalizeH="0" baseline="0" noProof="0">
               <a:ln>
@@ -32948,7 +31911,7 @@
 </p:sld>
 </file>
 
-<file path=ppt/slides/slide32.xml><?xml version="1.0" encoding="utf-8"?>
+<file path=ppt/slides/slide31.xml><?xml version="1.0" encoding="utf-8"?>
 <p:sld xmlns:a="http://schemas.openxmlformats.org/drawingml/2006/main" xmlns:r="http://schemas.openxmlformats.org/officeDocument/2006/relationships" xmlns:p="http://schemas.openxmlformats.org/presentationml/2006/main">
   <p:cSld>
     <p:spTree>
@@ -33065,7 +32028,7 @@
                 <a:tabLst/>
                 <a:defRPr/>
               </a:pPr>
-              <a:t>32</a:t>
+              <a:t>31</a:t>
             </a:fld>
             <a:endParaRPr kumimoji="0" lang="en-US" sz="1200" b="0" i="0" u="none" strike="noStrike" kern="1200" cap="none" spc="0" normalizeH="0" baseline="0" noProof="0">
               <a:ln>
@@ -33323,7 +32286,7 @@
 </p:sld>
 </file>
 
-<file path=ppt/slides/slide33.xml><?xml version="1.0" encoding="utf-8"?>
+<file path=ppt/slides/slide32.xml><?xml version="1.0" encoding="utf-8"?>
 <p:sld xmlns:a="http://schemas.openxmlformats.org/drawingml/2006/main" xmlns:r="http://schemas.openxmlformats.org/officeDocument/2006/relationships" xmlns:p="http://schemas.openxmlformats.org/presentationml/2006/main">
   <p:cSld>
     <p:spTree>
@@ -33473,7 +32436,7 @@
 </p:sld>
 </file>
 
-<file path=ppt/slides/slide34.xml><?xml version="1.0" encoding="utf-8"?>
+<file path=ppt/slides/slide33.xml><?xml version="1.0" encoding="utf-8"?>
 <p:sld xmlns:a="http://schemas.openxmlformats.org/drawingml/2006/main" xmlns:r="http://schemas.openxmlformats.org/officeDocument/2006/relationships" xmlns:p="http://schemas.openxmlformats.org/presentationml/2006/main">
   <p:cSld>
     <p:spTree>
@@ -33590,7 +32553,7 @@
                 <a:tabLst/>
                 <a:defRPr/>
               </a:pPr>
-              <a:t>34</a:t>
+              <a:t>33</a:t>
             </a:fld>
             <a:endParaRPr kumimoji="0" lang="en-US" sz="1200" b="0" i="0" u="none" strike="noStrike" kern="1200" cap="none" spc="0" normalizeH="0" baseline="0" noProof="0">
               <a:ln>
@@ -33624,7 +32587,7 @@
 </p:sld>
 </file>
 
-<file path=ppt/slides/slide35.xml><?xml version="1.0" encoding="utf-8"?>
+<file path=ppt/slides/slide34.xml><?xml version="1.0" encoding="utf-8"?>
 <p:sld xmlns:a="http://schemas.openxmlformats.org/drawingml/2006/main" xmlns:r="http://schemas.openxmlformats.org/officeDocument/2006/relationships" xmlns:p="http://schemas.openxmlformats.org/presentationml/2006/main">
   <p:cSld>
     <p:spTree>
@@ -33785,7 +32748,7 @@
           </a:ln>
           <a:extLst>
             <a:ext uri="{C572A759-6A51-4108-AA02-DFA0A04FC94B}">
-              <ma14:wrappingTextBoxFlag xmlns="" xmlns:m="http://schemas.openxmlformats.org/officeDocument/2006/math" xmlns:a14="http://schemas.microsoft.com/office/drawing/2010/main" xmlns:ma14="http://schemas.microsoft.com/office/mac/drawingml/2011/main" val="1"/>
+              <ma14:wrappingTextBoxFlag xmlns:ma14="http://schemas.microsoft.com/office/mac/drawingml/2011/main" xmlns:a14="http://schemas.microsoft.com/office/drawing/2010/main" xmlns:m="http://schemas.openxmlformats.org/officeDocument/2006/math" xmlns="" val="1"/>
             </a:ext>
           </a:extLst>
         </p:spPr>
@@ -34633,7 +33596,7 @@
 </p:sld>
 </file>
 
-<file path=ppt/slides/slide36.xml><?xml version="1.0" encoding="utf-8"?>
+<file path=ppt/slides/slide35.xml><?xml version="1.0" encoding="utf-8"?>
 <p:sld xmlns:a="http://schemas.openxmlformats.org/drawingml/2006/main" xmlns:r="http://schemas.openxmlformats.org/officeDocument/2006/relationships" xmlns:p="http://schemas.openxmlformats.org/presentationml/2006/main">
   <p:cSld>
     <p:spTree>
@@ -35647,7 +34610,7 @@
 </p:sld>
 </file>
 
-<file path=ppt/slides/slide37.xml><?xml version="1.0" encoding="utf-8"?>
+<file path=ppt/slides/slide36.xml><?xml version="1.0" encoding="utf-8"?>
 <p:sld xmlns:a="http://schemas.openxmlformats.org/drawingml/2006/main" xmlns:r="http://schemas.openxmlformats.org/officeDocument/2006/relationships" xmlns:p="http://schemas.openxmlformats.org/presentationml/2006/main">
   <p:cSld>
     <p:spTree>
@@ -35789,7 +34752,7 @@
                 <a:tabLst/>
                 <a:defRPr/>
               </a:pPr>
-              <a:t>37</a:t>
+              <a:t>36</a:t>
             </a:fld>
             <a:endParaRPr kumimoji="0" lang="en-US" sz="1200" b="0" i="0" u="none" strike="noStrike" kern="1200" cap="none" spc="0" normalizeH="0" baseline="0" noProof="0">
               <a:ln>
@@ -37002,7 +35965,7 @@
 </p:sld>
 </file>
 
-<file path=ppt/slides/slide38.xml><?xml version="1.0" encoding="utf-8"?>
+<file path=ppt/slides/slide37.xml><?xml version="1.0" encoding="utf-8"?>
 <p:sld xmlns:a="http://schemas.openxmlformats.org/drawingml/2006/main" xmlns:r="http://schemas.openxmlformats.org/officeDocument/2006/relationships" xmlns:p="http://schemas.openxmlformats.org/presentationml/2006/main">
   <p:cSld>
     <p:spTree>
@@ -37141,7 +36104,7 @@
           <a:p>
             <a:fld id="{20F37917-FD3A-4669-9018-DA04BCDD3D75}" type="slidenum">
               <a:rPr lang="en-US" smtClean="0"/>
-              <a:t>38</a:t>
+              <a:t>37</a:t>
             </a:fld>
             <a:endParaRPr lang="en-US"/>
           </a:p>
@@ -39331,7 +38294,7 @@
           <a:p>
             <a:pPr algn="l"/>
             <a:r>
-              <a:rPr lang="en-US" sz="3600" dirty="0">
+              <a:rPr lang="en-US" sz="3200" dirty="0">
                 <a:solidFill>
                   <a:schemeClr val="tx1"/>
                 </a:solidFill>

--- a/Slides/Module 06 Concurrency Patterns in Typescript.pptx
+++ b/Slides/Module 06 Concurrency Patterns in Typescript.pptx
@@ -5,7 +5,7 @@
     <p:sldMasterId id="2147483703" r:id="rId1"/>
   </p:sldMasterIdLst>
   <p:notesMasterIdLst>
-    <p:notesMasterId r:id="rId39"/>
+    <p:notesMasterId r:id="rId40"/>
   </p:notesMasterIdLst>
   <p:sldIdLst>
     <p:sldId id="485" r:id="rId2"/>
@@ -17,34 +17,35 @@
     <p:sldId id="667" r:id="rId8"/>
     <p:sldId id="668" r:id="rId9"/>
     <p:sldId id="670" r:id="rId10"/>
-    <p:sldId id="579" r:id="rId11"/>
-    <p:sldId id="669" r:id="rId12"/>
+    <p:sldId id="669" r:id="rId11"/>
+    <p:sldId id="579" r:id="rId12"/>
     <p:sldId id="672" r:id="rId13"/>
     <p:sldId id="632" r:id="rId14"/>
     <p:sldId id="687" r:id="rId15"/>
     <p:sldId id="680" r:id="rId16"/>
-    <p:sldId id="679" r:id="rId17"/>
-    <p:sldId id="661" r:id="rId18"/>
-    <p:sldId id="662" r:id="rId19"/>
-    <p:sldId id="677" r:id="rId20"/>
-    <p:sldId id="681" r:id="rId21"/>
-    <p:sldId id="682" r:id="rId22"/>
-    <p:sldId id="578" r:id="rId23"/>
-    <p:sldId id="673" r:id="rId24"/>
-    <p:sldId id="675" r:id="rId25"/>
-    <p:sldId id="676" r:id="rId26"/>
-    <p:sldId id="684" r:id="rId27"/>
-    <p:sldId id="628" r:id="rId28"/>
-    <p:sldId id="594" r:id="rId29"/>
-    <p:sldId id="560" r:id="rId30"/>
-    <p:sldId id="664" r:id="rId31"/>
-    <p:sldId id="629" r:id="rId32"/>
-    <p:sldId id="277" r:id="rId33"/>
-    <p:sldId id="544" r:id="rId34"/>
-    <p:sldId id="550" r:id="rId35"/>
-    <p:sldId id="499" r:id="rId36"/>
-    <p:sldId id="546" r:id="rId37"/>
-    <p:sldId id="604" r:id="rId38"/>
+    <p:sldId id="658" r:id="rId17"/>
+    <p:sldId id="679" r:id="rId18"/>
+    <p:sldId id="661" r:id="rId19"/>
+    <p:sldId id="662" r:id="rId20"/>
+    <p:sldId id="677" r:id="rId21"/>
+    <p:sldId id="681" r:id="rId22"/>
+    <p:sldId id="682" r:id="rId23"/>
+    <p:sldId id="578" r:id="rId24"/>
+    <p:sldId id="673" r:id="rId25"/>
+    <p:sldId id="675" r:id="rId26"/>
+    <p:sldId id="676" r:id="rId27"/>
+    <p:sldId id="684" r:id="rId28"/>
+    <p:sldId id="628" r:id="rId29"/>
+    <p:sldId id="594" r:id="rId30"/>
+    <p:sldId id="560" r:id="rId31"/>
+    <p:sldId id="664" r:id="rId32"/>
+    <p:sldId id="629" r:id="rId33"/>
+    <p:sldId id="277" r:id="rId34"/>
+    <p:sldId id="544" r:id="rId35"/>
+    <p:sldId id="550" r:id="rId36"/>
+    <p:sldId id="499" r:id="rId37"/>
+    <p:sldId id="546" r:id="rId38"/>
+    <p:sldId id="604" r:id="rId39"/>
   </p:sldIdLst>
   <p:sldSz cx="12192000" cy="6858000"/>
   <p:notesSz cx="6858000" cy="9144000"/>
@@ -360,12 +361,13 @@
             <p14:sldId id="667"/>
             <p14:sldId id="668"/>
             <p14:sldId id="670"/>
+            <p14:sldId id="669"/>
             <p14:sldId id="579"/>
-            <p14:sldId id="669"/>
             <p14:sldId id="672"/>
             <p14:sldId id="632"/>
             <p14:sldId id="687"/>
             <p14:sldId id="680"/>
+            <p14:sldId id="658"/>
             <p14:sldId id="679"/>
             <p14:sldId id="661"/>
             <p14:sldId id="662"/>
@@ -1029,6 +1031,95 @@
   <p:cSld>
     <p:spTree>
       <p:nvGrpSpPr>
+        <p:cNvPr id="1" name=""/>
+        <p:cNvGrpSpPr/>
+        <p:nvPr/>
+      </p:nvGrpSpPr>
+      <p:grpSpPr>
+        <a:xfrm>
+          <a:off x="0" y="0"/>
+          <a:ext cx="0" cy="0"/>
+          <a:chOff x="0" y="0"/>
+          <a:chExt cx="0" cy="0"/>
+        </a:xfrm>
+      </p:grpSpPr>
+      <p:sp>
+        <p:nvSpPr>
+          <p:cNvPr id="2" name="Slide Image Placeholder 1"/>
+          <p:cNvSpPr>
+            <a:spLocks noGrp="1" noRot="1" noChangeAspect="1"/>
+          </p:cNvSpPr>
+          <p:nvPr>
+            <p:ph type="sldImg"/>
+          </p:nvPr>
+        </p:nvSpPr>
+        <p:spPr/>
+      </p:sp>
+      <p:sp>
+        <p:nvSpPr>
+          <p:cNvPr id="3" name="Notes Placeholder 2"/>
+          <p:cNvSpPr>
+            <a:spLocks noGrp="1"/>
+          </p:cNvSpPr>
+          <p:nvPr>
+            <p:ph type="body" idx="1"/>
+          </p:nvPr>
+        </p:nvSpPr>
+        <p:spPr/>
+        <p:txBody>
+          <a:bodyPr/>
+          <a:lstStyle/>
+          <a:p>
+            <a:r>
+              <a:rPr lang="en-US" dirty="0"/>
+              <a:t>Here, just to make the output easier to read, we've simplified </a:t>
+            </a:r>
+            <a:r>
+              <a:rPr lang="en-US" b="1" dirty="0" err="1"/>
+              <a:t>makeRequest</a:t>
+            </a:r>
+            <a:r>
+              <a:rPr lang="en-US" b="1" dirty="0"/>
+              <a:t> </a:t>
+            </a:r>
+            <a:r>
+              <a:rPr lang="en-US" b="0" dirty="0"/>
+              <a:t>so that it prints out only the number of the request that was responded to.</a:t>
+            </a:r>
+          </a:p>
+          <a:p>
+            <a:endParaRPr lang="en-US" b="0" dirty="0"/>
+          </a:p>
+          <a:p>
+            <a:r>
+              <a:rPr lang="en-US" b="0" dirty="0"/>
+              <a:t>Note</a:t>
+            </a:r>
+            <a:r>
+              <a:rPr lang="en-US" dirty="0"/>
+              <a:t> that the responses don't arrive in the same order that they were sent!</a:t>
+            </a:r>
+          </a:p>
+        </p:txBody>
+      </p:sp>
+    </p:spTree>
+    <p:extLst>
+      <p:ext uri="{BB962C8B-B14F-4D97-AF65-F5344CB8AC3E}">
+        <p14:creationId xmlns:p14="http://schemas.microsoft.com/office/powerpoint/2010/main" val="1889825999"/>
+      </p:ext>
+    </p:extLst>
+  </p:cSld>
+  <p:clrMapOvr>
+    <a:masterClrMapping/>
+  </p:clrMapOvr>
+</p:notes>
+</file>
+
+<file path=ppt/notesSlides/notesSlide15.xml><?xml version="1.0" encoding="utf-8"?>
+<p:notes xmlns:a="http://schemas.openxmlformats.org/drawingml/2006/main" xmlns:r="http://schemas.openxmlformats.org/officeDocument/2006/relationships" xmlns:p="http://schemas.openxmlformats.org/presentationml/2006/main">
+  <p:cSld>
+    <p:spTree>
+      <p:nvGrpSpPr>
         <p:cNvPr id="1" name="">
           <a:extLst>
             <a:ext uri="{FF2B5EF4-FFF2-40B4-BE49-F238E27FC236}">
@@ -1114,82 +1205,6 @@
 </p:notes>
 </file>
 
-<file path=ppt/notesSlides/notesSlide15.xml><?xml version="1.0" encoding="utf-8"?>
-<p:notes xmlns:a="http://schemas.openxmlformats.org/drawingml/2006/main" xmlns:r="http://schemas.openxmlformats.org/officeDocument/2006/relationships" xmlns:p="http://schemas.openxmlformats.org/presentationml/2006/main">
-  <p:cSld>
-    <p:spTree>
-      <p:nvGrpSpPr>
-        <p:cNvPr id="1" name=""/>
-        <p:cNvGrpSpPr/>
-        <p:nvPr/>
-      </p:nvGrpSpPr>
-      <p:grpSpPr>
-        <a:xfrm>
-          <a:off x="0" y="0"/>
-          <a:ext cx="0" cy="0"/>
-          <a:chOff x="0" y="0"/>
-          <a:chExt cx="0" cy="0"/>
-        </a:xfrm>
-      </p:grpSpPr>
-      <p:sp>
-        <p:nvSpPr>
-          <p:cNvPr id="2" name="Slide Image Placeholder 1"/>
-          <p:cNvSpPr>
-            <a:spLocks noGrp="1" noRot="1" noChangeAspect="1"/>
-          </p:cNvSpPr>
-          <p:nvPr>
-            <p:ph type="sldImg"/>
-          </p:nvPr>
-        </p:nvSpPr>
-        <p:spPr/>
-      </p:sp>
-      <p:sp>
-        <p:nvSpPr>
-          <p:cNvPr id="3" name="Notes Placeholder 2"/>
-          <p:cNvSpPr>
-            <a:spLocks noGrp="1"/>
-          </p:cNvSpPr>
-          <p:nvPr>
-            <p:ph type="body" idx="1"/>
-          </p:nvPr>
-        </p:nvSpPr>
-        <p:spPr/>
-        <p:txBody>
-          <a:bodyPr/>
-          <a:lstStyle/>
-          <a:p>
-            <a:r>
-              <a:rPr lang="en-US" dirty="0"/>
-              <a:t>We should leverage concurrency whenever possible. </a:t>
-            </a:r>
-          </a:p>
-          <a:p>
-            <a:endParaRPr lang="en-US" dirty="0"/>
-          </a:p>
-          <a:p>
-            <a:r>
-              <a:rPr lang="en-US" dirty="0"/>
-              <a:t>(Time is average of 100 runs on Prof. Wand’s Lenovo X1)</a:t>
-            </a:r>
-          </a:p>
-          <a:p>
-            <a:endParaRPr lang="en-US" dirty="0"/>
-          </a:p>
-        </p:txBody>
-      </p:sp>
-    </p:spTree>
-    <p:extLst>
-      <p:ext uri="{BB962C8B-B14F-4D97-AF65-F5344CB8AC3E}">
-        <p14:creationId xmlns:p14="http://schemas.microsoft.com/office/powerpoint/2010/main" val="3972934259"/>
-      </p:ext>
-    </p:extLst>
-  </p:cSld>
-  <p:clrMapOvr>
-    <a:masterClrMapping/>
-  </p:clrMapOvr>
-</p:notes>
-</file>
-
 <file path=ppt/notesSlides/notesSlide16.xml><?xml version="1.0" encoding="utf-8"?>
 <p:notes xmlns:a="http://schemas.openxmlformats.org/drawingml/2006/main" xmlns:r="http://schemas.openxmlformats.org/officeDocument/2006/relationships" xmlns:p="http://schemas.openxmlformats.org/presentationml/2006/main">
   <p:cSld>
@@ -1234,23 +1249,29 @@
           <a:bodyPr/>
           <a:lstStyle/>
           <a:p>
+            <a:r>
+              <a:rPr lang="en-US" dirty="0"/>
+              <a:t>We should leverage concurrency whenever possible. </a:t>
+            </a:r>
+          </a:p>
+          <a:p>
             <a:endParaRPr lang="en-US" dirty="0"/>
           </a:p>
           <a:p>
+            <a:r>
+              <a:rPr lang="en-US" dirty="0"/>
+              <a:t>(Time is average of 100 runs on Prof. Wand’s Lenovo X1)</a:t>
+            </a:r>
+          </a:p>
+          <a:p>
             <a:endParaRPr lang="en-US" dirty="0"/>
-          </a:p>
-          <a:p>
-            <a:r>
-              <a:rPr lang="en-US" dirty="0"/>
-              <a:t>In both cases, there is at most one active promise (in green) at any time!  But the concurrent version "masks latency with concurrency", as we said way back on slide 1.</a:t>
-            </a:r>
           </a:p>
         </p:txBody>
       </p:sp>
     </p:spTree>
     <p:extLst>
       <p:ext uri="{BB962C8B-B14F-4D97-AF65-F5344CB8AC3E}">
-        <p14:creationId xmlns:p14="http://schemas.microsoft.com/office/powerpoint/2010/main" val="502165979"/>
+        <p14:creationId xmlns:p14="http://schemas.microsoft.com/office/powerpoint/2010/main" val="3972934259"/>
       </p:ext>
     </p:extLst>
   </p:cSld>
@@ -1304,17 +1325,15 @@
           <a:bodyPr/>
           <a:lstStyle/>
           <a:p>
+            <a:endParaRPr lang="en-US" dirty="0"/>
+          </a:p>
+          <a:p>
+            <a:endParaRPr lang="en-US" dirty="0"/>
+          </a:p>
+          <a:p>
             <a:r>
               <a:rPr lang="en-US" dirty="0"/>
-              <a:t>In the examples so far, the arguments to the requests were independent of each other.  But there's no reason they have to be independent (except for </a:t>
-            </a:r>
-            <a:r>
-              <a:rPr lang="en-US" dirty="0" err="1"/>
-              <a:t>Promise.all</a:t>
-            </a:r>
-            <a:r>
-              <a:rPr lang="en-US" dirty="0"/>
-              <a:t>).  You can make them any way you need to.</a:t>
+              <a:t>In both cases, there is at most one active promise (in green) at any time!  But the concurrent version "masks latency with concurrency", as we said way back on slide 1.</a:t>
             </a:r>
           </a:p>
         </p:txBody>
@@ -1322,7 +1341,7 @@
     </p:spTree>
     <p:extLst>
       <p:ext uri="{BB962C8B-B14F-4D97-AF65-F5344CB8AC3E}">
-        <p14:creationId xmlns:p14="http://schemas.microsoft.com/office/powerpoint/2010/main" val="3561040700"/>
+        <p14:creationId xmlns:p14="http://schemas.microsoft.com/office/powerpoint/2010/main" val="502165979"/>
       </p:ext>
     </p:extLst>
   </p:cSld>
@@ -1377,20 +1396,16 @@
           <a:lstStyle/>
           <a:p>
             <a:r>
+              <a:rPr lang="en-US" dirty="0"/>
+              <a:t>In the examples so far, the arguments to the requests were independent of each other.  But there's no reason they have to be independent (except for </a:t>
+            </a:r>
+            <a:r>
               <a:rPr lang="en-US" dirty="0" err="1"/>
-              <a:t>asyncs</a:t>
+              <a:t>Promise.all</a:t>
             </a:r>
             <a:r>
               <a:rPr lang="en-US" dirty="0"/>
-              <a:t> play nicely with try/catch.   Here we've tweaked </a:t>
-            </a:r>
-            <a:r>
-              <a:rPr lang="en-US" dirty="0" err="1"/>
-              <a:t>fakeRequest</a:t>
-            </a:r>
-            <a:r>
-              <a:rPr lang="en-US" dirty="0"/>
-              <a:t> so that it will sometimes throw an error, and here's a wrapper that recovers from those errors (by returning 0).</a:t>
+              <a:t>).  You can make them any way you need to.</a:t>
             </a:r>
           </a:p>
         </p:txBody>
@@ -1398,7 +1413,7 @@
     </p:spTree>
     <p:extLst>
       <p:ext uri="{BB962C8B-B14F-4D97-AF65-F5344CB8AC3E}">
-        <p14:creationId xmlns:p14="http://schemas.microsoft.com/office/powerpoint/2010/main" val="2700302133"/>
+        <p14:creationId xmlns:p14="http://schemas.microsoft.com/office/powerpoint/2010/main" val="3561040700"/>
       </p:ext>
     </p:extLst>
   </p:cSld>
@@ -1453,114 +1468,20 @@
           <a:lstStyle/>
           <a:p>
             <a:r>
+              <a:rPr lang="en-US" dirty="0" err="1"/>
+              <a:t>asyncs</a:t>
+            </a:r>
+            <a:r>
               <a:rPr lang="en-US" dirty="0"/>
-              <a:t>Let's change the subject.  How do you test an async function? To test an async function, make the second argument to ‘</a:t>
-            </a:r>
-            <a:r>
-              <a:rPr lang="en-US" b="1" dirty="0"/>
-              <a:t>test</a:t>
+              <a:t> play nicely with try/catch.   Here we've tweaked </a:t>
+            </a:r>
+            <a:r>
+              <a:rPr lang="en-US" dirty="0" err="1"/>
+              <a:t>fakeRequest</a:t>
             </a:r>
             <a:r>
               <a:rPr lang="en-US" dirty="0"/>
-              <a:t>’ an async function.  This will make ‘</a:t>
-            </a:r>
-            <a:r>
-              <a:rPr lang="en-US" b="1" dirty="0"/>
-              <a:t>expect</a:t>
-            </a:r>
-            <a:r>
-              <a:rPr lang="en-US" dirty="0"/>
-              <a:t>’ itself an async function, so you will need to ‘await’ its result.  Calling </a:t>
-            </a:r>
-            <a:r>
-              <a:rPr lang="en-US" b="1" dirty="0" err="1"/>
-              <a:t>expect.assertions</a:t>
-            </a:r>
-            <a:r>
-              <a:rPr lang="en-US" b="0" dirty="0"/>
-              <a:t> checks to make sure that your test properly awaited the </a:t>
-            </a:r>
-            <a:r>
-              <a:rPr lang="en-US" b="0" dirty="0" err="1"/>
-              <a:t>the</a:t>
-            </a:r>
-            <a:r>
-              <a:rPr lang="en-US" b="0" dirty="0"/>
-              <a:t> result of the request.</a:t>
-            </a:r>
-            <a:endParaRPr lang="en-US" dirty="0"/>
-          </a:p>
-          <a:p>
-            <a:endParaRPr lang="en-US" dirty="0"/>
-          </a:p>
-          <a:p>
-            <a:r>
-              <a:rPr lang="en-US" dirty="0"/>
-              <a:t>This example is easy, since we are only sending some data to a public web site.  If we wanted to do something that might have a global effect (e.g. a transcript database), we'd have to do some mocking.   Alas, that is too much for this lecture </a:t>
-            </a:r>
-            <a:r>
-              <a:rPr lang="en-US" dirty="0">
-                <a:sym typeface="Wingdings" panose="05000000000000000000" pitchFamily="2" charset="2"/>
-              </a:rPr>
-              <a:t>.</a:t>
-            </a:r>
-            <a:r>
-              <a:rPr lang="en-US" dirty="0"/>
-              <a:t>  </a:t>
-            </a:r>
-          </a:p>
-          <a:p>
-            <a:endParaRPr lang="en-US" dirty="0"/>
-          </a:p>
-          <a:p>
-            <a:r>
-              <a:rPr lang="en-US" dirty="0"/>
-              <a:t>Here, </a:t>
-            </a:r>
-            <a:r>
-              <a:rPr lang="en-US" b="1" dirty="0"/>
-              <a:t>echo</a:t>
-            </a:r>
-            <a:r>
-              <a:rPr lang="en-US" dirty="0"/>
-              <a:t> is an async function, so it returns a promise, which should eventually return a string (here “33”) to the async function that called it (here, the </a:t>
-            </a:r>
-            <a:r>
-              <a:rPr lang="en-US" b="1" dirty="0"/>
-              <a:t>expect</a:t>
-            </a:r>
-            <a:r>
-              <a:rPr lang="en-US" dirty="0"/>
-              <a:t>).  So here we are saying that we expect echo(33) to return a promise that will eventually resolve to “33”.</a:t>
-            </a:r>
-          </a:p>
-          <a:p>
-            <a:endParaRPr lang="en-US" dirty="0"/>
-          </a:p>
-          <a:p>
-            <a:r>
-              <a:rPr lang="en-US" dirty="0"/>
-              <a:t>Note the await on the next to last line.  If you leave that out, the async function in the test will succeed immediately, without waiting for the expect to run.   The </a:t>
-            </a:r>
-            <a:r>
-              <a:rPr lang="en-US" b="1" dirty="0" err="1"/>
-              <a:t>expect.assertions</a:t>
-            </a:r>
-            <a:r>
-              <a:rPr lang="en-US" b="1" dirty="0"/>
-              <a:t> </a:t>
-            </a:r>
-            <a:r>
-              <a:rPr lang="en-US" dirty="0"/>
-              <a:t>(in blue) tells Jest that the test should run exactly 1 test, so that will make the test fail if you leave out the </a:t>
-            </a:r>
-            <a:r>
-              <a:rPr lang="en-US" b="1" dirty="0"/>
-              <a:t>await</a:t>
-            </a:r>
-            <a:r>
-              <a:rPr lang="en-US" dirty="0"/>
-              <a:t>.</a:t>
+              <a:t> so that it will sometimes throw an error, and here's a wrapper that recovers from those errors (by returning 0).</a:t>
             </a:r>
           </a:p>
         </p:txBody>
@@ -1568,7 +1489,7 @@
     </p:spTree>
     <p:extLst>
       <p:ext uri="{BB962C8B-B14F-4D97-AF65-F5344CB8AC3E}">
-        <p14:creationId xmlns:p14="http://schemas.microsoft.com/office/powerpoint/2010/main" val="387049259"/>
+        <p14:creationId xmlns:p14="http://schemas.microsoft.com/office/powerpoint/2010/main" val="2700302133"/>
       </p:ext>
     </p:extLst>
   </p:cSld>
@@ -1666,6 +1587,176 @@
 </file>
 
 <file path=ppt/notesSlides/notesSlide20.xml><?xml version="1.0" encoding="utf-8"?>
+<p:notes xmlns:a="http://schemas.openxmlformats.org/drawingml/2006/main" xmlns:r="http://schemas.openxmlformats.org/officeDocument/2006/relationships" xmlns:p="http://schemas.openxmlformats.org/presentationml/2006/main">
+  <p:cSld>
+    <p:spTree>
+      <p:nvGrpSpPr>
+        <p:cNvPr id="1" name=""/>
+        <p:cNvGrpSpPr/>
+        <p:nvPr/>
+      </p:nvGrpSpPr>
+      <p:grpSpPr>
+        <a:xfrm>
+          <a:off x="0" y="0"/>
+          <a:ext cx="0" cy="0"/>
+          <a:chOff x="0" y="0"/>
+          <a:chExt cx="0" cy="0"/>
+        </a:xfrm>
+      </p:grpSpPr>
+      <p:sp>
+        <p:nvSpPr>
+          <p:cNvPr id="2" name="Slide Image Placeholder 1"/>
+          <p:cNvSpPr>
+            <a:spLocks noGrp="1" noRot="1" noChangeAspect="1"/>
+          </p:cNvSpPr>
+          <p:nvPr>
+            <p:ph type="sldImg"/>
+          </p:nvPr>
+        </p:nvSpPr>
+        <p:spPr/>
+      </p:sp>
+      <p:sp>
+        <p:nvSpPr>
+          <p:cNvPr id="3" name="Notes Placeholder 2"/>
+          <p:cNvSpPr>
+            <a:spLocks noGrp="1"/>
+          </p:cNvSpPr>
+          <p:nvPr>
+            <p:ph type="body" idx="1"/>
+          </p:nvPr>
+        </p:nvSpPr>
+        <p:spPr/>
+        <p:txBody>
+          <a:bodyPr/>
+          <a:lstStyle/>
+          <a:p>
+            <a:r>
+              <a:rPr lang="en-US" dirty="0"/>
+              <a:t>Let's change the subject.  How do you test an async function? To test an async function, make the second argument to ‘</a:t>
+            </a:r>
+            <a:r>
+              <a:rPr lang="en-US" b="1" dirty="0"/>
+              <a:t>test</a:t>
+            </a:r>
+            <a:r>
+              <a:rPr lang="en-US" dirty="0"/>
+              <a:t>’ an async function.  This will make ‘</a:t>
+            </a:r>
+            <a:r>
+              <a:rPr lang="en-US" b="1" dirty="0"/>
+              <a:t>expect</a:t>
+            </a:r>
+            <a:r>
+              <a:rPr lang="en-US" dirty="0"/>
+              <a:t>’ itself an async function, so you will need to ‘await’ its result.  Calling </a:t>
+            </a:r>
+            <a:r>
+              <a:rPr lang="en-US" b="1" dirty="0" err="1"/>
+              <a:t>expect.assertions</a:t>
+            </a:r>
+            <a:r>
+              <a:rPr lang="en-US" b="0" dirty="0"/>
+              <a:t> checks to make sure that your test properly awaited the </a:t>
+            </a:r>
+            <a:r>
+              <a:rPr lang="en-US" b="0" dirty="0" err="1"/>
+              <a:t>the</a:t>
+            </a:r>
+            <a:r>
+              <a:rPr lang="en-US" b="0" dirty="0"/>
+              <a:t> result of the request.</a:t>
+            </a:r>
+            <a:endParaRPr lang="en-US" dirty="0"/>
+          </a:p>
+          <a:p>
+            <a:endParaRPr lang="en-US" dirty="0"/>
+          </a:p>
+          <a:p>
+            <a:r>
+              <a:rPr lang="en-US" dirty="0"/>
+              <a:t>This example is easy, since we are only sending some data to a public web site.  If we wanted to do something that might have a global effect (e.g. a transcript database), we'd have to do some mocking.   Alas, that is too much for this lecture </a:t>
+            </a:r>
+            <a:r>
+              <a:rPr lang="en-US" dirty="0">
+                <a:sym typeface="Wingdings" panose="05000000000000000000" pitchFamily="2" charset="2"/>
+              </a:rPr>
+              <a:t>.</a:t>
+            </a:r>
+            <a:r>
+              <a:rPr lang="en-US" dirty="0"/>
+              <a:t>  </a:t>
+            </a:r>
+          </a:p>
+          <a:p>
+            <a:endParaRPr lang="en-US" dirty="0"/>
+          </a:p>
+          <a:p>
+            <a:r>
+              <a:rPr lang="en-US" dirty="0"/>
+              <a:t>Here, </a:t>
+            </a:r>
+            <a:r>
+              <a:rPr lang="en-US" b="1" dirty="0"/>
+              <a:t>echo</a:t>
+            </a:r>
+            <a:r>
+              <a:rPr lang="en-US" dirty="0"/>
+              <a:t> is an async function, so it returns a promise, which should eventually return a string (here “33”) to the async function that called it (here, the </a:t>
+            </a:r>
+            <a:r>
+              <a:rPr lang="en-US" b="1" dirty="0"/>
+              <a:t>expect</a:t>
+            </a:r>
+            <a:r>
+              <a:rPr lang="en-US" dirty="0"/>
+              <a:t>).  So here we are saying that we expect echo(33) to return a promise that will eventually resolve to “33”.</a:t>
+            </a:r>
+          </a:p>
+          <a:p>
+            <a:endParaRPr lang="en-US" dirty="0"/>
+          </a:p>
+          <a:p>
+            <a:r>
+              <a:rPr lang="en-US" dirty="0"/>
+              <a:t>Note the await on the next to last line.  If you leave that out, the async function in the test will succeed immediately, without waiting for the expect to run.   The </a:t>
+            </a:r>
+            <a:r>
+              <a:rPr lang="en-US" b="1" dirty="0" err="1"/>
+              <a:t>expect.assertions</a:t>
+            </a:r>
+            <a:r>
+              <a:rPr lang="en-US" b="1" dirty="0"/>
+              <a:t> </a:t>
+            </a:r>
+            <a:r>
+              <a:rPr lang="en-US" dirty="0"/>
+              <a:t>(in blue) tells Jest that the test should run exactly 1 test, so that will make the test fail if you leave out the </a:t>
+            </a:r>
+            <a:r>
+              <a:rPr lang="en-US" b="1" dirty="0"/>
+              <a:t>await</a:t>
+            </a:r>
+            <a:r>
+              <a:rPr lang="en-US" dirty="0"/>
+              <a:t>.</a:t>
+            </a:r>
+          </a:p>
+        </p:txBody>
+      </p:sp>
+    </p:spTree>
+    <p:extLst>
+      <p:ext uri="{BB962C8B-B14F-4D97-AF65-F5344CB8AC3E}">
+        <p14:creationId xmlns:p14="http://schemas.microsoft.com/office/powerpoint/2010/main" val="387049259"/>
+      </p:ext>
+    </p:extLst>
+  </p:cSld>
+  <p:clrMapOvr>
+    <a:masterClrMapping/>
+  </p:clrMapOvr>
+</p:notes>
+</file>
+
+<file path=ppt/notesSlides/notesSlide21.xml><?xml version="1.0" encoding="utf-8"?>
 <p:notes xmlns:a="http://schemas.openxmlformats.org/drawingml/2006/main" xmlns:r="http://schemas.openxmlformats.org/officeDocument/2006/relationships" xmlns:p="http://schemas.openxmlformats.org/presentationml/2006/main">
   <p:cSld>
     <p:spTree>
@@ -1751,7 +1842,7 @@
 </p:notes>
 </file>
 
-<file path=ppt/notesSlides/notesSlide21.xml><?xml version="1.0" encoding="utf-8"?>
+<file path=ppt/notesSlides/notesSlide22.xml><?xml version="1.0" encoding="utf-8"?>
 <p:notes xmlns:a="http://schemas.openxmlformats.org/drawingml/2006/main" xmlns:r="http://schemas.openxmlformats.org/officeDocument/2006/relationships" xmlns:p="http://schemas.openxmlformats.org/presentationml/2006/main">
   <p:cSld>
     <p:spTree>
@@ -1932,106 +2023,6 @@
 </p:notes>
 </file>
 
-<file path=ppt/notesSlides/notesSlide22.xml><?xml version="1.0" encoding="utf-8"?>
-<p:notes xmlns:a="http://schemas.openxmlformats.org/drawingml/2006/main" xmlns:r="http://schemas.openxmlformats.org/officeDocument/2006/relationships" xmlns:p="http://schemas.openxmlformats.org/presentationml/2006/main">
-  <p:cSld>
-    <p:spTree>
-      <p:nvGrpSpPr>
-        <p:cNvPr id="1" name=""/>
-        <p:cNvGrpSpPr/>
-        <p:nvPr/>
-      </p:nvGrpSpPr>
-      <p:grpSpPr>
-        <a:xfrm>
-          <a:off x="0" y="0"/>
-          <a:ext cx="0" cy="0"/>
-          <a:chOff x="0" y="0"/>
-          <a:chExt cx="0" cy="0"/>
-        </a:xfrm>
-      </p:grpSpPr>
-      <p:sp>
-        <p:nvSpPr>
-          <p:cNvPr id="2" name="Slide Image Placeholder 1"/>
-          <p:cNvSpPr>
-            <a:spLocks noGrp="1" noRot="1" noChangeAspect="1"/>
-          </p:cNvSpPr>
-          <p:nvPr>
-            <p:ph type="sldImg"/>
-          </p:nvPr>
-        </p:nvSpPr>
-        <p:spPr/>
-      </p:sp>
-      <p:sp>
-        <p:nvSpPr>
-          <p:cNvPr id="3" name="Notes Placeholder 2"/>
-          <p:cNvSpPr>
-            <a:spLocks noGrp="1"/>
-          </p:cNvSpPr>
-          <p:nvPr>
-            <p:ph type="body" idx="1"/>
-          </p:nvPr>
-        </p:nvSpPr>
-        <p:spPr/>
-        <p:txBody>
-          <a:bodyPr/>
-          <a:lstStyle/>
-          <a:p>
-            <a:r>
-              <a:rPr lang="en-US" dirty="0"/>
-              <a:t>Before, we marked the critical sections in a single async function.  When we consider two or more </a:t>
-            </a:r>
-            <a:r>
-              <a:rPr lang="en-US" dirty="0" err="1"/>
-              <a:t>asyncs</a:t>
-            </a:r>
-            <a:r>
-              <a:rPr lang="en-US" dirty="0"/>
-              <a:t>, the story is a little more complicated-- the two green sections actually form a single critical section, so the 'f started' will *always* be followed immediately by the 'g started'.   (And if there was a side-effect at the start of </a:t>
-            </a:r>
-            <a:r>
-              <a:rPr lang="en-US" dirty="0" err="1"/>
-              <a:t>fakeRequest</a:t>
-            </a:r>
-            <a:r>
-              <a:rPr lang="en-US" dirty="0"/>
-              <a:t>, that would similarly follow immediately after the 'g started'.  But there isn't </a:t>
-            </a:r>
-            <a:r>
-              <a:rPr lang="en-US" dirty="0">
-                <a:sym typeface="Wingdings" panose="05000000000000000000" pitchFamily="2" charset="2"/>
-              </a:rPr>
-              <a:t> ) . </a:t>
-            </a:r>
-          </a:p>
-          <a:p>
-            <a:endParaRPr lang="en-US" dirty="0">
-              <a:sym typeface="Wingdings" panose="05000000000000000000" pitchFamily="2" charset="2"/>
-            </a:endParaRPr>
-          </a:p>
-          <a:p>
-            <a:r>
-              <a:rPr lang="en-US" dirty="0">
-                <a:sym typeface="Wingdings" panose="05000000000000000000" pitchFamily="2" charset="2"/>
-              </a:rPr>
-              <a:t>The 'g started' exposes this subtlety-- if it wasn't there, you'd never be able to tell the difference.  So don't do that.  Make sure that nothing you do before the first await in your async causes a visible side-effect (e.g. a console.log), unless you really want to track what's going on at this level of detail.</a:t>
-            </a:r>
-            <a:endParaRPr lang="en-US" dirty="0"/>
-          </a:p>
-        </p:txBody>
-      </p:sp>
-    </p:spTree>
-    <p:extLst>
-      <p:ext uri="{BB962C8B-B14F-4D97-AF65-F5344CB8AC3E}">
-        <p14:creationId xmlns:p14="http://schemas.microsoft.com/office/powerpoint/2010/main" val="3234752643"/>
-      </p:ext>
-    </p:extLst>
-  </p:cSld>
-  <p:clrMapOvr>
-    <a:masterClrMapping/>
-  </p:clrMapOvr>
-</p:notes>
-</file>
-
 <file path=ppt/notesSlides/notesSlide23.xml><?xml version="1.0" encoding="utf-8"?>
 <p:notes xmlns:a="http://schemas.openxmlformats.org/drawingml/2006/main" xmlns:r="http://schemas.openxmlformats.org/officeDocument/2006/relationships" xmlns:p="http://schemas.openxmlformats.org/presentationml/2006/main">
   <p:cSld>
@@ -2078,49 +2069,51 @@
           <a:p>
             <a:r>
               <a:rPr lang="en-US" dirty="0"/>
-              <a:t>&lt;read slide&gt;.  </a:t>
-            </a:r>
-          </a:p>
-          <a:p>
+              <a:t>Before, we marked the critical sections in a single async function.  When we consider two or more </a:t>
+            </a:r>
+            <a:r>
+              <a:rPr lang="en-US" dirty="0" err="1"/>
+              <a:t>asyncs</a:t>
+            </a:r>
             <a:r>
               <a:rPr lang="en-US" dirty="0"/>
-              <a:t>- JS Engine includes a  {single} call stack that keeps track of each function that it is being executed</a:t>
-            </a:r>
-          </a:p>
-          <a:p>
+              <a:t>, the story is a little more complicated-- the two green sections actually form a single critical section, so the 'f started' will *always* be followed immediately by the 'g started'.   (And if there was a side-effect at the start of </a:t>
+            </a:r>
+            <a:r>
+              <a:rPr lang="en-US" dirty="0" err="1"/>
+              <a:t>fakeRequest</a:t>
+            </a:r>
             <a:r>
               <a:rPr lang="en-US" dirty="0"/>
-              <a:t>- Asynchronous (heavy) tasks are outsourced to </a:t>
-            </a:r>
-            <a:r>
-              <a:rPr lang="en-US" dirty="0" err="1"/>
-              <a:t>WebAPI</a:t>
-            </a:r>
-            <a:r>
-              <a:rPr lang="en-US" dirty="0"/>
-              <a:t>. When those are completed, they are placed in a callback queue.</a:t>
-            </a:r>
-          </a:p>
-          <a:p>
-            <a:r>
-              <a:rPr lang="en-US" dirty="0"/>
-              <a:t>- Event loop picks up “awaiting” {completed} tasks from queue when call stack is empty (i.e., when it is done with everything it was working on – think run to completion) and processes them in the order they were added to queue (i.e., they were completed by </a:t>
-            </a:r>
-            <a:r>
-              <a:rPr lang="en-US" dirty="0" err="1"/>
-              <a:t>WebAPI</a:t>
-            </a:r>
-            <a:r>
-              <a:rPr lang="en-US" dirty="0"/>
-              <a:t>)</a:t>
-            </a:r>
+              <a:t>, that would similarly follow immediately after the 'g started'.  But there isn't </a:t>
+            </a:r>
+            <a:r>
+              <a:rPr lang="en-US" dirty="0">
+                <a:sym typeface="Wingdings" panose="05000000000000000000" pitchFamily="2" charset="2"/>
+              </a:rPr>
+              <a:t> ) . </a:t>
+            </a:r>
+          </a:p>
+          <a:p>
+            <a:endParaRPr lang="en-US" dirty="0">
+              <a:sym typeface="Wingdings" panose="05000000000000000000" pitchFamily="2" charset="2"/>
+            </a:endParaRPr>
+          </a:p>
+          <a:p>
+            <a:r>
+              <a:rPr lang="en-US" dirty="0">
+                <a:sym typeface="Wingdings" panose="05000000000000000000" pitchFamily="2" charset="2"/>
+              </a:rPr>
+              <a:t>The 'g started' exposes this subtlety-- if it wasn't there, you'd never be able to tell the difference.  So don't do that.  Make sure that nothing you do before the first await in your async causes a visible side-effect (e.g. a console.log), unless you really want to track what's going on at this level of detail.</a:t>
+            </a:r>
+            <a:endParaRPr lang="en-US" dirty="0"/>
           </a:p>
         </p:txBody>
       </p:sp>
     </p:spTree>
     <p:extLst>
       <p:ext uri="{BB962C8B-B14F-4D97-AF65-F5344CB8AC3E}">
-        <p14:creationId xmlns:p14="http://schemas.microsoft.com/office/powerpoint/2010/main" val="1823654806"/>
+        <p14:creationId xmlns:p14="http://schemas.microsoft.com/office/powerpoint/2010/main" val="3234752643"/>
       </p:ext>
     </p:extLst>
   </p:cSld>
@@ -2176,13 +2169,41 @@
           <a:p>
             <a:r>
               <a:rPr lang="en-US" dirty="0"/>
-              <a:t>That concludes our tour of cooperative multiprocessing.</a:t>
+              <a:t>&lt;read slide&gt;.  </a:t>
             </a:r>
           </a:p>
           <a:p>
             <a:r>
               <a:rPr lang="en-US" dirty="0"/>
-              <a:t>But where does the non-blocking IO come from?</a:t>
+              <a:t>- JS Engine includes a  {single} call stack that keeps track of each function that it is being executed</a:t>
+            </a:r>
+          </a:p>
+          <a:p>
+            <a:r>
+              <a:rPr lang="en-US" dirty="0"/>
+              <a:t>- Asynchronous (heavy) tasks are outsourced to </a:t>
+            </a:r>
+            <a:r>
+              <a:rPr lang="en-US" dirty="0" err="1"/>
+              <a:t>WebAPI</a:t>
+            </a:r>
+            <a:r>
+              <a:rPr lang="en-US" dirty="0"/>
+              <a:t>. When those are completed, they are placed in a callback queue.</a:t>
+            </a:r>
+          </a:p>
+          <a:p>
+            <a:r>
+              <a:rPr lang="en-US" dirty="0"/>
+              <a:t>- Event loop picks up “awaiting” {completed} tasks from queue when call stack is empty (i.e., when it is done with everything it was working on – think run to completion) and processes them in the order they were added to queue (i.e., they were completed by </a:t>
+            </a:r>
+            <a:r>
+              <a:rPr lang="en-US" dirty="0" err="1"/>
+              <a:t>WebAPI</a:t>
+            </a:r>
+            <a:r>
+              <a:rPr lang="en-US" dirty="0"/>
+              <a:t>)</a:t>
             </a:r>
           </a:p>
         </p:txBody>
@@ -2190,7 +2211,7 @@
     </p:spTree>
     <p:extLst>
       <p:ext uri="{BB962C8B-B14F-4D97-AF65-F5344CB8AC3E}">
-        <p14:creationId xmlns:p14="http://schemas.microsoft.com/office/powerpoint/2010/main" val="2058166584"/>
+        <p14:creationId xmlns:p14="http://schemas.microsoft.com/office/powerpoint/2010/main" val="1823654806"/>
       </p:ext>
     </p:extLst>
   </p:cSld>
@@ -2244,41 +2265,23 @@
           <a:bodyPr/>
           <a:lstStyle/>
           <a:p>
-            <a:pPr marL="0" marR="0" lvl="0" indent="0" defTabSz="228600" eaLnBrk="1" fontAlgn="auto" latinLnBrk="0" hangingPunct="1">
-              <a:lnSpc>
-                <a:spcPct val="117999"/>
-              </a:lnSpc>
-              <a:spcBef>
-                <a:spcPts val="0"/>
-              </a:spcBef>
-              <a:spcAft>
-                <a:spcPts val="0"/>
-              </a:spcAft>
-              <a:buClrTx/>
-              <a:buSzTx/>
-              <a:buFontTx/>
-              <a:buNone/>
-              <a:tabLst/>
-              <a:defRPr/>
-            </a:pPr>
             <a:r>
               <a:rPr lang="en-US" dirty="0"/>
-              <a:t>This is what we said back on the slide with the stork, where we said "</a:t>
-            </a:r>
-            <a:r>
-              <a:rPr lang="en-US" sz="1100" dirty="0"/>
-              <a:t>Some typescript libraries have API procedures that return promises"</a:t>
-            </a:r>
-          </a:p>
-          <a:p>
-            <a:endParaRPr lang="en-US" dirty="0"/>
+              <a:t>That concludes our tour of cooperative multiprocessing.</a:t>
+            </a:r>
+          </a:p>
+          <a:p>
+            <a:r>
+              <a:rPr lang="en-US" dirty="0"/>
+              <a:t>But where does the non-blocking IO come from?</a:t>
+            </a:r>
           </a:p>
         </p:txBody>
       </p:sp>
     </p:spTree>
     <p:extLst>
       <p:ext uri="{BB962C8B-B14F-4D97-AF65-F5344CB8AC3E}">
-        <p14:creationId xmlns:p14="http://schemas.microsoft.com/office/powerpoint/2010/main" val="1428143635"/>
+        <p14:creationId xmlns:p14="http://schemas.microsoft.com/office/powerpoint/2010/main" val="2058166584"/>
       </p:ext>
     </p:extLst>
   </p:cSld>
@@ -2332,99 +2335,41 @@
           <a:bodyPr/>
           <a:lstStyle/>
           <a:p>
-            <a:r>
-              <a:rPr lang="en-US" dirty="0" err="1"/>
-              <a:t>Javascript</a:t>
-            </a:r>
+            <a:pPr marL="0" marR="0" lvl="0" indent="0" defTabSz="228600" eaLnBrk="1" fontAlgn="auto" latinLnBrk="0" hangingPunct="1">
+              <a:lnSpc>
+                <a:spcPct val="117999"/>
+              </a:lnSpc>
+              <a:spcBef>
+                <a:spcPts val="0"/>
+              </a:spcBef>
+              <a:spcAft>
+                <a:spcPts val="0"/>
+              </a:spcAft>
+              <a:buClrTx/>
+              <a:buSzTx/>
+              <a:buFontTx/>
+              <a:buNone/>
+              <a:tabLst/>
+              <a:defRPr/>
+            </a:pPr>
             <a:r>
               <a:rPr lang="en-US" dirty="0"/>
-              <a:t> is a single threaded language. This means it has one call stack and one memory heap. It uses </a:t>
-            </a:r>
-            <a:r>
-              <a:rPr lang="en-US" dirty="0" err="1"/>
-              <a:t>WebAPI</a:t>
-            </a:r>
-            <a:r>
-              <a:rPr lang="en-US" dirty="0"/>
-              <a:t> to work asynchronously.</a:t>
+              <a:t>This is what we said back on the slide with the stork, where we said "</a:t>
+            </a:r>
+            <a:r>
+              <a:rPr lang="en-US" sz="1100" dirty="0"/>
+              <a:t>Some typescript libraries have API procedures that return promises"</a:t>
             </a:r>
           </a:p>
           <a:p>
             <a:endParaRPr lang="en-US" dirty="0"/>
-          </a:p>
-          <a:p>
-            <a:r>
-              <a:rPr lang="en-US" dirty="0"/>
-              <a:t>How do we get asynchronous code with </a:t>
-            </a:r>
-            <a:r>
-              <a:rPr lang="en-US" dirty="0" err="1"/>
-              <a:t>Javascript</a:t>
-            </a:r>
-            <a:r>
-              <a:rPr lang="en-US" dirty="0"/>
-              <a:t> then?</a:t>
-            </a:r>
-          </a:p>
-          <a:p>
-            <a:r>
-              <a:rPr lang="en-US" dirty="0"/>
-              <a:t>Well, we can thank the </a:t>
-            </a:r>
-            <a:r>
-              <a:rPr lang="en-US" dirty="0" err="1"/>
-              <a:t>Javascript</a:t>
-            </a:r>
-            <a:r>
-              <a:rPr lang="en-US" dirty="0"/>
-              <a:t> engine (V8, </a:t>
-            </a:r>
-            <a:r>
-              <a:rPr lang="en-US" dirty="0" err="1"/>
-              <a:t>Spidermonkey</a:t>
-            </a:r>
-            <a:r>
-              <a:rPr lang="en-US" dirty="0"/>
-              <a:t>, </a:t>
-            </a:r>
-            <a:r>
-              <a:rPr lang="en-US" dirty="0" err="1"/>
-              <a:t>JavaScriptCore</a:t>
-            </a:r>
-            <a:r>
-              <a:rPr lang="en-US" dirty="0"/>
-              <a:t>, etc...) for that, which has Web API that handle these tasks in the background. The call stack recognizes functions of the Web API and hands them off to be handled by the browser. Once those tasks are finished by the browser, they return and are pushed into a queue (callbacks go in </a:t>
-            </a:r>
-            <a:r>
-              <a:rPr lang="en-US" dirty="0" err="1"/>
-              <a:t>Macrotask</a:t>
-            </a:r>
-            <a:r>
-              <a:rPr lang="en-US" dirty="0"/>
-              <a:t> queue and promises go into microtask queue)</a:t>
-            </a:r>
-          </a:p>
-          <a:p>
-            <a:r>
-              <a:rPr lang="en-US" dirty="0"/>
-              <a:t>Then they are picked up by the event loop one by one and added onto the call stack.</a:t>
-            </a:r>
-          </a:p>
-          <a:p>
-            <a:endParaRPr lang="en-US" dirty="0"/>
-          </a:p>
-          <a:p>
-            <a:r>
-              <a:rPr lang="en-US" dirty="0"/>
-              <a:t>Try this http://latentflip.com/loupe </a:t>
-            </a:r>
           </a:p>
         </p:txBody>
       </p:sp>
     </p:spTree>
     <p:extLst>
       <p:ext uri="{BB962C8B-B14F-4D97-AF65-F5344CB8AC3E}">
-        <p14:creationId xmlns:p14="http://schemas.microsoft.com/office/powerpoint/2010/main" val="116908980"/>
+        <p14:creationId xmlns:p14="http://schemas.microsoft.com/office/powerpoint/2010/main" val="1428143635"/>
       </p:ext>
     </p:extLst>
   </p:cSld>
@@ -2478,44 +2423,99 @@
           <a:bodyPr/>
           <a:lstStyle/>
           <a:p>
-            <a:pPr algn="l"/>
-            <a:r>
-              <a:rPr lang="en-US" dirty="0">
-                <a:solidFill>
-                  <a:schemeClr val="tx1"/>
-                </a:solidFill>
-              </a:rPr>
-              <a:t>Courtesy of </a:t>
-            </a:r>
-            <a:r>
-              <a:rPr lang="en-US" dirty="0">
-                <a:solidFill>
-                  <a:schemeClr val="tx1"/>
-                </a:solidFill>
-                <a:hlinkClick r:id="rId3"/>
-              </a:rPr>
-              <a:t>https://dev.to/lydiahallie/javascript-visualized-event-loop-3dif</a:t>
-            </a:r>
-            <a:endParaRPr lang="en-US" dirty="0">
-              <a:solidFill>
-                <a:schemeClr val="tx1"/>
-              </a:solidFill>
-            </a:endParaRPr>
-          </a:p>
-          <a:p>
-            <a:pPr algn="l"/>
-            <a:endParaRPr lang="en-US" dirty="0">
-              <a:solidFill>
-                <a:schemeClr val="tx1"/>
-              </a:solidFill>
-            </a:endParaRPr>
+            <a:r>
+              <a:rPr lang="en-US" dirty="0" err="1"/>
+              <a:t>Javascript</a:t>
+            </a:r>
+            <a:r>
+              <a:rPr lang="en-US" dirty="0"/>
+              <a:t> is a single threaded language. This means it has one call stack and one memory heap. It uses </a:t>
+            </a:r>
+            <a:r>
+              <a:rPr lang="en-US" dirty="0" err="1"/>
+              <a:t>WebAPI</a:t>
+            </a:r>
+            <a:r>
+              <a:rPr lang="en-US" dirty="0"/>
+              <a:t> to work asynchronously.</a:t>
+            </a:r>
+          </a:p>
+          <a:p>
+            <a:endParaRPr lang="en-US" dirty="0"/>
+          </a:p>
+          <a:p>
+            <a:r>
+              <a:rPr lang="en-US" dirty="0"/>
+              <a:t>How do we get asynchronous code with </a:t>
+            </a:r>
+            <a:r>
+              <a:rPr lang="en-US" dirty="0" err="1"/>
+              <a:t>Javascript</a:t>
+            </a:r>
+            <a:r>
+              <a:rPr lang="en-US" dirty="0"/>
+              <a:t> then?</a:t>
+            </a:r>
+          </a:p>
+          <a:p>
+            <a:r>
+              <a:rPr lang="en-US" dirty="0"/>
+              <a:t>Well, we can thank the </a:t>
+            </a:r>
+            <a:r>
+              <a:rPr lang="en-US" dirty="0" err="1"/>
+              <a:t>Javascript</a:t>
+            </a:r>
+            <a:r>
+              <a:rPr lang="en-US" dirty="0"/>
+              <a:t> engine (V8, </a:t>
+            </a:r>
+            <a:r>
+              <a:rPr lang="en-US" dirty="0" err="1"/>
+              <a:t>Spidermonkey</a:t>
+            </a:r>
+            <a:r>
+              <a:rPr lang="en-US" dirty="0"/>
+              <a:t>, </a:t>
+            </a:r>
+            <a:r>
+              <a:rPr lang="en-US" dirty="0" err="1"/>
+              <a:t>JavaScriptCore</a:t>
+            </a:r>
+            <a:r>
+              <a:rPr lang="en-US" dirty="0"/>
+              <a:t>, etc...) for that, which has Web API that handle these tasks in the background. The call stack recognizes functions of the Web API and hands them off to be handled by the browser. Once those tasks are finished by the browser, they return and are pushed into a queue (callbacks go in </a:t>
+            </a:r>
+            <a:r>
+              <a:rPr lang="en-US" dirty="0" err="1"/>
+              <a:t>Macrotask</a:t>
+            </a:r>
+            <a:r>
+              <a:rPr lang="en-US" dirty="0"/>
+              <a:t> queue and promises go into microtask queue)</a:t>
+            </a:r>
+          </a:p>
+          <a:p>
+            <a:r>
+              <a:rPr lang="en-US" dirty="0"/>
+              <a:t>Then they are picked up by the event loop one by one and added onto the call stack.</a:t>
+            </a:r>
+          </a:p>
+          <a:p>
+            <a:endParaRPr lang="en-US" dirty="0"/>
+          </a:p>
+          <a:p>
+            <a:r>
+              <a:rPr lang="en-US" dirty="0"/>
+              <a:t>Try this http://latentflip.com/loupe </a:t>
+            </a:r>
           </a:p>
         </p:txBody>
       </p:sp>
     </p:spTree>
     <p:extLst>
       <p:ext uri="{BB962C8B-B14F-4D97-AF65-F5344CB8AC3E}">
-        <p14:creationId xmlns:p14="http://schemas.microsoft.com/office/powerpoint/2010/main" val="3636221697"/>
+        <p14:creationId xmlns:p14="http://schemas.microsoft.com/office/powerpoint/2010/main" val="116908980"/>
       </p:ext>
     </p:extLst>
   </p:cSld>
@@ -2569,14 +2569,44 @@
           <a:bodyPr/>
           <a:lstStyle/>
           <a:p>
-            <a:endParaRPr lang="en-US" dirty="0"/>
+            <a:pPr algn="l"/>
+            <a:r>
+              <a:rPr lang="en-US" dirty="0">
+                <a:solidFill>
+                  <a:schemeClr val="tx1"/>
+                </a:solidFill>
+              </a:rPr>
+              <a:t>Courtesy of </a:t>
+            </a:r>
+            <a:r>
+              <a:rPr lang="en-US" dirty="0">
+                <a:solidFill>
+                  <a:schemeClr val="tx1"/>
+                </a:solidFill>
+                <a:hlinkClick r:id="rId3"/>
+              </a:rPr>
+              <a:t>https://dev.to/lydiahallie/javascript-visualized-event-loop-3dif</a:t>
+            </a:r>
+            <a:endParaRPr lang="en-US" dirty="0">
+              <a:solidFill>
+                <a:schemeClr val="tx1"/>
+              </a:solidFill>
+            </a:endParaRPr>
+          </a:p>
+          <a:p>
+            <a:pPr algn="l"/>
+            <a:endParaRPr lang="en-US" dirty="0">
+              <a:solidFill>
+                <a:schemeClr val="tx1"/>
+              </a:solidFill>
+            </a:endParaRPr>
           </a:p>
         </p:txBody>
       </p:sp>
     </p:spTree>
     <p:extLst>
       <p:ext uri="{BB962C8B-B14F-4D97-AF65-F5344CB8AC3E}">
-        <p14:creationId xmlns:p14="http://schemas.microsoft.com/office/powerpoint/2010/main" val="358283542"/>
+        <p14:creationId xmlns:p14="http://schemas.microsoft.com/office/powerpoint/2010/main" val="3636221697"/>
       </p:ext>
     </p:extLst>
   </p:cSld>
@@ -2630,42 +2660,14 @@
           <a:bodyPr/>
           <a:lstStyle/>
           <a:p>
-            <a:r>
-              <a:rPr lang="en-US" dirty="0"/>
-              <a:t>Promises enforce the order of operations only through the .then. The code in the ‘then’ won’t run until the promise is resolved.  Note that every .then() is a choice point, allowing the runtime to switch to some other task.</a:t>
-            </a:r>
-          </a:p>
-          <a:p>
-            <a:br>
-              <a:rPr lang="en-US" dirty="0"/>
-            </a:br>
-            <a:r>
-              <a:rPr lang="en-US" dirty="0"/>
-              <a:t>(build through example, explaining the possible orders of results. Point out that we should never depend on the order of results we hear back form google/</a:t>
-            </a:r>
-            <a:r>
-              <a:rPr lang="en-US" dirty="0" err="1"/>
-              <a:t>facebook</a:t>
-            </a:r>
-            <a:r>
-              <a:rPr lang="en-US" dirty="0"/>
-              <a:t>/</a:t>
-            </a:r>
-            <a:r>
-              <a:rPr lang="en-US" dirty="0" err="1"/>
-              <a:t>coveytown</a:t>
-            </a:r>
-            <a:r>
-              <a:rPr lang="en-US" dirty="0"/>
-              <a:t> because it is non-deterministic. You might happen to see 9/10 times one ordering, but there is no guarantee)</a:t>
-            </a:r>
+            <a:endParaRPr lang="en-US" dirty="0"/>
           </a:p>
         </p:txBody>
       </p:sp>
     </p:spTree>
     <p:extLst>
       <p:ext uri="{BB962C8B-B14F-4D97-AF65-F5344CB8AC3E}">
-        <p14:creationId xmlns:p14="http://schemas.microsoft.com/office/powerpoint/2010/main" val="939291855"/>
+        <p14:creationId xmlns:p14="http://schemas.microsoft.com/office/powerpoint/2010/main" val="358283542"/>
       </p:ext>
     </p:extLst>
   </p:cSld>
@@ -2819,14 +2821,42 @@
           <a:bodyPr/>
           <a:lstStyle/>
           <a:p>
-            <a:endParaRPr lang="en-US" dirty="0"/>
+            <a:r>
+              <a:rPr lang="en-US" dirty="0"/>
+              <a:t>Promises enforce the order of operations only through the .then. The code in the ‘then’ won’t run until the promise is resolved.  Note that every .then() is a choice point, allowing the runtime to switch to some other task.</a:t>
+            </a:r>
+          </a:p>
+          <a:p>
+            <a:br>
+              <a:rPr lang="en-US" dirty="0"/>
+            </a:br>
+            <a:r>
+              <a:rPr lang="en-US" dirty="0"/>
+              <a:t>(build through example, explaining the possible orders of results. Point out that we should never depend on the order of results we hear back form google/</a:t>
+            </a:r>
+            <a:r>
+              <a:rPr lang="en-US" dirty="0" err="1"/>
+              <a:t>facebook</a:t>
+            </a:r>
+            <a:r>
+              <a:rPr lang="en-US" dirty="0"/>
+              <a:t>/</a:t>
+            </a:r>
+            <a:r>
+              <a:rPr lang="en-US" dirty="0" err="1"/>
+              <a:t>coveytown</a:t>
+            </a:r>
+            <a:r>
+              <a:rPr lang="en-US" dirty="0"/>
+              <a:t> because it is non-deterministic. You might happen to see 9/10 times one ordering, but there is no guarantee)</a:t>
+            </a:r>
           </a:p>
         </p:txBody>
       </p:sp>
     </p:spTree>
     <p:extLst>
       <p:ext uri="{BB962C8B-B14F-4D97-AF65-F5344CB8AC3E}">
-        <p14:creationId xmlns:p14="http://schemas.microsoft.com/office/powerpoint/2010/main" val="1096998824"/>
+        <p14:creationId xmlns:p14="http://schemas.microsoft.com/office/powerpoint/2010/main" val="939291855"/>
       </p:ext>
     </p:extLst>
   </p:cSld>
@@ -2880,40 +2910,6 @@
           <a:bodyPr/>
           <a:lstStyle/>
           <a:p>
-            <a:r>
-              <a:rPr lang="en-US" dirty="0"/>
-              <a:t>You can still have a data race with async await.  Here's an example where the printed value of x depends on which of the two promises returns first:  if </a:t>
-            </a:r>
-            <a:r>
-              <a:rPr lang="en-US" dirty="0" err="1"/>
-              <a:t>asyncDouble</a:t>
-            </a:r>
-            <a:r>
-              <a:rPr lang="en-US" dirty="0"/>
-              <a:t> returns first, then the result will be 22 (10*2 + 1 + 1).  If </a:t>
-            </a:r>
-            <a:r>
-              <a:rPr lang="en-US" dirty="0" err="1"/>
-              <a:t>asyncIncrementTwice</a:t>
-            </a:r>
-            <a:r>
-              <a:rPr lang="en-US" dirty="0"/>
-              <a:t> returns first, then the result will be 24 (10+1+1)*2 .  But 25 is impossible!</a:t>
-            </a:r>
-          </a:p>
-          <a:p>
-            <a:endParaRPr lang="en-US" dirty="0"/>
-          </a:p>
-          <a:p>
-            <a:r>
-              <a:rPr lang="en-US" dirty="0"/>
-              <a:t>[Note: I always get 22.  Not sure why….]</a:t>
-            </a:r>
-          </a:p>
-          <a:p>
-            <a:endParaRPr lang="en-US" dirty="0"/>
-          </a:p>
-          <a:p>
             <a:endParaRPr lang="en-US" dirty="0"/>
           </a:p>
         </p:txBody>
@@ -2921,7 +2917,7 @@
     </p:spTree>
     <p:extLst>
       <p:ext uri="{BB962C8B-B14F-4D97-AF65-F5344CB8AC3E}">
-        <p14:creationId xmlns:p14="http://schemas.microsoft.com/office/powerpoint/2010/main" val="3094308994"/>
+        <p14:creationId xmlns:p14="http://schemas.microsoft.com/office/powerpoint/2010/main" val="1096998824"/>
       </p:ext>
     </p:extLst>
   </p:cSld>
@@ -2977,6 +2973,101 @@
           <a:p>
             <a:r>
               <a:rPr lang="en-US" dirty="0"/>
+              <a:t>You can still have a data race with async await.  Here's an example where the printed value of x depends on which of the two promises returns first:  if </a:t>
+            </a:r>
+            <a:r>
+              <a:rPr lang="en-US" dirty="0" err="1"/>
+              <a:t>asyncDouble</a:t>
+            </a:r>
+            <a:r>
+              <a:rPr lang="en-US" dirty="0"/>
+              <a:t> returns first, then the result will be 22 (10*2 + 1 + 1).  If </a:t>
+            </a:r>
+            <a:r>
+              <a:rPr lang="en-US" dirty="0" err="1"/>
+              <a:t>asyncIncrementTwice</a:t>
+            </a:r>
+            <a:r>
+              <a:rPr lang="en-US" dirty="0"/>
+              <a:t> returns first, then the result will be 24 (10+1+1)*2 .  But 25 is impossible!</a:t>
+            </a:r>
+          </a:p>
+          <a:p>
+            <a:endParaRPr lang="en-US" dirty="0"/>
+          </a:p>
+          <a:p>
+            <a:r>
+              <a:rPr lang="en-US" dirty="0"/>
+              <a:t>[Note: I always get 22.  Not sure why….]</a:t>
+            </a:r>
+          </a:p>
+          <a:p>
+            <a:endParaRPr lang="en-US" dirty="0"/>
+          </a:p>
+          <a:p>
+            <a:endParaRPr lang="en-US" dirty="0"/>
+          </a:p>
+        </p:txBody>
+      </p:sp>
+    </p:spTree>
+    <p:extLst>
+      <p:ext uri="{BB962C8B-B14F-4D97-AF65-F5344CB8AC3E}">
+        <p14:creationId xmlns:p14="http://schemas.microsoft.com/office/powerpoint/2010/main" val="3094308994"/>
+      </p:ext>
+    </p:extLst>
+  </p:cSld>
+  <p:clrMapOvr>
+    <a:masterClrMapping/>
+  </p:clrMapOvr>
+</p:notes>
+</file>
+
+<file path=ppt/notesSlides/notesSlide33.xml><?xml version="1.0" encoding="utf-8"?>
+<p:notes xmlns:a="http://schemas.openxmlformats.org/drawingml/2006/main" xmlns:r="http://schemas.openxmlformats.org/officeDocument/2006/relationships" xmlns:p="http://schemas.openxmlformats.org/presentationml/2006/main">
+  <p:cSld>
+    <p:spTree>
+      <p:nvGrpSpPr>
+        <p:cNvPr id="1" name=""/>
+        <p:cNvGrpSpPr/>
+        <p:nvPr/>
+      </p:nvGrpSpPr>
+      <p:grpSpPr>
+        <a:xfrm>
+          <a:off x="0" y="0"/>
+          <a:ext cx="0" cy="0"/>
+          <a:chOff x="0" y="0"/>
+          <a:chExt cx="0" cy="0"/>
+        </a:xfrm>
+      </p:grpSpPr>
+      <p:sp>
+        <p:nvSpPr>
+          <p:cNvPr id="2" name="Slide Image Placeholder 1"/>
+          <p:cNvSpPr>
+            <a:spLocks noGrp="1" noRot="1" noChangeAspect="1"/>
+          </p:cNvSpPr>
+          <p:nvPr>
+            <p:ph type="sldImg"/>
+          </p:nvPr>
+        </p:nvSpPr>
+        <p:spPr/>
+      </p:sp>
+      <p:sp>
+        <p:nvSpPr>
+          <p:cNvPr id="3" name="Notes Placeholder 2"/>
+          <p:cNvSpPr>
+            <a:spLocks noGrp="1"/>
+          </p:cNvSpPr>
+          <p:nvPr>
+            <p:ph type="body" idx="1"/>
+          </p:nvPr>
+        </p:nvSpPr>
+        <p:spPr/>
+        <p:txBody>
+          <a:bodyPr/>
+          <a:lstStyle/>
+          <a:p>
+            <a:r>
+              <a:rPr lang="en-US" dirty="0"/>
               <a:t>&lt;read slide&gt;</a:t>
             </a:r>
           </a:p>
@@ -2999,7 +3090,7 @@
           <a:p>
             <a:fld id="{07937F07-1250-4CCE-B198-1B2887014F41}" type="slidenum">
               <a:rPr lang="en-US" smtClean="0"/>
-              <a:t>37</a:t>
+              <a:t>38</a:t>
             </a:fld>
             <a:endParaRPr lang="en-US"/>
           </a:p>
@@ -3349,79 +3440,90 @@
           <a:lstStyle/>
           <a:p>
             <a:r>
-              <a:rPr lang="en-US" b="0" dirty="0">
-                <a:solidFill>
-                  <a:srgbClr val="008000"/>
-                </a:solidFill>
-                <a:effectLst/>
-                <a:latin typeface="Consolas" panose="020B0609020204030204" pitchFamily="49" charset="0"/>
-              </a:rPr>
-              <a:t>In an interrupt-based model, it is possible that statement the print A runs *between* the print B and the print C.  Not for us!</a:t>
-            </a:r>
-          </a:p>
-          <a:p>
-            <a:endParaRPr lang="en-US" b="0" dirty="0">
-              <a:solidFill>
-                <a:srgbClr val="008000"/>
-              </a:solidFill>
-              <a:effectLst/>
-              <a:latin typeface="Consolas" panose="020B0609020204030204" pitchFamily="49" charset="0"/>
-            </a:endParaRPr>
-          </a:p>
-          <a:p>
-            <a:r>
-              <a:rPr lang="en-US" b="0" dirty="0">
-                <a:solidFill>
-                  <a:srgbClr val="008000"/>
-                </a:solidFill>
-                <a:effectLst/>
-                <a:latin typeface="Consolas" panose="020B0609020204030204" pitchFamily="49" charset="0"/>
-              </a:rPr>
-              <a:t>(Don't worry about the details of the run() procedure-- we'll explain that soon).</a:t>
+              <a:rPr lang="en-US" dirty="0"/>
+              <a:t>An async function yields or pauses in exactly two places in its code.  What happens at those places?</a:t>
             </a:r>
           </a:p>
           <a:p>
             <a:endParaRPr lang="en-US" dirty="0"/>
           </a:p>
           <a:p>
-            <a:endParaRPr lang="en-US" b="0" dirty="0">
-              <a:solidFill>
-                <a:srgbClr val="000000"/>
-              </a:solidFill>
-              <a:effectLst/>
-              <a:latin typeface="Consolas" panose="020B0609020204030204" pitchFamily="49" charset="0"/>
-            </a:endParaRPr>
-          </a:p>
-          <a:p>
-            <a:br>
-              <a:rPr lang="en-US" b="0" dirty="0">
-                <a:solidFill>
-                  <a:srgbClr val="000000"/>
-                </a:solidFill>
-                <a:effectLst/>
-                <a:latin typeface="Consolas" panose="020B0609020204030204" pitchFamily="49" charset="0"/>
-              </a:rPr>
-            </a:br>
-            <a:endParaRPr lang="en-US" b="0" dirty="0">
-              <a:solidFill>
-                <a:srgbClr val="000000"/>
-              </a:solidFill>
-              <a:effectLst/>
-              <a:latin typeface="Consolas" panose="020B0609020204030204" pitchFamily="49" charset="0"/>
-            </a:endParaRPr>
+            <a:r>
+              <a:rPr lang="en-US" dirty="0"/>
+              <a:t>When </a:t>
+            </a:r>
+            <a:r>
+              <a:rPr lang="en-US" dirty="0" err="1"/>
+              <a:t>someFunction</a:t>
+            </a:r>
+            <a:r>
+              <a:rPr lang="en-US" dirty="0"/>
+              <a:t> yields at the first location, it informs the runtime that </a:t>
+            </a:r>
+            <a:r>
+              <a:rPr lang="en-US" dirty="0" err="1"/>
+              <a:t>someOtherAsyncFunction</a:t>
+            </a:r>
+            <a:r>
+              <a:rPr lang="en-US" dirty="0"/>
+              <a:t>(j) is ready to run, and that </a:t>
+            </a:r>
+            <a:r>
+              <a:rPr lang="en-US" dirty="0" err="1"/>
+              <a:t>someFunction</a:t>
+            </a:r>
+            <a:r>
+              <a:rPr lang="en-US" dirty="0"/>
+              <a:t> will be ready to resume its execution only when </a:t>
+            </a:r>
+            <a:r>
+              <a:rPr lang="en-US" dirty="0" err="1"/>
+              <a:t>someOtherAsyncFunction</a:t>
+            </a:r>
+            <a:r>
+              <a:rPr lang="en-US" dirty="0"/>
+              <a:t>(j) returns a value.  The runtime can then switch to any process that is ready.  That might be the call to </a:t>
+            </a:r>
+            <a:r>
+              <a:rPr lang="en-US" dirty="0" err="1"/>
+              <a:t>someOtherAsync</a:t>
+            </a:r>
+            <a:r>
+              <a:rPr lang="en-US" dirty="0"/>
+              <a:t> function, but it might be something else.</a:t>
+            </a:r>
           </a:p>
           <a:p>
             <a:endParaRPr lang="en-US" dirty="0"/>
           </a:p>
           <a:p>
-            <a:endParaRPr lang="en-US" dirty="0"/>
+            <a:r>
+              <a:rPr lang="en-US" dirty="0"/>
+              <a:t>When </a:t>
+            </a:r>
+            <a:r>
+              <a:rPr lang="en-US" dirty="0" err="1"/>
+              <a:t>someFunction</a:t>
+            </a:r>
+            <a:r>
+              <a:rPr lang="en-US" dirty="0"/>
+              <a:t> yields at the second location, it informs the runtime that it is ready to return to its caller, and it gives the runtime permission to switch to any process that is ready.  It might be the caller of </a:t>
+            </a:r>
+            <a:r>
+              <a:rPr lang="en-US" dirty="0" err="1"/>
+              <a:t>someFunction</a:t>
+            </a:r>
+            <a:r>
+              <a:rPr lang="en-US" dirty="0"/>
+              <a:t>, or it might be something else.</a:t>
+            </a:r>
           </a:p>
         </p:txBody>
       </p:sp>
     </p:spTree>
     <p:extLst>
       <p:ext uri="{BB962C8B-B14F-4D97-AF65-F5344CB8AC3E}">
-        <p14:creationId xmlns:p14="http://schemas.microsoft.com/office/powerpoint/2010/main" val="3282751170"/>
+        <p14:creationId xmlns:p14="http://schemas.microsoft.com/office/powerpoint/2010/main" val="1748066163"/>
       </p:ext>
     </p:extLst>
   </p:cSld>
@@ -3476,90 +3578,79 @@
           <a:lstStyle/>
           <a:p>
             <a:r>
-              <a:rPr lang="en-US" dirty="0"/>
-              <a:t>An async function yields or pauses in exactly two places in its code.  What happens at those places?</a:t>
+              <a:rPr lang="en-US" b="0" dirty="0">
+                <a:solidFill>
+                  <a:srgbClr val="008000"/>
+                </a:solidFill>
+                <a:effectLst/>
+                <a:latin typeface="Consolas" panose="020B0609020204030204" pitchFamily="49" charset="0"/>
+              </a:rPr>
+              <a:t>In an interrupt-based model, it is possible that statement the print A runs *between* the print B and the print C.  Not for us!</a:t>
+            </a:r>
+          </a:p>
+          <a:p>
+            <a:endParaRPr lang="en-US" b="0" dirty="0">
+              <a:solidFill>
+                <a:srgbClr val="008000"/>
+              </a:solidFill>
+              <a:effectLst/>
+              <a:latin typeface="Consolas" panose="020B0609020204030204" pitchFamily="49" charset="0"/>
+            </a:endParaRPr>
+          </a:p>
+          <a:p>
+            <a:r>
+              <a:rPr lang="en-US" b="0" dirty="0">
+                <a:solidFill>
+                  <a:srgbClr val="008000"/>
+                </a:solidFill>
+                <a:effectLst/>
+                <a:latin typeface="Consolas" panose="020B0609020204030204" pitchFamily="49" charset="0"/>
+              </a:rPr>
+              <a:t>(Don't worry about the details of the run() procedure-- we'll explain that soon).</a:t>
             </a:r>
           </a:p>
           <a:p>
             <a:endParaRPr lang="en-US" dirty="0"/>
           </a:p>
           <a:p>
-            <a:r>
-              <a:rPr lang="en-US" dirty="0"/>
-              <a:t>When </a:t>
-            </a:r>
-            <a:r>
-              <a:rPr lang="en-US" dirty="0" err="1"/>
-              <a:t>someFunction</a:t>
-            </a:r>
-            <a:r>
-              <a:rPr lang="en-US" dirty="0"/>
-              <a:t> yields at the first location, it informs the runtime that </a:t>
-            </a:r>
-            <a:r>
-              <a:rPr lang="en-US" dirty="0" err="1"/>
-              <a:t>someOtherAsyncFunction</a:t>
-            </a:r>
-            <a:r>
-              <a:rPr lang="en-US" dirty="0"/>
-              <a:t>(j) is ready to run, and that </a:t>
-            </a:r>
-            <a:r>
-              <a:rPr lang="en-US" dirty="0" err="1"/>
-              <a:t>someFunction</a:t>
-            </a:r>
-            <a:r>
-              <a:rPr lang="en-US" dirty="0"/>
-              <a:t> will be ready to resume its execution only when </a:t>
-            </a:r>
-            <a:r>
-              <a:rPr lang="en-US" dirty="0" err="1"/>
-              <a:t>someOtherAsyncFunction</a:t>
-            </a:r>
-            <a:r>
-              <a:rPr lang="en-US" dirty="0"/>
-              <a:t>(j) returns a value.  The runtime can then switch to any process that is ready.  That might be the call to </a:t>
-            </a:r>
-            <a:r>
-              <a:rPr lang="en-US" dirty="0" err="1"/>
-              <a:t>someOtherAsync</a:t>
-            </a:r>
-            <a:r>
-              <a:rPr lang="en-US" dirty="0"/>
-              <a:t> function, but it might be something else.</a:t>
-            </a:r>
+            <a:endParaRPr lang="en-US" b="0" dirty="0">
+              <a:solidFill>
+                <a:srgbClr val="000000"/>
+              </a:solidFill>
+              <a:effectLst/>
+              <a:latin typeface="Consolas" panose="020B0609020204030204" pitchFamily="49" charset="0"/>
+            </a:endParaRPr>
+          </a:p>
+          <a:p>
+            <a:br>
+              <a:rPr lang="en-US" b="0" dirty="0">
+                <a:solidFill>
+                  <a:srgbClr val="000000"/>
+                </a:solidFill>
+                <a:effectLst/>
+                <a:latin typeface="Consolas" panose="020B0609020204030204" pitchFamily="49" charset="0"/>
+              </a:rPr>
+            </a:br>
+            <a:endParaRPr lang="en-US" b="0" dirty="0">
+              <a:solidFill>
+                <a:srgbClr val="000000"/>
+              </a:solidFill>
+              <a:effectLst/>
+              <a:latin typeface="Consolas" panose="020B0609020204030204" pitchFamily="49" charset="0"/>
+            </a:endParaRPr>
           </a:p>
           <a:p>
             <a:endParaRPr lang="en-US" dirty="0"/>
           </a:p>
           <a:p>
-            <a:r>
-              <a:rPr lang="en-US" dirty="0"/>
-              <a:t>When </a:t>
-            </a:r>
-            <a:r>
-              <a:rPr lang="en-US" dirty="0" err="1"/>
-              <a:t>someFunction</a:t>
-            </a:r>
-            <a:r>
-              <a:rPr lang="en-US" dirty="0"/>
-              <a:t> yields at the second location, it informs the runtime that it is ready to return to its caller, and it gives the runtime permission to switch to any process that is ready.  It might be the caller of </a:t>
-            </a:r>
-            <a:r>
-              <a:rPr lang="en-US" dirty="0" err="1"/>
-              <a:t>someFunction</a:t>
-            </a:r>
-            <a:r>
-              <a:rPr lang="en-US" dirty="0"/>
-              <a:t>, or it might be something else.</a:t>
-            </a:r>
+            <a:endParaRPr lang="en-US" dirty="0"/>
           </a:p>
         </p:txBody>
       </p:sp>
     </p:spTree>
     <p:extLst>
       <p:ext uri="{BB962C8B-B14F-4D97-AF65-F5344CB8AC3E}">
-        <p14:creationId xmlns:p14="http://schemas.microsoft.com/office/powerpoint/2010/main" val="1748066163"/>
+        <p14:creationId xmlns:p14="http://schemas.microsoft.com/office/powerpoint/2010/main" val="3282751170"/>
       </p:ext>
     </p:extLst>
   </p:cSld>
@@ -3772,7 +3863,7 @@
                 <a:tabLst/>
                 <a:defRPr/>
               </a:pPr>
-              <a:t>9/17/2025</a:t>
+              <a:t>9/23/2025</a:t>
             </a:fld>
             <a:endParaRPr kumimoji="0" lang="en-US" sz="1200" b="0" i="0" u="none" strike="noStrike" kern="1200" cap="none" spc="0" normalizeH="0" baseline="0" noProof="0">
               <a:ln>
@@ -4256,7 +4347,7 @@
                 <a:tabLst/>
                 <a:defRPr/>
               </a:pPr>
-              <a:t>9/17/2025</a:t>
+              <a:t>9/23/2025</a:t>
             </a:fld>
             <a:endParaRPr kumimoji="0" lang="en-US" sz="1200" b="0" i="0" u="none" strike="noStrike" kern="1200" cap="none" spc="0" normalizeH="0" baseline="0" noProof="0">
               <a:ln>
@@ -4614,7 +4705,7 @@
                 <a:tabLst/>
                 <a:defRPr/>
               </a:pPr>
-              <a:t>9/17/2025</a:t>
+              <a:t>9/23/2025</a:t>
             </a:fld>
             <a:endParaRPr kumimoji="0" lang="en-US" sz="1200" b="0" i="0" u="none" strike="noStrike" kern="1200" cap="none" spc="0" normalizeH="0" baseline="0" noProof="0">
               <a:ln>
@@ -4982,7 +5073,7 @@
                 <a:tabLst/>
                 <a:defRPr/>
               </a:pPr>
-              <a:t>9/17/2025</a:t>
+              <a:t>9/23/2025</a:t>
             </a:fld>
             <a:endParaRPr kumimoji="0" lang="en-US" sz="1200" b="0" i="0" u="none" strike="noStrike" kern="1200" cap="none" spc="0" normalizeH="0" baseline="0" noProof="0">
               <a:ln>
@@ -5952,7 +6043,7 @@
                 <a:tabLst/>
                 <a:defRPr/>
               </a:pPr>
-              <a:t>9/17/2025</a:t>
+              <a:t>9/23/2025</a:t>
             </a:fld>
             <a:endParaRPr kumimoji="0" lang="en-US" sz="1200" b="0" i="0" u="none" strike="noStrike" kern="1200" cap="none" spc="0" normalizeH="0" baseline="0" noProof="0">
               <a:ln>
@@ -6378,7 +6469,7 @@
                 <a:tabLst/>
                 <a:defRPr/>
               </a:pPr>
-              <a:t>9/17/2025</a:t>
+              <a:t>9/23/2025</a:t>
             </a:fld>
             <a:endParaRPr kumimoji="0" lang="en-US" sz="1200" b="0" i="0" u="none" strike="noStrike" kern="1200" cap="none" spc="0" normalizeH="0" baseline="0" noProof="0">
               <a:ln>
@@ -6742,7 +6833,7 @@
                 <a:tabLst/>
                 <a:defRPr/>
               </a:pPr>
-              <a:t>9/17/2025</a:t>
+              <a:t>9/23/2025</a:t>
             </a:fld>
             <a:endParaRPr kumimoji="0" lang="en-US" sz="1200" b="0" i="0" u="none" strike="noStrike" kern="1200" cap="none" spc="0" normalizeH="0" baseline="0" noProof="0">
               <a:ln>
@@ -7269,7 +7360,7 @@
                 <a:tabLst/>
                 <a:defRPr/>
               </a:pPr>
-              <a:t>9/17/2025</a:t>
+              <a:t>9/23/2025</a:t>
             </a:fld>
             <a:endParaRPr kumimoji="0" lang="en-US" sz="1200" b="0" i="0" u="none" strike="noStrike" kern="1200" cap="none" spc="0" normalizeH="0" baseline="0" noProof="0">
               <a:ln>
@@ -7730,7 +7821,7 @@
                 <a:tabLst/>
                 <a:defRPr/>
               </a:pPr>
-              <a:t>9/17/2025</a:t>
+              <a:t>9/23/2025</a:t>
             </a:fld>
             <a:endParaRPr kumimoji="0" lang="en-US" sz="1200" b="0" i="0" u="none" strike="noStrike" kern="1200" cap="none" spc="0" normalizeH="0" baseline="0" noProof="0">
               <a:ln>
@@ -8338,7 +8429,7 @@
                 <a:tabLst/>
                 <a:defRPr/>
               </a:pPr>
-              <a:t>9/17/2025</a:t>
+              <a:t>9/23/2025</a:t>
             </a:fld>
             <a:endParaRPr kumimoji="0" lang="en-US" sz="1200" b="0" i="0" u="none" strike="noStrike" kern="1200" cap="none" spc="0" normalizeH="0" baseline="0" noProof="0">
               <a:ln>
@@ -8611,7 +8702,7 @@
                 <a:tabLst/>
                 <a:defRPr/>
               </a:pPr>
-              <a:t>9/17/2025</a:t>
+              <a:t>9/23/2025</a:t>
             </a:fld>
             <a:endParaRPr kumimoji="0" lang="en-US" sz="1200" b="0" i="0" u="none" strike="noStrike" kern="1200" cap="none" spc="0" normalizeH="0" baseline="0" noProof="0">
               <a:ln>
@@ -9082,7 +9173,7 @@
                 <a:tabLst/>
                 <a:defRPr/>
               </a:pPr>
-              <a:t>9/17/2025</a:t>
+              <a:t>9/23/2025</a:t>
             </a:fld>
             <a:endParaRPr kumimoji="0" lang="en-US" sz="1200" b="0" i="0" u="none" strike="noStrike" kern="1200" cap="none" spc="0" normalizeH="0" baseline="0" noProof="0">
               <a:ln>
@@ -9483,7 +9574,7 @@
                 <a:tabLst/>
                 <a:defRPr/>
               </a:pPr>
-              <a:t>9/17/2025</a:t>
+              <a:t>9/23/2025</a:t>
             </a:fld>
             <a:endParaRPr kumimoji="0" lang="en-US" sz="1200" b="0" i="0" u="none" strike="noStrike" kern="1200" cap="none" spc="0" normalizeH="0" baseline="0" noProof="0">
               <a:ln>
@@ -10217,1243 +10308,6 @@
   <p:cSld>
     <p:spTree>
       <p:nvGrpSpPr>
-        <p:cNvPr id="1" name=""/>
-        <p:cNvGrpSpPr/>
-        <p:nvPr/>
-      </p:nvGrpSpPr>
-      <p:grpSpPr>
-        <a:xfrm>
-          <a:off x="0" y="0"/>
-          <a:ext cx="0" cy="0"/>
-          <a:chOff x="0" y="0"/>
-          <a:chExt cx="0" cy="0"/>
-        </a:xfrm>
-      </p:grpSpPr>
-      <p:sp>
-        <p:nvSpPr>
-          <p:cNvPr id="2" name="Title 1">
-            <a:extLst>
-              <a:ext uri="{FF2B5EF4-FFF2-40B4-BE49-F238E27FC236}">
-                <a16:creationId xmlns:a16="http://schemas.microsoft.com/office/drawing/2014/main" id="{B3DE27F2-3685-217F-F3EF-E022EB526D76}"/>
-              </a:ext>
-            </a:extLst>
-          </p:cNvPr>
-          <p:cNvSpPr>
-            <a:spLocks noGrp="1"/>
-          </p:cNvSpPr>
-          <p:nvPr>
-            <p:ph type="title"/>
-          </p:nvPr>
-        </p:nvSpPr>
-        <p:spPr/>
-        <p:txBody>
-          <a:bodyPr/>
-          <a:lstStyle/>
-          <a:p>
-            <a:r>
-              <a:rPr lang="en-US" dirty="0"/>
-              <a:t>Java vs. JS/TS</a:t>
-            </a:r>
-          </a:p>
-        </p:txBody>
-      </p:sp>
-      <p:sp>
-        <p:nvSpPr>
-          <p:cNvPr id="3" name="Slide Number Placeholder 2">
-            <a:extLst>
-              <a:ext uri="{FF2B5EF4-FFF2-40B4-BE49-F238E27FC236}">
-                <a16:creationId xmlns:a16="http://schemas.microsoft.com/office/drawing/2014/main" id="{0DCBA99B-9B52-6B93-AA38-C5360F2244DE}"/>
-              </a:ext>
-            </a:extLst>
-          </p:cNvPr>
-          <p:cNvSpPr>
-            <a:spLocks noGrp="1"/>
-          </p:cNvSpPr>
-          <p:nvPr>
-            <p:ph type="sldNum" sz="quarter" idx="12"/>
-          </p:nvPr>
-        </p:nvSpPr>
-        <p:spPr/>
-        <p:txBody>
-          <a:bodyPr/>
-          <a:lstStyle/>
-          <a:p>
-            <a:pPr marL="0" marR="0" lvl="0" indent="0" algn="r" defTabSz="914400" rtl="0" eaLnBrk="1" fontAlgn="auto" latinLnBrk="0" hangingPunct="1">
-              <a:lnSpc>
-                <a:spcPct val="100000"/>
-              </a:lnSpc>
-              <a:spcBef>
-                <a:spcPts val="0"/>
-              </a:spcBef>
-              <a:spcAft>
-                <a:spcPts val="0"/>
-              </a:spcAft>
-              <a:buClrTx/>
-              <a:buSzTx/>
-              <a:buFontTx/>
-              <a:buNone/>
-              <a:tabLst/>
-              <a:defRPr/>
-            </a:pPr>
-            <a:fld id="{20F37917-FD3A-4669-9018-DA04BCDD3D75}" type="slidenum">
-              <a:rPr kumimoji="0" lang="en-US" sz="1200" b="0" i="0" u="none" strike="noStrike" kern="1200" cap="none" spc="0" normalizeH="0" baseline="0" noProof="0" smtClean="0">
-                <a:ln>
-                  <a:noFill/>
-                </a:ln>
-                <a:solidFill>
-                  <a:prstClr val="black">
-                    <a:tint val="75000"/>
-                  </a:prstClr>
-                </a:solidFill>
-                <a:effectLst/>
-                <a:uLnTx/>
-                <a:uFillTx/>
-                <a:latin typeface="Calibri" panose="020F0502020204030204"/>
-                <a:ea typeface="+mn-ea"/>
-                <a:cs typeface="+mn-cs"/>
-              </a:rPr>
-              <a:pPr marL="0" marR="0" lvl="0" indent="0" algn="r" defTabSz="914400" rtl="0" eaLnBrk="1" fontAlgn="auto" latinLnBrk="0" hangingPunct="1">
-                <a:lnSpc>
-                  <a:spcPct val="100000"/>
-                </a:lnSpc>
-                <a:spcBef>
-                  <a:spcPts val="0"/>
-                </a:spcBef>
-                <a:spcAft>
-                  <a:spcPts val="0"/>
-                </a:spcAft>
-                <a:buClrTx/>
-                <a:buSzTx/>
-                <a:buFontTx/>
-                <a:buNone/>
-                <a:tabLst/>
-                <a:defRPr/>
-              </a:pPr>
-              <a:t>10</a:t>
-            </a:fld>
-            <a:endParaRPr kumimoji="0" lang="en-US" sz="1200" b="0" i="0" u="none" strike="noStrike" kern="1200" cap="none" spc="0" normalizeH="0" baseline="0" noProof="0">
-              <a:ln>
-                <a:noFill/>
-              </a:ln>
-              <a:solidFill>
-                <a:prstClr val="black">
-                  <a:tint val="75000"/>
-                </a:prstClr>
-              </a:solidFill>
-              <a:effectLst/>
-              <a:uLnTx/>
-              <a:uFillTx/>
-              <a:latin typeface="Calibri" panose="020F0502020204030204"/>
-              <a:ea typeface="+mn-ea"/>
-              <a:cs typeface="+mn-cs"/>
-            </a:endParaRPr>
-          </a:p>
-        </p:txBody>
-      </p:sp>
-      <p:sp>
-        <p:nvSpPr>
-          <p:cNvPr id="7" name="TextBox 6">
-            <a:extLst>
-              <a:ext uri="{FF2B5EF4-FFF2-40B4-BE49-F238E27FC236}">
-                <a16:creationId xmlns:a16="http://schemas.microsoft.com/office/drawing/2014/main" id="{CD50A8E0-85BE-235E-B3A1-9815DAFEE290}"/>
-              </a:ext>
-            </a:extLst>
-          </p:cNvPr>
-          <p:cNvSpPr txBox="1"/>
-          <p:nvPr/>
-        </p:nvSpPr>
-        <p:spPr>
-          <a:xfrm>
-            <a:off x="838200" y="1452957"/>
-            <a:ext cx="7942006" cy="6463308"/>
-          </a:xfrm>
-          <a:prstGeom prst="rect">
-            <a:avLst/>
-          </a:prstGeom>
-          <a:noFill/>
-          <a:ln w="12700" cap="flat" cmpd="sng" algn="ctr">
-            <a:noFill/>
-            <a:prstDash val="solid"/>
-            <a:miter lim="800000"/>
-          </a:ln>
-          <a:effectLst/>
-        </p:spPr>
-        <p:style>
-          <a:lnRef idx="2">
-            <a:schemeClr val="accent1">
-              <a:shade val="50000"/>
-            </a:schemeClr>
-          </a:lnRef>
-          <a:fillRef idx="1">
-            <a:schemeClr val="accent1"/>
-          </a:fillRef>
-          <a:effectRef idx="0">
-            <a:schemeClr val="accent1"/>
-          </a:effectRef>
-          <a:fontRef idx="minor">
-            <a:schemeClr val="lt1"/>
-          </a:fontRef>
-        </p:style>
-        <p:txBody>
-          <a:bodyPr wrap="square">
-            <a:spAutoFit/>
-          </a:bodyPr>
-          <a:lstStyle/>
-          <a:p>
-            <a:pPr algn="l">
-              <a:buNone/>
-            </a:pPr>
-            <a:r>
-              <a:rPr lang="en-US" sz="2000" b="0" dirty="0">
-                <a:solidFill>
-                  <a:srgbClr val="0000FF"/>
-                </a:solidFill>
-                <a:effectLst/>
-                <a:latin typeface="Consolas" panose="020B0609020204030204" pitchFamily="49" charset="0"/>
-              </a:rPr>
-              <a:t>async</a:t>
-            </a:r>
-            <a:r>
-              <a:rPr lang="en-US" sz="2000" b="0" dirty="0">
-                <a:solidFill>
-                  <a:srgbClr val="3B3B3B"/>
-                </a:solidFill>
-                <a:effectLst/>
-                <a:latin typeface="Consolas" panose="020B0609020204030204" pitchFamily="49" charset="0"/>
-              </a:rPr>
-              <a:t> </a:t>
-            </a:r>
-            <a:r>
-              <a:rPr lang="en-US" sz="2000" b="0" dirty="0">
-                <a:solidFill>
-                  <a:srgbClr val="0000FF"/>
-                </a:solidFill>
-                <a:effectLst/>
-                <a:latin typeface="Consolas" panose="020B0609020204030204" pitchFamily="49" charset="0"/>
-              </a:rPr>
-              <a:t>function</a:t>
-            </a:r>
-            <a:r>
-              <a:rPr lang="en-US" sz="2000" b="0" dirty="0">
-                <a:solidFill>
-                  <a:srgbClr val="3B3B3B"/>
-                </a:solidFill>
-                <a:effectLst/>
-                <a:latin typeface="Consolas" panose="020B0609020204030204" pitchFamily="49" charset="0"/>
-              </a:rPr>
-              <a:t> </a:t>
-            </a:r>
-            <a:r>
-              <a:rPr lang="en-US" sz="2000" b="0" dirty="0" err="1">
-                <a:solidFill>
-                  <a:srgbClr val="795E26"/>
-                </a:solidFill>
-                <a:effectLst/>
-                <a:latin typeface="Consolas" panose="020B0609020204030204" pitchFamily="49" charset="0"/>
-              </a:rPr>
-              <a:t>asyncPrintA</a:t>
-            </a:r>
-            <a:r>
-              <a:rPr lang="en-US" sz="2000" b="0" dirty="0">
-                <a:solidFill>
-                  <a:srgbClr val="3B3B3B"/>
-                </a:solidFill>
-                <a:effectLst/>
-                <a:latin typeface="Consolas" panose="020B0609020204030204" pitchFamily="49" charset="0"/>
-              </a:rPr>
-              <a:t>() {</a:t>
-            </a:r>
-          </a:p>
-          <a:p>
-            <a:pPr algn="l">
-              <a:buNone/>
-            </a:pPr>
-            <a:r>
-              <a:rPr lang="en-US" sz="2000" b="0" dirty="0">
-                <a:solidFill>
-                  <a:srgbClr val="3B3B3B"/>
-                </a:solidFill>
-                <a:effectLst/>
-                <a:latin typeface="Consolas" panose="020B0609020204030204" pitchFamily="49" charset="0"/>
-              </a:rPr>
-              <a:t>    </a:t>
-            </a:r>
-            <a:r>
-              <a:rPr lang="en-US" sz="2000" b="0" dirty="0">
-                <a:solidFill>
-                  <a:srgbClr val="AF00DB"/>
-                </a:solidFill>
-                <a:effectLst/>
-                <a:latin typeface="Consolas" panose="020B0609020204030204" pitchFamily="49" charset="0"/>
-              </a:rPr>
-              <a:t>await</a:t>
-            </a:r>
-            <a:r>
-              <a:rPr lang="en-US" sz="2000" b="0" dirty="0">
-                <a:solidFill>
-                  <a:srgbClr val="3B3B3B"/>
-                </a:solidFill>
-                <a:effectLst/>
-                <a:latin typeface="Consolas" panose="020B0609020204030204" pitchFamily="49" charset="0"/>
-              </a:rPr>
-              <a:t> </a:t>
-            </a:r>
-            <a:r>
-              <a:rPr lang="en-US" sz="2000" b="0" dirty="0" err="1">
-                <a:solidFill>
-                  <a:srgbClr val="795E26"/>
-                </a:solidFill>
-                <a:effectLst/>
-                <a:latin typeface="Consolas" panose="020B0609020204030204" pitchFamily="49" charset="0"/>
-              </a:rPr>
-              <a:t>waitRandom</a:t>
-            </a:r>
-            <a:r>
-              <a:rPr lang="en-US" sz="2000" b="0" dirty="0">
-                <a:solidFill>
-                  <a:srgbClr val="3B3B3B"/>
-                </a:solidFill>
-                <a:effectLst/>
-                <a:latin typeface="Consolas" panose="020B0609020204030204" pitchFamily="49" charset="0"/>
-              </a:rPr>
-              <a:t>(</a:t>
-            </a:r>
-            <a:r>
-              <a:rPr lang="en-US" sz="2000" b="0" dirty="0">
-                <a:solidFill>
-                  <a:srgbClr val="098658"/>
-                </a:solidFill>
-                <a:effectLst/>
-                <a:latin typeface="Consolas" panose="020B0609020204030204" pitchFamily="49" charset="0"/>
-              </a:rPr>
-              <a:t>1</a:t>
-            </a:r>
-            <a:r>
-              <a:rPr lang="en-US" sz="2000" b="0" dirty="0">
-                <a:solidFill>
-                  <a:srgbClr val="3B3B3B"/>
-                </a:solidFill>
-                <a:effectLst/>
-                <a:latin typeface="Consolas" panose="020B0609020204030204" pitchFamily="49" charset="0"/>
-              </a:rPr>
-              <a:t>);  </a:t>
-            </a:r>
-          </a:p>
-          <a:p>
-            <a:pPr algn="l">
-              <a:buNone/>
-            </a:pPr>
-            <a:r>
-              <a:rPr lang="en-US" sz="2000" b="0" dirty="0">
-                <a:solidFill>
-                  <a:srgbClr val="3B3B3B"/>
-                </a:solidFill>
-                <a:effectLst/>
-                <a:latin typeface="Consolas" panose="020B0609020204030204" pitchFamily="49" charset="0"/>
-              </a:rPr>
-              <a:t>    </a:t>
-            </a:r>
-            <a:r>
-              <a:rPr lang="en-US" sz="2000" b="0" dirty="0">
-                <a:solidFill>
-                  <a:srgbClr val="001080"/>
-                </a:solidFill>
-                <a:effectLst/>
-                <a:latin typeface="Consolas" panose="020B0609020204030204" pitchFamily="49" charset="0"/>
-              </a:rPr>
-              <a:t>console</a:t>
-            </a:r>
-            <a:r>
-              <a:rPr lang="en-US" sz="2000" b="0" dirty="0">
-                <a:solidFill>
-                  <a:srgbClr val="3B3B3B"/>
-                </a:solidFill>
-                <a:effectLst/>
-                <a:latin typeface="Consolas" panose="020B0609020204030204" pitchFamily="49" charset="0"/>
-              </a:rPr>
-              <a:t>.</a:t>
-            </a:r>
-            <a:r>
-              <a:rPr lang="en-US" sz="2000" b="0" dirty="0">
-                <a:solidFill>
-                  <a:srgbClr val="795E26"/>
-                </a:solidFill>
-                <a:effectLst/>
-                <a:latin typeface="Consolas" panose="020B0609020204030204" pitchFamily="49" charset="0"/>
-              </a:rPr>
-              <a:t>log</a:t>
-            </a:r>
-            <a:r>
-              <a:rPr lang="en-US" sz="2000" b="0" dirty="0">
-                <a:solidFill>
-                  <a:srgbClr val="3B3B3B"/>
-                </a:solidFill>
-                <a:effectLst/>
-                <a:latin typeface="Consolas" panose="020B0609020204030204" pitchFamily="49" charset="0"/>
-              </a:rPr>
-              <a:t>(</a:t>
-            </a:r>
-            <a:r>
-              <a:rPr lang="en-US" sz="2000" b="0" dirty="0">
-                <a:solidFill>
-                  <a:srgbClr val="A31515"/>
-                </a:solidFill>
-                <a:effectLst/>
-                <a:latin typeface="Consolas" panose="020B0609020204030204" pitchFamily="49" charset="0"/>
-              </a:rPr>
-              <a:t>'A'</a:t>
-            </a:r>
-            <a:r>
-              <a:rPr lang="en-US" sz="2000" b="0" dirty="0">
-                <a:solidFill>
-                  <a:srgbClr val="3B3B3B"/>
-                </a:solidFill>
-                <a:effectLst/>
-                <a:latin typeface="Consolas" panose="020B0609020204030204" pitchFamily="49" charset="0"/>
-              </a:rPr>
-              <a:t>);</a:t>
-            </a:r>
-          </a:p>
-          <a:p>
-            <a:pPr algn="l">
-              <a:buNone/>
-            </a:pPr>
-            <a:r>
-              <a:rPr lang="en-US" sz="2000" b="0" dirty="0">
-                <a:solidFill>
-                  <a:srgbClr val="3B3B3B"/>
-                </a:solidFill>
-                <a:effectLst/>
-                <a:latin typeface="Consolas" panose="020B0609020204030204" pitchFamily="49" charset="0"/>
-              </a:rPr>
-              <a:t>}</a:t>
-            </a:r>
-          </a:p>
-          <a:p>
-            <a:pPr algn="l">
-              <a:buNone/>
-            </a:pPr>
-            <a:br>
-              <a:rPr lang="en-US" sz="2000" b="0" dirty="0">
-                <a:solidFill>
-                  <a:srgbClr val="3B3B3B"/>
-                </a:solidFill>
-                <a:effectLst/>
-                <a:latin typeface="Consolas" panose="020B0609020204030204" pitchFamily="49" charset="0"/>
-              </a:rPr>
-            </a:br>
-            <a:endParaRPr lang="en-US" sz="2000" b="0" dirty="0">
-              <a:solidFill>
-                <a:srgbClr val="3B3B3B"/>
-              </a:solidFill>
-              <a:effectLst/>
-              <a:latin typeface="Consolas" panose="020B0609020204030204" pitchFamily="49" charset="0"/>
-            </a:endParaRPr>
-          </a:p>
-          <a:p>
-            <a:pPr algn="l">
-              <a:buNone/>
-            </a:pPr>
-            <a:r>
-              <a:rPr lang="en-US" sz="2000" b="0" dirty="0">
-                <a:solidFill>
-                  <a:srgbClr val="0000FF"/>
-                </a:solidFill>
-                <a:effectLst/>
-                <a:latin typeface="Consolas" panose="020B0609020204030204" pitchFamily="49" charset="0"/>
-              </a:rPr>
-              <a:t>async</a:t>
-            </a:r>
-            <a:r>
-              <a:rPr lang="en-US" sz="2000" b="0" dirty="0">
-                <a:solidFill>
-                  <a:srgbClr val="3B3B3B"/>
-                </a:solidFill>
-                <a:effectLst/>
-                <a:latin typeface="Consolas" panose="020B0609020204030204" pitchFamily="49" charset="0"/>
-              </a:rPr>
-              <a:t> </a:t>
-            </a:r>
-            <a:r>
-              <a:rPr lang="en-US" sz="2000" b="0" dirty="0">
-                <a:solidFill>
-                  <a:srgbClr val="0000FF"/>
-                </a:solidFill>
-                <a:effectLst/>
-                <a:latin typeface="Consolas" panose="020B0609020204030204" pitchFamily="49" charset="0"/>
-              </a:rPr>
-              <a:t>function</a:t>
-            </a:r>
-            <a:r>
-              <a:rPr lang="en-US" sz="2000" b="0" dirty="0">
-                <a:solidFill>
-                  <a:srgbClr val="3B3B3B"/>
-                </a:solidFill>
-                <a:effectLst/>
-                <a:latin typeface="Consolas" panose="020B0609020204030204" pitchFamily="49" charset="0"/>
-              </a:rPr>
-              <a:t> </a:t>
-            </a:r>
-            <a:r>
-              <a:rPr lang="en-US" sz="2000" b="0" dirty="0" err="1">
-                <a:solidFill>
-                  <a:srgbClr val="795E26"/>
-                </a:solidFill>
-                <a:effectLst/>
-                <a:latin typeface="Consolas" panose="020B0609020204030204" pitchFamily="49" charset="0"/>
-              </a:rPr>
-              <a:t>asyncPrintBC</a:t>
-            </a:r>
-            <a:r>
-              <a:rPr lang="en-US" sz="2000" b="0" dirty="0">
-                <a:solidFill>
-                  <a:srgbClr val="3B3B3B"/>
-                </a:solidFill>
-                <a:effectLst/>
-                <a:latin typeface="Consolas" panose="020B0609020204030204" pitchFamily="49" charset="0"/>
-              </a:rPr>
-              <a:t>() {</a:t>
-            </a:r>
-          </a:p>
-          <a:p>
-            <a:pPr algn="l">
-              <a:buNone/>
-            </a:pPr>
-            <a:r>
-              <a:rPr lang="en-US" sz="2000" b="0" dirty="0">
-                <a:solidFill>
-                  <a:srgbClr val="3B3B3B"/>
-                </a:solidFill>
-                <a:effectLst/>
-                <a:latin typeface="Consolas" panose="020B0609020204030204" pitchFamily="49" charset="0"/>
-              </a:rPr>
-              <a:t>    </a:t>
-            </a:r>
-            <a:r>
-              <a:rPr lang="en-US" sz="2000" b="0" dirty="0">
-                <a:solidFill>
-                  <a:srgbClr val="AF00DB"/>
-                </a:solidFill>
-                <a:effectLst/>
-                <a:latin typeface="Consolas" panose="020B0609020204030204" pitchFamily="49" charset="0"/>
-              </a:rPr>
-              <a:t>await</a:t>
-            </a:r>
-            <a:r>
-              <a:rPr lang="en-US" sz="2000" b="0" dirty="0">
-                <a:solidFill>
-                  <a:srgbClr val="3B3B3B"/>
-                </a:solidFill>
-                <a:effectLst/>
-                <a:latin typeface="Consolas" panose="020B0609020204030204" pitchFamily="49" charset="0"/>
-              </a:rPr>
-              <a:t> </a:t>
-            </a:r>
-            <a:r>
-              <a:rPr lang="en-US" sz="2000" b="0" dirty="0" err="1">
-                <a:solidFill>
-                  <a:srgbClr val="795E26"/>
-                </a:solidFill>
-                <a:effectLst/>
-                <a:latin typeface="Consolas" panose="020B0609020204030204" pitchFamily="49" charset="0"/>
-              </a:rPr>
-              <a:t>waitRandom</a:t>
-            </a:r>
-            <a:r>
-              <a:rPr lang="en-US" sz="2000" b="0" dirty="0">
-                <a:solidFill>
-                  <a:srgbClr val="3B3B3B"/>
-                </a:solidFill>
-                <a:effectLst/>
-                <a:latin typeface="Consolas" panose="020B0609020204030204" pitchFamily="49" charset="0"/>
-              </a:rPr>
-              <a:t>(</a:t>
-            </a:r>
-            <a:r>
-              <a:rPr lang="en-US" sz="2000" b="0" dirty="0">
-                <a:solidFill>
-                  <a:srgbClr val="098658"/>
-                </a:solidFill>
-                <a:effectLst/>
-                <a:latin typeface="Consolas" panose="020B0609020204030204" pitchFamily="49" charset="0"/>
-              </a:rPr>
-              <a:t>2</a:t>
-            </a:r>
-            <a:r>
-              <a:rPr lang="en-US" sz="2000" b="0" dirty="0">
-                <a:solidFill>
-                  <a:srgbClr val="3B3B3B"/>
-                </a:solidFill>
-                <a:effectLst/>
-                <a:latin typeface="Consolas" panose="020B0609020204030204" pitchFamily="49" charset="0"/>
-              </a:rPr>
-              <a:t>);    </a:t>
-            </a:r>
-          </a:p>
-          <a:p>
-            <a:pPr algn="l">
-              <a:buNone/>
-            </a:pPr>
-            <a:r>
-              <a:rPr lang="en-US" sz="2000" b="0" dirty="0">
-                <a:solidFill>
-                  <a:srgbClr val="3B3B3B"/>
-                </a:solidFill>
-                <a:effectLst/>
-                <a:latin typeface="Consolas" panose="020B0609020204030204" pitchFamily="49" charset="0"/>
-              </a:rPr>
-              <a:t>    </a:t>
-            </a:r>
-            <a:r>
-              <a:rPr lang="en-US" sz="2000" b="0" dirty="0">
-                <a:solidFill>
-                  <a:srgbClr val="001080"/>
-                </a:solidFill>
-                <a:effectLst/>
-                <a:latin typeface="Consolas" panose="020B0609020204030204" pitchFamily="49" charset="0"/>
-              </a:rPr>
-              <a:t>console</a:t>
-            </a:r>
-            <a:r>
-              <a:rPr lang="en-US" sz="2000" b="0" dirty="0">
-                <a:solidFill>
-                  <a:srgbClr val="3B3B3B"/>
-                </a:solidFill>
-                <a:effectLst/>
-                <a:latin typeface="Consolas" panose="020B0609020204030204" pitchFamily="49" charset="0"/>
-              </a:rPr>
-              <a:t>.</a:t>
-            </a:r>
-            <a:r>
-              <a:rPr lang="en-US" sz="2000" b="0" dirty="0">
-                <a:solidFill>
-                  <a:srgbClr val="795E26"/>
-                </a:solidFill>
-                <a:effectLst/>
-                <a:latin typeface="Consolas" panose="020B0609020204030204" pitchFamily="49" charset="0"/>
-              </a:rPr>
-              <a:t>log</a:t>
-            </a:r>
-            <a:r>
-              <a:rPr lang="en-US" sz="2000" b="0" dirty="0">
-                <a:solidFill>
-                  <a:srgbClr val="3B3B3B"/>
-                </a:solidFill>
-                <a:effectLst/>
-                <a:latin typeface="Consolas" panose="020B0609020204030204" pitchFamily="49" charset="0"/>
-              </a:rPr>
-              <a:t>(</a:t>
-            </a:r>
-            <a:r>
-              <a:rPr lang="en-US" sz="2000" b="0" dirty="0">
-                <a:solidFill>
-                  <a:srgbClr val="A31515"/>
-                </a:solidFill>
-                <a:effectLst/>
-                <a:latin typeface="Consolas" panose="020B0609020204030204" pitchFamily="49" charset="0"/>
-              </a:rPr>
-              <a:t>'B'</a:t>
-            </a:r>
-            <a:r>
-              <a:rPr lang="en-US" sz="2000" b="0" dirty="0">
-                <a:solidFill>
-                  <a:srgbClr val="3B3B3B"/>
-                </a:solidFill>
-                <a:effectLst/>
-                <a:latin typeface="Consolas" panose="020B0609020204030204" pitchFamily="49" charset="0"/>
-              </a:rPr>
-              <a:t>);</a:t>
-            </a:r>
-          </a:p>
-          <a:p>
-            <a:pPr algn="l">
-              <a:buNone/>
-            </a:pPr>
-            <a:r>
-              <a:rPr lang="en-US" sz="2000" b="0" dirty="0">
-                <a:solidFill>
-                  <a:srgbClr val="3B3B3B"/>
-                </a:solidFill>
-                <a:effectLst/>
-                <a:latin typeface="Consolas" panose="020B0609020204030204" pitchFamily="49" charset="0"/>
-              </a:rPr>
-              <a:t>    </a:t>
-            </a:r>
-            <a:r>
-              <a:rPr lang="en-US" sz="2000" b="0" dirty="0">
-                <a:solidFill>
-                  <a:srgbClr val="001080"/>
-                </a:solidFill>
-                <a:effectLst/>
-                <a:latin typeface="Consolas" panose="020B0609020204030204" pitchFamily="49" charset="0"/>
-              </a:rPr>
-              <a:t>console</a:t>
-            </a:r>
-            <a:r>
-              <a:rPr lang="en-US" sz="2000" b="0" dirty="0">
-                <a:solidFill>
-                  <a:srgbClr val="3B3B3B"/>
-                </a:solidFill>
-                <a:effectLst/>
-                <a:latin typeface="Consolas" panose="020B0609020204030204" pitchFamily="49" charset="0"/>
-              </a:rPr>
-              <a:t>.</a:t>
-            </a:r>
-            <a:r>
-              <a:rPr lang="en-US" sz="2000" b="0" dirty="0">
-                <a:solidFill>
-                  <a:srgbClr val="795E26"/>
-                </a:solidFill>
-                <a:effectLst/>
-                <a:latin typeface="Consolas" panose="020B0609020204030204" pitchFamily="49" charset="0"/>
-              </a:rPr>
-              <a:t>log</a:t>
-            </a:r>
-            <a:r>
-              <a:rPr lang="en-US" sz="2000" b="0" dirty="0">
-                <a:solidFill>
-                  <a:srgbClr val="3B3B3B"/>
-                </a:solidFill>
-                <a:effectLst/>
-                <a:latin typeface="Consolas" panose="020B0609020204030204" pitchFamily="49" charset="0"/>
-              </a:rPr>
-              <a:t>(</a:t>
-            </a:r>
-            <a:r>
-              <a:rPr lang="en-US" sz="2000" b="0" dirty="0">
-                <a:solidFill>
-                  <a:srgbClr val="A31515"/>
-                </a:solidFill>
-                <a:effectLst/>
-                <a:latin typeface="Consolas" panose="020B0609020204030204" pitchFamily="49" charset="0"/>
-              </a:rPr>
-              <a:t>'C'</a:t>
-            </a:r>
-            <a:r>
-              <a:rPr lang="en-US" sz="2000" b="0" dirty="0">
-                <a:solidFill>
-                  <a:srgbClr val="3B3B3B"/>
-                </a:solidFill>
-                <a:effectLst/>
-                <a:latin typeface="Consolas" panose="020B0609020204030204" pitchFamily="49" charset="0"/>
-              </a:rPr>
-              <a:t>);</a:t>
-            </a:r>
-          </a:p>
-          <a:p>
-            <a:pPr algn="l">
-              <a:buNone/>
-            </a:pPr>
-            <a:r>
-              <a:rPr lang="en-US" sz="2000" b="0" dirty="0">
-                <a:solidFill>
-                  <a:srgbClr val="3B3B3B"/>
-                </a:solidFill>
-                <a:effectLst/>
-                <a:latin typeface="Consolas" panose="020B0609020204030204" pitchFamily="49" charset="0"/>
-              </a:rPr>
-              <a:t>}</a:t>
-            </a:r>
-          </a:p>
-          <a:p>
-            <a:pPr algn="l">
-              <a:buNone/>
-            </a:pPr>
-            <a:br>
-              <a:rPr lang="en-US" sz="2000" b="0" dirty="0">
-                <a:solidFill>
-                  <a:srgbClr val="3B3B3B"/>
-                </a:solidFill>
-                <a:effectLst/>
-                <a:latin typeface="Consolas" panose="020B0609020204030204" pitchFamily="49" charset="0"/>
-              </a:rPr>
-            </a:br>
-            <a:endParaRPr lang="en-US" sz="2000" b="0" dirty="0">
-              <a:solidFill>
-                <a:srgbClr val="3B3B3B"/>
-              </a:solidFill>
-              <a:effectLst/>
-              <a:latin typeface="Consolas" panose="020B0609020204030204" pitchFamily="49" charset="0"/>
-            </a:endParaRPr>
-          </a:p>
-          <a:p>
-            <a:pPr algn="l">
-              <a:buNone/>
-            </a:pPr>
-            <a:r>
-              <a:rPr lang="en-US" sz="2000" b="0" dirty="0">
-                <a:solidFill>
-                  <a:srgbClr val="0000FF"/>
-                </a:solidFill>
-                <a:effectLst/>
-                <a:latin typeface="Consolas" panose="020B0609020204030204" pitchFamily="49" charset="0"/>
-              </a:rPr>
-              <a:t>async</a:t>
-            </a:r>
-            <a:r>
-              <a:rPr lang="en-US" sz="2000" b="0" dirty="0">
-                <a:solidFill>
-                  <a:srgbClr val="3B3B3B"/>
-                </a:solidFill>
-                <a:effectLst/>
-                <a:latin typeface="Consolas" panose="020B0609020204030204" pitchFamily="49" charset="0"/>
-              </a:rPr>
-              <a:t> </a:t>
-            </a:r>
-            <a:r>
-              <a:rPr lang="en-US" sz="2000" b="0" dirty="0">
-                <a:solidFill>
-                  <a:srgbClr val="0000FF"/>
-                </a:solidFill>
-                <a:effectLst/>
-                <a:latin typeface="Consolas" panose="020B0609020204030204" pitchFamily="49" charset="0"/>
-              </a:rPr>
-              <a:t>function</a:t>
-            </a:r>
-            <a:r>
-              <a:rPr lang="en-US" sz="2000" b="0" dirty="0">
-                <a:solidFill>
-                  <a:srgbClr val="3B3B3B"/>
-                </a:solidFill>
-                <a:effectLst/>
-                <a:latin typeface="Consolas" panose="020B0609020204030204" pitchFamily="49" charset="0"/>
-              </a:rPr>
-              <a:t> </a:t>
-            </a:r>
-            <a:r>
-              <a:rPr lang="en-US" sz="2000" b="0" dirty="0">
-                <a:solidFill>
-                  <a:srgbClr val="795E26"/>
-                </a:solidFill>
-                <a:effectLst/>
-                <a:latin typeface="Consolas" panose="020B0609020204030204" pitchFamily="49" charset="0"/>
-              </a:rPr>
-              <a:t>run</a:t>
-            </a:r>
-            <a:r>
-              <a:rPr lang="en-US" sz="2000" b="0" dirty="0">
-                <a:solidFill>
-                  <a:srgbClr val="3B3B3B"/>
-                </a:solidFill>
-                <a:effectLst/>
-                <a:latin typeface="Consolas" panose="020B0609020204030204" pitchFamily="49" charset="0"/>
-              </a:rPr>
-              <a:t>() {</a:t>
-            </a:r>
-          </a:p>
-          <a:p>
-            <a:pPr algn="l">
-              <a:buNone/>
-            </a:pPr>
-            <a:r>
-              <a:rPr lang="en-US" sz="2000" b="0" dirty="0">
-                <a:solidFill>
-                  <a:srgbClr val="3B3B3B"/>
-                </a:solidFill>
-                <a:effectLst/>
-                <a:latin typeface="Consolas" panose="020B0609020204030204" pitchFamily="49" charset="0"/>
-              </a:rPr>
-              <a:t>    </a:t>
-            </a:r>
-            <a:r>
-              <a:rPr lang="en-US" sz="2000" b="0" dirty="0">
-                <a:solidFill>
-                  <a:srgbClr val="AF00DB"/>
-                </a:solidFill>
-                <a:effectLst/>
-                <a:latin typeface="Consolas" panose="020B0609020204030204" pitchFamily="49" charset="0"/>
-              </a:rPr>
-              <a:t>await</a:t>
-            </a:r>
-            <a:r>
-              <a:rPr lang="en-US" sz="2000" b="0" dirty="0">
-                <a:solidFill>
-                  <a:srgbClr val="3B3B3B"/>
-                </a:solidFill>
-                <a:effectLst/>
-                <a:latin typeface="Consolas" panose="020B0609020204030204" pitchFamily="49" charset="0"/>
-              </a:rPr>
-              <a:t> </a:t>
-            </a:r>
-            <a:r>
-              <a:rPr lang="en-US" sz="2000" b="0" dirty="0" err="1">
-                <a:solidFill>
-                  <a:srgbClr val="267F99"/>
-                </a:solidFill>
-                <a:effectLst/>
-                <a:latin typeface="Consolas" panose="020B0609020204030204" pitchFamily="49" charset="0"/>
-              </a:rPr>
-              <a:t>Promise</a:t>
-            </a:r>
-            <a:r>
-              <a:rPr lang="en-US" sz="2000" b="0" dirty="0" err="1">
-                <a:solidFill>
-                  <a:srgbClr val="3B3B3B"/>
-                </a:solidFill>
-                <a:effectLst/>
-                <a:latin typeface="Consolas" panose="020B0609020204030204" pitchFamily="49" charset="0"/>
-              </a:rPr>
-              <a:t>.</a:t>
-            </a:r>
-            <a:r>
-              <a:rPr lang="en-US" sz="2000" b="0" dirty="0" err="1">
-                <a:solidFill>
-                  <a:srgbClr val="795E26"/>
-                </a:solidFill>
-                <a:effectLst/>
-                <a:latin typeface="Consolas" panose="020B0609020204030204" pitchFamily="49" charset="0"/>
-              </a:rPr>
-              <a:t>all</a:t>
-            </a:r>
-            <a:r>
-              <a:rPr lang="en-US" sz="2000" b="0" dirty="0">
-                <a:solidFill>
-                  <a:srgbClr val="3B3B3B"/>
-                </a:solidFill>
-                <a:effectLst/>
-                <a:latin typeface="Consolas" panose="020B0609020204030204" pitchFamily="49" charset="0"/>
-              </a:rPr>
-              <a:t>([</a:t>
-            </a:r>
-            <a:r>
-              <a:rPr lang="en-US" sz="2000" b="0" dirty="0" err="1">
-                <a:solidFill>
-                  <a:srgbClr val="795E26"/>
-                </a:solidFill>
-                <a:effectLst/>
-                <a:latin typeface="Consolas" panose="020B0609020204030204" pitchFamily="49" charset="0"/>
-              </a:rPr>
-              <a:t>asyncPrintA</a:t>
-            </a:r>
-            <a:r>
-              <a:rPr lang="en-US" sz="2000" b="0" dirty="0">
-                <a:solidFill>
-                  <a:srgbClr val="3B3B3B"/>
-                </a:solidFill>
-                <a:effectLst/>
-                <a:latin typeface="Consolas" panose="020B0609020204030204" pitchFamily="49" charset="0"/>
-              </a:rPr>
-              <a:t>(), </a:t>
-            </a:r>
-            <a:r>
-              <a:rPr lang="en-US" sz="2000" b="0" dirty="0" err="1">
-                <a:solidFill>
-                  <a:srgbClr val="795E26"/>
-                </a:solidFill>
-                <a:effectLst/>
-                <a:latin typeface="Consolas" panose="020B0609020204030204" pitchFamily="49" charset="0"/>
-              </a:rPr>
-              <a:t>asyncPrintBC</a:t>
-            </a:r>
-            <a:r>
-              <a:rPr lang="en-US" sz="2000" b="0" dirty="0">
-                <a:solidFill>
-                  <a:srgbClr val="3B3B3B"/>
-                </a:solidFill>
-                <a:effectLst/>
-                <a:latin typeface="Consolas" panose="020B0609020204030204" pitchFamily="49" charset="0"/>
-              </a:rPr>
-              <a:t>()])</a:t>
-            </a:r>
-          </a:p>
-          <a:p>
-            <a:pPr algn="l">
-              <a:buNone/>
-            </a:pPr>
-            <a:r>
-              <a:rPr lang="en-US" sz="2000" b="0" dirty="0">
-                <a:solidFill>
-                  <a:srgbClr val="3B3B3B"/>
-                </a:solidFill>
-                <a:effectLst/>
-                <a:latin typeface="Consolas" panose="020B0609020204030204" pitchFamily="49" charset="0"/>
-              </a:rPr>
-              <a:t>}</a:t>
-            </a:r>
-          </a:p>
-          <a:p>
-            <a:pPr algn="l">
-              <a:buNone/>
-            </a:pPr>
-            <a:br>
-              <a:rPr lang="en-US" sz="2000" b="0" dirty="0">
-                <a:solidFill>
-                  <a:srgbClr val="3B3B3B"/>
-                </a:solidFill>
-                <a:effectLst/>
-                <a:latin typeface="Consolas" panose="020B0609020204030204" pitchFamily="49" charset="0"/>
-              </a:rPr>
-            </a:br>
-            <a:br>
-              <a:rPr lang="en-US" sz="2000" b="0" dirty="0">
-                <a:solidFill>
-                  <a:srgbClr val="3B3B3B"/>
-                </a:solidFill>
-                <a:effectLst/>
-                <a:latin typeface="Consolas" panose="020B0609020204030204" pitchFamily="49" charset="0"/>
-              </a:rPr>
-            </a:br>
-            <a:endParaRPr lang="en-US" sz="2000" b="0" dirty="0">
-              <a:solidFill>
-                <a:srgbClr val="3B3B3B"/>
-              </a:solidFill>
-              <a:effectLst/>
-              <a:latin typeface="Consolas" panose="020B0609020204030204" pitchFamily="49" charset="0"/>
-            </a:endParaRPr>
-          </a:p>
-          <a:p>
-            <a:pPr algn="l">
-              <a:buNone/>
-            </a:pPr>
-            <a:r>
-              <a:rPr lang="en-US" sz="2000" b="0" dirty="0">
-                <a:solidFill>
-                  <a:srgbClr val="795E26"/>
-                </a:solidFill>
-                <a:effectLst/>
-                <a:latin typeface="Consolas" panose="020B0609020204030204" pitchFamily="49" charset="0"/>
-              </a:rPr>
-              <a:t>run</a:t>
-            </a:r>
-            <a:r>
-              <a:rPr lang="en-US" sz="2000" b="0" dirty="0">
-                <a:solidFill>
-                  <a:srgbClr val="3B3B3B"/>
-                </a:solidFill>
-                <a:effectLst/>
-                <a:latin typeface="Consolas" panose="020B0609020204030204" pitchFamily="49" charset="0"/>
-              </a:rPr>
-              <a:t>()</a:t>
-            </a:r>
-          </a:p>
-          <a:p>
-            <a:pPr algn="l"/>
-            <a:endParaRPr lang="en-US" sz="1400" b="0" dirty="0">
-              <a:solidFill>
-                <a:srgbClr val="000000"/>
-              </a:solidFill>
-              <a:effectLst/>
-              <a:latin typeface="Consolas" panose="020B0609020204030204" pitchFamily="49" charset="0"/>
-            </a:endParaRPr>
-          </a:p>
-        </p:txBody>
-      </p:sp>
-      <p:sp>
-        <p:nvSpPr>
-          <p:cNvPr id="4" name="Rectangle: Rounded Corners 3">
-            <a:extLst>
-              <a:ext uri="{FF2B5EF4-FFF2-40B4-BE49-F238E27FC236}">
-                <a16:creationId xmlns:a16="http://schemas.microsoft.com/office/drawing/2014/main" id="{455689C7-7C27-5D24-90F6-149A2C5D118F}"/>
-              </a:ext>
-            </a:extLst>
-          </p:cNvPr>
-          <p:cNvSpPr/>
-          <p:nvPr/>
-        </p:nvSpPr>
-        <p:spPr>
-          <a:xfrm>
-            <a:off x="7366572" y="286242"/>
-            <a:ext cx="4572000" cy="588626"/>
-          </a:xfrm>
-          <a:prstGeom prst="roundRect">
-            <a:avLst/>
-          </a:prstGeom>
-          <a:solidFill>
-            <a:schemeClr val="accent6">
-              <a:lumMod val="20000"/>
-              <a:lumOff val="80000"/>
-            </a:schemeClr>
-          </a:solidFill>
-          <a:ln>
-            <a:solidFill>
-              <a:srgbClr val="0070C0"/>
-            </a:solidFill>
-          </a:ln>
-        </p:spPr>
-        <p:style>
-          <a:lnRef idx="2">
-            <a:schemeClr val="accent1">
-              <a:shade val="50000"/>
-            </a:schemeClr>
-          </a:lnRef>
-          <a:fillRef idx="1">
-            <a:schemeClr val="accent1"/>
-          </a:fillRef>
-          <a:effectRef idx="0">
-            <a:schemeClr val="accent1"/>
-          </a:effectRef>
-          <a:fontRef idx="minor">
-            <a:schemeClr val="lt1"/>
-          </a:fontRef>
-        </p:style>
-        <p:txBody>
-          <a:bodyPr rtlCol="0" anchor="ctr"/>
-          <a:lstStyle/>
-          <a:p>
-            <a:pPr algn="ctr"/>
-            <a:r>
-              <a:rPr lang="en-US" sz="2400" dirty="0" err="1">
-                <a:solidFill>
-                  <a:schemeClr val="tx1"/>
-                </a:solidFill>
-              </a:rPr>
-              <a:t>src</a:t>
-            </a:r>
-            <a:r>
-              <a:rPr lang="en-US" sz="2400" dirty="0">
-                <a:solidFill>
-                  <a:schemeClr val="tx1"/>
-                </a:solidFill>
-              </a:rPr>
-              <a:t>/slides/dataRace2.ts</a:t>
-            </a:r>
-          </a:p>
-        </p:txBody>
-      </p:sp>
-      <p:sp>
-        <p:nvSpPr>
-          <p:cNvPr id="5" name="Content Placeholder 4">
-            <a:extLst>
-              <a:ext uri="{FF2B5EF4-FFF2-40B4-BE49-F238E27FC236}">
-                <a16:creationId xmlns:a16="http://schemas.microsoft.com/office/drawing/2014/main" id="{A4D17C1B-9DC9-4F66-74C1-40955C2E2C8A}"/>
-              </a:ext>
-            </a:extLst>
-          </p:cNvPr>
-          <p:cNvSpPr>
-            <a:spLocks noGrp="1"/>
-          </p:cNvSpPr>
-          <p:nvPr>
-            <p:ph idx="1"/>
-          </p:nvPr>
-        </p:nvSpPr>
-        <p:spPr>
-          <a:xfrm>
-            <a:off x="8022211" y="1631794"/>
-            <a:ext cx="3761294" cy="4351338"/>
-          </a:xfrm>
-        </p:spPr>
-        <p:txBody>
-          <a:bodyPr>
-            <a:normAutofit/>
-          </a:bodyPr>
-          <a:lstStyle/>
-          <a:p>
-            <a:r>
-              <a:rPr lang="en-US" sz="2000" dirty="0"/>
-              <a:t>In Java, you could get an interrupt between the print B and the print C.</a:t>
-            </a:r>
-          </a:p>
-          <a:p>
-            <a:r>
-              <a:rPr lang="en-US" sz="2000" dirty="0"/>
-              <a:t>So the output could be BAC.</a:t>
-            </a:r>
-          </a:p>
-          <a:p>
-            <a:r>
-              <a:rPr lang="en-US" sz="2000" dirty="0"/>
-              <a:t>In TS/JS, the print B and print C are in the same critical section, so BAC is impossible!</a:t>
-            </a:r>
-          </a:p>
-        </p:txBody>
-      </p:sp>
-    </p:spTree>
-    <p:extLst>
-      <p:ext uri="{BB962C8B-B14F-4D97-AF65-F5344CB8AC3E}">
-        <p14:creationId xmlns:p14="http://schemas.microsoft.com/office/powerpoint/2010/main" val="831730851"/>
-      </p:ext>
-    </p:extLst>
-  </p:cSld>
-  <p:clrMapOvr>
-    <a:masterClrMapping/>
-  </p:clrMapOvr>
-  <p:timing>
-    <p:tnLst>
-      <p:par>
-        <p:cTn id="1" dur="indefinite" restart="never" nodeType="tmRoot">
-          <p:childTnLst>
-            <p:seq concurrent="1" nextAc="seek">
-              <p:cTn id="2" dur="indefinite" nodeType="mainSeq">
-                <p:childTnLst>
-                  <p:par>
-                    <p:cTn id="3" fill="hold">
-                      <p:stCondLst>
-                        <p:cond delay="indefinite"/>
-                      </p:stCondLst>
-                      <p:childTnLst>
-                        <p:par>
-                          <p:cTn id="4" fill="hold">
-                            <p:stCondLst>
-                              <p:cond delay="0"/>
-                            </p:stCondLst>
-                            <p:childTnLst>
-                              <p:par>
-                                <p:cTn id="5" presetID="1" presetClass="entr" presetSubtype="0" fill="hold" nodeType="clickEffect">
-                                  <p:stCondLst>
-                                    <p:cond delay="0"/>
-                                  </p:stCondLst>
-                                  <p:childTnLst>
-                                    <p:set>
-                                      <p:cBhvr>
-                                        <p:cTn id="6" dur="1" fill="hold">
-                                          <p:stCondLst>
-                                            <p:cond delay="0"/>
-                                          </p:stCondLst>
-                                        </p:cTn>
-                                        <p:tgtEl>
-                                          <p:spTgt spid="5">
-                                            <p:txEl>
-                                              <p:pRg st="2" end="2"/>
-                                            </p:txEl>
-                                          </p:spTgt>
-                                        </p:tgtEl>
-                                        <p:attrNameLst>
-                                          <p:attrName>style.visibility</p:attrName>
-                                        </p:attrNameLst>
-                                      </p:cBhvr>
-                                      <p:to>
-                                        <p:strVal val="visible"/>
-                                      </p:to>
-                                    </p:set>
-                                  </p:childTnLst>
-                                </p:cTn>
-                              </p:par>
-                            </p:childTnLst>
-                          </p:cTn>
-                        </p:par>
-                      </p:childTnLst>
-                    </p:cTn>
-                  </p:par>
-                </p:childTnLst>
-              </p:cTn>
-              <p:prevCondLst>
-                <p:cond evt="onPrev" delay="0">
-                  <p:tgtEl>
-                    <p:sldTgt/>
-                  </p:tgtEl>
-                </p:cond>
-              </p:prevCondLst>
-              <p:nextCondLst>
-                <p:cond evt="onNext" delay="0">
-                  <p:tgtEl>
-                    <p:sldTgt/>
-                  </p:tgtEl>
-                </p:cond>
-              </p:nextCondLst>
-            </p:seq>
-          </p:childTnLst>
-        </p:cTn>
-      </p:par>
-    </p:tnLst>
-  </p:timing>
-</p:sld>
-</file>
-
-<file path=ppt/slides/slide11.xml><?xml version="1.0" encoding="utf-8"?>
-<p:sld xmlns:a="http://schemas.openxmlformats.org/drawingml/2006/main" xmlns:r="http://schemas.openxmlformats.org/officeDocument/2006/relationships" xmlns:p="http://schemas.openxmlformats.org/presentationml/2006/main">
-  <p:cSld>
-    <p:spTree>
-      <p:nvGrpSpPr>
         <p:cNvPr id="1" name="">
           <a:extLst>
             <a:ext uri="{FF2B5EF4-FFF2-40B4-BE49-F238E27FC236}">
@@ -11572,7 +10426,7 @@
                 <a:tabLst/>
                 <a:defRPr/>
               </a:pPr>
-              <a:t>11</a:t>
+              <a:t>10</a:t>
             </a:fld>
             <a:endParaRPr kumimoji="0" lang="en-US" sz="1200" b="0" i="0" u="none" strike="noStrike" kern="1200" cap="none" spc="0" normalizeH="0" baseline="0" noProof="0">
               <a:ln>
@@ -12425,6 +11279,1243 @@
   <p:clrMapOvr>
     <a:masterClrMapping/>
   </p:clrMapOvr>
+</p:sld>
+</file>
+
+<file path=ppt/slides/slide11.xml><?xml version="1.0" encoding="utf-8"?>
+<p:sld xmlns:a="http://schemas.openxmlformats.org/drawingml/2006/main" xmlns:r="http://schemas.openxmlformats.org/officeDocument/2006/relationships" xmlns:p="http://schemas.openxmlformats.org/presentationml/2006/main">
+  <p:cSld>
+    <p:spTree>
+      <p:nvGrpSpPr>
+        <p:cNvPr id="1" name=""/>
+        <p:cNvGrpSpPr/>
+        <p:nvPr/>
+      </p:nvGrpSpPr>
+      <p:grpSpPr>
+        <a:xfrm>
+          <a:off x="0" y="0"/>
+          <a:ext cx="0" cy="0"/>
+          <a:chOff x="0" y="0"/>
+          <a:chExt cx="0" cy="0"/>
+        </a:xfrm>
+      </p:grpSpPr>
+      <p:sp>
+        <p:nvSpPr>
+          <p:cNvPr id="2" name="Title 1">
+            <a:extLst>
+              <a:ext uri="{FF2B5EF4-FFF2-40B4-BE49-F238E27FC236}">
+                <a16:creationId xmlns:a16="http://schemas.microsoft.com/office/drawing/2014/main" id="{B3DE27F2-3685-217F-F3EF-E022EB526D76}"/>
+              </a:ext>
+            </a:extLst>
+          </p:cNvPr>
+          <p:cNvSpPr>
+            <a:spLocks noGrp="1"/>
+          </p:cNvSpPr>
+          <p:nvPr>
+            <p:ph type="title"/>
+          </p:nvPr>
+        </p:nvSpPr>
+        <p:spPr/>
+        <p:txBody>
+          <a:bodyPr/>
+          <a:lstStyle/>
+          <a:p>
+            <a:r>
+              <a:rPr lang="en-US" dirty="0"/>
+              <a:t>Java vs. JS/TS</a:t>
+            </a:r>
+          </a:p>
+        </p:txBody>
+      </p:sp>
+      <p:sp>
+        <p:nvSpPr>
+          <p:cNvPr id="3" name="Slide Number Placeholder 2">
+            <a:extLst>
+              <a:ext uri="{FF2B5EF4-FFF2-40B4-BE49-F238E27FC236}">
+                <a16:creationId xmlns:a16="http://schemas.microsoft.com/office/drawing/2014/main" id="{0DCBA99B-9B52-6B93-AA38-C5360F2244DE}"/>
+              </a:ext>
+            </a:extLst>
+          </p:cNvPr>
+          <p:cNvSpPr>
+            <a:spLocks noGrp="1"/>
+          </p:cNvSpPr>
+          <p:nvPr>
+            <p:ph type="sldNum" sz="quarter" idx="12"/>
+          </p:nvPr>
+        </p:nvSpPr>
+        <p:spPr/>
+        <p:txBody>
+          <a:bodyPr/>
+          <a:lstStyle/>
+          <a:p>
+            <a:pPr marL="0" marR="0" lvl="0" indent="0" algn="r" defTabSz="914400" rtl="0" eaLnBrk="1" fontAlgn="auto" latinLnBrk="0" hangingPunct="1">
+              <a:lnSpc>
+                <a:spcPct val="100000"/>
+              </a:lnSpc>
+              <a:spcBef>
+                <a:spcPts val="0"/>
+              </a:spcBef>
+              <a:spcAft>
+                <a:spcPts val="0"/>
+              </a:spcAft>
+              <a:buClrTx/>
+              <a:buSzTx/>
+              <a:buFontTx/>
+              <a:buNone/>
+              <a:tabLst/>
+              <a:defRPr/>
+            </a:pPr>
+            <a:fld id="{20F37917-FD3A-4669-9018-DA04BCDD3D75}" type="slidenum">
+              <a:rPr kumimoji="0" lang="en-US" sz="1200" b="0" i="0" u="none" strike="noStrike" kern="1200" cap="none" spc="0" normalizeH="0" baseline="0" noProof="0" smtClean="0">
+                <a:ln>
+                  <a:noFill/>
+                </a:ln>
+                <a:solidFill>
+                  <a:prstClr val="black">
+                    <a:tint val="75000"/>
+                  </a:prstClr>
+                </a:solidFill>
+                <a:effectLst/>
+                <a:uLnTx/>
+                <a:uFillTx/>
+                <a:latin typeface="Calibri" panose="020F0502020204030204"/>
+                <a:ea typeface="+mn-ea"/>
+                <a:cs typeface="+mn-cs"/>
+              </a:rPr>
+              <a:pPr marL="0" marR="0" lvl="0" indent="0" algn="r" defTabSz="914400" rtl="0" eaLnBrk="1" fontAlgn="auto" latinLnBrk="0" hangingPunct="1">
+                <a:lnSpc>
+                  <a:spcPct val="100000"/>
+                </a:lnSpc>
+                <a:spcBef>
+                  <a:spcPts val="0"/>
+                </a:spcBef>
+                <a:spcAft>
+                  <a:spcPts val="0"/>
+                </a:spcAft>
+                <a:buClrTx/>
+                <a:buSzTx/>
+                <a:buFontTx/>
+                <a:buNone/>
+                <a:tabLst/>
+                <a:defRPr/>
+              </a:pPr>
+              <a:t>11</a:t>
+            </a:fld>
+            <a:endParaRPr kumimoji="0" lang="en-US" sz="1200" b="0" i="0" u="none" strike="noStrike" kern="1200" cap="none" spc="0" normalizeH="0" baseline="0" noProof="0">
+              <a:ln>
+                <a:noFill/>
+              </a:ln>
+              <a:solidFill>
+                <a:prstClr val="black">
+                  <a:tint val="75000"/>
+                </a:prstClr>
+              </a:solidFill>
+              <a:effectLst/>
+              <a:uLnTx/>
+              <a:uFillTx/>
+              <a:latin typeface="Calibri" panose="020F0502020204030204"/>
+              <a:ea typeface="+mn-ea"/>
+              <a:cs typeface="+mn-cs"/>
+            </a:endParaRPr>
+          </a:p>
+        </p:txBody>
+      </p:sp>
+      <p:sp>
+        <p:nvSpPr>
+          <p:cNvPr id="7" name="TextBox 6">
+            <a:extLst>
+              <a:ext uri="{FF2B5EF4-FFF2-40B4-BE49-F238E27FC236}">
+                <a16:creationId xmlns:a16="http://schemas.microsoft.com/office/drawing/2014/main" id="{CD50A8E0-85BE-235E-B3A1-9815DAFEE290}"/>
+              </a:ext>
+            </a:extLst>
+          </p:cNvPr>
+          <p:cNvSpPr txBox="1"/>
+          <p:nvPr/>
+        </p:nvSpPr>
+        <p:spPr>
+          <a:xfrm>
+            <a:off x="838200" y="1452957"/>
+            <a:ext cx="7942006" cy="6463308"/>
+          </a:xfrm>
+          <a:prstGeom prst="rect">
+            <a:avLst/>
+          </a:prstGeom>
+          <a:noFill/>
+          <a:ln w="12700" cap="flat" cmpd="sng" algn="ctr">
+            <a:noFill/>
+            <a:prstDash val="solid"/>
+            <a:miter lim="800000"/>
+          </a:ln>
+          <a:effectLst/>
+        </p:spPr>
+        <p:style>
+          <a:lnRef idx="2">
+            <a:schemeClr val="accent1">
+              <a:shade val="50000"/>
+            </a:schemeClr>
+          </a:lnRef>
+          <a:fillRef idx="1">
+            <a:schemeClr val="accent1"/>
+          </a:fillRef>
+          <a:effectRef idx="0">
+            <a:schemeClr val="accent1"/>
+          </a:effectRef>
+          <a:fontRef idx="minor">
+            <a:schemeClr val="lt1"/>
+          </a:fontRef>
+        </p:style>
+        <p:txBody>
+          <a:bodyPr wrap="square">
+            <a:spAutoFit/>
+          </a:bodyPr>
+          <a:lstStyle/>
+          <a:p>
+            <a:pPr algn="l">
+              <a:buNone/>
+            </a:pPr>
+            <a:r>
+              <a:rPr lang="en-US" sz="2000" b="0" dirty="0">
+                <a:solidFill>
+                  <a:srgbClr val="0000FF"/>
+                </a:solidFill>
+                <a:effectLst/>
+                <a:latin typeface="Consolas" panose="020B0609020204030204" pitchFamily="49" charset="0"/>
+              </a:rPr>
+              <a:t>async</a:t>
+            </a:r>
+            <a:r>
+              <a:rPr lang="en-US" sz="2000" b="0" dirty="0">
+                <a:solidFill>
+                  <a:srgbClr val="3B3B3B"/>
+                </a:solidFill>
+                <a:effectLst/>
+                <a:latin typeface="Consolas" panose="020B0609020204030204" pitchFamily="49" charset="0"/>
+              </a:rPr>
+              <a:t> </a:t>
+            </a:r>
+            <a:r>
+              <a:rPr lang="en-US" sz="2000" b="0" dirty="0">
+                <a:solidFill>
+                  <a:srgbClr val="0000FF"/>
+                </a:solidFill>
+                <a:effectLst/>
+                <a:latin typeface="Consolas" panose="020B0609020204030204" pitchFamily="49" charset="0"/>
+              </a:rPr>
+              <a:t>function</a:t>
+            </a:r>
+            <a:r>
+              <a:rPr lang="en-US" sz="2000" b="0" dirty="0">
+                <a:solidFill>
+                  <a:srgbClr val="3B3B3B"/>
+                </a:solidFill>
+                <a:effectLst/>
+                <a:latin typeface="Consolas" panose="020B0609020204030204" pitchFamily="49" charset="0"/>
+              </a:rPr>
+              <a:t> </a:t>
+            </a:r>
+            <a:r>
+              <a:rPr lang="en-US" sz="2000" b="0" dirty="0" err="1">
+                <a:solidFill>
+                  <a:srgbClr val="795E26"/>
+                </a:solidFill>
+                <a:effectLst/>
+                <a:latin typeface="Consolas" panose="020B0609020204030204" pitchFamily="49" charset="0"/>
+              </a:rPr>
+              <a:t>asyncPrintA</a:t>
+            </a:r>
+            <a:r>
+              <a:rPr lang="en-US" sz="2000" b="0" dirty="0">
+                <a:solidFill>
+                  <a:srgbClr val="3B3B3B"/>
+                </a:solidFill>
+                <a:effectLst/>
+                <a:latin typeface="Consolas" panose="020B0609020204030204" pitchFamily="49" charset="0"/>
+              </a:rPr>
+              <a:t>() {</a:t>
+            </a:r>
+          </a:p>
+          <a:p>
+            <a:pPr algn="l">
+              <a:buNone/>
+            </a:pPr>
+            <a:r>
+              <a:rPr lang="en-US" sz="2000" b="0" dirty="0">
+                <a:solidFill>
+                  <a:srgbClr val="3B3B3B"/>
+                </a:solidFill>
+                <a:effectLst/>
+                <a:latin typeface="Consolas" panose="020B0609020204030204" pitchFamily="49" charset="0"/>
+              </a:rPr>
+              <a:t>    </a:t>
+            </a:r>
+            <a:r>
+              <a:rPr lang="en-US" sz="2000" b="0" dirty="0">
+                <a:solidFill>
+                  <a:srgbClr val="AF00DB"/>
+                </a:solidFill>
+                <a:effectLst/>
+                <a:latin typeface="Consolas" panose="020B0609020204030204" pitchFamily="49" charset="0"/>
+              </a:rPr>
+              <a:t>await</a:t>
+            </a:r>
+            <a:r>
+              <a:rPr lang="en-US" sz="2000" b="0" dirty="0">
+                <a:solidFill>
+                  <a:srgbClr val="3B3B3B"/>
+                </a:solidFill>
+                <a:effectLst/>
+                <a:latin typeface="Consolas" panose="020B0609020204030204" pitchFamily="49" charset="0"/>
+              </a:rPr>
+              <a:t> </a:t>
+            </a:r>
+            <a:r>
+              <a:rPr lang="en-US" sz="2000" b="0" dirty="0" err="1">
+                <a:solidFill>
+                  <a:srgbClr val="795E26"/>
+                </a:solidFill>
+                <a:effectLst/>
+                <a:latin typeface="Consolas" panose="020B0609020204030204" pitchFamily="49" charset="0"/>
+              </a:rPr>
+              <a:t>waitRandom</a:t>
+            </a:r>
+            <a:r>
+              <a:rPr lang="en-US" sz="2000" b="0" dirty="0">
+                <a:solidFill>
+                  <a:srgbClr val="3B3B3B"/>
+                </a:solidFill>
+                <a:effectLst/>
+                <a:latin typeface="Consolas" panose="020B0609020204030204" pitchFamily="49" charset="0"/>
+              </a:rPr>
+              <a:t>(</a:t>
+            </a:r>
+            <a:r>
+              <a:rPr lang="en-US" sz="2000" b="0" dirty="0">
+                <a:solidFill>
+                  <a:srgbClr val="098658"/>
+                </a:solidFill>
+                <a:effectLst/>
+                <a:latin typeface="Consolas" panose="020B0609020204030204" pitchFamily="49" charset="0"/>
+              </a:rPr>
+              <a:t>1</a:t>
+            </a:r>
+            <a:r>
+              <a:rPr lang="en-US" sz="2000" b="0" dirty="0">
+                <a:solidFill>
+                  <a:srgbClr val="3B3B3B"/>
+                </a:solidFill>
+                <a:effectLst/>
+                <a:latin typeface="Consolas" panose="020B0609020204030204" pitchFamily="49" charset="0"/>
+              </a:rPr>
+              <a:t>);  </a:t>
+            </a:r>
+          </a:p>
+          <a:p>
+            <a:pPr algn="l">
+              <a:buNone/>
+            </a:pPr>
+            <a:r>
+              <a:rPr lang="en-US" sz="2000" b="0" dirty="0">
+                <a:solidFill>
+                  <a:srgbClr val="3B3B3B"/>
+                </a:solidFill>
+                <a:effectLst/>
+                <a:latin typeface="Consolas" panose="020B0609020204030204" pitchFamily="49" charset="0"/>
+              </a:rPr>
+              <a:t>    </a:t>
+            </a:r>
+            <a:r>
+              <a:rPr lang="en-US" sz="2000" b="0" dirty="0">
+                <a:solidFill>
+                  <a:srgbClr val="001080"/>
+                </a:solidFill>
+                <a:effectLst/>
+                <a:latin typeface="Consolas" panose="020B0609020204030204" pitchFamily="49" charset="0"/>
+              </a:rPr>
+              <a:t>console</a:t>
+            </a:r>
+            <a:r>
+              <a:rPr lang="en-US" sz="2000" b="0" dirty="0">
+                <a:solidFill>
+                  <a:srgbClr val="3B3B3B"/>
+                </a:solidFill>
+                <a:effectLst/>
+                <a:latin typeface="Consolas" panose="020B0609020204030204" pitchFamily="49" charset="0"/>
+              </a:rPr>
+              <a:t>.</a:t>
+            </a:r>
+            <a:r>
+              <a:rPr lang="en-US" sz="2000" b="0" dirty="0">
+                <a:solidFill>
+                  <a:srgbClr val="795E26"/>
+                </a:solidFill>
+                <a:effectLst/>
+                <a:latin typeface="Consolas" panose="020B0609020204030204" pitchFamily="49" charset="0"/>
+              </a:rPr>
+              <a:t>log</a:t>
+            </a:r>
+            <a:r>
+              <a:rPr lang="en-US" sz="2000" b="0" dirty="0">
+                <a:solidFill>
+                  <a:srgbClr val="3B3B3B"/>
+                </a:solidFill>
+                <a:effectLst/>
+                <a:latin typeface="Consolas" panose="020B0609020204030204" pitchFamily="49" charset="0"/>
+              </a:rPr>
+              <a:t>(</a:t>
+            </a:r>
+            <a:r>
+              <a:rPr lang="en-US" sz="2000" b="0" dirty="0">
+                <a:solidFill>
+                  <a:srgbClr val="A31515"/>
+                </a:solidFill>
+                <a:effectLst/>
+                <a:latin typeface="Consolas" panose="020B0609020204030204" pitchFamily="49" charset="0"/>
+              </a:rPr>
+              <a:t>'A'</a:t>
+            </a:r>
+            <a:r>
+              <a:rPr lang="en-US" sz="2000" b="0" dirty="0">
+                <a:solidFill>
+                  <a:srgbClr val="3B3B3B"/>
+                </a:solidFill>
+                <a:effectLst/>
+                <a:latin typeface="Consolas" panose="020B0609020204030204" pitchFamily="49" charset="0"/>
+              </a:rPr>
+              <a:t>);</a:t>
+            </a:r>
+          </a:p>
+          <a:p>
+            <a:pPr algn="l">
+              <a:buNone/>
+            </a:pPr>
+            <a:r>
+              <a:rPr lang="en-US" sz="2000" b="0" dirty="0">
+                <a:solidFill>
+                  <a:srgbClr val="3B3B3B"/>
+                </a:solidFill>
+                <a:effectLst/>
+                <a:latin typeface="Consolas" panose="020B0609020204030204" pitchFamily="49" charset="0"/>
+              </a:rPr>
+              <a:t>}</a:t>
+            </a:r>
+          </a:p>
+          <a:p>
+            <a:pPr algn="l">
+              <a:buNone/>
+            </a:pPr>
+            <a:br>
+              <a:rPr lang="en-US" sz="2000" b="0" dirty="0">
+                <a:solidFill>
+                  <a:srgbClr val="3B3B3B"/>
+                </a:solidFill>
+                <a:effectLst/>
+                <a:latin typeface="Consolas" panose="020B0609020204030204" pitchFamily="49" charset="0"/>
+              </a:rPr>
+            </a:br>
+            <a:endParaRPr lang="en-US" sz="2000" b="0" dirty="0">
+              <a:solidFill>
+                <a:srgbClr val="3B3B3B"/>
+              </a:solidFill>
+              <a:effectLst/>
+              <a:latin typeface="Consolas" panose="020B0609020204030204" pitchFamily="49" charset="0"/>
+            </a:endParaRPr>
+          </a:p>
+          <a:p>
+            <a:pPr algn="l">
+              <a:buNone/>
+            </a:pPr>
+            <a:r>
+              <a:rPr lang="en-US" sz="2000" b="0" dirty="0">
+                <a:solidFill>
+                  <a:srgbClr val="0000FF"/>
+                </a:solidFill>
+                <a:effectLst/>
+                <a:latin typeface="Consolas" panose="020B0609020204030204" pitchFamily="49" charset="0"/>
+              </a:rPr>
+              <a:t>async</a:t>
+            </a:r>
+            <a:r>
+              <a:rPr lang="en-US" sz="2000" b="0" dirty="0">
+                <a:solidFill>
+                  <a:srgbClr val="3B3B3B"/>
+                </a:solidFill>
+                <a:effectLst/>
+                <a:latin typeface="Consolas" panose="020B0609020204030204" pitchFamily="49" charset="0"/>
+              </a:rPr>
+              <a:t> </a:t>
+            </a:r>
+            <a:r>
+              <a:rPr lang="en-US" sz="2000" b="0" dirty="0">
+                <a:solidFill>
+                  <a:srgbClr val="0000FF"/>
+                </a:solidFill>
+                <a:effectLst/>
+                <a:latin typeface="Consolas" panose="020B0609020204030204" pitchFamily="49" charset="0"/>
+              </a:rPr>
+              <a:t>function</a:t>
+            </a:r>
+            <a:r>
+              <a:rPr lang="en-US" sz="2000" b="0" dirty="0">
+                <a:solidFill>
+                  <a:srgbClr val="3B3B3B"/>
+                </a:solidFill>
+                <a:effectLst/>
+                <a:latin typeface="Consolas" panose="020B0609020204030204" pitchFamily="49" charset="0"/>
+              </a:rPr>
+              <a:t> </a:t>
+            </a:r>
+            <a:r>
+              <a:rPr lang="en-US" sz="2000" b="0" dirty="0" err="1">
+                <a:solidFill>
+                  <a:srgbClr val="795E26"/>
+                </a:solidFill>
+                <a:effectLst/>
+                <a:latin typeface="Consolas" panose="020B0609020204030204" pitchFamily="49" charset="0"/>
+              </a:rPr>
+              <a:t>asyncPrintBC</a:t>
+            </a:r>
+            <a:r>
+              <a:rPr lang="en-US" sz="2000" b="0" dirty="0">
+                <a:solidFill>
+                  <a:srgbClr val="3B3B3B"/>
+                </a:solidFill>
+                <a:effectLst/>
+                <a:latin typeface="Consolas" panose="020B0609020204030204" pitchFamily="49" charset="0"/>
+              </a:rPr>
+              <a:t>() {</a:t>
+            </a:r>
+          </a:p>
+          <a:p>
+            <a:pPr algn="l">
+              <a:buNone/>
+            </a:pPr>
+            <a:r>
+              <a:rPr lang="en-US" sz="2000" b="0" dirty="0">
+                <a:solidFill>
+                  <a:srgbClr val="3B3B3B"/>
+                </a:solidFill>
+                <a:effectLst/>
+                <a:latin typeface="Consolas" panose="020B0609020204030204" pitchFamily="49" charset="0"/>
+              </a:rPr>
+              <a:t>    </a:t>
+            </a:r>
+            <a:r>
+              <a:rPr lang="en-US" sz="2000" b="0" dirty="0">
+                <a:solidFill>
+                  <a:srgbClr val="AF00DB"/>
+                </a:solidFill>
+                <a:effectLst/>
+                <a:latin typeface="Consolas" panose="020B0609020204030204" pitchFamily="49" charset="0"/>
+              </a:rPr>
+              <a:t>await</a:t>
+            </a:r>
+            <a:r>
+              <a:rPr lang="en-US" sz="2000" b="0" dirty="0">
+                <a:solidFill>
+                  <a:srgbClr val="3B3B3B"/>
+                </a:solidFill>
+                <a:effectLst/>
+                <a:latin typeface="Consolas" panose="020B0609020204030204" pitchFamily="49" charset="0"/>
+              </a:rPr>
+              <a:t> </a:t>
+            </a:r>
+            <a:r>
+              <a:rPr lang="en-US" sz="2000" b="0" dirty="0" err="1">
+                <a:solidFill>
+                  <a:srgbClr val="795E26"/>
+                </a:solidFill>
+                <a:effectLst/>
+                <a:latin typeface="Consolas" panose="020B0609020204030204" pitchFamily="49" charset="0"/>
+              </a:rPr>
+              <a:t>waitRandom</a:t>
+            </a:r>
+            <a:r>
+              <a:rPr lang="en-US" sz="2000" b="0" dirty="0">
+                <a:solidFill>
+                  <a:srgbClr val="3B3B3B"/>
+                </a:solidFill>
+                <a:effectLst/>
+                <a:latin typeface="Consolas" panose="020B0609020204030204" pitchFamily="49" charset="0"/>
+              </a:rPr>
+              <a:t>(</a:t>
+            </a:r>
+            <a:r>
+              <a:rPr lang="en-US" sz="2000" b="0" dirty="0">
+                <a:solidFill>
+                  <a:srgbClr val="098658"/>
+                </a:solidFill>
+                <a:effectLst/>
+                <a:latin typeface="Consolas" panose="020B0609020204030204" pitchFamily="49" charset="0"/>
+              </a:rPr>
+              <a:t>2</a:t>
+            </a:r>
+            <a:r>
+              <a:rPr lang="en-US" sz="2000" b="0" dirty="0">
+                <a:solidFill>
+                  <a:srgbClr val="3B3B3B"/>
+                </a:solidFill>
+                <a:effectLst/>
+                <a:latin typeface="Consolas" panose="020B0609020204030204" pitchFamily="49" charset="0"/>
+              </a:rPr>
+              <a:t>);    </a:t>
+            </a:r>
+          </a:p>
+          <a:p>
+            <a:pPr algn="l">
+              <a:buNone/>
+            </a:pPr>
+            <a:r>
+              <a:rPr lang="en-US" sz="2000" b="0" dirty="0">
+                <a:solidFill>
+                  <a:srgbClr val="3B3B3B"/>
+                </a:solidFill>
+                <a:effectLst/>
+                <a:latin typeface="Consolas" panose="020B0609020204030204" pitchFamily="49" charset="0"/>
+              </a:rPr>
+              <a:t>    </a:t>
+            </a:r>
+            <a:r>
+              <a:rPr lang="en-US" sz="2000" b="0" dirty="0">
+                <a:solidFill>
+                  <a:srgbClr val="001080"/>
+                </a:solidFill>
+                <a:effectLst/>
+                <a:latin typeface="Consolas" panose="020B0609020204030204" pitchFamily="49" charset="0"/>
+              </a:rPr>
+              <a:t>console</a:t>
+            </a:r>
+            <a:r>
+              <a:rPr lang="en-US" sz="2000" b="0" dirty="0">
+                <a:solidFill>
+                  <a:srgbClr val="3B3B3B"/>
+                </a:solidFill>
+                <a:effectLst/>
+                <a:latin typeface="Consolas" panose="020B0609020204030204" pitchFamily="49" charset="0"/>
+              </a:rPr>
+              <a:t>.</a:t>
+            </a:r>
+            <a:r>
+              <a:rPr lang="en-US" sz="2000" b="0" dirty="0">
+                <a:solidFill>
+                  <a:srgbClr val="795E26"/>
+                </a:solidFill>
+                <a:effectLst/>
+                <a:latin typeface="Consolas" panose="020B0609020204030204" pitchFamily="49" charset="0"/>
+              </a:rPr>
+              <a:t>log</a:t>
+            </a:r>
+            <a:r>
+              <a:rPr lang="en-US" sz="2000" b="0" dirty="0">
+                <a:solidFill>
+                  <a:srgbClr val="3B3B3B"/>
+                </a:solidFill>
+                <a:effectLst/>
+                <a:latin typeface="Consolas" panose="020B0609020204030204" pitchFamily="49" charset="0"/>
+              </a:rPr>
+              <a:t>(</a:t>
+            </a:r>
+            <a:r>
+              <a:rPr lang="en-US" sz="2000" b="0" dirty="0">
+                <a:solidFill>
+                  <a:srgbClr val="A31515"/>
+                </a:solidFill>
+                <a:effectLst/>
+                <a:latin typeface="Consolas" panose="020B0609020204030204" pitchFamily="49" charset="0"/>
+              </a:rPr>
+              <a:t>'B'</a:t>
+            </a:r>
+            <a:r>
+              <a:rPr lang="en-US" sz="2000" b="0" dirty="0">
+                <a:solidFill>
+                  <a:srgbClr val="3B3B3B"/>
+                </a:solidFill>
+                <a:effectLst/>
+                <a:latin typeface="Consolas" panose="020B0609020204030204" pitchFamily="49" charset="0"/>
+              </a:rPr>
+              <a:t>);</a:t>
+            </a:r>
+          </a:p>
+          <a:p>
+            <a:pPr algn="l">
+              <a:buNone/>
+            </a:pPr>
+            <a:r>
+              <a:rPr lang="en-US" sz="2000" b="0" dirty="0">
+                <a:solidFill>
+                  <a:srgbClr val="3B3B3B"/>
+                </a:solidFill>
+                <a:effectLst/>
+                <a:latin typeface="Consolas" panose="020B0609020204030204" pitchFamily="49" charset="0"/>
+              </a:rPr>
+              <a:t>    </a:t>
+            </a:r>
+            <a:r>
+              <a:rPr lang="en-US" sz="2000" b="0" dirty="0">
+                <a:solidFill>
+                  <a:srgbClr val="001080"/>
+                </a:solidFill>
+                <a:effectLst/>
+                <a:latin typeface="Consolas" panose="020B0609020204030204" pitchFamily="49" charset="0"/>
+              </a:rPr>
+              <a:t>console</a:t>
+            </a:r>
+            <a:r>
+              <a:rPr lang="en-US" sz="2000" b="0" dirty="0">
+                <a:solidFill>
+                  <a:srgbClr val="3B3B3B"/>
+                </a:solidFill>
+                <a:effectLst/>
+                <a:latin typeface="Consolas" panose="020B0609020204030204" pitchFamily="49" charset="0"/>
+              </a:rPr>
+              <a:t>.</a:t>
+            </a:r>
+            <a:r>
+              <a:rPr lang="en-US" sz="2000" b="0" dirty="0">
+                <a:solidFill>
+                  <a:srgbClr val="795E26"/>
+                </a:solidFill>
+                <a:effectLst/>
+                <a:latin typeface="Consolas" panose="020B0609020204030204" pitchFamily="49" charset="0"/>
+              </a:rPr>
+              <a:t>log</a:t>
+            </a:r>
+            <a:r>
+              <a:rPr lang="en-US" sz="2000" b="0" dirty="0">
+                <a:solidFill>
+                  <a:srgbClr val="3B3B3B"/>
+                </a:solidFill>
+                <a:effectLst/>
+                <a:latin typeface="Consolas" panose="020B0609020204030204" pitchFamily="49" charset="0"/>
+              </a:rPr>
+              <a:t>(</a:t>
+            </a:r>
+            <a:r>
+              <a:rPr lang="en-US" sz="2000" b="0" dirty="0">
+                <a:solidFill>
+                  <a:srgbClr val="A31515"/>
+                </a:solidFill>
+                <a:effectLst/>
+                <a:latin typeface="Consolas" panose="020B0609020204030204" pitchFamily="49" charset="0"/>
+              </a:rPr>
+              <a:t>'C'</a:t>
+            </a:r>
+            <a:r>
+              <a:rPr lang="en-US" sz="2000" b="0" dirty="0">
+                <a:solidFill>
+                  <a:srgbClr val="3B3B3B"/>
+                </a:solidFill>
+                <a:effectLst/>
+                <a:latin typeface="Consolas" panose="020B0609020204030204" pitchFamily="49" charset="0"/>
+              </a:rPr>
+              <a:t>);</a:t>
+            </a:r>
+          </a:p>
+          <a:p>
+            <a:pPr algn="l">
+              <a:buNone/>
+            </a:pPr>
+            <a:r>
+              <a:rPr lang="en-US" sz="2000" b="0" dirty="0">
+                <a:solidFill>
+                  <a:srgbClr val="3B3B3B"/>
+                </a:solidFill>
+                <a:effectLst/>
+                <a:latin typeface="Consolas" panose="020B0609020204030204" pitchFamily="49" charset="0"/>
+              </a:rPr>
+              <a:t>}</a:t>
+            </a:r>
+          </a:p>
+          <a:p>
+            <a:pPr algn="l">
+              <a:buNone/>
+            </a:pPr>
+            <a:br>
+              <a:rPr lang="en-US" sz="2000" b="0" dirty="0">
+                <a:solidFill>
+                  <a:srgbClr val="3B3B3B"/>
+                </a:solidFill>
+                <a:effectLst/>
+                <a:latin typeface="Consolas" panose="020B0609020204030204" pitchFamily="49" charset="0"/>
+              </a:rPr>
+            </a:br>
+            <a:endParaRPr lang="en-US" sz="2000" b="0" dirty="0">
+              <a:solidFill>
+                <a:srgbClr val="3B3B3B"/>
+              </a:solidFill>
+              <a:effectLst/>
+              <a:latin typeface="Consolas" panose="020B0609020204030204" pitchFamily="49" charset="0"/>
+            </a:endParaRPr>
+          </a:p>
+          <a:p>
+            <a:pPr algn="l">
+              <a:buNone/>
+            </a:pPr>
+            <a:r>
+              <a:rPr lang="en-US" sz="2000" b="0" dirty="0">
+                <a:solidFill>
+                  <a:srgbClr val="0000FF"/>
+                </a:solidFill>
+                <a:effectLst/>
+                <a:latin typeface="Consolas" panose="020B0609020204030204" pitchFamily="49" charset="0"/>
+              </a:rPr>
+              <a:t>async</a:t>
+            </a:r>
+            <a:r>
+              <a:rPr lang="en-US" sz="2000" b="0" dirty="0">
+                <a:solidFill>
+                  <a:srgbClr val="3B3B3B"/>
+                </a:solidFill>
+                <a:effectLst/>
+                <a:latin typeface="Consolas" panose="020B0609020204030204" pitchFamily="49" charset="0"/>
+              </a:rPr>
+              <a:t> </a:t>
+            </a:r>
+            <a:r>
+              <a:rPr lang="en-US" sz="2000" b="0" dirty="0">
+                <a:solidFill>
+                  <a:srgbClr val="0000FF"/>
+                </a:solidFill>
+                <a:effectLst/>
+                <a:latin typeface="Consolas" panose="020B0609020204030204" pitchFamily="49" charset="0"/>
+              </a:rPr>
+              <a:t>function</a:t>
+            </a:r>
+            <a:r>
+              <a:rPr lang="en-US" sz="2000" b="0" dirty="0">
+                <a:solidFill>
+                  <a:srgbClr val="3B3B3B"/>
+                </a:solidFill>
+                <a:effectLst/>
+                <a:latin typeface="Consolas" panose="020B0609020204030204" pitchFamily="49" charset="0"/>
+              </a:rPr>
+              <a:t> </a:t>
+            </a:r>
+            <a:r>
+              <a:rPr lang="en-US" sz="2000" b="0" dirty="0">
+                <a:solidFill>
+                  <a:srgbClr val="795E26"/>
+                </a:solidFill>
+                <a:effectLst/>
+                <a:latin typeface="Consolas" panose="020B0609020204030204" pitchFamily="49" charset="0"/>
+              </a:rPr>
+              <a:t>run</a:t>
+            </a:r>
+            <a:r>
+              <a:rPr lang="en-US" sz="2000" b="0" dirty="0">
+                <a:solidFill>
+                  <a:srgbClr val="3B3B3B"/>
+                </a:solidFill>
+                <a:effectLst/>
+                <a:latin typeface="Consolas" panose="020B0609020204030204" pitchFamily="49" charset="0"/>
+              </a:rPr>
+              <a:t>() {</a:t>
+            </a:r>
+          </a:p>
+          <a:p>
+            <a:pPr algn="l">
+              <a:buNone/>
+            </a:pPr>
+            <a:r>
+              <a:rPr lang="en-US" sz="2000" b="0" dirty="0">
+                <a:solidFill>
+                  <a:srgbClr val="3B3B3B"/>
+                </a:solidFill>
+                <a:effectLst/>
+                <a:latin typeface="Consolas" panose="020B0609020204030204" pitchFamily="49" charset="0"/>
+              </a:rPr>
+              <a:t>    </a:t>
+            </a:r>
+            <a:r>
+              <a:rPr lang="en-US" sz="2000" b="0" dirty="0">
+                <a:solidFill>
+                  <a:srgbClr val="AF00DB"/>
+                </a:solidFill>
+                <a:effectLst/>
+                <a:latin typeface="Consolas" panose="020B0609020204030204" pitchFamily="49" charset="0"/>
+              </a:rPr>
+              <a:t>await</a:t>
+            </a:r>
+            <a:r>
+              <a:rPr lang="en-US" sz="2000" b="0" dirty="0">
+                <a:solidFill>
+                  <a:srgbClr val="3B3B3B"/>
+                </a:solidFill>
+                <a:effectLst/>
+                <a:latin typeface="Consolas" panose="020B0609020204030204" pitchFamily="49" charset="0"/>
+              </a:rPr>
+              <a:t> </a:t>
+            </a:r>
+            <a:r>
+              <a:rPr lang="en-US" sz="2000" b="0" dirty="0" err="1">
+                <a:solidFill>
+                  <a:srgbClr val="267F99"/>
+                </a:solidFill>
+                <a:effectLst/>
+                <a:latin typeface="Consolas" panose="020B0609020204030204" pitchFamily="49" charset="0"/>
+              </a:rPr>
+              <a:t>Promise</a:t>
+            </a:r>
+            <a:r>
+              <a:rPr lang="en-US" sz="2000" b="0" dirty="0" err="1">
+                <a:solidFill>
+                  <a:srgbClr val="3B3B3B"/>
+                </a:solidFill>
+                <a:effectLst/>
+                <a:latin typeface="Consolas" panose="020B0609020204030204" pitchFamily="49" charset="0"/>
+              </a:rPr>
+              <a:t>.</a:t>
+            </a:r>
+            <a:r>
+              <a:rPr lang="en-US" sz="2000" b="0" dirty="0" err="1">
+                <a:solidFill>
+                  <a:srgbClr val="795E26"/>
+                </a:solidFill>
+                <a:effectLst/>
+                <a:latin typeface="Consolas" panose="020B0609020204030204" pitchFamily="49" charset="0"/>
+              </a:rPr>
+              <a:t>all</a:t>
+            </a:r>
+            <a:r>
+              <a:rPr lang="en-US" sz="2000" b="0" dirty="0">
+                <a:solidFill>
+                  <a:srgbClr val="3B3B3B"/>
+                </a:solidFill>
+                <a:effectLst/>
+                <a:latin typeface="Consolas" panose="020B0609020204030204" pitchFamily="49" charset="0"/>
+              </a:rPr>
+              <a:t>([</a:t>
+            </a:r>
+            <a:r>
+              <a:rPr lang="en-US" sz="2000" b="0" dirty="0" err="1">
+                <a:solidFill>
+                  <a:srgbClr val="795E26"/>
+                </a:solidFill>
+                <a:effectLst/>
+                <a:latin typeface="Consolas" panose="020B0609020204030204" pitchFamily="49" charset="0"/>
+              </a:rPr>
+              <a:t>asyncPrintA</a:t>
+            </a:r>
+            <a:r>
+              <a:rPr lang="en-US" sz="2000" b="0" dirty="0">
+                <a:solidFill>
+                  <a:srgbClr val="3B3B3B"/>
+                </a:solidFill>
+                <a:effectLst/>
+                <a:latin typeface="Consolas" panose="020B0609020204030204" pitchFamily="49" charset="0"/>
+              </a:rPr>
+              <a:t>(), </a:t>
+            </a:r>
+            <a:r>
+              <a:rPr lang="en-US" sz="2000" b="0" dirty="0" err="1">
+                <a:solidFill>
+                  <a:srgbClr val="795E26"/>
+                </a:solidFill>
+                <a:effectLst/>
+                <a:latin typeface="Consolas" panose="020B0609020204030204" pitchFamily="49" charset="0"/>
+              </a:rPr>
+              <a:t>asyncPrintBC</a:t>
+            </a:r>
+            <a:r>
+              <a:rPr lang="en-US" sz="2000" b="0" dirty="0">
+                <a:solidFill>
+                  <a:srgbClr val="3B3B3B"/>
+                </a:solidFill>
+                <a:effectLst/>
+                <a:latin typeface="Consolas" panose="020B0609020204030204" pitchFamily="49" charset="0"/>
+              </a:rPr>
+              <a:t>()])</a:t>
+            </a:r>
+          </a:p>
+          <a:p>
+            <a:pPr algn="l">
+              <a:buNone/>
+            </a:pPr>
+            <a:r>
+              <a:rPr lang="en-US" sz="2000" b="0" dirty="0">
+                <a:solidFill>
+                  <a:srgbClr val="3B3B3B"/>
+                </a:solidFill>
+                <a:effectLst/>
+                <a:latin typeface="Consolas" panose="020B0609020204030204" pitchFamily="49" charset="0"/>
+              </a:rPr>
+              <a:t>}</a:t>
+            </a:r>
+          </a:p>
+          <a:p>
+            <a:pPr algn="l">
+              <a:buNone/>
+            </a:pPr>
+            <a:br>
+              <a:rPr lang="en-US" sz="2000" b="0" dirty="0">
+                <a:solidFill>
+                  <a:srgbClr val="3B3B3B"/>
+                </a:solidFill>
+                <a:effectLst/>
+                <a:latin typeface="Consolas" panose="020B0609020204030204" pitchFamily="49" charset="0"/>
+              </a:rPr>
+            </a:br>
+            <a:br>
+              <a:rPr lang="en-US" sz="2000" b="0" dirty="0">
+                <a:solidFill>
+                  <a:srgbClr val="3B3B3B"/>
+                </a:solidFill>
+                <a:effectLst/>
+                <a:latin typeface="Consolas" panose="020B0609020204030204" pitchFamily="49" charset="0"/>
+              </a:rPr>
+            </a:br>
+            <a:endParaRPr lang="en-US" sz="2000" b="0" dirty="0">
+              <a:solidFill>
+                <a:srgbClr val="3B3B3B"/>
+              </a:solidFill>
+              <a:effectLst/>
+              <a:latin typeface="Consolas" panose="020B0609020204030204" pitchFamily="49" charset="0"/>
+            </a:endParaRPr>
+          </a:p>
+          <a:p>
+            <a:pPr algn="l">
+              <a:buNone/>
+            </a:pPr>
+            <a:r>
+              <a:rPr lang="en-US" sz="2000" b="0" dirty="0">
+                <a:solidFill>
+                  <a:srgbClr val="795E26"/>
+                </a:solidFill>
+                <a:effectLst/>
+                <a:latin typeface="Consolas" panose="020B0609020204030204" pitchFamily="49" charset="0"/>
+              </a:rPr>
+              <a:t>run</a:t>
+            </a:r>
+            <a:r>
+              <a:rPr lang="en-US" sz="2000" b="0" dirty="0">
+                <a:solidFill>
+                  <a:srgbClr val="3B3B3B"/>
+                </a:solidFill>
+                <a:effectLst/>
+                <a:latin typeface="Consolas" panose="020B0609020204030204" pitchFamily="49" charset="0"/>
+              </a:rPr>
+              <a:t>()</a:t>
+            </a:r>
+          </a:p>
+          <a:p>
+            <a:pPr algn="l"/>
+            <a:endParaRPr lang="en-US" sz="1400" b="0" dirty="0">
+              <a:solidFill>
+                <a:srgbClr val="000000"/>
+              </a:solidFill>
+              <a:effectLst/>
+              <a:latin typeface="Consolas" panose="020B0609020204030204" pitchFamily="49" charset="0"/>
+            </a:endParaRPr>
+          </a:p>
+        </p:txBody>
+      </p:sp>
+      <p:sp>
+        <p:nvSpPr>
+          <p:cNvPr id="4" name="Rectangle: Rounded Corners 3">
+            <a:extLst>
+              <a:ext uri="{FF2B5EF4-FFF2-40B4-BE49-F238E27FC236}">
+                <a16:creationId xmlns:a16="http://schemas.microsoft.com/office/drawing/2014/main" id="{455689C7-7C27-5D24-90F6-149A2C5D118F}"/>
+              </a:ext>
+            </a:extLst>
+          </p:cNvPr>
+          <p:cNvSpPr/>
+          <p:nvPr/>
+        </p:nvSpPr>
+        <p:spPr>
+          <a:xfrm>
+            <a:off x="7366572" y="286242"/>
+            <a:ext cx="4572000" cy="588626"/>
+          </a:xfrm>
+          <a:prstGeom prst="roundRect">
+            <a:avLst/>
+          </a:prstGeom>
+          <a:solidFill>
+            <a:schemeClr val="accent6">
+              <a:lumMod val="20000"/>
+              <a:lumOff val="80000"/>
+            </a:schemeClr>
+          </a:solidFill>
+          <a:ln>
+            <a:solidFill>
+              <a:srgbClr val="0070C0"/>
+            </a:solidFill>
+          </a:ln>
+        </p:spPr>
+        <p:style>
+          <a:lnRef idx="2">
+            <a:schemeClr val="accent1">
+              <a:shade val="50000"/>
+            </a:schemeClr>
+          </a:lnRef>
+          <a:fillRef idx="1">
+            <a:schemeClr val="accent1"/>
+          </a:fillRef>
+          <a:effectRef idx="0">
+            <a:schemeClr val="accent1"/>
+          </a:effectRef>
+          <a:fontRef idx="minor">
+            <a:schemeClr val="lt1"/>
+          </a:fontRef>
+        </p:style>
+        <p:txBody>
+          <a:bodyPr rtlCol="0" anchor="ctr"/>
+          <a:lstStyle/>
+          <a:p>
+            <a:pPr algn="ctr"/>
+            <a:r>
+              <a:rPr lang="en-US" sz="2400" dirty="0" err="1">
+                <a:solidFill>
+                  <a:schemeClr val="tx1"/>
+                </a:solidFill>
+              </a:rPr>
+              <a:t>src</a:t>
+            </a:r>
+            <a:r>
+              <a:rPr lang="en-US" sz="2400" dirty="0">
+                <a:solidFill>
+                  <a:schemeClr val="tx1"/>
+                </a:solidFill>
+              </a:rPr>
+              <a:t>/slides/dataRace2.ts</a:t>
+            </a:r>
+          </a:p>
+        </p:txBody>
+      </p:sp>
+      <p:sp>
+        <p:nvSpPr>
+          <p:cNvPr id="5" name="Content Placeholder 4">
+            <a:extLst>
+              <a:ext uri="{FF2B5EF4-FFF2-40B4-BE49-F238E27FC236}">
+                <a16:creationId xmlns:a16="http://schemas.microsoft.com/office/drawing/2014/main" id="{A4D17C1B-9DC9-4F66-74C1-40955C2E2C8A}"/>
+              </a:ext>
+            </a:extLst>
+          </p:cNvPr>
+          <p:cNvSpPr>
+            <a:spLocks noGrp="1"/>
+          </p:cNvSpPr>
+          <p:nvPr>
+            <p:ph idx="1"/>
+          </p:nvPr>
+        </p:nvSpPr>
+        <p:spPr>
+          <a:xfrm>
+            <a:off x="8022211" y="1631794"/>
+            <a:ext cx="3761294" cy="4351338"/>
+          </a:xfrm>
+        </p:spPr>
+        <p:txBody>
+          <a:bodyPr>
+            <a:normAutofit/>
+          </a:bodyPr>
+          <a:lstStyle/>
+          <a:p>
+            <a:r>
+              <a:rPr lang="en-US" sz="2000" dirty="0"/>
+              <a:t>In Java, you could get an interrupt between the print B and the print C.</a:t>
+            </a:r>
+          </a:p>
+          <a:p>
+            <a:r>
+              <a:rPr lang="en-US" sz="2000" dirty="0"/>
+              <a:t>So the output could be ABC, BAC, BCA</a:t>
+            </a:r>
+          </a:p>
+          <a:p>
+            <a:r>
+              <a:rPr lang="en-US" sz="2000" dirty="0"/>
+              <a:t>In TS/JS, the print B and print C are in the same critical section, so BAC is impossible!</a:t>
+            </a:r>
+          </a:p>
+        </p:txBody>
+      </p:sp>
+    </p:spTree>
+    <p:extLst>
+      <p:ext uri="{BB962C8B-B14F-4D97-AF65-F5344CB8AC3E}">
+        <p14:creationId xmlns:p14="http://schemas.microsoft.com/office/powerpoint/2010/main" val="831730851"/>
+      </p:ext>
+    </p:extLst>
+  </p:cSld>
+  <p:clrMapOvr>
+    <a:masterClrMapping/>
+  </p:clrMapOvr>
+  <p:timing>
+    <p:tnLst>
+      <p:par>
+        <p:cTn id="1" dur="indefinite" restart="never" nodeType="tmRoot">
+          <p:childTnLst>
+            <p:seq concurrent="1" nextAc="seek">
+              <p:cTn id="2" dur="indefinite" nodeType="mainSeq">
+                <p:childTnLst>
+                  <p:par>
+                    <p:cTn id="3" fill="hold">
+                      <p:stCondLst>
+                        <p:cond delay="indefinite"/>
+                      </p:stCondLst>
+                      <p:childTnLst>
+                        <p:par>
+                          <p:cTn id="4" fill="hold">
+                            <p:stCondLst>
+                              <p:cond delay="0"/>
+                            </p:stCondLst>
+                            <p:childTnLst>
+                              <p:par>
+                                <p:cTn id="5" presetID="1" presetClass="entr" presetSubtype="0" fill="hold" nodeType="clickEffect">
+                                  <p:stCondLst>
+                                    <p:cond delay="0"/>
+                                  </p:stCondLst>
+                                  <p:childTnLst>
+                                    <p:set>
+                                      <p:cBhvr>
+                                        <p:cTn id="6" dur="1" fill="hold">
+                                          <p:stCondLst>
+                                            <p:cond delay="0"/>
+                                          </p:stCondLst>
+                                        </p:cTn>
+                                        <p:tgtEl>
+                                          <p:spTgt spid="5">
+                                            <p:txEl>
+                                              <p:pRg st="2" end="2"/>
+                                            </p:txEl>
+                                          </p:spTgt>
+                                        </p:tgtEl>
+                                        <p:attrNameLst>
+                                          <p:attrName>style.visibility</p:attrName>
+                                        </p:attrNameLst>
+                                      </p:cBhvr>
+                                      <p:to>
+                                        <p:strVal val="visible"/>
+                                      </p:to>
+                                    </p:set>
+                                  </p:childTnLst>
+                                </p:cTn>
+                              </p:par>
+                            </p:childTnLst>
+                          </p:cTn>
+                        </p:par>
+                      </p:childTnLst>
+                    </p:cTn>
+                  </p:par>
+                </p:childTnLst>
+              </p:cTn>
+              <p:prevCondLst>
+                <p:cond evt="onPrev" delay="0">
+                  <p:tgtEl>
+                    <p:sldTgt/>
+                  </p:tgtEl>
+                </p:cond>
+              </p:prevCondLst>
+              <p:nextCondLst>
+                <p:cond evt="onNext" delay="0">
+                  <p:tgtEl>
+                    <p:sldTgt/>
+                  </p:tgtEl>
+                </p:cond>
+              </p:nextCondLst>
+            </p:seq>
+          </p:childTnLst>
+        </p:cTn>
+      </p:par>
+    </p:tnLst>
+  </p:timing>
 </p:sld>
 </file>
 
@@ -14948,6 +15039,91 @@
               </a:rPr>
               <a:t>}</a:t>
             </a:r>
+          </a:p>
+        </p:txBody>
+      </p:sp>
+      <p:sp>
+        <p:nvSpPr>
+          <p:cNvPr id="6" name="Rectangle: Rounded Corners 5">
+            <a:extLst>
+              <a:ext uri="{FF2B5EF4-FFF2-40B4-BE49-F238E27FC236}">
+                <a16:creationId xmlns:a16="http://schemas.microsoft.com/office/drawing/2014/main" id="{54862370-2DDE-0308-73F3-23123117560F}"/>
+              </a:ext>
+            </a:extLst>
+          </p:cNvPr>
+          <p:cNvSpPr/>
+          <p:nvPr/>
+        </p:nvSpPr>
+        <p:spPr>
+          <a:xfrm>
+            <a:off x="7981315" y="28415"/>
+            <a:ext cx="4210685" cy="434698"/>
+          </a:xfrm>
+          <a:prstGeom prst="roundRect">
+            <a:avLst/>
+          </a:prstGeom>
+          <a:solidFill>
+            <a:schemeClr val="accent6">
+              <a:lumMod val="20000"/>
+              <a:lumOff val="80000"/>
+            </a:schemeClr>
+          </a:solidFill>
+          <a:ln>
+            <a:solidFill>
+              <a:srgbClr val="0070C0"/>
+            </a:solidFill>
+          </a:ln>
+        </p:spPr>
+        <p:style>
+          <a:lnRef idx="2">
+            <a:schemeClr val="accent1">
+              <a:shade val="50000"/>
+            </a:schemeClr>
+          </a:lnRef>
+          <a:fillRef idx="1">
+            <a:schemeClr val="accent1"/>
+          </a:fillRef>
+          <a:effectRef idx="0">
+            <a:schemeClr val="accent1"/>
+          </a:effectRef>
+          <a:fontRef idx="minor">
+            <a:schemeClr val="lt1"/>
+          </a:fontRef>
+        </p:style>
+        <p:txBody>
+          <a:bodyPr rtlCol="0" anchor="ctr"/>
+          <a:lstStyle/>
+          <a:p>
+            <a:pPr algn="ctr"/>
+            <a:r>
+              <a:rPr lang="en-US" sz="2400" dirty="0" err="1">
+                <a:solidFill>
+                  <a:schemeClr val="tx1"/>
+                </a:solidFill>
+              </a:rPr>
+              <a:t>src</a:t>
+            </a:r>
+            <a:r>
+              <a:rPr lang="en-US" sz="2400" dirty="0">
+                <a:solidFill>
+                  <a:schemeClr val="tx1"/>
+                </a:solidFill>
+              </a:rPr>
+              <a:t>/Slides/</a:t>
+            </a:r>
+            <a:r>
+              <a:rPr lang="en-US" sz="2400" dirty="0" err="1">
+                <a:solidFill>
+                  <a:schemeClr val="tx1"/>
+                </a:solidFill>
+              </a:rPr>
+              <a:t>makeOneRequests.ts</a:t>
+            </a:r>
+            <a:endParaRPr lang="en-US" sz="2400" dirty="0">
+              <a:solidFill>
+                <a:schemeClr val="tx1"/>
+              </a:solidFill>
+            </a:endParaRPr>
           </a:p>
         </p:txBody>
       </p:sp>
@@ -16532,6 +16708,1459 @@
   <p:cSld>
     <p:spTree>
       <p:nvGrpSpPr>
+        <p:cNvPr id="1" name=""/>
+        <p:cNvGrpSpPr/>
+        <p:nvPr/>
+      </p:nvGrpSpPr>
+      <p:grpSpPr>
+        <a:xfrm>
+          <a:off x="0" y="0"/>
+          <a:ext cx="0" cy="0"/>
+          <a:chOff x="0" y="0"/>
+          <a:chExt cx="0" cy="0"/>
+        </a:xfrm>
+      </p:grpSpPr>
+      <p:sp>
+        <p:nvSpPr>
+          <p:cNvPr id="5" name="TextBox 4">
+            <a:extLst>
+              <a:ext uri="{FF2B5EF4-FFF2-40B4-BE49-F238E27FC236}">
+                <a16:creationId xmlns:a16="http://schemas.microsoft.com/office/drawing/2014/main" id="{F5C46596-489D-B203-0373-763804FB1CCC}"/>
+              </a:ext>
+            </a:extLst>
+          </p:cNvPr>
+          <p:cNvSpPr txBox="1"/>
+          <p:nvPr/>
+        </p:nvSpPr>
+        <p:spPr>
+          <a:xfrm>
+            <a:off x="736600" y="1350065"/>
+            <a:ext cx="9573260" cy="5632311"/>
+          </a:xfrm>
+          <a:prstGeom prst="rect">
+            <a:avLst/>
+          </a:prstGeom>
+          <a:ln>
+            <a:noFill/>
+          </a:ln>
+        </p:spPr>
+        <p:style>
+          <a:lnRef idx="2">
+            <a:schemeClr val="dk1"/>
+          </a:lnRef>
+          <a:fillRef idx="1">
+            <a:schemeClr val="lt1"/>
+          </a:fillRef>
+          <a:effectRef idx="0">
+            <a:schemeClr val="dk1"/>
+          </a:effectRef>
+          <a:fontRef idx="minor">
+            <a:schemeClr val="dk1"/>
+          </a:fontRef>
+        </p:style>
+        <p:txBody>
+          <a:bodyPr wrap="square">
+            <a:spAutoFit/>
+          </a:bodyPr>
+          <a:lstStyle/>
+          <a:p>
+            <a:pPr algn="l"/>
+            <a:r>
+              <a:rPr lang="en-US" sz="1800" b="0" dirty="0">
+                <a:solidFill>
+                  <a:srgbClr val="0000FF"/>
+                </a:solidFill>
+                <a:effectLst/>
+                <a:latin typeface="Consolas" panose="020B0609020204030204" pitchFamily="49" charset="0"/>
+              </a:rPr>
+              <a:t>import</a:t>
+            </a:r>
+            <a:r>
+              <a:rPr lang="en-US" sz="1800" b="0" dirty="0">
+                <a:solidFill>
+                  <a:srgbClr val="000000"/>
+                </a:solidFill>
+                <a:effectLst/>
+                <a:latin typeface="Consolas" panose="020B0609020204030204" pitchFamily="49" charset="0"/>
+              </a:rPr>
+              <a:t> </a:t>
+            </a:r>
+            <a:r>
+              <a:rPr lang="en-US" sz="1800" b="0" dirty="0" err="1">
+                <a:solidFill>
+                  <a:srgbClr val="000000"/>
+                </a:solidFill>
+                <a:effectLst/>
+                <a:latin typeface="Consolas" panose="020B0609020204030204" pitchFamily="49" charset="0"/>
+              </a:rPr>
+              <a:t>axios</a:t>
+            </a:r>
+            <a:r>
+              <a:rPr lang="en-US" sz="1800" b="0" dirty="0">
+                <a:solidFill>
+                  <a:srgbClr val="000000"/>
+                </a:solidFill>
+                <a:effectLst/>
+                <a:latin typeface="Consolas" panose="020B0609020204030204" pitchFamily="49" charset="0"/>
+              </a:rPr>
+              <a:t> </a:t>
+            </a:r>
+            <a:r>
+              <a:rPr lang="en-US" sz="1800" b="0" dirty="0">
+                <a:solidFill>
+                  <a:srgbClr val="0000FF"/>
+                </a:solidFill>
+                <a:effectLst/>
+                <a:latin typeface="Consolas" panose="020B0609020204030204" pitchFamily="49" charset="0"/>
+              </a:rPr>
+              <a:t>from</a:t>
+            </a:r>
+            <a:r>
+              <a:rPr lang="en-US" sz="1800" b="0" dirty="0">
+                <a:solidFill>
+                  <a:srgbClr val="000000"/>
+                </a:solidFill>
+                <a:effectLst/>
+                <a:latin typeface="Consolas" panose="020B0609020204030204" pitchFamily="49" charset="0"/>
+              </a:rPr>
+              <a:t> </a:t>
+            </a:r>
+            <a:r>
+              <a:rPr lang="en-US" sz="1800" b="0" dirty="0">
+                <a:solidFill>
+                  <a:srgbClr val="A31515"/>
+                </a:solidFill>
+                <a:effectLst/>
+                <a:latin typeface="Consolas" panose="020B0609020204030204" pitchFamily="49" charset="0"/>
+              </a:rPr>
+              <a:t>'</a:t>
+            </a:r>
+            <a:r>
+              <a:rPr lang="en-US" sz="1800" b="0" dirty="0" err="1">
+                <a:solidFill>
+                  <a:srgbClr val="A31515"/>
+                </a:solidFill>
+                <a:effectLst/>
+                <a:latin typeface="Consolas" panose="020B0609020204030204" pitchFamily="49" charset="0"/>
+              </a:rPr>
+              <a:t>axios</a:t>
+            </a:r>
+            <a:r>
+              <a:rPr lang="en-US" sz="1800" b="0" dirty="0">
+                <a:solidFill>
+                  <a:srgbClr val="A31515"/>
+                </a:solidFill>
+                <a:effectLst/>
+                <a:latin typeface="Consolas" panose="020B0609020204030204" pitchFamily="49" charset="0"/>
+              </a:rPr>
+              <a:t>'</a:t>
+            </a:r>
+            <a:r>
+              <a:rPr lang="en-US" sz="1800" b="0" dirty="0">
+                <a:solidFill>
+                  <a:srgbClr val="000000"/>
+                </a:solidFill>
+                <a:effectLst/>
+                <a:latin typeface="Consolas" panose="020B0609020204030204" pitchFamily="49" charset="0"/>
+              </a:rPr>
+              <a:t>;</a:t>
+            </a:r>
+          </a:p>
+          <a:p>
+            <a:pPr algn="l"/>
+            <a:br>
+              <a:rPr lang="en-US" sz="1800" b="0" dirty="0">
+                <a:solidFill>
+                  <a:srgbClr val="000000"/>
+                </a:solidFill>
+                <a:effectLst/>
+                <a:latin typeface="Consolas" panose="020B0609020204030204" pitchFamily="49" charset="0"/>
+              </a:rPr>
+            </a:br>
+            <a:r>
+              <a:rPr lang="en-US" sz="1800" b="0" dirty="0">
+                <a:solidFill>
+                  <a:srgbClr val="0000FF"/>
+                </a:solidFill>
+                <a:effectLst/>
+                <a:latin typeface="Consolas" panose="020B0609020204030204" pitchFamily="49" charset="0"/>
+              </a:rPr>
+              <a:t>export</a:t>
+            </a:r>
+            <a:r>
+              <a:rPr lang="en-US" sz="1800" b="0" dirty="0">
+                <a:solidFill>
+                  <a:srgbClr val="000000"/>
+                </a:solidFill>
+                <a:effectLst/>
+                <a:latin typeface="Consolas" panose="020B0609020204030204" pitchFamily="49" charset="0"/>
+              </a:rPr>
+              <a:t> </a:t>
+            </a:r>
+            <a:r>
+              <a:rPr lang="en-US" sz="1800" b="0" dirty="0">
+                <a:solidFill>
+                  <a:srgbClr val="0000FF"/>
+                </a:solidFill>
+                <a:effectLst/>
+                <a:latin typeface="Consolas" panose="020B0609020204030204" pitchFamily="49" charset="0"/>
+              </a:rPr>
+              <a:t>async</a:t>
+            </a:r>
+            <a:r>
+              <a:rPr lang="en-US" sz="1800" b="0" dirty="0">
+                <a:solidFill>
+                  <a:srgbClr val="000000"/>
+                </a:solidFill>
+                <a:effectLst/>
+                <a:latin typeface="Consolas" panose="020B0609020204030204" pitchFamily="49" charset="0"/>
+              </a:rPr>
+              <a:t> </a:t>
+            </a:r>
+            <a:r>
+              <a:rPr lang="en-US" sz="1800" b="0" dirty="0">
+                <a:solidFill>
+                  <a:srgbClr val="0000FF"/>
+                </a:solidFill>
+                <a:effectLst/>
+                <a:latin typeface="Consolas" panose="020B0609020204030204" pitchFamily="49" charset="0"/>
+              </a:rPr>
+              <a:t>function</a:t>
+            </a:r>
+            <a:r>
+              <a:rPr lang="en-US" sz="1800" b="0" dirty="0">
+                <a:solidFill>
+                  <a:srgbClr val="000000"/>
+                </a:solidFill>
+                <a:effectLst/>
+                <a:latin typeface="Consolas" panose="020B0609020204030204" pitchFamily="49" charset="0"/>
+              </a:rPr>
+              <a:t> </a:t>
+            </a:r>
+            <a:r>
+              <a:rPr lang="en-US" sz="1800" b="0" dirty="0" err="1">
+                <a:solidFill>
+                  <a:srgbClr val="000000"/>
+                </a:solidFill>
+                <a:effectLst/>
+                <a:latin typeface="Consolas" panose="020B0609020204030204" pitchFamily="49" charset="0"/>
+              </a:rPr>
+              <a:t>makeRequest</a:t>
+            </a:r>
+            <a:r>
+              <a:rPr lang="en-US" sz="1800" b="0" dirty="0">
+                <a:solidFill>
+                  <a:srgbClr val="000000"/>
+                </a:solidFill>
+                <a:effectLst/>
+                <a:latin typeface="Consolas" panose="020B0609020204030204" pitchFamily="49" charset="0"/>
+              </a:rPr>
+              <a:t>(</a:t>
+            </a:r>
+            <a:r>
+              <a:rPr lang="en-US" sz="1800" b="0" dirty="0" err="1">
+                <a:solidFill>
+                  <a:srgbClr val="000000"/>
+                </a:solidFill>
+                <a:effectLst/>
+                <a:latin typeface="Consolas" panose="020B0609020204030204" pitchFamily="49" charset="0"/>
+              </a:rPr>
+              <a:t>requestNumber:number</a:t>
+            </a:r>
+            <a:r>
+              <a:rPr lang="en-US" sz="1800" b="0" dirty="0">
+                <a:solidFill>
+                  <a:srgbClr val="000000"/>
+                </a:solidFill>
+                <a:effectLst/>
+                <a:latin typeface="Consolas" panose="020B0609020204030204" pitchFamily="49" charset="0"/>
+              </a:rPr>
+              <a:t>) {</a:t>
+            </a:r>
+          </a:p>
+          <a:p>
+            <a:pPr algn="l"/>
+            <a:r>
+              <a:rPr lang="en-US" sz="1800" b="0" dirty="0">
+                <a:solidFill>
+                  <a:srgbClr val="000000"/>
+                </a:solidFill>
+                <a:effectLst/>
+                <a:latin typeface="Consolas" panose="020B0609020204030204" pitchFamily="49" charset="0"/>
+              </a:rPr>
+              <a:t>    console.log(</a:t>
+            </a:r>
+            <a:r>
+              <a:rPr lang="en-US" sz="1800" b="0" dirty="0">
+                <a:solidFill>
+                  <a:srgbClr val="A31515"/>
+                </a:solidFill>
+                <a:effectLst/>
+                <a:latin typeface="Consolas" panose="020B0609020204030204" pitchFamily="49" charset="0"/>
+              </a:rPr>
+              <a:t>`starting </a:t>
+            </a:r>
+            <a:r>
+              <a:rPr lang="en-US" sz="1800" b="0" dirty="0" err="1">
+                <a:solidFill>
+                  <a:srgbClr val="A31515"/>
+                </a:solidFill>
+                <a:effectLst/>
+                <a:latin typeface="Consolas" panose="020B0609020204030204" pitchFamily="49" charset="0"/>
+              </a:rPr>
+              <a:t>makeRequest</a:t>
+            </a:r>
+            <a:r>
+              <a:rPr lang="en-US" sz="1800" b="0" dirty="0">
+                <a:solidFill>
+                  <a:srgbClr val="A31515"/>
+                </a:solidFill>
+                <a:effectLst/>
+                <a:latin typeface="Consolas" panose="020B0609020204030204" pitchFamily="49" charset="0"/>
+              </a:rPr>
+              <a:t>(</a:t>
+            </a:r>
+            <a:r>
+              <a:rPr lang="en-US" sz="1800" b="0" dirty="0">
+                <a:solidFill>
+                  <a:srgbClr val="0000FF"/>
+                </a:solidFill>
+                <a:effectLst/>
+                <a:latin typeface="Consolas" panose="020B0609020204030204" pitchFamily="49" charset="0"/>
+              </a:rPr>
+              <a:t>${</a:t>
+            </a:r>
+            <a:r>
+              <a:rPr lang="en-US" sz="1800" b="0" dirty="0" err="1">
+                <a:solidFill>
+                  <a:srgbClr val="000000"/>
+                </a:solidFill>
+                <a:effectLst/>
+                <a:latin typeface="Consolas" panose="020B0609020204030204" pitchFamily="49" charset="0"/>
+              </a:rPr>
+              <a:t>requestNumber</a:t>
+            </a:r>
+            <a:r>
+              <a:rPr lang="en-US" sz="1800" b="0" dirty="0">
+                <a:solidFill>
+                  <a:srgbClr val="0000FF"/>
+                </a:solidFill>
+                <a:effectLst/>
+                <a:latin typeface="Consolas" panose="020B0609020204030204" pitchFamily="49" charset="0"/>
+              </a:rPr>
+              <a:t>}</a:t>
+            </a:r>
+            <a:r>
+              <a:rPr lang="en-US" sz="1800" b="0" dirty="0">
+                <a:solidFill>
+                  <a:srgbClr val="A31515"/>
+                </a:solidFill>
+                <a:effectLst/>
+                <a:latin typeface="Consolas" panose="020B0609020204030204" pitchFamily="49" charset="0"/>
+              </a:rPr>
+              <a:t>)`</a:t>
+            </a:r>
+            <a:r>
+              <a:rPr lang="en-US" sz="1800" b="0" dirty="0">
+                <a:solidFill>
+                  <a:srgbClr val="000000"/>
+                </a:solidFill>
+                <a:effectLst/>
+                <a:latin typeface="Consolas" panose="020B0609020204030204" pitchFamily="49" charset="0"/>
+              </a:rPr>
+              <a:t>);</a:t>
+            </a:r>
+          </a:p>
+          <a:p>
+            <a:pPr algn="l"/>
+            <a:r>
+              <a:rPr lang="en-US" sz="1800" b="0" dirty="0">
+                <a:solidFill>
+                  <a:srgbClr val="000000"/>
+                </a:solidFill>
+                <a:effectLst/>
+                <a:latin typeface="Consolas" panose="020B0609020204030204" pitchFamily="49" charset="0"/>
+              </a:rPr>
+              <a:t>    </a:t>
+            </a:r>
+            <a:r>
+              <a:rPr lang="en-US" sz="1800" b="0" dirty="0">
+                <a:solidFill>
+                  <a:srgbClr val="0000FF"/>
+                </a:solidFill>
+                <a:effectLst/>
+                <a:latin typeface="Consolas" panose="020B0609020204030204" pitchFamily="49" charset="0"/>
+              </a:rPr>
+              <a:t>const</a:t>
+            </a:r>
+            <a:r>
+              <a:rPr lang="en-US" sz="1800" b="0" dirty="0">
+                <a:solidFill>
+                  <a:srgbClr val="000000"/>
+                </a:solidFill>
+                <a:effectLst/>
+                <a:latin typeface="Consolas" panose="020B0609020204030204" pitchFamily="49" charset="0"/>
+              </a:rPr>
+              <a:t> response = </a:t>
+            </a:r>
+            <a:r>
+              <a:rPr lang="en-US" sz="1800" b="0" dirty="0">
+                <a:solidFill>
+                  <a:srgbClr val="0000FF"/>
+                </a:solidFill>
+                <a:effectLst/>
+                <a:latin typeface="Consolas" panose="020B0609020204030204" pitchFamily="49" charset="0"/>
+              </a:rPr>
+              <a:t>await</a:t>
+            </a:r>
+            <a:r>
+              <a:rPr lang="en-US" sz="1800" b="0" dirty="0">
+                <a:solidFill>
+                  <a:srgbClr val="000000"/>
+                </a:solidFill>
+                <a:effectLst/>
+                <a:latin typeface="Consolas" panose="020B0609020204030204" pitchFamily="49" charset="0"/>
+              </a:rPr>
+              <a:t> </a:t>
+            </a:r>
+            <a:r>
+              <a:rPr lang="en-US" sz="1800" b="0" dirty="0" err="1">
+                <a:solidFill>
+                  <a:srgbClr val="000000"/>
+                </a:solidFill>
+                <a:effectLst/>
+                <a:latin typeface="Consolas" panose="020B0609020204030204" pitchFamily="49" charset="0"/>
+              </a:rPr>
+              <a:t>axios.get</a:t>
+            </a:r>
+            <a:r>
+              <a:rPr lang="en-US" sz="1800" b="0" dirty="0">
+                <a:solidFill>
+                  <a:srgbClr val="000000"/>
+                </a:solidFill>
+                <a:effectLst/>
+                <a:latin typeface="Consolas" panose="020B0609020204030204" pitchFamily="49" charset="0"/>
+              </a:rPr>
+              <a:t>(</a:t>
+            </a:r>
+            <a:r>
+              <a:rPr lang="en-US" sz="1800" b="0" dirty="0">
+                <a:solidFill>
+                  <a:srgbClr val="A31515"/>
+                </a:solidFill>
+                <a:effectLst/>
+                <a:latin typeface="Consolas" panose="020B0609020204030204" pitchFamily="49" charset="0"/>
+              </a:rPr>
+              <a:t>'https://rest-</a:t>
+            </a:r>
+            <a:r>
+              <a:rPr lang="en-US" sz="1800" b="0" dirty="0" err="1">
+                <a:solidFill>
+                  <a:srgbClr val="A31515"/>
+                </a:solidFill>
+                <a:effectLst/>
+                <a:latin typeface="Consolas" panose="020B0609020204030204" pitchFamily="49" charset="0"/>
+              </a:rPr>
+              <a:t>example.covey.town</a:t>
+            </a:r>
+            <a:r>
+              <a:rPr lang="en-US" sz="1800" b="0" dirty="0">
+                <a:solidFill>
+                  <a:srgbClr val="A31515"/>
+                </a:solidFill>
+                <a:effectLst/>
+                <a:latin typeface="Consolas" panose="020B0609020204030204" pitchFamily="49" charset="0"/>
+              </a:rPr>
+              <a:t>'</a:t>
+            </a:r>
+            <a:r>
+              <a:rPr lang="en-US" sz="1800" b="0" dirty="0">
+                <a:solidFill>
+                  <a:srgbClr val="000000"/>
+                </a:solidFill>
+                <a:effectLst/>
+                <a:latin typeface="Consolas" panose="020B0609020204030204" pitchFamily="49" charset="0"/>
+              </a:rPr>
+              <a:t>);</a:t>
+            </a:r>
+          </a:p>
+          <a:p>
+            <a:pPr algn="l"/>
+            <a:r>
+              <a:rPr lang="en-US" sz="1800" b="0" dirty="0">
+                <a:solidFill>
+                  <a:srgbClr val="000000"/>
+                </a:solidFill>
+                <a:effectLst/>
+                <a:latin typeface="Consolas" panose="020B0609020204030204" pitchFamily="49" charset="0"/>
+              </a:rPr>
+              <a:t>    console.log(</a:t>
+            </a:r>
+            <a:r>
+              <a:rPr lang="en-US" sz="1800" b="0" dirty="0">
+                <a:solidFill>
+                  <a:srgbClr val="A31515"/>
+                </a:solidFill>
+                <a:effectLst/>
+                <a:latin typeface="Consolas" panose="020B0609020204030204" pitchFamily="49" charset="0"/>
+              </a:rPr>
+              <a:t>`request:</a:t>
+            </a:r>
+            <a:r>
+              <a:rPr lang="en-US" sz="1800" b="0" dirty="0">
+                <a:solidFill>
+                  <a:srgbClr val="0000FF"/>
+                </a:solidFill>
+                <a:effectLst/>
+                <a:latin typeface="Consolas" panose="020B0609020204030204" pitchFamily="49" charset="0"/>
+              </a:rPr>
+              <a:t>${</a:t>
+            </a:r>
+            <a:r>
+              <a:rPr lang="en-US" sz="1800" b="0" dirty="0" err="1">
+                <a:solidFill>
+                  <a:srgbClr val="000000"/>
+                </a:solidFill>
+                <a:effectLst/>
+                <a:latin typeface="Consolas" panose="020B0609020204030204" pitchFamily="49" charset="0"/>
+              </a:rPr>
+              <a:t>requestNumber</a:t>
+            </a:r>
+            <a:r>
+              <a:rPr lang="en-US" sz="1800" b="0" dirty="0">
+                <a:solidFill>
+                  <a:srgbClr val="0000FF"/>
+                </a:solidFill>
+                <a:effectLst/>
+                <a:latin typeface="Consolas" panose="020B0609020204030204" pitchFamily="49" charset="0"/>
+              </a:rPr>
+              <a:t>}</a:t>
+            </a:r>
+            <a:r>
+              <a:rPr lang="en-US" sz="1800" b="0" dirty="0">
+                <a:solidFill>
+                  <a:srgbClr val="A31515"/>
+                </a:solidFill>
+                <a:effectLst/>
+                <a:latin typeface="Consolas" panose="020B0609020204030204" pitchFamily="49" charset="0"/>
+              </a:rPr>
+              <a:t> returned`</a:t>
+            </a:r>
+            <a:r>
+              <a:rPr lang="en-US" sz="1800" b="0" dirty="0">
+                <a:solidFill>
+                  <a:srgbClr val="000000"/>
+                </a:solidFill>
+                <a:effectLst/>
+                <a:latin typeface="Consolas" panose="020B0609020204030204" pitchFamily="49" charset="0"/>
+              </a:rPr>
+              <a:t>);</a:t>
+            </a:r>
+          </a:p>
+          <a:p>
+            <a:pPr algn="l"/>
+            <a:r>
+              <a:rPr lang="en-US" sz="1800" b="0" dirty="0">
+                <a:solidFill>
+                  <a:srgbClr val="000000"/>
+                </a:solidFill>
+                <a:effectLst/>
+                <a:latin typeface="Consolas" panose="020B0609020204030204" pitchFamily="49" charset="0"/>
+              </a:rPr>
+              <a:t>}</a:t>
+            </a:r>
+          </a:p>
+          <a:p>
+            <a:pPr algn="l"/>
+            <a:br>
+              <a:rPr lang="en-US" sz="1800" b="0" dirty="0">
+                <a:solidFill>
+                  <a:srgbClr val="000000"/>
+                </a:solidFill>
+                <a:effectLst/>
+                <a:latin typeface="Consolas" panose="020B0609020204030204" pitchFamily="49" charset="0"/>
+              </a:rPr>
+            </a:br>
+            <a:br>
+              <a:rPr lang="en-US" sz="1800" b="0" dirty="0">
+                <a:solidFill>
+                  <a:srgbClr val="000000"/>
+                </a:solidFill>
+                <a:effectLst/>
+                <a:latin typeface="Consolas" panose="020B0609020204030204" pitchFamily="49" charset="0"/>
+              </a:rPr>
+            </a:br>
+            <a:r>
+              <a:rPr lang="en-US" sz="1800" b="0" dirty="0">
+                <a:solidFill>
+                  <a:srgbClr val="000000"/>
+                </a:solidFill>
+                <a:effectLst/>
+                <a:latin typeface="Consolas" panose="020B0609020204030204" pitchFamily="49" charset="0"/>
+              </a:rPr>
+              <a:t>  </a:t>
+            </a:r>
+            <a:r>
+              <a:rPr lang="en-US" sz="1800" b="0" dirty="0">
+                <a:solidFill>
+                  <a:srgbClr val="0000FF"/>
+                </a:solidFill>
+                <a:effectLst/>
+                <a:latin typeface="Consolas" panose="020B0609020204030204" pitchFamily="49" charset="0"/>
+              </a:rPr>
+              <a:t>function</a:t>
+            </a:r>
+            <a:r>
+              <a:rPr lang="en-US" sz="1800" b="0" dirty="0">
+                <a:solidFill>
+                  <a:srgbClr val="000000"/>
+                </a:solidFill>
+                <a:effectLst/>
+                <a:latin typeface="Consolas" panose="020B0609020204030204" pitchFamily="49" charset="0"/>
+              </a:rPr>
+              <a:t> make3ConcurrentRequests() {</a:t>
+            </a:r>
+          </a:p>
+          <a:p>
+            <a:pPr algn="l"/>
+            <a:r>
+              <a:rPr lang="en-US" sz="1800" b="0" dirty="0">
+                <a:solidFill>
+                  <a:srgbClr val="000000"/>
+                </a:solidFill>
+                <a:effectLst/>
+                <a:latin typeface="Consolas" panose="020B0609020204030204" pitchFamily="49" charset="0"/>
+              </a:rPr>
+              <a:t>    console.log(</a:t>
+            </a:r>
+            <a:r>
+              <a:rPr lang="en-US" sz="1800" b="0" dirty="0">
+                <a:solidFill>
+                  <a:srgbClr val="A31515"/>
+                </a:solidFill>
+                <a:effectLst/>
+                <a:latin typeface="Consolas" panose="020B0609020204030204" pitchFamily="49" charset="0"/>
+              </a:rPr>
+              <a:t>'starting make3ConcurrentRequests'</a:t>
+            </a:r>
+            <a:r>
+              <a:rPr lang="en-US" sz="1800" b="0" dirty="0">
+                <a:solidFill>
+                  <a:srgbClr val="000000"/>
+                </a:solidFill>
+                <a:effectLst/>
+                <a:latin typeface="Consolas" panose="020B0609020204030204" pitchFamily="49" charset="0"/>
+              </a:rPr>
+              <a:t>);</a:t>
+            </a:r>
+          </a:p>
+          <a:p>
+            <a:pPr algn="l"/>
+            <a:r>
+              <a:rPr lang="en-US" sz="1800" b="0" dirty="0">
+                <a:solidFill>
+                  <a:srgbClr val="000000"/>
+                </a:solidFill>
+                <a:effectLst/>
+                <a:latin typeface="Consolas" panose="020B0609020204030204" pitchFamily="49" charset="0"/>
+              </a:rPr>
+              <a:t>    </a:t>
+            </a:r>
+            <a:r>
+              <a:rPr lang="en-US" sz="1800" b="0" dirty="0" err="1">
+                <a:solidFill>
+                  <a:srgbClr val="000000"/>
+                </a:solidFill>
+                <a:effectLst/>
+                <a:latin typeface="Consolas" panose="020B0609020204030204" pitchFamily="49" charset="0"/>
+              </a:rPr>
+              <a:t>makeRequest</a:t>
+            </a:r>
+            <a:r>
+              <a:rPr lang="en-US" sz="1800" b="0" dirty="0">
+                <a:solidFill>
+                  <a:srgbClr val="000000"/>
+                </a:solidFill>
+                <a:effectLst/>
+                <a:latin typeface="Consolas" panose="020B0609020204030204" pitchFamily="49" charset="0"/>
+              </a:rPr>
+              <a:t>(</a:t>
+            </a:r>
+            <a:r>
+              <a:rPr lang="en-US" sz="1800" b="0" dirty="0">
+                <a:solidFill>
+                  <a:srgbClr val="098658"/>
+                </a:solidFill>
+                <a:effectLst/>
+                <a:latin typeface="Consolas" panose="020B0609020204030204" pitchFamily="49" charset="0"/>
+              </a:rPr>
+              <a:t>100</a:t>
+            </a:r>
+            <a:r>
+              <a:rPr lang="en-US" sz="1800" b="0" dirty="0">
+                <a:solidFill>
+                  <a:srgbClr val="000000"/>
+                </a:solidFill>
+                <a:effectLst/>
+                <a:latin typeface="Consolas" panose="020B0609020204030204" pitchFamily="49" charset="0"/>
+              </a:rPr>
+              <a:t>);</a:t>
+            </a:r>
+          </a:p>
+          <a:p>
+            <a:pPr algn="l"/>
+            <a:r>
+              <a:rPr lang="en-US" sz="1800" b="0" dirty="0">
+                <a:solidFill>
+                  <a:srgbClr val="000000"/>
+                </a:solidFill>
+                <a:effectLst/>
+                <a:latin typeface="Consolas" panose="020B0609020204030204" pitchFamily="49" charset="0"/>
+              </a:rPr>
+              <a:t>    </a:t>
+            </a:r>
+            <a:r>
+              <a:rPr lang="en-US" sz="1800" b="0" dirty="0" err="1">
+                <a:solidFill>
+                  <a:srgbClr val="000000"/>
+                </a:solidFill>
+                <a:effectLst/>
+                <a:latin typeface="Consolas" panose="020B0609020204030204" pitchFamily="49" charset="0"/>
+              </a:rPr>
+              <a:t>makeRequest</a:t>
+            </a:r>
+            <a:r>
+              <a:rPr lang="en-US" sz="1800" b="0" dirty="0">
+                <a:solidFill>
+                  <a:srgbClr val="000000"/>
+                </a:solidFill>
+                <a:effectLst/>
+                <a:latin typeface="Consolas" panose="020B0609020204030204" pitchFamily="49" charset="0"/>
+              </a:rPr>
+              <a:t>(</a:t>
+            </a:r>
+            <a:r>
+              <a:rPr lang="en-US" sz="1800" b="0" dirty="0">
+                <a:solidFill>
+                  <a:srgbClr val="098658"/>
+                </a:solidFill>
+                <a:effectLst/>
+                <a:latin typeface="Consolas" panose="020B0609020204030204" pitchFamily="49" charset="0"/>
+              </a:rPr>
+              <a:t>200</a:t>
+            </a:r>
+            <a:r>
+              <a:rPr lang="en-US" sz="1800" b="0" dirty="0">
+                <a:solidFill>
+                  <a:srgbClr val="000000"/>
+                </a:solidFill>
+                <a:effectLst/>
+                <a:latin typeface="Consolas" panose="020B0609020204030204" pitchFamily="49" charset="0"/>
+              </a:rPr>
+              <a:t>);</a:t>
+            </a:r>
+          </a:p>
+          <a:p>
+            <a:pPr algn="l"/>
+            <a:r>
+              <a:rPr lang="en-US" sz="1800" b="0" dirty="0">
+                <a:solidFill>
+                  <a:srgbClr val="000000"/>
+                </a:solidFill>
+                <a:effectLst/>
+                <a:latin typeface="Consolas" panose="020B0609020204030204" pitchFamily="49" charset="0"/>
+              </a:rPr>
+              <a:t>    </a:t>
+            </a:r>
+            <a:r>
+              <a:rPr lang="en-US" sz="1800" b="0" dirty="0" err="1">
+                <a:solidFill>
+                  <a:srgbClr val="000000"/>
+                </a:solidFill>
+                <a:effectLst/>
+                <a:latin typeface="Consolas" panose="020B0609020204030204" pitchFamily="49" charset="0"/>
+              </a:rPr>
+              <a:t>makeRequest</a:t>
+            </a:r>
+            <a:r>
+              <a:rPr lang="en-US" sz="1800" b="0" dirty="0">
+                <a:solidFill>
+                  <a:srgbClr val="000000"/>
+                </a:solidFill>
+                <a:effectLst/>
+                <a:latin typeface="Consolas" panose="020B0609020204030204" pitchFamily="49" charset="0"/>
+              </a:rPr>
+              <a:t>(</a:t>
+            </a:r>
+            <a:r>
+              <a:rPr lang="en-US" sz="1800" b="0" dirty="0">
+                <a:solidFill>
+                  <a:srgbClr val="098658"/>
+                </a:solidFill>
+                <a:effectLst/>
+                <a:latin typeface="Consolas" panose="020B0609020204030204" pitchFamily="49" charset="0"/>
+              </a:rPr>
+              <a:t>300</a:t>
+            </a:r>
+            <a:r>
+              <a:rPr lang="en-US" sz="1800" b="0" dirty="0">
+                <a:solidFill>
+                  <a:srgbClr val="000000"/>
+                </a:solidFill>
+                <a:effectLst/>
+                <a:latin typeface="Consolas" panose="020B0609020204030204" pitchFamily="49" charset="0"/>
+              </a:rPr>
+              <a:t>);</a:t>
+            </a:r>
+          </a:p>
+          <a:p>
+            <a:pPr algn="l"/>
+            <a:r>
+              <a:rPr lang="en-US" sz="1800" b="0" dirty="0">
+                <a:solidFill>
+                  <a:srgbClr val="000000"/>
+                </a:solidFill>
+                <a:effectLst/>
+                <a:latin typeface="Consolas" panose="020B0609020204030204" pitchFamily="49" charset="0"/>
+              </a:rPr>
+              <a:t>    console.log(</a:t>
+            </a:r>
+            <a:r>
+              <a:rPr lang="en-US" sz="1800" b="0" dirty="0">
+                <a:solidFill>
+                  <a:srgbClr val="A31515"/>
+                </a:solidFill>
+                <a:effectLst/>
+                <a:latin typeface="Consolas" panose="020B0609020204030204" pitchFamily="49" charset="0"/>
+              </a:rPr>
+              <a:t>'make3ConcurrentRequests finished'</a:t>
+            </a:r>
+            <a:r>
+              <a:rPr lang="en-US" sz="1800" b="0" dirty="0">
+                <a:solidFill>
+                  <a:srgbClr val="000000"/>
+                </a:solidFill>
+                <a:effectLst/>
+                <a:latin typeface="Consolas" panose="020B0609020204030204" pitchFamily="49" charset="0"/>
+              </a:rPr>
+              <a:t>);</a:t>
+            </a:r>
+          </a:p>
+          <a:p>
+            <a:pPr algn="l"/>
+            <a:r>
+              <a:rPr lang="en-US" sz="1800" b="0" dirty="0">
+                <a:solidFill>
+                  <a:srgbClr val="000000"/>
+                </a:solidFill>
+                <a:effectLst/>
+                <a:latin typeface="Consolas" panose="020B0609020204030204" pitchFamily="49" charset="0"/>
+              </a:rPr>
+              <a:t>  }</a:t>
+            </a:r>
+          </a:p>
+          <a:p>
+            <a:pPr algn="l"/>
+            <a:br>
+              <a:rPr lang="en-US" sz="1800" b="0" dirty="0">
+                <a:solidFill>
+                  <a:srgbClr val="000000"/>
+                </a:solidFill>
+                <a:effectLst/>
+                <a:latin typeface="Consolas" panose="020B0609020204030204" pitchFamily="49" charset="0"/>
+              </a:rPr>
+            </a:br>
+            <a:r>
+              <a:rPr lang="en-US" sz="1800" b="0" dirty="0">
+                <a:solidFill>
+                  <a:srgbClr val="000000"/>
+                </a:solidFill>
+                <a:effectLst/>
+                <a:latin typeface="Consolas" panose="020B0609020204030204" pitchFamily="49" charset="0"/>
+              </a:rPr>
+              <a:t>make3ConcurrentRequests()</a:t>
+            </a:r>
+          </a:p>
+          <a:p>
+            <a:pPr algn="l"/>
+            <a:br>
+              <a:rPr lang="en-US" sz="1800" b="0" dirty="0">
+                <a:solidFill>
+                  <a:srgbClr val="000000"/>
+                </a:solidFill>
+                <a:effectLst/>
+                <a:latin typeface="Consolas" panose="020B0609020204030204" pitchFamily="49" charset="0"/>
+              </a:rPr>
+            </a:br>
+            <a:endParaRPr lang="en-US" sz="1800" b="0" dirty="0">
+              <a:solidFill>
+                <a:srgbClr val="000000"/>
+              </a:solidFill>
+              <a:effectLst/>
+              <a:latin typeface="Consolas" panose="020B0609020204030204" pitchFamily="49" charset="0"/>
+            </a:endParaRPr>
+          </a:p>
+        </p:txBody>
+      </p:sp>
+      <p:sp>
+        <p:nvSpPr>
+          <p:cNvPr id="2" name="Title 1">
+            <a:extLst>
+              <a:ext uri="{FF2B5EF4-FFF2-40B4-BE49-F238E27FC236}">
+                <a16:creationId xmlns:a16="http://schemas.microsoft.com/office/drawing/2014/main" id="{53FC1936-0875-A943-271E-4C1677787FA4}"/>
+              </a:ext>
+            </a:extLst>
+          </p:cNvPr>
+          <p:cNvSpPr>
+            <a:spLocks noGrp="1"/>
+          </p:cNvSpPr>
+          <p:nvPr>
+            <p:ph type="title"/>
+          </p:nvPr>
+        </p:nvSpPr>
+        <p:spPr/>
+        <p:txBody>
+          <a:bodyPr/>
+          <a:lstStyle/>
+          <a:p>
+            <a:r>
+              <a:rPr lang="en-US" dirty="0"/>
+              <a:t>Running 3 concurrent get requests</a:t>
+            </a:r>
+          </a:p>
+        </p:txBody>
+      </p:sp>
+      <p:sp>
+        <p:nvSpPr>
+          <p:cNvPr id="3" name="Slide Number Placeholder 2">
+            <a:extLst>
+              <a:ext uri="{FF2B5EF4-FFF2-40B4-BE49-F238E27FC236}">
+                <a16:creationId xmlns:a16="http://schemas.microsoft.com/office/drawing/2014/main" id="{62643F24-77D0-CAA1-9D6C-977051B458AE}"/>
+              </a:ext>
+            </a:extLst>
+          </p:cNvPr>
+          <p:cNvSpPr>
+            <a:spLocks noGrp="1"/>
+          </p:cNvSpPr>
+          <p:nvPr>
+            <p:ph type="sldNum" sz="quarter" idx="12"/>
+          </p:nvPr>
+        </p:nvSpPr>
+        <p:spPr/>
+        <p:txBody>
+          <a:bodyPr/>
+          <a:lstStyle/>
+          <a:p>
+            <a:pPr marL="0" marR="0" lvl="0" indent="0" algn="r" defTabSz="914400" rtl="0" eaLnBrk="1" fontAlgn="auto" latinLnBrk="0" hangingPunct="1">
+              <a:lnSpc>
+                <a:spcPct val="100000"/>
+              </a:lnSpc>
+              <a:spcBef>
+                <a:spcPts val="0"/>
+              </a:spcBef>
+              <a:spcAft>
+                <a:spcPts val="0"/>
+              </a:spcAft>
+              <a:buClrTx/>
+              <a:buSzTx/>
+              <a:buFontTx/>
+              <a:buNone/>
+              <a:tabLst/>
+              <a:defRPr/>
+            </a:pPr>
+            <a:fld id="{20F37917-FD3A-4669-9018-DA04BCDD3D75}" type="slidenum">
+              <a:rPr kumimoji="0" lang="en-US" sz="1200" b="0" i="0" u="none" strike="noStrike" kern="1200" cap="none" spc="0" normalizeH="0" baseline="0" noProof="0" smtClean="0">
+                <a:ln>
+                  <a:noFill/>
+                </a:ln>
+                <a:solidFill>
+                  <a:prstClr val="black">
+                    <a:tint val="75000"/>
+                  </a:prstClr>
+                </a:solidFill>
+                <a:effectLst/>
+                <a:uLnTx/>
+                <a:uFillTx/>
+                <a:latin typeface="Calibri" panose="020F0502020204030204"/>
+                <a:ea typeface="+mn-ea"/>
+                <a:cs typeface="+mn-cs"/>
+              </a:rPr>
+              <a:pPr marL="0" marR="0" lvl="0" indent="0" algn="r" defTabSz="914400" rtl="0" eaLnBrk="1" fontAlgn="auto" latinLnBrk="0" hangingPunct="1">
+                <a:lnSpc>
+                  <a:spcPct val="100000"/>
+                </a:lnSpc>
+                <a:spcBef>
+                  <a:spcPts val="0"/>
+                </a:spcBef>
+                <a:spcAft>
+                  <a:spcPts val="0"/>
+                </a:spcAft>
+                <a:buClrTx/>
+                <a:buSzTx/>
+                <a:buFontTx/>
+                <a:buNone/>
+                <a:tabLst/>
+                <a:defRPr/>
+              </a:pPr>
+              <a:t>16</a:t>
+            </a:fld>
+            <a:endParaRPr kumimoji="0" lang="en-US" sz="1200" b="0" i="0" u="none" strike="noStrike" kern="1200" cap="none" spc="0" normalizeH="0" baseline="0" noProof="0">
+              <a:ln>
+                <a:noFill/>
+              </a:ln>
+              <a:solidFill>
+                <a:prstClr val="black">
+                  <a:tint val="75000"/>
+                </a:prstClr>
+              </a:solidFill>
+              <a:effectLst/>
+              <a:uLnTx/>
+              <a:uFillTx/>
+              <a:latin typeface="Calibri" panose="020F0502020204030204"/>
+              <a:ea typeface="+mn-ea"/>
+              <a:cs typeface="+mn-cs"/>
+            </a:endParaRPr>
+          </a:p>
+        </p:txBody>
+      </p:sp>
+      <p:sp>
+        <p:nvSpPr>
+          <p:cNvPr id="7" name="TextBox 6">
+            <a:extLst>
+              <a:ext uri="{FF2B5EF4-FFF2-40B4-BE49-F238E27FC236}">
+                <a16:creationId xmlns:a16="http://schemas.microsoft.com/office/drawing/2014/main" id="{A0C2D166-D221-5634-F340-3FF7ECCBAEE9}"/>
+              </a:ext>
+            </a:extLst>
+          </p:cNvPr>
+          <p:cNvSpPr txBox="1"/>
+          <p:nvPr/>
+        </p:nvSpPr>
+        <p:spPr>
+          <a:xfrm>
+            <a:off x="5074920" y="1624737"/>
+            <a:ext cx="7117080" cy="2862322"/>
+          </a:xfrm>
+          <a:prstGeom prst="rect">
+            <a:avLst/>
+          </a:prstGeom>
+          <a:ln/>
+        </p:spPr>
+        <p:style>
+          <a:lnRef idx="2">
+            <a:schemeClr val="dk1"/>
+          </a:lnRef>
+          <a:fillRef idx="1">
+            <a:schemeClr val="lt1"/>
+          </a:fillRef>
+          <a:effectRef idx="0">
+            <a:schemeClr val="dk1"/>
+          </a:effectRef>
+          <a:fontRef idx="minor">
+            <a:schemeClr val="dk1"/>
+          </a:fontRef>
+        </p:style>
+        <p:txBody>
+          <a:bodyPr wrap="square">
+            <a:spAutoFit/>
+          </a:bodyPr>
+          <a:lstStyle/>
+          <a:p>
+            <a:pPr algn="l"/>
+            <a:r>
+              <a:rPr lang="en-US" sz="2000" dirty="0">
+                <a:solidFill>
+                  <a:prstClr val="black"/>
+                </a:solidFill>
+                <a:latin typeface="Lucida Console" panose="020B0609040504020204" pitchFamily="49" charset="0"/>
+              </a:rPr>
+              <a:t>$ </a:t>
+            </a:r>
+            <a:r>
+              <a:rPr lang="en-US" sz="2000" dirty="0" err="1">
+                <a:solidFill>
+                  <a:prstClr val="black"/>
+                </a:solidFill>
+                <a:latin typeface="Lucida Console" panose="020B0609040504020204" pitchFamily="49" charset="0"/>
+              </a:rPr>
+              <a:t>npx</a:t>
+            </a:r>
+            <a:r>
+              <a:rPr lang="en-US" sz="2000" dirty="0">
+                <a:solidFill>
+                  <a:prstClr val="black"/>
+                </a:solidFill>
+                <a:latin typeface="Lucida Console" panose="020B0609040504020204" pitchFamily="49" charset="0"/>
+              </a:rPr>
+              <a:t> </a:t>
+            </a:r>
+            <a:r>
+              <a:rPr lang="en-US" sz="2000" dirty="0" err="1">
+                <a:solidFill>
+                  <a:prstClr val="black"/>
+                </a:solidFill>
+                <a:latin typeface="Lucida Console" panose="020B0609040504020204" pitchFamily="49" charset="0"/>
+              </a:rPr>
+              <a:t>ts</a:t>
+            </a:r>
+            <a:r>
+              <a:rPr lang="en-US" sz="2000" dirty="0">
+                <a:solidFill>
+                  <a:prstClr val="black"/>
+                </a:solidFill>
+                <a:latin typeface="Lucida Console" panose="020B0609040504020204" pitchFamily="49" charset="0"/>
+              </a:rPr>
+              <a:t>-node </a:t>
+            </a:r>
+            <a:r>
+              <a:rPr lang="en-US" sz="2000" dirty="0" err="1">
+                <a:solidFill>
+                  <a:prstClr val="black"/>
+                </a:solidFill>
+                <a:latin typeface="Lucida Console" panose="020B0609040504020204" pitchFamily="49" charset="0"/>
+              </a:rPr>
+              <a:t>makeThreeConcurrentRequests.ts</a:t>
+            </a:r>
+            <a:endParaRPr lang="en-US" sz="2000" dirty="0">
+              <a:solidFill>
+                <a:prstClr val="black"/>
+              </a:solidFill>
+              <a:latin typeface="Lucida Console" panose="020B0609040504020204" pitchFamily="49" charset="0"/>
+            </a:endParaRPr>
+          </a:p>
+          <a:p>
+            <a:pPr algn="l"/>
+            <a:r>
+              <a:rPr lang="en-US" sz="2000" dirty="0">
+                <a:solidFill>
+                  <a:prstClr val="black"/>
+                </a:solidFill>
+                <a:latin typeface="Lucida Console" panose="020B0609040504020204" pitchFamily="49" charset="0"/>
+              </a:rPr>
+              <a:t>starting make3ConcurrentRequests</a:t>
+            </a:r>
+          </a:p>
+          <a:p>
+            <a:pPr algn="l"/>
+            <a:r>
+              <a:rPr lang="en-US" sz="2000" dirty="0">
+                <a:solidFill>
+                  <a:prstClr val="black"/>
+                </a:solidFill>
+                <a:latin typeface="Lucida Console" panose="020B0609040504020204" pitchFamily="49" charset="0"/>
+              </a:rPr>
+              <a:t>starting </a:t>
+            </a:r>
+            <a:r>
+              <a:rPr lang="en-US" sz="2000" dirty="0" err="1">
+                <a:solidFill>
+                  <a:prstClr val="black"/>
+                </a:solidFill>
+                <a:latin typeface="Lucida Console" panose="020B0609040504020204" pitchFamily="49" charset="0"/>
+              </a:rPr>
+              <a:t>makeRequest</a:t>
+            </a:r>
+            <a:r>
+              <a:rPr lang="en-US" sz="2000" dirty="0">
+                <a:solidFill>
+                  <a:prstClr val="black"/>
+                </a:solidFill>
+                <a:latin typeface="Lucida Console" panose="020B0609040504020204" pitchFamily="49" charset="0"/>
+              </a:rPr>
+              <a:t>(100)</a:t>
+            </a:r>
+          </a:p>
+          <a:p>
+            <a:pPr algn="l"/>
+            <a:r>
+              <a:rPr lang="en-US" sz="2000" dirty="0">
+                <a:solidFill>
+                  <a:prstClr val="black"/>
+                </a:solidFill>
+                <a:latin typeface="Lucida Console" panose="020B0609040504020204" pitchFamily="49" charset="0"/>
+              </a:rPr>
+              <a:t>starting </a:t>
+            </a:r>
+            <a:r>
+              <a:rPr lang="en-US" sz="2000" dirty="0" err="1">
+                <a:solidFill>
+                  <a:prstClr val="black"/>
+                </a:solidFill>
+                <a:latin typeface="Lucida Console" panose="020B0609040504020204" pitchFamily="49" charset="0"/>
+              </a:rPr>
+              <a:t>makeRequest</a:t>
+            </a:r>
+            <a:r>
+              <a:rPr lang="en-US" sz="2000" dirty="0">
+                <a:solidFill>
+                  <a:prstClr val="black"/>
+                </a:solidFill>
+                <a:latin typeface="Lucida Console" panose="020B0609040504020204" pitchFamily="49" charset="0"/>
+              </a:rPr>
+              <a:t>(200)</a:t>
+            </a:r>
+          </a:p>
+          <a:p>
+            <a:pPr algn="l"/>
+            <a:r>
+              <a:rPr lang="en-US" sz="2000" dirty="0">
+                <a:solidFill>
+                  <a:prstClr val="black"/>
+                </a:solidFill>
+                <a:latin typeface="Lucida Console" panose="020B0609040504020204" pitchFamily="49" charset="0"/>
+              </a:rPr>
+              <a:t>starting </a:t>
+            </a:r>
+            <a:r>
+              <a:rPr lang="en-US" sz="2000" dirty="0" err="1">
+                <a:solidFill>
+                  <a:prstClr val="black"/>
+                </a:solidFill>
+                <a:latin typeface="Lucida Console" panose="020B0609040504020204" pitchFamily="49" charset="0"/>
+              </a:rPr>
+              <a:t>makeRequest</a:t>
+            </a:r>
+            <a:r>
+              <a:rPr lang="en-US" sz="2000" dirty="0">
+                <a:solidFill>
+                  <a:prstClr val="black"/>
+                </a:solidFill>
+                <a:latin typeface="Lucida Console" panose="020B0609040504020204" pitchFamily="49" charset="0"/>
+              </a:rPr>
+              <a:t>(300)</a:t>
+            </a:r>
+          </a:p>
+          <a:p>
+            <a:pPr algn="l"/>
+            <a:r>
+              <a:rPr lang="en-US" sz="2000" dirty="0">
+                <a:solidFill>
+                  <a:prstClr val="black"/>
+                </a:solidFill>
+                <a:latin typeface="Lucida Console" panose="020B0609040504020204" pitchFamily="49" charset="0"/>
+              </a:rPr>
+              <a:t>make3ConcurrentRequests finished</a:t>
+            </a:r>
+          </a:p>
+          <a:p>
+            <a:pPr algn="l"/>
+            <a:r>
+              <a:rPr lang="en-US" sz="2000" dirty="0">
+                <a:solidFill>
+                  <a:prstClr val="black"/>
+                </a:solidFill>
+                <a:latin typeface="Lucida Console" panose="020B0609040504020204" pitchFamily="49" charset="0"/>
+              </a:rPr>
+              <a:t>request 300 returned</a:t>
+            </a:r>
+          </a:p>
+          <a:p>
+            <a:pPr algn="l"/>
+            <a:r>
+              <a:rPr lang="en-US" sz="2000" dirty="0">
+                <a:solidFill>
+                  <a:prstClr val="black"/>
+                </a:solidFill>
+                <a:latin typeface="Lucida Console" panose="020B0609040504020204" pitchFamily="49" charset="0"/>
+              </a:rPr>
+              <a:t>request 100 returned</a:t>
+            </a:r>
+          </a:p>
+          <a:p>
+            <a:pPr algn="l"/>
+            <a:r>
+              <a:rPr lang="en-US" sz="2000" dirty="0">
+                <a:solidFill>
+                  <a:prstClr val="black"/>
+                </a:solidFill>
+                <a:latin typeface="Lucida Console" panose="020B0609040504020204" pitchFamily="49" charset="0"/>
+              </a:rPr>
+              <a:t>request 200 returned</a:t>
+            </a:r>
+            <a:endParaRPr lang="en-US" sz="2000" dirty="0"/>
+          </a:p>
+        </p:txBody>
+      </p:sp>
+      <p:sp>
+        <p:nvSpPr>
+          <p:cNvPr id="4" name="Rectangle: Rounded Corners 3">
+            <a:extLst>
+              <a:ext uri="{FF2B5EF4-FFF2-40B4-BE49-F238E27FC236}">
+                <a16:creationId xmlns:a16="http://schemas.microsoft.com/office/drawing/2014/main" id="{B76B0BB5-1494-202B-F9A2-4F1F107F0068}"/>
+              </a:ext>
+            </a:extLst>
+          </p:cNvPr>
+          <p:cNvSpPr/>
+          <p:nvPr/>
+        </p:nvSpPr>
+        <p:spPr>
+          <a:xfrm>
+            <a:off x="5411765" y="176967"/>
+            <a:ext cx="6561160" cy="601981"/>
+          </a:xfrm>
+          <a:prstGeom prst="roundRect">
+            <a:avLst/>
+          </a:prstGeom>
+          <a:solidFill>
+            <a:schemeClr val="accent6">
+              <a:lumMod val="20000"/>
+              <a:lumOff val="80000"/>
+            </a:schemeClr>
+          </a:solidFill>
+          <a:ln>
+            <a:solidFill>
+              <a:srgbClr val="0070C0"/>
+            </a:solidFill>
+          </a:ln>
+        </p:spPr>
+        <p:style>
+          <a:lnRef idx="2">
+            <a:schemeClr val="accent1">
+              <a:shade val="50000"/>
+            </a:schemeClr>
+          </a:lnRef>
+          <a:fillRef idx="1">
+            <a:schemeClr val="accent1"/>
+          </a:fillRef>
+          <a:effectRef idx="0">
+            <a:schemeClr val="accent1"/>
+          </a:effectRef>
+          <a:fontRef idx="minor">
+            <a:schemeClr val="lt1"/>
+          </a:fontRef>
+        </p:style>
+        <p:txBody>
+          <a:bodyPr rtlCol="0" anchor="ctr"/>
+          <a:lstStyle/>
+          <a:p>
+            <a:pPr algn="ctr"/>
+            <a:r>
+              <a:rPr lang="en-US" sz="2400" dirty="0" err="1">
+                <a:solidFill>
+                  <a:schemeClr val="tx1"/>
+                </a:solidFill>
+              </a:rPr>
+              <a:t>src</a:t>
+            </a:r>
+            <a:r>
+              <a:rPr lang="en-US" sz="2400" dirty="0">
+                <a:solidFill>
+                  <a:schemeClr val="tx1"/>
+                </a:solidFill>
+              </a:rPr>
+              <a:t>/Slides/</a:t>
+            </a:r>
+            <a:r>
+              <a:rPr lang="en-US" sz="2400" dirty="0" err="1">
+                <a:solidFill>
+                  <a:schemeClr val="tx1"/>
+                </a:solidFill>
+              </a:rPr>
+              <a:t>makeThreeConcurrentRequests.ts</a:t>
+            </a:r>
+            <a:endParaRPr lang="en-US" sz="2400" dirty="0">
+              <a:solidFill>
+                <a:schemeClr val="tx1"/>
+              </a:solidFill>
+            </a:endParaRPr>
+          </a:p>
+        </p:txBody>
+      </p:sp>
+    </p:spTree>
+    <p:extLst>
+      <p:ext uri="{BB962C8B-B14F-4D97-AF65-F5344CB8AC3E}">
+        <p14:creationId xmlns:p14="http://schemas.microsoft.com/office/powerpoint/2010/main" val="2188387085"/>
+      </p:ext>
+    </p:extLst>
+  </p:cSld>
+  <p:clrMapOvr>
+    <a:masterClrMapping/>
+  </p:clrMapOvr>
+  <p:timing>
+    <p:tnLst>
+      <p:par>
+        <p:cTn id="1" dur="indefinite" restart="never" nodeType="tmRoot">
+          <p:childTnLst>
+            <p:seq concurrent="1" nextAc="seek">
+              <p:cTn id="2" dur="indefinite" nodeType="mainSeq">
+                <p:childTnLst>
+                  <p:par>
+                    <p:cTn id="3" fill="hold">
+                      <p:stCondLst>
+                        <p:cond delay="indefinite"/>
+                      </p:stCondLst>
+                      <p:childTnLst>
+                        <p:par>
+                          <p:cTn id="4" fill="hold">
+                            <p:stCondLst>
+                              <p:cond delay="0"/>
+                            </p:stCondLst>
+                            <p:childTnLst>
+                              <p:par>
+                                <p:cTn id="5" presetID="1" presetClass="entr" presetSubtype="0" fill="hold" grpId="0" nodeType="clickEffect">
+                                  <p:stCondLst>
+                                    <p:cond delay="0"/>
+                                  </p:stCondLst>
+                                  <p:childTnLst>
+                                    <p:set>
+                                      <p:cBhvr>
+                                        <p:cTn id="6" dur="1" fill="hold">
+                                          <p:stCondLst>
+                                            <p:cond delay="0"/>
+                                          </p:stCondLst>
+                                        </p:cTn>
+                                        <p:tgtEl>
+                                          <p:spTgt spid="7"/>
+                                        </p:tgtEl>
+                                        <p:attrNameLst>
+                                          <p:attrName>style.visibility</p:attrName>
+                                        </p:attrNameLst>
+                                      </p:cBhvr>
+                                      <p:to>
+                                        <p:strVal val="visible"/>
+                                      </p:to>
+                                    </p:set>
+                                  </p:childTnLst>
+                                </p:cTn>
+                              </p:par>
+                            </p:childTnLst>
+                          </p:cTn>
+                        </p:par>
+                      </p:childTnLst>
+                    </p:cTn>
+                  </p:par>
+                </p:childTnLst>
+              </p:cTn>
+              <p:prevCondLst>
+                <p:cond evt="onPrev" delay="0">
+                  <p:tgtEl>
+                    <p:sldTgt/>
+                  </p:tgtEl>
+                </p:cond>
+              </p:prevCondLst>
+              <p:nextCondLst>
+                <p:cond evt="onNext" delay="0">
+                  <p:tgtEl>
+                    <p:sldTgt/>
+                  </p:tgtEl>
+                </p:cond>
+              </p:nextCondLst>
+            </p:seq>
+          </p:childTnLst>
+        </p:cTn>
+      </p:par>
+    </p:tnLst>
+    <p:bldLst>
+      <p:bldP spid="7" grpId="0" animBg="1"/>
+    </p:bldLst>
+  </p:timing>
+</p:sld>
+</file>
+
+<file path=ppt/slides/slide17.xml><?xml version="1.0" encoding="utf-8"?>
+<p:sld xmlns:a="http://schemas.openxmlformats.org/drawingml/2006/main" xmlns:r="http://schemas.openxmlformats.org/officeDocument/2006/relationships" xmlns:p="http://schemas.openxmlformats.org/presentationml/2006/main">
+  <p:cSld>
+    <p:spTree>
+      <p:nvGrpSpPr>
         <p:cNvPr id="1" name="">
           <a:extLst>
             <a:ext uri="{FF2B5EF4-FFF2-40B4-BE49-F238E27FC236}">
@@ -16650,7 +18279,7 @@
                 <a:tabLst/>
                 <a:defRPr/>
               </a:pPr>
-              <a:t>16</a:t>
+              <a:t>17</a:t>
             </a:fld>
             <a:endParaRPr kumimoji="0" lang="en-US" sz="1200" b="0" i="0" u="none" strike="noStrike" kern="1200" cap="none" spc="0" normalizeH="0" baseline="0" noProof="0">
               <a:ln>
@@ -18010,7 +19639,7 @@
 </p:sld>
 </file>
 
-<file path=ppt/slides/slide17.xml><?xml version="1.0" encoding="utf-8"?>
+<file path=ppt/slides/slide18.xml><?xml version="1.0" encoding="utf-8"?>
 <p:sld xmlns:a="http://schemas.openxmlformats.org/drawingml/2006/main" xmlns:r="http://schemas.openxmlformats.org/officeDocument/2006/relationships" xmlns:p="http://schemas.openxmlformats.org/presentationml/2006/main">
   <p:cSld>
     <p:spTree>
@@ -18127,7 +19756,7 @@
                 <a:tabLst/>
                 <a:defRPr/>
               </a:pPr>
-              <a:t>17</a:t>
+              <a:t>18</a:t>
             </a:fld>
             <a:endParaRPr kumimoji="0" lang="en-US" sz="1200" b="0" i="0" u="none" strike="noStrike" kern="1200" cap="none" spc="0" normalizeH="0" baseline="0" noProof="0">
               <a:ln>
@@ -18303,7 +19932,7 @@
 </p:sld>
 </file>
 
-<file path=ppt/slides/slide18.xml><?xml version="1.0" encoding="utf-8"?>
+<file path=ppt/slides/slide19.xml><?xml version="1.0" encoding="utf-8"?>
 <p:sld xmlns:a="http://schemas.openxmlformats.org/drawingml/2006/main" xmlns:r="http://schemas.openxmlformats.org/officeDocument/2006/relationships" xmlns:p="http://schemas.openxmlformats.org/presentationml/2006/main">
   <p:cSld>
     <p:spTree>
@@ -18432,7 +20061,7 @@
                 <a:tabLst/>
                 <a:defRPr/>
               </a:pPr>
-              <a:t>18</a:t>
+              <a:t>19</a:t>
             </a:fld>
             <a:endParaRPr kumimoji="0" lang="en-US" sz="1200" b="0" i="0" u="none" strike="noStrike" kern="1200" cap="none" spc="0" normalizeH="0" baseline="0" noProof="0">
               <a:ln>
@@ -18467,10 +20096,10 @@
         </p:nvGrpSpPr>
         <p:grpSpPr>
           <a:xfrm>
-            <a:off x="204422" y="4995633"/>
-            <a:ext cx="7468846" cy="1418932"/>
+            <a:off x="517429" y="4904201"/>
+            <a:ext cx="5080647" cy="1388452"/>
             <a:chOff x="728956" y="4248728"/>
-            <a:chExt cx="7468846" cy="1418932"/>
+            <a:chExt cx="5080647" cy="1388452"/>
           </a:xfrm>
         </p:grpSpPr>
         <p:grpSp>
@@ -18487,10 +20116,10 @@
           </p:nvGrpSpPr>
           <p:grpSpPr>
             <a:xfrm>
-              <a:off x="3197836" y="5199032"/>
-              <a:ext cx="4999966" cy="468628"/>
-              <a:chOff x="1485900" y="2377440"/>
-              <a:chExt cx="4999966" cy="468628"/>
+              <a:off x="1063637" y="5148440"/>
+              <a:ext cx="4745966" cy="488740"/>
+              <a:chOff x="-648299" y="2326848"/>
+              <a:chExt cx="4745966" cy="488740"/>
             </a:xfrm>
           </p:grpSpPr>
           <p:sp>
@@ -18507,7 +20136,7 @@
             </p:nvSpPr>
             <p:spPr>
               <a:xfrm>
-                <a:off x="1485900" y="2377440"/>
+                <a:off x="-648299" y="2326848"/>
                 <a:ext cx="1234440" cy="468628"/>
               </a:xfrm>
               <a:prstGeom prst="rect">
@@ -18558,7 +20187,7 @@
             </p:nvSpPr>
             <p:spPr>
               <a:xfrm>
-                <a:off x="5251426" y="2377440"/>
+                <a:off x="2863227" y="2346960"/>
                 <a:ext cx="1234440" cy="468628"/>
               </a:xfrm>
               <a:prstGeom prst="rect">
@@ -18609,8 +20238,8 @@
             </p:nvSpPr>
             <p:spPr>
               <a:xfrm>
-                <a:off x="2720340" y="2377440"/>
-                <a:ext cx="2531086" cy="468628"/>
+                <a:off x="586141" y="2333371"/>
+                <a:ext cx="2255186" cy="468628"/>
               </a:xfrm>
               <a:prstGeom prst="rect">
                 <a:avLst/>
@@ -18670,10 +20299,10 @@
           </p:nvGrpSpPr>
           <p:grpSpPr>
             <a:xfrm>
-              <a:off x="1963396" y="4704310"/>
-              <a:ext cx="4999966" cy="494722"/>
-              <a:chOff x="1658596" y="4399510"/>
-              <a:chExt cx="4999966" cy="494722"/>
+              <a:off x="880134" y="4710833"/>
+              <a:ext cx="4822166" cy="494722"/>
+              <a:chOff x="575334" y="4406033"/>
+              <a:chExt cx="4822166" cy="494722"/>
             </a:xfrm>
           </p:grpSpPr>
           <p:sp>
@@ -18690,8 +20319,8 @@
             </p:nvSpPr>
             <p:spPr>
               <a:xfrm>
-                <a:off x="1658596" y="4425604"/>
-                <a:ext cx="1234440" cy="468628"/>
+                <a:off x="575334" y="4425604"/>
+                <a:ext cx="1320800" cy="442534"/>
               </a:xfrm>
               <a:prstGeom prst="rect">
                 <a:avLst/>
@@ -18741,7 +20370,7 @@
             </p:nvSpPr>
             <p:spPr>
               <a:xfrm>
-                <a:off x="5424122" y="4399510"/>
+                <a:off x="4163060" y="4432127"/>
                 <a:ext cx="1234440" cy="468628"/>
               </a:xfrm>
               <a:prstGeom prst="rect">
@@ -18792,8 +20421,8 @@
             </p:nvSpPr>
             <p:spPr>
               <a:xfrm>
-                <a:off x="2893036" y="4425604"/>
-                <a:ext cx="2531086" cy="468628"/>
+                <a:off x="1896134" y="4406033"/>
+                <a:ext cx="2251662" cy="468628"/>
               </a:xfrm>
               <a:prstGeom prst="rect">
                 <a:avLst/>
@@ -18854,9 +20483,9 @@
           <p:grpSpPr>
             <a:xfrm>
               <a:off x="728956" y="4248728"/>
-              <a:ext cx="5044440" cy="481674"/>
+              <a:ext cx="4831080" cy="481674"/>
               <a:chOff x="1485900" y="2364394"/>
-              <a:chExt cx="5044440" cy="481674"/>
+              <a:chExt cx="4831080" cy="481674"/>
             </a:xfrm>
           </p:grpSpPr>
           <p:sp>
@@ -18924,7 +20553,7 @@
             </p:nvSpPr>
             <p:spPr>
               <a:xfrm>
-                <a:off x="5295900" y="2364394"/>
+                <a:off x="5082540" y="2364394"/>
                 <a:ext cx="1234440" cy="468628"/>
               </a:xfrm>
               <a:prstGeom prst="rect">
@@ -18976,7 +20605,7 @@
             <p:spPr>
               <a:xfrm>
                 <a:off x="2720340" y="2377440"/>
-                <a:ext cx="2575560" cy="468628"/>
+                <a:ext cx="2338022" cy="468628"/>
               </a:xfrm>
               <a:prstGeom prst="rect">
                 <a:avLst/>
@@ -20008,6 +21637,640 @@
           </a:p>
         </p:txBody>
       </p:sp>
+      <p:grpSp>
+        <p:nvGrpSpPr>
+          <p:cNvPr id="4" name="Group 3">
+            <a:extLst>
+              <a:ext uri="{FF2B5EF4-FFF2-40B4-BE49-F238E27FC236}">
+                <a16:creationId xmlns:a16="http://schemas.microsoft.com/office/drawing/2014/main" id="{9CF502FF-9449-C12E-99D4-A08648992BE5}"/>
+              </a:ext>
+            </a:extLst>
+          </p:cNvPr>
+          <p:cNvGrpSpPr/>
+          <p:nvPr/>
+        </p:nvGrpSpPr>
+        <p:grpSpPr>
+          <a:xfrm>
+            <a:off x="6451412" y="5079415"/>
+            <a:ext cx="4648390" cy="1364703"/>
+            <a:chOff x="753132" y="4258888"/>
+            <a:chExt cx="4648390" cy="1364703"/>
+          </a:xfrm>
+        </p:grpSpPr>
+        <p:grpSp>
+          <p:nvGrpSpPr>
+            <p:cNvPr id="5" name="Group 4">
+              <a:extLst>
+                <a:ext uri="{FF2B5EF4-FFF2-40B4-BE49-F238E27FC236}">
+                  <a16:creationId xmlns:a16="http://schemas.microsoft.com/office/drawing/2014/main" id="{45A6BC30-CAE2-DBE6-18DC-D80393610BC5}"/>
+                </a:ext>
+              </a:extLst>
+            </p:cNvPr>
+            <p:cNvGrpSpPr/>
+            <p:nvPr/>
+          </p:nvGrpSpPr>
+          <p:grpSpPr>
+            <a:xfrm>
+              <a:off x="753133" y="5148439"/>
+              <a:ext cx="4527917" cy="475152"/>
+              <a:chOff x="-958803" y="2326847"/>
+              <a:chExt cx="4527917" cy="475152"/>
+            </a:xfrm>
+          </p:grpSpPr>
+          <p:sp>
+            <p:nvSpPr>
+              <p:cNvPr id="14" name="Rectangle 13">
+                <a:extLst>
+                  <a:ext uri="{FF2B5EF4-FFF2-40B4-BE49-F238E27FC236}">
+                    <a16:creationId xmlns:a16="http://schemas.microsoft.com/office/drawing/2014/main" id="{77643C05-1C0D-55B0-435D-93610662EB5E}"/>
+                  </a:ext>
+                </a:extLst>
+              </p:cNvPr>
+              <p:cNvSpPr/>
+              <p:nvPr/>
+            </p:nvSpPr>
+            <p:spPr>
+              <a:xfrm>
+                <a:off x="-958803" y="2326847"/>
+                <a:ext cx="1266705" cy="475151"/>
+              </a:xfrm>
+              <a:prstGeom prst="rect">
+                <a:avLst/>
+              </a:prstGeom>
+              <a:ln/>
+            </p:spPr>
+            <p:style>
+              <a:lnRef idx="1">
+                <a:schemeClr val="accent6"/>
+              </a:lnRef>
+              <a:fillRef idx="2">
+                <a:schemeClr val="accent6"/>
+              </a:fillRef>
+              <a:effectRef idx="1">
+                <a:schemeClr val="accent6"/>
+              </a:effectRef>
+              <a:fontRef idx="minor">
+                <a:schemeClr val="dk1"/>
+              </a:fontRef>
+            </p:style>
+            <p:txBody>
+              <a:bodyPr rtlCol="0" anchor="ctr"/>
+              <a:lstStyle/>
+              <a:p>
+                <a:r>
+                  <a:rPr lang="en-US" sz="2000" dirty="0">
+                    <a:solidFill>
+                      <a:schemeClr val="tx1"/>
+                    </a:solidFill>
+                  </a:rPr>
+                  <a:t>send</a:t>
+                </a:r>
+              </a:p>
+            </p:txBody>
+          </p:sp>
+          <p:sp>
+            <p:nvSpPr>
+              <p:cNvPr id="15" name="Rectangle 14">
+                <a:extLst>
+                  <a:ext uri="{FF2B5EF4-FFF2-40B4-BE49-F238E27FC236}">
+                    <a16:creationId xmlns:a16="http://schemas.microsoft.com/office/drawing/2014/main" id="{45878723-B0A2-121E-3870-9B3A52567D5D}"/>
+                  </a:ext>
+                </a:extLst>
+              </p:cNvPr>
+              <p:cNvSpPr/>
+              <p:nvPr/>
+            </p:nvSpPr>
+            <p:spPr>
+              <a:xfrm>
+                <a:off x="2513432" y="2374551"/>
+                <a:ext cx="1055682" cy="420923"/>
+              </a:xfrm>
+              <a:prstGeom prst="rect">
+                <a:avLst/>
+              </a:prstGeom>
+              <a:ln/>
+            </p:spPr>
+            <p:style>
+              <a:lnRef idx="1">
+                <a:schemeClr val="accent6"/>
+              </a:lnRef>
+              <a:fillRef idx="2">
+                <a:schemeClr val="accent6"/>
+              </a:fillRef>
+              <a:effectRef idx="1">
+                <a:schemeClr val="accent6"/>
+              </a:effectRef>
+              <a:fontRef idx="minor">
+                <a:schemeClr val="dk1"/>
+              </a:fontRef>
+            </p:style>
+            <p:txBody>
+              <a:bodyPr rtlCol="0" anchor="ctr"/>
+              <a:lstStyle/>
+              <a:p>
+                <a:r>
+                  <a:rPr lang="en-US" sz="2000" dirty="0">
+                    <a:solidFill>
+                      <a:schemeClr val="tx1"/>
+                    </a:solidFill>
+                  </a:rPr>
+                  <a:t>receive</a:t>
+                </a:r>
+              </a:p>
+            </p:txBody>
+          </p:sp>
+          <p:sp>
+            <p:nvSpPr>
+              <p:cNvPr id="16" name="Rectangle 15">
+                <a:extLst>
+                  <a:ext uri="{FF2B5EF4-FFF2-40B4-BE49-F238E27FC236}">
+                    <a16:creationId xmlns:a16="http://schemas.microsoft.com/office/drawing/2014/main" id="{3A6A3E75-473F-128E-3407-0D00A7F8A088}"/>
+                  </a:ext>
+                </a:extLst>
+              </p:cNvPr>
+              <p:cNvSpPr/>
+              <p:nvPr/>
+            </p:nvSpPr>
+            <p:spPr>
+              <a:xfrm>
+                <a:off x="272125" y="2383963"/>
+                <a:ext cx="2241308" cy="418036"/>
+              </a:xfrm>
+              <a:prstGeom prst="rect">
+                <a:avLst/>
+              </a:prstGeom>
+              <a:solidFill>
+                <a:srgbClr val="FFFF00"/>
+              </a:solidFill>
+              <a:ln>
+                <a:solidFill>
+                  <a:srgbClr val="0070C0"/>
+                </a:solidFill>
+              </a:ln>
+            </p:spPr>
+            <p:style>
+              <a:lnRef idx="2">
+                <a:schemeClr val="accent1">
+                  <a:shade val="50000"/>
+                </a:schemeClr>
+              </a:lnRef>
+              <a:fillRef idx="1">
+                <a:schemeClr val="accent1"/>
+              </a:fillRef>
+              <a:effectRef idx="0">
+                <a:schemeClr val="accent1"/>
+              </a:effectRef>
+              <a:fontRef idx="minor">
+                <a:schemeClr val="lt1"/>
+              </a:fontRef>
+            </p:style>
+            <p:txBody>
+              <a:bodyPr rtlCol="0" anchor="ctr"/>
+              <a:lstStyle/>
+              <a:p>
+                <a:r>
+                  <a:rPr lang="en-US" sz="2000" dirty="0">
+                    <a:solidFill>
+                      <a:schemeClr val="tx1"/>
+                    </a:solidFill>
+                  </a:rPr>
+                  <a:t>wait</a:t>
+                </a:r>
+              </a:p>
+            </p:txBody>
+          </p:sp>
+        </p:grpSp>
+        <p:grpSp>
+          <p:nvGrpSpPr>
+            <p:cNvPr id="6" name="Group 5">
+              <a:extLst>
+                <a:ext uri="{FF2B5EF4-FFF2-40B4-BE49-F238E27FC236}">
+                  <a16:creationId xmlns:a16="http://schemas.microsoft.com/office/drawing/2014/main" id="{034280D1-6221-B6BA-7473-FFBDD58B00E6}"/>
+                </a:ext>
+              </a:extLst>
+            </p:cNvPr>
+            <p:cNvGrpSpPr/>
+            <p:nvPr/>
+          </p:nvGrpSpPr>
+          <p:grpSpPr>
+            <a:xfrm>
+              <a:off x="753133" y="4730403"/>
+              <a:ext cx="3749227" cy="475152"/>
+              <a:chOff x="448333" y="4425603"/>
+              <a:chExt cx="3749227" cy="475152"/>
+            </a:xfrm>
+          </p:grpSpPr>
+          <p:sp>
+            <p:nvSpPr>
+              <p:cNvPr id="11" name="Rectangle 10">
+                <a:extLst>
+                  <a:ext uri="{FF2B5EF4-FFF2-40B4-BE49-F238E27FC236}">
+                    <a16:creationId xmlns:a16="http://schemas.microsoft.com/office/drawing/2014/main" id="{01BE86A7-FE6A-A0AD-A1A6-DB66CD854509}"/>
+                  </a:ext>
+                </a:extLst>
+              </p:cNvPr>
+              <p:cNvSpPr/>
+              <p:nvPr/>
+            </p:nvSpPr>
+            <p:spPr>
+              <a:xfrm>
+                <a:off x="448333" y="4425603"/>
+                <a:ext cx="1230927" cy="475151"/>
+              </a:xfrm>
+              <a:prstGeom prst="rect">
+                <a:avLst/>
+              </a:prstGeom>
+              <a:ln/>
+            </p:spPr>
+            <p:style>
+              <a:lnRef idx="1">
+                <a:schemeClr val="accent6"/>
+              </a:lnRef>
+              <a:fillRef idx="2">
+                <a:schemeClr val="accent6"/>
+              </a:fillRef>
+              <a:effectRef idx="1">
+                <a:schemeClr val="accent6"/>
+              </a:effectRef>
+              <a:fontRef idx="minor">
+                <a:schemeClr val="dk1"/>
+              </a:fontRef>
+            </p:style>
+            <p:txBody>
+              <a:bodyPr rtlCol="0" anchor="ctr"/>
+              <a:lstStyle/>
+              <a:p>
+                <a:r>
+                  <a:rPr lang="en-US" sz="2000" dirty="0">
+                    <a:solidFill>
+                      <a:schemeClr val="tx1"/>
+                    </a:solidFill>
+                  </a:rPr>
+                  <a:t>send</a:t>
+                </a:r>
+              </a:p>
+            </p:txBody>
+          </p:sp>
+          <p:sp>
+            <p:nvSpPr>
+              <p:cNvPr id="12" name="Rectangle 11">
+                <a:extLst>
+                  <a:ext uri="{FF2B5EF4-FFF2-40B4-BE49-F238E27FC236}">
+                    <a16:creationId xmlns:a16="http://schemas.microsoft.com/office/drawing/2014/main" id="{8E90F00D-DE3C-8274-2A04-A4456C94AB74}"/>
+                  </a:ext>
+                </a:extLst>
+              </p:cNvPr>
+              <p:cNvSpPr/>
+              <p:nvPr/>
+            </p:nvSpPr>
+            <p:spPr>
+              <a:xfrm>
+                <a:off x="3141878" y="4432127"/>
+                <a:ext cx="1055682" cy="468628"/>
+              </a:xfrm>
+              <a:prstGeom prst="rect">
+                <a:avLst/>
+              </a:prstGeom>
+              <a:ln/>
+            </p:spPr>
+            <p:style>
+              <a:lnRef idx="1">
+                <a:schemeClr val="accent6"/>
+              </a:lnRef>
+              <a:fillRef idx="2">
+                <a:schemeClr val="accent6"/>
+              </a:fillRef>
+              <a:effectRef idx="1">
+                <a:schemeClr val="accent6"/>
+              </a:effectRef>
+              <a:fontRef idx="minor">
+                <a:schemeClr val="dk1"/>
+              </a:fontRef>
+            </p:style>
+            <p:txBody>
+              <a:bodyPr rtlCol="0" anchor="ctr"/>
+              <a:lstStyle/>
+              <a:p>
+                <a:r>
+                  <a:rPr lang="en-US" sz="2000" dirty="0">
+                    <a:solidFill>
+                      <a:schemeClr val="tx1"/>
+                    </a:solidFill>
+                  </a:rPr>
+                  <a:t>receive</a:t>
+                </a:r>
+              </a:p>
+            </p:txBody>
+          </p:sp>
+          <p:sp>
+            <p:nvSpPr>
+              <p:cNvPr id="13" name="Rectangle 12">
+                <a:extLst>
+                  <a:ext uri="{FF2B5EF4-FFF2-40B4-BE49-F238E27FC236}">
+                    <a16:creationId xmlns:a16="http://schemas.microsoft.com/office/drawing/2014/main" id="{823035FA-8EC1-BF3B-F72D-DF75E7CA6228}"/>
+                  </a:ext>
+                </a:extLst>
+              </p:cNvPr>
+              <p:cNvSpPr/>
+              <p:nvPr/>
+            </p:nvSpPr>
+            <p:spPr>
+              <a:xfrm>
+                <a:off x="1679260" y="4426353"/>
+                <a:ext cx="1451314" cy="468628"/>
+              </a:xfrm>
+              <a:prstGeom prst="rect">
+                <a:avLst/>
+              </a:prstGeom>
+              <a:solidFill>
+                <a:srgbClr val="FFFF00"/>
+              </a:solidFill>
+              <a:ln>
+                <a:solidFill>
+                  <a:srgbClr val="0070C0"/>
+                </a:solidFill>
+              </a:ln>
+            </p:spPr>
+            <p:style>
+              <a:lnRef idx="2">
+                <a:schemeClr val="accent1">
+                  <a:shade val="50000"/>
+                </a:schemeClr>
+              </a:lnRef>
+              <a:fillRef idx="1">
+                <a:schemeClr val="accent1"/>
+              </a:fillRef>
+              <a:effectRef idx="0">
+                <a:schemeClr val="accent1"/>
+              </a:effectRef>
+              <a:fontRef idx="minor">
+                <a:schemeClr val="lt1"/>
+              </a:fontRef>
+            </p:style>
+            <p:txBody>
+              <a:bodyPr rtlCol="0" anchor="ctr"/>
+              <a:lstStyle/>
+              <a:p>
+                <a:r>
+                  <a:rPr lang="en-US" sz="2000" dirty="0">
+                    <a:solidFill>
+                      <a:schemeClr val="tx1"/>
+                    </a:solidFill>
+                  </a:rPr>
+                  <a:t>wait</a:t>
+                </a:r>
+              </a:p>
+            </p:txBody>
+          </p:sp>
+        </p:grpSp>
+        <p:grpSp>
+          <p:nvGrpSpPr>
+            <p:cNvPr id="7" name="Group 6">
+              <a:extLst>
+                <a:ext uri="{FF2B5EF4-FFF2-40B4-BE49-F238E27FC236}">
+                  <a16:creationId xmlns:a16="http://schemas.microsoft.com/office/drawing/2014/main" id="{D91B0986-3B73-D027-0014-935CCA463F7D}"/>
+                </a:ext>
+              </a:extLst>
+            </p:cNvPr>
+            <p:cNvGrpSpPr/>
+            <p:nvPr/>
+          </p:nvGrpSpPr>
+          <p:grpSpPr>
+            <a:xfrm>
+              <a:off x="753132" y="4258888"/>
+              <a:ext cx="4648390" cy="471514"/>
+              <a:chOff x="1510076" y="2374554"/>
+              <a:chExt cx="4648390" cy="471514"/>
+            </a:xfrm>
+          </p:grpSpPr>
+          <p:sp>
+            <p:nvSpPr>
+              <p:cNvPr id="8" name="Rectangle 7">
+                <a:extLst>
+                  <a:ext uri="{FF2B5EF4-FFF2-40B4-BE49-F238E27FC236}">
+                    <a16:creationId xmlns:a16="http://schemas.microsoft.com/office/drawing/2014/main" id="{4132249D-836A-169B-C18E-AAD87E1FEB5F}"/>
+                  </a:ext>
+                </a:extLst>
+              </p:cNvPr>
+              <p:cNvSpPr/>
+              <p:nvPr/>
+            </p:nvSpPr>
+            <p:spPr>
+              <a:xfrm>
+                <a:off x="1510076" y="2377440"/>
+                <a:ext cx="1443244" cy="468628"/>
+              </a:xfrm>
+              <a:prstGeom prst="rect">
+                <a:avLst/>
+              </a:prstGeom>
+              <a:ln/>
+            </p:spPr>
+            <p:style>
+              <a:lnRef idx="1">
+                <a:schemeClr val="accent6"/>
+              </a:lnRef>
+              <a:fillRef idx="2">
+                <a:schemeClr val="accent6"/>
+              </a:fillRef>
+              <a:effectRef idx="1">
+                <a:schemeClr val="accent6"/>
+              </a:effectRef>
+              <a:fontRef idx="minor">
+                <a:schemeClr val="dk1"/>
+              </a:fontRef>
+            </p:style>
+            <p:txBody>
+              <a:bodyPr rtlCol="0" anchor="ctr"/>
+              <a:lstStyle/>
+              <a:p>
+                <a:r>
+                  <a:rPr lang="en-US" sz="2000" dirty="0">
+                    <a:solidFill>
+                      <a:schemeClr val="tx1"/>
+                    </a:solidFill>
+                  </a:rPr>
+                  <a:t>send</a:t>
+                </a:r>
+              </a:p>
+            </p:txBody>
+          </p:sp>
+          <p:sp>
+            <p:nvSpPr>
+              <p:cNvPr id="9" name="Rectangle 8">
+                <a:extLst>
+                  <a:ext uri="{FF2B5EF4-FFF2-40B4-BE49-F238E27FC236}">
+                    <a16:creationId xmlns:a16="http://schemas.microsoft.com/office/drawing/2014/main" id="{B13A1FA0-1AA8-8A40-C3B4-127F7ED8CC99}"/>
+                  </a:ext>
+                </a:extLst>
+              </p:cNvPr>
+              <p:cNvSpPr/>
+              <p:nvPr/>
+            </p:nvSpPr>
+            <p:spPr>
+              <a:xfrm>
+                <a:off x="4691047" y="2374554"/>
+                <a:ext cx="1467419" cy="468628"/>
+              </a:xfrm>
+              <a:prstGeom prst="rect">
+                <a:avLst/>
+              </a:prstGeom>
+              <a:ln/>
+            </p:spPr>
+            <p:style>
+              <a:lnRef idx="1">
+                <a:schemeClr val="accent6"/>
+              </a:lnRef>
+              <a:fillRef idx="2">
+                <a:schemeClr val="accent6"/>
+              </a:fillRef>
+              <a:effectRef idx="1">
+                <a:schemeClr val="accent6"/>
+              </a:effectRef>
+              <a:fontRef idx="minor">
+                <a:schemeClr val="dk1"/>
+              </a:fontRef>
+            </p:style>
+            <p:txBody>
+              <a:bodyPr rtlCol="0" anchor="ctr"/>
+              <a:lstStyle/>
+              <a:p>
+                <a:r>
+                  <a:rPr lang="en-US" sz="2000" dirty="0">
+                    <a:solidFill>
+                      <a:schemeClr val="tx1"/>
+                    </a:solidFill>
+                  </a:rPr>
+                  <a:t>receive</a:t>
+                </a:r>
+              </a:p>
+            </p:txBody>
+          </p:sp>
+          <p:sp>
+            <p:nvSpPr>
+              <p:cNvPr id="10" name="Rectangle 9">
+                <a:extLst>
+                  <a:ext uri="{FF2B5EF4-FFF2-40B4-BE49-F238E27FC236}">
+                    <a16:creationId xmlns:a16="http://schemas.microsoft.com/office/drawing/2014/main" id="{15AA8396-80B1-AAA3-A3B6-110731A02BD2}"/>
+                  </a:ext>
+                </a:extLst>
+              </p:cNvPr>
+              <p:cNvSpPr/>
+              <p:nvPr/>
+            </p:nvSpPr>
+            <p:spPr>
+              <a:xfrm>
+                <a:off x="2741003" y="2377440"/>
+                <a:ext cx="1969661" cy="468628"/>
+              </a:xfrm>
+              <a:prstGeom prst="rect">
+                <a:avLst/>
+              </a:prstGeom>
+              <a:solidFill>
+                <a:srgbClr val="FFFF00"/>
+              </a:solidFill>
+              <a:ln>
+                <a:solidFill>
+                  <a:srgbClr val="0070C0"/>
+                </a:solidFill>
+              </a:ln>
+            </p:spPr>
+            <p:style>
+              <a:lnRef idx="2">
+                <a:schemeClr val="accent1">
+                  <a:shade val="50000"/>
+                </a:schemeClr>
+              </a:lnRef>
+              <a:fillRef idx="1">
+                <a:schemeClr val="accent1"/>
+              </a:fillRef>
+              <a:effectRef idx="0">
+                <a:schemeClr val="accent1"/>
+              </a:effectRef>
+              <a:fontRef idx="minor">
+                <a:schemeClr val="lt1"/>
+              </a:fontRef>
+            </p:style>
+            <p:txBody>
+              <a:bodyPr rtlCol="0" anchor="ctr"/>
+              <a:lstStyle/>
+              <a:p>
+                <a:r>
+                  <a:rPr lang="en-US" sz="2000" dirty="0">
+                    <a:solidFill>
+                      <a:schemeClr val="tx1"/>
+                    </a:solidFill>
+                  </a:rPr>
+                  <a:t>wait</a:t>
+                </a:r>
+              </a:p>
+            </p:txBody>
+          </p:sp>
+        </p:grpSp>
+      </p:grpSp>
+      <p:sp>
+        <p:nvSpPr>
+          <p:cNvPr id="17" name="TextBox 16">
+            <a:extLst>
+              <a:ext uri="{FF2B5EF4-FFF2-40B4-BE49-F238E27FC236}">
+                <a16:creationId xmlns:a16="http://schemas.microsoft.com/office/drawing/2014/main" id="{AB2F4E94-2EAC-FCAC-5DDE-AA96AB7790FD}"/>
+              </a:ext>
+            </a:extLst>
+          </p:cNvPr>
+          <p:cNvSpPr txBox="1"/>
+          <p:nvPr/>
+        </p:nvSpPr>
+        <p:spPr>
+          <a:xfrm>
+            <a:off x="5768075" y="5143939"/>
+            <a:ext cx="423037" cy="914400"/>
+          </a:xfrm>
+          <a:prstGeom prst="rect">
+            <a:avLst/>
+          </a:prstGeom>
+          <a:noFill/>
+          <a:ln>
+            <a:noFill/>
+          </a:ln>
+        </p:spPr>
+        <p:style>
+          <a:lnRef idx="2">
+            <a:schemeClr val="accent1">
+              <a:shade val="50000"/>
+            </a:schemeClr>
+          </a:lnRef>
+          <a:fillRef idx="1">
+            <a:schemeClr val="accent1"/>
+          </a:fillRef>
+          <a:effectRef idx="0">
+            <a:schemeClr val="accent1"/>
+          </a:effectRef>
+          <a:fontRef idx="minor">
+            <a:schemeClr val="lt1"/>
+          </a:fontRef>
+        </p:style>
+        <p:txBody>
+          <a:bodyPr rot="0" spcFirstLastPara="0" vertOverflow="overflow" horzOverflow="overflow" vert="horz" wrap="none" lIns="91440" tIns="45720" rIns="91440" bIns="45720" numCol="1" spcCol="0" rtlCol="0" fromWordArt="0" anchor="ctr" anchorCtr="0" forceAA="0" compatLnSpc="1">
+            <a:prstTxWarp prst="textNoShape">
+              <a:avLst/>
+            </a:prstTxWarp>
+            <a:noAutofit/>
+          </a:bodyPr>
+          <a:lstStyle/>
+          <a:p>
+            <a:pPr algn="l"/>
+            <a:r>
+              <a:rPr lang="en-US" sz="2400" dirty="0">
+                <a:solidFill>
+                  <a:schemeClr val="tx1"/>
+                </a:solidFill>
+                <a:latin typeface="Verdana" panose="020B0604030504040204" pitchFamily="34" charset="0"/>
+                <a:ea typeface="Verdana" panose="020B0604030504040204" pitchFamily="34" charset="0"/>
+              </a:rPr>
+              <a:t>or</a:t>
+            </a:r>
+          </a:p>
+        </p:txBody>
+      </p:sp>
     </p:spTree>
     <p:extLst>
       <p:ext uri="{BB962C8B-B14F-4D97-AF65-F5344CB8AC3E}">
@@ -20018,10 +22281,268 @@
   <p:clrMapOvr>
     <a:masterClrMapping/>
   </p:clrMapOvr>
+  <p:timing>
+    <p:tnLst>
+      <p:par>
+        <p:cTn id="1" dur="indefinite" restart="never" nodeType="tmRoot">
+          <p:childTnLst>
+            <p:seq concurrent="1" nextAc="seek">
+              <p:cTn id="2" dur="indefinite" nodeType="mainSeq">
+                <p:childTnLst>
+                  <p:par>
+                    <p:cTn id="3" fill="hold">
+                      <p:stCondLst>
+                        <p:cond delay="indefinite"/>
+                      </p:stCondLst>
+                      <p:childTnLst>
+                        <p:par>
+                          <p:cTn id="4" fill="hold">
+                            <p:stCondLst>
+                              <p:cond delay="0"/>
+                            </p:stCondLst>
+                            <p:childTnLst>
+                              <p:par>
+                                <p:cTn id="5" presetID="1" presetClass="entr" presetSubtype="0" fill="hold" nodeType="clickEffect">
+                                  <p:stCondLst>
+                                    <p:cond delay="0"/>
+                                  </p:stCondLst>
+                                  <p:childTnLst>
+                                    <p:set>
+                                      <p:cBhvr>
+                                        <p:cTn id="6" dur="1" fill="hold">
+                                          <p:stCondLst>
+                                            <p:cond delay="0"/>
+                                          </p:stCondLst>
+                                        </p:cTn>
+                                        <p:tgtEl>
+                                          <p:spTgt spid="4"/>
+                                        </p:tgtEl>
+                                        <p:attrNameLst>
+                                          <p:attrName>style.visibility</p:attrName>
+                                        </p:attrNameLst>
+                                      </p:cBhvr>
+                                      <p:to>
+                                        <p:strVal val="visible"/>
+                                      </p:to>
+                                    </p:set>
+                                  </p:childTnLst>
+                                </p:cTn>
+                              </p:par>
+                              <p:par>
+                                <p:cTn id="7" presetID="1" presetClass="entr" presetSubtype="0" fill="hold" grpId="0" nodeType="withEffect">
+                                  <p:stCondLst>
+                                    <p:cond delay="0"/>
+                                  </p:stCondLst>
+                                  <p:childTnLst>
+                                    <p:set>
+                                      <p:cBhvr>
+                                        <p:cTn id="8" dur="1" fill="hold">
+                                          <p:stCondLst>
+                                            <p:cond delay="0"/>
+                                          </p:stCondLst>
+                                        </p:cTn>
+                                        <p:tgtEl>
+                                          <p:spTgt spid="17"/>
+                                        </p:tgtEl>
+                                        <p:attrNameLst>
+                                          <p:attrName>style.visibility</p:attrName>
+                                        </p:attrNameLst>
+                                      </p:cBhvr>
+                                      <p:to>
+                                        <p:strVal val="visible"/>
+                                      </p:to>
+                                    </p:set>
+                                  </p:childTnLst>
+                                </p:cTn>
+                              </p:par>
+                            </p:childTnLst>
+                          </p:cTn>
+                        </p:par>
+                      </p:childTnLst>
+                    </p:cTn>
+                  </p:par>
+                </p:childTnLst>
+              </p:cTn>
+              <p:prevCondLst>
+                <p:cond evt="onPrev" delay="0">
+                  <p:tgtEl>
+                    <p:sldTgt/>
+                  </p:tgtEl>
+                </p:cond>
+              </p:prevCondLst>
+              <p:nextCondLst>
+                <p:cond evt="onNext" delay="0">
+                  <p:tgtEl>
+                    <p:sldTgt/>
+                  </p:tgtEl>
+                </p:cond>
+              </p:nextCondLst>
+            </p:seq>
+          </p:childTnLst>
+        </p:cTn>
+      </p:par>
+    </p:tnLst>
+    <p:bldLst>
+      <p:bldP spid="17" grpId="0"/>
+    </p:bldLst>
+  </p:timing>
 </p:sld>
 </file>
 
-<file path=ppt/slides/slide19.xml><?xml version="1.0" encoding="utf-8"?>
+<file path=ppt/slides/slide2.xml><?xml version="1.0" encoding="utf-8"?>
+<p:sld xmlns:a="http://schemas.openxmlformats.org/drawingml/2006/main" xmlns:r="http://schemas.openxmlformats.org/officeDocument/2006/relationships" xmlns:p="http://schemas.openxmlformats.org/presentationml/2006/main">
+  <p:cSld>
+    <p:spTree>
+      <p:nvGrpSpPr>
+        <p:cNvPr id="1" name=""/>
+        <p:cNvGrpSpPr/>
+        <p:nvPr/>
+      </p:nvGrpSpPr>
+      <p:grpSpPr>
+        <a:xfrm>
+          <a:off x="0" y="0"/>
+          <a:ext cx="0" cy="0"/>
+          <a:chOff x="0" y="0"/>
+          <a:chExt cx="0" cy="0"/>
+        </a:xfrm>
+      </p:grpSpPr>
+      <p:sp>
+        <p:nvSpPr>
+          <p:cNvPr id="2" name="Title 1">
+            <a:extLst>
+              <a:ext uri="{FF2B5EF4-FFF2-40B4-BE49-F238E27FC236}">
+                <a16:creationId xmlns:a16="http://schemas.microsoft.com/office/drawing/2014/main" id="{E743D407-5B53-49A7-9907-E801EA7FFD8E}"/>
+              </a:ext>
+            </a:extLst>
+          </p:cNvPr>
+          <p:cNvSpPr>
+            <a:spLocks noGrp="1"/>
+          </p:cNvSpPr>
+          <p:nvPr>
+            <p:ph type="title"/>
+          </p:nvPr>
+        </p:nvSpPr>
+        <p:spPr/>
+        <p:txBody>
+          <a:bodyPr/>
+          <a:lstStyle/>
+          <a:p>
+            <a:r>
+              <a:rPr lang="en-US" dirty="0"/>
+              <a:t>Learning Goals for this Lesson</a:t>
+            </a:r>
+          </a:p>
+        </p:txBody>
+      </p:sp>
+      <p:sp>
+        <p:nvSpPr>
+          <p:cNvPr id="3" name="Content Placeholder 2">
+            <a:extLst>
+              <a:ext uri="{FF2B5EF4-FFF2-40B4-BE49-F238E27FC236}">
+                <a16:creationId xmlns:a16="http://schemas.microsoft.com/office/drawing/2014/main" id="{AC300E2B-BFD0-4090-AFC5-FE82683F997F}"/>
+              </a:ext>
+            </a:extLst>
+          </p:cNvPr>
+          <p:cNvSpPr>
+            <a:spLocks noGrp="1"/>
+          </p:cNvSpPr>
+          <p:nvPr>
+            <p:ph idx="1"/>
+          </p:nvPr>
+        </p:nvSpPr>
+        <p:spPr/>
+        <p:txBody>
+          <a:bodyPr>
+            <a:normAutofit lnSpcReduction="10000"/>
+          </a:bodyPr>
+          <a:lstStyle/>
+          <a:p>
+            <a:r>
+              <a:rPr lang="en-US" dirty="0"/>
+              <a:t>At the end of this lesson, you should be prepared to:</a:t>
+            </a:r>
+          </a:p>
+          <a:p>
+            <a:pPr lvl="1"/>
+            <a:r>
+              <a:rPr lang="en-US" dirty="0"/>
+              <a:t>Explain the difference between JS run-to-completion semantics and interrupt-based semantics.</a:t>
+            </a:r>
+          </a:p>
+          <a:p>
+            <a:pPr lvl="1"/>
+            <a:r>
+              <a:rPr lang="en-US" dirty="0"/>
+              <a:t>Given a simple program using async/await, work out the order in which the statements in the program will run.</a:t>
+            </a:r>
+          </a:p>
+          <a:p>
+            <a:pPr lvl="1"/>
+            <a:r>
+              <a:rPr lang="en-US" dirty="0"/>
+              <a:t>Write simple programs that create and manage promises using async/await</a:t>
+            </a:r>
+          </a:p>
+          <a:p>
+            <a:pPr lvl="1"/>
+            <a:r>
+              <a:rPr lang="en-US" dirty="0"/>
+              <a:t>Write simple programs to mask latency with concurrency by using non-blocking IO and </a:t>
+            </a:r>
+            <a:r>
+              <a:rPr lang="en-US" dirty="0" err="1"/>
+              <a:t>Promise.all</a:t>
+            </a:r>
+            <a:r>
+              <a:rPr lang="en-US" dirty="0"/>
+              <a:t> in TypeScript.</a:t>
+            </a:r>
+          </a:p>
+        </p:txBody>
+      </p:sp>
+      <p:sp>
+        <p:nvSpPr>
+          <p:cNvPr id="4" name="Slide Number Placeholder 3">
+            <a:extLst>
+              <a:ext uri="{FF2B5EF4-FFF2-40B4-BE49-F238E27FC236}">
+                <a16:creationId xmlns:a16="http://schemas.microsoft.com/office/drawing/2014/main" id="{B7BF3F82-6F96-41E0-9C15-23CE00076176}"/>
+              </a:ext>
+            </a:extLst>
+          </p:cNvPr>
+          <p:cNvSpPr>
+            <a:spLocks noGrp="1"/>
+          </p:cNvSpPr>
+          <p:nvPr>
+            <p:ph type="sldNum" sz="quarter" idx="12"/>
+          </p:nvPr>
+        </p:nvSpPr>
+        <p:spPr/>
+        <p:txBody>
+          <a:bodyPr/>
+          <a:lstStyle/>
+          <a:p>
+            <a:fld id="{20F37917-FD3A-4669-9018-DA04BCDD3D75}" type="slidenum">
+              <a:rPr lang="en-US" smtClean="0"/>
+              <a:t>2</a:t>
+            </a:fld>
+            <a:endParaRPr lang="en-US"/>
+          </a:p>
+        </p:txBody>
+      </p:sp>
+    </p:spTree>
+    <p:extLst>
+      <p:ext uri="{BB962C8B-B14F-4D97-AF65-F5344CB8AC3E}">
+        <p14:creationId xmlns:p14="http://schemas.microsoft.com/office/powerpoint/2010/main" val="1831664636"/>
+      </p:ext>
+    </p:extLst>
+  </p:cSld>
+  <p:clrMapOvr>
+    <a:masterClrMapping/>
+  </p:clrMapOvr>
+</p:sld>
+</file>
+
+<file path=ppt/slides/slide20.xml><?xml version="1.0" encoding="utf-8"?>
 <p:sld xmlns:a="http://schemas.openxmlformats.org/drawingml/2006/main" xmlns:r="http://schemas.openxmlformats.org/officeDocument/2006/relationships" xmlns:p="http://schemas.openxmlformats.org/presentationml/2006/main">
   <p:cSld>
     <p:spTree>
@@ -20138,7 +22659,7 @@
                 <a:tabLst/>
                 <a:defRPr/>
               </a:pPr>
-              <a:t>19</a:t>
+              <a:t>20</a:t>
             </a:fld>
             <a:endParaRPr kumimoji="0" lang="en-US" sz="1200" b="0" i="0" u="none" strike="noStrike" kern="1200" cap="none" spc="0" normalizeH="0" baseline="0" noProof="0">
               <a:ln>
@@ -21570,160 +24091,7 @@
 </p:sld>
 </file>
 
-<file path=ppt/slides/slide2.xml><?xml version="1.0" encoding="utf-8"?>
-<p:sld xmlns:a="http://schemas.openxmlformats.org/drawingml/2006/main" xmlns:r="http://schemas.openxmlformats.org/officeDocument/2006/relationships" xmlns:p="http://schemas.openxmlformats.org/presentationml/2006/main">
-  <p:cSld>
-    <p:spTree>
-      <p:nvGrpSpPr>
-        <p:cNvPr id="1" name=""/>
-        <p:cNvGrpSpPr/>
-        <p:nvPr/>
-      </p:nvGrpSpPr>
-      <p:grpSpPr>
-        <a:xfrm>
-          <a:off x="0" y="0"/>
-          <a:ext cx="0" cy="0"/>
-          <a:chOff x="0" y="0"/>
-          <a:chExt cx="0" cy="0"/>
-        </a:xfrm>
-      </p:grpSpPr>
-      <p:sp>
-        <p:nvSpPr>
-          <p:cNvPr id="2" name="Title 1">
-            <a:extLst>
-              <a:ext uri="{FF2B5EF4-FFF2-40B4-BE49-F238E27FC236}">
-                <a16:creationId xmlns:a16="http://schemas.microsoft.com/office/drawing/2014/main" id="{E743D407-5B53-49A7-9907-E801EA7FFD8E}"/>
-              </a:ext>
-            </a:extLst>
-          </p:cNvPr>
-          <p:cNvSpPr>
-            <a:spLocks noGrp="1"/>
-          </p:cNvSpPr>
-          <p:nvPr>
-            <p:ph type="title"/>
-          </p:nvPr>
-        </p:nvSpPr>
-        <p:spPr/>
-        <p:txBody>
-          <a:bodyPr/>
-          <a:lstStyle/>
-          <a:p>
-            <a:r>
-              <a:rPr lang="en-US" dirty="0"/>
-              <a:t>Learning Goals for this Lesson</a:t>
-            </a:r>
-          </a:p>
-        </p:txBody>
-      </p:sp>
-      <p:sp>
-        <p:nvSpPr>
-          <p:cNvPr id="3" name="Content Placeholder 2">
-            <a:extLst>
-              <a:ext uri="{FF2B5EF4-FFF2-40B4-BE49-F238E27FC236}">
-                <a16:creationId xmlns:a16="http://schemas.microsoft.com/office/drawing/2014/main" id="{AC300E2B-BFD0-4090-AFC5-FE82683F997F}"/>
-              </a:ext>
-            </a:extLst>
-          </p:cNvPr>
-          <p:cNvSpPr>
-            <a:spLocks noGrp="1"/>
-          </p:cNvSpPr>
-          <p:nvPr>
-            <p:ph idx="1"/>
-          </p:nvPr>
-        </p:nvSpPr>
-        <p:spPr/>
-        <p:txBody>
-          <a:bodyPr>
-            <a:normAutofit lnSpcReduction="10000"/>
-          </a:bodyPr>
-          <a:lstStyle/>
-          <a:p>
-            <a:r>
-              <a:rPr lang="en-US" dirty="0"/>
-              <a:t>At the end of this lesson, you should be prepared to:</a:t>
-            </a:r>
-          </a:p>
-          <a:p>
-            <a:pPr lvl="1"/>
-            <a:r>
-              <a:rPr lang="en-US" dirty="0"/>
-              <a:t>Explain the difference between JS run-to-completion semantics and interrupt-based semantics.</a:t>
-            </a:r>
-          </a:p>
-          <a:p>
-            <a:pPr lvl="1"/>
-            <a:r>
-              <a:rPr lang="en-US" dirty="0"/>
-              <a:t>Given a simple program using async/await, work out the order in which the statements in the program will run.</a:t>
-            </a:r>
-          </a:p>
-          <a:p>
-            <a:pPr lvl="1"/>
-            <a:r>
-              <a:rPr lang="en-US" dirty="0"/>
-              <a:t>Write simple programs that create and manage promises using async/await</a:t>
-            </a:r>
-          </a:p>
-          <a:p>
-            <a:pPr lvl="1"/>
-            <a:r>
-              <a:rPr lang="en-US" dirty="0"/>
-              <a:t>Write simple programs to mask latency with concurrency by using non-blocking IO and </a:t>
-            </a:r>
-            <a:r>
-              <a:rPr lang="en-US" dirty="0" err="1"/>
-              <a:t>Promise.all</a:t>
-            </a:r>
-            <a:r>
-              <a:rPr lang="en-US" dirty="0"/>
-              <a:t> in TypeScript.</a:t>
-            </a:r>
-          </a:p>
-        </p:txBody>
-      </p:sp>
-      <p:sp>
-        <p:nvSpPr>
-          <p:cNvPr id="4" name="Slide Number Placeholder 3">
-            <a:extLst>
-              <a:ext uri="{FF2B5EF4-FFF2-40B4-BE49-F238E27FC236}">
-                <a16:creationId xmlns:a16="http://schemas.microsoft.com/office/drawing/2014/main" id="{B7BF3F82-6F96-41E0-9C15-23CE00076176}"/>
-              </a:ext>
-            </a:extLst>
-          </p:cNvPr>
-          <p:cNvSpPr>
-            <a:spLocks noGrp="1"/>
-          </p:cNvSpPr>
-          <p:nvPr>
-            <p:ph type="sldNum" sz="quarter" idx="12"/>
-          </p:nvPr>
-        </p:nvSpPr>
-        <p:spPr/>
-        <p:txBody>
-          <a:bodyPr/>
-          <a:lstStyle/>
-          <a:p>
-            <a:fld id="{20F37917-FD3A-4669-9018-DA04BCDD3D75}" type="slidenum">
-              <a:rPr lang="en-US" smtClean="0"/>
-              <a:t>2</a:t>
-            </a:fld>
-            <a:endParaRPr lang="en-US"/>
-          </a:p>
-        </p:txBody>
-      </p:sp>
-    </p:spTree>
-    <p:extLst>
-      <p:ext uri="{BB962C8B-B14F-4D97-AF65-F5344CB8AC3E}">
-        <p14:creationId xmlns:p14="http://schemas.microsoft.com/office/powerpoint/2010/main" val="1831664636"/>
-      </p:ext>
-    </p:extLst>
-  </p:cSld>
-  <p:clrMapOvr>
-    <a:masterClrMapping/>
-  </p:clrMapOvr>
-</p:sld>
-</file>
-
-<file path=ppt/slides/slide20.xml><?xml version="1.0" encoding="utf-8"?>
+<file path=ppt/slides/slide21.xml><?xml version="1.0" encoding="utf-8"?>
 <p:sld xmlns:a="http://schemas.openxmlformats.org/drawingml/2006/main" xmlns:r="http://schemas.openxmlformats.org/officeDocument/2006/relationships" xmlns:p="http://schemas.openxmlformats.org/presentationml/2006/main">
   <p:cSld>
     <p:spTree>
@@ -21840,7 +24208,7 @@
                 <a:tabLst/>
                 <a:defRPr/>
               </a:pPr>
-              <a:t>20</a:t>
+              <a:t>21</a:t>
             </a:fld>
             <a:endParaRPr kumimoji="0" lang="en-US" sz="1200" b="0" i="0" u="none" strike="noStrike" kern="1200" cap="none" spc="0" normalizeH="0" baseline="0" noProof="0">
               <a:ln>
@@ -22494,7 +24862,7 @@
 </p:sld>
 </file>
 
-<file path=ppt/slides/slide21.xml><?xml version="1.0" encoding="utf-8"?>
+<file path=ppt/slides/slide22.xml><?xml version="1.0" encoding="utf-8"?>
 <p:sld xmlns:a="http://schemas.openxmlformats.org/drawingml/2006/main" xmlns:r="http://schemas.openxmlformats.org/officeDocument/2006/relationships" xmlns:p="http://schemas.openxmlformats.org/presentationml/2006/main">
   <p:cSld>
     <p:spTree>
@@ -22611,7 +24979,7 @@
                 <a:tabLst/>
                 <a:defRPr/>
               </a:pPr>
-              <a:t>21</a:t>
+              <a:t>22</a:t>
             </a:fld>
             <a:endParaRPr kumimoji="0" lang="en-US" sz="1200" b="0" i="0" u="none" strike="noStrike" kern="1200" cap="none" spc="0" normalizeH="0" baseline="0" noProof="0">
               <a:ln>
@@ -23558,7 +25926,7 @@
 </p:sld>
 </file>
 
-<file path=ppt/slides/slide22.xml><?xml version="1.0" encoding="utf-8"?>
+<file path=ppt/slides/slide23.xml><?xml version="1.0" encoding="utf-8"?>
 <p:sld xmlns:a="http://schemas.openxmlformats.org/drawingml/2006/main" xmlns:r="http://schemas.openxmlformats.org/officeDocument/2006/relationships" xmlns:p="http://schemas.openxmlformats.org/presentationml/2006/main">
   <p:cSld>
     <p:spTree>
@@ -23675,7 +26043,7 @@
                 <a:tabLst/>
                 <a:defRPr/>
               </a:pPr>
-              <a:t>22</a:t>
+              <a:t>23</a:t>
             </a:fld>
             <a:endParaRPr kumimoji="0" lang="en-US" sz="1200" b="0" i="0" u="none" strike="noStrike" kern="1200" cap="none" spc="0" normalizeH="0" baseline="0" noProof="0">
               <a:ln>
@@ -24408,7 +26776,7 @@
 </p:sld>
 </file>
 
-<file path=ppt/slides/slide23.xml><?xml version="1.0" encoding="utf-8"?>
+<file path=ppt/slides/slide24.xml><?xml version="1.0" encoding="utf-8"?>
 <p:sld xmlns:a="http://schemas.openxmlformats.org/drawingml/2006/main" xmlns:r="http://schemas.openxmlformats.org/officeDocument/2006/relationships" xmlns:p="http://schemas.openxmlformats.org/presentationml/2006/main">
   <p:cSld>
     <p:spTree>
@@ -24551,7 +26919,7 @@
                 <a:tabLst/>
                 <a:defRPr/>
               </a:pPr>
-              <a:t>23</a:t>
+              <a:t>24</a:t>
             </a:fld>
             <a:endParaRPr kumimoji="0" lang="en-US" sz="1200" b="0" i="0" u="none" strike="noStrike" kern="1200" cap="none" spc="0" normalizeH="0" baseline="0" noProof="0">
               <a:ln>
@@ -25657,10 +28025,325 @@
   <p:clrMapOvr>
     <a:masterClrMapping/>
   </p:clrMapOvr>
+  <p:timing>
+    <p:tnLst>
+      <p:par>
+        <p:cTn id="1" dur="indefinite" restart="never" nodeType="tmRoot">
+          <p:childTnLst>
+            <p:seq concurrent="1" nextAc="seek">
+              <p:cTn id="2" dur="indefinite" nodeType="mainSeq">
+                <p:childTnLst>
+                  <p:par>
+                    <p:cTn id="3" fill="hold">
+                      <p:stCondLst>
+                        <p:cond delay="indefinite"/>
+                      </p:stCondLst>
+                      <p:childTnLst>
+                        <p:par>
+                          <p:cTn id="4" fill="hold">
+                            <p:stCondLst>
+                              <p:cond delay="0"/>
+                            </p:stCondLst>
+                            <p:childTnLst>
+                              <p:par>
+                                <p:cTn id="5" presetID="1" presetClass="entr" presetSubtype="0" fill="hold" grpId="0" nodeType="clickEffect">
+                                  <p:stCondLst>
+                                    <p:cond delay="0"/>
+                                  </p:stCondLst>
+                                  <p:childTnLst>
+                                    <p:set>
+                                      <p:cBhvr>
+                                        <p:cTn id="6" dur="1" fill="hold">
+                                          <p:stCondLst>
+                                            <p:cond delay="0"/>
+                                          </p:stCondLst>
+                                        </p:cTn>
+                                        <p:tgtEl>
+                                          <p:spTgt spid="4">
+                                            <p:bg/>
+                                          </p:spTgt>
+                                        </p:tgtEl>
+                                        <p:attrNameLst>
+                                          <p:attrName>style.visibility</p:attrName>
+                                        </p:attrNameLst>
+                                      </p:cBhvr>
+                                      <p:to>
+                                        <p:strVal val="visible"/>
+                                      </p:to>
+                                    </p:set>
+                                  </p:childTnLst>
+                                </p:cTn>
+                              </p:par>
+                              <p:par>
+                                <p:cTn id="7" presetID="1" presetClass="entr" presetSubtype="0" fill="hold" grpId="0" nodeType="withEffect">
+                                  <p:stCondLst>
+                                    <p:cond delay="0"/>
+                                  </p:stCondLst>
+                                  <p:childTnLst>
+                                    <p:set>
+                                      <p:cBhvr>
+                                        <p:cTn id="8" dur="1" fill="hold">
+                                          <p:stCondLst>
+                                            <p:cond delay="0"/>
+                                          </p:stCondLst>
+                                        </p:cTn>
+                                        <p:tgtEl>
+                                          <p:spTgt spid="4">
+                                            <p:txEl>
+                                              <p:pRg st="0" end="0"/>
+                                            </p:txEl>
+                                          </p:spTgt>
+                                        </p:tgtEl>
+                                        <p:attrNameLst>
+                                          <p:attrName>style.visibility</p:attrName>
+                                        </p:attrNameLst>
+                                      </p:cBhvr>
+                                      <p:to>
+                                        <p:strVal val="visible"/>
+                                      </p:to>
+                                    </p:set>
+                                  </p:childTnLst>
+                                </p:cTn>
+                              </p:par>
+                              <p:par>
+                                <p:cTn id="9" presetID="1" presetClass="entr" presetSubtype="0" fill="hold" grpId="0" nodeType="withEffect">
+                                  <p:stCondLst>
+                                    <p:cond delay="0"/>
+                                  </p:stCondLst>
+                                  <p:childTnLst>
+                                    <p:set>
+                                      <p:cBhvr>
+                                        <p:cTn id="10" dur="1" fill="hold">
+                                          <p:stCondLst>
+                                            <p:cond delay="0"/>
+                                          </p:stCondLst>
+                                        </p:cTn>
+                                        <p:tgtEl>
+                                          <p:spTgt spid="4">
+                                            <p:txEl>
+                                              <p:pRg st="1" end="1"/>
+                                            </p:txEl>
+                                          </p:spTgt>
+                                        </p:tgtEl>
+                                        <p:attrNameLst>
+                                          <p:attrName>style.visibility</p:attrName>
+                                        </p:attrNameLst>
+                                      </p:cBhvr>
+                                      <p:to>
+                                        <p:strVal val="visible"/>
+                                      </p:to>
+                                    </p:set>
+                                  </p:childTnLst>
+                                </p:cTn>
+                              </p:par>
+                              <p:par>
+                                <p:cTn id="11" presetID="1" presetClass="entr" presetSubtype="0" fill="hold" grpId="0" nodeType="withEffect">
+                                  <p:stCondLst>
+                                    <p:cond delay="0"/>
+                                  </p:stCondLst>
+                                  <p:childTnLst>
+                                    <p:set>
+                                      <p:cBhvr>
+                                        <p:cTn id="12" dur="1" fill="hold">
+                                          <p:stCondLst>
+                                            <p:cond delay="0"/>
+                                          </p:stCondLst>
+                                        </p:cTn>
+                                        <p:tgtEl>
+                                          <p:spTgt spid="4">
+                                            <p:txEl>
+                                              <p:pRg st="2" end="2"/>
+                                            </p:txEl>
+                                          </p:spTgt>
+                                        </p:tgtEl>
+                                        <p:attrNameLst>
+                                          <p:attrName>style.visibility</p:attrName>
+                                        </p:attrNameLst>
+                                      </p:cBhvr>
+                                      <p:to>
+                                        <p:strVal val="visible"/>
+                                      </p:to>
+                                    </p:set>
+                                  </p:childTnLst>
+                                </p:cTn>
+                              </p:par>
+                              <p:par>
+                                <p:cTn id="13" presetID="1" presetClass="entr" presetSubtype="0" fill="hold" grpId="0" nodeType="withEffect">
+                                  <p:stCondLst>
+                                    <p:cond delay="0"/>
+                                  </p:stCondLst>
+                                  <p:childTnLst>
+                                    <p:set>
+                                      <p:cBhvr>
+                                        <p:cTn id="14" dur="1" fill="hold">
+                                          <p:stCondLst>
+                                            <p:cond delay="0"/>
+                                          </p:stCondLst>
+                                        </p:cTn>
+                                        <p:tgtEl>
+                                          <p:spTgt spid="4">
+                                            <p:txEl>
+                                              <p:pRg st="3" end="3"/>
+                                            </p:txEl>
+                                          </p:spTgt>
+                                        </p:tgtEl>
+                                        <p:attrNameLst>
+                                          <p:attrName>style.visibility</p:attrName>
+                                        </p:attrNameLst>
+                                      </p:cBhvr>
+                                      <p:to>
+                                        <p:strVal val="visible"/>
+                                      </p:to>
+                                    </p:set>
+                                  </p:childTnLst>
+                                </p:cTn>
+                              </p:par>
+                              <p:par>
+                                <p:cTn id="15" presetID="1" presetClass="entr" presetSubtype="0" fill="hold" grpId="0" nodeType="withEffect">
+                                  <p:stCondLst>
+                                    <p:cond delay="0"/>
+                                  </p:stCondLst>
+                                  <p:childTnLst>
+                                    <p:set>
+                                      <p:cBhvr>
+                                        <p:cTn id="16" dur="1" fill="hold">
+                                          <p:stCondLst>
+                                            <p:cond delay="0"/>
+                                          </p:stCondLst>
+                                        </p:cTn>
+                                        <p:tgtEl>
+                                          <p:spTgt spid="4">
+                                            <p:txEl>
+                                              <p:pRg st="4" end="4"/>
+                                            </p:txEl>
+                                          </p:spTgt>
+                                        </p:tgtEl>
+                                        <p:attrNameLst>
+                                          <p:attrName>style.visibility</p:attrName>
+                                        </p:attrNameLst>
+                                      </p:cBhvr>
+                                      <p:to>
+                                        <p:strVal val="visible"/>
+                                      </p:to>
+                                    </p:set>
+                                  </p:childTnLst>
+                                </p:cTn>
+                              </p:par>
+                            </p:childTnLst>
+                          </p:cTn>
+                        </p:par>
+                      </p:childTnLst>
+                    </p:cTn>
+                  </p:par>
+                  <p:par>
+                    <p:cTn id="17" fill="hold">
+                      <p:stCondLst>
+                        <p:cond delay="indefinite"/>
+                      </p:stCondLst>
+                      <p:childTnLst>
+                        <p:par>
+                          <p:cTn id="18" fill="hold">
+                            <p:stCondLst>
+                              <p:cond delay="0"/>
+                            </p:stCondLst>
+                            <p:childTnLst>
+                              <p:par>
+                                <p:cTn id="19" presetID="1" presetClass="entr" presetSubtype="0" fill="hold" grpId="0" nodeType="clickEffect">
+                                  <p:stCondLst>
+                                    <p:cond delay="0"/>
+                                  </p:stCondLst>
+                                  <p:childTnLst>
+                                    <p:set>
+                                      <p:cBhvr>
+                                        <p:cTn id="20" dur="1" fill="hold">
+                                          <p:stCondLst>
+                                            <p:cond delay="0"/>
+                                          </p:stCondLst>
+                                        </p:cTn>
+                                        <p:tgtEl>
+                                          <p:spTgt spid="4">
+                                            <p:txEl>
+                                              <p:pRg st="5" end="5"/>
+                                            </p:txEl>
+                                          </p:spTgt>
+                                        </p:tgtEl>
+                                        <p:attrNameLst>
+                                          <p:attrName>style.visibility</p:attrName>
+                                        </p:attrNameLst>
+                                      </p:cBhvr>
+                                      <p:to>
+                                        <p:strVal val="visible"/>
+                                      </p:to>
+                                    </p:set>
+                                  </p:childTnLst>
+                                </p:cTn>
+                              </p:par>
+                              <p:par>
+                                <p:cTn id="21" presetID="1" presetClass="entr" presetSubtype="0" fill="hold" grpId="0" nodeType="withEffect">
+                                  <p:stCondLst>
+                                    <p:cond delay="0"/>
+                                  </p:stCondLst>
+                                  <p:childTnLst>
+                                    <p:set>
+                                      <p:cBhvr>
+                                        <p:cTn id="22" dur="1" fill="hold">
+                                          <p:stCondLst>
+                                            <p:cond delay="0"/>
+                                          </p:stCondLst>
+                                        </p:cTn>
+                                        <p:tgtEl>
+                                          <p:spTgt spid="4">
+                                            <p:txEl>
+                                              <p:pRg st="6" end="6"/>
+                                            </p:txEl>
+                                          </p:spTgt>
+                                        </p:tgtEl>
+                                        <p:attrNameLst>
+                                          <p:attrName>style.visibility</p:attrName>
+                                        </p:attrNameLst>
+                                      </p:cBhvr>
+                                      <p:to>
+                                        <p:strVal val="visible"/>
+                                      </p:to>
+                                    </p:set>
+                                  </p:childTnLst>
+                                </p:cTn>
+                              </p:par>
+                            </p:childTnLst>
+                          </p:cTn>
+                        </p:par>
+                      </p:childTnLst>
+                    </p:cTn>
+                  </p:par>
+                </p:childTnLst>
+              </p:cTn>
+              <p:prevCondLst>
+                <p:cond evt="onPrev" delay="0">
+                  <p:tgtEl>
+                    <p:sldTgt/>
+                  </p:tgtEl>
+                </p:cond>
+              </p:prevCondLst>
+              <p:nextCondLst>
+                <p:cond evt="onNext" delay="0">
+                  <p:tgtEl>
+                    <p:sldTgt/>
+                  </p:tgtEl>
+                </p:cond>
+              </p:nextCondLst>
+            </p:seq>
+          </p:childTnLst>
+        </p:cTn>
+      </p:par>
+    </p:tnLst>
+    <p:bldLst>
+      <p:bldP spid="4" grpId="0" uiExpand="1" build="allAtOnce" animBg="1"/>
+    </p:bldLst>
+  </p:timing>
 </p:sld>
 </file>
 
-<file path=ppt/slides/slide24.xml><?xml version="1.0" encoding="utf-8"?>
+<file path=ppt/slides/slide25.xml><?xml version="1.0" encoding="utf-8"?>
 <p:sld xmlns:a="http://schemas.openxmlformats.org/drawingml/2006/main" xmlns:r="http://schemas.openxmlformats.org/officeDocument/2006/relationships" xmlns:p="http://schemas.openxmlformats.org/presentationml/2006/main">
   <p:cSld>
     <p:spTree>
@@ -25783,7 +28466,7 @@
                 <a:tabLst/>
                 <a:defRPr/>
               </a:pPr>
-              <a:t>24</a:t>
+              <a:t>25</a:t>
             </a:fld>
             <a:endParaRPr kumimoji="0" lang="en-US" sz="1200" b="0" i="0" u="none" strike="noStrike" kern="1200" cap="none" spc="0" normalizeH="0" baseline="0" noProof="0">
               <a:ln>
@@ -26310,7 +28993,7 @@
 </p:sld>
 </file>
 
-<file path=ppt/slides/slide25.xml><?xml version="1.0" encoding="utf-8"?>
+<file path=ppt/slides/slide26.xml><?xml version="1.0" encoding="utf-8"?>
 <p:sld xmlns:a="http://schemas.openxmlformats.org/drawingml/2006/main" xmlns:r="http://schemas.openxmlformats.org/officeDocument/2006/relationships" xmlns:p="http://schemas.openxmlformats.org/presentationml/2006/main">
   <p:cSld>
     <p:spTree>
@@ -26497,7 +29180,7 @@
                 <a:tabLst/>
                 <a:defRPr/>
               </a:pPr>
-              <a:t>25</a:t>
+              <a:t>26</a:t>
             </a:fld>
             <a:endParaRPr kumimoji="0" lang="en-US" sz="1200" b="0" i="0" u="none" strike="noStrike" kern="1200" cap="none" spc="0" normalizeH="0" baseline="0" noProof="0">
               <a:ln>
@@ -26588,7 +29271,7 @@
 </p:sld>
 </file>
 
-<file path=ppt/slides/slide26.xml><?xml version="1.0" encoding="utf-8"?>
+<file path=ppt/slides/slide27.xml><?xml version="1.0" encoding="utf-8"?>
 <p:sld xmlns:a="http://schemas.openxmlformats.org/drawingml/2006/main" xmlns:r="http://schemas.openxmlformats.org/officeDocument/2006/relationships" xmlns:p="http://schemas.openxmlformats.org/presentationml/2006/main">
   <p:cSld>
     <p:spTree>
@@ -26713,7 +29396,7 @@
                 <a:tabLst/>
                 <a:defRPr/>
               </a:pPr>
-              <a:t>26</a:t>
+              <a:t>27</a:t>
             </a:fld>
             <a:endParaRPr kumimoji="0" lang="en-US" sz="1200" b="0" i="0" u="none" strike="noStrike" kern="1200" cap="none" spc="0" normalizeH="0" baseline="0" noProof="0">
               <a:ln>
@@ -27868,6 +30551,78 @@
           </a:fontRef>
         </p:style>
       </p:cxnSp>
+      <p:sp>
+        <p:nvSpPr>
+          <p:cNvPr id="3" name="Rectangle: Rounded Corners 2">
+            <a:extLst>
+              <a:ext uri="{FF2B5EF4-FFF2-40B4-BE49-F238E27FC236}">
+                <a16:creationId xmlns:a16="http://schemas.microsoft.com/office/drawing/2014/main" id="{8AB5D2B0-15E9-C482-C678-6929257F17CA}"/>
+              </a:ext>
+            </a:extLst>
+          </p:cNvPr>
+          <p:cNvSpPr/>
+          <p:nvPr/>
+        </p:nvSpPr>
+        <p:spPr>
+          <a:xfrm>
+            <a:off x="8513379" y="176967"/>
+            <a:ext cx="3459546" cy="601981"/>
+          </a:xfrm>
+          <a:prstGeom prst="roundRect">
+            <a:avLst/>
+          </a:prstGeom>
+          <a:solidFill>
+            <a:schemeClr val="accent6">
+              <a:lumMod val="20000"/>
+              <a:lumOff val="80000"/>
+            </a:schemeClr>
+          </a:solidFill>
+          <a:ln>
+            <a:solidFill>
+              <a:srgbClr val="0070C0"/>
+            </a:solidFill>
+          </a:ln>
+        </p:spPr>
+        <p:style>
+          <a:lnRef idx="2">
+            <a:schemeClr val="accent1">
+              <a:shade val="50000"/>
+            </a:schemeClr>
+          </a:lnRef>
+          <a:fillRef idx="1">
+            <a:schemeClr val="accent1"/>
+          </a:fillRef>
+          <a:effectRef idx="0">
+            <a:schemeClr val="accent1"/>
+          </a:effectRef>
+          <a:fontRef idx="minor">
+            <a:schemeClr val="lt1"/>
+          </a:fontRef>
+        </p:style>
+        <p:txBody>
+          <a:bodyPr rtlCol="0" anchor="ctr"/>
+          <a:lstStyle/>
+          <a:p>
+            <a:pPr algn="ctr"/>
+            <a:r>
+              <a:rPr lang="en-US" sz="2400" dirty="0" err="1">
+                <a:solidFill>
+                  <a:schemeClr val="tx1"/>
+                </a:solidFill>
+              </a:rPr>
+              <a:t>src</a:t>
+            </a:r>
+            <a:r>
+              <a:rPr lang="en-US" sz="2400" dirty="0">
+                <a:solidFill>
+                  <a:schemeClr val="tx1"/>
+                </a:solidFill>
+              </a:rPr>
+              <a:t>/Slides/antiPattern2.ts</a:t>
+            </a:r>
+          </a:p>
+        </p:txBody>
+      </p:sp>
     </p:spTree>
     <p:extLst>
       <p:ext uri="{BB962C8B-B14F-4D97-AF65-F5344CB8AC3E}">
@@ -27881,7 +30636,7 @@
 </p:sld>
 </file>
 
-<file path=ppt/slides/slide27.xml><?xml version="1.0" encoding="utf-8"?>
+<file path=ppt/slides/slide28.xml><?xml version="1.0" encoding="utf-8"?>
 <p:sld xmlns:a="http://schemas.openxmlformats.org/drawingml/2006/main" xmlns:r="http://schemas.openxmlformats.org/officeDocument/2006/relationships" xmlns:p="http://schemas.openxmlformats.org/presentationml/2006/main">
   <p:cSld>
     <p:spTree>
@@ -27998,7 +30753,7 @@
                 <a:tabLst/>
                 <a:defRPr/>
               </a:pPr>
-              <a:t>27</a:t>
+              <a:t>28</a:t>
             </a:fld>
             <a:endParaRPr kumimoji="0" lang="en-US" sz="1200" b="0" i="0" u="none" strike="noStrike" kern="1200" cap="none" spc="0" normalizeH="0" baseline="0" noProof="0">
               <a:ln>
@@ -28296,7 +31051,7 @@
 </p:sld>
 </file>
 
-<file path=ppt/slides/slide28.xml><?xml version="1.0" encoding="utf-8"?>
+<file path=ppt/slides/slide29.xml><?xml version="1.0" encoding="utf-8"?>
 <p:sld xmlns:a="http://schemas.openxmlformats.org/drawingml/2006/main" xmlns:r="http://schemas.openxmlformats.org/officeDocument/2006/relationships" xmlns:p="http://schemas.openxmlformats.org/presentationml/2006/main">
   <p:cSld>
     <p:spTree>
@@ -28385,7 +31140,7 @@
                 <a:tabLst/>
                 <a:defRPr/>
               </a:pPr>
-              <a:t>28</a:t>
+              <a:t>29</a:t>
             </a:fld>
             <a:endParaRPr kumimoji="0" lang="en-US" sz="1200" b="0" i="0" u="none" strike="noStrike" kern="1200" cap="none" spc="0" normalizeH="0" baseline="0" noProof="0">
               <a:ln>
@@ -28699,419 +31454,6 @@
     <p:extLst>
       <p:ext uri="{BB962C8B-B14F-4D97-AF65-F5344CB8AC3E}">
         <p14:creationId xmlns:p14="http://schemas.microsoft.com/office/powerpoint/2010/main" val="2248217326"/>
-      </p:ext>
-    </p:extLst>
-  </p:cSld>
-  <p:clrMapOvr>
-    <a:masterClrMapping/>
-  </p:clrMapOvr>
-</p:sld>
-</file>
-
-<file path=ppt/slides/slide29.xml><?xml version="1.0" encoding="utf-8"?>
-<p:sld xmlns:a="http://schemas.openxmlformats.org/drawingml/2006/main" xmlns:r="http://schemas.openxmlformats.org/officeDocument/2006/relationships" xmlns:p="http://schemas.openxmlformats.org/presentationml/2006/main">
-  <p:cSld>
-    <p:spTree>
-      <p:nvGrpSpPr>
-        <p:cNvPr id="1" name=""/>
-        <p:cNvGrpSpPr/>
-        <p:nvPr/>
-      </p:nvGrpSpPr>
-      <p:grpSpPr>
-        <a:xfrm>
-          <a:off x="0" y="0"/>
-          <a:ext cx="0" cy="0"/>
-          <a:chOff x="0" y="0"/>
-          <a:chExt cx="0" cy="0"/>
-        </a:xfrm>
-      </p:grpSpPr>
-      <p:sp>
-        <p:nvSpPr>
-          <p:cNvPr id="2" name="Title 1">
-            <a:extLst>
-              <a:ext uri="{FF2B5EF4-FFF2-40B4-BE49-F238E27FC236}">
-                <a16:creationId xmlns:a16="http://schemas.microsoft.com/office/drawing/2014/main" id="{F0197F1B-AB6B-840B-6109-A5F224D49245}"/>
-              </a:ext>
-            </a:extLst>
-          </p:cNvPr>
-          <p:cNvSpPr>
-            <a:spLocks noGrp="1"/>
-          </p:cNvSpPr>
-          <p:nvPr>
-            <p:ph type="title"/>
-          </p:nvPr>
-        </p:nvSpPr>
-        <p:spPr/>
-        <p:txBody>
-          <a:bodyPr/>
-          <a:lstStyle/>
-          <a:p>
-            <a:r>
-              <a:rPr lang="en-US" dirty="0"/>
-              <a:t>Answer: JS/TS has some primitives for starting a non-blocking computation</a:t>
-            </a:r>
-          </a:p>
-        </p:txBody>
-      </p:sp>
-      <p:sp>
-        <p:nvSpPr>
-          <p:cNvPr id="3" name="Content Placeholder 2">
-            <a:extLst>
-              <a:ext uri="{FF2B5EF4-FFF2-40B4-BE49-F238E27FC236}">
-                <a16:creationId xmlns:a16="http://schemas.microsoft.com/office/drawing/2014/main" id="{2703E4AB-0914-33F5-4E7F-B4F98687C364}"/>
-              </a:ext>
-            </a:extLst>
-          </p:cNvPr>
-          <p:cNvSpPr>
-            <a:spLocks noGrp="1"/>
-          </p:cNvSpPr>
-          <p:nvPr>
-            <p:ph idx="1"/>
-          </p:nvPr>
-        </p:nvSpPr>
-        <p:spPr>
-          <a:xfrm>
-            <a:off x="838200" y="1500160"/>
-            <a:ext cx="7977810" cy="4403683"/>
-          </a:xfrm>
-        </p:spPr>
-        <p:txBody>
-          <a:bodyPr>
-            <a:normAutofit fontScale="92500" lnSpcReduction="10000"/>
-          </a:bodyPr>
-          <a:lstStyle/>
-          <a:p>
-            <a:r>
-              <a:rPr lang="en-US" dirty="0"/>
-              <a:t>These are things like http requests, I/O operations, or timers.</a:t>
-            </a:r>
-          </a:p>
-          <a:p>
-            <a:r>
-              <a:rPr lang="en-US" dirty="0"/>
-              <a:t>Each of these returns a promise that you can </a:t>
-            </a:r>
-            <a:r>
-              <a:rPr lang="en-US" b="1" dirty="0"/>
-              <a:t>await</a:t>
-            </a:r>
-            <a:r>
-              <a:rPr lang="en-US" dirty="0"/>
-              <a:t>.  The promise runs while it is pending, and produces the response from the http request, or the contents of the file, etc.</a:t>
-            </a:r>
-          </a:p>
-          <a:p>
-            <a:r>
-              <a:rPr lang="en-US" dirty="0"/>
-              <a:t>You will hardly ever call one of these primitives yourself; usually they are wrapped in a convenient procedure, e.g., we write</a:t>
-            </a:r>
-          </a:p>
-          <a:p>
-            <a:pPr marL="0" indent="0">
-              <a:buNone/>
-            </a:pPr>
-            <a:r>
-              <a:rPr lang="en-US" b="0" dirty="0">
-                <a:solidFill>
-                  <a:srgbClr val="0070C1"/>
-                </a:solidFill>
-                <a:effectLst/>
-                <a:latin typeface="Consolas" panose="020B0609020204030204" pitchFamily="49" charset="0"/>
-              </a:rPr>
-              <a:t>	</a:t>
-            </a:r>
-            <a:r>
-              <a:rPr lang="en-US" b="0" dirty="0" err="1">
-                <a:solidFill>
-                  <a:srgbClr val="0070C1"/>
-                </a:solidFill>
-                <a:effectLst/>
-                <a:latin typeface="Consolas" panose="020B0609020204030204" pitchFamily="49" charset="0"/>
-              </a:rPr>
-              <a:t>axios</a:t>
-            </a:r>
-            <a:r>
-              <a:rPr lang="en-US" b="0" dirty="0" err="1">
-                <a:solidFill>
-                  <a:srgbClr val="000000"/>
-                </a:solidFill>
-                <a:effectLst/>
-                <a:latin typeface="Consolas" panose="020B0609020204030204" pitchFamily="49" charset="0"/>
-              </a:rPr>
-              <a:t>.</a:t>
-            </a:r>
-            <a:r>
-              <a:rPr lang="en-US" b="0" dirty="0" err="1">
-                <a:solidFill>
-                  <a:srgbClr val="795E26"/>
-                </a:solidFill>
-                <a:effectLst/>
-                <a:latin typeface="Consolas" panose="020B0609020204030204" pitchFamily="49" charset="0"/>
-              </a:rPr>
-              <a:t>get</a:t>
-            </a:r>
-            <a:r>
-              <a:rPr lang="en-US" b="0" dirty="0">
-                <a:solidFill>
-                  <a:srgbClr val="000000"/>
-                </a:solidFill>
-                <a:effectLst/>
-                <a:latin typeface="Consolas" panose="020B0609020204030204" pitchFamily="49" charset="0"/>
-              </a:rPr>
-              <a:t>(</a:t>
-            </a:r>
-            <a:r>
-              <a:rPr lang="en-US" b="0" dirty="0">
-                <a:solidFill>
-                  <a:srgbClr val="A31515"/>
-                </a:solidFill>
-                <a:effectLst/>
-                <a:latin typeface="Consolas" panose="020B0609020204030204" pitchFamily="49" charset="0"/>
-              </a:rPr>
-              <a:t>'https://rest-</a:t>
-            </a:r>
-            <a:r>
-              <a:rPr lang="en-US" b="0" dirty="0" err="1">
-                <a:solidFill>
-                  <a:srgbClr val="A31515"/>
-                </a:solidFill>
-                <a:effectLst/>
-                <a:latin typeface="Consolas" panose="020B0609020204030204" pitchFamily="49" charset="0"/>
-              </a:rPr>
-              <a:t>example.covey.town</a:t>
-            </a:r>
-            <a:r>
-              <a:rPr lang="en-US" dirty="0">
-                <a:solidFill>
-                  <a:srgbClr val="A31515"/>
-                </a:solidFill>
-                <a:latin typeface="Consolas" panose="020B0609020204030204" pitchFamily="49" charset="0"/>
-              </a:rPr>
-              <a:t>’</a:t>
-            </a:r>
-            <a:r>
-              <a:rPr lang="en-US" b="0" dirty="0">
-                <a:solidFill>
-                  <a:srgbClr val="000000"/>
-                </a:solidFill>
-                <a:effectLst/>
-                <a:latin typeface="Consolas" panose="020B0609020204030204" pitchFamily="49" charset="0"/>
-              </a:rPr>
-              <a:t>)</a:t>
-            </a:r>
-          </a:p>
-          <a:p>
-            <a:pPr marL="0" indent="0">
-              <a:buNone/>
-            </a:pPr>
-            <a:r>
-              <a:rPr lang="en-US" dirty="0"/>
-              <a:t>  to make an http request, or </a:t>
-            </a:r>
-          </a:p>
-          <a:p>
-            <a:pPr marL="0" indent="0">
-              <a:buNone/>
-            </a:pPr>
-            <a:r>
-              <a:rPr lang="en-US" b="0" dirty="0">
-                <a:solidFill>
-                  <a:srgbClr val="267F99"/>
-                </a:solidFill>
-                <a:effectLst/>
-                <a:latin typeface="Consolas" panose="020B0609020204030204" pitchFamily="49" charset="0"/>
-              </a:rPr>
-              <a:t>	</a:t>
-            </a:r>
-            <a:r>
-              <a:rPr lang="en-US" b="0" dirty="0" err="1">
-                <a:solidFill>
-                  <a:srgbClr val="267F99"/>
-                </a:solidFill>
-                <a:effectLst/>
-                <a:latin typeface="Consolas" panose="020B0609020204030204" pitchFamily="49" charset="0"/>
-              </a:rPr>
-              <a:t>fs</a:t>
-            </a:r>
-            <a:r>
-              <a:rPr lang="en-US" b="0" dirty="0" err="1">
-                <a:solidFill>
-                  <a:srgbClr val="000000"/>
-                </a:solidFill>
-                <a:effectLst/>
-                <a:latin typeface="Consolas" panose="020B0609020204030204" pitchFamily="49" charset="0"/>
-              </a:rPr>
-              <a:t>.</a:t>
-            </a:r>
-            <a:r>
-              <a:rPr lang="en-US" b="0" dirty="0" err="1">
-                <a:solidFill>
-                  <a:srgbClr val="795E26"/>
-                </a:solidFill>
-                <a:effectLst/>
-                <a:latin typeface="Consolas" panose="020B0609020204030204" pitchFamily="49" charset="0"/>
-              </a:rPr>
-              <a:t>readFile</a:t>
-            </a:r>
-            <a:r>
-              <a:rPr lang="en-US" b="0" dirty="0">
-                <a:solidFill>
-                  <a:srgbClr val="000000"/>
-                </a:solidFill>
-                <a:effectLst/>
-                <a:latin typeface="Consolas" panose="020B0609020204030204" pitchFamily="49" charset="0"/>
-              </a:rPr>
-              <a:t>(</a:t>
-            </a:r>
-            <a:r>
-              <a:rPr lang="en-US" b="0" dirty="0">
-                <a:solidFill>
-                  <a:srgbClr val="001080"/>
-                </a:solidFill>
-                <a:effectLst/>
-                <a:latin typeface="Consolas" panose="020B0609020204030204" pitchFamily="49" charset="0"/>
-              </a:rPr>
-              <a:t>filename)</a:t>
-            </a:r>
-          </a:p>
-          <a:p>
-            <a:pPr marL="0" indent="0">
-              <a:buNone/>
-            </a:pPr>
-            <a:r>
-              <a:rPr lang="en-US" dirty="0"/>
-              <a:t>  to read the contents of a file.</a:t>
-            </a:r>
-          </a:p>
-        </p:txBody>
-      </p:sp>
-      <p:sp>
-        <p:nvSpPr>
-          <p:cNvPr id="4" name="Slide Number Placeholder 3">
-            <a:extLst>
-              <a:ext uri="{FF2B5EF4-FFF2-40B4-BE49-F238E27FC236}">
-                <a16:creationId xmlns:a16="http://schemas.microsoft.com/office/drawing/2014/main" id="{60F72ED1-8460-2361-2157-861495642043}"/>
-              </a:ext>
-            </a:extLst>
-          </p:cNvPr>
-          <p:cNvSpPr>
-            <a:spLocks noGrp="1"/>
-          </p:cNvSpPr>
-          <p:nvPr>
-            <p:ph type="sldNum" sz="quarter" idx="12"/>
-          </p:nvPr>
-        </p:nvSpPr>
-        <p:spPr/>
-        <p:txBody>
-          <a:bodyPr/>
-          <a:lstStyle/>
-          <a:p>
-            <a:pPr marL="0" marR="0" lvl="0" indent="0" algn="r" defTabSz="914400" rtl="0" eaLnBrk="1" fontAlgn="auto" latinLnBrk="0" hangingPunct="1">
-              <a:lnSpc>
-                <a:spcPct val="100000"/>
-              </a:lnSpc>
-              <a:spcBef>
-                <a:spcPts val="0"/>
-              </a:spcBef>
-              <a:spcAft>
-                <a:spcPts val="0"/>
-              </a:spcAft>
-              <a:buClrTx/>
-              <a:buSzTx/>
-              <a:buFontTx/>
-              <a:buNone/>
-              <a:tabLst/>
-              <a:defRPr/>
-            </a:pPr>
-            <a:fld id="{20F37917-FD3A-4669-9018-DA04BCDD3D75}" type="slidenum">
-              <a:rPr kumimoji="0" lang="en-US" sz="1200" b="0" i="0" u="none" strike="noStrike" kern="1200" cap="none" spc="0" normalizeH="0" baseline="0" noProof="0" smtClean="0">
-                <a:ln>
-                  <a:noFill/>
-                </a:ln>
-                <a:solidFill>
-                  <a:prstClr val="black">
-                    <a:tint val="75000"/>
-                  </a:prstClr>
-                </a:solidFill>
-                <a:effectLst/>
-                <a:uLnTx/>
-                <a:uFillTx/>
-                <a:latin typeface="Calibri" panose="020F0502020204030204"/>
-                <a:ea typeface="+mn-ea"/>
-                <a:cs typeface="+mn-cs"/>
-              </a:rPr>
-              <a:pPr marL="0" marR="0" lvl="0" indent="0" algn="r" defTabSz="914400" rtl="0" eaLnBrk="1" fontAlgn="auto" latinLnBrk="0" hangingPunct="1">
-                <a:lnSpc>
-                  <a:spcPct val="100000"/>
-                </a:lnSpc>
-                <a:spcBef>
-                  <a:spcPts val="0"/>
-                </a:spcBef>
-                <a:spcAft>
-                  <a:spcPts val="0"/>
-                </a:spcAft>
-                <a:buClrTx/>
-                <a:buSzTx/>
-                <a:buFontTx/>
-                <a:buNone/>
-                <a:tabLst/>
-                <a:defRPr/>
-              </a:pPr>
-              <a:t>29</a:t>
-            </a:fld>
-            <a:endParaRPr kumimoji="0" lang="en-US" sz="1200" b="0" i="0" u="none" strike="noStrike" kern="1200" cap="none" spc="0" normalizeH="0" baseline="0" noProof="0">
-              <a:ln>
-                <a:noFill/>
-              </a:ln>
-              <a:solidFill>
-                <a:prstClr val="black">
-                  <a:tint val="75000"/>
-                </a:prstClr>
-              </a:solidFill>
-              <a:effectLst/>
-              <a:uLnTx/>
-              <a:uFillTx/>
-              <a:latin typeface="Calibri" panose="020F0502020204030204"/>
-              <a:ea typeface="+mn-ea"/>
-              <a:cs typeface="+mn-cs"/>
-            </a:endParaRPr>
-          </a:p>
-        </p:txBody>
-      </p:sp>
-      <p:pic>
-        <p:nvPicPr>
-          <p:cNvPr id="5" name="Picture 4">
-            <a:extLst>
-              <a:ext uri="{FF2B5EF4-FFF2-40B4-BE49-F238E27FC236}">
-                <a16:creationId xmlns:a16="http://schemas.microsoft.com/office/drawing/2014/main" id="{D6522DE9-0421-F750-27F0-655F93E36D8C}"/>
-              </a:ext>
-            </a:extLst>
-          </p:cNvPr>
-          <p:cNvPicPr>
-            <a:picLocks noChangeAspect="1"/>
-          </p:cNvPicPr>
-          <p:nvPr/>
-        </p:nvPicPr>
-        <p:blipFill>
-          <a:blip r:embed="rId3"/>
-          <a:stretch>
-            <a:fillRect/>
-          </a:stretch>
-        </p:blipFill>
-        <p:spPr>
-          <a:xfrm>
-            <a:off x="8610600" y="3879850"/>
-            <a:ext cx="2876117" cy="2476500"/>
-          </a:xfrm>
-          <a:prstGeom prst="rect">
-            <a:avLst/>
-          </a:prstGeom>
-        </p:spPr>
-      </p:pic>
-    </p:spTree>
-    <p:extLst>
-      <p:ext uri="{BB962C8B-B14F-4D97-AF65-F5344CB8AC3E}">
-        <p14:creationId xmlns:p14="http://schemas.microsoft.com/office/powerpoint/2010/main" val="226957645"/>
       </p:ext>
     </p:extLst>
   </p:cSld>
@@ -31683,6 +34025,419 @@
           <p:cNvPr id="2" name="Title 1">
             <a:extLst>
               <a:ext uri="{FF2B5EF4-FFF2-40B4-BE49-F238E27FC236}">
+                <a16:creationId xmlns:a16="http://schemas.microsoft.com/office/drawing/2014/main" id="{F0197F1B-AB6B-840B-6109-A5F224D49245}"/>
+              </a:ext>
+            </a:extLst>
+          </p:cNvPr>
+          <p:cNvSpPr>
+            <a:spLocks noGrp="1"/>
+          </p:cNvSpPr>
+          <p:nvPr>
+            <p:ph type="title"/>
+          </p:nvPr>
+        </p:nvSpPr>
+        <p:spPr/>
+        <p:txBody>
+          <a:bodyPr/>
+          <a:lstStyle/>
+          <a:p>
+            <a:r>
+              <a:rPr lang="en-US" dirty="0"/>
+              <a:t>Answer: JS/TS has some primitives for starting a non-blocking computation</a:t>
+            </a:r>
+          </a:p>
+        </p:txBody>
+      </p:sp>
+      <p:sp>
+        <p:nvSpPr>
+          <p:cNvPr id="3" name="Content Placeholder 2">
+            <a:extLst>
+              <a:ext uri="{FF2B5EF4-FFF2-40B4-BE49-F238E27FC236}">
+                <a16:creationId xmlns:a16="http://schemas.microsoft.com/office/drawing/2014/main" id="{2703E4AB-0914-33F5-4E7F-B4F98687C364}"/>
+              </a:ext>
+            </a:extLst>
+          </p:cNvPr>
+          <p:cNvSpPr>
+            <a:spLocks noGrp="1"/>
+          </p:cNvSpPr>
+          <p:nvPr>
+            <p:ph idx="1"/>
+          </p:nvPr>
+        </p:nvSpPr>
+        <p:spPr>
+          <a:xfrm>
+            <a:off x="838200" y="1500160"/>
+            <a:ext cx="7977810" cy="4403683"/>
+          </a:xfrm>
+        </p:spPr>
+        <p:txBody>
+          <a:bodyPr>
+            <a:normAutofit fontScale="92500" lnSpcReduction="10000"/>
+          </a:bodyPr>
+          <a:lstStyle/>
+          <a:p>
+            <a:r>
+              <a:rPr lang="en-US" dirty="0"/>
+              <a:t>These are things like http requests, I/O operations, or timers.</a:t>
+            </a:r>
+          </a:p>
+          <a:p>
+            <a:r>
+              <a:rPr lang="en-US" dirty="0"/>
+              <a:t>Each of these returns a promise that you can </a:t>
+            </a:r>
+            <a:r>
+              <a:rPr lang="en-US" b="1" dirty="0"/>
+              <a:t>await</a:t>
+            </a:r>
+            <a:r>
+              <a:rPr lang="en-US" dirty="0"/>
+              <a:t>.  The promise runs while it is pending, and produces the response from the http request, or the contents of the file, etc.</a:t>
+            </a:r>
+          </a:p>
+          <a:p>
+            <a:r>
+              <a:rPr lang="en-US" dirty="0"/>
+              <a:t>You will hardly ever call one of these primitives yourself; usually they are wrapped in a convenient procedure, e.g., we write</a:t>
+            </a:r>
+          </a:p>
+          <a:p>
+            <a:pPr marL="0" indent="0">
+              <a:buNone/>
+            </a:pPr>
+            <a:r>
+              <a:rPr lang="en-US" b="0" dirty="0">
+                <a:solidFill>
+                  <a:srgbClr val="0070C1"/>
+                </a:solidFill>
+                <a:effectLst/>
+                <a:latin typeface="Consolas" panose="020B0609020204030204" pitchFamily="49" charset="0"/>
+              </a:rPr>
+              <a:t>	</a:t>
+            </a:r>
+            <a:r>
+              <a:rPr lang="en-US" b="0" dirty="0" err="1">
+                <a:solidFill>
+                  <a:srgbClr val="0070C1"/>
+                </a:solidFill>
+                <a:effectLst/>
+                <a:latin typeface="Consolas" panose="020B0609020204030204" pitchFamily="49" charset="0"/>
+              </a:rPr>
+              <a:t>axios</a:t>
+            </a:r>
+            <a:r>
+              <a:rPr lang="en-US" b="0" dirty="0" err="1">
+                <a:solidFill>
+                  <a:srgbClr val="000000"/>
+                </a:solidFill>
+                <a:effectLst/>
+                <a:latin typeface="Consolas" panose="020B0609020204030204" pitchFamily="49" charset="0"/>
+              </a:rPr>
+              <a:t>.</a:t>
+            </a:r>
+            <a:r>
+              <a:rPr lang="en-US" b="0" dirty="0" err="1">
+                <a:solidFill>
+                  <a:srgbClr val="795E26"/>
+                </a:solidFill>
+                <a:effectLst/>
+                <a:latin typeface="Consolas" panose="020B0609020204030204" pitchFamily="49" charset="0"/>
+              </a:rPr>
+              <a:t>get</a:t>
+            </a:r>
+            <a:r>
+              <a:rPr lang="en-US" b="0" dirty="0">
+                <a:solidFill>
+                  <a:srgbClr val="000000"/>
+                </a:solidFill>
+                <a:effectLst/>
+                <a:latin typeface="Consolas" panose="020B0609020204030204" pitchFamily="49" charset="0"/>
+              </a:rPr>
+              <a:t>(</a:t>
+            </a:r>
+            <a:r>
+              <a:rPr lang="en-US" b="0" dirty="0">
+                <a:solidFill>
+                  <a:srgbClr val="A31515"/>
+                </a:solidFill>
+                <a:effectLst/>
+                <a:latin typeface="Consolas" panose="020B0609020204030204" pitchFamily="49" charset="0"/>
+              </a:rPr>
+              <a:t>'https://rest-</a:t>
+            </a:r>
+            <a:r>
+              <a:rPr lang="en-US" b="0" dirty="0" err="1">
+                <a:solidFill>
+                  <a:srgbClr val="A31515"/>
+                </a:solidFill>
+                <a:effectLst/>
+                <a:latin typeface="Consolas" panose="020B0609020204030204" pitchFamily="49" charset="0"/>
+              </a:rPr>
+              <a:t>example.covey.town</a:t>
+            </a:r>
+            <a:r>
+              <a:rPr lang="en-US" dirty="0">
+                <a:solidFill>
+                  <a:srgbClr val="A31515"/>
+                </a:solidFill>
+                <a:latin typeface="Consolas" panose="020B0609020204030204" pitchFamily="49" charset="0"/>
+              </a:rPr>
+              <a:t>’</a:t>
+            </a:r>
+            <a:r>
+              <a:rPr lang="en-US" b="0" dirty="0">
+                <a:solidFill>
+                  <a:srgbClr val="000000"/>
+                </a:solidFill>
+                <a:effectLst/>
+                <a:latin typeface="Consolas" panose="020B0609020204030204" pitchFamily="49" charset="0"/>
+              </a:rPr>
+              <a:t>)</a:t>
+            </a:r>
+          </a:p>
+          <a:p>
+            <a:pPr marL="0" indent="0">
+              <a:buNone/>
+            </a:pPr>
+            <a:r>
+              <a:rPr lang="en-US" dirty="0"/>
+              <a:t>  to make an http request, or </a:t>
+            </a:r>
+          </a:p>
+          <a:p>
+            <a:pPr marL="0" indent="0">
+              <a:buNone/>
+            </a:pPr>
+            <a:r>
+              <a:rPr lang="en-US" b="0" dirty="0">
+                <a:solidFill>
+                  <a:srgbClr val="267F99"/>
+                </a:solidFill>
+                <a:effectLst/>
+                <a:latin typeface="Consolas" panose="020B0609020204030204" pitchFamily="49" charset="0"/>
+              </a:rPr>
+              <a:t>	</a:t>
+            </a:r>
+            <a:r>
+              <a:rPr lang="en-US" b="0" dirty="0" err="1">
+                <a:solidFill>
+                  <a:srgbClr val="267F99"/>
+                </a:solidFill>
+                <a:effectLst/>
+                <a:latin typeface="Consolas" panose="020B0609020204030204" pitchFamily="49" charset="0"/>
+              </a:rPr>
+              <a:t>fs</a:t>
+            </a:r>
+            <a:r>
+              <a:rPr lang="en-US" b="0" dirty="0" err="1">
+                <a:solidFill>
+                  <a:srgbClr val="000000"/>
+                </a:solidFill>
+                <a:effectLst/>
+                <a:latin typeface="Consolas" panose="020B0609020204030204" pitchFamily="49" charset="0"/>
+              </a:rPr>
+              <a:t>.</a:t>
+            </a:r>
+            <a:r>
+              <a:rPr lang="en-US" b="0" dirty="0" err="1">
+                <a:solidFill>
+                  <a:srgbClr val="795E26"/>
+                </a:solidFill>
+                <a:effectLst/>
+                <a:latin typeface="Consolas" panose="020B0609020204030204" pitchFamily="49" charset="0"/>
+              </a:rPr>
+              <a:t>readFile</a:t>
+            </a:r>
+            <a:r>
+              <a:rPr lang="en-US" b="0" dirty="0">
+                <a:solidFill>
+                  <a:srgbClr val="000000"/>
+                </a:solidFill>
+                <a:effectLst/>
+                <a:latin typeface="Consolas" panose="020B0609020204030204" pitchFamily="49" charset="0"/>
+              </a:rPr>
+              <a:t>(</a:t>
+            </a:r>
+            <a:r>
+              <a:rPr lang="en-US" b="0" dirty="0">
+                <a:solidFill>
+                  <a:srgbClr val="001080"/>
+                </a:solidFill>
+                <a:effectLst/>
+                <a:latin typeface="Consolas" panose="020B0609020204030204" pitchFamily="49" charset="0"/>
+              </a:rPr>
+              <a:t>filename)</a:t>
+            </a:r>
+          </a:p>
+          <a:p>
+            <a:pPr marL="0" indent="0">
+              <a:buNone/>
+            </a:pPr>
+            <a:r>
+              <a:rPr lang="en-US" dirty="0"/>
+              <a:t>  to read the contents of a file.</a:t>
+            </a:r>
+          </a:p>
+        </p:txBody>
+      </p:sp>
+      <p:sp>
+        <p:nvSpPr>
+          <p:cNvPr id="4" name="Slide Number Placeholder 3">
+            <a:extLst>
+              <a:ext uri="{FF2B5EF4-FFF2-40B4-BE49-F238E27FC236}">
+                <a16:creationId xmlns:a16="http://schemas.microsoft.com/office/drawing/2014/main" id="{60F72ED1-8460-2361-2157-861495642043}"/>
+              </a:ext>
+            </a:extLst>
+          </p:cNvPr>
+          <p:cNvSpPr>
+            <a:spLocks noGrp="1"/>
+          </p:cNvSpPr>
+          <p:nvPr>
+            <p:ph type="sldNum" sz="quarter" idx="12"/>
+          </p:nvPr>
+        </p:nvSpPr>
+        <p:spPr/>
+        <p:txBody>
+          <a:bodyPr/>
+          <a:lstStyle/>
+          <a:p>
+            <a:pPr marL="0" marR="0" lvl="0" indent="0" algn="r" defTabSz="914400" rtl="0" eaLnBrk="1" fontAlgn="auto" latinLnBrk="0" hangingPunct="1">
+              <a:lnSpc>
+                <a:spcPct val="100000"/>
+              </a:lnSpc>
+              <a:spcBef>
+                <a:spcPts val="0"/>
+              </a:spcBef>
+              <a:spcAft>
+                <a:spcPts val="0"/>
+              </a:spcAft>
+              <a:buClrTx/>
+              <a:buSzTx/>
+              <a:buFontTx/>
+              <a:buNone/>
+              <a:tabLst/>
+              <a:defRPr/>
+            </a:pPr>
+            <a:fld id="{20F37917-FD3A-4669-9018-DA04BCDD3D75}" type="slidenum">
+              <a:rPr kumimoji="0" lang="en-US" sz="1200" b="0" i="0" u="none" strike="noStrike" kern="1200" cap="none" spc="0" normalizeH="0" baseline="0" noProof="0" smtClean="0">
+                <a:ln>
+                  <a:noFill/>
+                </a:ln>
+                <a:solidFill>
+                  <a:prstClr val="black">
+                    <a:tint val="75000"/>
+                  </a:prstClr>
+                </a:solidFill>
+                <a:effectLst/>
+                <a:uLnTx/>
+                <a:uFillTx/>
+                <a:latin typeface="Calibri" panose="020F0502020204030204"/>
+                <a:ea typeface="+mn-ea"/>
+                <a:cs typeface="+mn-cs"/>
+              </a:rPr>
+              <a:pPr marL="0" marR="0" lvl="0" indent="0" algn="r" defTabSz="914400" rtl="0" eaLnBrk="1" fontAlgn="auto" latinLnBrk="0" hangingPunct="1">
+                <a:lnSpc>
+                  <a:spcPct val="100000"/>
+                </a:lnSpc>
+                <a:spcBef>
+                  <a:spcPts val="0"/>
+                </a:spcBef>
+                <a:spcAft>
+                  <a:spcPts val="0"/>
+                </a:spcAft>
+                <a:buClrTx/>
+                <a:buSzTx/>
+                <a:buFontTx/>
+                <a:buNone/>
+                <a:tabLst/>
+                <a:defRPr/>
+              </a:pPr>
+              <a:t>30</a:t>
+            </a:fld>
+            <a:endParaRPr kumimoji="0" lang="en-US" sz="1200" b="0" i="0" u="none" strike="noStrike" kern="1200" cap="none" spc="0" normalizeH="0" baseline="0" noProof="0">
+              <a:ln>
+                <a:noFill/>
+              </a:ln>
+              <a:solidFill>
+                <a:prstClr val="black">
+                  <a:tint val="75000"/>
+                </a:prstClr>
+              </a:solidFill>
+              <a:effectLst/>
+              <a:uLnTx/>
+              <a:uFillTx/>
+              <a:latin typeface="Calibri" panose="020F0502020204030204"/>
+              <a:ea typeface="+mn-ea"/>
+              <a:cs typeface="+mn-cs"/>
+            </a:endParaRPr>
+          </a:p>
+        </p:txBody>
+      </p:sp>
+      <p:pic>
+        <p:nvPicPr>
+          <p:cNvPr id="5" name="Picture 4">
+            <a:extLst>
+              <a:ext uri="{FF2B5EF4-FFF2-40B4-BE49-F238E27FC236}">
+                <a16:creationId xmlns:a16="http://schemas.microsoft.com/office/drawing/2014/main" id="{D6522DE9-0421-F750-27F0-655F93E36D8C}"/>
+              </a:ext>
+            </a:extLst>
+          </p:cNvPr>
+          <p:cNvPicPr>
+            <a:picLocks noChangeAspect="1"/>
+          </p:cNvPicPr>
+          <p:nvPr/>
+        </p:nvPicPr>
+        <p:blipFill>
+          <a:blip r:embed="rId3"/>
+          <a:stretch>
+            <a:fillRect/>
+          </a:stretch>
+        </p:blipFill>
+        <p:spPr>
+          <a:xfrm>
+            <a:off x="8610600" y="3879850"/>
+            <a:ext cx="2876117" cy="2476500"/>
+          </a:xfrm>
+          <a:prstGeom prst="rect">
+            <a:avLst/>
+          </a:prstGeom>
+        </p:spPr>
+      </p:pic>
+    </p:spTree>
+    <p:extLst>
+      <p:ext uri="{BB962C8B-B14F-4D97-AF65-F5344CB8AC3E}">
+        <p14:creationId xmlns:p14="http://schemas.microsoft.com/office/powerpoint/2010/main" val="226957645"/>
+      </p:ext>
+    </p:extLst>
+  </p:cSld>
+  <p:clrMapOvr>
+    <a:masterClrMapping/>
+  </p:clrMapOvr>
+</p:sld>
+</file>
+
+<file path=ppt/slides/slide31.xml><?xml version="1.0" encoding="utf-8"?>
+<p:sld xmlns:a="http://schemas.openxmlformats.org/drawingml/2006/main" xmlns:r="http://schemas.openxmlformats.org/officeDocument/2006/relationships" xmlns:p="http://schemas.openxmlformats.org/presentationml/2006/main">
+  <p:cSld>
+    <p:spTree>
+      <p:nvGrpSpPr>
+        <p:cNvPr id="1" name=""/>
+        <p:cNvGrpSpPr/>
+        <p:nvPr/>
+      </p:nvGrpSpPr>
+      <p:grpSpPr>
+        <a:xfrm>
+          <a:off x="0" y="0"/>
+          <a:ext cx="0" cy="0"/>
+          <a:chOff x="0" y="0"/>
+          <a:chExt cx="0" cy="0"/>
+        </a:xfrm>
+      </p:grpSpPr>
+      <p:sp>
+        <p:nvSpPr>
+          <p:cNvPr id="2" name="Title 1">
+            <a:extLst>
+              <a:ext uri="{FF2B5EF4-FFF2-40B4-BE49-F238E27FC236}">
                 <a16:creationId xmlns:a16="http://schemas.microsoft.com/office/drawing/2014/main" id="{29121F2F-6CF4-38E5-4111-58D01708C3D0}"/>
               </a:ext>
             </a:extLst>
@@ -31778,7 +34533,7 @@
                 <a:tabLst/>
                 <a:defRPr/>
               </a:pPr>
-              <a:t>30</a:t>
+              <a:t>31</a:t>
             </a:fld>
             <a:endParaRPr kumimoji="0" lang="en-US" sz="1200" b="0" i="0" u="none" strike="noStrike" kern="1200" cap="none" spc="0" normalizeH="0" baseline="0" noProof="0">
               <a:ln>
@@ -31911,7 +34666,7 @@
 </p:sld>
 </file>
 
-<file path=ppt/slides/slide31.xml><?xml version="1.0" encoding="utf-8"?>
+<file path=ppt/slides/slide32.xml><?xml version="1.0" encoding="utf-8"?>
 <p:sld xmlns:a="http://schemas.openxmlformats.org/drawingml/2006/main" xmlns:r="http://schemas.openxmlformats.org/officeDocument/2006/relationships" xmlns:p="http://schemas.openxmlformats.org/presentationml/2006/main">
   <p:cSld>
     <p:spTree>
@@ -32028,7 +34783,7 @@
                 <a:tabLst/>
                 <a:defRPr/>
               </a:pPr>
-              <a:t>31</a:t>
+              <a:t>32</a:t>
             </a:fld>
             <a:endParaRPr kumimoji="0" lang="en-US" sz="1200" b="0" i="0" u="none" strike="noStrike" kern="1200" cap="none" spc="0" normalizeH="0" baseline="0" noProof="0">
               <a:ln>
@@ -32286,7 +35041,7 @@
 </p:sld>
 </file>
 
-<file path=ppt/slides/slide32.xml><?xml version="1.0" encoding="utf-8"?>
+<file path=ppt/slides/slide33.xml><?xml version="1.0" encoding="utf-8"?>
 <p:sld xmlns:a="http://schemas.openxmlformats.org/drawingml/2006/main" xmlns:r="http://schemas.openxmlformats.org/officeDocument/2006/relationships" xmlns:p="http://schemas.openxmlformats.org/presentationml/2006/main">
   <p:cSld>
     <p:spTree>
@@ -32409,7 +35164,15 @@
             </a:r>
             <a:r>
               <a:rPr lang="en-US" dirty="0"/>
-              <a:t>if you need to wait for multiple promises to return.</a:t>
+              <a:t>if you need to wait for multiple promises to return (or </a:t>
+            </a:r>
+            <a:r>
+              <a:rPr lang="en-US" b="1" dirty="0" err="1"/>
+              <a:t>Promise.allSettled</a:t>
+            </a:r>
+            <a:r>
+              <a:rPr lang="en-US" dirty="0"/>
+              <a:t>, if needed).</a:t>
             </a:r>
             <a:endParaRPr dirty="0"/>
           </a:p>
@@ -32436,7 +35199,7 @@
 </p:sld>
 </file>
 
-<file path=ppt/slides/slide33.xml><?xml version="1.0" encoding="utf-8"?>
+<file path=ppt/slides/slide34.xml><?xml version="1.0" encoding="utf-8"?>
 <p:sld xmlns:a="http://schemas.openxmlformats.org/drawingml/2006/main" xmlns:r="http://schemas.openxmlformats.org/officeDocument/2006/relationships" xmlns:p="http://schemas.openxmlformats.org/presentationml/2006/main">
   <p:cSld>
     <p:spTree>
@@ -32553,7 +35316,7 @@
                 <a:tabLst/>
                 <a:defRPr/>
               </a:pPr>
-              <a:t>33</a:t>
+              <a:t>34</a:t>
             </a:fld>
             <a:endParaRPr kumimoji="0" lang="en-US" sz="1200" b="0" i="0" u="none" strike="noStrike" kern="1200" cap="none" spc="0" normalizeH="0" baseline="0" noProof="0">
               <a:ln>
@@ -32587,7 +35350,7 @@
 </p:sld>
 </file>
 
-<file path=ppt/slides/slide34.xml><?xml version="1.0" encoding="utf-8"?>
+<file path=ppt/slides/slide35.xml><?xml version="1.0" encoding="utf-8"?>
 <p:sld xmlns:a="http://schemas.openxmlformats.org/drawingml/2006/main" xmlns:r="http://schemas.openxmlformats.org/officeDocument/2006/relationships" xmlns:p="http://schemas.openxmlformats.org/presentationml/2006/main">
   <p:cSld>
     <p:spTree>
@@ -33596,7 +36359,7 @@
 </p:sld>
 </file>
 
-<file path=ppt/slides/slide35.xml><?xml version="1.0" encoding="utf-8"?>
+<file path=ppt/slides/slide36.xml><?xml version="1.0" encoding="utf-8"?>
 <p:sld xmlns:a="http://schemas.openxmlformats.org/drawingml/2006/main" xmlns:r="http://schemas.openxmlformats.org/officeDocument/2006/relationships" xmlns:p="http://schemas.openxmlformats.org/presentationml/2006/main">
   <p:cSld>
     <p:spTree>
@@ -34610,7 +37373,7 @@
 </p:sld>
 </file>
 
-<file path=ppt/slides/slide36.xml><?xml version="1.0" encoding="utf-8"?>
+<file path=ppt/slides/slide37.xml><?xml version="1.0" encoding="utf-8"?>
 <p:sld xmlns:a="http://schemas.openxmlformats.org/drawingml/2006/main" xmlns:r="http://schemas.openxmlformats.org/officeDocument/2006/relationships" xmlns:p="http://schemas.openxmlformats.org/presentationml/2006/main">
   <p:cSld>
     <p:spTree>
@@ -34752,7 +37515,7 @@
                 <a:tabLst/>
                 <a:defRPr/>
               </a:pPr>
-              <a:t>36</a:t>
+              <a:t>37</a:t>
             </a:fld>
             <a:endParaRPr kumimoji="0" lang="en-US" sz="1200" b="0" i="0" u="none" strike="noStrike" kern="1200" cap="none" spc="0" normalizeH="0" baseline="0" noProof="0">
               <a:ln>
@@ -35965,7 +38728,7 @@
 </p:sld>
 </file>
 
-<file path=ppt/slides/slide37.xml><?xml version="1.0" encoding="utf-8"?>
+<file path=ppt/slides/slide38.xml><?xml version="1.0" encoding="utf-8"?>
 <p:sld xmlns:a="http://schemas.openxmlformats.org/drawingml/2006/main" xmlns:r="http://schemas.openxmlformats.org/officeDocument/2006/relationships" xmlns:p="http://schemas.openxmlformats.org/presentationml/2006/main">
   <p:cSld>
     <p:spTree>
@@ -36104,7 +38867,7 @@
           <a:p>
             <a:fld id="{20F37917-FD3A-4669-9018-DA04BCDD3D75}" type="slidenum">
               <a:rPr lang="en-US" smtClean="0"/>
-              <a:t>37</a:t>
+              <a:t>38</a:t>
             </a:fld>
             <a:endParaRPr lang="en-US"/>
           </a:p>
@@ -36661,7 +39424,7 @@
           <a:p>
             <a:r>
               <a:rPr lang="en-US" dirty="0"/>
-              <a:t>An async function is like an ordinary function, except that it will pause at two well-defined points in its execution. We will show you those with an example.</a:t>
+              <a:t>An async function is like an ordinary function, except that it will pause at well-defined points in its execution. We will show you those with an example.</a:t>
             </a:r>
           </a:p>
           <a:p>
